--- a/UART model.pptx
+++ b/UART model.pptx
@@ -11,6 +11,7 @@
     <p:sldId id="259" r:id="rId5"/>
     <p:sldId id="260" r:id="rId6"/>
     <p:sldId id="261" r:id="rId7"/>
+    <p:sldId id="262" r:id="rId8"/>
   </p:sldIdLst>
   <p:sldSz cx="12192000" cy="6858000"/>
   <p:notesSz cx="6858000" cy="9144000"/>
@@ -132,7 +133,7 @@
 <file path=ppt/revisionInfo.xml><?xml version="1.0" encoding="utf-8"?>
 <p1510:revInfo xmlns:a="http://schemas.openxmlformats.org/drawingml/2006/main" xmlns:r="http://schemas.openxmlformats.org/officeDocument/2006/relationships" xmlns:p1510="http://schemas.microsoft.com/office/powerpoint/2015/10/main">
   <p1510:revLst>
-    <p1510:client id="{56CF898D-0475-4A64-89D7-9E562B826F4B}" v="196" dt="2021-04-14T16:54:11.938"/>
+    <p1510:client id="{56CF898D-0475-4A64-89D7-9E562B826F4B}" v="240" dt="2021-04-28T15:44:59.170"/>
   </p1510:revLst>
 </p1510:revInfo>
 </file>
@@ -142,7 +143,7 @@
   <pc:docChgLst>
     <pc:chgData name="Flavio" userId="acf32d90-2754-4ce4-92d1-4f5cef942a84" providerId="ADAL" clId="{56CF898D-0475-4A64-89D7-9E562B826F4B}"/>
     <pc:docChg chg="undo custSel addSld modSld sldOrd">
-      <pc:chgData name="Flavio" userId="acf32d90-2754-4ce4-92d1-4f5cef942a84" providerId="ADAL" clId="{56CF898D-0475-4A64-89D7-9E562B826F4B}" dt="2021-04-14T16:54:14.146" v="2971" actId="1076"/>
+      <pc:chgData name="Flavio" userId="acf32d90-2754-4ce4-92d1-4f5cef942a84" providerId="ADAL" clId="{56CF898D-0475-4A64-89D7-9E562B826F4B}" dt="2021-04-28T15:45:03.389" v="3469" actId="1076"/>
       <pc:docMkLst>
         <pc:docMk/>
       </pc:docMkLst>
@@ -2832,7 +2833,7 @@
         </pc:spChg>
       </pc:sldChg>
       <pc:sldChg chg="addSp delSp modSp add mod ord">
-        <pc:chgData name="Flavio" userId="acf32d90-2754-4ce4-92d1-4f5cef942a84" providerId="ADAL" clId="{56CF898D-0475-4A64-89D7-9E562B826F4B}" dt="2021-04-14T16:54:14.146" v="2971" actId="1076"/>
+        <pc:chgData name="Flavio" userId="acf32d90-2754-4ce4-92d1-4f5cef942a84" providerId="ADAL" clId="{56CF898D-0475-4A64-89D7-9E562B826F4B}" dt="2021-04-28T13:58:27.742" v="2989" actId="1076"/>
         <pc:sldMkLst>
           <pc:docMk/>
           <pc:sldMk cId="1981810323" sldId="259"/>
@@ -2851,6 +2852,14 @@
             <pc:docMk/>
             <pc:sldMk cId="1981810323" sldId="259"/>
             <ac:spMk id="5" creationId="{70BDC4F8-79ED-41AC-9E28-684C5461E721}"/>
+          </ac:spMkLst>
+        </pc:spChg>
+        <pc:spChg chg="add mod">
+          <ac:chgData name="Flavio" userId="acf32d90-2754-4ce4-92d1-4f5cef942a84" providerId="ADAL" clId="{56CF898D-0475-4A64-89D7-9E562B826F4B}" dt="2021-04-28T13:58:27.742" v="2989" actId="1076"/>
+          <ac:spMkLst>
+            <pc:docMk/>
+            <pc:sldMk cId="1981810323" sldId="259"/>
+            <ac:spMk id="6" creationId="{83C9B082-74DB-480A-8244-A9A1F292C15A}"/>
           </ac:spMkLst>
         </pc:spChg>
         <pc:spChg chg="del">
@@ -4697,6 +4706,861 @@
             <pc:docMk/>
             <pc:sldMk cId="194733402" sldId="261"/>
             <ac:cxnSpMk id="137" creationId="{F41A4D25-9E02-4145-A2B7-8C7C9072D169}"/>
+          </ac:cxnSpMkLst>
+        </pc:cxnChg>
+      </pc:sldChg>
+      <pc:sldChg chg="addSp delSp modSp add mod">
+        <pc:chgData name="Flavio" userId="acf32d90-2754-4ce4-92d1-4f5cef942a84" providerId="ADAL" clId="{56CF898D-0475-4A64-89D7-9E562B826F4B}" dt="2021-04-28T15:45:03.389" v="3469" actId="1076"/>
+        <pc:sldMkLst>
+          <pc:docMk/>
+          <pc:sldMk cId="1277511959" sldId="262"/>
+        </pc:sldMkLst>
+        <pc:spChg chg="add mod">
+          <ac:chgData name="Flavio" userId="acf32d90-2754-4ce4-92d1-4f5cef942a84" providerId="ADAL" clId="{56CF898D-0475-4A64-89D7-9E562B826F4B}" dt="2021-04-28T15:44:43.845" v="3464" actId="14100"/>
+          <ac:spMkLst>
+            <pc:docMk/>
+            <pc:sldMk cId="1277511959" sldId="262"/>
+            <ac:spMk id="3" creationId="{0BE4988F-0738-4EFF-B0CA-A248EDBF68E8}"/>
+          </ac:spMkLst>
+        </pc:spChg>
+        <pc:spChg chg="mod">
+          <ac:chgData name="Flavio" userId="acf32d90-2754-4ce4-92d1-4f5cef942a84" providerId="ADAL" clId="{56CF898D-0475-4A64-89D7-9E562B826F4B}" dt="2021-04-28T14:48:49.300" v="3292" actId="14100"/>
+          <ac:spMkLst>
+            <pc:docMk/>
+            <pc:sldMk cId="1277511959" sldId="262"/>
+            <ac:spMk id="4" creationId="{D8135A24-C0D2-4E99-AFFF-BC880D6EAED3}"/>
+          </ac:spMkLst>
+        </pc:spChg>
+        <pc:spChg chg="del">
+          <ac:chgData name="Flavio" userId="acf32d90-2754-4ce4-92d1-4f5cef942a84" providerId="ADAL" clId="{56CF898D-0475-4A64-89D7-9E562B826F4B}" dt="2021-04-28T14:00:47.866" v="3025" actId="478"/>
+          <ac:spMkLst>
+            <pc:docMk/>
+            <pc:sldMk cId="1277511959" sldId="262"/>
+            <ac:spMk id="6" creationId="{FEA85D21-ADAB-45EB-86E6-F852BAF8149E}"/>
+          </ac:spMkLst>
+        </pc:spChg>
+        <pc:spChg chg="add mod">
+          <ac:chgData name="Flavio" userId="acf32d90-2754-4ce4-92d1-4f5cef942a84" providerId="ADAL" clId="{56CF898D-0475-4A64-89D7-9E562B826F4B}" dt="2021-04-28T14:45:50.841" v="3154" actId="1076"/>
+          <ac:spMkLst>
+            <pc:docMk/>
+            <pc:sldMk cId="1277511959" sldId="262"/>
+            <ac:spMk id="9" creationId="{4BBF2AEE-07D3-4D5D-AD6D-ACC9B0C008EA}"/>
+          </ac:spMkLst>
+        </pc:spChg>
+        <pc:spChg chg="del">
+          <ac:chgData name="Flavio" userId="acf32d90-2754-4ce4-92d1-4f5cef942a84" providerId="ADAL" clId="{56CF898D-0475-4A64-89D7-9E562B826F4B}" dt="2021-04-28T14:00:47.866" v="3025" actId="478"/>
+          <ac:spMkLst>
+            <pc:docMk/>
+            <pc:sldMk cId="1277511959" sldId="262"/>
+            <ac:spMk id="10" creationId="{3D2A2ACD-B0C8-480C-8E53-2476B348FE01}"/>
+          </ac:spMkLst>
+        </pc:spChg>
+        <pc:spChg chg="mod">
+          <ac:chgData name="Flavio" userId="acf32d90-2754-4ce4-92d1-4f5cef942a84" providerId="ADAL" clId="{56CF898D-0475-4A64-89D7-9E562B826F4B}" dt="2021-04-28T13:59:05.606" v="3013" actId="20577"/>
+          <ac:spMkLst>
+            <pc:docMk/>
+            <pc:sldMk cId="1277511959" sldId="262"/>
+            <ac:spMk id="15" creationId="{1127BF1A-013D-4CDC-A4B0-5A008398B57C}"/>
+          </ac:spMkLst>
+        </pc:spChg>
+        <pc:spChg chg="del">
+          <ac:chgData name="Flavio" userId="acf32d90-2754-4ce4-92d1-4f5cef942a84" providerId="ADAL" clId="{56CF898D-0475-4A64-89D7-9E562B826F4B}" dt="2021-04-28T14:00:47.866" v="3025" actId="478"/>
+          <ac:spMkLst>
+            <pc:docMk/>
+            <pc:sldMk cId="1277511959" sldId="262"/>
+            <ac:spMk id="17" creationId="{1C52F829-1778-434C-9196-2AF807F5D785}"/>
+          </ac:spMkLst>
+        </pc:spChg>
+        <pc:spChg chg="add mod">
+          <ac:chgData name="Flavio" userId="acf32d90-2754-4ce4-92d1-4f5cef942a84" providerId="ADAL" clId="{56CF898D-0475-4A64-89D7-9E562B826F4B}" dt="2021-04-28T15:23:55.295" v="3440" actId="1037"/>
+          <ac:spMkLst>
+            <pc:docMk/>
+            <pc:sldMk cId="1277511959" sldId="262"/>
+            <ac:spMk id="19" creationId="{E0D10CFF-CF2C-4DB3-A318-90AF84E30F41}"/>
+          </ac:spMkLst>
+        </pc:spChg>
+        <pc:spChg chg="del">
+          <ac:chgData name="Flavio" userId="acf32d90-2754-4ce4-92d1-4f5cef942a84" providerId="ADAL" clId="{56CF898D-0475-4A64-89D7-9E562B826F4B}" dt="2021-04-28T14:00:27.995" v="3016" actId="478"/>
+          <ac:spMkLst>
+            <pc:docMk/>
+            <pc:sldMk cId="1277511959" sldId="262"/>
+            <ac:spMk id="45" creationId="{1084C39E-D7F4-4DA6-93F4-B217E0ECEA57}"/>
+          </ac:spMkLst>
+        </pc:spChg>
+        <pc:spChg chg="add mod">
+          <ac:chgData name="Flavio" userId="acf32d90-2754-4ce4-92d1-4f5cef942a84" providerId="ADAL" clId="{56CF898D-0475-4A64-89D7-9E562B826F4B}" dt="2021-04-28T15:24:06.007" v="3443" actId="1076"/>
+          <ac:spMkLst>
+            <pc:docMk/>
+            <pc:sldMk cId="1277511959" sldId="262"/>
+            <ac:spMk id="50" creationId="{18EB922A-2D6F-448C-B315-F667C2E59AC9}"/>
+          </ac:spMkLst>
+        </pc:spChg>
+        <pc:spChg chg="mod">
+          <ac:chgData name="Flavio" userId="acf32d90-2754-4ce4-92d1-4f5cef942a84" providerId="ADAL" clId="{56CF898D-0475-4A64-89D7-9E562B826F4B}" dt="2021-04-28T14:00:28.759" v="3017"/>
+          <ac:spMkLst>
+            <pc:docMk/>
+            <pc:sldMk cId="1277511959" sldId="262"/>
+            <ac:spMk id="54" creationId="{E36AD518-C096-4B13-82F4-C5E83E8DD962}"/>
+          </ac:spMkLst>
+        </pc:spChg>
+        <pc:spChg chg="add mod">
+          <ac:chgData name="Flavio" userId="acf32d90-2754-4ce4-92d1-4f5cef942a84" providerId="ADAL" clId="{56CF898D-0475-4A64-89D7-9E562B826F4B}" dt="2021-04-28T14:49:06.553" v="3293" actId="164"/>
+          <ac:spMkLst>
+            <pc:docMk/>
+            <pc:sldMk cId="1277511959" sldId="262"/>
+            <ac:spMk id="55" creationId="{8E377C86-BB2A-4EF5-8CAD-6F1BC34EDBE2}"/>
+          </ac:spMkLst>
+        </pc:spChg>
+        <pc:spChg chg="add mod">
+          <ac:chgData name="Flavio" userId="acf32d90-2754-4ce4-92d1-4f5cef942a84" providerId="ADAL" clId="{56CF898D-0475-4A64-89D7-9E562B826F4B}" dt="2021-04-28T14:48:38.968" v="3275" actId="1038"/>
+          <ac:spMkLst>
+            <pc:docMk/>
+            <pc:sldMk cId="1277511959" sldId="262"/>
+            <ac:spMk id="57" creationId="{E76F058C-960C-43FE-BFB7-D594C0999E3D}"/>
+          </ac:spMkLst>
+        </pc:spChg>
+        <pc:spChg chg="add mod">
+          <ac:chgData name="Flavio" userId="acf32d90-2754-4ce4-92d1-4f5cef942a84" providerId="ADAL" clId="{56CF898D-0475-4A64-89D7-9E562B826F4B}" dt="2021-04-28T14:48:38.968" v="3275" actId="1038"/>
+          <ac:spMkLst>
+            <pc:docMk/>
+            <pc:sldMk cId="1277511959" sldId="262"/>
+            <ac:spMk id="60" creationId="{DB633FEC-CB24-45B2-9694-1CAD64581FC4}"/>
+          </ac:spMkLst>
+        </pc:spChg>
+        <pc:spChg chg="add mod">
+          <ac:chgData name="Flavio" userId="acf32d90-2754-4ce4-92d1-4f5cef942a84" providerId="ADAL" clId="{56CF898D-0475-4A64-89D7-9E562B826F4B}" dt="2021-04-28T14:48:45.928" v="3291" actId="1037"/>
+          <ac:spMkLst>
+            <pc:docMk/>
+            <pc:sldMk cId="1277511959" sldId="262"/>
+            <ac:spMk id="61" creationId="{2F303EA9-37C3-42C4-BD5C-1F4262E9B693}"/>
+          </ac:spMkLst>
+        </pc:spChg>
+        <pc:spChg chg="add mod">
+          <ac:chgData name="Flavio" userId="acf32d90-2754-4ce4-92d1-4f5cef942a84" providerId="ADAL" clId="{56CF898D-0475-4A64-89D7-9E562B826F4B}" dt="2021-04-28T14:48:45.928" v="3291" actId="1037"/>
+          <ac:spMkLst>
+            <pc:docMk/>
+            <pc:sldMk cId="1277511959" sldId="262"/>
+            <ac:spMk id="63" creationId="{9457F53B-4395-4C3B-9667-F7372CB82C07}"/>
+          </ac:spMkLst>
+        </pc:spChg>
+        <pc:spChg chg="mod">
+          <ac:chgData name="Flavio" userId="acf32d90-2754-4ce4-92d1-4f5cef942a84" providerId="ADAL" clId="{56CF898D-0475-4A64-89D7-9E562B826F4B}" dt="2021-04-28T15:23:55.295" v="3440" actId="1037"/>
+          <ac:spMkLst>
+            <pc:docMk/>
+            <pc:sldMk cId="1277511959" sldId="262"/>
+            <ac:spMk id="65" creationId="{DB9E3F68-3539-4442-8BA3-7298C4AA11E9}"/>
+          </ac:spMkLst>
+        </pc:spChg>
+        <pc:spChg chg="del">
+          <ac:chgData name="Flavio" userId="acf32d90-2754-4ce4-92d1-4f5cef942a84" providerId="ADAL" clId="{56CF898D-0475-4A64-89D7-9E562B826F4B}" dt="2021-04-28T14:00:25.682" v="3015" actId="478"/>
+          <ac:spMkLst>
+            <pc:docMk/>
+            <pc:sldMk cId="1277511959" sldId="262"/>
+            <ac:spMk id="70" creationId="{22630E79-2BA6-426D-9343-7DC3F90321C0}"/>
+          </ac:spMkLst>
+        </pc:spChg>
+        <pc:spChg chg="del">
+          <ac:chgData name="Flavio" userId="acf32d90-2754-4ce4-92d1-4f5cef942a84" providerId="ADAL" clId="{56CF898D-0475-4A64-89D7-9E562B826F4B}" dt="2021-04-28T14:00:47.866" v="3025" actId="478"/>
+          <ac:spMkLst>
+            <pc:docMk/>
+            <pc:sldMk cId="1277511959" sldId="262"/>
+            <ac:spMk id="71" creationId="{881C4350-67EF-4A73-85D8-826B303662FB}"/>
+          </ac:spMkLst>
+        </pc:spChg>
+        <pc:spChg chg="del">
+          <ac:chgData name="Flavio" userId="acf32d90-2754-4ce4-92d1-4f5cef942a84" providerId="ADAL" clId="{56CF898D-0475-4A64-89D7-9E562B826F4B}" dt="2021-04-28T14:00:47.866" v="3025" actId="478"/>
+          <ac:spMkLst>
+            <pc:docMk/>
+            <pc:sldMk cId="1277511959" sldId="262"/>
+            <ac:spMk id="74" creationId="{9B587716-2074-438C-AF51-7F7E0A5E8AE6}"/>
+          </ac:spMkLst>
+        </pc:spChg>
+        <pc:spChg chg="mod">
+          <ac:chgData name="Flavio" userId="acf32d90-2754-4ce4-92d1-4f5cef942a84" providerId="ADAL" clId="{56CF898D-0475-4A64-89D7-9E562B826F4B}" dt="2021-04-28T15:23:55.295" v="3440" actId="1037"/>
+          <ac:spMkLst>
+            <pc:docMk/>
+            <pc:sldMk cId="1277511959" sldId="262"/>
+            <ac:spMk id="79" creationId="{163545BC-E8E1-48E6-8CC7-4EC5E64E312B}"/>
+          </ac:spMkLst>
+        </pc:spChg>
+        <pc:spChg chg="mod">
+          <ac:chgData name="Flavio" userId="acf32d90-2754-4ce4-92d1-4f5cef942a84" providerId="ADAL" clId="{56CF898D-0475-4A64-89D7-9E562B826F4B}" dt="2021-04-28T15:23:55.295" v="3440" actId="1037"/>
+          <ac:spMkLst>
+            <pc:docMk/>
+            <pc:sldMk cId="1277511959" sldId="262"/>
+            <ac:spMk id="80" creationId="{9382CBE5-EFDB-4BB6-9BBB-21EF8E6BA612}"/>
+          </ac:spMkLst>
+        </pc:spChg>
+        <pc:spChg chg="del">
+          <ac:chgData name="Flavio" userId="acf32d90-2754-4ce4-92d1-4f5cef942a84" providerId="ADAL" clId="{56CF898D-0475-4A64-89D7-9E562B826F4B}" dt="2021-04-28T13:58:51.076" v="3008" actId="478"/>
+          <ac:spMkLst>
+            <pc:docMk/>
+            <pc:sldMk cId="1277511959" sldId="262"/>
+            <ac:spMk id="91" creationId="{35526724-F6F5-4303-ADC0-01EEFDC2BF85}"/>
+          </ac:spMkLst>
+        </pc:spChg>
+        <pc:spChg chg="mod">
+          <ac:chgData name="Flavio" userId="acf32d90-2754-4ce4-92d1-4f5cef942a84" providerId="ADAL" clId="{56CF898D-0475-4A64-89D7-9E562B826F4B}" dt="2021-04-28T14:49:08.288" v="3294"/>
+          <ac:spMkLst>
+            <pc:docMk/>
+            <pc:sldMk cId="1277511959" sldId="262"/>
+            <ac:spMk id="109" creationId="{BD5488C2-6159-4F39-9EB0-62CDBC3B9956}"/>
+          </ac:spMkLst>
+        </pc:spChg>
+        <pc:spChg chg="mod">
+          <ac:chgData name="Flavio" userId="acf32d90-2754-4ce4-92d1-4f5cef942a84" providerId="ADAL" clId="{56CF898D-0475-4A64-89D7-9E562B826F4B}" dt="2021-04-28T14:49:26.621" v="3298" actId="1076"/>
+          <ac:spMkLst>
+            <pc:docMk/>
+            <pc:sldMk cId="1277511959" sldId="262"/>
+            <ac:spMk id="114" creationId="{C7091D18-BDB5-4087-BEBD-F589C022407E}"/>
+          </ac:spMkLst>
+        </pc:spChg>
+        <pc:spChg chg="add mod">
+          <ac:chgData name="Flavio" userId="acf32d90-2754-4ce4-92d1-4f5cef942a84" providerId="ADAL" clId="{56CF898D-0475-4A64-89D7-9E562B826F4B}" dt="2021-04-28T15:44:48.712" v="3465" actId="1076"/>
+          <ac:spMkLst>
+            <pc:docMk/>
+            <pc:sldMk cId="1277511959" sldId="262"/>
+            <ac:spMk id="115" creationId="{9C81AB14-4144-45AC-A3AD-E16EC87EE092}"/>
+          </ac:spMkLst>
+        </pc:spChg>
+        <pc:spChg chg="add mod">
+          <ac:chgData name="Flavio" userId="acf32d90-2754-4ce4-92d1-4f5cef942a84" providerId="ADAL" clId="{56CF898D-0475-4A64-89D7-9E562B826F4B}" dt="2021-04-28T14:57:23.862" v="3364" actId="1076"/>
+          <ac:spMkLst>
+            <pc:docMk/>
+            <pc:sldMk cId="1277511959" sldId="262"/>
+            <ac:spMk id="119" creationId="{52B6320E-2914-417C-A6AB-FC09E2F77F94}"/>
+          </ac:spMkLst>
+        </pc:spChg>
+        <pc:spChg chg="add mod">
+          <ac:chgData name="Flavio" userId="acf32d90-2754-4ce4-92d1-4f5cef942a84" providerId="ADAL" clId="{56CF898D-0475-4A64-89D7-9E562B826F4B}" dt="2021-04-28T14:59:30.110" v="3370" actId="1076"/>
+          <ac:spMkLst>
+            <pc:docMk/>
+            <pc:sldMk cId="1277511959" sldId="262"/>
+            <ac:spMk id="123" creationId="{74D4B7F0-AA20-4085-8970-66BBD045874A}"/>
+          </ac:spMkLst>
+        </pc:spChg>
+        <pc:spChg chg="add mod">
+          <ac:chgData name="Flavio" userId="acf32d90-2754-4ce4-92d1-4f5cef942a84" providerId="ADAL" clId="{56CF898D-0475-4A64-89D7-9E562B826F4B}" dt="2021-04-28T15:00:41.068" v="3393" actId="1076"/>
+          <ac:spMkLst>
+            <pc:docMk/>
+            <pc:sldMk cId="1277511959" sldId="262"/>
+            <ac:spMk id="132" creationId="{2184879A-6C30-40CE-B0B9-210E18DBF130}"/>
+          </ac:spMkLst>
+        </pc:spChg>
+        <pc:spChg chg="add mod">
+          <ac:chgData name="Flavio" userId="acf32d90-2754-4ce4-92d1-4f5cef942a84" providerId="ADAL" clId="{56CF898D-0475-4A64-89D7-9E562B826F4B}" dt="2021-04-28T15:01:56.719" v="3425" actId="1076"/>
+          <ac:spMkLst>
+            <pc:docMk/>
+            <pc:sldMk cId="1277511959" sldId="262"/>
+            <ac:spMk id="147" creationId="{A642CE1E-3A83-4978-B0F5-BBCDF3591781}"/>
+          </ac:spMkLst>
+        </pc:spChg>
+        <pc:grpChg chg="del">
+          <ac:chgData name="Flavio" userId="acf32d90-2754-4ce4-92d1-4f5cef942a84" providerId="ADAL" clId="{56CF898D-0475-4A64-89D7-9E562B826F4B}" dt="2021-04-28T14:00:47.866" v="3025" actId="478"/>
+          <ac:grpSpMkLst>
+            <pc:docMk/>
+            <pc:sldMk cId="1277511959" sldId="262"/>
+            <ac:grpSpMk id="2" creationId="{60CE4256-F021-4A62-8442-621CFBCCFABE}"/>
+          </ac:grpSpMkLst>
+        </pc:grpChg>
+        <pc:grpChg chg="add mod">
+          <ac:chgData name="Flavio" userId="acf32d90-2754-4ce4-92d1-4f5cef942a84" providerId="ADAL" clId="{56CF898D-0475-4A64-89D7-9E562B826F4B}" dt="2021-04-28T15:24:06.007" v="3443" actId="1076"/>
+          <ac:grpSpMkLst>
+            <pc:docMk/>
+            <pc:sldMk cId="1277511959" sldId="262"/>
+            <ac:grpSpMk id="18" creationId="{3EDAD602-3334-4D2A-9C50-28C9D248B45E}"/>
+          </ac:grpSpMkLst>
+        </pc:grpChg>
+        <pc:grpChg chg="add mod">
+          <ac:chgData name="Flavio" userId="acf32d90-2754-4ce4-92d1-4f5cef942a84" providerId="ADAL" clId="{56CF898D-0475-4A64-89D7-9E562B826F4B}" dt="2021-04-28T14:49:06.553" v="3293" actId="164"/>
+          <ac:grpSpMkLst>
+            <pc:docMk/>
+            <pc:sldMk cId="1277511959" sldId="262"/>
+            <ac:grpSpMk id="51" creationId="{EA44DCBB-0E62-483D-B0C8-DA39B037D8F1}"/>
+          </ac:grpSpMkLst>
+        </pc:grpChg>
+        <pc:grpChg chg="del">
+          <ac:chgData name="Flavio" userId="acf32d90-2754-4ce4-92d1-4f5cef942a84" providerId="ADAL" clId="{56CF898D-0475-4A64-89D7-9E562B826F4B}" dt="2021-04-28T14:00:47.866" v="3025" actId="478"/>
+          <ac:grpSpMkLst>
+            <pc:docMk/>
+            <pc:sldMk cId="1277511959" sldId="262"/>
+            <ac:grpSpMk id="92" creationId="{CEF9C6DB-7B68-45CC-A635-DA3AE76D29DE}"/>
+          </ac:grpSpMkLst>
+        </pc:grpChg>
+        <pc:grpChg chg="del">
+          <ac:chgData name="Flavio" userId="acf32d90-2754-4ce4-92d1-4f5cef942a84" providerId="ADAL" clId="{56CF898D-0475-4A64-89D7-9E562B826F4B}" dt="2021-04-28T14:00:47.866" v="3025" actId="478"/>
+          <ac:grpSpMkLst>
+            <pc:docMk/>
+            <pc:sldMk cId="1277511959" sldId="262"/>
+            <ac:grpSpMk id="97" creationId="{B0553C29-A3B6-4AB9-BD07-208C3CA669CF}"/>
+          </ac:grpSpMkLst>
+        </pc:grpChg>
+        <pc:grpChg chg="add mod">
+          <ac:chgData name="Flavio" userId="acf32d90-2754-4ce4-92d1-4f5cef942a84" providerId="ADAL" clId="{56CF898D-0475-4A64-89D7-9E562B826F4B}" dt="2021-04-28T14:49:15.356" v="3296" actId="1076"/>
+          <ac:grpSpMkLst>
+            <pc:docMk/>
+            <pc:sldMk cId="1277511959" sldId="262"/>
+            <ac:grpSpMk id="103" creationId="{F9E43047-52C7-46E8-8838-B03E8F271735}"/>
+          </ac:grpSpMkLst>
+        </pc:grpChg>
+        <pc:grpChg chg="mod">
+          <ac:chgData name="Flavio" userId="acf32d90-2754-4ce4-92d1-4f5cef942a84" providerId="ADAL" clId="{56CF898D-0475-4A64-89D7-9E562B826F4B}" dt="2021-04-28T14:49:08.288" v="3294"/>
+          <ac:grpSpMkLst>
+            <pc:docMk/>
+            <pc:sldMk cId="1277511959" sldId="262"/>
+            <ac:grpSpMk id="106" creationId="{6F8E1214-4C41-4380-8D18-2332451FFC2B}"/>
+          </ac:grpSpMkLst>
+        </pc:grpChg>
+        <pc:cxnChg chg="add del mod">
+          <ac:chgData name="Flavio" userId="acf32d90-2754-4ce4-92d1-4f5cef942a84" providerId="ADAL" clId="{56CF898D-0475-4A64-89D7-9E562B826F4B}" dt="2021-04-28T14:46:00.773" v="3156" actId="478"/>
+          <ac:cxnSpMkLst>
+            <pc:docMk/>
+            <pc:sldMk cId="1277511959" sldId="262"/>
+            <ac:cxnSpMk id="7" creationId="{4BB1AC1C-131C-4C03-9E4D-675D8AAA94D6}"/>
+          </ac:cxnSpMkLst>
+        </pc:cxnChg>
+        <pc:cxnChg chg="add mod">
+          <ac:chgData name="Flavio" userId="acf32d90-2754-4ce4-92d1-4f5cef942a84" providerId="ADAL" clId="{56CF898D-0475-4A64-89D7-9E562B826F4B}" dt="2021-04-28T15:44:43.845" v="3464" actId="14100"/>
+          <ac:cxnSpMkLst>
+            <pc:docMk/>
+            <pc:sldMk cId="1277511959" sldId="262"/>
+            <ac:cxnSpMk id="12" creationId="{702D5EAD-F4E2-42F5-B775-385E16187EE9}"/>
+          </ac:cxnSpMkLst>
+        </pc:cxnChg>
+        <pc:cxnChg chg="add del">
+          <ac:chgData name="Flavio" userId="acf32d90-2754-4ce4-92d1-4f5cef942a84" providerId="ADAL" clId="{56CF898D-0475-4A64-89D7-9E562B826F4B}" dt="2021-04-28T14:47:00.807" v="3159" actId="478"/>
+          <ac:cxnSpMkLst>
+            <pc:docMk/>
+            <pc:sldMk cId="1277511959" sldId="262"/>
+            <ac:cxnSpMk id="14" creationId="{BA5DCA33-99EC-4D1C-A710-F145F4440E2C}"/>
+          </ac:cxnSpMkLst>
+        </pc:cxnChg>
+        <pc:cxnChg chg="del">
+          <ac:chgData name="Flavio" userId="acf32d90-2754-4ce4-92d1-4f5cef942a84" providerId="ADAL" clId="{56CF898D-0475-4A64-89D7-9E562B826F4B}" dt="2021-04-28T14:00:47.866" v="3025" actId="478"/>
+          <ac:cxnSpMkLst>
+            <pc:docMk/>
+            <pc:sldMk cId="1277511959" sldId="262"/>
+            <ac:cxnSpMk id="21" creationId="{8CEF4C4B-CD3D-41F0-B396-DF798A8DF975}"/>
+          </ac:cxnSpMkLst>
+        </pc:cxnChg>
+        <pc:cxnChg chg="add del mod">
+          <ac:chgData name="Flavio" userId="acf32d90-2754-4ce4-92d1-4f5cef942a84" providerId="ADAL" clId="{56CF898D-0475-4A64-89D7-9E562B826F4B}" dt="2021-04-28T14:53:57.534" v="3335" actId="478"/>
+          <ac:cxnSpMkLst>
+            <pc:docMk/>
+            <pc:sldMk cId="1277511959" sldId="262"/>
+            <ac:cxnSpMk id="22" creationId="{446D0163-B3AC-4068-943A-6E09F66C086F}"/>
+          </ac:cxnSpMkLst>
+        </pc:cxnChg>
+        <pc:cxnChg chg="del">
+          <ac:chgData name="Flavio" userId="acf32d90-2754-4ce4-92d1-4f5cef942a84" providerId="ADAL" clId="{56CF898D-0475-4A64-89D7-9E562B826F4B}" dt="2021-04-28T14:00:47.866" v="3025" actId="478"/>
+          <ac:cxnSpMkLst>
+            <pc:docMk/>
+            <pc:sldMk cId="1277511959" sldId="262"/>
+            <ac:cxnSpMk id="23" creationId="{0387DFDB-7E61-4376-91C5-7BCDA8C556A6}"/>
+          </ac:cxnSpMkLst>
+        </pc:cxnChg>
+        <pc:cxnChg chg="add mod">
+          <ac:chgData name="Flavio" userId="acf32d90-2754-4ce4-92d1-4f5cef942a84" providerId="ADAL" clId="{56CF898D-0475-4A64-89D7-9E562B826F4B}" dt="2021-04-28T15:25:13.633" v="3459" actId="14100"/>
+          <ac:cxnSpMkLst>
+            <pc:docMk/>
+            <pc:sldMk cId="1277511959" sldId="262"/>
+            <ac:cxnSpMk id="26" creationId="{BB00128A-34ED-41E0-8ED7-DAB6CAC02092}"/>
+          </ac:cxnSpMkLst>
+        </pc:cxnChg>
+        <pc:cxnChg chg="del">
+          <ac:chgData name="Flavio" userId="acf32d90-2754-4ce4-92d1-4f5cef942a84" providerId="ADAL" clId="{56CF898D-0475-4A64-89D7-9E562B826F4B}" dt="2021-04-28T14:00:47.866" v="3025" actId="478"/>
+          <ac:cxnSpMkLst>
+            <pc:docMk/>
+            <pc:sldMk cId="1277511959" sldId="262"/>
+            <ac:cxnSpMk id="28" creationId="{914D4C88-2516-4C91-913C-8A7295E2BC37}"/>
+          </ac:cxnSpMkLst>
+        </pc:cxnChg>
+        <pc:cxnChg chg="add del mod">
+          <ac:chgData name="Flavio" userId="acf32d90-2754-4ce4-92d1-4f5cef942a84" providerId="ADAL" clId="{56CF898D-0475-4A64-89D7-9E562B826F4B}" dt="2021-04-28T15:44:36.716" v="3462" actId="478"/>
+          <ac:cxnSpMkLst>
+            <pc:docMk/>
+            <pc:sldMk cId="1277511959" sldId="262"/>
+            <ac:cxnSpMk id="32" creationId="{64CEDA14-BF0A-4F10-84B3-25F1CE12A6CC}"/>
+          </ac:cxnSpMkLst>
+        </pc:cxnChg>
+        <pc:cxnChg chg="del">
+          <ac:chgData name="Flavio" userId="acf32d90-2754-4ce4-92d1-4f5cef942a84" providerId="ADAL" clId="{56CF898D-0475-4A64-89D7-9E562B826F4B}" dt="2021-04-28T14:00:47.866" v="3025" actId="478"/>
+          <ac:cxnSpMkLst>
+            <pc:docMk/>
+            <pc:sldMk cId="1277511959" sldId="262"/>
+            <ac:cxnSpMk id="34" creationId="{97430AA6-2F31-42EE-A452-E09BE355EB4F}"/>
+          </ac:cxnSpMkLst>
+        </pc:cxnChg>
+        <pc:cxnChg chg="del">
+          <ac:chgData name="Flavio" userId="acf32d90-2754-4ce4-92d1-4f5cef942a84" providerId="ADAL" clId="{56CF898D-0475-4A64-89D7-9E562B826F4B}" dt="2021-04-28T14:00:47.866" v="3025" actId="478"/>
+          <ac:cxnSpMkLst>
+            <pc:docMk/>
+            <pc:sldMk cId="1277511959" sldId="262"/>
+            <ac:cxnSpMk id="36" creationId="{DCD75A23-B8D6-4097-AB6C-501D0B3C714A}"/>
+          </ac:cxnSpMkLst>
+        </pc:cxnChg>
+        <pc:cxnChg chg="add del mod">
+          <ac:chgData name="Flavio" userId="acf32d90-2754-4ce4-92d1-4f5cef942a84" providerId="ADAL" clId="{56CF898D-0475-4A64-89D7-9E562B826F4B}" dt="2021-04-28T15:44:38.041" v="3463" actId="478"/>
+          <ac:cxnSpMkLst>
+            <pc:docMk/>
+            <pc:sldMk cId="1277511959" sldId="262"/>
+            <ac:cxnSpMk id="39" creationId="{BB00F2FF-66C8-4AD5-9A21-925E4D62F99E}"/>
+          </ac:cxnSpMkLst>
+        </pc:cxnChg>
+        <pc:cxnChg chg="del">
+          <ac:chgData name="Flavio" userId="acf32d90-2754-4ce4-92d1-4f5cef942a84" providerId="ADAL" clId="{56CF898D-0475-4A64-89D7-9E562B826F4B}" dt="2021-04-28T14:00:47.866" v="3025" actId="478"/>
+          <ac:cxnSpMkLst>
+            <pc:docMk/>
+            <pc:sldMk cId="1277511959" sldId="262"/>
+            <ac:cxnSpMk id="41" creationId="{D5A796C4-F038-4DB5-AF94-E87A12F6F469}"/>
+          </ac:cxnSpMkLst>
+        </pc:cxnChg>
+        <pc:cxnChg chg="del">
+          <ac:chgData name="Flavio" userId="acf32d90-2754-4ce4-92d1-4f5cef942a84" providerId="ADAL" clId="{56CF898D-0475-4A64-89D7-9E562B826F4B}" dt="2021-04-28T14:00:25.682" v="3015" actId="478"/>
+          <ac:cxnSpMkLst>
+            <pc:docMk/>
+            <pc:sldMk cId="1277511959" sldId="262"/>
+            <ac:cxnSpMk id="42" creationId="{D7983E6F-AFB7-46EA-BEE6-C54068D19455}"/>
+          </ac:cxnSpMkLst>
+        </pc:cxnChg>
+        <pc:cxnChg chg="mod">
+          <ac:chgData name="Flavio" userId="acf32d90-2754-4ce4-92d1-4f5cef942a84" providerId="ADAL" clId="{56CF898D-0475-4A64-89D7-9E562B826F4B}" dt="2021-04-28T15:23:55.295" v="3440" actId="1037"/>
+          <ac:cxnSpMkLst>
+            <pc:docMk/>
+            <pc:sldMk cId="1277511959" sldId="262"/>
+            <ac:cxnSpMk id="49" creationId="{2BAE48FE-EDD5-40CE-A93F-101BEB7F9E60}"/>
+          </ac:cxnSpMkLst>
+        </pc:cxnChg>
+        <pc:cxnChg chg="mod">
+          <ac:chgData name="Flavio" userId="acf32d90-2754-4ce4-92d1-4f5cef942a84" providerId="ADAL" clId="{56CF898D-0475-4A64-89D7-9E562B826F4B}" dt="2021-04-28T14:00:28.759" v="3017"/>
+          <ac:cxnSpMkLst>
+            <pc:docMk/>
+            <pc:sldMk cId="1277511959" sldId="262"/>
+            <ac:cxnSpMk id="52" creationId="{3E64716C-974D-47E7-897C-1FB0C604C13A}"/>
+          </ac:cxnSpMkLst>
+        </pc:cxnChg>
+        <pc:cxnChg chg="mod">
+          <ac:chgData name="Flavio" userId="acf32d90-2754-4ce4-92d1-4f5cef942a84" providerId="ADAL" clId="{56CF898D-0475-4A64-89D7-9E562B826F4B}" dt="2021-04-28T14:00:28.759" v="3017"/>
+          <ac:cxnSpMkLst>
+            <pc:docMk/>
+            <pc:sldMk cId="1277511959" sldId="262"/>
+            <ac:cxnSpMk id="53" creationId="{4E3DEC86-3A66-4AAD-AF22-B029C31E3563}"/>
+          </ac:cxnSpMkLst>
+        </pc:cxnChg>
+        <pc:cxnChg chg="add mod">
+          <ac:chgData name="Flavio" userId="acf32d90-2754-4ce4-92d1-4f5cef942a84" providerId="ADAL" clId="{56CF898D-0475-4A64-89D7-9E562B826F4B}" dt="2021-04-28T14:48:38.968" v="3275" actId="1038"/>
+          <ac:cxnSpMkLst>
+            <pc:docMk/>
+            <pc:sldMk cId="1277511959" sldId="262"/>
+            <ac:cxnSpMk id="56" creationId="{AA8EA96A-E6F4-4218-90DA-F22694330A18}"/>
+          </ac:cxnSpMkLst>
+        </pc:cxnChg>
+        <pc:cxnChg chg="add mod">
+          <ac:chgData name="Flavio" userId="acf32d90-2754-4ce4-92d1-4f5cef942a84" providerId="ADAL" clId="{56CF898D-0475-4A64-89D7-9E562B826F4B}" dt="2021-04-28T14:48:38.968" v="3275" actId="1038"/>
+          <ac:cxnSpMkLst>
+            <pc:docMk/>
+            <pc:sldMk cId="1277511959" sldId="262"/>
+            <ac:cxnSpMk id="58" creationId="{319173E8-DD31-4A86-9433-E31D7D074F05}"/>
+          </ac:cxnSpMkLst>
+        </pc:cxnChg>
+        <pc:cxnChg chg="del">
+          <ac:chgData name="Flavio" userId="acf32d90-2754-4ce4-92d1-4f5cef942a84" providerId="ADAL" clId="{56CF898D-0475-4A64-89D7-9E562B826F4B}" dt="2021-04-28T14:00:38.577" v="3020" actId="478"/>
+          <ac:cxnSpMkLst>
+            <pc:docMk/>
+            <pc:sldMk cId="1277511959" sldId="262"/>
+            <ac:cxnSpMk id="59" creationId="{ED06116A-76D8-4D99-AB62-2437E664E29A}"/>
+          </ac:cxnSpMkLst>
+        </pc:cxnChg>
+        <pc:cxnChg chg="del">
+          <ac:chgData name="Flavio" userId="acf32d90-2754-4ce4-92d1-4f5cef942a84" providerId="ADAL" clId="{56CF898D-0475-4A64-89D7-9E562B826F4B}" dt="2021-04-28T14:00:22.423" v="3014" actId="478"/>
+          <ac:cxnSpMkLst>
+            <pc:docMk/>
+            <pc:sldMk cId="1277511959" sldId="262"/>
+            <ac:cxnSpMk id="62" creationId="{342E3963-E6E8-4AA3-82CF-FEA7D926EA57}"/>
+          </ac:cxnSpMkLst>
+        </pc:cxnChg>
+        <pc:cxnChg chg="del">
+          <ac:chgData name="Flavio" userId="acf32d90-2754-4ce4-92d1-4f5cef942a84" providerId="ADAL" clId="{56CF898D-0475-4A64-89D7-9E562B826F4B}" dt="2021-04-28T14:00:47.866" v="3025" actId="478"/>
+          <ac:cxnSpMkLst>
+            <pc:docMk/>
+            <pc:sldMk cId="1277511959" sldId="262"/>
+            <ac:cxnSpMk id="64" creationId="{3A89DE6D-57D2-43D1-B632-DB294AD119E7}"/>
+          </ac:cxnSpMkLst>
+        </pc:cxnChg>
+        <pc:cxnChg chg="add del mod">
+          <ac:chgData name="Flavio" userId="acf32d90-2754-4ce4-92d1-4f5cef942a84" providerId="ADAL" clId="{56CF898D-0475-4A64-89D7-9E562B826F4B}" dt="2021-04-28T14:53:04.332" v="3316" actId="478"/>
+          <ac:cxnSpMkLst>
+            <pc:docMk/>
+            <pc:sldMk cId="1277511959" sldId="262"/>
+            <ac:cxnSpMk id="66" creationId="{1DF216D3-61EA-4BAF-A816-2603C32FFC14}"/>
+          </ac:cxnSpMkLst>
+        </pc:cxnChg>
+        <pc:cxnChg chg="add mod">
+          <ac:chgData name="Flavio" userId="acf32d90-2754-4ce4-92d1-4f5cef942a84" providerId="ADAL" clId="{56CF898D-0475-4A64-89D7-9E562B826F4B}" dt="2021-04-28T15:23:55.295" v="3440" actId="1037"/>
+          <ac:cxnSpMkLst>
+            <pc:docMk/>
+            <pc:sldMk cId="1277511959" sldId="262"/>
+            <ac:cxnSpMk id="69" creationId="{E237715D-46F0-4A95-BE63-5DED626C7E05}"/>
+          </ac:cxnSpMkLst>
+        </pc:cxnChg>
+        <pc:cxnChg chg="add mod">
+          <ac:chgData name="Flavio" userId="acf32d90-2754-4ce4-92d1-4f5cef942a84" providerId="ADAL" clId="{56CF898D-0475-4A64-89D7-9E562B826F4B}" dt="2021-04-28T15:23:55.295" v="3440" actId="1037"/>
+          <ac:cxnSpMkLst>
+            <pc:docMk/>
+            <pc:sldMk cId="1277511959" sldId="262"/>
+            <ac:cxnSpMk id="72" creationId="{799081E0-1D7C-4810-8C00-69EE33A46A8B}"/>
+          </ac:cxnSpMkLst>
+        </pc:cxnChg>
+        <pc:cxnChg chg="add mod">
+          <ac:chgData name="Flavio" userId="acf32d90-2754-4ce4-92d1-4f5cef942a84" providerId="ADAL" clId="{56CF898D-0475-4A64-89D7-9E562B826F4B}" dt="2021-04-28T15:23:55.295" v="3440" actId="1037"/>
+          <ac:cxnSpMkLst>
+            <pc:docMk/>
+            <pc:sldMk cId="1277511959" sldId="262"/>
+            <ac:cxnSpMk id="73" creationId="{6058B45A-52B7-43E2-9BA8-969B7E2127E2}"/>
+          </ac:cxnSpMkLst>
+        </pc:cxnChg>
+        <pc:cxnChg chg="del">
+          <ac:chgData name="Flavio" userId="acf32d90-2754-4ce4-92d1-4f5cef942a84" providerId="ADAL" clId="{56CF898D-0475-4A64-89D7-9E562B826F4B}" dt="2021-04-28T14:00:47.866" v="3025" actId="478"/>
+          <ac:cxnSpMkLst>
+            <pc:docMk/>
+            <pc:sldMk cId="1277511959" sldId="262"/>
+            <ac:cxnSpMk id="75" creationId="{1C9D7D2C-82F3-4ADB-8130-BFA3E370E1FF}"/>
+          </ac:cxnSpMkLst>
+        </pc:cxnChg>
+        <pc:cxnChg chg="del">
+          <ac:chgData name="Flavio" userId="acf32d90-2754-4ce4-92d1-4f5cef942a84" providerId="ADAL" clId="{56CF898D-0475-4A64-89D7-9E562B826F4B}" dt="2021-04-28T14:00:47.866" v="3025" actId="478"/>
+          <ac:cxnSpMkLst>
+            <pc:docMk/>
+            <pc:sldMk cId="1277511959" sldId="262"/>
+            <ac:cxnSpMk id="77" creationId="{D8392EAE-07DD-4FBC-AB5E-BD4F3D2B22BF}"/>
+          </ac:cxnSpMkLst>
+        </pc:cxnChg>
+        <pc:cxnChg chg="del">
+          <ac:chgData name="Flavio" userId="acf32d90-2754-4ce4-92d1-4f5cef942a84" providerId="ADAL" clId="{56CF898D-0475-4A64-89D7-9E562B826F4B}" dt="2021-04-28T14:00:47.866" v="3025" actId="478"/>
+          <ac:cxnSpMkLst>
+            <pc:docMk/>
+            <pc:sldMk cId="1277511959" sldId="262"/>
+            <ac:cxnSpMk id="78" creationId="{2D6A965A-B4EA-40E2-BE32-E8D5026F78B1}"/>
+          </ac:cxnSpMkLst>
+        </pc:cxnChg>
+        <pc:cxnChg chg="add mod">
+          <ac:chgData name="Flavio" userId="acf32d90-2754-4ce4-92d1-4f5cef942a84" providerId="ADAL" clId="{56CF898D-0475-4A64-89D7-9E562B826F4B}" dt="2021-04-28T15:23:55.295" v="3440" actId="1037"/>
+          <ac:cxnSpMkLst>
+            <pc:docMk/>
+            <pc:sldMk cId="1277511959" sldId="262"/>
+            <ac:cxnSpMk id="81" creationId="{A8988F9C-E65B-4CE4-9F9D-60C34DAD7611}"/>
+          </ac:cxnSpMkLst>
+        </pc:cxnChg>
+        <pc:cxnChg chg="add mod">
+          <ac:chgData name="Flavio" userId="acf32d90-2754-4ce4-92d1-4f5cef942a84" providerId="ADAL" clId="{56CF898D-0475-4A64-89D7-9E562B826F4B}" dt="2021-04-28T15:23:55.295" v="3440" actId="1037"/>
+          <ac:cxnSpMkLst>
+            <pc:docMk/>
+            <pc:sldMk cId="1277511959" sldId="262"/>
+            <ac:cxnSpMk id="82" creationId="{7B92DDFA-121F-4789-8F69-3429402AB189}"/>
+          </ac:cxnSpMkLst>
+        </pc:cxnChg>
+        <pc:cxnChg chg="add mod">
+          <ac:chgData name="Flavio" userId="acf32d90-2754-4ce4-92d1-4f5cef942a84" providerId="ADAL" clId="{56CF898D-0475-4A64-89D7-9E562B826F4B}" dt="2021-04-28T15:23:55.295" v="3440" actId="1037"/>
+          <ac:cxnSpMkLst>
+            <pc:docMk/>
+            <pc:sldMk cId="1277511959" sldId="262"/>
+            <ac:cxnSpMk id="83" creationId="{D0C51BC7-DC35-4878-97E3-932674D383BE}"/>
+          </ac:cxnSpMkLst>
+        </pc:cxnChg>
+        <pc:cxnChg chg="add mod">
+          <ac:chgData name="Flavio" userId="acf32d90-2754-4ce4-92d1-4f5cef942a84" providerId="ADAL" clId="{56CF898D-0475-4A64-89D7-9E562B826F4B}" dt="2021-04-28T14:47:29.897" v="3181" actId="1036"/>
+          <ac:cxnSpMkLst>
+            <pc:docMk/>
+            <pc:sldMk cId="1277511959" sldId="262"/>
+            <ac:cxnSpMk id="84" creationId="{5E5F4866-7258-4150-B30A-74C4EBD085CC}"/>
+          </ac:cxnSpMkLst>
+        </pc:cxnChg>
+        <pc:cxnChg chg="add mod">
+          <ac:chgData name="Flavio" userId="acf32d90-2754-4ce4-92d1-4f5cef942a84" providerId="ADAL" clId="{56CF898D-0475-4A64-89D7-9E562B826F4B}" dt="2021-04-28T14:47:29.897" v="3181" actId="1036"/>
+          <ac:cxnSpMkLst>
+            <pc:docMk/>
+            <pc:sldMk cId="1277511959" sldId="262"/>
+            <ac:cxnSpMk id="85" creationId="{8244701F-A607-4312-B127-91CD021C1204}"/>
+          </ac:cxnSpMkLst>
+        </pc:cxnChg>
+        <pc:cxnChg chg="add mod">
+          <ac:chgData name="Flavio" userId="acf32d90-2754-4ce4-92d1-4f5cef942a84" providerId="ADAL" clId="{56CF898D-0475-4A64-89D7-9E562B826F4B}" dt="2021-04-28T14:47:29.897" v="3181" actId="1036"/>
+          <ac:cxnSpMkLst>
+            <pc:docMk/>
+            <pc:sldMk cId="1277511959" sldId="262"/>
+            <ac:cxnSpMk id="86" creationId="{1485CAA7-2089-46D2-A1BC-035EAADD2E09}"/>
+          </ac:cxnSpMkLst>
+        </pc:cxnChg>
+        <pc:cxnChg chg="add mod">
+          <ac:chgData name="Flavio" userId="acf32d90-2754-4ce4-92d1-4f5cef942a84" providerId="ADAL" clId="{56CF898D-0475-4A64-89D7-9E562B826F4B}" dt="2021-04-28T14:47:29.897" v="3181" actId="1036"/>
+          <ac:cxnSpMkLst>
+            <pc:docMk/>
+            <pc:sldMk cId="1277511959" sldId="262"/>
+            <ac:cxnSpMk id="87" creationId="{CAEC43BA-2AB5-461B-B8F3-E661A49715C4}"/>
+          </ac:cxnSpMkLst>
+        </pc:cxnChg>
+        <pc:cxnChg chg="add mod">
+          <ac:chgData name="Flavio" userId="acf32d90-2754-4ce4-92d1-4f5cef942a84" providerId="ADAL" clId="{56CF898D-0475-4A64-89D7-9E562B826F4B}" dt="2021-04-28T14:47:29.897" v="3181" actId="1036"/>
+          <ac:cxnSpMkLst>
+            <pc:docMk/>
+            <pc:sldMk cId="1277511959" sldId="262"/>
+            <ac:cxnSpMk id="88" creationId="{9793C93E-337F-48CD-A635-4869CBDD2AF9}"/>
+          </ac:cxnSpMkLst>
+        </pc:cxnChg>
+        <pc:cxnChg chg="add mod">
+          <ac:chgData name="Flavio" userId="acf32d90-2754-4ce4-92d1-4f5cef942a84" providerId="ADAL" clId="{56CF898D-0475-4A64-89D7-9E562B826F4B}" dt="2021-04-28T14:47:29.897" v="3181" actId="1036"/>
+          <ac:cxnSpMkLst>
+            <pc:docMk/>
+            <pc:sldMk cId="1277511959" sldId="262"/>
+            <ac:cxnSpMk id="89" creationId="{7FC8C505-7A0F-4C62-9A89-4BB5B0E141D7}"/>
+          </ac:cxnSpMkLst>
+        </pc:cxnChg>
+        <pc:cxnChg chg="del">
+          <ac:chgData name="Flavio" userId="acf32d90-2754-4ce4-92d1-4f5cef942a84" providerId="ADAL" clId="{56CF898D-0475-4A64-89D7-9E562B826F4B}" dt="2021-04-28T14:00:47.866" v="3025" actId="478"/>
+          <ac:cxnSpMkLst>
+            <pc:docMk/>
+            <pc:sldMk cId="1277511959" sldId="262"/>
+            <ac:cxnSpMk id="90" creationId="{AEEBB950-EF9D-4B92-94C5-46506669F82C}"/>
+          </ac:cxnSpMkLst>
+        </pc:cxnChg>
+        <pc:cxnChg chg="del">
+          <ac:chgData name="Flavio" userId="acf32d90-2754-4ce4-92d1-4f5cef942a84" providerId="ADAL" clId="{56CF898D-0475-4A64-89D7-9E562B826F4B}" dt="2021-04-28T14:00:47.866" v="3025" actId="478"/>
+          <ac:cxnSpMkLst>
+            <pc:docMk/>
+            <pc:sldMk cId="1277511959" sldId="262"/>
+            <ac:cxnSpMk id="93" creationId="{D89F6706-B442-4A75-A2B4-69B23F36E5D7}"/>
+          </ac:cxnSpMkLst>
+        </pc:cxnChg>
+        <pc:cxnChg chg="add mod">
+          <ac:chgData name="Flavio" userId="acf32d90-2754-4ce4-92d1-4f5cef942a84" providerId="ADAL" clId="{56CF898D-0475-4A64-89D7-9E562B826F4B}" dt="2021-04-28T14:47:29.897" v="3181" actId="1036"/>
+          <ac:cxnSpMkLst>
+            <pc:docMk/>
+            <pc:sldMk cId="1277511959" sldId="262"/>
+            <ac:cxnSpMk id="101" creationId="{FBE4C2A4-157E-429B-855A-62664BD98385}"/>
+          </ac:cxnSpMkLst>
+        </pc:cxnChg>
+        <pc:cxnChg chg="add mod">
+          <ac:chgData name="Flavio" userId="acf32d90-2754-4ce4-92d1-4f5cef942a84" providerId="ADAL" clId="{56CF898D-0475-4A64-89D7-9E562B826F4B}" dt="2021-04-28T14:47:29.897" v="3181" actId="1036"/>
+          <ac:cxnSpMkLst>
+            <pc:docMk/>
+            <pc:sldMk cId="1277511959" sldId="262"/>
+            <ac:cxnSpMk id="102" creationId="{42A9AE9C-1CC2-4D00-B81D-EE9437B36E87}"/>
+          </ac:cxnSpMkLst>
+        </pc:cxnChg>
+        <pc:cxnChg chg="del">
+          <ac:chgData name="Flavio" userId="acf32d90-2754-4ce4-92d1-4f5cef942a84" providerId="ADAL" clId="{56CF898D-0475-4A64-89D7-9E562B826F4B}" dt="2021-04-28T14:00:47.866" v="3025" actId="478"/>
+          <ac:cxnSpMkLst>
+            <pc:docMk/>
+            <pc:sldMk cId="1277511959" sldId="262"/>
+            <ac:cxnSpMk id="104" creationId="{C4877648-E97E-4516-9F17-DD203491D26D}"/>
+          </ac:cxnSpMkLst>
+        </pc:cxnChg>
+        <pc:cxnChg chg="del">
+          <ac:chgData name="Flavio" userId="acf32d90-2754-4ce4-92d1-4f5cef942a84" providerId="ADAL" clId="{56CF898D-0475-4A64-89D7-9E562B826F4B}" dt="2021-04-28T14:00:39.665" v="3021" actId="478"/>
+          <ac:cxnSpMkLst>
+            <pc:docMk/>
+            <pc:sldMk cId="1277511959" sldId="262"/>
+            <ac:cxnSpMk id="105" creationId="{BD0F5552-671A-4D51-AEAA-FF0CE971ABB7}"/>
+          </ac:cxnSpMkLst>
+        </pc:cxnChg>
+        <pc:cxnChg chg="del">
+          <ac:chgData name="Flavio" userId="acf32d90-2754-4ce4-92d1-4f5cef942a84" providerId="ADAL" clId="{56CF898D-0475-4A64-89D7-9E562B826F4B}" dt="2021-04-28T14:00:40.644" v="3022" actId="478"/>
+          <ac:cxnSpMkLst>
+            <pc:docMk/>
+            <pc:sldMk cId="1277511959" sldId="262"/>
+            <ac:cxnSpMk id="107" creationId="{6D848193-BDBF-4ABD-97B2-C599D0CCB3D5}"/>
+          </ac:cxnSpMkLst>
+        </pc:cxnChg>
+        <pc:cxnChg chg="del">
+          <ac:chgData name="Flavio" userId="acf32d90-2754-4ce4-92d1-4f5cef942a84" providerId="ADAL" clId="{56CF898D-0475-4A64-89D7-9E562B826F4B}" dt="2021-04-28T14:00:47.866" v="3025" actId="478"/>
+          <ac:cxnSpMkLst>
+            <pc:docMk/>
+            <pc:sldMk cId="1277511959" sldId="262"/>
+            <ac:cxnSpMk id="108" creationId="{5FFF9601-66AF-4AAF-B4CE-4FDB4B4391D2}"/>
+          </ac:cxnSpMkLst>
+        </pc:cxnChg>
+        <pc:cxnChg chg="del">
+          <ac:chgData name="Flavio" userId="acf32d90-2754-4ce4-92d1-4f5cef942a84" providerId="ADAL" clId="{56CF898D-0475-4A64-89D7-9E562B826F4B}" dt="2021-04-28T14:00:47.866" v="3025" actId="478"/>
+          <ac:cxnSpMkLst>
+            <pc:docMk/>
+            <pc:sldMk cId="1277511959" sldId="262"/>
+            <ac:cxnSpMk id="110" creationId="{0AB04125-8D05-484A-8014-F4213DC5B72C}"/>
+          </ac:cxnSpMkLst>
+        </pc:cxnChg>
+        <pc:cxnChg chg="del">
+          <ac:chgData name="Flavio" userId="acf32d90-2754-4ce4-92d1-4f5cef942a84" providerId="ADAL" clId="{56CF898D-0475-4A64-89D7-9E562B826F4B}" dt="2021-04-28T14:00:37.974" v="3019" actId="478"/>
+          <ac:cxnSpMkLst>
+            <pc:docMk/>
+            <pc:sldMk cId="1277511959" sldId="262"/>
+            <ac:cxnSpMk id="111" creationId="{7A41594E-590D-4248-9D80-A6753AD8344F}"/>
+          </ac:cxnSpMkLst>
+        </pc:cxnChg>
+        <pc:cxnChg chg="mod">
+          <ac:chgData name="Flavio" userId="acf32d90-2754-4ce4-92d1-4f5cef942a84" providerId="ADAL" clId="{56CF898D-0475-4A64-89D7-9E562B826F4B}" dt="2021-04-28T14:49:08.288" v="3294"/>
+          <ac:cxnSpMkLst>
+            <pc:docMk/>
+            <pc:sldMk cId="1277511959" sldId="262"/>
+            <ac:cxnSpMk id="112" creationId="{8239C2DD-454B-458E-9D03-C26CDA3E664D}"/>
+          </ac:cxnSpMkLst>
+        </pc:cxnChg>
+        <pc:cxnChg chg="mod">
+          <ac:chgData name="Flavio" userId="acf32d90-2754-4ce4-92d1-4f5cef942a84" providerId="ADAL" clId="{56CF898D-0475-4A64-89D7-9E562B826F4B}" dt="2021-04-28T14:49:08.288" v="3294"/>
+          <ac:cxnSpMkLst>
+            <pc:docMk/>
+            <pc:sldMk cId="1277511959" sldId="262"/>
+            <ac:cxnSpMk id="113" creationId="{11AC78C9-7035-4EC5-AE3C-D3FBC05E0204}"/>
+          </ac:cxnSpMkLst>
+        </pc:cxnChg>
+        <pc:cxnChg chg="add mod">
+          <ac:chgData name="Flavio" userId="acf32d90-2754-4ce4-92d1-4f5cef942a84" providerId="ADAL" clId="{56CF898D-0475-4A64-89D7-9E562B826F4B}" dt="2021-04-28T15:25:07.630" v="3457" actId="14100"/>
+          <ac:cxnSpMkLst>
+            <pc:docMk/>
+            <pc:sldMk cId="1277511959" sldId="262"/>
+            <ac:cxnSpMk id="116" creationId="{993EF6DB-F8D4-4338-8E61-4990498FECFC}"/>
+          </ac:cxnSpMkLst>
+        </pc:cxnChg>
+        <pc:cxnChg chg="add mod">
+          <ac:chgData name="Flavio" userId="acf32d90-2754-4ce4-92d1-4f5cef942a84" providerId="ADAL" clId="{56CF898D-0475-4A64-89D7-9E562B826F4B}" dt="2021-04-28T15:25:00.921" v="3455" actId="14100"/>
+          <ac:cxnSpMkLst>
+            <pc:docMk/>
+            <pc:sldMk cId="1277511959" sldId="262"/>
+            <ac:cxnSpMk id="117" creationId="{EEA5D6DD-7B39-4953-8693-28B449318021}"/>
+          </ac:cxnSpMkLst>
+        </pc:cxnChg>
+        <pc:cxnChg chg="add mod">
+          <ac:chgData name="Flavio" userId="acf32d90-2754-4ce4-92d1-4f5cef942a84" providerId="ADAL" clId="{56CF898D-0475-4A64-89D7-9E562B826F4B}" dt="2021-04-28T15:24:51.584" v="3451" actId="14100"/>
+          <ac:cxnSpMkLst>
+            <pc:docMk/>
+            <pc:sldMk cId="1277511959" sldId="262"/>
+            <ac:cxnSpMk id="118" creationId="{A89C5128-26F0-4BA4-B0FF-BBD24D5FEFCF}"/>
+          </ac:cxnSpMkLst>
+        </pc:cxnChg>
+        <pc:cxnChg chg="add mod">
+          <ac:chgData name="Flavio" userId="acf32d90-2754-4ce4-92d1-4f5cef942a84" providerId="ADAL" clId="{56CF898D-0475-4A64-89D7-9E562B826F4B}" dt="2021-04-28T15:24:45.421" v="3449" actId="14100"/>
+          <ac:cxnSpMkLst>
+            <pc:docMk/>
+            <pc:sldMk cId="1277511959" sldId="262"/>
+            <ac:cxnSpMk id="120" creationId="{E0F3E90A-8DC9-4D4A-AC61-865A21AD0A50}"/>
+          </ac:cxnSpMkLst>
+        </pc:cxnChg>
+        <pc:cxnChg chg="add mod">
+          <ac:chgData name="Flavio" userId="acf32d90-2754-4ce4-92d1-4f5cef942a84" providerId="ADAL" clId="{56CF898D-0475-4A64-89D7-9E562B826F4B}" dt="2021-04-28T15:24:39.926" v="3447" actId="14100"/>
+          <ac:cxnSpMkLst>
+            <pc:docMk/>
+            <pc:sldMk cId="1277511959" sldId="262"/>
+            <ac:cxnSpMk id="121" creationId="{9DD12248-0953-40F6-928F-F3DB4771AF65}"/>
+          </ac:cxnSpMkLst>
+        </pc:cxnChg>
+        <pc:cxnChg chg="add">
+          <ac:chgData name="Flavio" userId="acf32d90-2754-4ce4-92d1-4f5cef942a84" providerId="ADAL" clId="{56CF898D-0475-4A64-89D7-9E562B826F4B}" dt="2021-04-28T14:57:38.818" v="3368" actId="11529"/>
+          <ac:cxnSpMkLst>
+            <pc:docMk/>
+            <pc:sldMk cId="1277511959" sldId="262"/>
+            <ac:cxnSpMk id="122" creationId="{458071D3-5FBF-42C3-9BF4-A41CEBDC12D6}"/>
+          </ac:cxnSpMkLst>
+        </pc:cxnChg>
+        <pc:cxnChg chg="add mod">
+          <ac:chgData name="Flavio" userId="acf32d90-2754-4ce4-92d1-4f5cef942a84" providerId="ADAL" clId="{56CF898D-0475-4A64-89D7-9E562B826F4B}" dt="2021-04-28T14:59:36.610" v="3373" actId="14100"/>
+          <ac:cxnSpMkLst>
+            <pc:docMk/>
+            <pc:sldMk cId="1277511959" sldId="262"/>
+            <ac:cxnSpMk id="124" creationId="{9CBC5745-A1A4-4AA4-B693-989B2ACC8691}"/>
+          </ac:cxnSpMkLst>
+        </pc:cxnChg>
+        <pc:cxnChg chg="add mod">
+          <ac:chgData name="Flavio" userId="acf32d90-2754-4ce4-92d1-4f5cef942a84" providerId="ADAL" clId="{56CF898D-0475-4A64-89D7-9E562B826F4B}" dt="2021-04-28T14:59:52.139" v="3378" actId="1037"/>
+          <ac:cxnSpMkLst>
+            <pc:docMk/>
+            <pc:sldMk cId="1277511959" sldId="262"/>
+            <ac:cxnSpMk id="128" creationId="{41083F9E-1435-4BF7-B944-7ADD0CBBCC61}"/>
+          </ac:cxnSpMkLst>
+        </pc:cxnChg>
+        <pc:cxnChg chg="add mod">
+          <ac:chgData name="Flavio" userId="acf32d90-2754-4ce4-92d1-4f5cef942a84" providerId="ADAL" clId="{56CF898D-0475-4A64-89D7-9E562B826F4B}" dt="2021-04-28T15:00:05.725" v="3391" actId="1036"/>
+          <ac:cxnSpMkLst>
+            <pc:docMk/>
+            <pc:sldMk cId="1277511959" sldId="262"/>
+            <ac:cxnSpMk id="129" creationId="{8B636F1F-A784-4D49-A722-50863268E77C}"/>
+          </ac:cxnSpMkLst>
+        </pc:cxnChg>
+        <pc:cxnChg chg="add mod">
+          <ac:chgData name="Flavio" userId="acf32d90-2754-4ce4-92d1-4f5cef942a84" providerId="ADAL" clId="{56CF898D-0475-4A64-89D7-9E562B826F4B}" dt="2021-04-28T15:01:05.662" v="3406" actId="14100"/>
+          <ac:cxnSpMkLst>
+            <pc:docMk/>
+            <pc:sldMk cId="1277511959" sldId="262"/>
+            <ac:cxnSpMk id="133" creationId="{718B7005-A7F6-4DE6-8D5B-5A2BD34211CF}"/>
+          </ac:cxnSpMkLst>
+        </pc:cxnChg>
+        <pc:cxnChg chg="add mod">
+          <ac:chgData name="Flavio" userId="acf32d90-2754-4ce4-92d1-4f5cef942a84" providerId="ADAL" clId="{56CF898D-0475-4A64-89D7-9E562B826F4B}" dt="2021-04-28T15:01:16.870" v="3417" actId="1036"/>
+          <ac:cxnSpMkLst>
+            <pc:docMk/>
+            <pc:sldMk cId="1277511959" sldId="262"/>
+            <ac:cxnSpMk id="139" creationId="{0F5E1DFF-20E5-46BB-9ACE-8525F9D8D94B}"/>
+          </ac:cxnSpMkLst>
+        </pc:cxnChg>
+        <pc:cxnChg chg="add mod">
+          <ac:chgData name="Flavio" userId="acf32d90-2754-4ce4-92d1-4f5cef942a84" providerId="ADAL" clId="{56CF898D-0475-4A64-89D7-9E562B826F4B}" dt="2021-04-28T15:01:25.353" v="3421" actId="14100"/>
+          <ac:cxnSpMkLst>
+            <pc:docMk/>
+            <pc:sldMk cId="1277511959" sldId="262"/>
+            <ac:cxnSpMk id="143" creationId="{A33C2CF4-2A2A-476F-A06A-4B62A36824C5}"/>
+          </ac:cxnSpMkLst>
+        </pc:cxnChg>
+        <pc:cxnChg chg="add mod">
+          <ac:chgData name="Flavio" userId="acf32d90-2754-4ce4-92d1-4f5cef942a84" providerId="ADAL" clId="{56CF898D-0475-4A64-89D7-9E562B826F4B}" dt="2021-04-28T15:02:06.954" v="3427" actId="1076"/>
+          <ac:cxnSpMkLst>
+            <pc:docMk/>
+            <pc:sldMk cId="1277511959" sldId="262"/>
+            <ac:cxnSpMk id="148" creationId="{BD163714-F446-4DD5-B6B9-29F369045D52}"/>
+          </ac:cxnSpMkLst>
+        </pc:cxnChg>
+        <pc:cxnChg chg="add mod">
+          <ac:chgData name="Flavio" userId="acf32d90-2754-4ce4-92d1-4f5cef942a84" providerId="ADAL" clId="{56CF898D-0475-4A64-89D7-9E562B826F4B}" dt="2021-04-28T15:02:16.274" v="3429" actId="14100"/>
+          <ac:cxnSpMkLst>
+            <pc:docMk/>
+            <pc:sldMk cId="1277511959" sldId="262"/>
+            <ac:cxnSpMk id="150" creationId="{2405E32B-4875-4325-B685-8522D0D99CF9}"/>
+          </ac:cxnSpMkLst>
+        </pc:cxnChg>
+        <pc:cxnChg chg="add mod">
+          <ac:chgData name="Flavio" userId="acf32d90-2754-4ce4-92d1-4f5cef942a84" providerId="ADAL" clId="{56CF898D-0475-4A64-89D7-9E562B826F4B}" dt="2021-04-28T15:02:24.100" v="3432" actId="14100"/>
+          <ac:cxnSpMkLst>
+            <pc:docMk/>
+            <pc:sldMk cId="1277511959" sldId="262"/>
+            <ac:cxnSpMk id="152" creationId="{D55D6756-5AAF-4DF1-9B39-752578C555B7}"/>
+          </ac:cxnSpMkLst>
+        </pc:cxnChg>
+        <pc:cxnChg chg="add mod">
+          <ac:chgData name="Flavio" userId="acf32d90-2754-4ce4-92d1-4f5cef942a84" providerId="ADAL" clId="{56CF898D-0475-4A64-89D7-9E562B826F4B}" dt="2021-04-28T15:02:30.778" v="3435" actId="14100"/>
+          <ac:cxnSpMkLst>
+            <pc:docMk/>
+            <pc:sldMk cId="1277511959" sldId="262"/>
+            <ac:cxnSpMk id="155" creationId="{5A050444-A4D0-4171-B878-606DCB110161}"/>
+          </ac:cxnSpMkLst>
+        </pc:cxnChg>
+        <pc:cxnChg chg="add mod">
+          <ac:chgData name="Flavio" userId="acf32d90-2754-4ce4-92d1-4f5cef942a84" providerId="ADAL" clId="{56CF898D-0475-4A64-89D7-9E562B826F4B}" dt="2021-04-28T15:24:20.649" v="3445" actId="14100"/>
+          <ac:cxnSpMkLst>
+            <pc:docMk/>
+            <pc:sldMk cId="1277511959" sldId="262"/>
+            <ac:cxnSpMk id="160" creationId="{07B8084E-6051-4CA5-8426-2A65850CF103}"/>
+          </ac:cxnSpMkLst>
+        </pc:cxnChg>
+        <pc:cxnChg chg="add mod">
+          <ac:chgData name="Flavio" userId="acf32d90-2754-4ce4-92d1-4f5cef942a84" providerId="ADAL" clId="{56CF898D-0475-4A64-89D7-9E562B826F4B}" dt="2021-04-28T15:44:56.584" v="3467" actId="1076"/>
+          <ac:cxnSpMkLst>
+            <pc:docMk/>
+            <pc:sldMk cId="1277511959" sldId="262"/>
+            <ac:cxnSpMk id="175" creationId="{715C0E83-5489-4EC0-A400-0AA0240C4384}"/>
+          </ac:cxnSpMkLst>
+        </pc:cxnChg>
+        <pc:cxnChg chg="add mod">
+          <ac:chgData name="Flavio" userId="acf32d90-2754-4ce4-92d1-4f5cef942a84" providerId="ADAL" clId="{56CF898D-0475-4A64-89D7-9E562B826F4B}" dt="2021-04-28T15:45:03.389" v="3469" actId="1076"/>
+          <ac:cxnSpMkLst>
+            <pc:docMk/>
+            <pc:sldMk cId="1277511959" sldId="262"/>
+            <ac:cxnSpMk id="176" creationId="{4B6B6B71-8381-44A1-9495-87C7CA102CC9}"/>
           </ac:cxnSpMkLst>
         </pc:cxnChg>
       </pc:sldChg>
@@ -4852,7 +5716,7 @@
           <a:p>
             <a:fld id="{078F766D-A9F8-44E5-A184-44CC0BAB2881}" type="datetimeFigureOut">
               <a:rPr lang="it-IT" smtClean="0"/>
-              <a:t>14/04/2021</a:t>
+              <a:t>28/04/2021</a:t>
             </a:fld>
             <a:endParaRPr lang="it-IT"/>
           </a:p>
@@ -5050,7 +5914,7 @@
           <a:p>
             <a:fld id="{078F766D-A9F8-44E5-A184-44CC0BAB2881}" type="datetimeFigureOut">
               <a:rPr lang="it-IT" smtClean="0"/>
-              <a:t>14/04/2021</a:t>
+              <a:t>28/04/2021</a:t>
             </a:fld>
             <a:endParaRPr lang="it-IT"/>
           </a:p>
@@ -5258,7 +6122,7 @@
           <a:p>
             <a:fld id="{078F766D-A9F8-44E5-A184-44CC0BAB2881}" type="datetimeFigureOut">
               <a:rPr lang="it-IT" smtClean="0"/>
-              <a:t>14/04/2021</a:t>
+              <a:t>28/04/2021</a:t>
             </a:fld>
             <a:endParaRPr lang="it-IT"/>
           </a:p>
@@ -5456,7 +6320,7 @@
           <a:p>
             <a:fld id="{078F766D-A9F8-44E5-A184-44CC0BAB2881}" type="datetimeFigureOut">
               <a:rPr lang="it-IT" smtClean="0"/>
-              <a:t>14/04/2021</a:t>
+              <a:t>28/04/2021</a:t>
             </a:fld>
             <a:endParaRPr lang="it-IT"/>
           </a:p>
@@ -5731,7 +6595,7 @@
           <a:p>
             <a:fld id="{078F766D-A9F8-44E5-A184-44CC0BAB2881}" type="datetimeFigureOut">
               <a:rPr lang="it-IT" smtClean="0"/>
-              <a:t>14/04/2021</a:t>
+              <a:t>28/04/2021</a:t>
             </a:fld>
             <a:endParaRPr lang="it-IT"/>
           </a:p>
@@ -5996,7 +6860,7 @@
           <a:p>
             <a:fld id="{078F766D-A9F8-44E5-A184-44CC0BAB2881}" type="datetimeFigureOut">
               <a:rPr lang="it-IT" smtClean="0"/>
-              <a:t>14/04/2021</a:t>
+              <a:t>28/04/2021</a:t>
             </a:fld>
             <a:endParaRPr lang="it-IT"/>
           </a:p>
@@ -6408,7 +7272,7 @@
           <a:p>
             <a:fld id="{078F766D-A9F8-44E5-A184-44CC0BAB2881}" type="datetimeFigureOut">
               <a:rPr lang="it-IT" smtClean="0"/>
-              <a:t>14/04/2021</a:t>
+              <a:t>28/04/2021</a:t>
             </a:fld>
             <a:endParaRPr lang="it-IT"/>
           </a:p>
@@ -6549,7 +7413,7 @@
           <a:p>
             <a:fld id="{078F766D-A9F8-44E5-A184-44CC0BAB2881}" type="datetimeFigureOut">
               <a:rPr lang="it-IT" smtClean="0"/>
-              <a:t>14/04/2021</a:t>
+              <a:t>28/04/2021</a:t>
             </a:fld>
             <a:endParaRPr lang="it-IT"/>
           </a:p>
@@ -6662,7 +7526,7 @@
           <a:p>
             <a:fld id="{078F766D-A9F8-44E5-A184-44CC0BAB2881}" type="datetimeFigureOut">
               <a:rPr lang="it-IT" smtClean="0"/>
-              <a:t>14/04/2021</a:t>
+              <a:t>28/04/2021</a:t>
             </a:fld>
             <a:endParaRPr lang="it-IT"/>
           </a:p>
@@ -6973,7 +7837,7 @@
           <a:p>
             <a:fld id="{078F766D-A9F8-44E5-A184-44CC0BAB2881}" type="datetimeFigureOut">
               <a:rPr lang="it-IT" smtClean="0"/>
-              <a:t>14/04/2021</a:t>
+              <a:t>28/04/2021</a:t>
             </a:fld>
             <a:endParaRPr lang="it-IT"/>
           </a:p>
@@ -7261,7 +8125,7 @@
           <a:p>
             <a:fld id="{078F766D-A9F8-44E5-A184-44CC0BAB2881}" type="datetimeFigureOut">
               <a:rPr lang="it-IT" smtClean="0"/>
-              <a:t>14/04/2021</a:t>
+              <a:t>28/04/2021</a:t>
             </a:fld>
             <a:endParaRPr lang="it-IT"/>
           </a:p>
@@ -7502,7 +8366,7 @@
           <a:p>
             <a:fld id="{078F766D-A9F8-44E5-A184-44CC0BAB2881}" type="datetimeFigureOut">
               <a:rPr lang="it-IT" smtClean="0"/>
-              <a:t>14/04/2021</a:t>
+              <a:t>28/04/2021</a:t>
             </a:fld>
             <a:endParaRPr lang="it-IT"/>
           </a:p>
@@ -20757,6 +21621,42 @@
           </a:fontRef>
         </p:style>
       </p:cxnSp>
+      <p:sp>
+        <p:nvSpPr>
+          <p:cNvPr id="6" name="CasellaDiTesto 5">
+            <a:extLst>
+              <a:ext uri="{FF2B5EF4-FFF2-40B4-BE49-F238E27FC236}">
+                <a16:creationId xmlns:a16="http://schemas.microsoft.com/office/drawing/2014/main" id="{83C9B082-74DB-480A-8244-A9A1F292C15A}"/>
+              </a:ext>
+            </a:extLst>
+          </p:cNvPr>
+          <p:cNvSpPr txBox="1"/>
+          <p:nvPr/>
+        </p:nvSpPr>
+        <p:spPr>
+          <a:xfrm>
+            <a:off x="2702868" y="169852"/>
+            <a:ext cx="1861303" cy="374248"/>
+          </a:xfrm>
+          <a:prstGeom prst="rect">
+            <a:avLst/>
+          </a:prstGeom>
+          <a:noFill/>
+        </p:spPr>
+        <p:txBody>
+          <a:bodyPr wrap="square" rtlCol="0">
+            <a:spAutoFit/>
+          </a:bodyPr>
+          <a:lstStyle/>
+          <a:p>
+            <a:r>
+              <a:rPr lang="it-IT" dirty="0" err="1"/>
+              <a:t>Deserializzatore</a:t>
+            </a:r>
+            <a:endParaRPr lang="it-IT" dirty="0"/>
+          </a:p>
+        </p:txBody>
+      </p:sp>
     </p:spTree>
     <p:extLst>
       <p:ext uri="{BB962C8B-B14F-4D97-AF65-F5344CB8AC3E}">
@@ -24989,6 +25889,2854 @@
     <p:extLst>
       <p:ext uri="{BB962C8B-B14F-4D97-AF65-F5344CB8AC3E}">
         <p14:creationId xmlns:p14="http://schemas.microsoft.com/office/powerpoint/2010/main" val="194733402"/>
+      </p:ext>
+    </p:extLst>
+  </p:cSld>
+  <p:clrMapOvr>
+    <a:masterClrMapping/>
+  </p:clrMapOvr>
+</p:sld>
+</file>
+
+<file path=ppt/slides/slide7.xml><?xml version="1.0" encoding="utf-8"?>
+<p:sld xmlns:a="http://schemas.openxmlformats.org/drawingml/2006/main" xmlns:r="http://schemas.openxmlformats.org/officeDocument/2006/relationships" xmlns:p="http://schemas.openxmlformats.org/presentationml/2006/main">
+  <p:cSld>
+    <p:spTree>
+      <p:nvGrpSpPr>
+        <p:cNvPr id="1" name=""/>
+        <p:cNvGrpSpPr/>
+        <p:nvPr/>
+      </p:nvGrpSpPr>
+      <p:grpSpPr>
+        <a:xfrm>
+          <a:off x="0" y="0"/>
+          <a:ext cx="0" cy="0"/>
+          <a:chOff x="0" y="0"/>
+          <a:chExt cx="0" cy="0"/>
+        </a:xfrm>
+      </p:grpSpPr>
+      <p:sp>
+        <p:nvSpPr>
+          <p:cNvPr id="4" name="Rettangolo 3">
+            <a:extLst>
+              <a:ext uri="{FF2B5EF4-FFF2-40B4-BE49-F238E27FC236}">
+                <a16:creationId xmlns:a16="http://schemas.microsoft.com/office/drawing/2014/main" id="{D8135A24-C0D2-4E99-AFFF-BC880D6EAED3}"/>
+              </a:ext>
+            </a:extLst>
+          </p:cNvPr>
+          <p:cNvSpPr/>
+          <p:nvPr/>
+        </p:nvSpPr>
+        <p:spPr>
+          <a:xfrm>
+            <a:off x="1691578" y="696286"/>
+            <a:ext cx="8920495" cy="5452844"/>
+          </a:xfrm>
+          <a:prstGeom prst="rect">
+            <a:avLst/>
+          </a:prstGeom>
+          <a:solidFill>
+            <a:schemeClr val="bg1"/>
+          </a:solidFill>
+          <a:ln>
+            <a:solidFill>
+              <a:schemeClr val="tx1"/>
+            </a:solidFill>
+          </a:ln>
+        </p:spPr>
+        <p:style>
+          <a:lnRef idx="2">
+            <a:schemeClr val="accent1">
+              <a:shade val="50000"/>
+            </a:schemeClr>
+          </a:lnRef>
+          <a:fillRef idx="1">
+            <a:schemeClr val="accent1"/>
+          </a:fillRef>
+          <a:effectRef idx="0">
+            <a:schemeClr val="accent1"/>
+          </a:effectRef>
+          <a:fontRef idx="minor">
+            <a:schemeClr val="lt1"/>
+          </a:fontRef>
+        </p:style>
+        <p:txBody>
+          <a:bodyPr rtlCol="0" anchor="ctr"/>
+          <a:lstStyle/>
+          <a:p>
+            <a:pPr algn="ctr"/>
+            <a:endParaRPr lang="it-IT" dirty="0"/>
+          </a:p>
+        </p:txBody>
+      </p:sp>
+      <p:cxnSp>
+        <p:nvCxnSpPr>
+          <p:cNvPr id="49" name="Connettore diritto 48">
+            <a:extLst>
+              <a:ext uri="{FF2B5EF4-FFF2-40B4-BE49-F238E27FC236}">
+                <a16:creationId xmlns:a16="http://schemas.microsoft.com/office/drawing/2014/main" id="{2BAE48FE-EDD5-40CE-A93F-101BEB7F9E60}"/>
+              </a:ext>
+            </a:extLst>
+          </p:cNvPr>
+          <p:cNvCxnSpPr>
+            <a:cxnSpLocks/>
+          </p:cNvCxnSpPr>
+          <p:nvPr/>
+        </p:nvCxnSpPr>
+        <p:spPr>
+          <a:xfrm>
+            <a:off x="1115197" y="4639319"/>
+            <a:ext cx="761295" cy="0"/>
+          </a:xfrm>
+          <a:prstGeom prst="line">
+            <a:avLst/>
+          </a:prstGeom>
+          <a:ln w="28575">
+            <a:solidFill>
+              <a:schemeClr val="tx1"/>
+            </a:solidFill>
+          </a:ln>
+        </p:spPr>
+        <p:style>
+          <a:lnRef idx="1">
+            <a:schemeClr val="accent1"/>
+          </a:lnRef>
+          <a:fillRef idx="0">
+            <a:schemeClr val="accent1"/>
+          </a:fillRef>
+          <a:effectRef idx="0">
+            <a:schemeClr val="accent1"/>
+          </a:effectRef>
+          <a:fontRef idx="minor">
+            <a:schemeClr val="tx1"/>
+          </a:fontRef>
+        </p:style>
+      </p:cxnSp>
+      <p:sp>
+        <p:nvSpPr>
+          <p:cNvPr id="65" name="Triangolo isoscele 64">
+            <a:extLst>
+              <a:ext uri="{FF2B5EF4-FFF2-40B4-BE49-F238E27FC236}">
+                <a16:creationId xmlns:a16="http://schemas.microsoft.com/office/drawing/2014/main" id="{DB9E3F68-3539-4442-8BA3-7298C4AA11E9}"/>
+              </a:ext>
+            </a:extLst>
+          </p:cNvPr>
+          <p:cNvSpPr/>
+          <p:nvPr/>
+        </p:nvSpPr>
+        <p:spPr>
+          <a:xfrm rot="5400000">
+            <a:off x="1396492" y="4582873"/>
+            <a:ext cx="153354" cy="119690"/>
+          </a:xfrm>
+          <a:prstGeom prst="triangle">
+            <a:avLst/>
+          </a:prstGeom>
+          <a:solidFill>
+            <a:schemeClr val="tx1"/>
+          </a:solidFill>
+          <a:ln>
+            <a:solidFill>
+              <a:schemeClr val="tx1"/>
+            </a:solidFill>
+          </a:ln>
+        </p:spPr>
+        <p:style>
+          <a:lnRef idx="2">
+            <a:schemeClr val="accent1">
+              <a:shade val="50000"/>
+            </a:schemeClr>
+          </a:lnRef>
+          <a:fillRef idx="1">
+            <a:schemeClr val="accent1"/>
+          </a:fillRef>
+          <a:effectRef idx="0">
+            <a:schemeClr val="accent1"/>
+          </a:effectRef>
+          <a:fontRef idx="minor">
+            <a:schemeClr val="lt1"/>
+          </a:fontRef>
+        </p:style>
+        <p:txBody>
+          <a:bodyPr rtlCol="0" anchor="ctr"/>
+          <a:lstStyle/>
+          <a:p>
+            <a:pPr algn="ctr"/>
+            <a:endParaRPr lang="it-IT" dirty="0"/>
+          </a:p>
+        </p:txBody>
+      </p:sp>
+      <p:sp>
+        <p:nvSpPr>
+          <p:cNvPr id="79" name="CasellaDiTesto 78">
+            <a:extLst>
+              <a:ext uri="{FF2B5EF4-FFF2-40B4-BE49-F238E27FC236}">
+                <a16:creationId xmlns:a16="http://schemas.microsoft.com/office/drawing/2014/main" id="{163545BC-E8E1-48E6-8CC7-4EC5E64E312B}"/>
+              </a:ext>
+            </a:extLst>
+          </p:cNvPr>
+          <p:cNvSpPr txBox="1"/>
+          <p:nvPr/>
+        </p:nvSpPr>
+        <p:spPr>
+          <a:xfrm>
+            <a:off x="651994" y="4420826"/>
+            <a:ext cx="679509" cy="646331"/>
+          </a:xfrm>
+          <a:prstGeom prst="rect">
+            <a:avLst/>
+          </a:prstGeom>
+          <a:noFill/>
+        </p:spPr>
+        <p:txBody>
+          <a:bodyPr wrap="square" rtlCol="0">
+            <a:spAutoFit/>
+          </a:bodyPr>
+          <a:lstStyle/>
+          <a:p>
+            <a:r>
+              <a:rPr lang="it-IT" dirty="0" err="1"/>
+              <a:t>clk</a:t>
+            </a:r>
+            <a:endParaRPr lang="it-IT" dirty="0"/>
+          </a:p>
+          <a:p>
+            <a:endParaRPr lang="it-IT" dirty="0"/>
+          </a:p>
+        </p:txBody>
+      </p:sp>
+      <p:sp>
+        <p:nvSpPr>
+          <p:cNvPr id="80" name="Triangolo isoscele 79">
+            <a:extLst>
+              <a:ext uri="{FF2B5EF4-FFF2-40B4-BE49-F238E27FC236}">
+                <a16:creationId xmlns:a16="http://schemas.microsoft.com/office/drawing/2014/main" id="{9382CBE5-EFDB-4BB6-9BBB-21EF8E6BA612}"/>
+              </a:ext>
+            </a:extLst>
+          </p:cNvPr>
+          <p:cNvSpPr/>
+          <p:nvPr/>
+        </p:nvSpPr>
+        <p:spPr>
+          <a:xfrm rot="5400000">
+            <a:off x="1617811" y="4499406"/>
+            <a:ext cx="339383" cy="279825"/>
+          </a:xfrm>
+          <a:prstGeom prst="triangle">
+            <a:avLst/>
+          </a:prstGeom>
+          <a:solidFill>
+            <a:schemeClr val="tx1"/>
+          </a:solidFill>
+          <a:ln>
+            <a:solidFill>
+              <a:schemeClr val="tx1"/>
+            </a:solidFill>
+          </a:ln>
+        </p:spPr>
+        <p:style>
+          <a:lnRef idx="2">
+            <a:schemeClr val="accent1">
+              <a:shade val="50000"/>
+            </a:schemeClr>
+          </a:lnRef>
+          <a:fillRef idx="1">
+            <a:schemeClr val="accent1"/>
+          </a:fillRef>
+          <a:effectRef idx="0">
+            <a:schemeClr val="accent1"/>
+          </a:effectRef>
+          <a:fontRef idx="minor">
+            <a:schemeClr val="lt1"/>
+          </a:fontRef>
+        </p:style>
+        <p:txBody>
+          <a:bodyPr rtlCol="0" anchor="ctr"/>
+          <a:lstStyle/>
+          <a:p>
+            <a:pPr algn="ctr"/>
+            <a:endParaRPr lang="it-IT" dirty="0"/>
+          </a:p>
+        </p:txBody>
+      </p:sp>
+      <p:sp>
+        <p:nvSpPr>
+          <p:cNvPr id="15" name="CasellaDiTesto 14">
+            <a:extLst>
+              <a:ext uri="{FF2B5EF4-FFF2-40B4-BE49-F238E27FC236}">
+                <a16:creationId xmlns:a16="http://schemas.microsoft.com/office/drawing/2014/main" id="{1127BF1A-013D-4CDC-A4B0-5A008398B57C}"/>
+              </a:ext>
+            </a:extLst>
+          </p:cNvPr>
+          <p:cNvSpPr txBox="1"/>
+          <p:nvPr/>
+        </p:nvSpPr>
+        <p:spPr>
+          <a:xfrm>
+            <a:off x="2744179" y="148139"/>
+            <a:ext cx="2693497" cy="369332"/>
+          </a:xfrm>
+          <a:prstGeom prst="rect">
+            <a:avLst/>
+          </a:prstGeom>
+          <a:noFill/>
+        </p:spPr>
+        <p:txBody>
+          <a:bodyPr wrap="square" rtlCol="0">
+            <a:spAutoFit/>
+          </a:bodyPr>
+          <a:lstStyle/>
+          <a:p>
+            <a:r>
+              <a:rPr lang="it-IT" dirty="0" err="1"/>
+              <a:t>BaudGenerator</a:t>
+            </a:r>
+            <a:endParaRPr lang="it-IT" dirty="0"/>
+          </a:p>
+        </p:txBody>
+      </p:sp>
+      <p:sp>
+        <p:nvSpPr>
+          <p:cNvPr id="50" name="CasellaDiTesto 49">
+            <a:extLst>
+              <a:ext uri="{FF2B5EF4-FFF2-40B4-BE49-F238E27FC236}">
+                <a16:creationId xmlns:a16="http://schemas.microsoft.com/office/drawing/2014/main" id="{18EB922A-2D6F-448C-B315-F667C2E59AC9}"/>
+              </a:ext>
+            </a:extLst>
+          </p:cNvPr>
+          <p:cNvSpPr txBox="1"/>
+          <p:nvPr/>
+        </p:nvSpPr>
+        <p:spPr>
+          <a:xfrm>
+            <a:off x="682587" y="5375252"/>
+            <a:ext cx="864063" cy="369332"/>
+          </a:xfrm>
+          <a:prstGeom prst="rect">
+            <a:avLst/>
+          </a:prstGeom>
+          <a:noFill/>
+        </p:spPr>
+        <p:txBody>
+          <a:bodyPr wrap="square" rtlCol="0">
+            <a:spAutoFit/>
+          </a:bodyPr>
+          <a:lstStyle/>
+          <a:p>
+            <a:r>
+              <a:rPr lang="it-IT" dirty="0" err="1"/>
+              <a:t>sel</a:t>
+            </a:r>
+            <a:endParaRPr lang="it-IT" dirty="0"/>
+          </a:p>
+        </p:txBody>
+      </p:sp>
+      <p:grpSp>
+        <p:nvGrpSpPr>
+          <p:cNvPr id="18" name="Gruppo 17">
+            <a:extLst>
+              <a:ext uri="{FF2B5EF4-FFF2-40B4-BE49-F238E27FC236}">
+                <a16:creationId xmlns:a16="http://schemas.microsoft.com/office/drawing/2014/main" id="{3EDAD602-3334-4D2A-9C50-28C9D248B45E}"/>
+              </a:ext>
+            </a:extLst>
+          </p:cNvPr>
+          <p:cNvGrpSpPr/>
+          <p:nvPr/>
+        </p:nvGrpSpPr>
+        <p:grpSpPr>
+          <a:xfrm>
+            <a:off x="1152366" y="5341318"/>
+            <a:ext cx="761295" cy="388531"/>
+            <a:chOff x="1111850" y="4663498"/>
+            <a:chExt cx="761295" cy="388531"/>
+          </a:xfrm>
+        </p:grpSpPr>
+        <p:grpSp>
+          <p:nvGrpSpPr>
+            <p:cNvPr id="51" name="Gruppo 50">
+              <a:extLst>
+                <a:ext uri="{FF2B5EF4-FFF2-40B4-BE49-F238E27FC236}">
+                  <a16:creationId xmlns:a16="http://schemas.microsoft.com/office/drawing/2014/main" id="{EA44DCBB-0E62-483D-B0C8-DA39B037D8F1}"/>
+                </a:ext>
+              </a:extLst>
+            </p:cNvPr>
+            <p:cNvGrpSpPr/>
+            <p:nvPr/>
+          </p:nvGrpSpPr>
+          <p:grpSpPr>
+            <a:xfrm>
+              <a:off x="1111850" y="4663498"/>
+              <a:ext cx="761295" cy="388531"/>
+              <a:chOff x="1094764" y="4110011"/>
+              <a:chExt cx="761295" cy="388531"/>
+            </a:xfrm>
+          </p:grpSpPr>
+          <p:cxnSp>
+            <p:nvCxnSpPr>
+              <p:cNvPr id="52" name="Connettore diritto 51">
+                <a:extLst>
+                  <a:ext uri="{FF2B5EF4-FFF2-40B4-BE49-F238E27FC236}">
+                    <a16:creationId xmlns:a16="http://schemas.microsoft.com/office/drawing/2014/main" id="{3E64716C-974D-47E7-897C-1FB0C604C13A}"/>
+                  </a:ext>
+                </a:extLst>
+              </p:cNvPr>
+              <p:cNvCxnSpPr>
+                <a:cxnSpLocks/>
+              </p:cNvCxnSpPr>
+              <p:nvPr/>
+            </p:nvCxnSpPr>
+            <p:spPr>
+              <a:xfrm>
+                <a:off x="1094764" y="4362167"/>
+                <a:ext cx="761295" cy="0"/>
+              </a:xfrm>
+              <a:prstGeom prst="line">
+                <a:avLst/>
+              </a:prstGeom>
+              <a:ln w="28575">
+                <a:solidFill>
+                  <a:schemeClr val="tx1"/>
+                </a:solidFill>
+              </a:ln>
+            </p:spPr>
+            <p:style>
+              <a:lnRef idx="1">
+                <a:schemeClr val="accent1"/>
+              </a:lnRef>
+              <a:fillRef idx="0">
+                <a:schemeClr val="accent1"/>
+              </a:fillRef>
+              <a:effectRef idx="0">
+                <a:schemeClr val="accent1"/>
+              </a:effectRef>
+              <a:fontRef idx="minor">
+                <a:schemeClr val="tx1"/>
+              </a:fontRef>
+            </p:style>
+          </p:cxnSp>
+          <p:cxnSp>
+            <p:nvCxnSpPr>
+              <p:cNvPr id="53" name="Connettore diritto 52">
+                <a:extLst>
+                  <a:ext uri="{FF2B5EF4-FFF2-40B4-BE49-F238E27FC236}">
+                    <a16:creationId xmlns:a16="http://schemas.microsoft.com/office/drawing/2014/main" id="{4E3DEC86-3A66-4AAD-AF22-B029C31E3563}"/>
+                  </a:ext>
+                </a:extLst>
+              </p:cNvPr>
+              <p:cNvCxnSpPr>
+                <a:cxnSpLocks/>
+              </p:cNvCxnSpPr>
+              <p:nvPr/>
+            </p:nvCxnSpPr>
+            <p:spPr>
+              <a:xfrm>
+                <a:off x="1239474" y="4209013"/>
+                <a:ext cx="113253" cy="289529"/>
+              </a:xfrm>
+              <a:prstGeom prst="line">
+                <a:avLst/>
+              </a:prstGeom>
+              <a:ln w="28575">
+                <a:solidFill>
+                  <a:schemeClr val="tx1"/>
+                </a:solidFill>
+              </a:ln>
+            </p:spPr>
+            <p:style>
+              <a:lnRef idx="1">
+                <a:schemeClr val="accent1"/>
+              </a:lnRef>
+              <a:fillRef idx="0">
+                <a:schemeClr val="accent1"/>
+              </a:fillRef>
+              <a:effectRef idx="0">
+                <a:schemeClr val="accent1"/>
+              </a:effectRef>
+              <a:fontRef idx="minor">
+                <a:schemeClr val="tx1"/>
+              </a:fontRef>
+            </p:style>
+          </p:cxnSp>
+          <p:sp>
+            <p:nvSpPr>
+              <p:cNvPr id="54" name="CasellaDiTesto 53">
+                <a:extLst>
+                  <a:ext uri="{FF2B5EF4-FFF2-40B4-BE49-F238E27FC236}">
+                    <a16:creationId xmlns:a16="http://schemas.microsoft.com/office/drawing/2014/main" id="{E36AD518-C096-4B13-82F4-C5E83E8DD962}"/>
+                  </a:ext>
+                </a:extLst>
+              </p:cNvPr>
+              <p:cNvSpPr txBox="1"/>
+              <p:nvPr/>
+            </p:nvSpPr>
+            <p:spPr>
+              <a:xfrm>
+                <a:off x="1239474" y="4110011"/>
+                <a:ext cx="395328" cy="276999"/>
+              </a:xfrm>
+              <a:prstGeom prst="rect">
+                <a:avLst/>
+              </a:prstGeom>
+              <a:noFill/>
+            </p:spPr>
+            <p:txBody>
+              <a:bodyPr wrap="square" rtlCol="0">
+                <a:spAutoFit/>
+              </a:bodyPr>
+              <a:lstStyle/>
+              <a:p>
+                <a:r>
+                  <a:rPr lang="it-IT" sz="1200" dirty="0"/>
+                  <a:t>3</a:t>
+                </a:r>
+              </a:p>
+            </p:txBody>
+          </p:sp>
+        </p:grpSp>
+        <p:sp>
+          <p:nvSpPr>
+            <p:cNvPr id="55" name="Triangolo isoscele 54">
+              <a:extLst>
+                <a:ext uri="{FF2B5EF4-FFF2-40B4-BE49-F238E27FC236}">
+                  <a16:creationId xmlns:a16="http://schemas.microsoft.com/office/drawing/2014/main" id="{8E377C86-BB2A-4EF5-8CAD-6F1BC34EDBE2}"/>
+                </a:ext>
+              </a:extLst>
+            </p:cNvPr>
+            <p:cNvSpPr/>
+            <p:nvPr/>
+          </p:nvSpPr>
+          <p:spPr>
+            <a:xfrm rot="5400000">
+              <a:off x="1476448" y="4867109"/>
+              <a:ext cx="153354" cy="119690"/>
+            </a:xfrm>
+            <a:prstGeom prst="triangle">
+              <a:avLst/>
+            </a:prstGeom>
+            <a:solidFill>
+              <a:schemeClr val="tx1"/>
+            </a:solidFill>
+            <a:ln>
+              <a:solidFill>
+                <a:schemeClr val="tx1"/>
+              </a:solidFill>
+            </a:ln>
+          </p:spPr>
+          <p:style>
+            <a:lnRef idx="2">
+              <a:schemeClr val="accent1">
+                <a:shade val="50000"/>
+              </a:schemeClr>
+            </a:lnRef>
+            <a:fillRef idx="1">
+              <a:schemeClr val="accent1"/>
+            </a:fillRef>
+            <a:effectRef idx="0">
+              <a:schemeClr val="accent1"/>
+            </a:effectRef>
+            <a:fontRef idx="minor">
+              <a:schemeClr val="lt1"/>
+            </a:fontRef>
+          </p:style>
+          <p:txBody>
+            <a:bodyPr rtlCol="0" anchor="ctr"/>
+            <a:lstStyle/>
+            <a:p>
+              <a:pPr algn="ctr"/>
+              <a:endParaRPr lang="it-IT"/>
+            </a:p>
+          </p:txBody>
+        </p:sp>
+      </p:grpSp>
+      <p:cxnSp>
+        <p:nvCxnSpPr>
+          <p:cNvPr id="56" name="Connettore diritto 55">
+            <a:extLst>
+              <a:ext uri="{FF2B5EF4-FFF2-40B4-BE49-F238E27FC236}">
+                <a16:creationId xmlns:a16="http://schemas.microsoft.com/office/drawing/2014/main" id="{AA8EA96A-E6F4-4218-90DA-F22694330A18}"/>
+              </a:ext>
+            </a:extLst>
+          </p:cNvPr>
+          <p:cNvCxnSpPr>
+            <a:cxnSpLocks/>
+          </p:cNvCxnSpPr>
+          <p:nvPr/>
+        </p:nvCxnSpPr>
+        <p:spPr>
+          <a:xfrm>
+            <a:off x="10448128" y="1677957"/>
+            <a:ext cx="761295" cy="0"/>
+          </a:xfrm>
+          <a:prstGeom prst="line">
+            <a:avLst/>
+          </a:prstGeom>
+          <a:ln w="28575">
+            <a:solidFill>
+              <a:schemeClr val="tx1"/>
+            </a:solidFill>
+          </a:ln>
+        </p:spPr>
+        <p:style>
+          <a:lnRef idx="1">
+            <a:schemeClr val="accent1"/>
+          </a:lnRef>
+          <a:fillRef idx="0">
+            <a:schemeClr val="accent1"/>
+          </a:fillRef>
+          <a:effectRef idx="0">
+            <a:schemeClr val="accent1"/>
+          </a:effectRef>
+          <a:fontRef idx="minor">
+            <a:schemeClr val="tx1"/>
+          </a:fontRef>
+        </p:style>
+      </p:cxnSp>
+      <p:sp>
+        <p:nvSpPr>
+          <p:cNvPr id="57" name="Triangolo isoscele 56">
+            <a:extLst>
+              <a:ext uri="{FF2B5EF4-FFF2-40B4-BE49-F238E27FC236}">
+                <a16:creationId xmlns:a16="http://schemas.microsoft.com/office/drawing/2014/main" id="{E76F058C-960C-43FE-BFB7-D594C0999E3D}"/>
+              </a:ext>
+            </a:extLst>
+          </p:cNvPr>
+          <p:cNvSpPr/>
+          <p:nvPr/>
+        </p:nvSpPr>
+        <p:spPr>
+          <a:xfrm rot="5400000">
+            <a:off x="10684699" y="1618112"/>
+            <a:ext cx="153354" cy="119690"/>
+          </a:xfrm>
+          <a:prstGeom prst="triangle">
+            <a:avLst/>
+          </a:prstGeom>
+          <a:solidFill>
+            <a:schemeClr val="tx1"/>
+          </a:solidFill>
+          <a:ln>
+            <a:solidFill>
+              <a:schemeClr val="tx1"/>
+            </a:solidFill>
+          </a:ln>
+        </p:spPr>
+        <p:style>
+          <a:lnRef idx="2">
+            <a:schemeClr val="accent1">
+              <a:shade val="50000"/>
+            </a:schemeClr>
+          </a:lnRef>
+          <a:fillRef idx="1">
+            <a:schemeClr val="accent1"/>
+          </a:fillRef>
+          <a:effectRef idx="0">
+            <a:schemeClr val="accent1"/>
+          </a:effectRef>
+          <a:fontRef idx="minor">
+            <a:schemeClr val="lt1"/>
+          </a:fontRef>
+        </p:style>
+        <p:txBody>
+          <a:bodyPr rtlCol="0" anchor="ctr"/>
+          <a:lstStyle/>
+          <a:p>
+            <a:pPr algn="ctr"/>
+            <a:endParaRPr lang="it-IT" dirty="0"/>
+          </a:p>
+        </p:txBody>
+      </p:sp>
+      <p:cxnSp>
+        <p:nvCxnSpPr>
+          <p:cNvPr id="58" name="Connettore diritto 57">
+            <a:extLst>
+              <a:ext uri="{FF2B5EF4-FFF2-40B4-BE49-F238E27FC236}">
+                <a16:creationId xmlns:a16="http://schemas.microsoft.com/office/drawing/2014/main" id="{319173E8-DD31-4A86-9433-E31D7D074F05}"/>
+              </a:ext>
+            </a:extLst>
+          </p:cNvPr>
+          <p:cNvCxnSpPr>
+            <a:cxnSpLocks/>
+          </p:cNvCxnSpPr>
+          <p:nvPr/>
+        </p:nvCxnSpPr>
+        <p:spPr>
+          <a:xfrm>
+            <a:off x="10448128" y="2191084"/>
+            <a:ext cx="761295" cy="0"/>
+          </a:xfrm>
+          <a:prstGeom prst="line">
+            <a:avLst/>
+          </a:prstGeom>
+          <a:ln w="28575">
+            <a:solidFill>
+              <a:schemeClr val="tx1"/>
+            </a:solidFill>
+          </a:ln>
+        </p:spPr>
+        <p:style>
+          <a:lnRef idx="1">
+            <a:schemeClr val="accent1"/>
+          </a:lnRef>
+          <a:fillRef idx="0">
+            <a:schemeClr val="accent1"/>
+          </a:fillRef>
+          <a:effectRef idx="0">
+            <a:schemeClr val="accent1"/>
+          </a:effectRef>
+          <a:fontRef idx="minor">
+            <a:schemeClr val="tx1"/>
+          </a:fontRef>
+        </p:style>
+      </p:cxnSp>
+      <p:sp>
+        <p:nvSpPr>
+          <p:cNvPr id="60" name="Triangolo isoscele 59">
+            <a:extLst>
+              <a:ext uri="{FF2B5EF4-FFF2-40B4-BE49-F238E27FC236}">
+                <a16:creationId xmlns:a16="http://schemas.microsoft.com/office/drawing/2014/main" id="{DB633FEC-CB24-45B2-9694-1CAD64581FC4}"/>
+              </a:ext>
+            </a:extLst>
+          </p:cNvPr>
+          <p:cNvSpPr/>
+          <p:nvPr/>
+        </p:nvSpPr>
+        <p:spPr>
+          <a:xfrm rot="5400000">
+            <a:off x="10684699" y="2131239"/>
+            <a:ext cx="153354" cy="119690"/>
+          </a:xfrm>
+          <a:prstGeom prst="triangle">
+            <a:avLst/>
+          </a:prstGeom>
+          <a:solidFill>
+            <a:schemeClr val="tx1"/>
+          </a:solidFill>
+          <a:ln>
+            <a:solidFill>
+              <a:schemeClr val="tx1"/>
+            </a:solidFill>
+          </a:ln>
+        </p:spPr>
+        <p:style>
+          <a:lnRef idx="2">
+            <a:schemeClr val="accent1">
+              <a:shade val="50000"/>
+            </a:schemeClr>
+          </a:lnRef>
+          <a:fillRef idx="1">
+            <a:schemeClr val="accent1"/>
+          </a:fillRef>
+          <a:effectRef idx="0">
+            <a:schemeClr val="accent1"/>
+          </a:effectRef>
+          <a:fontRef idx="minor">
+            <a:schemeClr val="lt1"/>
+          </a:fontRef>
+        </p:style>
+        <p:txBody>
+          <a:bodyPr rtlCol="0" anchor="ctr"/>
+          <a:lstStyle/>
+          <a:p>
+            <a:pPr algn="ctr"/>
+            <a:endParaRPr lang="it-IT" dirty="0"/>
+          </a:p>
+        </p:txBody>
+      </p:sp>
+      <p:sp>
+        <p:nvSpPr>
+          <p:cNvPr id="61" name="CasellaDiTesto 60">
+            <a:extLst>
+              <a:ext uri="{FF2B5EF4-FFF2-40B4-BE49-F238E27FC236}">
+                <a16:creationId xmlns:a16="http://schemas.microsoft.com/office/drawing/2014/main" id="{2F303EA9-37C3-42C4-BD5C-1F4262E9B693}"/>
+              </a:ext>
+            </a:extLst>
+          </p:cNvPr>
+          <p:cNvSpPr txBox="1"/>
+          <p:nvPr/>
+        </p:nvSpPr>
+        <p:spPr>
+          <a:xfrm>
+            <a:off x="11205142" y="1493291"/>
+            <a:ext cx="1197854" cy="369332"/>
+          </a:xfrm>
+          <a:prstGeom prst="rect">
+            <a:avLst/>
+          </a:prstGeom>
+          <a:noFill/>
+        </p:spPr>
+        <p:txBody>
+          <a:bodyPr wrap="square" rtlCol="0">
+            <a:spAutoFit/>
+          </a:bodyPr>
+          <a:lstStyle/>
+          <a:p>
+            <a:r>
+              <a:rPr lang="it-IT" dirty="0" err="1"/>
+              <a:t>CampClk</a:t>
+            </a:r>
+            <a:endParaRPr lang="it-IT" dirty="0"/>
+          </a:p>
+        </p:txBody>
+      </p:sp>
+      <p:sp>
+        <p:nvSpPr>
+          <p:cNvPr id="63" name="CasellaDiTesto 62">
+            <a:extLst>
+              <a:ext uri="{FF2B5EF4-FFF2-40B4-BE49-F238E27FC236}">
+                <a16:creationId xmlns:a16="http://schemas.microsoft.com/office/drawing/2014/main" id="{9457F53B-4395-4C3B-9667-F7372CB82C07}"/>
+              </a:ext>
+            </a:extLst>
+          </p:cNvPr>
+          <p:cNvSpPr txBox="1"/>
+          <p:nvPr/>
+        </p:nvSpPr>
+        <p:spPr>
+          <a:xfrm>
+            <a:off x="11188323" y="2006418"/>
+            <a:ext cx="1067993" cy="369332"/>
+          </a:xfrm>
+          <a:prstGeom prst="rect">
+            <a:avLst/>
+          </a:prstGeom>
+          <a:noFill/>
+        </p:spPr>
+        <p:txBody>
+          <a:bodyPr wrap="square" rtlCol="0">
+            <a:spAutoFit/>
+          </a:bodyPr>
+          <a:lstStyle/>
+          <a:p>
+            <a:r>
+              <a:rPr lang="it-IT" dirty="0" err="1"/>
+              <a:t>TransClk</a:t>
+            </a:r>
+            <a:endParaRPr lang="it-IT" dirty="0"/>
+          </a:p>
+        </p:txBody>
+      </p:sp>
+      <p:sp>
+        <p:nvSpPr>
+          <p:cNvPr id="3" name="Rettangolo 2">
+            <a:extLst>
+              <a:ext uri="{FF2B5EF4-FFF2-40B4-BE49-F238E27FC236}">
+                <a16:creationId xmlns:a16="http://schemas.microsoft.com/office/drawing/2014/main" id="{0BE4988F-0738-4EFF-B0CA-A248EDBF68E8}"/>
+              </a:ext>
+            </a:extLst>
+          </p:cNvPr>
+          <p:cNvSpPr/>
+          <p:nvPr/>
+        </p:nvSpPr>
+        <p:spPr>
+          <a:xfrm>
+            <a:off x="2950166" y="4092087"/>
+            <a:ext cx="2487500" cy="844579"/>
+          </a:xfrm>
+          <a:prstGeom prst="rect">
+            <a:avLst/>
+          </a:prstGeom>
+          <a:noFill/>
+          <a:ln>
+            <a:solidFill>
+              <a:schemeClr val="tx1"/>
+            </a:solidFill>
+          </a:ln>
+        </p:spPr>
+        <p:style>
+          <a:lnRef idx="2">
+            <a:schemeClr val="accent1">
+              <a:shade val="50000"/>
+            </a:schemeClr>
+          </a:lnRef>
+          <a:fillRef idx="1">
+            <a:schemeClr val="accent1"/>
+          </a:fillRef>
+          <a:effectRef idx="0">
+            <a:schemeClr val="accent1"/>
+          </a:effectRef>
+          <a:fontRef idx="minor">
+            <a:schemeClr val="lt1"/>
+          </a:fontRef>
+        </p:style>
+        <p:txBody>
+          <a:bodyPr rtlCol="0" anchor="ctr"/>
+          <a:lstStyle/>
+          <a:p>
+            <a:pPr algn="ctr"/>
+            <a:r>
+              <a:rPr lang="it-IT" dirty="0">
+                <a:solidFill>
+                  <a:sysClr val="windowText" lastClr="000000"/>
+                </a:solidFill>
+              </a:rPr>
+              <a:t>Contatore7bit</a:t>
+            </a:r>
+          </a:p>
+        </p:txBody>
+      </p:sp>
+      <p:cxnSp>
+        <p:nvCxnSpPr>
+          <p:cNvPr id="69" name="Connettore diritto 68">
+            <a:extLst>
+              <a:ext uri="{FF2B5EF4-FFF2-40B4-BE49-F238E27FC236}">
+                <a16:creationId xmlns:a16="http://schemas.microsoft.com/office/drawing/2014/main" id="{E237715D-46F0-4A95-BE63-5DED626C7E05}"/>
+              </a:ext>
+            </a:extLst>
+          </p:cNvPr>
+          <p:cNvCxnSpPr>
+            <a:cxnSpLocks/>
+          </p:cNvCxnSpPr>
+          <p:nvPr/>
+        </p:nvCxnSpPr>
+        <p:spPr>
+          <a:xfrm flipV="1">
+            <a:off x="3537234" y="3940889"/>
+            <a:ext cx="0" cy="246236"/>
+          </a:xfrm>
+          <a:prstGeom prst="line">
+            <a:avLst/>
+          </a:prstGeom>
+          <a:ln w="28575">
+            <a:solidFill>
+              <a:schemeClr val="tx1"/>
+            </a:solidFill>
+          </a:ln>
+        </p:spPr>
+        <p:style>
+          <a:lnRef idx="1">
+            <a:schemeClr val="accent1"/>
+          </a:lnRef>
+          <a:fillRef idx="0">
+            <a:schemeClr val="accent1"/>
+          </a:fillRef>
+          <a:effectRef idx="0">
+            <a:schemeClr val="accent1"/>
+          </a:effectRef>
+          <a:fontRef idx="minor">
+            <a:schemeClr val="tx1"/>
+          </a:fontRef>
+        </p:style>
+      </p:cxnSp>
+      <p:cxnSp>
+        <p:nvCxnSpPr>
+          <p:cNvPr id="72" name="Connettore diritto 71">
+            <a:extLst>
+              <a:ext uri="{FF2B5EF4-FFF2-40B4-BE49-F238E27FC236}">
+                <a16:creationId xmlns:a16="http://schemas.microsoft.com/office/drawing/2014/main" id="{799081E0-1D7C-4810-8C00-69EE33A46A8B}"/>
+              </a:ext>
+            </a:extLst>
+          </p:cNvPr>
+          <p:cNvCxnSpPr>
+            <a:cxnSpLocks/>
+          </p:cNvCxnSpPr>
+          <p:nvPr/>
+        </p:nvCxnSpPr>
+        <p:spPr>
+          <a:xfrm flipV="1">
+            <a:off x="3759769" y="3936539"/>
+            <a:ext cx="0" cy="246236"/>
+          </a:xfrm>
+          <a:prstGeom prst="line">
+            <a:avLst/>
+          </a:prstGeom>
+          <a:ln w="28575">
+            <a:solidFill>
+              <a:schemeClr val="tx1"/>
+            </a:solidFill>
+          </a:ln>
+        </p:spPr>
+        <p:style>
+          <a:lnRef idx="1">
+            <a:schemeClr val="accent1"/>
+          </a:lnRef>
+          <a:fillRef idx="0">
+            <a:schemeClr val="accent1"/>
+          </a:fillRef>
+          <a:effectRef idx="0">
+            <a:schemeClr val="accent1"/>
+          </a:effectRef>
+          <a:fontRef idx="minor">
+            <a:schemeClr val="tx1"/>
+          </a:fontRef>
+        </p:style>
+      </p:cxnSp>
+      <p:cxnSp>
+        <p:nvCxnSpPr>
+          <p:cNvPr id="73" name="Connettore diritto 72">
+            <a:extLst>
+              <a:ext uri="{FF2B5EF4-FFF2-40B4-BE49-F238E27FC236}">
+                <a16:creationId xmlns:a16="http://schemas.microsoft.com/office/drawing/2014/main" id="{6058B45A-52B7-43E2-9BA8-969B7E2127E2}"/>
+              </a:ext>
+            </a:extLst>
+          </p:cNvPr>
+          <p:cNvCxnSpPr>
+            <a:cxnSpLocks/>
+          </p:cNvCxnSpPr>
+          <p:nvPr/>
+        </p:nvCxnSpPr>
+        <p:spPr>
+          <a:xfrm flipV="1">
+            <a:off x="3982304" y="3932189"/>
+            <a:ext cx="0" cy="246236"/>
+          </a:xfrm>
+          <a:prstGeom prst="line">
+            <a:avLst/>
+          </a:prstGeom>
+          <a:ln w="28575">
+            <a:solidFill>
+              <a:schemeClr val="tx1"/>
+            </a:solidFill>
+          </a:ln>
+        </p:spPr>
+        <p:style>
+          <a:lnRef idx="1">
+            <a:schemeClr val="accent1"/>
+          </a:lnRef>
+          <a:fillRef idx="0">
+            <a:schemeClr val="accent1"/>
+          </a:fillRef>
+          <a:effectRef idx="0">
+            <a:schemeClr val="accent1"/>
+          </a:effectRef>
+          <a:fontRef idx="minor">
+            <a:schemeClr val="tx1"/>
+          </a:fontRef>
+        </p:style>
+      </p:cxnSp>
+      <p:cxnSp>
+        <p:nvCxnSpPr>
+          <p:cNvPr id="81" name="Connettore diritto 80">
+            <a:extLst>
+              <a:ext uri="{FF2B5EF4-FFF2-40B4-BE49-F238E27FC236}">
+                <a16:creationId xmlns:a16="http://schemas.microsoft.com/office/drawing/2014/main" id="{A8988F9C-E65B-4CE4-9F9D-60C34DAD7611}"/>
+              </a:ext>
+            </a:extLst>
+          </p:cNvPr>
+          <p:cNvCxnSpPr>
+            <a:cxnSpLocks/>
+          </p:cNvCxnSpPr>
+          <p:nvPr/>
+        </p:nvCxnSpPr>
+        <p:spPr>
+          <a:xfrm flipV="1">
+            <a:off x="4204839" y="3927839"/>
+            <a:ext cx="0" cy="246236"/>
+          </a:xfrm>
+          <a:prstGeom prst="line">
+            <a:avLst/>
+          </a:prstGeom>
+          <a:ln w="28575">
+            <a:solidFill>
+              <a:schemeClr val="tx1"/>
+            </a:solidFill>
+          </a:ln>
+        </p:spPr>
+        <p:style>
+          <a:lnRef idx="1">
+            <a:schemeClr val="accent1"/>
+          </a:lnRef>
+          <a:fillRef idx="0">
+            <a:schemeClr val="accent1"/>
+          </a:fillRef>
+          <a:effectRef idx="0">
+            <a:schemeClr val="accent1"/>
+          </a:effectRef>
+          <a:fontRef idx="minor">
+            <a:schemeClr val="tx1"/>
+          </a:fontRef>
+        </p:style>
+      </p:cxnSp>
+      <p:cxnSp>
+        <p:nvCxnSpPr>
+          <p:cNvPr id="82" name="Connettore diritto 81">
+            <a:extLst>
+              <a:ext uri="{FF2B5EF4-FFF2-40B4-BE49-F238E27FC236}">
+                <a16:creationId xmlns:a16="http://schemas.microsoft.com/office/drawing/2014/main" id="{7B92DDFA-121F-4789-8F69-3429402AB189}"/>
+              </a:ext>
+            </a:extLst>
+          </p:cNvPr>
+          <p:cNvCxnSpPr>
+            <a:cxnSpLocks/>
+          </p:cNvCxnSpPr>
+          <p:nvPr/>
+        </p:nvCxnSpPr>
+        <p:spPr>
+          <a:xfrm flipV="1">
+            <a:off x="4427374" y="3923489"/>
+            <a:ext cx="0" cy="246236"/>
+          </a:xfrm>
+          <a:prstGeom prst="line">
+            <a:avLst/>
+          </a:prstGeom>
+          <a:ln w="28575">
+            <a:solidFill>
+              <a:schemeClr val="tx1"/>
+            </a:solidFill>
+          </a:ln>
+        </p:spPr>
+        <p:style>
+          <a:lnRef idx="1">
+            <a:schemeClr val="accent1"/>
+          </a:lnRef>
+          <a:fillRef idx="0">
+            <a:schemeClr val="accent1"/>
+          </a:fillRef>
+          <a:effectRef idx="0">
+            <a:schemeClr val="accent1"/>
+          </a:effectRef>
+          <a:fontRef idx="minor">
+            <a:schemeClr val="tx1"/>
+          </a:fontRef>
+        </p:style>
+      </p:cxnSp>
+      <p:cxnSp>
+        <p:nvCxnSpPr>
+          <p:cNvPr id="83" name="Connettore diritto 82">
+            <a:extLst>
+              <a:ext uri="{FF2B5EF4-FFF2-40B4-BE49-F238E27FC236}">
+                <a16:creationId xmlns:a16="http://schemas.microsoft.com/office/drawing/2014/main" id="{D0C51BC7-DC35-4878-97E3-932674D383BE}"/>
+              </a:ext>
+            </a:extLst>
+          </p:cNvPr>
+          <p:cNvCxnSpPr>
+            <a:cxnSpLocks/>
+          </p:cNvCxnSpPr>
+          <p:nvPr/>
+        </p:nvCxnSpPr>
+        <p:spPr>
+          <a:xfrm flipV="1">
+            <a:off x="4649909" y="3935917"/>
+            <a:ext cx="0" cy="246236"/>
+          </a:xfrm>
+          <a:prstGeom prst="line">
+            <a:avLst/>
+          </a:prstGeom>
+          <a:ln w="28575">
+            <a:solidFill>
+              <a:schemeClr val="tx1"/>
+            </a:solidFill>
+          </a:ln>
+        </p:spPr>
+        <p:style>
+          <a:lnRef idx="1">
+            <a:schemeClr val="accent1"/>
+          </a:lnRef>
+          <a:fillRef idx="0">
+            <a:schemeClr val="accent1"/>
+          </a:fillRef>
+          <a:effectRef idx="0">
+            <a:schemeClr val="accent1"/>
+          </a:effectRef>
+          <a:fontRef idx="minor">
+            <a:schemeClr val="tx1"/>
+          </a:fontRef>
+        </p:style>
+      </p:cxnSp>
+      <p:sp>
+        <p:nvSpPr>
+          <p:cNvPr id="9" name="Operazione manuale 8">
+            <a:extLst>
+              <a:ext uri="{FF2B5EF4-FFF2-40B4-BE49-F238E27FC236}">
+                <a16:creationId xmlns:a16="http://schemas.microsoft.com/office/drawing/2014/main" id="{4BBF2AEE-07D3-4D5D-AD6D-ACC9B0C008EA}"/>
+              </a:ext>
+            </a:extLst>
+          </p:cNvPr>
+          <p:cNvSpPr/>
+          <p:nvPr/>
+        </p:nvSpPr>
+        <p:spPr>
+          <a:xfrm rot="16200000">
+            <a:off x="6145122" y="2046188"/>
+            <a:ext cx="2013358" cy="443146"/>
+          </a:xfrm>
+          <a:prstGeom prst="flowChartManualOperation">
+            <a:avLst/>
+          </a:prstGeom>
+        </p:spPr>
+        <p:style>
+          <a:lnRef idx="2">
+            <a:schemeClr val="accent1">
+              <a:shade val="50000"/>
+            </a:schemeClr>
+          </a:lnRef>
+          <a:fillRef idx="1">
+            <a:schemeClr val="accent1"/>
+          </a:fillRef>
+          <a:effectRef idx="0">
+            <a:schemeClr val="accent1"/>
+          </a:effectRef>
+          <a:fontRef idx="minor">
+            <a:schemeClr val="lt1"/>
+          </a:fontRef>
+        </p:style>
+        <p:txBody>
+          <a:bodyPr rtlCol="0" anchor="ctr"/>
+          <a:lstStyle/>
+          <a:p>
+            <a:pPr algn="ctr"/>
+            <a:endParaRPr lang="it-IT"/>
+          </a:p>
+        </p:txBody>
+      </p:sp>
+      <p:cxnSp>
+        <p:nvCxnSpPr>
+          <p:cNvPr id="12" name="Connettore a gomito 11">
+            <a:extLst>
+              <a:ext uri="{FF2B5EF4-FFF2-40B4-BE49-F238E27FC236}">
+                <a16:creationId xmlns:a16="http://schemas.microsoft.com/office/drawing/2014/main" id="{702D5EAD-F4E2-42F5-B775-385E16187EE9}"/>
+              </a:ext>
+            </a:extLst>
+          </p:cNvPr>
+          <p:cNvCxnSpPr>
+            <a:cxnSpLocks/>
+            <a:endCxn id="3" idx="1"/>
+          </p:cNvCxnSpPr>
+          <p:nvPr/>
+        </p:nvCxnSpPr>
+        <p:spPr>
+          <a:xfrm flipV="1">
+            <a:off x="1927415" y="4514377"/>
+            <a:ext cx="1022751" cy="124942"/>
+          </a:xfrm>
+          <a:prstGeom prst="bentConnector3">
+            <a:avLst/>
+          </a:prstGeom>
+        </p:spPr>
+        <p:style>
+          <a:lnRef idx="1">
+            <a:schemeClr val="accent1"/>
+          </a:lnRef>
+          <a:fillRef idx="0">
+            <a:schemeClr val="accent1"/>
+          </a:fillRef>
+          <a:effectRef idx="0">
+            <a:schemeClr val="accent1"/>
+          </a:effectRef>
+          <a:fontRef idx="minor">
+            <a:schemeClr val="tx1"/>
+          </a:fontRef>
+        </p:style>
+      </p:cxnSp>
+      <p:cxnSp>
+        <p:nvCxnSpPr>
+          <p:cNvPr id="84" name="Connettore diritto 83">
+            <a:extLst>
+              <a:ext uri="{FF2B5EF4-FFF2-40B4-BE49-F238E27FC236}">
+                <a16:creationId xmlns:a16="http://schemas.microsoft.com/office/drawing/2014/main" id="{5E5F4866-7258-4150-B30A-74C4EBD085CC}"/>
+              </a:ext>
+            </a:extLst>
+          </p:cNvPr>
+          <p:cNvCxnSpPr>
+            <a:cxnSpLocks/>
+          </p:cNvCxnSpPr>
+          <p:nvPr/>
+        </p:nvCxnSpPr>
+        <p:spPr>
+          <a:xfrm>
+            <a:off x="6769937" y="1602348"/>
+            <a:ext cx="286126" cy="0"/>
+          </a:xfrm>
+          <a:prstGeom prst="line">
+            <a:avLst/>
+          </a:prstGeom>
+          <a:ln w="28575">
+            <a:solidFill>
+              <a:schemeClr val="tx1"/>
+            </a:solidFill>
+          </a:ln>
+        </p:spPr>
+        <p:style>
+          <a:lnRef idx="1">
+            <a:schemeClr val="accent1"/>
+          </a:lnRef>
+          <a:fillRef idx="0">
+            <a:schemeClr val="accent1"/>
+          </a:fillRef>
+          <a:effectRef idx="0">
+            <a:schemeClr val="accent1"/>
+          </a:effectRef>
+          <a:fontRef idx="minor">
+            <a:schemeClr val="tx1"/>
+          </a:fontRef>
+        </p:style>
+      </p:cxnSp>
+      <p:cxnSp>
+        <p:nvCxnSpPr>
+          <p:cNvPr id="85" name="Connettore diritto 84">
+            <a:extLst>
+              <a:ext uri="{FF2B5EF4-FFF2-40B4-BE49-F238E27FC236}">
+                <a16:creationId xmlns:a16="http://schemas.microsoft.com/office/drawing/2014/main" id="{8244701F-A607-4312-B127-91CD021C1204}"/>
+              </a:ext>
+            </a:extLst>
+          </p:cNvPr>
+          <p:cNvCxnSpPr>
+            <a:cxnSpLocks/>
+          </p:cNvCxnSpPr>
+          <p:nvPr/>
+        </p:nvCxnSpPr>
+        <p:spPr>
+          <a:xfrm>
+            <a:off x="6769937" y="1787014"/>
+            <a:ext cx="286126" cy="0"/>
+          </a:xfrm>
+          <a:prstGeom prst="line">
+            <a:avLst/>
+          </a:prstGeom>
+          <a:ln w="28575">
+            <a:solidFill>
+              <a:schemeClr val="tx1"/>
+            </a:solidFill>
+          </a:ln>
+        </p:spPr>
+        <p:style>
+          <a:lnRef idx="1">
+            <a:schemeClr val="accent1"/>
+          </a:lnRef>
+          <a:fillRef idx="0">
+            <a:schemeClr val="accent1"/>
+          </a:fillRef>
+          <a:effectRef idx="0">
+            <a:schemeClr val="accent1"/>
+          </a:effectRef>
+          <a:fontRef idx="minor">
+            <a:schemeClr val="tx1"/>
+          </a:fontRef>
+        </p:style>
+      </p:cxnSp>
+      <p:cxnSp>
+        <p:nvCxnSpPr>
+          <p:cNvPr id="86" name="Connettore diritto 85">
+            <a:extLst>
+              <a:ext uri="{FF2B5EF4-FFF2-40B4-BE49-F238E27FC236}">
+                <a16:creationId xmlns:a16="http://schemas.microsoft.com/office/drawing/2014/main" id="{1485CAA7-2089-46D2-A1BC-035EAADD2E09}"/>
+              </a:ext>
+            </a:extLst>
+          </p:cNvPr>
+          <p:cNvCxnSpPr>
+            <a:cxnSpLocks/>
+          </p:cNvCxnSpPr>
+          <p:nvPr/>
+        </p:nvCxnSpPr>
+        <p:spPr>
+          <a:xfrm>
+            <a:off x="6769937" y="1971680"/>
+            <a:ext cx="286126" cy="0"/>
+          </a:xfrm>
+          <a:prstGeom prst="line">
+            <a:avLst/>
+          </a:prstGeom>
+          <a:ln w="28575">
+            <a:solidFill>
+              <a:schemeClr val="tx1"/>
+            </a:solidFill>
+          </a:ln>
+        </p:spPr>
+        <p:style>
+          <a:lnRef idx="1">
+            <a:schemeClr val="accent1"/>
+          </a:lnRef>
+          <a:fillRef idx="0">
+            <a:schemeClr val="accent1"/>
+          </a:fillRef>
+          <a:effectRef idx="0">
+            <a:schemeClr val="accent1"/>
+          </a:effectRef>
+          <a:fontRef idx="minor">
+            <a:schemeClr val="tx1"/>
+          </a:fontRef>
+        </p:style>
+      </p:cxnSp>
+      <p:cxnSp>
+        <p:nvCxnSpPr>
+          <p:cNvPr id="87" name="Connettore diritto 86">
+            <a:extLst>
+              <a:ext uri="{FF2B5EF4-FFF2-40B4-BE49-F238E27FC236}">
+                <a16:creationId xmlns:a16="http://schemas.microsoft.com/office/drawing/2014/main" id="{CAEC43BA-2AB5-461B-B8F3-E661A49715C4}"/>
+              </a:ext>
+            </a:extLst>
+          </p:cNvPr>
+          <p:cNvCxnSpPr>
+            <a:cxnSpLocks/>
+          </p:cNvCxnSpPr>
+          <p:nvPr/>
+        </p:nvCxnSpPr>
+        <p:spPr>
+          <a:xfrm>
+            <a:off x="6769937" y="2156346"/>
+            <a:ext cx="286126" cy="0"/>
+          </a:xfrm>
+          <a:prstGeom prst="line">
+            <a:avLst/>
+          </a:prstGeom>
+          <a:ln w="28575">
+            <a:solidFill>
+              <a:schemeClr val="tx1"/>
+            </a:solidFill>
+          </a:ln>
+        </p:spPr>
+        <p:style>
+          <a:lnRef idx="1">
+            <a:schemeClr val="accent1"/>
+          </a:lnRef>
+          <a:fillRef idx="0">
+            <a:schemeClr val="accent1"/>
+          </a:fillRef>
+          <a:effectRef idx="0">
+            <a:schemeClr val="accent1"/>
+          </a:effectRef>
+          <a:fontRef idx="minor">
+            <a:schemeClr val="tx1"/>
+          </a:fontRef>
+        </p:style>
+      </p:cxnSp>
+      <p:cxnSp>
+        <p:nvCxnSpPr>
+          <p:cNvPr id="88" name="Connettore diritto 87">
+            <a:extLst>
+              <a:ext uri="{FF2B5EF4-FFF2-40B4-BE49-F238E27FC236}">
+                <a16:creationId xmlns:a16="http://schemas.microsoft.com/office/drawing/2014/main" id="{9793C93E-337F-48CD-A635-4869CBDD2AF9}"/>
+              </a:ext>
+            </a:extLst>
+          </p:cNvPr>
+          <p:cNvCxnSpPr>
+            <a:cxnSpLocks/>
+          </p:cNvCxnSpPr>
+          <p:nvPr/>
+        </p:nvCxnSpPr>
+        <p:spPr>
+          <a:xfrm>
+            <a:off x="6769937" y="2341012"/>
+            <a:ext cx="286126" cy="0"/>
+          </a:xfrm>
+          <a:prstGeom prst="line">
+            <a:avLst/>
+          </a:prstGeom>
+          <a:ln w="28575">
+            <a:solidFill>
+              <a:schemeClr val="tx1"/>
+            </a:solidFill>
+          </a:ln>
+        </p:spPr>
+        <p:style>
+          <a:lnRef idx="1">
+            <a:schemeClr val="accent1"/>
+          </a:lnRef>
+          <a:fillRef idx="0">
+            <a:schemeClr val="accent1"/>
+          </a:fillRef>
+          <a:effectRef idx="0">
+            <a:schemeClr val="accent1"/>
+          </a:effectRef>
+          <a:fontRef idx="minor">
+            <a:schemeClr val="tx1"/>
+          </a:fontRef>
+        </p:style>
+      </p:cxnSp>
+      <p:cxnSp>
+        <p:nvCxnSpPr>
+          <p:cNvPr id="89" name="Connettore diritto 88">
+            <a:extLst>
+              <a:ext uri="{FF2B5EF4-FFF2-40B4-BE49-F238E27FC236}">
+                <a16:creationId xmlns:a16="http://schemas.microsoft.com/office/drawing/2014/main" id="{7FC8C505-7A0F-4C62-9A89-4BB5B0E141D7}"/>
+              </a:ext>
+            </a:extLst>
+          </p:cNvPr>
+          <p:cNvCxnSpPr>
+            <a:cxnSpLocks/>
+          </p:cNvCxnSpPr>
+          <p:nvPr/>
+        </p:nvCxnSpPr>
+        <p:spPr>
+          <a:xfrm>
+            <a:off x="6769937" y="2525678"/>
+            <a:ext cx="286126" cy="0"/>
+          </a:xfrm>
+          <a:prstGeom prst="line">
+            <a:avLst/>
+          </a:prstGeom>
+          <a:ln w="28575">
+            <a:solidFill>
+              <a:schemeClr val="tx1"/>
+            </a:solidFill>
+          </a:ln>
+        </p:spPr>
+        <p:style>
+          <a:lnRef idx="1">
+            <a:schemeClr val="accent1"/>
+          </a:lnRef>
+          <a:fillRef idx="0">
+            <a:schemeClr val="accent1"/>
+          </a:fillRef>
+          <a:effectRef idx="0">
+            <a:schemeClr val="accent1"/>
+          </a:effectRef>
+          <a:fontRef idx="minor">
+            <a:schemeClr val="tx1"/>
+          </a:fontRef>
+        </p:style>
+      </p:cxnSp>
+      <p:cxnSp>
+        <p:nvCxnSpPr>
+          <p:cNvPr id="101" name="Connettore diritto 100">
+            <a:extLst>
+              <a:ext uri="{FF2B5EF4-FFF2-40B4-BE49-F238E27FC236}">
+                <a16:creationId xmlns:a16="http://schemas.microsoft.com/office/drawing/2014/main" id="{FBE4C2A4-157E-429B-855A-62664BD98385}"/>
+              </a:ext>
+            </a:extLst>
+          </p:cNvPr>
+          <p:cNvCxnSpPr>
+            <a:cxnSpLocks/>
+          </p:cNvCxnSpPr>
+          <p:nvPr/>
+        </p:nvCxnSpPr>
+        <p:spPr>
+          <a:xfrm>
+            <a:off x="6769937" y="2710344"/>
+            <a:ext cx="286126" cy="0"/>
+          </a:xfrm>
+          <a:prstGeom prst="line">
+            <a:avLst/>
+          </a:prstGeom>
+          <a:ln w="28575">
+            <a:solidFill>
+              <a:schemeClr val="tx1"/>
+            </a:solidFill>
+          </a:ln>
+        </p:spPr>
+        <p:style>
+          <a:lnRef idx="1">
+            <a:schemeClr val="accent1"/>
+          </a:lnRef>
+          <a:fillRef idx="0">
+            <a:schemeClr val="accent1"/>
+          </a:fillRef>
+          <a:effectRef idx="0">
+            <a:schemeClr val="accent1"/>
+          </a:effectRef>
+          <a:fontRef idx="minor">
+            <a:schemeClr val="tx1"/>
+          </a:fontRef>
+        </p:style>
+      </p:cxnSp>
+      <p:cxnSp>
+        <p:nvCxnSpPr>
+          <p:cNvPr id="102" name="Connettore diritto 101">
+            <a:extLst>
+              <a:ext uri="{FF2B5EF4-FFF2-40B4-BE49-F238E27FC236}">
+                <a16:creationId xmlns:a16="http://schemas.microsoft.com/office/drawing/2014/main" id="{42A9AE9C-1CC2-4D00-B81D-EE9437B36E87}"/>
+              </a:ext>
+            </a:extLst>
+          </p:cNvPr>
+          <p:cNvCxnSpPr>
+            <a:cxnSpLocks/>
+          </p:cNvCxnSpPr>
+          <p:nvPr/>
+        </p:nvCxnSpPr>
+        <p:spPr>
+          <a:xfrm>
+            <a:off x="6769937" y="2895010"/>
+            <a:ext cx="286126" cy="0"/>
+          </a:xfrm>
+          <a:prstGeom prst="line">
+            <a:avLst/>
+          </a:prstGeom>
+          <a:ln w="28575">
+            <a:solidFill>
+              <a:schemeClr val="tx1"/>
+            </a:solidFill>
+          </a:ln>
+        </p:spPr>
+        <p:style>
+          <a:lnRef idx="1">
+            <a:schemeClr val="accent1"/>
+          </a:lnRef>
+          <a:fillRef idx="0">
+            <a:schemeClr val="accent1"/>
+          </a:fillRef>
+          <a:effectRef idx="0">
+            <a:schemeClr val="accent1"/>
+          </a:effectRef>
+          <a:fontRef idx="minor">
+            <a:schemeClr val="tx1"/>
+          </a:fontRef>
+        </p:style>
+      </p:cxnSp>
+      <p:grpSp>
+        <p:nvGrpSpPr>
+          <p:cNvPr id="103" name="Gruppo 102">
+            <a:extLst>
+              <a:ext uri="{FF2B5EF4-FFF2-40B4-BE49-F238E27FC236}">
+                <a16:creationId xmlns:a16="http://schemas.microsoft.com/office/drawing/2014/main" id="{F9E43047-52C7-46E8-8838-B03E8F271735}"/>
+              </a:ext>
+            </a:extLst>
+          </p:cNvPr>
+          <p:cNvGrpSpPr/>
+          <p:nvPr/>
+        </p:nvGrpSpPr>
+        <p:grpSpPr>
+          <a:xfrm rot="16200000">
+            <a:off x="6728521" y="3083149"/>
+            <a:ext cx="761295" cy="395328"/>
+            <a:chOff x="1111850" y="4673515"/>
+            <a:chExt cx="761295" cy="395328"/>
+          </a:xfrm>
+        </p:grpSpPr>
+        <p:grpSp>
+          <p:nvGrpSpPr>
+            <p:cNvPr id="106" name="Gruppo 105">
+              <a:extLst>
+                <a:ext uri="{FF2B5EF4-FFF2-40B4-BE49-F238E27FC236}">
+                  <a16:creationId xmlns:a16="http://schemas.microsoft.com/office/drawing/2014/main" id="{6F8E1214-4C41-4380-8D18-2332451FFC2B}"/>
+                </a:ext>
+              </a:extLst>
+            </p:cNvPr>
+            <p:cNvGrpSpPr/>
+            <p:nvPr/>
+          </p:nvGrpSpPr>
+          <p:grpSpPr>
+            <a:xfrm>
+              <a:off x="1111850" y="4673515"/>
+              <a:ext cx="761295" cy="395328"/>
+              <a:chOff x="1094764" y="4120028"/>
+              <a:chExt cx="761295" cy="395328"/>
+            </a:xfrm>
+          </p:grpSpPr>
+          <p:cxnSp>
+            <p:nvCxnSpPr>
+              <p:cNvPr id="112" name="Connettore diritto 111">
+                <a:extLst>
+                  <a:ext uri="{FF2B5EF4-FFF2-40B4-BE49-F238E27FC236}">
+                    <a16:creationId xmlns:a16="http://schemas.microsoft.com/office/drawing/2014/main" id="{8239C2DD-454B-458E-9D03-C26CDA3E664D}"/>
+                  </a:ext>
+                </a:extLst>
+              </p:cNvPr>
+              <p:cNvCxnSpPr>
+                <a:cxnSpLocks/>
+              </p:cNvCxnSpPr>
+              <p:nvPr/>
+            </p:nvCxnSpPr>
+            <p:spPr>
+              <a:xfrm>
+                <a:off x="1094764" y="4362167"/>
+                <a:ext cx="761295" cy="0"/>
+              </a:xfrm>
+              <a:prstGeom prst="line">
+                <a:avLst/>
+              </a:prstGeom>
+              <a:ln w="28575">
+                <a:solidFill>
+                  <a:schemeClr val="tx1"/>
+                </a:solidFill>
+              </a:ln>
+            </p:spPr>
+            <p:style>
+              <a:lnRef idx="1">
+                <a:schemeClr val="accent1"/>
+              </a:lnRef>
+              <a:fillRef idx="0">
+                <a:schemeClr val="accent1"/>
+              </a:fillRef>
+              <a:effectRef idx="0">
+                <a:schemeClr val="accent1"/>
+              </a:effectRef>
+              <a:fontRef idx="minor">
+                <a:schemeClr val="tx1"/>
+              </a:fontRef>
+            </p:style>
+          </p:cxnSp>
+          <p:cxnSp>
+            <p:nvCxnSpPr>
+              <p:cNvPr id="113" name="Connettore diritto 112">
+                <a:extLst>
+                  <a:ext uri="{FF2B5EF4-FFF2-40B4-BE49-F238E27FC236}">
+                    <a16:creationId xmlns:a16="http://schemas.microsoft.com/office/drawing/2014/main" id="{11AC78C9-7035-4EC5-AE3C-D3FBC05E0204}"/>
+                  </a:ext>
+                </a:extLst>
+              </p:cNvPr>
+              <p:cNvCxnSpPr>
+                <a:cxnSpLocks/>
+              </p:cNvCxnSpPr>
+              <p:nvPr/>
+            </p:nvCxnSpPr>
+            <p:spPr>
+              <a:xfrm>
+                <a:off x="1239474" y="4209013"/>
+                <a:ext cx="113253" cy="289529"/>
+              </a:xfrm>
+              <a:prstGeom prst="line">
+                <a:avLst/>
+              </a:prstGeom>
+              <a:ln w="28575">
+                <a:solidFill>
+                  <a:schemeClr val="tx1"/>
+                </a:solidFill>
+              </a:ln>
+            </p:spPr>
+            <p:style>
+              <a:lnRef idx="1">
+                <a:schemeClr val="accent1"/>
+              </a:lnRef>
+              <a:fillRef idx="0">
+                <a:schemeClr val="accent1"/>
+              </a:fillRef>
+              <a:effectRef idx="0">
+                <a:schemeClr val="accent1"/>
+              </a:effectRef>
+              <a:fontRef idx="minor">
+                <a:schemeClr val="tx1"/>
+              </a:fontRef>
+            </p:style>
+          </p:cxnSp>
+          <p:sp>
+            <p:nvSpPr>
+              <p:cNvPr id="114" name="CasellaDiTesto 113">
+                <a:extLst>
+                  <a:ext uri="{FF2B5EF4-FFF2-40B4-BE49-F238E27FC236}">
+                    <a16:creationId xmlns:a16="http://schemas.microsoft.com/office/drawing/2014/main" id="{C7091D18-BDB5-4087-BEBD-F589C022407E}"/>
+                  </a:ext>
+                </a:extLst>
+              </p:cNvPr>
+              <p:cNvSpPr txBox="1"/>
+              <p:nvPr/>
+            </p:nvSpPr>
+            <p:spPr>
+              <a:xfrm rot="5400000">
+                <a:off x="1171767" y="4179192"/>
+                <a:ext cx="395328" cy="276999"/>
+              </a:xfrm>
+              <a:prstGeom prst="rect">
+                <a:avLst/>
+              </a:prstGeom>
+              <a:noFill/>
+            </p:spPr>
+            <p:txBody>
+              <a:bodyPr wrap="square" rtlCol="0">
+                <a:spAutoFit/>
+              </a:bodyPr>
+              <a:lstStyle/>
+              <a:p>
+                <a:r>
+                  <a:rPr lang="it-IT" sz="1200" dirty="0"/>
+                  <a:t>3</a:t>
+                </a:r>
+              </a:p>
+            </p:txBody>
+          </p:sp>
+        </p:grpSp>
+        <p:sp>
+          <p:nvSpPr>
+            <p:cNvPr id="109" name="Triangolo isoscele 108">
+              <a:extLst>
+                <a:ext uri="{FF2B5EF4-FFF2-40B4-BE49-F238E27FC236}">
+                  <a16:creationId xmlns:a16="http://schemas.microsoft.com/office/drawing/2014/main" id="{BD5488C2-6159-4F39-9EB0-62CDBC3B9956}"/>
+                </a:ext>
+              </a:extLst>
+            </p:cNvPr>
+            <p:cNvSpPr/>
+            <p:nvPr/>
+          </p:nvSpPr>
+          <p:spPr>
+            <a:xfrm rot="5400000">
+              <a:off x="1476448" y="4867109"/>
+              <a:ext cx="153354" cy="119690"/>
+            </a:xfrm>
+            <a:prstGeom prst="triangle">
+              <a:avLst/>
+            </a:prstGeom>
+            <a:solidFill>
+              <a:schemeClr val="tx1"/>
+            </a:solidFill>
+            <a:ln>
+              <a:solidFill>
+                <a:schemeClr val="tx1"/>
+              </a:solidFill>
+            </a:ln>
+          </p:spPr>
+          <p:style>
+            <a:lnRef idx="2">
+              <a:schemeClr val="accent1">
+                <a:shade val="50000"/>
+              </a:schemeClr>
+            </a:lnRef>
+            <a:fillRef idx="1">
+              <a:schemeClr val="accent1"/>
+            </a:fillRef>
+            <a:effectRef idx="0">
+              <a:schemeClr val="accent1"/>
+            </a:effectRef>
+            <a:fontRef idx="minor">
+              <a:schemeClr val="lt1"/>
+            </a:fontRef>
+          </p:style>
+          <p:txBody>
+            <a:bodyPr rtlCol="0" anchor="ctr"/>
+            <a:lstStyle/>
+            <a:p>
+              <a:pPr algn="ctr"/>
+              <a:endParaRPr lang="it-IT"/>
+            </a:p>
+          </p:txBody>
+        </p:sp>
+      </p:grpSp>
+      <p:sp>
+        <p:nvSpPr>
+          <p:cNvPr id="19" name="CasellaDiTesto 18">
+            <a:extLst>
+              <a:ext uri="{FF2B5EF4-FFF2-40B4-BE49-F238E27FC236}">
+                <a16:creationId xmlns:a16="http://schemas.microsoft.com/office/drawing/2014/main" id="{E0D10CFF-CF2C-4DB3-A318-90AF84E30F41}"/>
+              </a:ext>
+            </a:extLst>
+          </p:cNvPr>
+          <p:cNvSpPr txBox="1"/>
+          <p:nvPr/>
+        </p:nvSpPr>
+        <p:spPr>
+          <a:xfrm>
+            <a:off x="3016178" y="4106741"/>
+            <a:ext cx="461396" cy="276999"/>
+          </a:xfrm>
+          <a:prstGeom prst="rect">
+            <a:avLst/>
+          </a:prstGeom>
+          <a:noFill/>
+        </p:spPr>
+        <p:txBody>
+          <a:bodyPr wrap="square" rtlCol="0">
+            <a:spAutoFit/>
+          </a:bodyPr>
+          <a:lstStyle/>
+          <a:p>
+            <a:r>
+              <a:rPr lang="it-IT" sz="1200" dirty="0" err="1"/>
+              <a:t>msb</a:t>
+            </a:r>
+            <a:endParaRPr lang="it-IT" sz="1200" dirty="0"/>
+          </a:p>
+        </p:txBody>
+      </p:sp>
+      <p:sp>
+        <p:nvSpPr>
+          <p:cNvPr id="115" name="CasellaDiTesto 114">
+            <a:extLst>
+              <a:ext uri="{FF2B5EF4-FFF2-40B4-BE49-F238E27FC236}">
+                <a16:creationId xmlns:a16="http://schemas.microsoft.com/office/drawing/2014/main" id="{9C81AB14-4144-45AC-A3AD-E16EC87EE092}"/>
+              </a:ext>
+            </a:extLst>
+          </p:cNvPr>
+          <p:cNvSpPr txBox="1"/>
+          <p:nvPr/>
+        </p:nvSpPr>
+        <p:spPr>
+          <a:xfrm>
+            <a:off x="4872444" y="4124784"/>
+            <a:ext cx="461396" cy="276999"/>
+          </a:xfrm>
+          <a:prstGeom prst="rect">
+            <a:avLst/>
+          </a:prstGeom>
+          <a:noFill/>
+        </p:spPr>
+        <p:txBody>
+          <a:bodyPr wrap="square" rtlCol="0">
+            <a:spAutoFit/>
+          </a:bodyPr>
+          <a:lstStyle/>
+          <a:p>
+            <a:r>
+              <a:rPr lang="it-IT" sz="1200" dirty="0" err="1"/>
+              <a:t>lsb</a:t>
+            </a:r>
+            <a:endParaRPr lang="it-IT" sz="1200" dirty="0"/>
+          </a:p>
+        </p:txBody>
+      </p:sp>
+      <p:cxnSp>
+        <p:nvCxnSpPr>
+          <p:cNvPr id="26" name="Connettore a gomito 25">
+            <a:extLst>
+              <a:ext uri="{FF2B5EF4-FFF2-40B4-BE49-F238E27FC236}">
+                <a16:creationId xmlns:a16="http://schemas.microsoft.com/office/drawing/2014/main" id="{BB00128A-34ED-41E0-8ED7-DAB6CAC02092}"/>
+              </a:ext>
+            </a:extLst>
+          </p:cNvPr>
+          <p:cNvCxnSpPr>
+            <a:cxnSpLocks/>
+          </p:cNvCxnSpPr>
+          <p:nvPr/>
+        </p:nvCxnSpPr>
+        <p:spPr>
+          <a:xfrm flipV="1">
+            <a:off x="4649832" y="2710344"/>
+            <a:ext cx="2120105" cy="1348691"/>
+          </a:xfrm>
+          <a:prstGeom prst="bentConnector3">
+            <a:avLst>
+              <a:gd name="adj1" fmla="val -252"/>
+            </a:avLst>
+          </a:prstGeom>
+        </p:spPr>
+        <p:style>
+          <a:lnRef idx="1">
+            <a:schemeClr val="accent1"/>
+          </a:lnRef>
+          <a:fillRef idx="0">
+            <a:schemeClr val="accent1"/>
+          </a:fillRef>
+          <a:effectRef idx="0">
+            <a:schemeClr val="accent1"/>
+          </a:effectRef>
+          <a:fontRef idx="minor">
+            <a:schemeClr val="tx1"/>
+          </a:fontRef>
+        </p:style>
+      </p:cxnSp>
+      <p:cxnSp>
+        <p:nvCxnSpPr>
+          <p:cNvPr id="116" name="Connettore a gomito 115">
+            <a:extLst>
+              <a:ext uri="{FF2B5EF4-FFF2-40B4-BE49-F238E27FC236}">
+                <a16:creationId xmlns:a16="http://schemas.microsoft.com/office/drawing/2014/main" id="{993EF6DB-F8D4-4338-8E61-4990498FECFC}"/>
+              </a:ext>
+            </a:extLst>
+          </p:cNvPr>
+          <p:cNvCxnSpPr>
+            <a:cxnSpLocks/>
+          </p:cNvCxnSpPr>
+          <p:nvPr/>
+        </p:nvCxnSpPr>
+        <p:spPr>
+          <a:xfrm flipV="1">
+            <a:off x="4448217" y="2525679"/>
+            <a:ext cx="2340444" cy="1533356"/>
+          </a:xfrm>
+          <a:prstGeom prst="bentConnector3">
+            <a:avLst>
+              <a:gd name="adj1" fmla="val -1256"/>
+            </a:avLst>
+          </a:prstGeom>
+        </p:spPr>
+        <p:style>
+          <a:lnRef idx="1">
+            <a:schemeClr val="accent1"/>
+          </a:lnRef>
+          <a:fillRef idx="0">
+            <a:schemeClr val="accent1"/>
+          </a:fillRef>
+          <a:effectRef idx="0">
+            <a:schemeClr val="accent1"/>
+          </a:effectRef>
+          <a:fontRef idx="minor">
+            <a:schemeClr val="tx1"/>
+          </a:fontRef>
+        </p:style>
+      </p:cxnSp>
+      <p:cxnSp>
+        <p:nvCxnSpPr>
+          <p:cNvPr id="117" name="Connettore a gomito 116">
+            <a:extLst>
+              <a:ext uri="{FF2B5EF4-FFF2-40B4-BE49-F238E27FC236}">
+                <a16:creationId xmlns:a16="http://schemas.microsoft.com/office/drawing/2014/main" id="{EEA5D6DD-7B39-4953-8693-28B449318021}"/>
+              </a:ext>
+            </a:extLst>
+          </p:cNvPr>
+          <p:cNvCxnSpPr>
+            <a:cxnSpLocks/>
+          </p:cNvCxnSpPr>
+          <p:nvPr/>
+        </p:nvCxnSpPr>
+        <p:spPr>
+          <a:xfrm flipV="1">
+            <a:off x="4193221" y="2341012"/>
+            <a:ext cx="2583819" cy="1703789"/>
+          </a:xfrm>
+          <a:prstGeom prst="bentConnector3">
+            <a:avLst>
+              <a:gd name="adj1" fmla="val 0"/>
+            </a:avLst>
+          </a:prstGeom>
+        </p:spPr>
+        <p:style>
+          <a:lnRef idx="1">
+            <a:schemeClr val="accent1"/>
+          </a:lnRef>
+          <a:fillRef idx="0">
+            <a:schemeClr val="accent1"/>
+          </a:fillRef>
+          <a:effectRef idx="0">
+            <a:schemeClr val="accent1"/>
+          </a:effectRef>
+          <a:fontRef idx="minor">
+            <a:schemeClr val="tx1"/>
+          </a:fontRef>
+        </p:style>
+      </p:cxnSp>
+      <p:cxnSp>
+        <p:nvCxnSpPr>
+          <p:cNvPr id="118" name="Connettore a gomito 117">
+            <a:extLst>
+              <a:ext uri="{FF2B5EF4-FFF2-40B4-BE49-F238E27FC236}">
+                <a16:creationId xmlns:a16="http://schemas.microsoft.com/office/drawing/2014/main" id="{A89C5128-26F0-4BA4-B0FF-BBD24D5FEFCF}"/>
+              </a:ext>
+            </a:extLst>
+          </p:cNvPr>
+          <p:cNvCxnSpPr>
+            <a:cxnSpLocks/>
+          </p:cNvCxnSpPr>
+          <p:nvPr/>
+        </p:nvCxnSpPr>
+        <p:spPr>
+          <a:xfrm flipV="1">
+            <a:off x="3986298" y="2149028"/>
+            <a:ext cx="2783637" cy="1826800"/>
+          </a:xfrm>
+          <a:prstGeom prst="bentConnector3">
+            <a:avLst>
+              <a:gd name="adj1" fmla="val -328"/>
+            </a:avLst>
+          </a:prstGeom>
+        </p:spPr>
+        <p:style>
+          <a:lnRef idx="1">
+            <a:schemeClr val="accent1"/>
+          </a:lnRef>
+          <a:fillRef idx="0">
+            <a:schemeClr val="accent1"/>
+          </a:fillRef>
+          <a:effectRef idx="0">
+            <a:schemeClr val="accent1"/>
+          </a:effectRef>
+          <a:fontRef idx="minor">
+            <a:schemeClr val="tx1"/>
+          </a:fontRef>
+        </p:style>
+      </p:cxnSp>
+      <p:sp>
+        <p:nvSpPr>
+          <p:cNvPr id="119" name="Ritardo 118">
+            <a:extLst>
+              <a:ext uri="{FF2B5EF4-FFF2-40B4-BE49-F238E27FC236}">
+                <a16:creationId xmlns:a16="http://schemas.microsoft.com/office/drawing/2014/main" id="{52B6320E-2914-417C-A6AB-FC09E2F77F94}"/>
+              </a:ext>
+            </a:extLst>
+          </p:cNvPr>
+          <p:cNvSpPr/>
+          <p:nvPr/>
+        </p:nvSpPr>
+        <p:spPr>
+          <a:xfrm>
+            <a:off x="4199689" y="1151384"/>
+            <a:ext cx="317727" cy="315813"/>
+          </a:xfrm>
+          <a:prstGeom prst="flowChartDelay">
+            <a:avLst/>
+          </a:prstGeom>
+        </p:spPr>
+        <p:style>
+          <a:lnRef idx="2">
+            <a:schemeClr val="accent1">
+              <a:shade val="50000"/>
+            </a:schemeClr>
+          </a:lnRef>
+          <a:fillRef idx="1">
+            <a:schemeClr val="accent1"/>
+          </a:fillRef>
+          <a:effectRef idx="0">
+            <a:schemeClr val="accent1"/>
+          </a:effectRef>
+          <a:fontRef idx="minor">
+            <a:schemeClr val="lt1"/>
+          </a:fontRef>
+        </p:style>
+        <p:txBody>
+          <a:bodyPr rtlCol="0" anchor="ctr"/>
+          <a:lstStyle/>
+          <a:p>
+            <a:pPr algn="ctr"/>
+            <a:endParaRPr lang="it-IT"/>
+          </a:p>
+        </p:txBody>
+      </p:sp>
+      <p:cxnSp>
+        <p:nvCxnSpPr>
+          <p:cNvPr id="120" name="Connettore a gomito 119">
+            <a:extLst>
+              <a:ext uri="{FF2B5EF4-FFF2-40B4-BE49-F238E27FC236}">
+                <a16:creationId xmlns:a16="http://schemas.microsoft.com/office/drawing/2014/main" id="{E0F3E90A-8DC9-4D4A-AC61-865A21AD0A50}"/>
+              </a:ext>
+            </a:extLst>
+          </p:cNvPr>
+          <p:cNvCxnSpPr>
+            <a:cxnSpLocks/>
+          </p:cNvCxnSpPr>
+          <p:nvPr/>
+        </p:nvCxnSpPr>
+        <p:spPr>
+          <a:xfrm rot="5400000" flipH="1" flipV="1">
+            <a:off x="2477173" y="2295812"/>
+            <a:ext cx="2793640" cy="651391"/>
+          </a:xfrm>
+          <a:prstGeom prst="bentConnector3">
+            <a:avLst>
+              <a:gd name="adj1" fmla="val 99848"/>
+            </a:avLst>
+          </a:prstGeom>
+        </p:spPr>
+        <p:style>
+          <a:lnRef idx="1">
+            <a:schemeClr val="accent1"/>
+          </a:lnRef>
+          <a:fillRef idx="0">
+            <a:schemeClr val="accent1"/>
+          </a:fillRef>
+          <a:effectRef idx="0">
+            <a:schemeClr val="accent1"/>
+          </a:effectRef>
+          <a:fontRef idx="minor">
+            <a:schemeClr val="tx1"/>
+          </a:fontRef>
+        </p:style>
+      </p:cxnSp>
+      <p:cxnSp>
+        <p:nvCxnSpPr>
+          <p:cNvPr id="121" name="Connettore a gomito 120">
+            <a:extLst>
+              <a:ext uri="{FF2B5EF4-FFF2-40B4-BE49-F238E27FC236}">
+                <a16:creationId xmlns:a16="http://schemas.microsoft.com/office/drawing/2014/main" id="{9DD12248-0953-40F6-928F-F3DB4771AF65}"/>
+              </a:ext>
+            </a:extLst>
+          </p:cNvPr>
+          <p:cNvCxnSpPr>
+            <a:cxnSpLocks/>
+          </p:cNvCxnSpPr>
+          <p:nvPr/>
+        </p:nvCxnSpPr>
+        <p:spPr>
+          <a:xfrm rot="5400000" flipH="1" flipV="1">
+            <a:off x="2730616" y="2378456"/>
+            <a:ext cx="2730235" cy="697029"/>
+          </a:xfrm>
+          <a:prstGeom prst="bentConnector3">
+            <a:avLst>
+              <a:gd name="adj1" fmla="val 99777"/>
+            </a:avLst>
+          </a:prstGeom>
+        </p:spPr>
+        <p:style>
+          <a:lnRef idx="1">
+            <a:schemeClr val="accent1"/>
+          </a:lnRef>
+          <a:fillRef idx="0">
+            <a:schemeClr val="accent1"/>
+          </a:fillRef>
+          <a:effectRef idx="0">
+            <a:schemeClr val="accent1"/>
+          </a:effectRef>
+          <a:fontRef idx="minor">
+            <a:schemeClr val="tx1"/>
+          </a:fontRef>
+        </p:style>
+      </p:cxnSp>
+      <p:cxnSp>
+        <p:nvCxnSpPr>
+          <p:cNvPr id="122" name="Connettore a gomito 121">
+            <a:extLst>
+              <a:ext uri="{FF2B5EF4-FFF2-40B4-BE49-F238E27FC236}">
+                <a16:creationId xmlns:a16="http://schemas.microsoft.com/office/drawing/2014/main" id="{458071D3-5FBF-42C3-9BF4-A41CEBDC12D6}"/>
+              </a:ext>
+            </a:extLst>
+          </p:cNvPr>
+          <p:cNvCxnSpPr/>
+          <p:nvPr/>
+        </p:nvCxnSpPr>
+        <p:spPr>
+          <a:xfrm rot="10800000">
+            <a:off x="4548982" y="1309290"/>
+            <a:ext cx="2220206" cy="291990"/>
+          </a:xfrm>
+          <a:prstGeom prst="bentConnector3">
+            <a:avLst/>
+          </a:prstGeom>
+        </p:spPr>
+        <p:style>
+          <a:lnRef idx="1">
+            <a:schemeClr val="accent1"/>
+          </a:lnRef>
+          <a:fillRef idx="0">
+            <a:schemeClr val="accent1"/>
+          </a:fillRef>
+          <a:effectRef idx="0">
+            <a:schemeClr val="accent1"/>
+          </a:effectRef>
+          <a:fontRef idx="minor">
+            <a:schemeClr val="tx1"/>
+          </a:fontRef>
+        </p:style>
+      </p:cxnSp>
+      <p:sp>
+        <p:nvSpPr>
+          <p:cNvPr id="123" name="Ritardo 122">
+            <a:extLst>
+              <a:ext uri="{FF2B5EF4-FFF2-40B4-BE49-F238E27FC236}">
+                <a16:creationId xmlns:a16="http://schemas.microsoft.com/office/drawing/2014/main" id="{74D4B7F0-AA20-4085-8970-66BBD045874A}"/>
+              </a:ext>
+            </a:extLst>
+          </p:cNvPr>
+          <p:cNvSpPr/>
+          <p:nvPr/>
+        </p:nvSpPr>
+        <p:spPr>
+          <a:xfrm>
+            <a:off x="4571001" y="1757616"/>
+            <a:ext cx="317727" cy="315813"/>
+          </a:xfrm>
+          <a:prstGeom prst="flowChartDelay">
+            <a:avLst/>
+          </a:prstGeom>
+        </p:spPr>
+        <p:style>
+          <a:lnRef idx="2">
+            <a:schemeClr val="accent1">
+              <a:shade val="50000"/>
+            </a:schemeClr>
+          </a:lnRef>
+          <a:fillRef idx="1">
+            <a:schemeClr val="accent1"/>
+          </a:fillRef>
+          <a:effectRef idx="0">
+            <a:schemeClr val="accent1"/>
+          </a:effectRef>
+          <a:fontRef idx="minor">
+            <a:schemeClr val="lt1"/>
+          </a:fontRef>
+        </p:style>
+        <p:txBody>
+          <a:bodyPr rtlCol="0" anchor="ctr"/>
+          <a:lstStyle/>
+          <a:p>
+            <a:pPr algn="ctr"/>
+            <a:endParaRPr lang="it-IT"/>
+          </a:p>
+        </p:txBody>
+      </p:sp>
+      <p:cxnSp>
+        <p:nvCxnSpPr>
+          <p:cNvPr id="124" name="Connettore a gomito 123">
+            <a:extLst>
+              <a:ext uri="{FF2B5EF4-FFF2-40B4-BE49-F238E27FC236}">
+                <a16:creationId xmlns:a16="http://schemas.microsoft.com/office/drawing/2014/main" id="{9CBC5745-A1A4-4AA4-B693-989B2ACC8691}"/>
+              </a:ext>
+            </a:extLst>
+          </p:cNvPr>
+          <p:cNvCxnSpPr>
+            <a:cxnSpLocks/>
+            <a:endCxn id="123" idx="3"/>
+          </p:cNvCxnSpPr>
+          <p:nvPr/>
+        </p:nvCxnSpPr>
+        <p:spPr>
+          <a:xfrm rot="10800000">
+            <a:off x="4888729" y="1915523"/>
+            <a:ext cx="1899933" cy="64642"/>
+          </a:xfrm>
+          <a:prstGeom prst="bentConnector3">
+            <a:avLst/>
+          </a:prstGeom>
+        </p:spPr>
+        <p:style>
+          <a:lnRef idx="1">
+            <a:schemeClr val="accent1"/>
+          </a:lnRef>
+          <a:fillRef idx="0">
+            <a:schemeClr val="accent1"/>
+          </a:fillRef>
+          <a:effectRef idx="0">
+            <a:schemeClr val="accent1"/>
+          </a:effectRef>
+          <a:fontRef idx="minor">
+            <a:schemeClr val="tx1"/>
+          </a:fontRef>
+        </p:style>
+      </p:cxnSp>
+      <p:cxnSp>
+        <p:nvCxnSpPr>
+          <p:cNvPr id="128" name="Connettore a gomito 127">
+            <a:extLst>
+              <a:ext uri="{FF2B5EF4-FFF2-40B4-BE49-F238E27FC236}">
+                <a16:creationId xmlns:a16="http://schemas.microsoft.com/office/drawing/2014/main" id="{41083F9E-1435-4BF7-B944-7ADD0CBBCC61}"/>
+              </a:ext>
+            </a:extLst>
+          </p:cNvPr>
+          <p:cNvCxnSpPr>
+            <a:cxnSpLocks/>
+          </p:cNvCxnSpPr>
+          <p:nvPr/>
+        </p:nvCxnSpPr>
+        <p:spPr>
+          <a:xfrm rot="5400000" flipH="1" flipV="1">
+            <a:off x="4167923" y="2045441"/>
+            <a:ext cx="425488" cy="380674"/>
+          </a:xfrm>
+          <a:prstGeom prst="bentConnector2">
+            <a:avLst/>
+          </a:prstGeom>
+        </p:spPr>
+        <p:style>
+          <a:lnRef idx="1">
+            <a:schemeClr val="accent1"/>
+          </a:lnRef>
+          <a:fillRef idx="0">
+            <a:schemeClr val="accent1"/>
+          </a:fillRef>
+          <a:effectRef idx="0">
+            <a:schemeClr val="accent1"/>
+          </a:effectRef>
+          <a:fontRef idx="minor">
+            <a:schemeClr val="tx1"/>
+          </a:fontRef>
+        </p:style>
+      </p:cxnSp>
+      <p:cxnSp>
+        <p:nvCxnSpPr>
+          <p:cNvPr id="129" name="Connettore a gomito 128">
+            <a:extLst>
+              <a:ext uri="{FF2B5EF4-FFF2-40B4-BE49-F238E27FC236}">
+                <a16:creationId xmlns:a16="http://schemas.microsoft.com/office/drawing/2014/main" id="{8B636F1F-A784-4D49-A722-50863268E77C}"/>
+              </a:ext>
+            </a:extLst>
+          </p:cNvPr>
+          <p:cNvCxnSpPr>
+            <a:cxnSpLocks/>
+          </p:cNvCxnSpPr>
+          <p:nvPr/>
+        </p:nvCxnSpPr>
+        <p:spPr>
+          <a:xfrm flipV="1">
+            <a:off x="3986298" y="1831633"/>
+            <a:ext cx="584703" cy="311074"/>
+          </a:xfrm>
+          <a:prstGeom prst="bentConnector3">
+            <a:avLst>
+              <a:gd name="adj1" fmla="val -216"/>
+            </a:avLst>
+          </a:prstGeom>
+        </p:spPr>
+        <p:style>
+          <a:lnRef idx="1">
+            <a:schemeClr val="accent1"/>
+          </a:lnRef>
+          <a:fillRef idx="0">
+            <a:schemeClr val="accent1"/>
+          </a:fillRef>
+          <a:effectRef idx="0">
+            <a:schemeClr val="accent1"/>
+          </a:effectRef>
+          <a:fontRef idx="minor">
+            <a:schemeClr val="tx1"/>
+          </a:fontRef>
+        </p:style>
+      </p:cxnSp>
+      <p:sp>
+        <p:nvSpPr>
+          <p:cNvPr id="132" name="Ritardo 131">
+            <a:extLst>
+              <a:ext uri="{FF2B5EF4-FFF2-40B4-BE49-F238E27FC236}">
+                <a16:creationId xmlns:a16="http://schemas.microsoft.com/office/drawing/2014/main" id="{2184879A-6C30-40CE-B0B9-210E18DBF130}"/>
+              </a:ext>
+            </a:extLst>
+          </p:cNvPr>
+          <p:cNvSpPr/>
+          <p:nvPr/>
+        </p:nvSpPr>
+        <p:spPr>
+          <a:xfrm>
+            <a:off x="4928817" y="1417968"/>
+            <a:ext cx="317727" cy="315813"/>
+          </a:xfrm>
+          <a:prstGeom prst="flowChartDelay">
+            <a:avLst/>
+          </a:prstGeom>
+        </p:spPr>
+        <p:style>
+          <a:lnRef idx="2">
+            <a:schemeClr val="accent1">
+              <a:shade val="50000"/>
+            </a:schemeClr>
+          </a:lnRef>
+          <a:fillRef idx="1">
+            <a:schemeClr val="accent1"/>
+          </a:fillRef>
+          <a:effectRef idx="0">
+            <a:schemeClr val="accent1"/>
+          </a:effectRef>
+          <a:fontRef idx="minor">
+            <a:schemeClr val="lt1"/>
+          </a:fontRef>
+        </p:style>
+        <p:txBody>
+          <a:bodyPr rtlCol="0" anchor="ctr"/>
+          <a:lstStyle/>
+          <a:p>
+            <a:pPr algn="ctr"/>
+            <a:endParaRPr lang="it-IT"/>
+          </a:p>
+        </p:txBody>
+      </p:sp>
+      <p:cxnSp>
+        <p:nvCxnSpPr>
+          <p:cNvPr id="133" name="Connettore a gomito 132">
+            <a:extLst>
+              <a:ext uri="{FF2B5EF4-FFF2-40B4-BE49-F238E27FC236}">
+                <a16:creationId xmlns:a16="http://schemas.microsoft.com/office/drawing/2014/main" id="{718B7005-A7F6-4DE6-8D5B-5A2BD34211CF}"/>
+              </a:ext>
+            </a:extLst>
+          </p:cNvPr>
+          <p:cNvCxnSpPr>
+            <a:cxnSpLocks/>
+          </p:cNvCxnSpPr>
+          <p:nvPr/>
+        </p:nvCxnSpPr>
+        <p:spPr>
+          <a:xfrm>
+            <a:off x="3996099" y="1357225"/>
+            <a:ext cx="932718" cy="159927"/>
+          </a:xfrm>
+          <a:prstGeom prst="bentConnector3">
+            <a:avLst>
+              <a:gd name="adj1" fmla="val 3231"/>
+            </a:avLst>
+          </a:prstGeom>
+        </p:spPr>
+        <p:style>
+          <a:lnRef idx="1">
+            <a:schemeClr val="accent1"/>
+          </a:lnRef>
+          <a:fillRef idx="0">
+            <a:schemeClr val="accent1"/>
+          </a:fillRef>
+          <a:effectRef idx="0">
+            <a:schemeClr val="accent1"/>
+          </a:effectRef>
+          <a:fontRef idx="minor">
+            <a:schemeClr val="tx1"/>
+          </a:fontRef>
+        </p:style>
+      </p:cxnSp>
+      <p:cxnSp>
+        <p:nvCxnSpPr>
+          <p:cNvPr id="139" name="Connettore a gomito 138">
+            <a:extLst>
+              <a:ext uri="{FF2B5EF4-FFF2-40B4-BE49-F238E27FC236}">
+                <a16:creationId xmlns:a16="http://schemas.microsoft.com/office/drawing/2014/main" id="{0F5E1DFF-20E5-46BB-9ACE-8525F9D8D94B}"/>
+              </a:ext>
+            </a:extLst>
+          </p:cNvPr>
+          <p:cNvCxnSpPr>
+            <a:cxnSpLocks/>
+          </p:cNvCxnSpPr>
+          <p:nvPr/>
+        </p:nvCxnSpPr>
+        <p:spPr>
+          <a:xfrm flipV="1">
+            <a:off x="3996099" y="1651376"/>
+            <a:ext cx="932718" cy="262492"/>
+          </a:xfrm>
+          <a:prstGeom prst="bentConnector3">
+            <a:avLst>
+              <a:gd name="adj1" fmla="val -1267"/>
+            </a:avLst>
+          </a:prstGeom>
+        </p:spPr>
+        <p:style>
+          <a:lnRef idx="1">
+            <a:schemeClr val="accent1"/>
+          </a:lnRef>
+          <a:fillRef idx="0">
+            <a:schemeClr val="accent1"/>
+          </a:fillRef>
+          <a:effectRef idx="0">
+            <a:schemeClr val="accent1"/>
+          </a:effectRef>
+          <a:fontRef idx="minor">
+            <a:schemeClr val="tx1"/>
+          </a:fontRef>
+        </p:style>
+      </p:cxnSp>
+      <p:cxnSp>
+        <p:nvCxnSpPr>
+          <p:cNvPr id="143" name="Connettore a gomito 142">
+            <a:extLst>
+              <a:ext uri="{FF2B5EF4-FFF2-40B4-BE49-F238E27FC236}">
+                <a16:creationId xmlns:a16="http://schemas.microsoft.com/office/drawing/2014/main" id="{A33C2CF4-2A2A-476F-A06A-4B62A36824C5}"/>
+              </a:ext>
+            </a:extLst>
+          </p:cNvPr>
+          <p:cNvCxnSpPr>
+            <a:cxnSpLocks/>
+            <a:endCxn id="132" idx="3"/>
+          </p:cNvCxnSpPr>
+          <p:nvPr/>
+        </p:nvCxnSpPr>
+        <p:spPr>
+          <a:xfrm rot="10800000">
+            <a:off x="5246544" y="1575876"/>
+            <a:ext cx="1530496" cy="210035"/>
+          </a:xfrm>
+          <a:prstGeom prst="bentConnector3">
+            <a:avLst>
+              <a:gd name="adj1" fmla="val 84532"/>
+            </a:avLst>
+          </a:prstGeom>
+        </p:spPr>
+        <p:style>
+          <a:lnRef idx="1">
+            <a:schemeClr val="accent1"/>
+          </a:lnRef>
+          <a:fillRef idx="0">
+            <a:schemeClr val="accent1"/>
+          </a:fillRef>
+          <a:effectRef idx="0">
+            <a:schemeClr val="accent1"/>
+          </a:effectRef>
+          <a:fontRef idx="minor">
+            <a:schemeClr val="tx1"/>
+          </a:fontRef>
+        </p:style>
+      </p:cxnSp>
+      <p:sp>
+        <p:nvSpPr>
+          <p:cNvPr id="147" name="Rettangolo 146">
+            <a:extLst>
+              <a:ext uri="{FF2B5EF4-FFF2-40B4-BE49-F238E27FC236}">
+                <a16:creationId xmlns:a16="http://schemas.microsoft.com/office/drawing/2014/main" id="{A642CE1E-3A83-4978-B0F5-BBCDF3591781}"/>
+              </a:ext>
+            </a:extLst>
+          </p:cNvPr>
+          <p:cNvSpPr/>
+          <p:nvPr/>
+        </p:nvSpPr>
+        <p:spPr>
+          <a:xfrm>
+            <a:off x="8341008" y="2276742"/>
+            <a:ext cx="978305" cy="569860"/>
+          </a:xfrm>
+          <a:prstGeom prst="rect">
+            <a:avLst/>
+          </a:prstGeom>
+        </p:spPr>
+        <p:style>
+          <a:lnRef idx="2">
+            <a:schemeClr val="accent1">
+              <a:shade val="50000"/>
+            </a:schemeClr>
+          </a:lnRef>
+          <a:fillRef idx="1">
+            <a:schemeClr val="accent1"/>
+          </a:fillRef>
+          <a:effectRef idx="0">
+            <a:schemeClr val="accent1"/>
+          </a:effectRef>
+          <a:fontRef idx="minor">
+            <a:schemeClr val="lt1"/>
+          </a:fontRef>
+        </p:style>
+        <p:txBody>
+          <a:bodyPr rtlCol="0" anchor="ctr"/>
+          <a:lstStyle/>
+          <a:p>
+            <a:pPr algn="ctr"/>
+            <a:r>
+              <a:rPr lang="it-IT" dirty="0"/>
+              <a:t>Aspetta 8</a:t>
+            </a:r>
+          </a:p>
+        </p:txBody>
+      </p:sp>
+      <p:cxnSp>
+        <p:nvCxnSpPr>
+          <p:cNvPr id="148" name="Connettore diritto 147">
+            <a:extLst>
+              <a:ext uri="{FF2B5EF4-FFF2-40B4-BE49-F238E27FC236}">
+                <a16:creationId xmlns:a16="http://schemas.microsoft.com/office/drawing/2014/main" id="{BD163714-F446-4DD5-B6B9-29F369045D52}"/>
+              </a:ext>
+            </a:extLst>
+          </p:cNvPr>
+          <p:cNvCxnSpPr>
+            <a:cxnSpLocks/>
+          </p:cNvCxnSpPr>
+          <p:nvPr/>
+        </p:nvCxnSpPr>
+        <p:spPr>
+          <a:xfrm>
+            <a:off x="7241621" y="2287229"/>
+            <a:ext cx="286126" cy="0"/>
+          </a:xfrm>
+          <a:prstGeom prst="line">
+            <a:avLst/>
+          </a:prstGeom>
+          <a:ln w="28575">
+            <a:solidFill>
+              <a:schemeClr val="tx1"/>
+            </a:solidFill>
+          </a:ln>
+        </p:spPr>
+        <p:style>
+          <a:lnRef idx="1">
+            <a:schemeClr val="accent1"/>
+          </a:lnRef>
+          <a:fillRef idx="0">
+            <a:schemeClr val="accent1"/>
+          </a:fillRef>
+          <a:effectRef idx="0">
+            <a:schemeClr val="accent1"/>
+          </a:effectRef>
+          <a:fontRef idx="minor">
+            <a:schemeClr val="tx1"/>
+          </a:fontRef>
+        </p:style>
+      </p:cxnSp>
+      <p:cxnSp>
+        <p:nvCxnSpPr>
+          <p:cNvPr id="150" name="Connettore a gomito 149">
+            <a:extLst>
+              <a:ext uri="{FF2B5EF4-FFF2-40B4-BE49-F238E27FC236}">
+                <a16:creationId xmlns:a16="http://schemas.microsoft.com/office/drawing/2014/main" id="{2405E32B-4875-4325-B685-8522D0D99CF9}"/>
+              </a:ext>
+            </a:extLst>
+          </p:cNvPr>
+          <p:cNvCxnSpPr/>
+          <p:nvPr/>
+        </p:nvCxnSpPr>
+        <p:spPr>
+          <a:xfrm flipV="1">
+            <a:off x="7550092" y="1677957"/>
+            <a:ext cx="2898036" cy="598785"/>
+          </a:xfrm>
+          <a:prstGeom prst="bentConnector3">
+            <a:avLst>
+              <a:gd name="adj1" fmla="val 15553"/>
+            </a:avLst>
+          </a:prstGeom>
+        </p:spPr>
+        <p:style>
+          <a:lnRef idx="1">
+            <a:schemeClr val="accent1"/>
+          </a:lnRef>
+          <a:fillRef idx="0">
+            <a:schemeClr val="accent1"/>
+          </a:fillRef>
+          <a:effectRef idx="0">
+            <a:schemeClr val="accent1"/>
+          </a:effectRef>
+          <a:fontRef idx="minor">
+            <a:schemeClr val="tx1"/>
+          </a:fontRef>
+        </p:style>
+      </p:cxnSp>
+      <p:cxnSp>
+        <p:nvCxnSpPr>
+          <p:cNvPr id="152" name="Connettore a gomito 151">
+            <a:extLst>
+              <a:ext uri="{FF2B5EF4-FFF2-40B4-BE49-F238E27FC236}">
+                <a16:creationId xmlns:a16="http://schemas.microsoft.com/office/drawing/2014/main" id="{D55D6756-5AAF-4DF1-9B39-752578C555B7}"/>
+              </a:ext>
+            </a:extLst>
+          </p:cNvPr>
+          <p:cNvCxnSpPr>
+            <a:cxnSpLocks/>
+            <a:endCxn id="147" idx="1"/>
+          </p:cNvCxnSpPr>
+          <p:nvPr/>
+        </p:nvCxnSpPr>
+        <p:spPr>
+          <a:xfrm>
+            <a:off x="7527747" y="2276743"/>
+            <a:ext cx="813261" cy="284929"/>
+          </a:xfrm>
+          <a:prstGeom prst="bentConnector3">
+            <a:avLst>
+              <a:gd name="adj1" fmla="val 50000"/>
+            </a:avLst>
+          </a:prstGeom>
+        </p:spPr>
+        <p:style>
+          <a:lnRef idx="1">
+            <a:schemeClr val="accent1"/>
+          </a:lnRef>
+          <a:fillRef idx="0">
+            <a:schemeClr val="accent1"/>
+          </a:fillRef>
+          <a:effectRef idx="0">
+            <a:schemeClr val="accent1"/>
+          </a:effectRef>
+          <a:fontRef idx="minor">
+            <a:schemeClr val="tx1"/>
+          </a:fontRef>
+        </p:style>
+      </p:cxnSp>
+      <p:cxnSp>
+        <p:nvCxnSpPr>
+          <p:cNvPr id="155" name="Connettore a gomito 154">
+            <a:extLst>
+              <a:ext uri="{FF2B5EF4-FFF2-40B4-BE49-F238E27FC236}">
+                <a16:creationId xmlns:a16="http://schemas.microsoft.com/office/drawing/2014/main" id="{5A050444-A4D0-4171-B878-606DCB110161}"/>
+              </a:ext>
+            </a:extLst>
+          </p:cNvPr>
+          <p:cNvCxnSpPr>
+            <a:cxnSpLocks/>
+          </p:cNvCxnSpPr>
+          <p:nvPr/>
+        </p:nvCxnSpPr>
+        <p:spPr>
+          <a:xfrm flipV="1">
+            <a:off x="9276104" y="2191084"/>
+            <a:ext cx="1217464" cy="355643"/>
+          </a:xfrm>
+          <a:prstGeom prst="bentConnector3">
+            <a:avLst>
+              <a:gd name="adj1" fmla="val 50000"/>
+            </a:avLst>
+          </a:prstGeom>
+        </p:spPr>
+        <p:style>
+          <a:lnRef idx="1">
+            <a:schemeClr val="accent1"/>
+          </a:lnRef>
+          <a:fillRef idx="0">
+            <a:schemeClr val="accent1"/>
+          </a:fillRef>
+          <a:effectRef idx="0">
+            <a:schemeClr val="accent1"/>
+          </a:effectRef>
+          <a:fontRef idx="minor">
+            <a:schemeClr val="tx1"/>
+          </a:fontRef>
+        </p:style>
+      </p:cxnSp>
+      <p:cxnSp>
+        <p:nvCxnSpPr>
+          <p:cNvPr id="160" name="Connettore a gomito 159">
+            <a:extLst>
+              <a:ext uri="{FF2B5EF4-FFF2-40B4-BE49-F238E27FC236}">
+                <a16:creationId xmlns:a16="http://schemas.microsoft.com/office/drawing/2014/main" id="{07B8084E-6051-4CA5-8426-2A65850CF103}"/>
+              </a:ext>
+            </a:extLst>
+          </p:cNvPr>
+          <p:cNvCxnSpPr/>
+          <p:nvPr/>
+        </p:nvCxnSpPr>
+        <p:spPr>
+          <a:xfrm rot="10800000" flipV="1">
+            <a:off x="1927415" y="3661461"/>
+            <a:ext cx="5226228" cy="1933996"/>
+          </a:xfrm>
+          <a:prstGeom prst="bentConnector3">
+            <a:avLst>
+              <a:gd name="adj1" fmla="val 240"/>
+            </a:avLst>
+          </a:prstGeom>
+        </p:spPr>
+        <p:style>
+          <a:lnRef idx="1">
+            <a:schemeClr val="accent1"/>
+          </a:lnRef>
+          <a:fillRef idx="0">
+            <a:schemeClr val="accent1"/>
+          </a:fillRef>
+          <a:effectRef idx="0">
+            <a:schemeClr val="accent1"/>
+          </a:effectRef>
+          <a:fontRef idx="minor">
+            <a:schemeClr val="tx1"/>
+          </a:fontRef>
+        </p:style>
+      </p:cxnSp>
+      <p:cxnSp>
+        <p:nvCxnSpPr>
+          <p:cNvPr id="175" name="Connettore diritto 174">
+            <a:extLst>
+              <a:ext uri="{FF2B5EF4-FFF2-40B4-BE49-F238E27FC236}">
+                <a16:creationId xmlns:a16="http://schemas.microsoft.com/office/drawing/2014/main" id="{715C0E83-5489-4EC0-A400-0AA0240C4384}"/>
+              </a:ext>
+            </a:extLst>
+          </p:cNvPr>
+          <p:cNvCxnSpPr>
+            <a:cxnSpLocks/>
+          </p:cNvCxnSpPr>
+          <p:nvPr/>
+        </p:nvCxnSpPr>
+        <p:spPr>
+          <a:xfrm flipV="1">
+            <a:off x="4872444" y="3958618"/>
+            <a:ext cx="0" cy="246236"/>
+          </a:xfrm>
+          <a:prstGeom prst="line">
+            <a:avLst/>
+          </a:prstGeom>
+          <a:ln w="28575">
+            <a:solidFill>
+              <a:schemeClr val="tx1"/>
+            </a:solidFill>
+          </a:ln>
+        </p:spPr>
+        <p:style>
+          <a:lnRef idx="1">
+            <a:schemeClr val="accent1"/>
+          </a:lnRef>
+          <a:fillRef idx="0">
+            <a:schemeClr val="accent1"/>
+          </a:fillRef>
+          <a:effectRef idx="0">
+            <a:schemeClr val="accent1"/>
+          </a:effectRef>
+          <a:fontRef idx="minor">
+            <a:schemeClr val="tx1"/>
+          </a:fontRef>
+        </p:style>
+      </p:cxnSp>
+      <p:cxnSp>
+        <p:nvCxnSpPr>
+          <p:cNvPr id="176" name="Connettore a gomito 175">
+            <a:extLst>
+              <a:ext uri="{FF2B5EF4-FFF2-40B4-BE49-F238E27FC236}">
+                <a16:creationId xmlns:a16="http://schemas.microsoft.com/office/drawing/2014/main" id="{4B6B6B71-8381-44A1-9495-87C7CA102CC9}"/>
+              </a:ext>
+            </a:extLst>
+          </p:cNvPr>
+          <p:cNvCxnSpPr>
+            <a:cxnSpLocks/>
+          </p:cNvCxnSpPr>
+          <p:nvPr/>
+        </p:nvCxnSpPr>
+        <p:spPr>
+          <a:xfrm flipV="1">
+            <a:off x="4877515" y="2895009"/>
+            <a:ext cx="2120105" cy="1348691"/>
+          </a:xfrm>
+          <a:prstGeom prst="bentConnector3">
+            <a:avLst>
+              <a:gd name="adj1" fmla="val -252"/>
+            </a:avLst>
+          </a:prstGeom>
+        </p:spPr>
+        <p:style>
+          <a:lnRef idx="1">
+            <a:schemeClr val="accent1"/>
+          </a:lnRef>
+          <a:fillRef idx="0">
+            <a:schemeClr val="accent1"/>
+          </a:fillRef>
+          <a:effectRef idx="0">
+            <a:schemeClr val="accent1"/>
+          </a:effectRef>
+          <a:fontRef idx="minor">
+            <a:schemeClr val="tx1"/>
+          </a:fontRef>
+        </p:style>
+      </p:cxnSp>
+    </p:spTree>
+    <p:extLst>
+      <p:ext uri="{BB962C8B-B14F-4D97-AF65-F5344CB8AC3E}">
+        <p14:creationId xmlns:p14="http://schemas.microsoft.com/office/powerpoint/2010/main" val="1277511959"/>
       </p:ext>
     </p:extLst>
   </p:cSld>

--- a/UART model.pptx
+++ b/UART model.pptx
@@ -9,9 +9,10 @@
     <p:sldId id="257" r:id="rId3"/>
     <p:sldId id="258" r:id="rId4"/>
     <p:sldId id="259" r:id="rId5"/>
-    <p:sldId id="260" r:id="rId6"/>
-    <p:sldId id="261" r:id="rId7"/>
-    <p:sldId id="262" r:id="rId8"/>
+    <p:sldId id="263" r:id="rId6"/>
+    <p:sldId id="260" r:id="rId7"/>
+    <p:sldId id="261" r:id="rId8"/>
+    <p:sldId id="262" r:id="rId9"/>
   </p:sldIdLst>
   <p:sldSz cx="12192000" cy="6858000"/>
   <p:notesSz cx="6858000" cy="9144000"/>
@@ -133,7 +134,7 @@
 <file path=ppt/revisionInfo.xml><?xml version="1.0" encoding="utf-8"?>
 <p1510:revInfo xmlns:a="http://schemas.openxmlformats.org/drawingml/2006/main" xmlns:r="http://schemas.openxmlformats.org/officeDocument/2006/relationships" xmlns:p1510="http://schemas.microsoft.com/office/powerpoint/2015/10/main">
   <p1510:revLst>
-    <p1510:client id="{56CF898D-0475-4A64-89D7-9E562B826F4B}" v="240" dt="2021-04-28T15:44:59.170"/>
+    <p1510:client id="{56CF898D-0475-4A64-89D7-9E562B826F4B}" v="288" dt="2021-05-05T15:34:24.391"/>
   </p1510:revLst>
 </p1510:revInfo>
 </file>
@@ -142,18 +143,26 @@
 <pc:chgInfo xmlns:a="http://schemas.openxmlformats.org/drawingml/2006/main" xmlns:r="http://schemas.openxmlformats.org/officeDocument/2006/relationships" xmlns:ac="http://schemas.microsoft.com/office/drawing/2013/main/command" xmlns:pc="http://schemas.microsoft.com/office/powerpoint/2013/main/command">
   <pc:docChgLst>
     <pc:chgData name="Flavio" userId="acf32d90-2754-4ce4-92d1-4f5cef942a84" providerId="ADAL" clId="{56CF898D-0475-4A64-89D7-9E562B826F4B}"/>
-    <pc:docChg chg="undo custSel addSld modSld sldOrd">
-      <pc:chgData name="Flavio" userId="acf32d90-2754-4ce4-92d1-4f5cef942a84" providerId="ADAL" clId="{56CF898D-0475-4A64-89D7-9E562B826F4B}" dt="2021-04-28T15:45:03.389" v="3469" actId="1076"/>
+    <pc:docChg chg="undo custSel addSld delSld modSld sldOrd">
+      <pc:chgData name="Flavio" userId="acf32d90-2754-4ce4-92d1-4f5cef942a84" providerId="ADAL" clId="{56CF898D-0475-4A64-89D7-9E562B826F4B}" dt="2021-05-05T15:37:25.513" v="4289" actId="20577"/>
       <pc:docMkLst>
         <pc:docMk/>
       </pc:docMkLst>
       <pc:sldChg chg="addSp delSp modSp mod">
-        <pc:chgData name="Flavio" userId="acf32d90-2754-4ce4-92d1-4f5cef942a84" providerId="ADAL" clId="{56CF898D-0475-4A64-89D7-9E562B826F4B}" dt="2021-04-14T12:33:22.628" v="168" actId="1076"/>
+        <pc:chgData name="Flavio" userId="acf32d90-2754-4ce4-92d1-4f5cef942a84" providerId="ADAL" clId="{56CF898D-0475-4A64-89D7-9E562B826F4B}" dt="2021-05-05T14:11:01.537" v="3685" actId="14100"/>
         <pc:sldMkLst>
           <pc:docMk/>
           <pc:sldMk cId="2606698659" sldId="256"/>
         </pc:sldMkLst>
         <pc:spChg chg="mod">
+          <ac:chgData name="Flavio" userId="acf32d90-2754-4ce4-92d1-4f5cef942a84" providerId="ADAL" clId="{56CF898D-0475-4A64-89D7-9E562B826F4B}" dt="2021-05-05T12:45:07.680" v="3490" actId="1076"/>
+          <ac:spMkLst>
+            <pc:docMk/>
+            <pc:sldMk cId="2606698659" sldId="256"/>
+            <ac:spMk id="4" creationId="{D8135A24-C0D2-4E99-AFFF-BC880D6EAED3}"/>
+          </ac:spMkLst>
+        </pc:spChg>
+        <pc:spChg chg="mod">
           <ac:chgData name="Flavio" userId="acf32d90-2754-4ce4-92d1-4f5cef942a84" providerId="ADAL" clId="{56CF898D-0475-4A64-89D7-9E562B826F4B}" dt="2021-04-14T12:33:22.628" v="168" actId="1076"/>
           <ac:spMkLst>
             <pc:docMk/>
@@ -185,6 +194,22 @@
             <ac:spMk id="43" creationId="{3AA6EA35-BC74-44E8-8960-9EAFB64C3C3C}"/>
           </ac:spMkLst>
         </pc:spChg>
+        <pc:spChg chg="mod">
+          <ac:chgData name="Flavio" userId="acf32d90-2754-4ce4-92d1-4f5cef942a84" providerId="ADAL" clId="{56CF898D-0475-4A64-89D7-9E562B826F4B}" dt="2021-05-05T14:10:17.589" v="3671" actId="20577"/>
+          <ac:spMkLst>
+            <pc:docMk/>
+            <pc:sldMk cId="2606698659" sldId="256"/>
+            <ac:spMk id="46" creationId="{E335CC6F-063D-443E-AED3-34416682EF47}"/>
+          </ac:spMkLst>
+        </pc:spChg>
+        <pc:spChg chg="mod">
+          <ac:chgData name="Flavio" userId="acf32d90-2754-4ce4-92d1-4f5cef942a84" providerId="ADAL" clId="{56CF898D-0475-4A64-89D7-9E562B826F4B}" dt="2021-05-05T14:10:22.451" v="3683" actId="20577"/>
+          <ac:spMkLst>
+            <pc:docMk/>
+            <pc:sldMk cId="2606698659" sldId="256"/>
+            <ac:spMk id="47" creationId="{21CF5725-DCEA-4993-A770-CE4FD2E7CFE7}"/>
+          </ac:spMkLst>
+        </pc:spChg>
         <pc:spChg chg="add mod">
           <ac:chgData name="Flavio" userId="acf32d90-2754-4ce4-92d1-4f5cef942a84" providerId="ADAL" clId="{56CF898D-0475-4A64-89D7-9E562B826F4B}" dt="2021-04-02T14:39:48.673" v="94" actId="1076"/>
           <ac:spMkLst>
@@ -210,7 +235,7 @@
           </ac:spMkLst>
         </pc:spChg>
         <pc:spChg chg="add mod">
-          <ac:chgData name="Flavio" userId="acf32d90-2754-4ce4-92d1-4f5cef942a84" providerId="ADAL" clId="{56CF898D-0475-4A64-89D7-9E562B826F4B}" dt="2021-04-02T14:40:28.542" v="105" actId="1076"/>
+          <ac:chgData name="Flavio" userId="acf32d90-2754-4ce4-92d1-4f5cef942a84" providerId="ADAL" clId="{56CF898D-0475-4A64-89D7-9E562B826F4B}" dt="2021-05-05T12:44:59.781" v="3486" actId="164"/>
           <ac:spMkLst>
             <pc:docMk/>
             <pc:sldMk cId="2606698659" sldId="256"/>
@@ -226,6 +251,14 @@
           </ac:spMkLst>
         </pc:spChg>
         <pc:spChg chg="add mod">
+          <ac:chgData name="Flavio" userId="acf32d90-2754-4ce4-92d1-4f5cef942a84" providerId="ADAL" clId="{56CF898D-0475-4A64-89D7-9E562B826F4B}" dt="2021-05-05T12:43:57.183" v="3473"/>
+          <ac:spMkLst>
+            <pc:docMk/>
+            <pc:sldMk cId="2606698659" sldId="256"/>
+            <ac:spMk id="68" creationId="{5EF35F64-0F0F-42DE-BC98-5C49C6EE419C}"/>
+          </ac:spMkLst>
+        </pc:spChg>
+        <pc:spChg chg="add mod">
           <ac:chgData name="Flavio" userId="acf32d90-2754-4ce4-92d1-4f5cef942a84" providerId="ADAL" clId="{56CF898D-0475-4A64-89D7-9E562B826F4B}" dt="2021-04-02T14:40:21.654" v="103" actId="1076"/>
           <ac:spMkLst>
             <pc:docMk/>
@@ -273,6 +306,30 @@
             <ac:spMk id="75" creationId="{6F2DE500-5F04-409D-A2E0-9E4B4B6CEB97}"/>
           </ac:spMkLst>
         </pc:spChg>
+        <pc:spChg chg="add mod">
+          <ac:chgData name="Flavio" userId="acf32d90-2754-4ce4-92d1-4f5cef942a84" providerId="ADAL" clId="{56CF898D-0475-4A64-89D7-9E562B826F4B}" dt="2021-05-05T12:45:42.468" v="3498" actId="207"/>
+          <ac:spMkLst>
+            <pc:docMk/>
+            <pc:sldMk cId="2606698659" sldId="256"/>
+            <ac:spMk id="76" creationId="{8852924A-6809-467B-AFEA-8B58108EAC3D}"/>
+          </ac:spMkLst>
+        </pc:spChg>
+        <pc:spChg chg="mod">
+          <ac:chgData name="Flavio" userId="acf32d90-2754-4ce4-92d1-4f5cef942a84" providerId="ADAL" clId="{56CF898D-0475-4A64-89D7-9E562B826F4B}" dt="2021-05-05T12:45:02.125" v="3487"/>
+          <ac:spMkLst>
+            <pc:docMk/>
+            <pc:sldMk cId="2606698659" sldId="256"/>
+            <ac:spMk id="79" creationId="{88CC5F20-5645-4CF4-A158-FA4A9973F268}"/>
+          </ac:spMkLst>
+        </pc:spChg>
+        <pc:grpChg chg="add mod">
+          <ac:chgData name="Flavio" userId="acf32d90-2754-4ce4-92d1-4f5cef942a84" providerId="ADAL" clId="{56CF898D-0475-4A64-89D7-9E562B826F4B}" dt="2021-05-05T12:44:59.781" v="3486" actId="164"/>
+          <ac:grpSpMkLst>
+            <pc:docMk/>
+            <pc:sldMk cId="2606698659" sldId="256"/>
+            <ac:grpSpMk id="5" creationId="{0C8788FC-DC4E-4745-83CD-017691B4A0FC}"/>
+          </ac:grpSpMkLst>
+        </pc:grpChg>
         <pc:grpChg chg="mod">
           <ac:chgData name="Flavio" userId="acf32d90-2754-4ce4-92d1-4f5cef942a84" providerId="ADAL" clId="{56CF898D-0475-4A64-89D7-9E562B826F4B}" dt="2021-04-02T14:39:31.106" v="52" actId="1076"/>
           <ac:grpSpMkLst>
@@ -289,6 +346,14 @@
             <ac:grpSpMk id="34" creationId="{2B7A7EA3-1FBC-4CB2-B210-F01379F9B7FB}"/>
           </ac:grpSpMkLst>
         </pc:grpChg>
+        <pc:grpChg chg="add mod">
+          <ac:chgData name="Flavio" userId="acf32d90-2754-4ce4-92d1-4f5cef942a84" providerId="ADAL" clId="{56CF898D-0475-4A64-89D7-9E562B826F4B}" dt="2021-05-05T12:45:15.357" v="3491" actId="1076"/>
+          <ac:grpSpMkLst>
+            <pc:docMk/>
+            <pc:sldMk cId="2606698659" sldId="256"/>
+            <ac:grpSpMk id="77" creationId="{C84BB249-60BF-48A6-BC3D-2CA1E81FC52E}"/>
+          </ac:grpSpMkLst>
+        </pc:grpChg>
         <pc:cxnChg chg="add mod">
           <ac:chgData name="Flavio" userId="acf32d90-2754-4ce4-92d1-4f5cef942a84" providerId="ADAL" clId="{56CF898D-0475-4A64-89D7-9E562B826F4B}" dt="2021-04-02T14:42:42.927" v="154" actId="14100"/>
           <ac:cxnSpMkLst>
@@ -298,7 +363,7 @@
           </ac:cxnSpMkLst>
         </pc:cxnChg>
         <pc:cxnChg chg="add mod">
-          <ac:chgData name="Flavio" userId="acf32d90-2754-4ce4-92d1-4f5cef942a84" providerId="ADAL" clId="{56CF898D-0475-4A64-89D7-9E562B826F4B}" dt="2021-04-02T14:40:03.331" v="97" actId="14100"/>
+          <ac:chgData name="Flavio" userId="acf32d90-2754-4ce4-92d1-4f5cef942a84" providerId="ADAL" clId="{56CF898D-0475-4A64-89D7-9E562B826F4B}" dt="2021-05-05T14:11:01.537" v="3685" actId="14100"/>
           <ac:cxnSpMkLst>
             <pc:docMk/>
             <pc:sldMk cId="2606698659" sldId="256"/>
@@ -314,13 +379,37 @@
           </ac:cxnSpMkLst>
         </pc:cxnChg>
         <pc:cxnChg chg="add mod">
-          <ac:chgData name="Flavio" userId="acf32d90-2754-4ce4-92d1-4f5cef942a84" providerId="ADAL" clId="{56CF898D-0475-4A64-89D7-9E562B826F4B}" dt="2021-04-02T14:39:45.191" v="93" actId="1037"/>
+          <ac:chgData name="Flavio" userId="acf32d90-2754-4ce4-92d1-4f5cef942a84" providerId="ADAL" clId="{56CF898D-0475-4A64-89D7-9E562B826F4B}" dt="2021-05-05T12:44:59.781" v="3486" actId="164"/>
           <ac:cxnSpMkLst>
             <pc:docMk/>
             <pc:sldMk cId="2606698659" sldId="256"/>
             <ac:cxnSpMk id="49" creationId="{2BAE48FE-EDD5-40CE-A93F-101BEB7F9E60}"/>
           </ac:cxnSpMkLst>
         </pc:cxnChg>
+        <pc:cxnChg chg="add mod">
+          <ac:chgData name="Flavio" userId="acf32d90-2754-4ce4-92d1-4f5cef942a84" providerId="ADAL" clId="{56CF898D-0475-4A64-89D7-9E562B826F4B}" dt="2021-05-05T12:43:57.183" v="3473"/>
+          <ac:cxnSpMkLst>
+            <pc:docMk/>
+            <pc:sldMk cId="2606698659" sldId="256"/>
+            <ac:cxnSpMk id="67" creationId="{E5A2D44D-740A-4A8B-ACFE-A2061F9CDCDA}"/>
+          </ac:cxnSpMkLst>
+        </pc:cxnChg>
+        <pc:cxnChg chg="mod">
+          <ac:chgData name="Flavio" userId="acf32d90-2754-4ce4-92d1-4f5cef942a84" providerId="ADAL" clId="{56CF898D-0475-4A64-89D7-9E562B826F4B}" dt="2021-05-05T12:45:02.125" v="3487"/>
+          <ac:cxnSpMkLst>
+            <pc:docMk/>
+            <pc:sldMk cId="2606698659" sldId="256"/>
+            <ac:cxnSpMk id="78" creationId="{1C7F41C4-9DEC-4BC3-9192-6E436EC1A3B6}"/>
+          </ac:cxnSpMkLst>
+        </pc:cxnChg>
+        <pc:cxnChg chg="add mod">
+          <ac:chgData name="Flavio" userId="acf32d90-2754-4ce4-92d1-4f5cef942a84" providerId="ADAL" clId="{56CF898D-0475-4A64-89D7-9E562B826F4B}" dt="2021-05-05T12:45:31.095" v="3497" actId="14100"/>
+          <ac:cxnSpMkLst>
+            <pc:docMk/>
+            <pc:sldMk cId="2606698659" sldId="256"/>
+            <ac:cxnSpMk id="80" creationId="{B789D1A7-7FF8-4364-BEC9-F90F165129D6}"/>
+          </ac:cxnSpMkLst>
+        </pc:cxnChg>
         <pc:cxnChg chg="mod">
           <ac:chgData name="Flavio" userId="acf32d90-2754-4ce4-92d1-4f5cef942a84" providerId="ADAL" clId="{56CF898D-0475-4A64-89D7-9E562B826F4B}" dt="2021-04-02T14:40:07.429" v="98" actId="14100"/>
           <ac:cxnSpMkLst>
@@ -347,13 +436,13 @@
         </pc:cxnChg>
       </pc:sldChg>
       <pc:sldChg chg="addSp delSp modSp add mod">
-        <pc:chgData name="Flavio" userId="acf32d90-2754-4ce4-92d1-4f5cef942a84" providerId="ADAL" clId="{56CF898D-0475-4A64-89D7-9E562B826F4B}" dt="2021-04-14T16:01:30.749" v="2621" actId="478"/>
+        <pc:chgData name="Flavio" userId="acf32d90-2754-4ce4-92d1-4f5cef942a84" providerId="ADAL" clId="{56CF898D-0475-4A64-89D7-9E562B826F4B}" dt="2021-05-05T15:17:38.195" v="3854" actId="20577"/>
         <pc:sldMkLst>
           <pc:docMk/>
           <pc:sldMk cId="2821362574" sldId="257"/>
         </pc:sldMkLst>
         <pc:spChg chg="add mod">
-          <ac:chgData name="Flavio" userId="acf32d90-2754-4ce4-92d1-4f5cef942a84" providerId="ADAL" clId="{56CF898D-0475-4A64-89D7-9E562B826F4B}" dt="2021-04-14T12:34:56.375" v="189" actId="1076"/>
+          <ac:chgData name="Flavio" userId="acf32d90-2754-4ce4-92d1-4f5cef942a84" providerId="ADAL" clId="{56CF898D-0475-4A64-89D7-9E562B826F4B}" dt="2021-05-05T14:07:02.635" v="3619" actId="20577"/>
           <ac:spMkLst>
             <pc:docMk/>
             <pc:sldMk cId="2821362574" sldId="257"/>
@@ -769,7 +858,7 @@
           </ac:spMkLst>
         </pc:spChg>
         <pc:spChg chg="add mod">
-          <ac:chgData name="Flavio" userId="acf32d90-2754-4ce4-92d1-4f5cef942a84" providerId="ADAL" clId="{56CF898D-0475-4A64-89D7-9E562B826F4B}" dt="2021-04-14T14:17:18.194" v="1957" actId="1076"/>
+          <ac:chgData name="Flavio" userId="acf32d90-2754-4ce4-92d1-4f5cef942a84" providerId="ADAL" clId="{56CF898D-0475-4A64-89D7-9E562B826F4B}" dt="2021-05-05T15:17:38.195" v="3854" actId="20577"/>
           <ac:spMkLst>
             <pc:docMk/>
             <pc:sldMk cId="2821362574" sldId="257"/>
@@ -977,6 +1066,14 @@
           </ac:spMkLst>
         </pc:spChg>
         <pc:spChg chg="add mod">
+          <ac:chgData name="Flavio" userId="acf32d90-2754-4ce4-92d1-4f5cef942a84" providerId="ADAL" clId="{56CF898D-0475-4A64-89D7-9E562B826F4B}" dt="2021-05-05T14:20:41.879" v="3688" actId="1035"/>
+          <ac:spMkLst>
+            <pc:docMk/>
+            <pc:sldMk cId="2821362574" sldId="257"/>
+            <ac:spMk id="177" creationId="{211E9009-625A-4BC5-9412-E191972C6558}"/>
+          </ac:spMkLst>
+        </pc:spChg>
+        <pc:spChg chg="add mod">
           <ac:chgData name="Flavio" userId="acf32d90-2754-4ce4-92d1-4f5cef942a84" providerId="ADAL" clId="{56CF898D-0475-4A64-89D7-9E562B826F4B}" dt="2021-04-14T14:15:02.393" v="1859" actId="1582"/>
           <ac:spMkLst>
             <pc:docMk/>
@@ -1833,7 +1930,7 @@
           </ac:spMkLst>
         </pc:spChg>
         <pc:spChg chg="add mod">
-          <ac:chgData name="Flavio" userId="acf32d90-2754-4ce4-92d1-4f5cef942a84" providerId="ADAL" clId="{56CF898D-0475-4A64-89D7-9E562B826F4B}" dt="2021-04-14T15:09:13.111" v="2234" actId="1076"/>
+          <ac:chgData name="Flavio" userId="acf32d90-2754-4ce4-92d1-4f5cef942a84" providerId="ADAL" clId="{56CF898D-0475-4A64-89D7-9E562B826F4B}" dt="2021-05-05T14:09:58.714" v="3659" actId="1037"/>
           <ac:spMkLst>
             <pc:docMk/>
             <pc:sldMk cId="2821362574" sldId="257"/>
@@ -2833,13 +2930,13 @@
         </pc:spChg>
       </pc:sldChg>
       <pc:sldChg chg="addSp delSp modSp add mod ord">
-        <pc:chgData name="Flavio" userId="acf32d90-2754-4ce4-92d1-4f5cef942a84" providerId="ADAL" clId="{56CF898D-0475-4A64-89D7-9E562B826F4B}" dt="2021-04-28T13:58:27.742" v="2989" actId="1076"/>
+        <pc:chgData name="Flavio" userId="acf32d90-2754-4ce4-92d1-4f5cef942a84" providerId="ADAL" clId="{56CF898D-0475-4A64-89D7-9E562B826F4B}" dt="2021-05-05T15:37:25.513" v="4289" actId="20577"/>
         <pc:sldMkLst>
           <pc:docMk/>
           <pc:sldMk cId="1981810323" sldId="259"/>
         </pc:sldMkLst>
         <pc:spChg chg="mod">
-          <ac:chgData name="Flavio" userId="acf32d90-2754-4ce4-92d1-4f5cef942a84" providerId="ADAL" clId="{56CF898D-0475-4A64-89D7-9E562B826F4B}" dt="2021-04-14T16:51:23.092" v="2941" actId="1076"/>
+          <ac:chgData name="Flavio" userId="acf32d90-2754-4ce4-92d1-4f5cef942a84" providerId="ADAL" clId="{56CF898D-0475-4A64-89D7-9E562B826F4B}" dt="2021-05-05T15:34:14.501" v="4226" actId="1076"/>
           <ac:spMkLst>
             <pc:docMk/>
             <pc:sldMk cId="1981810323" sldId="259"/>
@@ -2847,7 +2944,7 @@
           </ac:spMkLst>
         </pc:spChg>
         <pc:spChg chg="add mod">
-          <ac:chgData name="Flavio" userId="acf32d90-2754-4ce4-92d1-4f5cef942a84" providerId="ADAL" clId="{56CF898D-0475-4A64-89D7-9E562B826F4B}" dt="2021-04-14T16:06:06.026" v="2624" actId="1076"/>
+          <ac:chgData name="Flavio" userId="acf32d90-2754-4ce4-92d1-4f5cef942a84" providerId="ADAL" clId="{56CF898D-0475-4A64-89D7-9E562B826F4B}" dt="2021-05-05T14:56:17.679" v="3785" actId="207"/>
           <ac:spMkLst>
             <pc:docMk/>
             <pc:sldMk cId="1981810323" sldId="259"/>
@@ -2855,7 +2952,7 @@
           </ac:spMkLst>
         </pc:spChg>
         <pc:spChg chg="add mod">
-          <ac:chgData name="Flavio" userId="acf32d90-2754-4ce4-92d1-4f5cef942a84" providerId="ADAL" clId="{56CF898D-0475-4A64-89D7-9E562B826F4B}" dt="2021-04-28T13:58:27.742" v="2989" actId="1076"/>
+          <ac:chgData name="Flavio" userId="acf32d90-2754-4ce4-92d1-4f5cef942a84" providerId="ADAL" clId="{56CF898D-0475-4A64-89D7-9E562B826F4B}" dt="2021-05-05T14:06:37.832" v="3609" actId="20577"/>
           <ac:spMkLst>
             <pc:docMk/>
             <pc:sldMk cId="1981810323" sldId="259"/>
@@ -2871,7 +2968,7 @@
           </ac:spMkLst>
         </pc:spChg>
         <pc:spChg chg="mod">
-          <ac:chgData name="Flavio" userId="acf32d90-2754-4ce4-92d1-4f5cef942a84" providerId="ADAL" clId="{56CF898D-0475-4A64-89D7-9E562B826F4B}" dt="2021-04-14T14:40:58.820" v="2002" actId="1076"/>
+          <ac:chgData name="Flavio" userId="acf32d90-2754-4ce4-92d1-4f5cef942a84" providerId="ADAL" clId="{56CF898D-0475-4A64-89D7-9E562B826F4B}" dt="2021-05-05T15:20:16.599" v="3951" actId="1035"/>
           <ac:spMkLst>
             <pc:docMk/>
             <pc:sldMk cId="1981810323" sldId="259"/>
@@ -2887,7 +2984,7 @@
           </ac:spMkLst>
         </pc:spChg>
         <pc:spChg chg="mod">
-          <ac:chgData name="Flavio" userId="acf32d90-2754-4ce4-92d1-4f5cef942a84" providerId="ADAL" clId="{56CF898D-0475-4A64-89D7-9E562B826F4B}" dt="2021-04-14T14:42:32.034" v="2102" actId="1076"/>
+          <ac:chgData name="Flavio" userId="acf32d90-2754-4ce4-92d1-4f5cef942a84" providerId="ADAL" clId="{56CF898D-0475-4A64-89D7-9E562B826F4B}" dt="2021-05-05T15:25:20.626" v="4178" actId="1035"/>
           <ac:spMkLst>
             <pc:docMk/>
             <pc:sldMk cId="1981810323" sldId="259"/>
@@ -2895,7 +2992,7 @@
           </ac:spMkLst>
         </pc:spChg>
         <pc:spChg chg="mod">
-          <ac:chgData name="Flavio" userId="acf32d90-2754-4ce4-92d1-4f5cef942a84" providerId="ADAL" clId="{56CF898D-0475-4A64-89D7-9E562B826F4B}" dt="2021-04-14T14:42:26.510" v="2100" actId="1076"/>
+          <ac:chgData name="Flavio" userId="acf32d90-2754-4ce4-92d1-4f5cef942a84" providerId="ADAL" clId="{56CF898D-0475-4A64-89D7-9E562B826F4B}" dt="2021-05-05T15:17:54.270" v="3855" actId="1076"/>
           <ac:spMkLst>
             <pc:docMk/>
             <pc:sldMk cId="1981810323" sldId="259"/>
@@ -3055,7 +3152,7 @@
           </ac:spMkLst>
         </pc:spChg>
         <pc:spChg chg="mod">
-          <ac:chgData name="Flavio" userId="acf32d90-2754-4ce4-92d1-4f5cef942a84" providerId="ADAL" clId="{56CF898D-0475-4A64-89D7-9E562B826F4B}" dt="2021-04-14T14:40:55.574" v="2001" actId="1038"/>
+          <ac:chgData name="Flavio" userId="acf32d90-2754-4ce4-92d1-4f5cef942a84" providerId="ADAL" clId="{56CF898D-0475-4A64-89D7-9E562B826F4B}" dt="2021-05-05T15:20:16.599" v="3951" actId="1035"/>
           <ac:spMkLst>
             <pc:docMk/>
             <pc:sldMk cId="1981810323" sldId="259"/>
@@ -3071,7 +3168,7 @@
           </ac:spMkLst>
         </pc:spChg>
         <pc:spChg chg="mod">
-          <ac:chgData name="Flavio" userId="acf32d90-2754-4ce4-92d1-4f5cef942a84" providerId="ADAL" clId="{56CF898D-0475-4A64-89D7-9E562B826F4B}" dt="2021-04-14T16:51:37.098" v="2943" actId="1076"/>
+          <ac:chgData name="Flavio" userId="acf32d90-2754-4ce4-92d1-4f5cef942a84" providerId="ADAL" clId="{56CF898D-0475-4A64-89D7-9E562B826F4B}" dt="2021-05-05T15:25:20.626" v="4178" actId="1035"/>
           <ac:spMkLst>
             <pc:docMk/>
             <pc:sldMk cId="1981810323" sldId="259"/>
@@ -3087,6 +3184,14 @@
           </ac:spMkLst>
         </pc:spChg>
         <pc:spChg chg="add mod">
+          <ac:chgData name="Flavio" userId="acf32d90-2754-4ce4-92d1-4f5cef942a84" providerId="ADAL" clId="{56CF898D-0475-4A64-89D7-9E562B826F4B}" dt="2021-05-05T14:28:01.366" v="3704" actId="1076"/>
+          <ac:spMkLst>
+            <pc:docMk/>
+            <pc:sldMk cId="1981810323" sldId="259"/>
+            <ac:spMk id="75" creationId="{B40CA8D9-23C9-4108-B115-5205902FEAC7}"/>
+          </ac:spMkLst>
+        </pc:spChg>
+        <pc:spChg chg="add mod">
           <ac:chgData name="Flavio" userId="acf32d90-2754-4ce4-92d1-4f5cef942a84" providerId="ADAL" clId="{56CF898D-0475-4A64-89D7-9E562B826F4B}" dt="2021-04-14T14:38:58.006" v="1983" actId="164"/>
           <ac:spMkLst>
             <pc:docMk/>
@@ -3111,13 +3216,29 @@
           </ac:spMkLst>
         </pc:spChg>
         <pc:spChg chg="add mod">
-          <ac:chgData name="Flavio" userId="acf32d90-2754-4ce4-92d1-4f5cef942a84" providerId="ADAL" clId="{56CF898D-0475-4A64-89D7-9E562B826F4B}" dt="2021-04-14T14:44:19.468" v="2123" actId="1076"/>
+          <ac:chgData name="Flavio" userId="acf32d90-2754-4ce4-92d1-4f5cef942a84" providerId="ADAL" clId="{56CF898D-0475-4A64-89D7-9E562B826F4B}" dt="2021-05-05T14:29:42.291" v="3706" actId="1037"/>
           <ac:spMkLst>
             <pc:docMk/>
             <pc:sldMk cId="1981810323" sldId="259"/>
             <ac:spMk id="80" creationId="{9382CBE5-EFDB-4BB6-9BBB-21EF8E6BA612}"/>
           </ac:spMkLst>
         </pc:spChg>
+        <pc:spChg chg="add mod">
+          <ac:chgData name="Flavio" userId="acf32d90-2754-4ce4-92d1-4f5cef942a84" providerId="ADAL" clId="{56CF898D-0475-4A64-89D7-9E562B826F4B}" dt="2021-05-05T14:27:40.428" v="3690" actId="1076"/>
+          <ac:spMkLst>
+            <pc:docMk/>
+            <pc:sldMk cId="1981810323" sldId="259"/>
+            <ac:spMk id="81" creationId="{6827B114-2EDD-4EE3-B1A1-BC7CF9ECFB19}"/>
+          </ac:spMkLst>
+        </pc:spChg>
+        <pc:spChg chg="add mod">
+          <ac:chgData name="Flavio" userId="acf32d90-2754-4ce4-92d1-4f5cef942a84" providerId="ADAL" clId="{56CF898D-0475-4A64-89D7-9E562B826F4B}" dt="2021-05-05T15:20:27.599" v="3961" actId="1035"/>
+          <ac:spMkLst>
+            <pc:docMk/>
+            <pc:sldMk cId="1981810323" sldId="259"/>
+            <ac:spMk id="82" creationId="{45BF9279-FF1B-4E74-8898-D14115367651}"/>
+          </ac:spMkLst>
+        </pc:spChg>
         <pc:spChg chg="mod">
           <ac:chgData name="Flavio" userId="acf32d90-2754-4ce4-92d1-4f5cef942a84" providerId="ADAL" clId="{56CF898D-0475-4A64-89D7-9E562B826F4B}" dt="2021-04-14T15:11:26.259" v="2247"/>
           <ac:spMkLst>
@@ -3158,6 +3279,14 @@
             <ac:spMk id="90" creationId="{567BB9CF-0BC8-4FBF-85AF-32B974909AE5}"/>
           </ac:spMkLst>
         </pc:spChg>
+        <pc:spChg chg="add mod">
+          <ac:chgData name="Flavio" userId="acf32d90-2754-4ce4-92d1-4f5cef942a84" providerId="ADAL" clId="{56CF898D-0475-4A64-89D7-9E562B826F4B}" dt="2021-05-05T15:13:27.834" v="3832" actId="1076"/>
+          <ac:spMkLst>
+            <pc:docMk/>
+            <pc:sldMk cId="1981810323" sldId="259"/>
+            <ac:spMk id="91" creationId="{3FAD2535-AAAB-44A6-BD1B-E8EE6A09F310}"/>
+          </ac:spMkLst>
+        </pc:spChg>
         <pc:spChg chg="mod">
           <ac:chgData name="Flavio" userId="acf32d90-2754-4ce4-92d1-4f5cef942a84" providerId="ADAL" clId="{56CF898D-0475-4A64-89D7-9E562B826F4B}" dt="2021-04-14T15:11:26.604" v="2248"/>
           <ac:spMkLst>
@@ -3366,6 +3495,14 @@
             <ac:spMk id="127" creationId="{50D9A7B1-FA11-4FF9-9E72-DCEC139AA252}"/>
           </ac:spMkLst>
         </pc:spChg>
+        <pc:spChg chg="add del mod">
+          <ac:chgData name="Flavio" userId="acf32d90-2754-4ce4-92d1-4f5cef942a84" providerId="ADAL" clId="{56CF898D-0475-4A64-89D7-9E562B826F4B}" dt="2021-05-05T15:19:49.934" v="3931" actId="478"/>
+          <ac:spMkLst>
+            <pc:docMk/>
+            <pc:sldMk cId="1981810323" sldId="259"/>
+            <ac:spMk id="128" creationId="{7714590C-5C5D-4394-90CD-54CBF8771B7F}"/>
+          </ac:spMkLst>
+        </pc:spChg>
         <pc:spChg chg="mod">
           <ac:chgData name="Flavio" userId="acf32d90-2754-4ce4-92d1-4f5cef942a84" providerId="ADAL" clId="{56CF898D-0475-4A64-89D7-9E562B826F4B}" dt="2021-04-14T15:12:43.681" v="2262" actId="20577"/>
           <ac:spMkLst>
@@ -3375,7 +3512,7 @@
           </ac:spMkLst>
         </pc:spChg>
         <pc:spChg chg="add mod">
-          <ac:chgData name="Flavio" userId="acf32d90-2754-4ce4-92d1-4f5cef942a84" providerId="ADAL" clId="{56CF898D-0475-4A64-89D7-9E562B826F4B}" dt="2021-04-14T16:50:19.821" v="2940" actId="1076"/>
+          <ac:chgData name="Flavio" userId="acf32d90-2754-4ce4-92d1-4f5cef942a84" providerId="ADAL" clId="{56CF898D-0475-4A64-89D7-9E562B826F4B}" dt="2021-05-05T15:12:38.761" v="3821" actId="1076"/>
           <ac:spMkLst>
             <pc:docMk/>
             <pc:sldMk cId="1981810323" sldId="259"/>
@@ -3383,7 +3520,7 @@
           </ac:spMkLst>
         </pc:spChg>
         <pc:spChg chg="add mod">
-          <ac:chgData name="Flavio" userId="acf32d90-2754-4ce4-92d1-4f5cef942a84" providerId="ADAL" clId="{56CF898D-0475-4A64-89D7-9E562B826F4B}" dt="2021-04-14T16:06:46.931" v="2632" actId="1076"/>
+          <ac:chgData name="Flavio" userId="acf32d90-2754-4ce4-92d1-4f5cef942a84" providerId="ADAL" clId="{56CF898D-0475-4A64-89D7-9E562B826F4B}" dt="2021-05-05T15:20:27.599" v="3961" actId="1035"/>
           <ac:spMkLst>
             <pc:docMk/>
             <pc:sldMk cId="1981810323" sldId="259"/>
@@ -3391,11 +3528,107 @@
           </ac:spMkLst>
         </pc:spChg>
         <pc:spChg chg="add mod">
-          <ac:chgData name="Flavio" userId="acf32d90-2754-4ce4-92d1-4f5cef942a84" providerId="ADAL" clId="{56CF898D-0475-4A64-89D7-9E562B826F4B}" dt="2021-04-14T16:54:07.647" v="2969" actId="1076"/>
+          <ac:chgData name="Flavio" userId="acf32d90-2754-4ce4-92d1-4f5cef942a84" providerId="ADAL" clId="{56CF898D-0475-4A64-89D7-9E562B826F4B}" dt="2021-05-05T15:19:42.361" v="3928" actId="207"/>
+          <ac:spMkLst>
+            <pc:docMk/>
+            <pc:sldMk cId="1981810323" sldId="259"/>
+            <ac:spMk id="133" creationId="{13D77D99-667C-4948-96D8-71878549E4D7}"/>
+          </ac:spMkLst>
+        </pc:spChg>
+        <pc:spChg chg="add mod">
+          <ac:chgData name="Flavio" userId="acf32d90-2754-4ce4-92d1-4f5cef942a84" providerId="ADAL" clId="{56CF898D-0475-4A64-89D7-9E562B826F4B}" dt="2021-05-05T15:19:47.322" v="3930" actId="1076"/>
+          <ac:spMkLst>
+            <pc:docMk/>
+            <pc:sldMk cId="1981810323" sldId="259"/>
+            <ac:spMk id="134" creationId="{FEA603D7-1BDF-47C4-97F2-45835E35EAE2}"/>
+          </ac:spMkLst>
+        </pc:spChg>
+        <pc:spChg chg="add mod">
+          <ac:chgData name="Flavio" userId="acf32d90-2754-4ce4-92d1-4f5cef942a84" providerId="ADAL" clId="{56CF898D-0475-4A64-89D7-9E562B826F4B}" dt="2021-05-05T15:19:59.921" v="3935" actId="1076"/>
+          <ac:spMkLst>
+            <pc:docMk/>
+            <pc:sldMk cId="1981810323" sldId="259"/>
+            <ac:spMk id="135" creationId="{F4C22DA2-C1C9-43B4-BEE5-63C54D40214A}"/>
+          </ac:spMkLst>
+        </pc:spChg>
+        <pc:spChg chg="add mod">
+          <ac:chgData name="Flavio" userId="acf32d90-2754-4ce4-92d1-4f5cef942a84" providerId="ADAL" clId="{56CF898D-0475-4A64-89D7-9E562B826F4B}" dt="2021-05-05T15:37:25.513" v="4289" actId="20577"/>
           <ac:spMkLst>
             <pc:docMk/>
             <pc:sldMk cId="1981810323" sldId="259"/>
             <ac:spMk id="136" creationId="{933FEA34-7034-4BDC-ABAE-E75C39A4CAD8}"/>
+          </ac:spMkLst>
+        </pc:spChg>
+        <pc:spChg chg="add mod">
+          <ac:chgData name="Flavio" userId="acf32d90-2754-4ce4-92d1-4f5cef942a84" providerId="ADAL" clId="{56CF898D-0475-4A64-89D7-9E562B826F4B}" dt="2021-05-05T15:24:54.329" v="4163" actId="1076"/>
+          <ac:spMkLst>
+            <pc:docMk/>
+            <pc:sldMk cId="1981810323" sldId="259"/>
+            <ac:spMk id="154" creationId="{C5A1884F-2650-4BE9-B3DF-137C755966E6}"/>
+          </ac:spMkLst>
+        </pc:spChg>
+        <pc:spChg chg="add mod">
+          <ac:chgData name="Flavio" userId="acf32d90-2754-4ce4-92d1-4f5cef942a84" providerId="ADAL" clId="{56CF898D-0475-4A64-89D7-9E562B826F4B}" dt="2021-05-05T15:27:00.241" v="4194" actId="1076"/>
+          <ac:spMkLst>
+            <pc:docMk/>
+            <pc:sldMk cId="1981810323" sldId="259"/>
+            <ac:spMk id="157" creationId="{F060B8C8-DBB4-49CE-B858-4668835ABEE1}"/>
+          </ac:spMkLst>
+        </pc:spChg>
+        <pc:spChg chg="add mod">
+          <ac:chgData name="Flavio" userId="acf32d90-2754-4ce4-92d1-4f5cef942a84" providerId="ADAL" clId="{56CF898D-0475-4A64-89D7-9E562B826F4B}" dt="2021-05-05T15:27:08.376" v="4196" actId="1076"/>
+          <ac:spMkLst>
+            <pc:docMk/>
+            <pc:sldMk cId="1981810323" sldId="259"/>
+            <ac:spMk id="158" creationId="{616B1C8C-64E9-4BA7-AC6F-20F185DE7DC8}"/>
+          </ac:spMkLst>
+        </pc:spChg>
+        <pc:spChg chg="mod">
+          <ac:chgData name="Flavio" userId="acf32d90-2754-4ce4-92d1-4f5cef942a84" providerId="ADAL" clId="{56CF898D-0475-4A64-89D7-9E562B826F4B}" dt="2021-05-05T15:28:11.457" v="4197"/>
+          <ac:spMkLst>
+            <pc:docMk/>
+            <pc:sldMk cId="1981810323" sldId="259"/>
+            <ac:spMk id="160" creationId="{1A327648-4783-4EF4-AF81-8DF2477FE887}"/>
+          </ac:spMkLst>
+        </pc:spChg>
+        <pc:spChg chg="mod">
+          <ac:chgData name="Flavio" userId="acf32d90-2754-4ce4-92d1-4f5cef942a84" providerId="ADAL" clId="{56CF898D-0475-4A64-89D7-9E562B826F4B}" dt="2021-05-05T15:28:11.457" v="4197"/>
+          <ac:spMkLst>
+            <pc:docMk/>
+            <pc:sldMk cId="1981810323" sldId="259"/>
+            <ac:spMk id="161" creationId="{F35A0A55-3DA9-4E54-81CE-9F8D9378668E}"/>
+          </ac:spMkLst>
+        </pc:spChg>
+        <pc:spChg chg="mod">
+          <ac:chgData name="Flavio" userId="acf32d90-2754-4ce4-92d1-4f5cef942a84" providerId="ADAL" clId="{56CF898D-0475-4A64-89D7-9E562B826F4B}" dt="2021-05-05T15:28:11.457" v="4197"/>
+          <ac:spMkLst>
+            <pc:docMk/>
+            <pc:sldMk cId="1981810323" sldId="259"/>
+            <ac:spMk id="162" creationId="{2BFCEB58-C436-4A3E-A3F6-0E05EAA47B71}"/>
+          </ac:spMkLst>
+        </pc:spChg>
+        <pc:spChg chg="add mod">
+          <ac:chgData name="Flavio" userId="acf32d90-2754-4ce4-92d1-4f5cef942a84" providerId="ADAL" clId="{56CF898D-0475-4A64-89D7-9E562B826F4B}" dt="2021-05-05T15:32:47.859" v="4208" actId="1076"/>
+          <ac:spMkLst>
+            <pc:docMk/>
+            <pc:sldMk cId="1981810323" sldId="259"/>
+            <ac:spMk id="163" creationId="{E83F7904-E02E-47E6-863A-AEEFDD0D32EF}"/>
+          </ac:spMkLst>
+        </pc:spChg>
+        <pc:spChg chg="add mod">
+          <ac:chgData name="Flavio" userId="acf32d90-2754-4ce4-92d1-4f5cef942a84" providerId="ADAL" clId="{56CF898D-0475-4A64-89D7-9E562B826F4B}" dt="2021-05-05T15:34:53.628" v="4234" actId="1076"/>
+          <ac:spMkLst>
+            <pc:docMk/>
+            <pc:sldMk cId="1981810323" sldId="259"/>
+            <ac:spMk id="174" creationId="{B4D00A59-E51E-434F-A8FC-C9E34A87E8E3}"/>
+          </ac:spMkLst>
+        </pc:spChg>
+        <pc:spChg chg="add mod">
+          <ac:chgData name="Flavio" userId="acf32d90-2754-4ce4-92d1-4f5cef942a84" providerId="ADAL" clId="{56CF898D-0475-4A64-89D7-9E562B826F4B}" dt="2021-05-05T15:34:57.224" v="4235" actId="1076"/>
+          <ac:spMkLst>
+            <pc:docMk/>
+            <pc:sldMk cId="1981810323" sldId="259"/>
+            <ac:spMk id="175" creationId="{22C08A02-20CF-4FDD-BED3-21877EBF8660}"/>
           </ac:spMkLst>
         </pc:spChg>
         <pc:grpChg chg="add mod">
@@ -3407,7 +3640,7 @@
           </ac:grpSpMkLst>
         </pc:grpChg>
         <pc:grpChg chg="add mod">
-          <ac:chgData name="Flavio" userId="acf32d90-2754-4ce4-92d1-4f5cef942a84" providerId="ADAL" clId="{56CF898D-0475-4A64-89D7-9E562B826F4B}" dt="2021-04-14T16:49:43.187" v="2938" actId="1037"/>
+          <ac:chgData name="Flavio" userId="acf32d90-2754-4ce4-92d1-4f5cef942a84" providerId="ADAL" clId="{56CF898D-0475-4A64-89D7-9E562B826F4B}" dt="2021-05-05T15:17:54.270" v="3855" actId="1076"/>
           <ac:grpSpMkLst>
             <pc:docMk/>
             <pc:sldMk cId="1981810323" sldId="259"/>
@@ -3518,6 +3751,22 @@
             <ac:grpSpMk id="125" creationId="{119B4B9B-D857-437F-9818-AD98F3E6B7D4}"/>
           </ac:grpSpMkLst>
         </pc:grpChg>
+        <pc:grpChg chg="add mod">
+          <ac:chgData name="Flavio" userId="acf32d90-2754-4ce4-92d1-4f5cef942a84" providerId="ADAL" clId="{56CF898D-0475-4A64-89D7-9E562B826F4B}" dt="2021-05-05T15:31:49.251" v="4204" actId="1076"/>
+          <ac:grpSpMkLst>
+            <pc:docMk/>
+            <pc:sldMk cId="1981810323" sldId="259"/>
+            <ac:grpSpMk id="159" creationId="{351B2B0A-D163-4F2C-B559-815B694B374C}"/>
+          </ac:grpSpMkLst>
+        </pc:grpChg>
+        <pc:cxnChg chg="add mod">
+          <ac:chgData name="Flavio" userId="acf32d90-2754-4ce4-92d1-4f5cef942a84" providerId="ADAL" clId="{56CF898D-0475-4A64-89D7-9E562B826F4B}" dt="2021-05-05T15:24:12.241" v="4161" actId="14100"/>
+          <ac:cxnSpMkLst>
+            <pc:docMk/>
+            <pc:sldMk cId="1981810323" sldId="259"/>
+            <ac:cxnSpMk id="12" creationId="{AF287D7E-502F-49E7-B824-60CB2C9D4D9D}"/>
+          </ac:cxnSpMkLst>
+        </pc:cxnChg>
         <pc:cxnChg chg="del">
           <ac:chgData name="Flavio" userId="acf32d90-2754-4ce4-92d1-4f5cef942a84" providerId="ADAL" clId="{56CF898D-0475-4A64-89D7-9E562B826F4B}" dt="2021-04-14T14:35:02.854" v="1968" actId="478"/>
           <ac:cxnSpMkLst>
@@ -3526,6 +3775,14 @@
             <ac:cxnSpMk id="15" creationId="{07710E9C-2458-496D-AC4A-31EFB702F988}"/>
           </ac:cxnSpMkLst>
         </pc:cxnChg>
+        <pc:cxnChg chg="add mod">
+          <ac:chgData name="Flavio" userId="acf32d90-2754-4ce4-92d1-4f5cef942a84" providerId="ADAL" clId="{56CF898D-0475-4A64-89D7-9E562B826F4B}" dt="2021-05-05T15:25:05.500" v="4165" actId="14100"/>
+          <ac:cxnSpMkLst>
+            <pc:docMk/>
+            <pc:sldMk cId="1981810323" sldId="259"/>
+            <ac:cxnSpMk id="15" creationId="{3A49B748-EA2B-40C8-9BE0-C89AF5B1E63E}"/>
+          </ac:cxnSpMkLst>
+        </pc:cxnChg>
         <pc:cxnChg chg="add del mod">
           <ac:chgData name="Flavio" userId="acf32d90-2754-4ce4-92d1-4f5cef942a84" providerId="ADAL" clId="{56CF898D-0475-4A64-89D7-9E562B826F4B}" dt="2021-04-14T16:06:16.281" v="2628" actId="478"/>
           <ac:cxnSpMkLst>
@@ -3550,14 +3807,46 @@
             <ac:cxnSpMk id="21" creationId="{9B298C69-BACC-4D91-846B-1C34E880E50E}"/>
           </ac:cxnSpMkLst>
         </pc:cxnChg>
-        <pc:cxnChg chg="add">
-          <ac:chgData name="Flavio" userId="acf32d90-2754-4ce4-92d1-4f5cef942a84" providerId="ADAL" clId="{56CF898D-0475-4A64-89D7-9E562B826F4B}" dt="2021-04-14T16:06:21.412" v="2629" actId="11529"/>
+        <pc:cxnChg chg="add mod">
+          <ac:chgData name="Flavio" userId="acf32d90-2754-4ce4-92d1-4f5cef942a84" providerId="ADAL" clId="{56CF898D-0475-4A64-89D7-9E562B826F4B}" dt="2021-05-05T15:20:20.364" v="3952" actId="14100"/>
           <ac:cxnSpMkLst>
             <pc:docMk/>
             <pc:sldMk cId="1981810323" sldId="259"/>
             <ac:cxnSpMk id="23" creationId="{1C907740-F337-4EB7-816B-05FB328222C2}"/>
           </ac:cxnSpMkLst>
         </pc:cxnChg>
+        <pc:cxnChg chg="add">
+          <ac:chgData name="Flavio" userId="acf32d90-2754-4ce4-92d1-4f5cef942a84" providerId="ADAL" clId="{56CF898D-0475-4A64-89D7-9E562B826F4B}" dt="2021-05-05T15:12:55.632" v="3825" actId="11529"/>
+          <ac:cxnSpMkLst>
+            <pc:docMk/>
+            <pc:sldMk cId="1981810323" sldId="259"/>
+            <ac:cxnSpMk id="24" creationId="{C59D2BFF-CC6F-4F45-B89A-8799178EAA90}"/>
+          </ac:cxnSpMkLst>
+        </pc:cxnChg>
+        <pc:cxnChg chg="add mod">
+          <ac:chgData name="Flavio" userId="acf32d90-2754-4ce4-92d1-4f5cef942a84" providerId="ADAL" clId="{56CF898D-0475-4A64-89D7-9E562B826F4B}" dt="2021-05-05T15:21:26.068" v="4027" actId="14100"/>
+          <ac:cxnSpMkLst>
+            <pc:docMk/>
+            <pc:sldMk cId="1981810323" sldId="259"/>
+            <ac:cxnSpMk id="28" creationId="{F8BE72C6-F2F8-45CF-988F-0F8649228BD2}"/>
+          </ac:cxnSpMkLst>
+        </pc:cxnChg>
+        <pc:cxnChg chg="add mod">
+          <ac:chgData name="Flavio" userId="acf32d90-2754-4ce4-92d1-4f5cef942a84" providerId="ADAL" clId="{56CF898D-0475-4A64-89D7-9E562B826F4B}" dt="2021-05-05T15:21:28.785" v="4028" actId="14100"/>
+          <ac:cxnSpMkLst>
+            <pc:docMk/>
+            <pc:sldMk cId="1981810323" sldId="259"/>
+            <ac:cxnSpMk id="30" creationId="{DBA2DB71-8466-45EE-A7CC-67960A0C0823}"/>
+          </ac:cxnSpMkLst>
+        </pc:cxnChg>
+        <pc:cxnChg chg="add">
+          <ac:chgData name="Flavio" userId="acf32d90-2754-4ce4-92d1-4f5cef942a84" providerId="ADAL" clId="{56CF898D-0475-4A64-89D7-9E562B826F4B}" dt="2021-05-05T15:20:12.307" v="3936" actId="11529"/>
+          <ac:cxnSpMkLst>
+            <pc:docMk/>
+            <pc:sldMk cId="1981810323" sldId="259"/>
+            <ac:cxnSpMk id="32" creationId="{4DBECE69-54E4-4F3F-B55F-BA2C8745B1DF}"/>
+          </ac:cxnSpMkLst>
+        </pc:cxnChg>
         <pc:cxnChg chg="mod">
           <ac:chgData name="Flavio" userId="acf32d90-2754-4ce4-92d1-4f5cef942a84" providerId="ADAL" clId="{56CF898D-0475-4A64-89D7-9E562B826F4B}" dt="2021-04-14T14:41:28.578" v="2093" actId="1038"/>
           <ac:cxnSpMkLst>
@@ -3575,7 +3864,7 @@
           </ac:cxnSpMkLst>
         </pc:cxnChg>
         <pc:cxnChg chg="mod">
-          <ac:chgData name="Flavio" userId="acf32d90-2754-4ce4-92d1-4f5cef942a84" providerId="ADAL" clId="{56CF898D-0475-4A64-89D7-9E562B826F4B}" dt="2021-04-14T14:40:23.999" v="1988" actId="1076"/>
+          <ac:chgData name="Flavio" userId="acf32d90-2754-4ce4-92d1-4f5cef942a84" providerId="ADAL" clId="{56CF898D-0475-4A64-89D7-9E562B826F4B}" dt="2021-05-05T15:20:16.599" v="3951" actId="1035"/>
           <ac:cxnSpMkLst>
             <pc:docMk/>
             <pc:sldMk cId="1981810323" sldId="259"/>
@@ -3591,7 +3880,7 @@
           </ac:cxnSpMkLst>
         </pc:cxnChg>
         <pc:cxnChg chg="mod">
-          <ac:chgData name="Flavio" userId="acf32d90-2754-4ce4-92d1-4f5cef942a84" providerId="ADAL" clId="{56CF898D-0475-4A64-89D7-9E562B826F4B}" dt="2021-04-14T14:41:47.560" v="2099" actId="1076"/>
+          <ac:chgData name="Flavio" userId="acf32d90-2754-4ce4-92d1-4f5cef942a84" providerId="ADAL" clId="{56CF898D-0475-4A64-89D7-9E562B826F4B}" dt="2021-05-05T15:25:20.626" v="4178" actId="1035"/>
           <ac:cxnSpMkLst>
             <pc:docMk/>
             <pc:sldMk cId="1981810323" sldId="259"/>
@@ -3622,24 +3911,32 @@
             <ac:cxnSpMk id="49" creationId="{2BAE48FE-EDD5-40CE-A93F-101BEB7F9E60}"/>
           </ac:cxnSpMkLst>
         </pc:cxnChg>
-        <pc:cxnChg chg="add">
-          <ac:chgData name="Flavio" userId="acf32d90-2754-4ce4-92d1-4f5cef942a84" providerId="ADAL" clId="{56CF898D-0475-4A64-89D7-9E562B826F4B}" dt="2021-04-14T16:52:36.889" v="2955" actId="11529"/>
+        <pc:cxnChg chg="add mod">
+          <ac:chgData name="Flavio" userId="acf32d90-2754-4ce4-92d1-4f5cef942a84" providerId="ADAL" clId="{56CF898D-0475-4A64-89D7-9E562B826F4B}" dt="2021-05-05T15:23:57.828" v="4157" actId="14100"/>
+          <ac:cxnSpMkLst>
+            <pc:docMk/>
+            <pc:sldMk cId="1981810323" sldId="259"/>
+            <ac:cxnSpMk id="51" creationId="{B8892605-E5F6-4DAE-913A-562CE48C8E57}"/>
+          </ac:cxnSpMkLst>
+        </pc:cxnChg>
+        <pc:cxnChg chg="add mod">
+          <ac:chgData name="Flavio" userId="acf32d90-2754-4ce4-92d1-4f5cef942a84" providerId="ADAL" clId="{56CF898D-0475-4A64-89D7-9E562B826F4B}" dt="2021-05-05T15:13:02.952" v="3826" actId="14100"/>
           <ac:cxnSpMkLst>
             <pc:docMk/>
             <pc:sldMk cId="1981810323" sldId="259"/>
             <ac:cxnSpMk id="55" creationId="{AB7CC8DB-9881-4EC2-865B-DA7538939EF1}"/>
           </ac:cxnSpMkLst>
         </pc:cxnChg>
-        <pc:cxnChg chg="add">
-          <ac:chgData name="Flavio" userId="acf32d90-2754-4ce4-92d1-4f5cef942a84" providerId="ADAL" clId="{56CF898D-0475-4A64-89D7-9E562B826F4B}" dt="2021-04-14T16:52:46.454" v="2956" actId="11529"/>
+        <pc:cxnChg chg="add mod">
+          <ac:chgData name="Flavio" userId="acf32d90-2754-4ce4-92d1-4f5cef942a84" providerId="ADAL" clId="{56CF898D-0475-4A64-89D7-9E562B826F4B}" dt="2021-05-05T15:12:42.750" v="3822" actId="14100"/>
           <ac:cxnSpMkLst>
             <pc:docMk/>
             <pc:sldMk cId="1981810323" sldId="259"/>
             <ac:cxnSpMk id="57" creationId="{9C9AD7A8-A962-4750-B64B-441D078FB276}"/>
           </ac:cxnSpMkLst>
         </pc:cxnChg>
-        <pc:cxnChg chg="add mod">
-          <ac:chgData name="Flavio" userId="acf32d90-2754-4ce4-92d1-4f5cef942a84" providerId="ADAL" clId="{56CF898D-0475-4A64-89D7-9E562B826F4B}" dt="2021-04-14T16:52:56.632" v="2958" actId="1076"/>
+        <pc:cxnChg chg="add del mod">
+          <ac:chgData name="Flavio" userId="acf32d90-2754-4ce4-92d1-4f5cef942a84" providerId="ADAL" clId="{56CF898D-0475-4A64-89D7-9E562B826F4B}" dt="2021-05-05T15:12:44.283" v="3823" actId="478"/>
           <ac:cxnSpMkLst>
             <pc:docMk/>
             <pc:sldMk cId="1981810323" sldId="259"/>
@@ -3663,6 +3960,22 @@
           </ac:cxnSpMkLst>
         </pc:cxnChg>
         <pc:cxnChg chg="add mod">
+          <ac:chgData name="Flavio" userId="acf32d90-2754-4ce4-92d1-4f5cef942a84" providerId="ADAL" clId="{56CF898D-0475-4A64-89D7-9E562B826F4B}" dt="2021-05-05T15:26:02.937" v="4192" actId="13822"/>
+          <ac:cxnSpMkLst>
+            <pc:docMk/>
+            <pc:sldMk cId="1981810323" sldId="259"/>
+            <ac:cxnSpMk id="69" creationId="{A874FAE0-CAD8-4A97-AF02-A4039A2F6E58}"/>
+          </ac:cxnSpMkLst>
+        </pc:cxnChg>
+        <pc:cxnChg chg="add mod">
+          <ac:chgData name="Flavio" userId="acf32d90-2754-4ce4-92d1-4f5cef942a84" providerId="ADAL" clId="{56CF898D-0475-4A64-89D7-9E562B826F4B}" dt="2021-05-05T14:27:40.428" v="3690" actId="1076"/>
+          <ac:cxnSpMkLst>
+            <pc:docMk/>
+            <pc:sldMk cId="1981810323" sldId="259"/>
+            <ac:cxnSpMk id="73" creationId="{6FC741A4-5406-44CB-AC47-88FC00EA152B}"/>
+          </ac:cxnSpMkLst>
+        </pc:cxnChg>
+        <pc:cxnChg chg="add mod">
           <ac:chgData name="Flavio" userId="acf32d90-2754-4ce4-92d1-4f5cef942a84" providerId="ADAL" clId="{56CF898D-0475-4A64-89D7-9E562B826F4B}" dt="2021-04-14T14:42:52.257" v="2107" actId="1076"/>
           <ac:cxnSpMkLst>
             <pc:docMk/>
@@ -3686,6 +3999,22 @@
             <ac:cxnSpMk id="85" creationId="{70FF4D7A-EA9F-47EC-BEBE-94022374B56E}"/>
           </ac:cxnSpMkLst>
         </pc:cxnChg>
+        <pc:cxnChg chg="add mod">
+          <ac:chgData name="Flavio" userId="acf32d90-2754-4ce4-92d1-4f5cef942a84" providerId="ADAL" clId="{56CF898D-0475-4A64-89D7-9E562B826F4B}" dt="2021-05-05T15:33:59.926" v="4223" actId="13822"/>
+          <ac:cxnSpMkLst>
+            <pc:docMk/>
+            <pc:sldMk cId="1981810323" sldId="259"/>
+            <ac:cxnSpMk id="85" creationId="{EDC54646-1B4C-4A31-BA99-3109A3E598F6}"/>
+          </ac:cxnSpMkLst>
+        </pc:cxnChg>
+        <pc:cxnChg chg="add mod">
+          <ac:chgData name="Flavio" userId="acf32d90-2754-4ce4-92d1-4f5cef942a84" providerId="ADAL" clId="{56CF898D-0475-4A64-89D7-9E562B826F4B}" dt="2021-05-05T15:33:15.567" v="4214" actId="14100"/>
+          <ac:cxnSpMkLst>
+            <pc:docMk/>
+            <pc:sldMk cId="1981810323" sldId="259"/>
+            <ac:cxnSpMk id="87" creationId="{446F4D6F-B698-4B7F-BA28-EF7689282755}"/>
+          </ac:cxnSpMkLst>
+        </pc:cxnChg>
         <pc:cxnChg chg="del">
           <ac:chgData name="Flavio" userId="acf32d90-2754-4ce4-92d1-4f5cef942a84" providerId="ADAL" clId="{56CF898D-0475-4A64-89D7-9E562B826F4B}" dt="2021-04-14T14:34:59.241" v="1966" actId="478"/>
           <ac:cxnSpMkLst>
@@ -3702,6 +4031,22 @@
             <ac:cxnSpMk id="93" creationId="{92471E51-45C2-44A3-8638-9697B66B0CB4}"/>
           </ac:cxnSpMkLst>
         </pc:cxnChg>
+        <pc:cxnChg chg="add del mod">
+          <ac:chgData name="Flavio" userId="acf32d90-2754-4ce4-92d1-4f5cef942a84" providerId="ADAL" clId="{56CF898D-0475-4A64-89D7-9E562B826F4B}" dt="2021-05-05T15:21:30.701" v="4029" actId="478"/>
+          <ac:cxnSpMkLst>
+            <pc:docMk/>
+            <pc:sldMk cId="1981810323" sldId="259"/>
+            <ac:cxnSpMk id="104" creationId="{ABB39069-5E97-4991-A501-0F9EF2259964}"/>
+          </ac:cxnSpMkLst>
+        </pc:cxnChg>
+        <pc:cxnChg chg="add del mod">
+          <ac:chgData name="Flavio" userId="acf32d90-2754-4ce4-92d1-4f5cef942a84" providerId="ADAL" clId="{56CF898D-0475-4A64-89D7-9E562B826F4B}" dt="2021-05-05T15:21:32.495" v="4030" actId="478"/>
+          <ac:cxnSpMkLst>
+            <pc:docMk/>
+            <pc:sldMk cId="1981810323" sldId="259"/>
+            <ac:cxnSpMk id="105" creationId="{AFA4BB4E-09B6-4DFC-A08A-53EB110067C9}"/>
+          </ac:cxnSpMkLst>
+        </pc:cxnChg>
         <pc:cxnChg chg="del">
           <ac:chgData name="Flavio" userId="acf32d90-2754-4ce4-92d1-4f5cef942a84" providerId="ADAL" clId="{56CF898D-0475-4A64-89D7-9E562B826F4B}" dt="2021-04-14T14:35:13.958" v="1975" actId="478"/>
           <ac:cxnSpMkLst>
@@ -3710,6 +4055,22 @@
             <ac:cxnSpMk id="107" creationId="{9034C283-63EA-44DC-A48A-3FAAE7E0DBFA}"/>
           </ac:cxnSpMkLst>
         </pc:cxnChg>
+        <pc:cxnChg chg="add del mod">
+          <ac:chgData name="Flavio" userId="acf32d90-2754-4ce4-92d1-4f5cef942a84" providerId="ADAL" clId="{56CF898D-0475-4A64-89D7-9E562B826F4B}" dt="2021-05-05T15:21:33.575" v="4031" actId="478"/>
+          <ac:cxnSpMkLst>
+            <pc:docMk/>
+            <pc:sldMk cId="1981810323" sldId="259"/>
+            <ac:cxnSpMk id="107" creationId="{B9F7245E-686E-4113-9744-DA202AE8F62D}"/>
+          </ac:cxnSpMkLst>
+        </pc:cxnChg>
+        <pc:cxnChg chg="add del mod">
+          <ac:chgData name="Flavio" userId="acf32d90-2754-4ce4-92d1-4f5cef942a84" providerId="ADAL" clId="{56CF898D-0475-4A64-89D7-9E562B826F4B}" dt="2021-05-05T15:21:34.544" v="4032" actId="478"/>
+          <ac:cxnSpMkLst>
+            <pc:docMk/>
+            <pc:sldMk cId="1981810323" sldId="259"/>
+            <ac:cxnSpMk id="109" creationId="{2573A439-B1CD-45EE-8BB7-03A8FE73AF11}"/>
+          </ac:cxnSpMkLst>
+        </pc:cxnChg>
         <pc:cxnChg chg="del">
           <ac:chgData name="Flavio" userId="acf32d90-2754-4ce4-92d1-4f5cef942a84" providerId="ADAL" clId="{56CF898D-0475-4A64-89D7-9E562B826F4B}" dt="2021-04-14T14:35:02.854" v="1968" actId="478"/>
           <ac:cxnSpMkLst>
@@ -3718,6 +4079,30 @@
             <ac:cxnSpMk id="109" creationId="{FB62339B-2D13-4C68-9664-5F9B049FB833}"/>
           </ac:cxnSpMkLst>
         </pc:cxnChg>
+        <pc:cxnChg chg="add del mod">
+          <ac:chgData name="Flavio" userId="acf32d90-2754-4ce4-92d1-4f5cef942a84" providerId="ADAL" clId="{56CF898D-0475-4A64-89D7-9E562B826F4B}" dt="2021-05-05T15:21:35.145" v="4033" actId="478"/>
+          <ac:cxnSpMkLst>
+            <pc:docMk/>
+            <pc:sldMk cId="1981810323" sldId="259"/>
+            <ac:cxnSpMk id="125" creationId="{7C241E5E-CC0B-4AC8-AFAF-2C0D31D547E8}"/>
+          </ac:cxnSpMkLst>
+        </pc:cxnChg>
+        <pc:cxnChg chg="add del mod">
+          <ac:chgData name="Flavio" userId="acf32d90-2754-4ce4-92d1-4f5cef942a84" providerId="ADAL" clId="{56CF898D-0475-4A64-89D7-9E562B826F4B}" dt="2021-05-05T15:21:36.076" v="4034" actId="478"/>
+          <ac:cxnSpMkLst>
+            <pc:docMk/>
+            <pc:sldMk cId="1981810323" sldId="259"/>
+            <ac:cxnSpMk id="126" creationId="{D126AECE-BA53-49DE-A860-130F4554ED75}"/>
+          </ac:cxnSpMkLst>
+        </pc:cxnChg>
+        <pc:cxnChg chg="add del mod">
+          <ac:chgData name="Flavio" userId="acf32d90-2754-4ce4-92d1-4f5cef942a84" providerId="ADAL" clId="{56CF898D-0475-4A64-89D7-9E562B826F4B}" dt="2021-05-05T15:21:36.865" v="4035" actId="478"/>
+          <ac:cxnSpMkLst>
+            <pc:docMk/>
+            <pc:sldMk cId="1981810323" sldId="259"/>
+            <ac:cxnSpMk id="127" creationId="{FEF9401D-37D4-45C5-B0F6-D0EB9C275C2F}"/>
+          </ac:cxnSpMkLst>
+        </pc:cxnChg>
         <pc:cxnChg chg="add mod">
           <ac:chgData name="Flavio" userId="acf32d90-2754-4ce4-92d1-4f5cef942a84" providerId="ADAL" clId="{56CF898D-0475-4A64-89D7-9E562B826F4B}" dt="2021-04-14T16:53:46.218" v="2963" actId="1076"/>
           <ac:cxnSpMkLst>
@@ -3742,6 +4127,14 @@
             <ac:cxnSpMk id="135" creationId="{FDDABEE8-4E1C-4095-9570-304B5B11554D}"/>
           </ac:cxnSpMkLst>
         </pc:cxnChg>
+        <pc:cxnChg chg="add mod">
+          <ac:chgData name="Flavio" userId="acf32d90-2754-4ce4-92d1-4f5cef942a84" providerId="ADAL" clId="{56CF898D-0475-4A64-89D7-9E562B826F4B}" dt="2021-05-05T15:20:50.179" v="3965" actId="14100"/>
+          <ac:cxnSpMkLst>
+            <pc:docMk/>
+            <pc:sldMk cId="1981810323" sldId="259"/>
+            <ac:cxnSpMk id="137" creationId="{98D3FA22-32AE-4776-95E2-58B5DFA1F94F}"/>
+          </ac:cxnSpMkLst>
+        </pc:cxnChg>
         <pc:cxnChg chg="del mod">
           <ac:chgData name="Flavio" userId="acf32d90-2754-4ce4-92d1-4f5cef942a84" providerId="ADAL" clId="{56CF898D-0475-4A64-89D7-9E562B826F4B}" dt="2021-04-14T14:34:48.487" v="1961" actId="478"/>
           <ac:cxnSpMkLst>
@@ -3751,16 +4144,184 @@
           </ac:cxnSpMkLst>
         </pc:cxnChg>
         <pc:cxnChg chg="add mod">
-          <ac:chgData name="Flavio" userId="acf32d90-2754-4ce4-92d1-4f5cef942a84" providerId="ADAL" clId="{56CF898D-0475-4A64-89D7-9E562B826F4B}" dt="2021-04-14T16:54:14.146" v="2971" actId="1076"/>
+          <ac:chgData name="Flavio" userId="acf32d90-2754-4ce4-92d1-4f5cef942a84" providerId="ADAL" clId="{56CF898D-0475-4A64-89D7-9E562B826F4B}" dt="2021-05-05T15:10:42.620" v="3810" actId="14100"/>
           <ac:cxnSpMkLst>
             <pc:docMk/>
             <pc:sldMk cId="1981810323" sldId="259"/>
             <ac:cxnSpMk id="138" creationId="{9531AE92-E5CC-4B96-A28F-5D54EF2B211F}"/>
           </ac:cxnSpMkLst>
         </pc:cxnChg>
+        <pc:cxnChg chg="add mod">
+          <ac:chgData name="Flavio" userId="acf32d90-2754-4ce4-92d1-4f5cef942a84" providerId="ADAL" clId="{56CF898D-0475-4A64-89D7-9E562B826F4B}" dt="2021-05-05T15:22:29.577" v="4144" actId="1037"/>
+          <ac:cxnSpMkLst>
+            <pc:docMk/>
+            <pc:sldMk cId="1981810323" sldId="259"/>
+            <ac:cxnSpMk id="139" creationId="{33EB0848-E060-4530-BE45-655665054B9B}"/>
+          </ac:cxnSpMkLst>
+        </pc:cxnChg>
+        <pc:cxnChg chg="add mod">
+          <ac:chgData name="Flavio" userId="acf32d90-2754-4ce4-92d1-4f5cef942a84" providerId="ADAL" clId="{56CF898D-0475-4A64-89D7-9E562B826F4B}" dt="2021-05-05T15:21:00.001" v="3969" actId="1076"/>
+          <ac:cxnSpMkLst>
+            <pc:docMk/>
+            <pc:sldMk cId="1981810323" sldId="259"/>
+            <ac:cxnSpMk id="140" creationId="{42570F9F-AE2C-4158-AE0A-459A0D2C0A45}"/>
+          </ac:cxnSpMkLst>
+        </pc:cxnChg>
+        <pc:cxnChg chg="add mod">
+          <ac:chgData name="Flavio" userId="acf32d90-2754-4ce4-92d1-4f5cef942a84" providerId="ADAL" clId="{56CF898D-0475-4A64-89D7-9E562B826F4B}" dt="2021-05-05T15:21:03.258" v="3971" actId="1076"/>
+          <ac:cxnSpMkLst>
+            <pc:docMk/>
+            <pc:sldMk cId="1981810323" sldId="259"/>
+            <ac:cxnSpMk id="141" creationId="{13E33861-2FF3-4A18-8CBF-2DDE9C04A35B}"/>
+          </ac:cxnSpMkLst>
+        </pc:cxnChg>
+        <pc:cxnChg chg="add mod">
+          <ac:chgData name="Flavio" userId="acf32d90-2754-4ce4-92d1-4f5cef942a84" providerId="ADAL" clId="{56CF898D-0475-4A64-89D7-9E562B826F4B}" dt="2021-05-05T15:21:06.750" v="3976" actId="1036"/>
+          <ac:cxnSpMkLst>
+            <pc:docMk/>
+            <pc:sldMk cId="1981810323" sldId="259"/>
+            <ac:cxnSpMk id="142" creationId="{8162E8C2-AC50-4188-B5D4-527A065FD56B}"/>
+          </ac:cxnSpMkLst>
+        </pc:cxnChg>
+        <pc:cxnChg chg="add mod">
+          <ac:chgData name="Flavio" userId="acf32d90-2754-4ce4-92d1-4f5cef942a84" providerId="ADAL" clId="{56CF898D-0475-4A64-89D7-9E562B826F4B}" dt="2021-05-05T15:21:08.367" v="3979" actId="1036"/>
+          <ac:cxnSpMkLst>
+            <pc:docMk/>
+            <pc:sldMk cId="1981810323" sldId="259"/>
+            <ac:cxnSpMk id="143" creationId="{D32F3C4A-1338-4887-8D6A-E9899F3ED9F2}"/>
+          </ac:cxnSpMkLst>
+        </pc:cxnChg>
+        <pc:cxnChg chg="add mod">
+          <ac:chgData name="Flavio" userId="acf32d90-2754-4ce4-92d1-4f5cef942a84" providerId="ADAL" clId="{56CF898D-0475-4A64-89D7-9E562B826F4B}" dt="2021-05-05T15:21:08.849" v="3980"/>
+          <ac:cxnSpMkLst>
+            <pc:docMk/>
+            <pc:sldMk cId="1981810323" sldId="259"/>
+            <ac:cxnSpMk id="144" creationId="{31853E17-A6A3-4B96-9E76-9FE57D74F9D2}"/>
+          </ac:cxnSpMkLst>
+        </pc:cxnChg>
+        <pc:cxnChg chg="add mod">
+          <ac:chgData name="Flavio" userId="acf32d90-2754-4ce4-92d1-4f5cef942a84" providerId="ADAL" clId="{56CF898D-0475-4A64-89D7-9E562B826F4B}" dt="2021-05-05T15:22:09.819" v="4122" actId="14100"/>
+          <ac:cxnSpMkLst>
+            <pc:docMk/>
+            <pc:sldMk cId="1981810323" sldId="259"/>
+            <ac:cxnSpMk id="145" creationId="{5A704E0C-4BC7-4251-B237-30E9DAC65280}"/>
+          </ac:cxnSpMkLst>
+        </pc:cxnChg>
+        <pc:cxnChg chg="add mod">
+          <ac:chgData name="Flavio" userId="acf32d90-2754-4ce4-92d1-4f5cef942a84" providerId="ADAL" clId="{56CF898D-0475-4A64-89D7-9E562B826F4B}" dt="2021-05-05T15:22:31.108" v="4146" actId="1038"/>
+          <ac:cxnSpMkLst>
+            <pc:docMk/>
+            <pc:sldMk cId="1981810323" sldId="259"/>
+            <ac:cxnSpMk id="146" creationId="{462EE0D8-E93B-44B4-81FF-458974D1E987}"/>
+          </ac:cxnSpMkLst>
+        </pc:cxnChg>
+        <pc:cxnChg chg="add mod">
+          <ac:chgData name="Flavio" userId="acf32d90-2754-4ce4-92d1-4f5cef942a84" providerId="ADAL" clId="{56CF898D-0475-4A64-89D7-9E562B826F4B}" dt="2021-05-05T15:22:34.836" v="4153" actId="1038"/>
+          <ac:cxnSpMkLst>
+            <pc:docMk/>
+            <pc:sldMk cId="1981810323" sldId="259"/>
+            <ac:cxnSpMk id="147" creationId="{F52EC89F-2FA7-49C5-8584-0DAA418AE0F2}"/>
+          </ac:cxnSpMkLst>
+        </pc:cxnChg>
+        <pc:cxnChg chg="add mod">
+          <ac:chgData name="Flavio" userId="acf32d90-2754-4ce4-92d1-4f5cef942a84" providerId="ADAL" clId="{56CF898D-0475-4A64-89D7-9E562B826F4B}" dt="2021-05-05T15:22:17.959" v="4140" actId="1038"/>
+          <ac:cxnSpMkLst>
+            <pc:docMk/>
+            <pc:sldMk cId="1981810323" sldId="259"/>
+            <ac:cxnSpMk id="148" creationId="{E6117B38-0914-4862-B443-F59CDD4E0552}"/>
+          </ac:cxnSpMkLst>
+        </pc:cxnChg>
+        <pc:cxnChg chg="add mod">
+          <ac:chgData name="Flavio" userId="acf32d90-2754-4ce4-92d1-4f5cef942a84" providerId="ADAL" clId="{56CF898D-0475-4A64-89D7-9E562B826F4B}" dt="2021-05-05T15:22:13.351" v="4130" actId="1038"/>
+          <ac:cxnSpMkLst>
+            <pc:docMk/>
+            <pc:sldMk cId="1981810323" sldId="259"/>
+            <ac:cxnSpMk id="149" creationId="{CC7DA57F-D0A1-4664-B755-F746979EC40B}"/>
+          </ac:cxnSpMkLst>
+        </pc:cxnChg>
+        <pc:cxnChg chg="add mod">
+          <ac:chgData name="Flavio" userId="acf32d90-2754-4ce4-92d1-4f5cef942a84" providerId="ADAL" clId="{56CF898D-0475-4A64-89D7-9E562B826F4B}" dt="2021-05-05T15:22:15.625" v="4137" actId="1038"/>
+          <ac:cxnSpMkLst>
+            <pc:docMk/>
+            <pc:sldMk cId="1981810323" sldId="259"/>
+            <ac:cxnSpMk id="150" creationId="{58C50830-48F4-4FAC-A804-546B5895507F}"/>
+          </ac:cxnSpMkLst>
+        </pc:cxnChg>
+        <pc:cxnChg chg="add mod">
+          <ac:chgData name="Flavio" userId="acf32d90-2754-4ce4-92d1-4f5cef942a84" providerId="ADAL" clId="{56CF898D-0475-4A64-89D7-9E562B826F4B}" dt="2021-05-05T15:22:03.544" v="4120" actId="1038"/>
+          <ac:cxnSpMkLst>
+            <pc:docMk/>
+            <pc:sldMk cId="1981810323" sldId="259"/>
+            <ac:cxnSpMk id="151" creationId="{A93379A0-FA07-4848-A7AD-EEEA8B62103F}"/>
+          </ac:cxnSpMkLst>
+        </pc:cxnChg>
+        <pc:cxnChg chg="add mod">
+          <ac:chgData name="Flavio" userId="acf32d90-2754-4ce4-92d1-4f5cef942a84" providerId="ADAL" clId="{56CF898D-0475-4A64-89D7-9E562B826F4B}" dt="2021-05-05T15:22:03.853" v="4121"/>
+          <ac:cxnSpMkLst>
+            <pc:docMk/>
+            <pc:sldMk cId="1981810323" sldId="259"/>
+            <ac:cxnSpMk id="152" creationId="{C01805CD-4DEB-458D-8EE1-E96DDD2B41CA}"/>
+          </ac:cxnSpMkLst>
+        </pc:cxnChg>
+        <pc:cxnChg chg="add mod">
+          <ac:chgData name="Flavio" userId="acf32d90-2754-4ce4-92d1-4f5cef942a84" providerId="ADAL" clId="{56CF898D-0475-4A64-89D7-9E562B826F4B}" dt="2021-05-05T15:25:17.882" v="4175" actId="14100"/>
+          <ac:cxnSpMkLst>
+            <pc:docMk/>
+            <pc:sldMk cId="1981810323" sldId="259"/>
+            <ac:cxnSpMk id="153" creationId="{E35DF001-2774-4808-82C9-8813B6538E7B}"/>
+          </ac:cxnSpMkLst>
+        </pc:cxnChg>
+        <pc:cxnChg chg="add mod">
+          <ac:chgData name="Flavio" userId="acf32d90-2754-4ce4-92d1-4f5cef942a84" providerId="ADAL" clId="{56CF898D-0475-4A64-89D7-9E562B826F4B}" dt="2021-05-05T15:25:36.604" v="4180" actId="1076"/>
+          <ac:cxnSpMkLst>
+            <pc:docMk/>
+            <pc:sldMk cId="1981810323" sldId="259"/>
+            <ac:cxnSpMk id="155" creationId="{A8A1E5D4-5E68-4E54-90F3-9F920EBAE448}"/>
+          </ac:cxnSpMkLst>
+        </pc:cxnChg>
+        <pc:cxnChg chg="add mod">
+          <ac:chgData name="Flavio" userId="acf32d90-2754-4ce4-92d1-4f5cef942a84" providerId="ADAL" clId="{56CF898D-0475-4A64-89D7-9E562B826F4B}" dt="2021-05-05T15:25:46.651" v="4189" actId="1038"/>
+          <ac:cxnSpMkLst>
+            <pc:docMk/>
+            <pc:sldMk cId="1981810323" sldId="259"/>
+            <ac:cxnSpMk id="156" creationId="{C0642D4D-F46C-4D13-A04F-B826F9EE9467}"/>
+          </ac:cxnSpMkLst>
+        </pc:cxnChg>
+        <pc:cxnChg chg="add del">
+          <ac:chgData name="Flavio" userId="acf32d90-2754-4ce4-92d1-4f5cef942a84" providerId="ADAL" clId="{56CF898D-0475-4A64-89D7-9E562B826F4B}" dt="2021-05-05T15:33:24.388" v="4216" actId="478"/>
+          <ac:cxnSpMkLst>
+            <pc:docMk/>
+            <pc:sldMk cId="1981810323" sldId="259"/>
+            <ac:cxnSpMk id="164" creationId="{02022C35-0101-4ABD-864A-0F6E5B678E1B}"/>
+          </ac:cxnSpMkLst>
+        </pc:cxnChg>
+        <pc:cxnChg chg="add mod">
+          <ac:chgData name="Flavio" userId="acf32d90-2754-4ce4-92d1-4f5cef942a84" providerId="ADAL" clId="{56CF898D-0475-4A64-89D7-9E562B826F4B}" dt="2021-05-05T15:33:45.936" v="4221" actId="14100"/>
+          <ac:cxnSpMkLst>
+            <pc:docMk/>
+            <pc:sldMk cId="1981810323" sldId="259"/>
+            <ac:cxnSpMk id="166" creationId="{85671881-EC9E-48B0-9EE2-B4D01DFFD4E6}"/>
+          </ac:cxnSpMkLst>
+        </pc:cxnChg>
+        <pc:cxnChg chg="add">
+          <ac:chgData name="Flavio" userId="acf32d90-2754-4ce4-92d1-4f5cef942a84" providerId="ADAL" clId="{56CF898D-0475-4A64-89D7-9E562B826F4B}" dt="2021-05-05T15:33:52.306" v="4222" actId="11529"/>
+          <ac:cxnSpMkLst>
+            <pc:docMk/>
+            <pc:sldMk cId="1981810323" sldId="259"/>
+            <ac:cxnSpMk id="171" creationId="{9E5AF08D-CD7E-4768-8BB2-E5B71D2EAE32}"/>
+          </ac:cxnSpMkLst>
+        </pc:cxnChg>
+        <pc:cxnChg chg="add mod ord">
+          <ac:chgData name="Flavio" userId="acf32d90-2754-4ce4-92d1-4f5cef942a84" providerId="ADAL" clId="{56CF898D-0475-4A64-89D7-9E562B826F4B}" dt="2021-05-05T15:35:13.186" v="4254" actId="170"/>
+          <ac:cxnSpMkLst>
+            <pc:docMk/>
+            <pc:sldMk cId="1981810323" sldId="259"/>
+            <ac:cxnSpMk id="173" creationId="{8E0E316E-6EF9-44E7-8607-64B93FE12C65}"/>
+          </ac:cxnSpMkLst>
+        </pc:cxnChg>
       </pc:sldChg>
       <pc:sldChg chg="addSp delSp modSp add mod">
-        <pc:chgData name="Flavio" userId="acf32d90-2754-4ce4-92d1-4f5cef942a84" providerId="ADAL" clId="{56CF898D-0475-4A64-89D7-9E562B826F4B}" dt="2021-04-14T16:17:58.082" v="2693" actId="1076"/>
+        <pc:chgData name="Flavio" userId="acf32d90-2754-4ce4-92d1-4f5cef942a84" providerId="ADAL" clId="{56CF898D-0475-4A64-89D7-9E562B826F4B}" dt="2021-05-05T15:11:56.727" v="3820" actId="20577"/>
         <pc:sldMkLst>
           <pc:docMk/>
           <pc:sldMk cId="4024085776" sldId="260"/>
@@ -3862,7 +4423,7 @@
           </ac:spMkLst>
         </pc:spChg>
         <pc:spChg chg="add mod">
-          <ac:chgData name="Flavio" userId="acf32d90-2754-4ce4-92d1-4f5cef942a84" providerId="ADAL" clId="{56CF898D-0475-4A64-89D7-9E562B826F4B}" dt="2021-04-14T15:46:33.184" v="2517" actId="20577"/>
+          <ac:chgData name="Flavio" userId="acf32d90-2754-4ce4-92d1-4f5cef942a84" providerId="ADAL" clId="{56CF898D-0475-4A64-89D7-9E562B826F4B}" dt="2021-05-05T15:11:56.727" v="3820" actId="20577"/>
           <ac:spMkLst>
             <pc:docMk/>
             <pc:sldMk cId="4024085776" sldId="260"/>
@@ -3910,7 +4471,7 @@
           </ac:spMkLst>
         </pc:spChg>
         <pc:spChg chg="add mod">
-          <ac:chgData name="Flavio" userId="acf32d90-2754-4ce4-92d1-4f5cef942a84" providerId="ADAL" clId="{56CF898D-0475-4A64-89D7-9E562B826F4B}" dt="2021-04-14T16:17:58.082" v="2693" actId="1076"/>
+          <ac:chgData name="Flavio" userId="acf32d90-2754-4ce4-92d1-4f5cef942a84" providerId="ADAL" clId="{56CF898D-0475-4A64-89D7-9E562B826F4B}" dt="2021-05-05T14:05:43.228" v="3570" actId="14100"/>
           <ac:spMkLst>
             <pc:docMk/>
             <pc:sldMk cId="4024085776" sldId="260"/>
@@ -4247,7 +4808,7 @@
         </pc:cxnChg>
       </pc:sldChg>
       <pc:sldChg chg="addSp delSp modSp add mod">
-        <pc:chgData name="Flavio" userId="acf32d90-2754-4ce4-92d1-4f5cef942a84" providerId="ADAL" clId="{56CF898D-0475-4A64-89D7-9E562B826F4B}" dt="2021-04-14T16:38:36.694" v="2929" actId="478"/>
+        <pc:chgData name="Flavio" userId="acf32d90-2754-4ce4-92d1-4f5cef942a84" providerId="ADAL" clId="{56CF898D-0475-4A64-89D7-9E562B826F4B}" dt="2021-05-05T14:05:49.590" v="3572" actId="20577"/>
         <pc:sldMkLst>
           <pc:docMk/>
           <pc:sldMk cId="194733402" sldId="261"/>
@@ -4285,7 +4846,7 @@
           </ac:spMkLst>
         </pc:spChg>
         <pc:spChg chg="add mod">
-          <ac:chgData name="Flavio" userId="acf32d90-2754-4ce4-92d1-4f5cef942a84" providerId="ADAL" clId="{56CF898D-0475-4A64-89D7-9E562B826F4B}" dt="2021-04-14T16:14:16.594" v="2664" actId="20577"/>
+          <ac:chgData name="Flavio" userId="acf32d90-2754-4ce4-92d1-4f5cef942a84" providerId="ADAL" clId="{56CF898D-0475-4A64-89D7-9E562B826F4B}" dt="2021-05-05T14:05:49.590" v="3572" actId="20577"/>
           <ac:spMkLst>
             <pc:docMk/>
             <pc:sldMk cId="194733402" sldId="261"/>
@@ -4710,13 +5271,13 @@
         </pc:cxnChg>
       </pc:sldChg>
       <pc:sldChg chg="addSp delSp modSp add mod">
-        <pc:chgData name="Flavio" userId="acf32d90-2754-4ce4-92d1-4f5cef942a84" providerId="ADAL" clId="{56CF898D-0475-4A64-89D7-9E562B826F4B}" dt="2021-04-28T15:45:03.389" v="3469" actId="1076"/>
+        <pc:chgData name="Flavio" userId="acf32d90-2754-4ce4-92d1-4f5cef942a84" providerId="ADAL" clId="{56CF898D-0475-4A64-89D7-9E562B826F4B}" dt="2021-05-05T14:36:49.395" v="3752" actId="2085"/>
         <pc:sldMkLst>
           <pc:docMk/>
           <pc:sldMk cId="1277511959" sldId="262"/>
         </pc:sldMkLst>
         <pc:spChg chg="add mod">
-          <ac:chgData name="Flavio" userId="acf32d90-2754-4ce4-92d1-4f5cef942a84" providerId="ADAL" clId="{56CF898D-0475-4A64-89D7-9E562B826F4B}" dt="2021-04-28T15:44:43.845" v="3464" actId="14100"/>
+          <ac:chgData name="Flavio" userId="acf32d90-2754-4ce4-92d1-4f5cef942a84" providerId="ADAL" clId="{56CF898D-0475-4A64-89D7-9E562B826F4B}" dt="2021-05-05T14:04:59.822" v="3544" actId="20577"/>
           <ac:spMkLst>
             <pc:docMk/>
             <pc:sldMk cId="1277511959" sldId="262"/>
@@ -4740,7 +5301,7 @@
           </ac:spMkLst>
         </pc:spChg>
         <pc:spChg chg="add mod">
-          <ac:chgData name="Flavio" userId="acf32d90-2754-4ce4-92d1-4f5cef942a84" providerId="ADAL" clId="{56CF898D-0475-4A64-89D7-9E562B826F4B}" dt="2021-04-28T14:45:50.841" v="3154" actId="1076"/>
+          <ac:chgData name="Flavio" userId="acf32d90-2754-4ce4-92d1-4f5cef942a84" providerId="ADAL" clId="{56CF898D-0475-4A64-89D7-9E562B826F4B}" dt="2021-05-05T14:36:26.497" v="3739" actId="207"/>
           <ac:spMkLst>
             <pc:docMk/>
             <pc:sldMk cId="1277511959" sldId="262"/>
@@ -4924,7 +5485,7 @@
           </ac:spMkLst>
         </pc:spChg>
         <pc:spChg chg="add mod">
-          <ac:chgData name="Flavio" userId="acf32d90-2754-4ce4-92d1-4f5cef942a84" providerId="ADAL" clId="{56CF898D-0475-4A64-89D7-9E562B826F4B}" dt="2021-04-28T14:57:23.862" v="3364" actId="1076"/>
+          <ac:chgData name="Flavio" userId="acf32d90-2754-4ce4-92d1-4f5cef942a84" providerId="ADAL" clId="{56CF898D-0475-4A64-89D7-9E562B826F4B}" dt="2021-05-05T14:36:36.841" v="3745" actId="207"/>
           <ac:spMkLst>
             <pc:docMk/>
             <pc:sldMk cId="1277511959" sldId="262"/>
@@ -4932,7 +5493,7 @@
           </ac:spMkLst>
         </pc:spChg>
         <pc:spChg chg="add mod">
-          <ac:chgData name="Flavio" userId="acf32d90-2754-4ce4-92d1-4f5cef942a84" providerId="ADAL" clId="{56CF898D-0475-4A64-89D7-9E562B826F4B}" dt="2021-04-28T14:59:30.110" v="3370" actId="1076"/>
+          <ac:chgData name="Flavio" userId="acf32d90-2754-4ce4-92d1-4f5cef942a84" providerId="ADAL" clId="{56CF898D-0475-4A64-89D7-9E562B826F4B}" dt="2021-05-05T14:36:34.641" v="3743" actId="207"/>
           <ac:spMkLst>
             <pc:docMk/>
             <pc:sldMk cId="1277511959" sldId="262"/>
@@ -4940,7 +5501,7 @@
           </ac:spMkLst>
         </pc:spChg>
         <pc:spChg chg="add mod">
-          <ac:chgData name="Flavio" userId="acf32d90-2754-4ce4-92d1-4f5cef942a84" providerId="ADAL" clId="{56CF898D-0475-4A64-89D7-9E562B826F4B}" dt="2021-04-28T15:00:41.068" v="3393" actId="1076"/>
+          <ac:chgData name="Flavio" userId="acf32d90-2754-4ce4-92d1-4f5cef942a84" providerId="ADAL" clId="{56CF898D-0475-4A64-89D7-9E562B826F4B}" dt="2021-05-05T14:36:32.088" v="3741" actId="207"/>
           <ac:spMkLst>
             <pc:docMk/>
             <pc:sldMk cId="1277511959" sldId="262"/>
@@ -4948,7 +5509,7 @@
           </ac:spMkLst>
         </pc:spChg>
         <pc:spChg chg="add mod">
-          <ac:chgData name="Flavio" userId="acf32d90-2754-4ce4-92d1-4f5cef942a84" providerId="ADAL" clId="{56CF898D-0475-4A64-89D7-9E562B826F4B}" dt="2021-04-28T15:01:56.719" v="3425" actId="1076"/>
+          <ac:chgData name="Flavio" userId="acf32d90-2754-4ce4-92d1-4f5cef942a84" providerId="ADAL" clId="{56CF898D-0475-4A64-89D7-9E562B826F4B}" dt="2021-05-05T14:36:49.395" v="3752" actId="2085"/>
           <ac:spMkLst>
             <pc:docMk/>
             <pc:sldMk cId="1277511959" sldId="262"/>
@@ -5012,6 +5573,14 @@
           </ac:grpSpMkLst>
         </pc:grpChg>
         <pc:cxnChg chg="add del mod">
+          <ac:chgData name="Flavio" userId="acf32d90-2754-4ce4-92d1-4f5cef942a84" providerId="ADAL" clId="{56CF898D-0475-4A64-89D7-9E562B826F4B}" dt="2021-05-05T14:33:46.958" v="3709" actId="478"/>
+          <ac:cxnSpMkLst>
+            <pc:docMk/>
+            <pc:sldMk cId="1277511959" sldId="262"/>
+            <ac:cxnSpMk id="6" creationId="{50620DCA-46EC-4826-BA20-AA2D97EB8471}"/>
+          </ac:cxnSpMkLst>
+        </pc:cxnChg>
+        <pc:cxnChg chg="add del mod">
           <ac:chgData name="Flavio" userId="acf32d90-2754-4ce4-92d1-4f5cef942a84" providerId="ADAL" clId="{56CF898D-0475-4A64-89D7-9E562B826F4B}" dt="2021-04-28T14:46:00.773" v="3156" actId="478"/>
           <ac:cxnSpMkLst>
             <pc:docMk/>
@@ -5019,6 +5588,14 @@
             <ac:cxnSpMk id="7" creationId="{4BB1AC1C-131C-4C03-9E4D-675D8AAA94D6}"/>
           </ac:cxnSpMkLst>
         </pc:cxnChg>
+        <pc:cxnChg chg="add del mod">
+          <ac:chgData name="Flavio" userId="acf32d90-2754-4ce4-92d1-4f5cef942a84" providerId="ADAL" clId="{56CF898D-0475-4A64-89D7-9E562B826F4B}" dt="2021-05-05T14:33:43.805" v="3708" actId="478"/>
+          <ac:cxnSpMkLst>
+            <pc:docMk/>
+            <pc:sldMk cId="1277511959" sldId="262"/>
+            <ac:cxnSpMk id="10" creationId="{76FD57B2-28B4-46B1-B936-6D3B3C8E185C}"/>
+          </ac:cxnSpMkLst>
+        </pc:cxnChg>
         <pc:cxnChg chg="add mod">
           <ac:chgData name="Flavio" userId="acf32d90-2754-4ce4-92d1-4f5cef942a84" providerId="ADAL" clId="{56CF898D-0475-4A64-89D7-9E562B826F4B}" dt="2021-04-28T15:44:43.845" v="3464" actId="14100"/>
           <ac:cxnSpMkLst>
@@ -5244,6 +5821,14 @@
           </ac:cxnSpMkLst>
         </pc:cxnChg>
         <pc:cxnChg chg="add mod">
+          <ac:chgData name="Flavio" userId="acf32d90-2754-4ce4-92d1-4f5cef942a84" providerId="ADAL" clId="{56CF898D-0475-4A64-89D7-9E562B826F4B}" dt="2021-05-05T14:34:15.138" v="3715" actId="1036"/>
+          <ac:cxnSpMkLst>
+            <pc:docMk/>
+            <pc:sldMk cId="1277511959" sldId="262"/>
+            <ac:cxnSpMk id="78" creationId="{DD6938F3-8AC8-4211-9AD9-4E82B2CC45C6}"/>
+          </ac:cxnSpMkLst>
+        </pc:cxnChg>
+        <pc:cxnChg chg="add mod">
           <ac:chgData name="Flavio" userId="acf32d90-2754-4ce4-92d1-4f5cef942a84" providerId="ADAL" clId="{56CF898D-0475-4A64-89D7-9E562B826F4B}" dt="2021-04-28T15:23:55.295" v="3440" actId="1037"/>
           <ac:cxnSpMkLst>
             <pc:docMk/>
@@ -5323,6 +5908,14 @@
             <ac:cxnSpMk id="90" creationId="{AEEBB950-EF9D-4B92-94C5-46506669F82C}"/>
           </ac:cxnSpMkLst>
         </pc:cxnChg>
+        <pc:cxnChg chg="add mod">
+          <ac:chgData name="Flavio" userId="acf32d90-2754-4ce4-92d1-4f5cef942a84" providerId="ADAL" clId="{56CF898D-0475-4A64-89D7-9E562B826F4B}" dt="2021-05-05T14:34:24.932" v="3722" actId="1035"/>
+          <ac:cxnSpMkLst>
+            <pc:docMk/>
+            <pc:sldMk cId="1277511959" sldId="262"/>
+            <ac:cxnSpMk id="90" creationId="{FD9965B0-7450-4271-AF6E-62143C29DC5D}"/>
+          </ac:cxnSpMkLst>
+        </pc:cxnChg>
         <pc:cxnChg chg="del">
           <ac:chgData name="Flavio" userId="acf32d90-2754-4ce4-92d1-4f5cef942a84" providerId="ADAL" clId="{56CF898D-0475-4A64-89D7-9E562B826F4B}" dt="2021-04-28T14:00:47.866" v="3025" actId="478"/>
           <ac:cxnSpMkLst>
@@ -5524,7 +6117,7 @@
           </ac:cxnSpMkLst>
         </pc:cxnChg>
         <pc:cxnChg chg="add mod">
-          <ac:chgData name="Flavio" userId="acf32d90-2754-4ce4-92d1-4f5cef942a84" providerId="ADAL" clId="{56CF898D-0475-4A64-89D7-9E562B826F4B}" dt="2021-04-28T15:02:24.100" v="3432" actId="14100"/>
+          <ac:chgData name="Flavio" userId="acf32d90-2754-4ce4-92d1-4f5cef942a84" providerId="ADAL" clId="{56CF898D-0475-4A64-89D7-9E562B826F4B}" dt="2021-05-05T14:34:39.602" v="3735" actId="14100"/>
           <ac:cxnSpMkLst>
             <pc:docMk/>
             <pc:sldMk cId="1277511959" sldId="262"/>
@@ -5532,7 +6125,7 @@
           </ac:cxnSpMkLst>
         </pc:cxnChg>
         <pc:cxnChg chg="add mod">
-          <ac:chgData name="Flavio" userId="acf32d90-2754-4ce4-92d1-4f5cef942a84" providerId="ADAL" clId="{56CF898D-0475-4A64-89D7-9E562B826F4B}" dt="2021-04-28T15:02:30.778" v="3435" actId="14100"/>
+          <ac:chgData name="Flavio" userId="acf32d90-2754-4ce4-92d1-4f5cef942a84" providerId="ADAL" clId="{56CF898D-0475-4A64-89D7-9E562B826F4B}" dt="2021-05-05T14:34:44.194" v="3736" actId="14100"/>
           <ac:cxnSpMkLst>
             <pc:docMk/>
             <pc:sldMk cId="1277511959" sldId="262"/>
@@ -5547,20 +6140,994 @@
             <ac:cxnSpMk id="160" creationId="{07B8084E-6051-4CA5-8426-2A65850CF103}"/>
           </ac:cxnSpMkLst>
         </pc:cxnChg>
-        <pc:cxnChg chg="add mod">
-          <ac:chgData name="Flavio" userId="acf32d90-2754-4ce4-92d1-4f5cef942a84" providerId="ADAL" clId="{56CF898D-0475-4A64-89D7-9E562B826F4B}" dt="2021-04-28T15:44:56.584" v="3467" actId="1076"/>
+        <pc:cxnChg chg="add del mod">
+          <ac:chgData name="Flavio" userId="acf32d90-2754-4ce4-92d1-4f5cef942a84" providerId="ADAL" clId="{56CF898D-0475-4A64-89D7-9E562B826F4B}" dt="2021-05-05T12:52:37.825" v="3525" actId="478"/>
           <ac:cxnSpMkLst>
             <pc:docMk/>
             <pc:sldMk cId="1277511959" sldId="262"/>
             <ac:cxnSpMk id="175" creationId="{715C0E83-5489-4EC0-A400-0AA0240C4384}"/>
           </ac:cxnSpMkLst>
         </pc:cxnChg>
-        <pc:cxnChg chg="add mod">
-          <ac:chgData name="Flavio" userId="acf32d90-2754-4ce4-92d1-4f5cef942a84" providerId="ADAL" clId="{56CF898D-0475-4A64-89D7-9E562B826F4B}" dt="2021-04-28T15:45:03.389" v="3469" actId="1076"/>
+        <pc:cxnChg chg="add del mod">
+          <ac:chgData name="Flavio" userId="acf32d90-2754-4ce4-92d1-4f5cef942a84" providerId="ADAL" clId="{56CF898D-0475-4A64-89D7-9E562B826F4B}" dt="2021-05-05T12:52:35.493" v="3524" actId="478"/>
           <ac:cxnSpMkLst>
             <pc:docMk/>
             <pc:sldMk cId="1277511959" sldId="262"/>
             <ac:cxnSpMk id="176" creationId="{4B6B6B71-8381-44A1-9495-87C7CA102CC9}"/>
+          </ac:cxnSpMkLst>
+        </pc:cxnChg>
+      </pc:sldChg>
+      <pc:sldChg chg="addSp delSp modSp add del mod">
+        <pc:chgData name="Flavio" userId="acf32d90-2754-4ce4-92d1-4f5cef942a84" providerId="ADAL" clId="{56CF898D-0475-4A64-89D7-9E562B826F4B}" dt="2021-05-05T14:05:03.258" v="3545" actId="47"/>
+        <pc:sldMkLst>
+          <pc:docMk/>
+          <pc:sldMk cId="1576880397" sldId="263"/>
+        </pc:sldMkLst>
+        <pc:spChg chg="del">
+          <ac:chgData name="Flavio" userId="acf32d90-2754-4ce4-92d1-4f5cef942a84" providerId="ADAL" clId="{56CF898D-0475-4A64-89D7-9E562B826F4B}" dt="2021-05-05T12:51:20.839" v="3515" actId="478"/>
+          <ac:spMkLst>
+            <pc:docMk/>
+            <pc:sldMk cId="1576880397" sldId="263"/>
+            <ac:spMk id="3" creationId="{0BE4988F-0738-4EFF-B0CA-A248EDBF68E8}"/>
+          </ac:spMkLst>
+        </pc:spChg>
+        <pc:spChg chg="del">
+          <ac:chgData name="Flavio" userId="acf32d90-2754-4ce4-92d1-4f5cef942a84" providerId="ADAL" clId="{56CF898D-0475-4A64-89D7-9E562B826F4B}" dt="2021-05-05T12:51:20.839" v="3515" actId="478"/>
+          <ac:spMkLst>
+            <pc:docMk/>
+            <pc:sldMk cId="1576880397" sldId="263"/>
+            <ac:spMk id="9" creationId="{4BBF2AEE-07D3-4D5D-AD6D-ACC9B0C008EA}"/>
+          </ac:spMkLst>
+        </pc:spChg>
+        <pc:spChg chg="mod">
+          <ac:chgData name="Flavio" userId="acf32d90-2754-4ce4-92d1-4f5cef942a84" providerId="ADAL" clId="{56CF898D-0475-4A64-89D7-9E562B826F4B}" dt="2021-05-05T12:51:00.719" v="3514" actId="20577"/>
+          <ac:spMkLst>
+            <pc:docMk/>
+            <pc:sldMk cId="1576880397" sldId="263"/>
+            <ac:spMk id="15" creationId="{1127BF1A-013D-4CDC-A4B0-5A008398B57C}"/>
+          </ac:spMkLst>
+        </pc:spChg>
+        <pc:spChg chg="del">
+          <ac:chgData name="Flavio" userId="acf32d90-2754-4ce4-92d1-4f5cef942a84" providerId="ADAL" clId="{56CF898D-0475-4A64-89D7-9E562B826F4B}" dt="2021-05-05T12:51:20.839" v="3515" actId="478"/>
+          <ac:spMkLst>
+            <pc:docMk/>
+            <pc:sldMk cId="1576880397" sldId="263"/>
+            <ac:spMk id="19" creationId="{E0D10CFF-CF2C-4DB3-A318-90AF84E30F41}"/>
+          </ac:spMkLst>
+        </pc:spChg>
+        <pc:spChg chg="mod">
+          <ac:chgData name="Flavio" userId="acf32d90-2754-4ce4-92d1-4f5cef942a84" providerId="ADAL" clId="{56CF898D-0475-4A64-89D7-9E562B826F4B}" dt="2021-05-05T12:53:19.936" v="3531"/>
+          <ac:spMkLst>
+            <pc:docMk/>
+            <pc:sldMk cId="1576880397" sldId="263"/>
+            <ac:spMk id="71" creationId="{02F3A9F5-A6FA-401E-A184-5D8AA57742AA}"/>
+          </ac:spMkLst>
+        </pc:spChg>
+        <pc:spChg chg="mod">
+          <ac:chgData name="Flavio" userId="acf32d90-2754-4ce4-92d1-4f5cef942a84" providerId="ADAL" clId="{56CF898D-0475-4A64-89D7-9E562B826F4B}" dt="2021-05-05T12:53:19.936" v="3531"/>
+          <ac:spMkLst>
+            <pc:docMk/>
+            <pc:sldMk cId="1576880397" sldId="263"/>
+            <ac:spMk id="74" creationId="{088B8B24-E13B-435B-82B5-E0928BF80421}"/>
+          </ac:spMkLst>
+        </pc:spChg>
+        <pc:spChg chg="mod">
+          <ac:chgData name="Flavio" userId="acf32d90-2754-4ce4-92d1-4f5cef942a84" providerId="ADAL" clId="{56CF898D-0475-4A64-89D7-9E562B826F4B}" dt="2021-05-05T12:53:19.936" v="3531"/>
+          <ac:spMkLst>
+            <pc:docMk/>
+            <pc:sldMk cId="1576880397" sldId="263"/>
+            <ac:spMk id="75" creationId="{791975F0-8CC9-40D3-8932-09996E38D8AA}"/>
+          </ac:spMkLst>
+        </pc:spChg>
+        <pc:spChg chg="mod">
+          <ac:chgData name="Flavio" userId="acf32d90-2754-4ce4-92d1-4f5cef942a84" providerId="ADAL" clId="{56CF898D-0475-4A64-89D7-9E562B826F4B}" dt="2021-05-05T12:53:19.936" v="3531"/>
+          <ac:spMkLst>
+            <pc:docMk/>
+            <pc:sldMk cId="1576880397" sldId="263"/>
+            <ac:spMk id="77" creationId="{AAC1F739-9DCA-40A1-A690-64B5D82931D9}"/>
+          </ac:spMkLst>
+        </pc:spChg>
+        <pc:spChg chg="mod">
+          <ac:chgData name="Flavio" userId="acf32d90-2754-4ce4-92d1-4f5cef942a84" providerId="ADAL" clId="{56CF898D-0475-4A64-89D7-9E562B826F4B}" dt="2021-05-05T12:53:19.936" v="3531"/>
+          <ac:spMkLst>
+            <pc:docMk/>
+            <pc:sldMk cId="1576880397" sldId="263"/>
+            <ac:spMk id="78" creationId="{33FD28AA-08CD-460E-8546-6CA88EC6315E}"/>
+          </ac:spMkLst>
+        </pc:spChg>
+        <pc:spChg chg="mod">
+          <ac:chgData name="Flavio" userId="acf32d90-2754-4ce4-92d1-4f5cef942a84" providerId="ADAL" clId="{56CF898D-0475-4A64-89D7-9E562B826F4B}" dt="2021-05-05T12:53:19.936" v="3531"/>
+          <ac:spMkLst>
+            <pc:docMk/>
+            <pc:sldMk cId="1576880397" sldId="263"/>
+            <ac:spMk id="90" creationId="{F1A769B8-3ECA-48C1-973E-678D156CC8C7}"/>
+          </ac:spMkLst>
+        </pc:spChg>
+        <pc:spChg chg="mod">
+          <ac:chgData name="Flavio" userId="acf32d90-2754-4ce4-92d1-4f5cef942a84" providerId="ADAL" clId="{56CF898D-0475-4A64-89D7-9E562B826F4B}" dt="2021-05-05T12:53:19.936" v="3531"/>
+          <ac:spMkLst>
+            <pc:docMk/>
+            <pc:sldMk cId="1576880397" sldId="263"/>
+            <ac:spMk id="92" creationId="{4B62F919-BACA-4AB8-A46E-E4A3FB980FAA}"/>
+          </ac:spMkLst>
+        </pc:spChg>
+        <pc:spChg chg="mod">
+          <ac:chgData name="Flavio" userId="acf32d90-2754-4ce4-92d1-4f5cef942a84" providerId="ADAL" clId="{56CF898D-0475-4A64-89D7-9E562B826F4B}" dt="2021-05-05T12:53:19.936" v="3531"/>
+          <ac:spMkLst>
+            <pc:docMk/>
+            <pc:sldMk cId="1576880397" sldId="263"/>
+            <ac:spMk id="93" creationId="{B092ED4D-E7CD-4F8B-A09C-38914CCAC3EF}"/>
+          </ac:spMkLst>
+        </pc:spChg>
+        <pc:spChg chg="mod">
+          <ac:chgData name="Flavio" userId="acf32d90-2754-4ce4-92d1-4f5cef942a84" providerId="ADAL" clId="{56CF898D-0475-4A64-89D7-9E562B826F4B}" dt="2021-05-05T12:53:19.936" v="3531"/>
+          <ac:spMkLst>
+            <pc:docMk/>
+            <pc:sldMk cId="1576880397" sldId="263"/>
+            <ac:spMk id="94" creationId="{06EC2B4F-EF63-4C12-8EF4-2BFF5C5EA0A8}"/>
+          </ac:spMkLst>
+        </pc:spChg>
+        <pc:spChg chg="add mod">
+          <ac:chgData name="Flavio" userId="acf32d90-2754-4ce4-92d1-4f5cef942a84" providerId="ADAL" clId="{56CF898D-0475-4A64-89D7-9E562B826F4B}" dt="2021-05-05T12:53:22.814" v="3532" actId="1076"/>
+          <ac:spMkLst>
+            <pc:docMk/>
+            <pc:sldMk cId="1576880397" sldId="263"/>
+            <ac:spMk id="96" creationId="{47B173D7-13D3-4597-B82F-821DAB05B516}"/>
+          </ac:spMkLst>
+        </pc:spChg>
+        <pc:spChg chg="add mod">
+          <ac:chgData name="Flavio" userId="acf32d90-2754-4ce4-92d1-4f5cef942a84" providerId="ADAL" clId="{56CF898D-0475-4A64-89D7-9E562B826F4B}" dt="2021-05-05T12:53:22.814" v="3532" actId="1076"/>
+          <ac:spMkLst>
+            <pc:docMk/>
+            <pc:sldMk cId="1576880397" sldId="263"/>
+            <ac:spMk id="97" creationId="{6B79F972-4C72-489B-AD68-0D75A289E3EE}"/>
+          </ac:spMkLst>
+        </pc:spChg>
+        <pc:spChg chg="add mod">
+          <ac:chgData name="Flavio" userId="acf32d90-2754-4ce4-92d1-4f5cef942a84" providerId="ADAL" clId="{56CF898D-0475-4A64-89D7-9E562B826F4B}" dt="2021-05-05T12:53:22.814" v="3532" actId="1076"/>
+          <ac:spMkLst>
+            <pc:docMk/>
+            <pc:sldMk cId="1576880397" sldId="263"/>
+            <ac:spMk id="99" creationId="{5BCCDC2E-2ED8-4D2E-A522-7105D66898CE}"/>
+          </ac:spMkLst>
+        </pc:spChg>
+        <pc:spChg chg="del">
+          <ac:chgData name="Flavio" userId="acf32d90-2754-4ce4-92d1-4f5cef942a84" providerId="ADAL" clId="{56CF898D-0475-4A64-89D7-9E562B826F4B}" dt="2021-05-05T12:51:20.839" v="3515" actId="478"/>
+          <ac:spMkLst>
+            <pc:docMk/>
+            <pc:sldMk cId="1576880397" sldId="263"/>
+            <ac:spMk id="115" creationId="{9C81AB14-4144-45AC-A3AD-E16EC87EE092}"/>
+          </ac:spMkLst>
+        </pc:spChg>
+        <pc:spChg chg="del">
+          <ac:chgData name="Flavio" userId="acf32d90-2754-4ce4-92d1-4f5cef942a84" providerId="ADAL" clId="{56CF898D-0475-4A64-89D7-9E562B826F4B}" dt="2021-05-05T12:51:20.839" v="3515" actId="478"/>
+          <ac:spMkLst>
+            <pc:docMk/>
+            <pc:sldMk cId="1576880397" sldId="263"/>
+            <ac:spMk id="119" creationId="{52B6320E-2914-417C-A6AB-FC09E2F77F94}"/>
+          </ac:spMkLst>
+        </pc:spChg>
+        <pc:spChg chg="del">
+          <ac:chgData name="Flavio" userId="acf32d90-2754-4ce4-92d1-4f5cef942a84" providerId="ADAL" clId="{56CF898D-0475-4A64-89D7-9E562B826F4B}" dt="2021-05-05T12:51:20.839" v="3515" actId="478"/>
+          <ac:spMkLst>
+            <pc:docMk/>
+            <pc:sldMk cId="1576880397" sldId="263"/>
+            <ac:spMk id="123" creationId="{74D4B7F0-AA20-4085-8970-66BBD045874A}"/>
+          </ac:spMkLst>
+        </pc:spChg>
+        <pc:spChg chg="del">
+          <ac:chgData name="Flavio" userId="acf32d90-2754-4ce4-92d1-4f5cef942a84" providerId="ADAL" clId="{56CF898D-0475-4A64-89D7-9E562B826F4B}" dt="2021-05-05T12:51:20.839" v="3515" actId="478"/>
+          <ac:spMkLst>
+            <pc:docMk/>
+            <pc:sldMk cId="1576880397" sldId="263"/>
+            <ac:spMk id="132" creationId="{2184879A-6C30-40CE-B0B9-210E18DBF130}"/>
+          </ac:spMkLst>
+        </pc:spChg>
+        <pc:spChg chg="del">
+          <ac:chgData name="Flavio" userId="acf32d90-2754-4ce4-92d1-4f5cef942a84" providerId="ADAL" clId="{56CF898D-0475-4A64-89D7-9E562B826F4B}" dt="2021-05-05T12:51:20.839" v="3515" actId="478"/>
+          <ac:spMkLst>
+            <pc:docMk/>
+            <pc:sldMk cId="1576880397" sldId="263"/>
+            <ac:spMk id="147" creationId="{A642CE1E-3A83-4978-B0F5-BBCDF3591781}"/>
+          </ac:spMkLst>
+        </pc:spChg>
+        <pc:grpChg chg="add mod">
+          <ac:chgData name="Flavio" userId="acf32d90-2754-4ce4-92d1-4f5cef942a84" providerId="ADAL" clId="{56CF898D-0475-4A64-89D7-9E562B826F4B}" dt="2021-05-05T12:53:22.814" v="3532" actId="1076"/>
+          <ac:grpSpMkLst>
+            <pc:docMk/>
+            <pc:sldMk cId="1576880397" sldId="263"/>
+            <ac:grpSpMk id="70" creationId="{D49BA408-501B-4ECD-B501-6BCE8707695C}"/>
+          </ac:grpSpMkLst>
+        </pc:grpChg>
+        <pc:grpChg chg="add mod">
+          <ac:chgData name="Flavio" userId="acf32d90-2754-4ce4-92d1-4f5cef942a84" providerId="ADAL" clId="{56CF898D-0475-4A64-89D7-9E562B826F4B}" dt="2021-05-05T12:53:22.814" v="3532" actId="1076"/>
+          <ac:grpSpMkLst>
+            <pc:docMk/>
+            <pc:sldMk cId="1576880397" sldId="263"/>
+            <ac:grpSpMk id="76" creationId="{2041CF00-122E-417D-B31A-218B6CFEAE05}"/>
+          </ac:grpSpMkLst>
+        </pc:grpChg>
+        <pc:grpChg chg="add mod">
+          <ac:chgData name="Flavio" userId="acf32d90-2754-4ce4-92d1-4f5cef942a84" providerId="ADAL" clId="{56CF898D-0475-4A64-89D7-9E562B826F4B}" dt="2021-05-05T12:53:22.814" v="3532" actId="1076"/>
+          <ac:grpSpMkLst>
+            <pc:docMk/>
+            <pc:sldMk cId="1576880397" sldId="263"/>
+            <ac:grpSpMk id="91" creationId="{1C302873-EEEF-4AAD-A7A5-D8DC71BC38D2}"/>
+          </ac:grpSpMkLst>
+        </pc:grpChg>
+        <pc:grpChg chg="del">
+          <ac:chgData name="Flavio" userId="acf32d90-2754-4ce4-92d1-4f5cef942a84" providerId="ADAL" clId="{56CF898D-0475-4A64-89D7-9E562B826F4B}" dt="2021-05-05T12:51:20.839" v="3515" actId="478"/>
+          <ac:grpSpMkLst>
+            <pc:docMk/>
+            <pc:sldMk cId="1576880397" sldId="263"/>
+            <ac:grpSpMk id="103" creationId="{F9E43047-52C7-46E8-8838-B03E8F271735}"/>
+          </ac:grpSpMkLst>
+        </pc:grpChg>
+        <pc:cxnChg chg="del mod">
+          <ac:chgData name="Flavio" userId="acf32d90-2754-4ce4-92d1-4f5cef942a84" providerId="ADAL" clId="{56CF898D-0475-4A64-89D7-9E562B826F4B}" dt="2021-05-05T12:51:24.593" v="3517" actId="478"/>
+          <ac:cxnSpMkLst>
+            <pc:docMk/>
+            <pc:sldMk cId="1576880397" sldId="263"/>
+            <ac:cxnSpMk id="12" creationId="{702D5EAD-F4E2-42F5-B775-385E16187EE9}"/>
+          </ac:cxnSpMkLst>
+        </pc:cxnChg>
+        <pc:cxnChg chg="del">
+          <ac:chgData name="Flavio" userId="acf32d90-2754-4ce4-92d1-4f5cef942a84" providerId="ADAL" clId="{56CF898D-0475-4A64-89D7-9E562B826F4B}" dt="2021-05-05T12:51:20.839" v="3515" actId="478"/>
+          <ac:cxnSpMkLst>
+            <pc:docMk/>
+            <pc:sldMk cId="1576880397" sldId="263"/>
+            <ac:cxnSpMk id="26" creationId="{BB00128A-34ED-41E0-8ED7-DAB6CAC02092}"/>
+          </ac:cxnSpMkLst>
+        </pc:cxnChg>
+        <pc:cxnChg chg="del">
+          <ac:chgData name="Flavio" userId="acf32d90-2754-4ce4-92d1-4f5cef942a84" providerId="ADAL" clId="{56CF898D-0475-4A64-89D7-9E562B826F4B}" dt="2021-05-05T12:51:20.839" v="3515" actId="478"/>
+          <ac:cxnSpMkLst>
+            <pc:docMk/>
+            <pc:sldMk cId="1576880397" sldId="263"/>
+            <ac:cxnSpMk id="69" creationId="{E237715D-46F0-4A95-BE63-5DED626C7E05}"/>
+          </ac:cxnSpMkLst>
+        </pc:cxnChg>
+        <pc:cxnChg chg="del">
+          <ac:chgData name="Flavio" userId="acf32d90-2754-4ce4-92d1-4f5cef942a84" providerId="ADAL" clId="{56CF898D-0475-4A64-89D7-9E562B826F4B}" dt="2021-05-05T12:51:20.839" v="3515" actId="478"/>
+          <ac:cxnSpMkLst>
+            <pc:docMk/>
+            <pc:sldMk cId="1576880397" sldId="263"/>
+            <ac:cxnSpMk id="72" creationId="{799081E0-1D7C-4810-8C00-69EE33A46A8B}"/>
+          </ac:cxnSpMkLst>
+        </pc:cxnChg>
+        <pc:cxnChg chg="del">
+          <ac:chgData name="Flavio" userId="acf32d90-2754-4ce4-92d1-4f5cef942a84" providerId="ADAL" clId="{56CF898D-0475-4A64-89D7-9E562B826F4B}" dt="2021-05-05T12:51:20.839" v="3515" actId="478"/>
+          <ac:cxnSpMkLst>
+            <pc:docMk/>
+            <pc:sldMk cId="1576880397" sldId="263"/>
+            <ac:cxnSpMk id="73" creationId="{6058B45A-52B7-43E2-9BA8-969B7E2127E2}"/>
+          </ac:cxnSpMkLst>
+        </pc:cxnChg>
+        <pc:cxnChg chg="del">
+          <ac:chgData name="Flavio" userId="acf32d90-2754-4ce4-92d1-4f5cef942a84" providerId="ADAL" clId="{56CF898D-0475-4A64-89D7-9E562B826F4B}" dt="2021-05-05T12:51:20.839" v="3515" actId="478"/>
+          <ac:cxnSpMkLst>
+            <pc:docMk/>
+            <pc:sldMk cId="1576880397" sldId="263"/>
+            <ac:cxnSpMk id="81" creationId="{A8988F9C-E65B-4CE4-9F9D-60C34DAD7611}"/>
+          </ac:cxnSpMkLst>
+        </pc:cxnChg>
+        <pc:cxnChg chg="del">
+          <ac:chgData name="Flavio" userId="acf32d90-2754-4ce4-92d1-4f5cef942a84" providerId="ADAL" clId="{56CF898D-0475-4A64-89D7-9E562B826F4B}" dt="2021-05-05T12:51:20.839" v="3515" actId="478"/>
+          <ac:cxnSpMkLst>
+            <pc:docMk/>
+            <pc:sldMk cId="1576880397" sldId="263"/>
+            <ac:cxnSpMk id="82" creationId="{7B92DDFA-121F-4789-8F69-3429402AB189}"/>
+          </ac:cxnSpMkLst>
+        </pc:cxnChg>
+        <pc:cxnChg chg="del">
+          <ac:chgData name="Flavio" userId="acf32d90-2754-4ce4-92d1-4f5cef942a84" providerId="ADAL" clId="{56CF898D-0475-4A64-89D7-9E562B826F4B}" dt="2021-05-05T12:51:20.839" v="3515" actId="478"/>
+          <ac:cxnSpMkLst>
+            <pc:docMk/>
+            <pc:sldMk cId="1576880397" sldId="263"/>
+            <ac:cxnSpMk id="83" creationId="{D0C51BC7-DC35-4878-97E3-932674D383BE}"/>
+          </ac:cxnSpMkLst>
+        </pc:cxnChg>
+        <pc:cxnChg chg="del">
+          <ac:chgData name="Flavio" userId="acf32d90-2754-4ce4-92d1-4f5cef942a84" providerId="ADAL" clId="{56CF898D-0475-4A64-89D7-9E562B826F4B}" dt="2021-05-05T12:51:20.839" v="3515" actId="478"/>
+          <ac:cxnSpMkLst>
+            <pc:docMk/>
+            <pc:sldMk cId="1576880397" sldId="263"/>
+            <ac:cxnSpMk id="84" creationId="{5E5F4866-7258-4150-B30A-74C4EBD085CC}"/>
+          </ac:cxnSpMkLst>
+        </pc:cxnChg>
+        <pc:cxnChg chg="del">
+          <ac:chgData name="Flavio" userId="acf32d90-2754-4ce4-92d1-4f5cef942a84" providerId="ADAL" clId="{56CF898D-0475-4A64-89D7-9E562B826F4B}" dt="2021-05-05T12:51:20.839" v="3515" actId="478"/>
+          <ac:cxnSpMkLst>
+            <pc:docMk/>
+            <pc:sldMk cId="1576880397" sldId="263"/>
+            <ac:cxnSpMk id="85" creationId="{8244701F-A607-4312-B127-91CD021C1204}"/>
+          </ac:cxnSpMkLst>
+        </pc:cxnChg>
+        <pc:cxnChg chg="del">
+          <ac:chgData name="Flavio" userId="acf32d90-2754-4ce4-92d1-4f5cef942a84" providerId="ADAL" clId="{56CF898D-0475-4A64-89D7-9E562B826F4B}" dt="2021-05-05T12:51:20.839" v="3515" actId="478"/>
+          <ac:cxnSpMkLst>
+            <pc:docMk/>
+            <pc:sldMk cId="1576880397" sldId="263"/>
+            <ac:cxnSpMk id="86" creationId="{1485CAA7-2089-46D2-A1BC-035EAADD2E09}"/>
+          </ac:cxnSpMkLst>
+        </pc:cxnChg>
+        <pc:cxnChg chg="del">
+          <ac:chgData name="Flavio" userId="acf32d90-2754-4ce4-92d1-4f5cef942a84" providerId="ADAL" clId="{56CF898D-0475-4A64-89D7-9E562B826F4B}" dt="2021-05-05T12:51:20.839" v="3515" actId="478"/>
+          <ac:cxnSpMkLst>
+            <pc:docMk/>
+            <pc:sldMk cId="1576880397" sldId="263"/>
+            <ac:cxnSpMk id="87" creationId="{CAEC43BA-2AB5-461B-B8F3-E661A49715C4}"/>
+          </ac:cxnSpMkLst>
+        </pc:cxnChg>
+        <pc:cxnChg chg="del">
+          <ac:chgData name="Flavio" userId="acf32d90-2754-4ce4-92d1-4f5cef942a84" providerId="ADAL" clId="{56CF898D-0475-4A64-89D7-9E562B826F4B}" dt="2021-05-05T12:51:20.839" v="3515" actId="478"/>
+          <ac:cxnSpMkLst>
+            <pc:docMk/>
+            <pc:sldMk cId="1576880397" sldId="263"/>
+            <ac:cxnSpMk id="88" creationId="{9793C93E-337F-48CD-A635-4869CBDD2AF9}"/>
+          </ac:cxnSpMkLst>
+        </pc:cxnChg>
+        <pc:cxnChg chg="del">
+          <ac:chgData name="Flavio" userId="acf32d90-2754-4ce4-92d1-4f5cef942a84" providerId="ADAL" clId="{56CF898D-0475-4A64-89D7-9E562B826F4B}" dt="2021-05-05T12:51:20.839" v="3515" actId="478"/>
+          <ac:cxnSpMkLst>
+            <pc:docMk/>
+            <pc:sldMk cId="1576880397" sldId="263"/>
+            <ac:cxnSpMk id="89" creationId="{7FC8C505-7A0F-4C62-9A89-4BB5B0E141D7}"/>
+          </ac:cxnSpMkLst>
+        </pc:cxnChg>
+        <pc:cxnChg chg="add mod">
+          <ac:chgData name="Flavio" userId="acf32d90-2754-4ce4-92d1-4f5cef942a84" providerId="ADAL" clId="{56CF898D-0475-4A64-89D7-9E562B826F4B}" dt="2021-05-05T12:53:22.814" v="3532" actId="1076"/>
+          <ac:cxnSpMkLst>
+            <pc:docMk/>
+            <pc:sldMk cId="1576880397" sldId="263"/>
+            <ac:cxnSpMk id="95" creationId="{79AA8D9B-A7F0-4C87-A1AB-2355C40FCDC2}"/>
+          </ac:cxnSpMkLst>
+        </pc:cxnChg>
+        <pc:cxnChg chg="add mod">
+          <ac:chgData name="Flavio" userId="acf32d90-2754-4ce4-92d1-4f5cef942a84" providerId="ADAL" clId="{56CF898D-0475-4A64-89D7-9E562B826F4B}" dt="2021-05-05T12:53:22.814" v="3532" actId="1076"/>
+          <ac:cxnSpMkLst>
+            <pc:docMk/>
+            <pc:sldMk cId="1576880397" sldId="263"/>
+            <ac:cxnSpMk id="98" creationId="{C2DB9255-89A5-482E-98EB-FA999031E0AE}"/>
+          </ac:cxnSpMkLst>
+        </pc:cxnChg>
+        <pc:cxnChg chg="add mod">
+          <ac:chgData name="Flavio" userId="acf32d90-2754-4ce4-92d1-4f5cef942a84" providerId="ADAL" clId="{56CF898D-0475-4A64-89D7-9E562B826F4B}" dt="2021-05-05T12:53:22.814" v="3532" actId="1076"/>
+          <ac:cxnSpMkLst>
+            <pc:docMk/>
+            <pc:sldMk cId="1576880397" sldId="263"/>
+            <ac:cxnSpMk id="100" creationId="{443A1C10-9EEF-4469-9B43-9ED12B0A5146}"/>
+          </ac:cxnSpMkLst>
+        </pc:cxnChg>
+        <pc:cxnChg chg="del">
+          <ac:chgData name="Flavio" userId="acf32d90-2754-4ce4-92d1-4f5cef942a84" providerId="ADAL" clId="{56CF898D-0475-4A64-89D7-9E562B826F4B}" dt="2021-05-05T12:51:20.839" v="3515" actId="478"/>
+          <ac:cxnSpMkLst>
+            <pc:docMk/>
+            <pc:sldMk cId="1576880397" sldId="263"/>
+            <ac:cxnSpMk id="101" creationId="{FBE4C2A4-157E-429B-855A-62664BD98385}"/>
+          </ac:cxnSpMkLst>
+        </pc:cxnChg>
+        <pc:cxnChg chg="del">
+          <ac:chgData name="Flavio" userId="acf32d90-2754-4ce4-92d1-4f5cef942a84" providerId="ADAL" clId="{56CF898D-0475-4A64-89D7-9E562B826F4B}" dt="2021-05-05T12:51:20.839" v="3515" actId="478"/>
+          <ac:cxnSpMkLst>
+            <pc:docMk/>
+            <pc:sldMk cId="1576880397" sldId="263"/>
+            <ac:cxnSpMk id="102" creationId="{42A9AE9C-1CC2-4D00-B81D-EE9437B36E87}"/>
+          </ac:cxnSpMkLst>
+        </pc:cxnChg>
+        <pc:cxnChg chg="add mod">
+          <ac:chgData name="Flavio" userId="acf32d90-2754-4ce4-92d1-4f5cef942a84" providerId="ADAL" clId="{56CF898D-0475-4A64-89D7-9E562B826F4B}" dt="2021-05-05T12:53:22.814" v="3532" actId="1076"/>
+          <ac:cxnSpMkLst>
+            <pc:docMk/>
+            <pc:sldMk cId="1576880397" sldId="263"/>
+            <ac:cxnSpMk id="104" creationId="{118A4BF3-9967-4782-9B1F-04B17BCC54BC}"/>
+          </ac:cxnSpMkLst>
+        </pc:cxnChg>
+        <pc:cxnChg chg="add mod">
+          <ac:chgData name="Flavio" userId="acf32d90-2754-4ce4-92d1-4f5cef942a84" providerId="ADAL" clId="{56CF898D-0475-4A64-89D7-9E562B826F4B}" dt="2021-05-05T12:53:22.814" v="3532" actId="1076"/>
+          <ac:cxnSpMkLst>
+            <pc:docMk/>
+            <pc:sldMk cId="1576880397" sldId="263"/>
+            <ac:cxnSpMk id="105" creationId="{942B09EF-1135-4A2D-819A-273CB881310B}"/>
+          </ac:cxnSpMkLst>
+        </pc:cxnChg>
+        <pc:cxnChg chg="add mod">
+          <ac:chgData name="Flavio" userId="acf32d90-2754-4ce4-92d1-4f5cef942a84" providerId="ADAL" clId="{56CF898D-0475-4A64-89D7-9E562B826F4B}" dt="2021-05-05T12:53:22.814" v="3532" actId="1076"/>
+          <ac:cxnSpMkLst>
+            <pc:docMk/>
+            <pc:sldMk cId="1576880397" sldId="263"/>
+            <ac:cxnSpMk id="107" creationId="{9D14A3A9-9D86-4CCB-B9A8-30473FB673DD}"/>
+          </ac:cxnSpMkLst>
+        </pc:cxnChg>
+        <pc:cxnChg chg="add mod">
+          <ac:chgData name="Flavio" userId="acf32d90-2754-4ce4-92d1-4f5cef942a84" providerId="ADAL" clId="{56CF898D-0475-4A64-89D7-9E562B826F4B}" dt="2021-05-05T12:53:22.814" v="3532" actId="1076"/>
+          <ac:cxnSpMkLst>
+            <pc:docMk/>
+            <pc:sldMk cId="1576880397" sldId="263"/>
+            <ac:cxnSpMk id="108" creationId="{DE54E92B-77E2-4962-9FF9-82176AB4774A}"/>
+          </ac:cxnSpMkLst>
+        </pc:cxnChg>
+        <pc:cxnChg chg="add mod">
+          <ac:chgData name="Flavio" userId="acf32d90-2754-4ce4-92d1-4f5cef942a84" providerId="ADAL" clId="{56CF898D-0475-4A64-89D7-9E562B826F4B}" dt="2021-05-05T12:53:22.814" v="3532" actId="1076"/>
+          <ac:cxnSpMkLst>
+            <pc:docMk/>
+            <pc:sldMk cId="1576880397" sldId="263"/>
+            <ac:cxnSpMk id="110" creationId="{FB6DF7A6-2BD7-41B7-8496-DD820EED56FB}"/>
+          </ac:cxnSpMkLst>
+        </pc:cxnChg>
+        <pc:cxnChg chg="add mod">
+          <ac:chgData name="Flavio" userId="acf32d90-2754-4ce4-92d1-4f5cef942a84" providerId="ADAL" clId="{56CF898D-0475-4A64-89D7-9E562B826F4B}" dt="2021-05-05T12:53:22.814" v="3532" actId="1076"/>
+          <ac:cxnSpMkLst>
+            <pc:docMk/>
+            <pc:sldMk cId="1576880397" sldId="263"/>
+            <ac:cxnSpMk id="111" creationId="{A2E3E6F3-AC91-43BB-BF3E-A4317B09A92A}"/>
+          </ac:cxnSpMkLst>
+        </pc:cxnChg>
+        <pc:cxnChg chg="del">
+          <ac:chgData name="Flavio" userId="acf32d90-2754-4ce4-92d1-4f5cef942a84" providerId="ADAL" clId="{56CF898D-0475-4A64-89D7-9E562B826F4B}" dt="2021-05-05T12:51:20.839" v="3515" actId="478"/>
+          <ac:cxnSpMkLst>
+            <pc:docMk/>
+            <pc:sldMk cId="1576880397" sldId="263"/>
+            <ac:cxnSpMk id="116" creationId="{993EF6DB-F8D4-4338-8E61-4990498FECFC}"/>
+          </ac:cxnSpMkLst>
+        </pc:cxnChg>
+        <pc:cxnChg chg="del">
+          <ac:chgData name="Flavio" userId="acf32d90-2754-4ce4-92d1-4f5cef942a84" providerId="ADAL" clId="{56CF898D-0475-4A64-89D7-9E562B826F4B}" dt="2021-05-05T12:51:20.839" v="3515" actId="478"/>
+          <ac:cxnSpMkLst>
+            <pc:docMk/>
+            <pc:sldMk cId="1576880397" sldId="263"/>
+            <ac:cxnSpMk id="117" creationId="{EEA5D6DD-7B39-4953-8693-28B449318021}"/>
+          </ac:cxnSpMkLst>
+        </pc:cxnChg>
+        <pc:cxnChg chg="del">
+          <ac:chgData name="Flavio" userId="acf32d90-2754-4ce4-92d1-4f5cef942a84" providerId="ADAL" clId="{56CF898D-0475-4A64-89D7-9E562B826F4B}" dt="2021-05-05T12:51:20.839" v="3515" actId="478"/>
+          <ac:cxnSpMkLst>
+            <pc:docMk/>
+            <pc:sldMk cId="1576880397" sldId="263"/>
+            <ac:cxnSpMk id="118" creationId="{A89C5128-26F0-4BA4-B0FF-BBD24D5FEFCF}"/>
+          </ac:cxnSpMkLst>
+        </pc:cxnChg>
+        <pc:cxnChg chg="del">
+          <ac:chgData name="Flavio" userId="acf32d90-2754-4ce4-92d1-4f5cef942a84" providerId="ADAL" clId="{56CF898D-0475-4A64-89D7-9E562B826F4B}" dt="2021-05-05T12:51:20.839" v="3515" actId="478"/>
+          <ac:cxnSpMkLst>
+            <pc:docMk/>
+            <pc:sldMk cId="1576880397" sldId="263"/>
+            <ac:cxnSpMk id="120" creationId="{E0F3E90A-8DC9-4D4A-AC61-865A21AD0A50}"/>
+          </ac:cxnSpMkLst>
+        </pc:cxnChg>
+        <pc:cxnChg chg="del">
+          <ac:chgData name="Flavio" userId="acf32d90-2754-4ce4-92d1-4f5cef942a84" providerId="ADAL" clId="{56CF898D-0475-4A64-89D7-9E562B826F4B}" dt="2021-05-05T12:51:20.839" v="3515" actId="478"/>
+          <ac:cxnSpMkLst>
+            <pc:docMk/>
+            <pc:sldMk cId="1576880397" sldId="263"/>
+            <ac:cxnSpMk id="121" creationId="{9DD12248-0953-40F6-928F-F3DB4771AF65}"/>
+          </ac:cxnSpMkLst>
+        </pc:cxnChg>
+        <pc:cxnChg chg="del">
+          <ac:chgData name="Flavio" userId="acf32d90-2754-4ce4-92d1-4f5cef942a84" providerId="ADAL" clId="{56CF898D-0475-4A64-89D7-9E562B826F4B}" dt="2021-05-05T12:51:20.839" v="3515" actId="478"/>
+          <ac:cxnSpMkLst>
+            <pc:docMk/>
+            <pc:sldMk cId="1576880397" sldId="263"/>
+            <ac:cxnSpMk id="122" creationId="{458071D3-5FBF-42C3-9BF4-A41CEBDC12D6}"/>
+          </ac:cxnSpMkLst>
+        </pc:cxnChg>
+        <pc:cxnChg chg="del mod">
+          <ac:chgData name="Flavio" userId="acf32d90-2754-4ce4-92d1-4f5cef942a84" providerId="ADAL" clId="{56CF898D-0475-4A64-89D7-9E562B826F4B}" dt="2021-05-05T12:51:20.839" v="3515" actId="478"/>
+          <ac:cxnSpMkLst>
+            <pc:docMk/>
+            <pc:sldMk cId="1576880397" sldId="263"/>
+            <ac:cxnSpMk id="124" creationId="{9CBC5745-A1A4-4AA4-B693-989B2ACC8691}"/>
+          </ac:cxnSpMkLst>
+        </pc:cxnChg>
+        <pc:cxnChg chg="add mod">
+          <ac:chgData name="Flavio" userId="acf32d90-2754-4ce4-92d1-4f5cef942a84" providerId="ADAL" clId="{56CF898D-0475-4A64-89D7-9E562B826F4B}" dt="2021-05-05T12:53:22.814" v="3532" actId="1076"/>
+          <ac:cxnSpMkLst>
+            <pc:docMk/>
+            <pc:sldMk cId="1576880397" sldId="263"/>
+            <ac:cxnSpMk id="125" creationId="{9044DC25-4278-4C83-80F9-BC06012A87E8}"/>
+          </ac:cxnSpMkLst>
+        </pc:cxnChg>
+        <pc:cxnChg chg="add mod">
+          <ac:chgData name="Flavio" userId="acf32d90-2754-4ce4-92d1-4f5cef942a84" providerId="ADAL" clId="{56CF898D-0475-4A64-89D7-9E562B826F4B}" dt="2021-05-05T12:53:22.814" v="3532" actId="1076"/>
+          <ac:cxnSpMkLst>
+            <pc:docMk/>
+            <pc:sldMk cId="1576880397" sldId="263"/>
+            <ac:cxnSpMk id="126" creationId="{8A5B6DDB-ADD5-4DC8-ADC2-00663422CC48}"/>
+          </ac:cxnSpMkLst>
+        </pc:cxnChg>
+        <pc:cxnChg chg="add mod">
+          <ac:chgData name="Flavio" userId="acf32d90-2754-4ce4-92d1-4f5cef942a84" providerId="ADAL" clId="{56CF898D-0475-4A64-89D7-9E562B826F4B}" dt="2021-05-05T12:53:22.814" v="3532" actId="1076"/>
+          <ac:cxnSpMkLst>
+            <pc:docMk/>
+            <pc:sldMk cId="1576880397" sldId="263"/>
+            <ac:cxnSpMk id="127" creationId="{D5C5D647-3F95-4448-88A3-BEDE6D456788}"/>
+          </ac:cxnSpMkLst>
+        </pc:cxnChg>
+        <pc:cxnChg chg="del">
+          <ac:chgData name="Flavio" userId="acf32d90-2754-4ce4-92d1-4f5cef942a84" providerId="ADAL" clId="{56CF898D-0475-4A64-89D7-9E562B826F4B}" dt="2021-05-05T12:51:20.839" v="3515" actId="478"/>
+          <ac:cxnSpMkLst>
+            <pc:docMk/>
+            <pc:sldMk cId="1576880397" sldId="263"/>
+            <ac:cxnSpMk id="128" creationId="{41083F9E-1435-4BF7-B944-7ADD0CBBCC61}"/>
+          </ac:cxnSpMkLst>
+        </pc:cxnChg>
+        <pc:cxnChg chg="del">
+          <ac:chgData name="Flavio" userId="acf32d90-2754-4ce4-92d1-4f5cef942a84" providerId="ADAL" clId="{56CF898D-0475-4A64-89D7-9E562B826F4B}" dt="2021-05-05T12:51:20.839" v="3515" actId="478"/>
+          <ac:cxnSpMkLst>
+            <pc:docMk/>
+            <pc:sldMk cId="1576880397" sldId="263"/>
+            <ac:cxnSpMk id="129" creationId="{8B636F1F-A784-4D49-A722-50863268E77C}"/>
+          </ac:cxnSpMkLst>
+        </pc:cxnChg>
+        <pc:cxnChg chg="add mod">
+          <ac:chgData name="Flavio" userId="acf32d90-2754-4ce4-92d1-4f5cef942a84" providerId="ADAL" clId="{56CF898D-0475-4A64-89D7-9E562B826F4B}" dt="2021-05-05T12:53:22.814" v="3532" actId="1076"/>
+          <ac:cxnSpMkLst>
+            <pc:docMk/>
+            <pc:sldMk cId="1576880397" sldId="263"/>
+            <ac:cxnSpMk id="130" creationId="{4BC4284A-90F5-465B-AA7F-26FC87671401}"/>
+          </ac:cxnSpMkLst>
+        </pc:cxnChg>
+        <pc:cxnChg chg="add mod">
+          <ac:chgData name="Flavio" userId="acf32d90-2754-4ce4-92d1-4f5cef942a84" providerId="ADAL" clId="{56CF898D-0475-4A64-89D7-9E562B826F4B}" dt="2021-05-05T12:53:22.814" v="3532" actId="1076"/>
+          <ac:cxnSpMkLst>
+            <pc:docMk/>
+            <pc:sldMk cId="1576880397" sldId="263"/>
+            <ac:cxnSpMk id="131" creationId="{2A4EBF0E-B6B6-4351-821E-A9885552404B}"/>
+          </ac:cxnSpMkLst>
+        </pc:cxnChg>
+        <pc:cxnChg chg="del">
+          <ac:chgData name="Flavio" userId="acf32d90-2754-4ce4-92d1-4f5cef942a84" providerId="ADAL" clId="{56CF898D-0475-4A64-89D7-9E562B826F4B}" dt="2021-05-05T12:51:20.839" v="3515" actId="478"/>
+          <ac:cxnSpMkLst>
+            <pc:docMk/>
+            <pc:sldMk cId="1576880397" sldId="263"/>
+            <ac:cxnSpMk id="133" creationId="{718B7005-A7F6-4DE6-8D5B-5A2BD34211CF}"/>
+          </ac:cxnSpMkLst>
+        </pc:cxnChg>
+        <pc:cxnChg chg="del">
+          <ac:chgData name="Flavio" userId="acf32d90-2754-4ce4-92d1-4f5cef942a84" providerId="ADAL" clId="{56CF898D-0475-4A64-89D7-9E562B826F4B}" dt="2021-05-05T12:51:20.839" v="3515" actId="478"/>
+          <ac:cxnSpMkLst>
+            <pc:docMk/>
+            <pc:sldMk cId="1576880397" sldId="263"/>
+            <ac:cxnSpMk id="139" creationId="{0F5E1DFF-20E5-46BB-9ACE-8525F9D8D94B}"/>
+          </ac:cxnSpMkLst>
+        </pc:cxnChg>
+        <pc:cxnChg chg="del mod">
+          <ac:chgData name="Flavio" userId="acf32d90-2754-4ce4-92d1-4f5cef942a84" providerId="ADAL" clId="{56CF898D-0475-4A64-89D7-9E562B826F4B}" dt="2021-05-05T12:51:20.839" v="3515" actId="478"/>
+          <ac:cxnSpMkLst>
+            <pc:docMk/>
+            <pc:sldMk cId="1576880397" sldId="263"/>
+            <ac:cxnSpMk id="143" creationId="{A33C2CF4-2A2A-476F-A06A-4B62A36824C5}"/>
+          </ac:cxnSpMkLst>
+        </pc:cxnChg>
+        <pc:cxnChg chg="del">
+          <ac:chgData name="Flavio" userId="acf32d90-2754-4ce4-92d1-4f5cef942a84" providerId="ADAL" clId="{56CF898D-0475-4A64-89D7-9E562B826F4B}" dt="2021-05-05T12:51:20.839" v="3515" actId="478"/>
+          <ac:cxnSpMkLst>
+            <pc:docMk/>
+            <pc:sldMk cId="1576880397" sldId="263"/>
+            <ac:cxnSpMk id="148" creationId="{BD163714-F446-4DD5-B6B9-29F369045D52}"/>
+          </ac:cxnSpMkLst>
+        </pc:cxnChg>
+        <pc:cxnChg chg="del">
+          <ac:chgData name="Flavio" userId="acf32d90-2754-4ce4-92d1-4f5cef942a84" providerId="ADAL" clId="{56CF898D-0475-4A64-89D7-9E562B826F4B}" dt="2021-05-05T12:51:20.839" v="3515" actId="478"/>
+          <ac:cxnSpMkLst>
+            <pc:docMk/>
+            <pc:sldMk cId="1576880397" sldId="263"/>
+            <ac:cxnSpMk id="150" creationId="{2405E32B-4875-4325-B685-8522D0D99CF9}"/>
+          </ac:cxnSpMkLst>
+        </pc:cxnChg>
+        <pc:cxnChg chg="del mod">
+          <ac:chgData name="Flavio" userId="acf32d90-2754-4ce4-92d1-4f5cef942a84" providerId="ADAL" clId="{56CF898D-0475-4A64-89D7-9E562B826F4B}" dt="2021-05-05T12:51:20.839" v="3515" actId="478"/>
+          <ac:cxnSpMkLst>
+            <pc:docMk/>
+            <pc:sldMk cId="1576880397" sldId="263"/>
+            <ac:cxnSpMk id="152" creationId="{D55D6756-5AAF-4DF1-9B39-752578C555B7}"/>
+          </ac:cxnSpMkLst>
+        </pc:cxnChg>
+        <pc:cxnChg chg="del">
+          <ac:chgData name="Flavio" userId="acf32d90-2754-4ce4-92d1-4f5cef942a84" providerId="ADAL" clId="{56CF898D-0475-4A64-89D7-9E562B826F4B}" dt="2021-05-05T12:51:20.839" v="3515" actId="478"/>
+          <ac:cxnSpMkLst>
+            <pc:docMk/>
+            <pc:sldMk cId="1576880397" sldId="263"/>
+            <ac:cxnSpMk id="155" creationId="{5A050444-A4D0-4171-B878-606DCB110161}"/>
+          </ac:cxnSpMkLst>
+        </pc:cxnChg>
+        <pc:cxnChg chg="del">
+          <ac:chgData name="Flavio" userId="acf32d90-2754-4ce4-92d1-4f5cef942a84" providerId="ADAL" clId="{56CF898D-0475-4A64-89D7-9E562B826F4B}" dt="2021-05-05T12:51:23.657" v="3516" actId="478"/>
+          <ac:cxnSpMkLst>
+            <pc:docMk/>
+            <pc:sldMk cId="1576880397" sldId="263"/>
+            <ac:cxnSpMk id="160" creationId="{07B8084E-6051-4CA5-8426-2A65850CF103}"/>
+          </ac:cxnSpMkLst>
+        </pc:cxnChg>
+        <pc:cxnChg chg="del">
+          <ac:chgData name="Flavio" userId="acf32d90-2754-4ce4-92d1-4f5cef942a84" providerId="ADAL" clId="{56CF898D-0475-4A64-89D7-9E562B826F4B}" dt="2021-05-05T12:51:20.839" v="3515" actId="478"/>
+          <ac:cxnSpMkLst>
+            <pc:docMk/>
+            <pc:sldMk cId="1576880397" sldId="263"/>
+            <ac:cxnSpMk id="175" creationId="{715C0E83-5489-4EC0-A400-0AA0240C4384}"/>
+          </ac:cxnSpMkLst>
+        </pc:cxnChg>
+        <pc:cxnChg chg="del">
+          <ac:chgData name="Flavio" userId="acf32d90-2754-4ce4-92d1-4f5cef942a84" providerId="ADAL" clId="{56CF898D-0475-4A64-89D7-9E562B826F4B}" dt="2021-05-05T12:51:20.839" v="3515" actId="478"/>
+          <ac:cxnSpMkLst>
+            <pc:docMk/>
+            <pc:sldMk cId="1576880397" sldId="263"/>
+            <ac:cxnSpMk id="176" creationId="{4B6B6B71-8381-44A1-9495-87C7CA102CC9}"/>
+          </ac:cxnSpMkLst>
+        </pc:cxnChg>
+      </pc:sldChg>
+      <pc:sldChg chg="addSp delSp modSp add mod">
+        <pc:chgData name="Flavio" userId="acf32d90-2754-4ce4-92d1-4f5cef942a84" providerId="ADAL" clId="{56CF898D-0475-4A64-89D7-9E562B826F4B}" dt="2021-05-05T15:01:30.243" v="3798" actId="478"/>
+        <pc:sldMkLst>
+          <pc:docMk/>
+          <pc:sldMk cId="2262351759" sldId="263"/>
+        </pc:sldMkLst>
+        <pc:spChg chg="del">
+          <ac:chgData name="Flavio" userId="acf32d90-2754-4ce4-92d1-4f5cef942a84" providerId="ADAL" clId="{56CF898D-0475-4A64-89D7-9E562B826F4B}" dt="2021-05-05T14:59:47.208" v="3795" actId="478"/>
+          <ac:spMkLst>
+            <pc:docMk/>
+            <pc:sldMk cId="2262351759" sldId="263"/>
+            <ac:spMk id="4" creationId="{D8135A24-C0D2-4E99-AFFF-BC880D6EAED3}"/>
+          </ac:spMkLst>
+        </pc:spChg>
+        <pc:spChg chg="del">
+          <ac:chgData name="Flavio" userId="acf32d90-2754-4ce4-92d1-4f5cef942a84" providerId="ADAL" clId="{56CF898D-0475-4A64-89D7-9E562B826F4B}" dt="2021-05-05T14:59:47.208" v="3795" actId="478"/>
+          <ac:spMkLst>
+            <pc:docMk/>
+            <pc:sldMk cId="2262351759" sldId="263"/>
+            <ac:spMk id="5" creationId="{70BDC4F8-79ED-41AC-9E28-684C5461E721}"/>
+          </ac:spMkLst>
+        </pc:spChg>
+        <pc:spChg chg="del">
+          <ac:chgData name="Flavio" userId="acf32d90-2754-4ce4-92d1-4f5cef942a84" providerId="ADAL" clId="{56CF898D-0475-4A64-89D7-9E562B826F4B}" dt="2021-05-05T14:59:47.208" v="3795" actId="478"/>
+          <ac:spMkLst>
+            <pc:docMk/>
+            <pc:sldMk cId="2262351759" sldId="263"/>
+            <ac:spMk id="6" creationId="{83C9B082-74DB-480A-8244-A9A1F292C15A}"/>
+          </ac:spMkLst>
+        </pc:spChg>
+        <pc:spChg chg="add del mod">
+          <ac:chgData name="Flavio" userId="acf32d90-2754-4ce4-92d1-4f5cef942a84" providerId="ADAL" clId="{56CF898D-0475-4A64-89D7-9E562B826F4B}" dt="2021-05-05T15:01:30.243" v="3798" actId="478"/>
+          <ac:spMkLst>
+            <pc:docMk/>
+            <pc:sldMk cId="2262351759" sldId="263"/>
+            <ac:spMk id="7" creationId="{A528D114-2A58-47FA-B4EC-6282A0320004}"/>
+          </ac:spMkLst>
+        </pc:spChg>
+        <pc:spChg chg="del">
+          <ac:chgData name="Flavio" userId="acf32d90-2754-4ce4-92d1-4f5cef942a84" providerId="ADAL" clId="{56CF898D-0475-4A64-89D7-9E562B826F4B}" dt="2021-05-05T14:59:47.208" v="3795" actId="478"/>
+          <ac:spMkLst>
+            <pc:docMk/>
+            <pc:sldMk cId="2262351759" sldId="263"/>
+            <ac:spMk id="8" creationId="{9F9CD2B6-2973-4993-B3C6-521792EC414B}"/>
+          </ac:spMkLst>
+        </pc:spChg>
+        <pc:spChg chg="del">
+          <ac:chgData name="Flavio" userId="acf32d90-2754-4ce4-92d1-4f5cef942a84" providerId="ADAL" clId="{56CF898D-0475-4A64-89D7-9E562B826F4B}" dt="2021-05-05T14:59:47.208" v="3795" actId="478"/>
+          <ac:spMkLst>
+            <pc:docMk/>
+            <pc:sldMk cId="2262351759" sldId="263"/>
+            <ac:spMk id="10" creationId="{3D2A2ACD-B0C8-480C-8E53-2476B348FE01}"/>
+          </ac:spMkLst>
+        </pc:spChg>
+        <pc:spChg chg="del">
+          <ac:chgData name="Flavio" userId="acf32d90-2754-4ce4-92d1-4f5cef942a84" providerId="ADAL" clId="{56CF898D-0475-4A64-89D7-9E562B826F4B}" dt="2021-05-05T14:59:47.208" v="3795" actId="478"/>
+          <ac:spMkLst>
+            <pc:docMk/>
+            <pc:sldMk cId="2262351759" sldId="263"/>
+            <ac:spMk id="11" creationId="{A2D60CD9-49E9-427D-A127-300AD6DB5137}"/>
+          </ac:spMkLst>
+        </pc:spChg>
+        <pc:spChg chg="del">
+          <ac:chgData name="Flavio" userId="acf32d90-2754-4ce4-92d1-4f5cef942a84" providerId="ADAL" clId="{56CF898D-0475-4A64-89D7-9E562B826F4B}" dt="2021-05-05T14:59:47.208" v="3795" actId="478"/>
+          <ac:spMkLst>
+            <pc:docMk/>
+            <pc:sldMk cId="2262351759" sldId="263"/>
+            <ac:spMk id="26" creationId="{A2CB325C-B344-4FCD-B932-CFD91C2143CE}"/>
+          </ac:spMkLst>
+        </pc:spChg>
+        <pc:spChg chg="del">
+          <ac:chgData name="Flavio" userId="acf32d90-2754-4ce4-92d1-4f5cef942a84" providerId="ADAL" clId="{56CF898D-0475-4A64-89D7-9E562B826F4B}" dt="2021-05-05T14:59:47.208" v="3795" actId="478"/>
+          <ac:spMkLst>
+            <pc:docMk/>
+            <pc:sldMk cId="2262351759" sldId="263"/>
+            <ac:spMk id="45" creationId="{1084C39E-D7F4-4DA6-93F4-B217E0ECEA57}"/>
+          </ac:spMkLst>
+        </pc:spChg>
+        <pc:spChg chg="del">
+          <ac:chgData name="Flavio" userId="acf32d90-2754-4ce4-92d1-4f5cef942a84" providerId="ADAL" clId="{56CF898D-0475-4A64-89D7-9E562B826F4B}" dt="2021-05-05T14:59:47.208" v="3795" actId="478"/>
+          <ac:spMkLst>
+            <pc:docMk/>
+            <pc:sldMk cId="2262351759" sldId="263"/>
+            <ac:spMk id="50" creationId="{E68E2D64-B25E-4803-A6F5-2EED507A0171}"/>
+          </ac:spMkLst>
+        </pc:spChg>
+        <pc:spChg chg="del">
+          <ac:chgData name="Flavio" userId="acf32d90-2754-4ce4-92d1-4f5cef942a84" providerId="ADAL" clId="{56CF898D-0475-4A64-89D7-9E562B826F4B}" dt="2021-05-05T14:59:47.208" v="3795" actId="478"/>
+          <ac:spMkLst>
+            <pc:docMk/>
+            <pc:sldMk cId="2262351759" sldId="263"/>
+            <ac:spMk id="65" creationId="{DB9E3F68-3539-4442-8BA3-7298C4AA11E9}"/>
+          </ac:spMkLst>
+        </pc:spChg>
+        <pc:spChg chg="del">
+          <ac:chgData name="Flavio" userId="acf32d90-2754-4ce4-92d1-4f5cef942a84" providerId="ADAL" clId="{56CF898D-0475-4A64-89D7-9E562B826F4B}" dt="2021-05-05T14:59:47.208" v="3795" actId="478"/>
+          <ac:spMkLst>
+            <pc:docMk/>
+            <pc:sldMk cId="2262351759" sldId="263"/>
+            <ac:spMk id="70" creationId="{22630E79-2BA6-426D-9343-7DC3F90321C0}"/>
+          </ac:spMkLst>
+        </pc:spChg>
+        <pc:spChg chg="del">
+          <ac:chgData name="Flavio" userId="acf32d90-2754-4ce4-92d1-4f5cef942a84" providerId="ADAL" clId="{56CF898D-0475-4A64-89D7-9E562B826F4B}" dt="2021-05-05T14:59:47.208" v="3795" actId="478"/>
+          <ac:spMkLst>
+            <pc:docMk/>
+            <pc:sldMk cId="2262351759" sldId="263"/>
+            <ac:spMk id="72" creationId="{A5BDA776-49BB-4205-B8FA-3A6D10280CC5}"/>
+          </ac:spMkLst>
+        </pc:spChg>
+        <pc:spChg chg="del">
+          <ac:chgData name="Flavio" userId="acf32d90-2754-4ce4-92d1-4f5cef942a84" providerId="ADAL" clId="{56CF898D-0475-4A64-89D7-9E562B826F4B}" dt="2021-05-05T14:59:47.208" v="3795" actId="478"/>
+          <ac:spMkLst>
+            <pc:docMk/>
+            <pc:sldMk cId="2262351759" sldId="263"/>
+            <ac:spMk id="74" creationId="{9B587716-2074-438C-AF51-7F7E0A5E8AE6}"/>
+          </ac:spMkLst>
+        </pc:spChg>
+        <pc:spChg chg="del">
+          <ac:chgData name="Flavio" userId="acf32d90-2754-4ce4-92d1-4f5cef942a84" providerId="ADAL" clId="{56CF898D-0475-4A64-89D7-9E562B826F4B}" dt="2021-05-05T14:59:47.208" v="3795" actId="478"/>
+          <ac:spMkLst>
+            <pc:docMk/>
+            <pc:sldMk cId="2262351759" sldId="263"/>
+            <ac:spMk id="75" creationId="{B40CA8D9-23C9-4108-B115-5205902FEAC7}"/>
+          </ac:spMkLst>
+        </pc:spChg>
+        <pc:spChg chg="del">
+          <ac:chgData name="Flavio" userId="acf32d90-2754-4ce4-92d1-4f5cef942a84" providerId="ADAL" clId="{56CF898D-0475-4A64-89D7-9E562B826F4B}" dt="2021-05-05T14:59:47.208" v="3795" actId="478"/>
+          <ac:spMkLst>
+            <pc:docMk/>
+            <pc:sldMk cId="2262351759" sldId="263"/>
+            <ac:spMk id="78" creationId="{1B6D68F1-8A4F-481A-BF62-F30F9BDCC53B}"/>
+          </ac:spMkLst>
+        </pc:spChg>
+        <pc:spChg chg="del">
+          <ac:chgData name="Flavio" userId="acf32d90-2754-4ce4-92d1-4f5cef942a84" providerId="ADAL" clId="{56CF898D-0475-4A64-89D7-9E562B826F4B}" dt="2021-05-05T14:59:47.208" v="3795" actId="478"/>
+          <ac:spMkLst>
+            <pc:docMk/>
+            <pc:sldMk cId="2262351759" sldId="263"/>
+            <ac:spMk id="79" creationId="{163545BC-E8E1-48E6-8CC7-4EC5E64E312B}"/>
+          </ac:spMkLst>
+        </pc:spChg>
+        <pc:spChg chg="del">
+          <ac:chgData name="Flavio" userId="acf32d90-2754-4ce4-92d1-4f5cef942a84" providerId="ADAL" clId="{56CF898D-0475-4A64-89D7-9E562B826F4B}" dt="2021-05-05T14:59:47.208" v="3795" actId="478"/>
+          <ac:spMkLst>
+            <pc:docMk/>
+            <pc:sldMk cId="2262351759" sldId="263"/>
+            <ac:spMk id="80" creationId="{9382CBE5-EFDB-4BB6-9BBB-21EF8E6BA612}"/>
+          </ac:spMkLst>
+        </pc:spChg>
+        <pc:spChg chg="del">
+          <ac:chgData name="Flavio" userId="acf32d90-2754-4ce4-92d1-4f5cef942a84" providerId="ADAL" clId="{56CF898D-0475-4A64-89D7-9E562B826F4B}" dt="2021-05-05T14:59:47.208" v="3795" actId="478"/>
+          <ac:spMkLst>
+            <pc:docMk/>
+            <pc:sldMk cId="2262351759" sldId="263"/>
+            <ac:spMk id="81" creationId="{6827B114-2EDD-4EE3-B1A1-BC7CF9ECFB19}"/>
+          </ac:spMkLst>
+        </pc:spChg>
+        <pc:spChg chg="del">
+          <ac:chgData name="Flavio" userId="acf32d90-2754-4ce4-92d1-4f5cef942a84" providerId="ADAL" clId="{56CF898D-0475-4A64-89D7-9E562B826F4B}" dt="2021-05-05T14:59:47.208" v="3795" actId="478"/>
+          <ac:spMkLst>
+            <pc:docMk/>
+            <pc:sldMk cId="2262351759" sldId="263"/>
+            <ac:spMk id="82" creationId="{45BF9279-FF1B-4E74-8898-D14115367651}"/>
+          </ac:spMkLst>
+        </pc:spChg>
+        <pc:spChg chg="del">
+          <ac:chgData name="Flavio" userId="acf32d90-2754-4ce4-92d1-4f5cef942a84" providerId="ADAL" clId="{56CF898D-0475-4A64-89D7-9E562B826F4B}" dt="2021-05-05T14:59:47.208" v="3795" actId="478"/>
+          <ac:spMkLst>
+            <pc:docMk/>
+            <pc:sldMk cId="2262351759" sldId="263"/>
+            <ac:spMk id="129" creationId="{E002C067-1AEB-4019-9102-10CC2D8FA6FD}"/>
+          </ac:spMkLst>
+        </pc:spChg>
+        <pc:spChg chg="del">
+          <ac:chgData name="Flavio" userId="acf32d90-2754-4ce4-92d1-4f5cef942a84" providerId="ADAL" clId="{56CF898D-0475-4A64-89D7-9E562B826F4B}" dt="2021-05-05T14:59:47.208" v="3795" actId="478"/>
+          <ac:spMkLst>
+            <pc:docMk/>
+            <pc:sldMk cId="2262351759" sldId="263"/>
+            <ac:spMk id="130" creationId="{B0E89FD0-B672-4DBA-86DA-71DCCC252860}"/>
+          </ac:spMkLst>
+        </pc:spChg>
+        <pc:spChg chg="del">
+          <ac:chgData name="Flavio" userId="acf32d90-2754-4ce4-92d1-4f5cef942a84" providerId="ADAL" clId="{56CF898D-0475-4A64-89D7-9E562B826F4B}" dt="2021-05-05T14:59:47.208" v="3795" actId="478"/>
+          <ac:spMkLst>
+            <pc:docMk/>
+            <pc:sldMk cId="2262351759" sldId="263"/>
+            <ac:spMk id="136" creationId="{933FEA34-7034-4BDC-ABAE-E75C39A4CAD8}"/>
+          </ac:spMkLst>
+        </pc:spChg>
+        <pc:grpChg chg="del">
+          <ac:chgData name="Flavio" userId="acf32d90-2754-4ce4-92d1-4f5cef942a84" providerId="ADAL" clId="{56CF898D-0475-4A64-89D7-9E562B826F4B}" dt="2021-05-05T14:59:47.208" v="3795" actId="478"/>
+          <ac:grpSpMkLst>
+            <pc:docMk/>
+            <pc:sldMk cId="2262351759" sldId="263"/>
+            <ac:grpSpMk id="2" creationId="{60CE4256-F021-4A62-8442-621CFBCCFABE}"/>
+          </ac:grpSpMkLst>
+        </pc:grpChg>
+        <pc:grpChg chg="del">
+          <ac:chgData name="Flavio" userId="acf32d90-2754-4ce4-92d1-4f5cef942a84" providerId="ADAL" clId="{56CF898D-0475-4A64-89D7-9E562B826F4B}" dt="2021-05-05T14:59:47.208" v="3795" actId="478"/>
+          <ac:grpSpMkLst>
+            <pc:docMk/>
+            <pc:sldMk cId="2262351759" sldId="263"/>
+            <ac:grpSpMk id="3" creationId="{BC1A055E-E694-47A5-8C41-70B0F72C56B7}"/>
+          </ac:grpSpMkLst>
+        </pc:grpChg>
+        <pc:grpChg chg="del">
+          <ac:chgData name="Flavio" userId="acf32d90-2754-4ce4-92d1-4f5cef942a84" providerId="ADAL" clId="{56CF898D-0475-4A64-89D7-9E562B826F4B}" dt="2021-05-05T14:59:47.208" v="3795" actId="478"/>
+          <ac:grpSpMkLst>
+            <pc:docMk/>
+            <pc:sldMk cId="2262351759" sldId="263"/>
+            <ac:grpSpMk id="92" creationId="{CEF9C6DB-7B68-45CC-A635-DA3AE76D29DE}"/>
+          </ac:grpSpMkLst>
+        </pc:grpChg>
+        <pc:grpChg chg="del">
+          <ac:chgData name="Flavio" userId="acf32d90-2754-4ce4-92d1-4f5cef942a84" providerId="ADAL" clId="{56CF898D-0475-4A64-89D7-9E562B826F4B}" dt="2021-05-05T14:59:47.208" v="3795" actId="478"/>
+          <ac:grpSpMkLst>
+            <pc:docMk/>
+            <pc:sldMk cId="2262351759" sldId="263"/>
+            <ac:grpSpMk id="97" creationId="{B0553C29-A3B6-4AB9-BD07-208C3CA669CF}"/>
+          </ac:grpSpMkLst>
+        </pc:grpChg>
+        <pc:grpChg chg="del">
+          <ac:chgData name="Flavio" userId="acf32d90-2754-4ce4-92d1-4f5cef942a84" providerId="ADAL" clId="{56CF898D-0475-4A64-89D7-9E562B826F4B}" dt="2021-05-05T14:59:47.208" v="3795" actId="478"/>
+          <ac:grpSpMkLst>
+            <pc:docMk/>
+            <pc:sldMk cId="2262351759" sldId="263"/>
+            <ac:grpSpMk id="101" creationId="{0455410C-3DCD-4F4F-B038-05BA5574DDF5}"/>
+          </ac:grpSpMkLst>
+        </pc:grpChg>
+        <pc:grpChg chg="del">
+          <ac:chgData name="Flavio" userId="acf32d90-2754-4ce4-92d1-4f5cef942a84" providerId="ADAL" clId="{56CF898D-0475-4A64-89D7-9E562B826F4B}" dt="2021-05-05T14:59:47.208" v="3795" actId="478"/>
+          <ac:grpSpMkLst>
+            <pc:docMk/>
+            <pc:sldMk cId="2262351759" sldId="263"/>
+            <ac:grpSpMk id="108" creationId="{236B0CB2-E7FF-4673-AAA4-0F2534EA57DC}"/>
+          </ac:grpSpMkLst>
+        </pc:grpChg>
+        <pc:grpChg chg="del">
+          <ac:chgData name="Flavio" userId="acf32d90-2754-4ce4-92d1-4f5cef942a84" providerId="ADAL" clId="{56CF898D-0475-4A64-89D7-9E562B826F4B}" dt="2021-05-05T14:59:47.208" v="3795" actId="478"/>
+          <ac:grpSpMkLst>
+            <pc:docMk/>
+            <pc:sldMk cId="2262351759" sldId="263"/>
+            <ac:grpSpMk id="113" creationId="{2082FF24-0878-4EB7-90F9-B8E7121C60A9}"/>
+          </ac:grpSpMkLst>
+        </pc:grpChg>
+        <pc:grpChg chg="del">
+          <ac:chgData name="Flavio" userId="acf32d90-2754-4ce4-92d1-4f5cef942a84" providerId="ADAL" clId="{56CF898D-0475-4A64-89D7-9E562B826F4B}" dt="2021-05-05T14:59:47.208" v="3795" actId="478"/>
+          <ac:grpSpMkLst>
+            <pc:docMk/>
+            <pc:sldMk cId="2262351759" sldId="263"/>
+            <ac:grpSpMk id="117" creationId="{23A7F722-24A4-42E1-858D-305C22E1C654}"/>
+          </ac:grpSpMkLst>
+        </pc:grpChg>
+        <pc:grpChg chg="del">
+          <ac:chgData name="Flavio" userId="acf32d90-2754-4ce4-92d1-4f5cef942a84" providerId="ADAL" clId="{56CF898D-0475-4A64-89D7-9E562B826F4B}" dt="2021-05-05T14:59:47.208" v="3795" actId="478"/>
+          <ac:grpSpMkLst>
+            <pc:docMk/>
+            <pc:sldMk cId="2262351759" sldId="263"/>
+            <ac:grpSpMk id="121" creationId="{6D99B9FF-8B20-47CC-B705-EA950C7DDC96}"/>
+          </ac:grpSpMkLst>
+        </pc:grpChg>
+        <pc:cxnChg chg="del">
+          <ac:chgData name="Flavio" userId="acf32d90-2754-4ce4-92d1-4f5cef942a84" providerId="ADAL" clId="{56CF898D-0475-4A64-89D7-9E562B826F4B}" dt="2021-05-05T14:59:47.208" v="3795" actId="478"/>
+          <ac:cxnSpMkLst>
+            <pc:docMk/>
+            <pc:sldMk cId="2262351759" sldId="263"/>
+            <ac:cxnSpMk id="23" creationId="{1C907740-F337-4EB7-816B-05FB328222C2}"/>
+          </ac:cxnSpMkLst>
+        </pc:cxnChg>
+        <pc:cxnChg chg="del">
+          <ac:chgData name="Flavio" userId="acf32d90-2754-4ce4-92d1-4f5cef942a84" providerId="ADAL" clId="{56CF898D-0475-4A64-89D7-9E562B826F4B}" dt="2021-05-05T14:59:47.208" v="3795" actId="478"/>
+          <ac:cxnSpMkLst>
+            <pc:docMk/>
+            <pc:sldMk cId="2262351759" sldId="263"/>
+            <ac:cxnSpMk id="39" creationId="{5FA44F08-B39B-4DE3-8C31-0A2953B10166}"/>
+          </ac:cxnSpMkLst>
+        </pc:cxnChg>
+        <pc:cxnChg chg="del">
+          <ac:chgData name="Flavio" userId="acf32d90-2754-4ce4-92d1-4f5cef942a84" providerId="ADAL" clId="{56CF898D-0475-4A64-89D7-9E562B826F4B}" dt="2021-05-05T14:59:47.208" v="3795" actId="478"/>
+          <ac:cxnSpMkLst>
+            <pc:docMk/>
+            <pc:sldMk cId="2262351759" sldId="263"/>
+            <ac:cxnSpMk id="41" creationId="{D5A796C4-F038-4DB5-AF94-E87A12F6F469}"/>
+          </ac:cxnSpMkLst>
+        </pc:cxnChg>
+        <pc:cxnChg chg="del">
+          <ac:chgData name="Flavio" userId="acf32d90-2754-4ce4-92d1-4f5cef942a84" providerId="ADAL" clId="{56CF898D-0475-4A64-89D7-9E562B826F4B}" dt="2021-05-05T14:59:47.208" v="3795" actId="478"/>
+          <ac:cxnSpMkLst>
+            <pc:docMk/>
+            <pc:sldMk cId="2262351759" sldId="263"/>
+            <ac:cxnSpMk id="42" creationId="{D7983E6F-AFB7-46EA-BEE6-C54068D19455}"/>
+          </ac:cxnSpMkLst>
+        </pc:cxnChg>
+        <pc:cxnChg chg="del">
+          <ac:chgData name="Flavio" userId="acf32d90-2754-4ce4-92d1-4f5cef942a84" providerId="ADAL" clId="{56CF898D-0475-4A64-89D7-9E562B826F4B}" dt="2021-05-05T14:59:47.208" v="3795" actId="478"/>
+          <ac:cxnSpMkLst>
+            <pc:docMk/>
+            <pc:sldMk cId="2262351759" sldId="263"/>
+            <ac:cxnSpMk id="48" creationId="{BC37874E-4E5C-46E6-899B-FB0C01C0EB79}"/>
+          </ac:cxnSpMkLst>
+        </pc:cxnChg>
+        <pc:cxnChg chg="del">
+          <ac:chgData name="Flavio" userId="acf32d90-2754-4ce4-92d1-4f5cef942a84" providerId="ADAL" clId="{56CF898D-0475-4A64-89D7-9E562B826F4B}" dt="2021-05-05T14:59:47.208" v="3795" actId="478"/>
+          <ac:cxnSpMkLst>
+            <pc:docMk/>
+            <pc:sldMk cId="2262351759" sldId="263"/>
+            <ac:cxnSpMk id="49" creationId="{2BAE48FE-EDD5-40CE-A93F-101BEB7F9E60}"/>
+          </ac:cxnSpMkLst>
+        </pc:cxnChg>
+        <pc:cxnChg chg="del mod">
+          <ac:chgData name="Flavio" userId="acf32d90-2754-4ce4-92d1-4f5cef942a84" providerId="ADAL" clId="{56CF898D-0475-4A64-89D7-9E562B826F4B}" dt="2021-05-05T14:59:47.208" v="3795" actId="478"/>
+          <ac:cxnSpMkLst>
+            <pc:docMk/>
+            <pc:sldMk cId="2262351759" sldId="263"/>
+            <ac:cxnSpMk id="55" creationId="{AB7CC8DB-9881-4EC2-865B-DA7538939EF1}"/>
+          </ac:cxnSpMkLst>
+        </pc:cxnChg>
+        <pc:cxnChg chg="del mod">
+          <ac:chgData name="Flavio" userId="acf32d90-2754-4ce4-92d1-4f5cef942a84" providerId="ADAL" clId="{56CF898D-0475-4A64-89D7-9E562B826F4B}" dt="2021-05-05T14:59:47.208" v="3795" actId="478"/>
+          <ac:cxnSpMkLst>
+            <pc:docMk/>
+            <pc:sldMk cId="2262351759" sldId="263"/>
+            <ac:cxnSpMk id="57" creationId="{9C9AD7A8-A962-4750-B64B-441D078FB276}"/>
+          </ac:cxnSpMkLst>
+        </pc:cxnChg>
+        <pc:cxnChg chg="del">
+          <ac:chgData name="Flavio" userId="acf32d90-2754-4ce4-92d1-4f5cef942a84" providerId="ADAL" clId="{56CF898D-0475-4A64-89D7-9E562B826F4B}" dt="2021-05-05T14:59:47.208" v="3795" actId="478"/>
+          <ac:cxnSpMkLst>
+            <pc:docMk/>
+            <pc:sldMk cId="2262351759" sldId="263"/>
+            <ac:cxnSpMk id="60" creationId="{4BB11D68-3E90-46D2-84CC-6AC41A5AB051}"/>
+          </ac:cxnSpMkLst>
+        </pc:cxnChg>
+        <pc:cxnChg chg="del">
+          <ac:chgData name="Flavio" userId="acf32d90-2754-4ce4-92d1-4f5cef942a84" providerId="ADAL" clId="{56CF898D-0475-4A64-89D7-9E562B826F4B}" dt="2021-05-05T14:59:47.208" v="3795" actId="478"/>
+          <ac:cxnSpMkLst>
+            <pc:docMk/>
+            <pc:sldMk cId="2262351759" sldId="263"/>
+            <ac:cxnSpMk id="73" creationId="{6FC741A4-5406-44CB-AC47-88FC00EA152B}"/>
+          </ac:cxnSpMkLst>
+        </pc:cxnChg>
+        <pc:cxnChg chg="del">
+          <ac:chgData name="Flavio" userId="acf32d90-2754-4ce4-92d1-4f5cef942a84" providerId="ADAL" clId="{56CF898D-0475-4A64-89D7-9E562B826F4B}" dt="2021-05-05T14:59:47.208" v="3795" actId="478"/>
+          <ac:cxnSpMkLst>
+            <pc:docMk/>
+            <pc:sldMk cId="2262351759" sldId="263"/>
+            <ac:cxnSpMk id="77" creationId="{497B449A-5994-4DA1-A659-20C74850F239}"/>
+          </ac:cxnSpMkLst>
+        </pc:cxnChg>
+        <pc:cxnChg chg="del">
+          <ac:chgData name="Flavio" userId="acf32d90-2754-4ce4-92d1-4f5cef942a84" providerId="ADAL" clId="{56CF898D-0475-4A64-89D7-9E562B826F4B}" dt="2021-05-05T14:59:47.208" v="3795" actId="478"/>
+          <ac:cxnSpMkLst>
+            <pc:docMk/>
+            <pc:sldMk cId="2262351759" sldId="263"/>
+            <ac:cxnSpMk id="131" creationId="{5DD84366-2E10-4014-B221-188E05203441}"/>
+          </ac:cxnSpMkLst>
+        </pc:cxnChg>
+        <pc:cxnChg chg="del">
+          <ac:chgData name="Flavio" userId="acf32d90-2754-4ce4-92d1-4f5cef942a84" providerId="ADAL" clId="{56CF898D-0475-4A64-89D7-9E562B826F4B}" dt="2021-05-05T14:59:47.208" v="3795" actId="478"/>
+          <ac:cxnSpMkLst>
+            <pc:docMk/>
+            <pc:sldMk cId="2262351759" sldId="263"/>
+            <ac:cxnSpMk id="132" creationId="{EA0A3136-8191-4020-BC00-9F61B3C0E5E1}"/>
+          </ac:cxnSpMkLst>
+        </pc:cxnChg>
+        <pc:cxnChg chg="del">
+          <ac:chgData name="Flavio" userId="acf32d90-2754-4ce4-92d1-4f5cef942a84" providerId="ADAL" clId="{56CF898D-0475-4A64-89D7-9E562B826F4B}" dt="2021-05-05T14:59:47.208" v="3795" actId="478"/>
+          <ac:cxnSpMkLst>
+            <pc:docMk/>
+            <pc:sldMk cId="2262351759" sldId="263"/>
+            <ac:cxnSpMk id="138" creationId="{9531AE92-E5CC-4B96-A28F-5D54EF2B211F}"/>
           </ac:cxnSpMkLst>
         </pc:cxnChg>
       </pc:sldChg>
@@ -5716,7 +7283,7 @@
           <a:p>
             <a:fld id="{078F766D-A9F8-44E5-A184-44CC0BAB2881}" type="datetimeFigureOut">
               <a:rPr lang="it-IT" smtClean="0"/>
-              <a:t>28/04/2021</a:t>
+              <a:t>05/05/2021</a:t>
             </a:fld>
             <a:endParaRPr lang="it-IT"/>
           </a:p>
@@ -5914,7 +7481,7 @@
           <a:p>
             <a:fld id="{078F766D-A9F8-44E5-A184-44CC0BAB2881}" type="datetimeFigureOut">
               <a:rPr lang="it-IT" smtClean="0"/>
-              <a:t>28/04/2021</a:t>
+              <a:t>05/05/2021</a:t>
             </a:fld>
             <a:endParaRPr lang="it-IT"/>
           </a:p>
@@ -6122,7 +7689,7 @@
           <a:p>
             <a:fld id="{078F766D-A9F8-44E5-A184-44CC0BAB2881}" type="datetimeFigureOut">
               <a:rPr lang="it-IT" smtClean="0"/>
-              <a:t>28/04/2021</a:t>
+              <a:t>05/05/2021</a:t>
             </a:fld>
             <a:endParaRPr lang="it-IT"/>
           </a:p>
@@ -6320,7 +7887,7 @@
           <a:p>
             <a:fld id="{078F766D-A9F8-44E5-A184-44CC0BAB2881}" type="datetimeFigureOut">
               <a:rPr lang="it-IT" smtClean="0"/>
-              <a:t>28/04/2021</a:t>
+              <a:t>05/05/2021</a:t>
             </a:fld>
             <a:endParaRPr lang="it-IT"/>
           </a:p>
@@ -6595,7 +8162,7 @@
           <a:p>
             <a:fld id="{078F766D-A9F8-44E5-A184-44CC0BAB2881}" type="datetimeFigureOut">
               <a:rPr lang="it-IT" smtClean="0"/>
-              <a:t>28/04/2021</a:t>
+              <a:t>05/05/2021</a:t>
             </a:fld>
             <a:endParaRPr lang="it-IT"/>
           </a:p>
@@ -6860,7 +8427,7 @@
           <a:p>
             <a:fld id="{078F766D-A9F8-44E5-A184-44CC0BAB2881}" type="datetimeFigureOut">
               <a:rPr lang="it-IT" smtClean="0"/>
-              <a:t>28/04/2021</a:t>
+              <a:t>05/05/2021</a:t>
             </a:fld>
             <a:endParaRPr lang="it-IT"/>
           </a:p>
@@ -7272,7 +8839,7 @@
           <a:p>
             <a:fld id="{078F766D-A9F8-44E5-A184-44CC0BAB2881}" type="datetimeFigureOut">
               <a:rPr lang="it-IT" smtClean="0"/>
-              <a:t>28/04/2021</a:t>
+              <a:t>05/05/2021</a:t>
             </a:fld>
             <a:endParaRPr lang="it-IT"/>
           </a:p>
@@ -7413,7 +8980,7 @@
           <a:p>
             <a:fld id="{078F766D-A9F8-44E5-A184-44CC0BAB2881}" type="datetimeFigureOut">
               <a:rPr lang="it-IT" smtClean="0"/>
-              <a:t>28/04/2021</a:t>
+              <a:t>05/05/2021</a:t>
             </a:fld>
             <a:endParaRPr lang="it-IT"/>
           </a:p>
@@ -7526,7 +9093,7 @@
           <a:p>
             <a:fld id="{078F766D-A9F8-44E5-A184-44CC0BAB2881}" type="datetimeFigureOut">
               <a:rPr lang="it-IT" smtClean="0"/>
-              <a:t>28/04/2021</a:t>
+              <a:t>05/05/2021</a:t>
             </a:fld>
             <a:endParaRPr lang="it-IT"/>
           </a:p>
@@ -7837,7 +9404,7 @@
           <a:p>
             <a:fld id="{078F766D-A9F8-44E5-A184-44CC0BAB2881}" type="datetimeFigureOut">
               <a:rPr lang="it-IT" smtClean="0"/>
-              <a:t>28/04/2021</a:t>
+              <a:t>05/05/2021</a:t>
             </a:fld>
             <a:endParaRPr lang="it-IT"/>
           </a:p>
@@ -8125,7 +9692,7 @@
           <a:p>
             <a:fld id="{078F766D-A9F8-44E5-A184-44CC0BAB2881}" type="datetimeFigureOut">
               <a:rPr lang="it-IT" smtClean="0"/>
-              <a:t>28/04/2021</a:t>
+              <a:t>05/05/2021</a:t>
             </a:fld>
             <a:endParaRPr lang="it-IT"/>
           </a:p>
@@ -8366,7 +9933,7 @@
           <a:p>
             <a:fld id="{078F766D-A9F8-44E5-A184-44CC0BAB2881}" type="datetimeFigureOut">
               <a:rPr lang="it-IT" smtClean="0"/>
-              <a:t>28/04/2021</a:t>
+              <a:t>05/05/2021</a:t>
             </a:fld>
             <a:endParaRPr lang="it-IT"/>
           </a:p>
@@ -10032,7 +11599,7 @@
                   <a:schemeClr val="tx1"/>
                 </a:solidFill>
               </a:rPr>
-              <a:t>Serializzatore</a:t>
+              <a:t>Serializer</a:t>
             </a:r>
             <a:endParaRPr lang="it-IT" dirty="0">
               <a:solidFill>
@@ -10098,7 +11665,7 @@
                   <a:schemeClr val="tx1"/>
                 </a:solidFill>
               </a:rPr>
-              <a:t>Deserializzatore</a:t>
+              <a:t>Deserializer</a:t>
             </a:r>
             <a:endParaRPr lang="it-IT" dirty="0">
               <a:solidFill>
@@ -10630,49 +12197,6 @@
           </a:fontRef>
         </p:style>
       </p:cxnSp>
-      <p:cxnSp>
-        <p:nvCxnSpPr>
-          <p:cNvPr id="49" name="Connettore diritto 48">
-            <a:extLst>
-              <a:ext uri="{FF2B5EF4-FFF2-40B4-BE49-F238E27FC236}">
-                <a16:creationId xmlns:a16="http://schemas.microsoft.com/office/drawing/2014/main" id="{2BAE48FE-EDD5-40CE-A93F-101BEB7F9E60}"/>
-              </a:ext>
-            </a:extLst>
-          </p:cNvPr>
-          <p:cNvCxnSpPr>
-            <a:cxnSpLocks/>
-          </p:cNvCxnSpPr>
-          <p:nvPr/>
-        </p:nvCxnSpPr>
-        <p:spPr>
-          <a:xfrm>
-            <a:off x="1137713" y="2790418"/>
-            <a:ext cx="761295" cy="0"/>
-          </a:xfrm>
-          <a:prstGeom prst="line">
-            <a:avLst/>
-          </a:prstGeom>
-          <a:ln w="28575">
-            <a:solidFill>
-              <a:schemeClr val="tx1"/>
-            </a:solidFill>
-          </a:ln>
-        </p:spPr>
-        <p:style>
-          <a:lnRef idx="1">
-            <a:schemeClr val="accent1"/>
-          </a:lnRef>
-          <a:fillRef idx="0">
-            <a:schemeClr val="accent1"/>
-          </a:fillRef>
-          <a:effectRef idx="0">
-            <a:schemeClr val="accent1"/>
-          </a:effectRef>
-          <a:fontRef idx="minor">
-            <a:schemeClr val="tx1"/>
-          </a:fontRef>
-        </p:style>
-      </p:cxnSp>
       <p:sp>
         <p:nvSpPr>
           <p:cNvPr id="50" name="CasellaDiTesto 49">
@@ -10765,11 +12289,11 @@
         <p:spPr>
           <a:xfrm>
             <a:off x="1869633" y="2784856"/>
-            <a:ext cx="2304942" cy="775834"/>
+            <a:ext cx="2311454" cy="644144"/>
           </a:xfrm>
           <a:prstGeom prst="bentConnector3">
             <a:avLst>
-              <a:gd name="adj1" fmla="val 37262"/>
+              <a:gd name="adj1" fmla="val 36934"/>
             </a:avLst>
           </a:prstGeom>
         </p:spPr>
@@ -10896,60 +12420,124 @@
           </a:p>
         </p:txBody>
       </p:sp>
-      <p:sp>
-        <p:nvSpPr>
-          <p:cNvPr id="65" name="Triangolo isoscele 64">
-            <a:extLst>
-              <a:ext uri="{FF2B5EF4-FFF2-40B4-BE49-F238E27FC236}">
-                <a16:creationId xmlns:a16="http://schemas.microsoft.com/office/drawing/2014/main" id="{DB9E3F68-3539-4442-8BA3-7298C4AA11E9}"/>
-              </a:ext>
-            </a:extLst>
-          </p:cNvPr>
-          <p:cNvSpPr/>
-          <p:nvPr/>
-        </p:nvSpPr>
-        <p:spPr>
-          <a:xfrm rot="16200000">
-            <a:off x="1419008" y="2733972"/>
-            <a:ext cx="153354" cy="119690"/>
-          </a:xfrm>
-          <a:prstGeom prst="triangle">
-            <a:avLst/>
-          </a:prstGeom>
-          <a:solidFill>
-            <a:schemeClr val="tx1"/>
-          </a:solidFill>
-          <a:ln>
+      <p:grpSp>
+        <p:nvGrpSpPr>
+          <p:cNvPr id="5" name="Gruppo 4">
+            <a:extLst>
+              <a:ext uri="{FF2B5EF4-FFF2-40B4-BE49-F238E27FC236}">
+                <a16:creationId xmlns:a16="http://schemas.microsoft.com/office/drawing/2014/main" id="{0C8788FC-DC4E-4745-83CD-017691B4A0FC}"/>
+              </a:ext>
+            </a:extLst>
+          </p:cNvPr>
+          <p:cNvGrpSpPr/>
+          <p:nvPr/>
+        </p:nvGrpSpPr>
+        <p:grpSpPr>
+          <a:xfrm>
+            <a:off x="1137713" y="2717140"/>
+            <a:ext cx="761295" cy="153354"/>
+            <a:chOff x="1137713" y="2717140"/>
+            <a:chExt cx="761295" cy="153354"/>
+          </a:xfrm>
+        </p:grpSpPr>
+        <p:cxnSp>
+          <p:nvCxnSpPr>
+            <p:cNvPr id="49" name="Connettore diritto 48">
+              <a:extLst>
+                <a:ext uri="{FF2B5EF4-FFF2-40B4-BE49-F238E27FC236}">
+                  <a16:creationId xmlns:a16="http://schemas.microsoft.com/office/drawing/2014/main" id="{2BAE48FE-EDD5-40CE-A93F-101BEB7F9E60}"/>
+                </a:ext>
+              </a:extLst>
+            </p:cNvPr>
+            <p:cNvCxnSpPr>
+              <a:cxnSpLocks/>
+            </p:cNvCxnSpPr>
+            <p:nvPr/>
+          </p:nvCxnSpPr>
+          <p:spPr>
+            <a:xfrm>
+              <a:off x="1137713" y="2790418"/>
+              <a:ext cx="761295" cy="0"/>
+            </a:xfrm>
+            <a:prstGeom prst="line">
+              <a:avLst/>
+            </a:prstGeom>
+            <a:ln w="28575">
+              <a:solidFill>
+                <a:schemeClr val="tx1"/>
+              </a:solidFill>
+            </a:ln>
+          </p:spPr>
+          <p:style>
+            <a:lnRef idx="1">
+              <a:schemeClr val="accent1"/>
+            </a:lnRef>
+            <a:fillRef idx="0">
+              <a:schemeClr val="accent1"/>
+            </a:fillRef>
+            <a:effectRef idx="0">
+              <a:schemeClr val="accent1"/>
+            </a:effectRef>
+            <a:fontRef idx="minor">
+              <a:schemeClr val="tx1"/>
+            </a:fontRef>
+          </p:style>
+        </p:cxnSp>
+        <p:sp>
+          <p:nvSpPr>
+            <p:cNvPr id="65" name="Triangolo isoscele 64">
+              <a:extLst>
+                <a:ext uri="{FF2B5EF4-FFF2-40B4-BE49-F238E27FC236}">
+                  <a16:creationId xmlns:a16="http://schemas.microsoft.com/office/drawing/2014/main" id="{DB9E3F68-3539-4442-8BA3-7298C4AA11E9}"/>
+                </a:ext>
+              </a:extLst>
+            </p:cNvPr>
+            <p:cNvSpPr/>
+            <p:nvPr/>
+          </p:nvSpPr>
+          <p:spPr>
+            <a:xfrm rot="16200000">
+              <a:off x="1419008" y="2733972"/>
+              <a:ext cx="153354" cy="119690"/>
+            </a:xfrm>
+            <a:prstGeom prst="triangle">
+              <a:avLst/>
+            </a:prstGeom>
             <a:solidFill>
               <a:schemeClr val="tx1"/>
             </a:solidFill>
-          </a:ln>
-        </p:spPr>
-        <p:style>
-          <a:lnRef idx="2">
-            <a:schemeClr val="accent1">
-              <a:shade val="50000"/>
-            </a:schemeClr>
-          </a:lnRef>
-          <a:fillRef idx="1">
-            <a:schemeClr val="accent1"/>
-          </a:fillRef>
-          <a:effectRef idx="0">
-            <a:schemeClr val="accent1"/>
-          </a:effectRef>
-          <a:fontRef idx="minor">
-            <a:schemeClr val="lt1"/>
-          </a:fontRef>
-        </p:style>
-        <p:txBody>
-          <a:bodyPr rtlCol="0" anchor="ctr"/>
-          <a:lstStyle/>
-          <a:p>
-            <a:pPr algn="ctr"/>
-            <a:endParaRPr lang="it-IT" dirty="0"/>
-          </a:p>
-        </p:txBody>
-      </p:sp>
+            <a:ln>
+              <a:solidFill>
+                <a:schemeClr val="tx1"/>
+              </a:solidFill>
+            </a:ln>
+          </p:spPr>
+          <p:style>
+            <a:lnRef idx="2">
+              <a:schemeClr val="accent1">
+                <a:shade val="50000"/>
+              </a:schemeClr>
+            </a:lnRef>
+            <a:fillRef idx="1">
+              <a:schemeClr val="accent1"/>
+            </a:fillRef>
+            <a:effectRef idx="0">
+              <a:schemeClr val="accent1"/>
+            </a:effectRef>
+            <a:fontRef idx="minor">
+              <a:schemeClr val="lt1"/>
+            </a:fontRef>
+          </p:style>
+          <p:txBody>
+            <a:bodyPr rtlCol="0" anchor="ctr"/>
+            <a:lstStyle/>
+            <a:p>
+              <a:pPr algn="ctr"/>
+              <a:endParaRPr lang="it-IT" dirty="0"/>
+            </a:p>
+          </p:txBody>
+        </p:sp>
+      </p:grpSp>
       <p:sp>
         <p:nvSpPr>
           <p:cNvPr id="66" name="Triangolo isoscele 65">
@@ -11328,6 +12916,203 @@
           </a:p>
         </p:txBody>
       </p:sp>
+      <p:sp>
+        <p:nvSpPr>
+          <p:cNvPr id="76" name="CasellaDiTesto 75">
+            <a:extLst>
+              <a:ext uri="{FF2B5EF4-FFF2-40B4-BE49-F238E27FC236}">
+                <a16:creationId xmlns:a16="http://schemas.microsoft.com/office/drawing/2014/main" id="{8852924A-6809-467B-AFEA-8B58108EAC3D}"/>
+              </a:ext>
+            </a:extLst>
+          </p:cNvPr>
+          <p:cNvSpPr txBox="1"/>
+          <p:nvPr/>
+        </p:nvSpPr>
+        <p:spPr>
+          <a:xfrm>
+            <a:off x="101517" y="2990548"/>
+            <a:ext cx="1094390" cy="369332"/>
+          </a:xfrm>
+          <a:prstGeom prst="rect">
+            <a:avLst/>
+          </a:prstGeom>
+          <a:noFill/>
+        </p:spPr>
+        <p:txBody>
+          <a:bodyPr wrap="square">
+            <a:spAutoFit/>
+          </a:bodyPr>
+          <a:lstStyle/>
+          <a:p>
+            <a:r>
+              <a:rPr lang="it-IT" b="0" i="0" dirty="0" err="1">
+                <a:effectLst/>
+                <a:latin typeface="Calibri" panose="020F0502020204030204" pitchFamily="34" charset="0"/>
+              </a:rPr>
+              <a:t>BufferFull</a:t>
+            </a:r>
+            <a:endParaRPr lang="it-IT" dirty="0"/>
+          </a:p>
+        </p:txBody>
+      </p:sp>
+      <p:grpSp>
+        <p:nvGrpSpPr>
+          <p:cNvPr id="77" name="Gruppo 76">
+            <a:extLst>
+              <a:ext uri="{FF2B5EF4-FFF2-40B4-BE49-F238E27FC236}">
+                <a16:creationId xmlns:a16="http://schemas.microsoft.com/office/drawing/2014/main" id="{C84BB249-60BF-48A6-BC3D-2CA1E81FC52E}"/>
+              </a:ext>
+            </a:extLst>
+          </p:cNvPr>
+          <p:cNvGrpSpPr/>
+          <p:nvPr/>
+        </p:nvGrpSpPr>
+        <p:grpSpPr>
+          <a:xfrm rot="10800000">
+            <a:off x="1136010" y="3120474"/>
+            <a:ext cx="761295" cy="153354"/>
+            <a:chOff x="1137713" y="2717140"/>
+            <a:chExt cx="761295" cy="153354"/>
+          </a:xfrm>
+        </p:grpSpPr>
+        <p:cxnSp>
+          <p:nvCxnSpPr>
+            <p:cNvPr id="78" name="Connettore diritto 77">
+              <a:extLst>
+                <a:ext uri="{FF2B5EF4-FFF2-40B4-BE49-F238E27FC236}">
+                  <a16:creationId xmlns:a16="http://schemas.microsoft.com/office/drawing/2014/main" id="{1C7F41C4-9DEC-4BC3-9192-6E436EC1A3B6}"/>
+                </a:ext>
+              </a:extLst>
+            </p:cNvPr>
+            <p:cNvCxnSpPr>
+              <a:cxnSpLocks/>
+            </p:cNvCxnSpPr>
+            <p:nvPr/>
+          </p:nvCxnSpPr>
+          <p:spPr>
+            <a:xfrm>
+              <a:off x="1137713" y="2790418"/>
+              <a:ext cx="761295" cy="0"/>
+            </a:xfrm>
+            <a:prstGeom prst="line">
+              <a:avLst/>
+            </a:prstGeom>
+            <a:ln w="28575">
+              <a:solidFill>
+                <a:schemeClr val="tx1"/>
+              </a:solidFill>
+            </a:ln>
+          </p:spPr>
+          <p:style>
+            <a:lnRef idx="1">
+              <a:schemeClr val="accent1"/>
+            </a:lnRef>
+            <a:fillRef idx="0">
+              <a:schemeClr val="accent1"/>
+            </a:fillRef>
+            <a:effectRef idx="0">
+              <a:schemeClr val="accent1"/>
+            </a:effectRef>
+            <a:fontRef idx="minor">
+              <a:schemeClr val="tx1"/>
+            </a:fontRef>
+          </p:style>
+        </p:cxnSp>
+        <p:sp>
+          <p:nvSpPr>
+            <p:cNvPr id="79" name="Triangolo isoscele 78">
+              <a:extLst>
+                <a:ext uri="{FF2B5EF4-FFF2-40B4-BE49-F238E27FC236}">
+                  <a16:creationId xmlns:a16="http://schemas.microsoft.com/office/drawing/2014/main" id="{88CC5F20-5645-4CF4-A158-FA4A9973F268}"/>
+                </a:ext>
+              </a:extLst>
+            </p:cNvPr>
+            <p:cNvSpPr/>
+            <p:nvPr/>
+          </p:nvSpPr>
+          <p:spPr>
+            <a:xfrm rot="16200000">
+              <a:off x="1419008" y="2733972"/>
+              <a:ext cx="153354" cy="119690"/>
+            </a:xfrm>
+            <a:prstGeom prst="triangle">
+              <a:avLst/>
+            </a:prstGeom>
+            <a:solidFill>
+              <a:schemeClr val="tx1"/>
+            </a:solidFill>
+            <a:ln>
+              <a:solidFill>
+                <a:schemeClr val="tx1"/>
+              </a:solidFill>
+            </a:ln>
+          </p:spPr>
+          <p:style>
+            <a:lnRef idx="2">
+              <a:schemeClr val="accent1">
+                <a:shade val="50000"/>
+              </a:schemeClr>
+            </a:lnRef>
+            <a:fillRef idx="1">
+              <a:schemeClr val="accent1"/>
+            </a:fillRef>
+            <a:effectRef idx="0">
+              <a:schemeClr val="accent1"/>
+            </a:effectRef>
+            <a:fontRef idx="minor">
+              <a:schemeClr val="lt1"/>
+            </a:fontRef>
+          </p:style>
+          <p:txBody>
+            <a:bodyPr rtlCol="0" anchor="ctr"/>
+            <a:lstStyle/>
+            <a:p>
+              <a:pPr algn="ctr"/>
+              <a:endParaRPr lang="it-IT" dirty="0"/>
+            </a:p>
+          </p:txBody>
+        </p:sp>
+      </p:grpSp>
+      <p:cxnSp>
+        <p:nvCxnSpPr>
+          <p:cNvPr id="80" name="Connettore a gomito 79">
+            <a:extLst>
+              <a:ext uri="{FF2B5EF4-FFF2-40B4-BE49-F238E27FC236}">
+                <a16:creationId xmlns:a16="http://schemas.microsoft.com/office/drawing/2014/main" id="{B789D1A7-7FF8-4364-BEC9-F90F165129D6}"/>
+              </a:ext>
+            </a:extLst>
+          </p:cNvPr>
+          <p:cNvCxnSpPr>
+            <a:cxnSpLocks/>
+          </p:cNvCxnSpPr>
+          <p:nvPr/>
+        </p:nvCxnSpPr>
+        <p:spPr>
+          <a:xfrm>
+            <a:off x="1890496" y="3204032"/>
+            <a:ext cx="2314157" cy="539220"/>
+          </a:xfrm>
+          <a:prstGeom prst="bentConnector3">
+            <a:avLst>
+              <a:gd name="adj1" fmla="val 23899"/>
+            </a:avLst>
+          </a:prstGeom>
+        </p:spPr>
+        <p:style>
+          <a:lnRef idx="1">
+            <a:schemeClr val="accent1"/>
+          </a:lnRef>
+          <a:fillRef idx="0">
+            <a:schemeClr val="accent1"/>
+          </a:fillRef>
+          <a:effectRef idx="0">
+            <a:schemeClr val="accent1"/>
+          </a:effectRef>
+          <a:fontRef idx="minor">
+            <a:schemeClr val="tx1"/>
+          </a:fontRef>
+        </p:style>
+      </p:cxnSp>
     </p:spTree>
     <p:extLst>
       <p:ext uri="{BB962C8B-B14F-4D97-AF65-F5344CB8AC3E}">
@@ -12165,7 +13950,7 @@
           <a:p>
             <a:r>
               <a:rPr lang="it-IT" dirty="0" err="1"/>
-              <a:t>Serializzatore</a:t>
+              <a:t>Serializer</a:t>
             </a:r>
             <a:endParaRPr lang="it-IT" dirty="0"/>
           </a:p>
@@ -12271,8 +14056,12 @@
           <a:p>
             <a:pPr algn="ctr"/>
             <a:r>
+              <a:rPr lang="it-IT" dirty="0" err="1"/>
+              <a:t>Parallel</a:t>
+            </a:r>
+            <a:r>
               <a:rPr lang="it-IT" dirty="0"/>
-              <a:t>Stadio parallelo-serie</a:t>
+              <a:t>-serial state</a:t>
             </a:r>
           </a:p>
         </p:txBody>
@@ -18266,7 +20055,7 @@
         </p:nvSpPr>
         <p:spPr>
           <a:xfrm>
-            <a:off x="2063403" y="2666199"/>
+            <a:off x="2273128" y="2666199"/>
             <a:ext cx="75457" cy="72132"/>
           </a:xfrm>
           <a:prstGeom prst="ellipse">
@@ -18303,6 +20092,60 @@
           <a:p>
             <a:pPr algn="ctr"/>
             <a:endParaRPr lang="it-IT"/>
+          </a:p>
+        </p:txBody>
+      </p:sp>
+      <p:sp>
+        <p:nvSpPr>
+          <p:cNvPr id="177" name="Triangolo isoscele 176">
+            <a:extLst>
+              <a:ext uri="{FF2B5EF4-FFF2-40B4-BE49-F238E27FC236}">
+                <a16:creationId xmlns:a16="http://schemas.microsoft.com/office/drawing/2014/main" id="{211E9009-625A-4BC5-9412-E191972C6558}"/>
+              </a:ext>
+            </a:extLst>
+          </p:cNvPr>
+          <p:cNvSpPr/>
+          <p:nvPr/>
+        </p:nvSpPr>
+        <p:spPr>
+          <a:xfrm rot="5400000">
+            <a:off x="1456252" y="1299192"/>
+            <a:ext cx="153354" cy="119690"/>
+          </a:xfrm>
+          <a:prstGeom prst="triangle">
+            <a:avLst/>
+          </a:prstGeom>
+          <a:solidFill>
+            <a:schemeClr val="tx1"/>
+          </a:solidFill>
+          <a:ln>
+            <a:solidFill>
+              <a:schemeClr val="tx1"/>
+            </a:solidFill>
+          </a:ln>
+        </p:spPr>
+        <p:style>
+          <a:lnRef idx="2">
+            <a:schemeClr val="accent1">
+              <a:shade val="50000"/>
+            </a:schemeClr>
+          </a:lnRef>
+          <a:fillRef idx="1">
+            <a:schemeClr val="accent1"/>
+          </a:fillRef>
+          <a:effectRef idx="0">
+            <a:schemeClr val="accent1"/>
+          </a:effectRef>
+          <a:fontRef idx="minor">
+            <a:schemeClr val="lt1"/>
+          </a:fontRef>
+        </p:style>
+        <p:txBody>
+          <a:bodyPr rtlCol="0" anchor="ctr"/>
+          <a:lstStyle/>
+          <a:p>
+            <a:pPr algn="ctr"/>
+            <a:endParaRPr lang="it-IT" dirty="0"/>
           </a:p>
         </p:txBody>
       </p:sp>
@@ -18793,6 +20636,44 @@
           </a:p>
         </p:txBody>
       </p:sp>
+      <p:cxnSp>
+        <p:nvCxnSpPr>
+          <p:cNvPr id="173" name="Connettore diritto 172">
+            <a:extLst>
+              <a:ext uri="{FF2B5EF4-FFF2-40B4-BE49-F238E27FC236}">
+                <a16:creationId xmlns:a16="http://schemas.microsoft.com/office/drawing/2014/main" id="{8E0E316E-6EF9-44E7-8607-64B93FE12C65}"/>
+              </a:ext>
+            </a:extLst>
+          </p:cNvPr>
+          <p:cNvCxnSpPr>
+            <a:endCxn id="123" idx="3"/>
+          </p:cNvCxnSpPr>
+          <p:nvPr/>
+        </p:nvCxnSpPr>
+        <p:spPr>
+          <a:xfrm>
+            <a:off x="3375660" y="1945283"/>
+            <a:ext cx="4858597" cy="1"/>
+          </a:xfrm>
+          <a:prstGeom prst="line">
+            <a:avLst/>
+          </a:prstGeom>
+        </p:spPr>
+        <p:style>
+          <a:lnRef idx="1">
+            <a:schemeClr val="accent6"/>
+          </a:lnRef>
+          <a:fillRef idx="0">
+            <a:schemeClr val="accent6"/>
+          </a:fillRef>
+          <a:effectRef idx="0">
+            <a:schemeClr val="accent6"/>
+          </a:effectRef>
+          <a:fontRef idx="minor">
+            <a:schemeClr val="tx1"/>
+          </a:fontRef>
+        </p:style>
+      </p:cxnSp>
       <p:sp>
         <p:nvSpPr>
           <p:cNvPr id="8" name="CasellaDiTesto 7">
@@ -18807,7 +20688,7 @@
         </p:nvSpPr>
         <p:spPr>
           <a:xfrm>
-            <a:off x="647005" y="1407845"/>
+            <a:off x="647005" y="1214898"/>
             <a:ext cx="461395" cy="369332"/>
           </a:xfrm>
           <a:prstGeom prst="rect">
@@ -18843,7 +20724,7 @@
         </p:nvSpPr>
         <p:spPr>
           <a:xfrm>
-            <a:off x="10726653" y="2219616"/>
+            <a:off x="10726653" y="2272956"/>
             <a:ext cx="679509" cy="369332"/>
           </a:xfrm>
           <a:prstGeom prst="rect">
@@ -18879,7 +20760,7 @@
         </p:nvSpPr>
         <p:spPr>
           <a:xfrm>
-            <a:off x="10568244" y="2748456"/>
+            <a:off x="10576020" y="717246"/>
             <a:ext cx="864063" cy="369332"/>
           </a:xfrm>
           <a:prstGeom prst="rect">
@@ -18917,7 +20798,7 @@
         </p:nvCxnSpPr>
         <p:spPr>
           <a:xfrm>
-            <a:off x="1092982" y="1662397"/>
+            <a:off x="1092982" y="1469450"/>
             <a:ext cx="761295" cy="0"/>
           </a:xfrm>
           <a:prstGeom prst="line">
@@ -18960,7 +20841,7 @@
         </p:nvCxnSpPr>
         <p:spPr>
           <a:xfrm>
-            <a:off x="9624274" y="2404282"/>
+            <a:off x="9624274" y="2457622"/>
             <a:ext cx="761295" cy="0"/>
           </a:xfrm>
           <a:prstGeom prst="line">
@@ -19265,7 +21146,7 @@
         </p:nvGrpSpPr>
         <p:grpSpPr>
           <a:xfrm>
-            <a:off x="9647061" y="2748455"/>
+            <a:off x="9654837" y="717245"/>
             <a:ext cx="882938" cy="388531"/>
             <a:chOff x="9960179" y="2807286"/>
             <a:chExt cx="882938" cy="388531"/>
@@ -19482,7 +21363,7 @@
         </p:nvSpPr>
         <p:spPr>
           <a:xfrm rot="5400000">
-            <a:off x="1333300" y="1609343"/>
+            <a:off x="1333300" y="1416396"/>
             <a:ext cx="153354" cy="119690"/>
           </a:xfrm>
           <a:prstGeom prst="triangle">
@@ -19536,7 +21417,7 @@
         </p:nvSpPr>
         <p:spPr>
           <a:xfrm rot="5400000">
-            <a:off x="9837048" y="2346766"/>
+            <a:off x="9837048" y="2400106"/>
             <a:ext cx="153354" cy="119690"/>
           </a:xfrm>
           <a:prstGeom prst="triangle">
@@ -19890,7 +21771,7 @@
         </p:nvSpPr>
         <p:spPr>
           <a:xfrm rot="5400000">
-            <a:off x="1614464" y="4448365"/>
+            <a:off x="1597686" y="4448365"/>
             <a:ext cx="339383" cy="279825"/>
           </a:xfrm>
           <a:prstGeom prst="triangle">
@@ -21098,6 +22979,14 @@
           <a:prstGeom prst="rect">
             <a:avLst/>
           </a:prstGeom>
+          <a:solidFill>
+            <a:schemeClr val="bg1"/>
+          </a:solidFill>
+          <a:ln>
+            <a:solidFill>
+              <a:schemeClr val="tx1"/>
+            </a:solidFill>
+          </a:ln>
         </p:spPr>
         <p:style>
           <a:lnRef idx="2">
@@ -21121,8 +23010,12 @@
           <a:p>
             <a:pPr algn="ctr"/>
             <a:r>
-              <a:rPr lang="it-IT" dirty="0"/>
-              <a:t>Aspetta 4</a:t>
+              <a:rPr lang="it-IT" dirty="0">
+                <a:solidFill>
+                  <a:schemeClr val="tx1"/>
+                </a:solidFill>
+              </a:rPr>
+              <a:t>ClockDelay4</a:t>
             </a:r>
           </a:p>
         </p:txBody>
@@ -21141,12 +23034,20 @@
         </p:nvSpPr>
         <p:spPr>
           <a:xfrm>
-            <a:off x="5710123" y="3568281"/>
+            <a:off x="5714747" y="3854102"/>
             <a:ext cx="1349256" cy="833669"/>
           </a:xfrm>
           <a:prstGeom prst="rect">
             <a:avLst/>
           </a:prstGeom>
+          <a:solidFill>
+            <a:schemeClr val="bg1"/>
+          </a:solidFill>
+          <a:ln>
+            <a:solidFill>
+              <a:schemeClr val="tx1"/>
+            </a:solidFill>
+          </a:ln>
         </p:spPr>
         <p:style>
           <a:lnRef idx="2">
@@ -21170,8 +23071,12 @@
           <a:p>
             <a:pPr algn="ctr"/>
             <a:r>
-              <a:rPr lang="it-IT" dirty="0"/>
-              <a:t>Aspetta 8</a:t>
+              <a:rPr lang="it-IT" dirty="0">
+                <a:solidFill>
+                  <a:schemeClr val="tx1"/>
+                </a:solidFill>
+              </a:rPr>
+              <a:t>ClockDelay8</a:t>
             </a:r>
           </a:p>
         </p:txBody>
@@ -21185,13 +23090,15 @@
               </a:ext>
             </a:extLst>
           </p:cNvPr>
-          <p:cNvCxnSpPr/>
+          <p:cNvCxnSpPr>
+            <a:cxnSpLocks/>
+          </p:cNvCxnSpPr>
           <p:nvPr/>
         </p:nvCxnSpPr>
         <p:spPr>
           <a:xfrm rot="16200000" flipH="1">
-            <a:off x="1447619" y="2069054"/>
-            <a:ext cx="2007039" cy="1193723"/>
+            <a:off x="1342100" y="1963535"/>
+            <a:ext cx="2185362" cy="1226438"/>
           </a:xfrm>
           <a:prstGeom prst="bentConnector3">
             <a:avLst/>
@@ -21226,14 +23133,14 @@
         </p:nvSpPr>
         <p:spPr>
           <a:xfrm rot="5400000">
-            <a:off x="2281446" y="2527072"/>
+            <a:off x="2281446" y="2434793"/>
             <a:ext cx="339383" cy="279825"/>
           </a:xfrm>
           <a:prstGeom prst="triangle">
             <a:avLst/>
           </a:prstGeom>
           <a:solidFill>
-            <a:schemeClr val="tx1"/>
+            <a:schemeClr val="bg1"/>
           </a:solidFill>
           <a:ln>
             <a:solidFill>
@@ -21360,14 +23267,15 @@
             </a:extLst>
           </p:cNvPr>
           <p:cNvCxnSpPr>
+            <a:cxnSpLocks/>
             <a:stCxn id="26" idx="3"/>
           </p:cNvCxnSpPr>
           <p:nvPr/>
         </p:nvCxnSpPr>
         <p:spPr>
-          <a:xfrm flipV="1">
-            <a:off x="5215241" y="3696195"/>
-            <a:ext cx="774079" cy="1"/>
+          <a:xfrm>
+            <a:off x="5215241" y="3696196"/>
+            <a:ext cx="2334526" cy="0"/>
           </a:xfrm>
           <a:prstGeom prst="line">
             <a:avLst/>
@@ -21398,50 +23306,15 @@
             </a:extLst>
           </p:cNvPr>
           <p:cNvCxnSpPr>
+            <a:cxnSpLocks/>
             <a:stCxn id="80" idx="0"/>
           </p:cNvCxnSpPr>
           <p:nvPr/>
         </p:nvCxnSpPr>
         <p:spPr>
           <a:xfrm flipV="1">
-            <a:off x="1924068" y="4588277"/>
-            <a:ext cx="4433147" cy="1"/>
-          </a:xfrm>
-          <a:prstGeom prst="line">
-            <a:avLst/>
-          </a:prstGeom>
-        </p:spPr>
-        <p:style>
-          <a:lnRef idx="1">
-            <a:schemeClr val="accent1"/>
-          </a:lnRef>
-          <a:fillRef idx="0">
-            <a:schemeClr val="accent1"/>
-          </a:fillRef>
-          <a:effectRef idx="0">
-            <a:schemeClr val="accent1"/>
-          </a:effectRef>
-          <a:fontRef idx="minor">
-            <a:schemeClr val="tx1"/>
-          </a:fontRef>
-        </p:style>
-      </p:cxnSp>
-      <p:cxnSp>
-        <p:nvCxnSpPr>
-          <p:cNvPr id="60" name="Connettore diritto 59">
-            <a:extLst>
-              <a:ext uri="{FF2B5EF4-FFF2-40B4-BE49-F238E27FC236}">
-                <a16:creationId xmlns:a16="http://schemas.microsoft.com/office/drawing/2014/main" id="{4BB11D68-3E90-46D2-84CC-6AC41A5AB051}"/>
-              </a:ext>
-            </a:extLst>
-          </p:cNvPr>
-          <p:cNvCxnSpPr/>
-          <p:nvPr/>
-        </p:nvCxnSpPr>
-        <p:spPr>
-          <a:xfrm>
-            <a:off x="6384751" y="4416977"/>
-            <a:ext cx="0" cy="169692"/>
+            <a:off x="1907290" y="4579411"/>
+            <a:ext cx="3789934" cy="8867"/>
           </a:xfrm>
           <a:prstGeom prst="line">
             <a:avLst/>
@@ -21556,6 +23429,14 @@
           <a:prstGeom prst="rect">
             <a:avLst/>
           </a:prstGeom>
+          <a:solidFill>
+            <a:schemeClr val="bg1"/>
+          </a:solidFill>
+          <a:ln>
+            <a:solidFill>
+              <a:schemeClr val="tx1"/>
+            </a:solidFill>
+          </a:ln>
         </p:spPr>
         <p:style>
           <a:lnRef idx="2">
@@ -21579,8 +23460,12 @@
           <a:p>
             <a:pPr algn="ctr"/>
             <a:r>
-              <a:rPr lang="it-IT" dirty="0"/>
-              <a:t>Aspetta 10</a:t>
+              <a:rPr lang="it-IT" dirty="0">
+                <a:solidFill>
+                  <a:schemeClr val="tx1"/>
+                </a:solidFill>
+              </a:rPr>
+              <a:t>Reception Counter9</a:t>
             </a:r>
           </a:p>
         </p:txBody>
@@ -21594,13 +23479,15 @@
               </a:ext>
             </a:extLst>
           </p:cNvPr>
-          <p:cNvCxnSpPr/>
+          <p:cNvCxnSpPr>
+            <a:cxnSpLocks/>
+          </p:cNvCxnSpPr>
           <p:nvPr/>
         </p:nvCxnSpPr>
         <p:spPr>
-          <a:xfrm flipV="1">
-            <a:off x="6862794" y="3794380"/>
-            <a:ext cx="774079" cy="1"/>
+          <a:xfrm>
+            <a:off x="7059379" y="4262975"/>
+            <a:ext cx="490388" cy="1"/>
           </a:xfrm>
           <a:prstGeom prst="line">
             <a:avLst/>
@@ -21651,9 +23538,2008 @@
           <a:p>
             <a:r>
               <a:rPr lang="it-IT" dirty="0" err="1"/>
-              <a:t>Deserializzatore</a:t>
+              <a:t>Deserializer</a:t>
             </a:r>
             <a:endParaRPr lang="it-IT" dirty="0"/>
+          </a:p>
+        </p:txBody>
+      </p:sp>
+      <p:cxnSp>
+        <p:nvCxnSpPr>
+          <p:cNvPr id="73" name="Connettore diritto 72">
+            <a:extLst>
+              <a:ext uri="{FF2B5EF4-FFF2-40B4-BE49-F238E27FC236}">
+                <a16:creationId xmlns:a16="http://schemas.microsoft.com/office/drawing/2014/main" id="{6FC741A4-5406-44CB-AC47-88FC00EA152B}"/>
+              </a:ext>
+            </a:extLst>
+          </p:cNvPr>
+          <p:cNvCxnSpPr>
+            <a:cxnSpLocks/>
+          </p:cNvCxnSpPr>
+          <p:nvPr/>
+        </p:nvCxnSpPr>
+        <p:spPr>
+          <a:xfrm>
+            <a:off x="1108400" y="3257543"/>
+            <a:ext cx="761295" cy="0"/>
+          </a:xfrm>
+          <a:prstGeom prst="line">
+            <a:avLst/>
+          </a:prstGeom>
+          <a:ln w="28575">
+            <a:solidFill>
+              <a:schemeClr val="tx1"/>
+            </a:solidFill>
+          </a:ln>
+        </p:spPr>
+        <p:style>
+          <a:lnRef idx="1">
+            <a:schemeClr val="accent1"/>
+          </a:lnRef>
+          <a:fillRef idx="0">
+            <a:schemeClr val="accent1"/>
+          </a:fillRef>
+          <a:effectRef idx="0">
+            <a:schemeClr val="accent1"/>
+          </a:effectRef>
+          <a:fontRef idx="minor">
+            <a:schemeClr val="tx1"/>
+          </a:fontRef>
+        </p:style>
+      </p:cxnSp>
+      <p:sp>
+        <p:nvSpPr>
+          <p:cNvPr id="75" name="CasellaDiTesto 74">
+            <a:extLst>
+              <a:ext uri="{FF2B5EF4-FFF2-40B4-BE49-F238E27FC236}">
+                <a16:creationId xmlns:a16="http://schemas.microsoft.com/office/drawing/2014/main" id="{B40CA8D9-23C9-4108-B115-5205902FEAC7}"/>
+              </a:ext>
+            </a:extLst>
+          </p:cNvPr>
+          <p:cNvSpPr txBox="1"/>
+          <p:nvPr/>
+        </p:nvSpPr>
+        <p:spPr>
+          <a:xfrm>
+            <a:off x="102746" y="2979807"/>
+            <a:ext cx="1211236" cy="369332"/>
+          </a:xfrm>
+          <a:prstGeom prst="rect">
+            <a:avLst/>
+          </a:prstGeom>
+          <a:noFill/>
+        </p:spPr>
+        <p:txBody>
+          <a:bodyPr wrap="square" rtlCol="0">
+            <a:spAutoFit/>
+          </a:bodyPr>
+          <a:lstStyle/>
+          <a:p>
+            <a:r>
+              <a:rPr lang="it-IT" dirty="0" err="1"/>
+              <a:t>BufferFull</a:t>
+            </a:r>
+            <a:endParaRPr lang="it-IT" dirty="0"/>
+          </a:p>
+        </p:txBody>
+      </p:sp>
+      <p:sp>
+        <p:nvSpPr>
+          <p:cNvPr id="81" name="Triangolo isoscele 80">
+            <a:extLst>
+              <a:ext uri="{FF2B5EF4-FFF2-40B4-BE49-F238E27FC236}">
+                <a16:creationId xmlns:a16="http://schemas.microsoft.com/office/drawing/2014/main" id="{6827B114-2EDD-4EE3-B1A1-BC7CF9ECFB19}"/>
+              </a:ext>
+            </a:extLst>
+          </p:cNvPr>
+          <p:cNvSpPr/>
+          <p:nvPr/>
+        </p:nvSpPr>
+        <p:spPr>
+          <a:xfrm rot="5400000">
+            <a:off x="1456798" y="3193522"/>
+            <a:ext cx="153354" cy="119690"/>
+          </a:xfrm>
+          <a:prstGeom prst="triangle">
+            <a:avLst/>
+          </a:prstGeom>
+          <a:solidFill>
+            <a:schemeClr val="tx1"/>
+          </a:solidFill>
+          <a:ln>
+            <a:solidFill>
+              <a:schemeClr val="tx1"/>
+            </a:solidFill>
+          </a:ln>
+        </p:spPr>
+        <p:style>
+          <a:lnRef idx="2">
+            <a:schemeClr val="accent1">
+              <a:shade val="50000"/>
+            </a:schemeClr>
+          </a:lnRef>
+          <a:fillRef idx="1">
+            <a:schemeClr val="accent1"/>
+          </a:fillRef>
+          <a:effectRef idx="0">
+            <a:schemeClr val="accent1"/>
+          </a:effectRef>
+          <a:fontRef idx="minor">
+            <a:schemeClr val="lt1"/>
+          </a:fontRef>
+        </p:style>
+        <p:txBody>
+          <a:bodyPr rtlCol="0" anchor="ctr"/>
+          <a:lstStyle/>
+          <a:p>
+            <a:pPr algn="ctr"/>
+            <a:endParaRPr lang="it-IT" dirty="0"/>
+          </a:p>
+        </p:txBody>
+      </p:sp>
+      <p:sp>
+        <p:nvSpPr>
+          <p:cNvPr id="82" name="Ovale 81">
+            <a:extLst>
+              <a:ext uri="{FF2B5EF4-FFF2-40B4-BE49-F238E27FC236}">
+                <a16:creationId xmlns:a16="http://schemas.microsoft.com/office/drawing/2014/main" id="{45BF9279-FF1B-4E74-8898-D14115367651}"/>
+              </a:ext>
+            </a:extLst>
+          </p:cNvPr>
+          <p:cNvSpPr/>
+          <p:nvPr/>
+        </p:nvSpPr>
+        <p:spPr>
+          <a:xfrm>
+            <a:off x="2549965" y="2540364"/>
+            <a:ext cx="75457" cy="72132"/>
+          </a:xfrm>
+          <a:prstGeom prst="ellipse">
+            <a:avLst/>
+          </a:prstGeom>
+          <a:solidFill>
+            <a:schemeClr val="bg1"/>
+          </a:solidFill>
+          <a:ln>
+            <a:solidFill>
+              <a:schemeClr val="tx1"/>
+            </a:solidFill>
+          </a:ln>
+        </p:spPr>
+        <p:style>
+          <a:lnRef idx="2">
+            <a:schemeClr val="accent1">
+              <a:shade val="50000"/>
+            </a:schemeClr>
+          </a:lnRef>
+          <a:fillRef idx="1">
+            <a:schemeClr val="accent1"/>
+          </a:fillRef>
+          <a:effectRef idx="0">
+            <a:schemeClr val="accent1"/>
+          </a:effectRef>
+          <a:fontRef idx="minor">
+            <a:schemeClr val="lt1"/>
+          </a:fontRef>
+        </p:style>
+        <p:txBody>
+          <a:bodyPr rtlCol="0" anchor="ctr"/>
+          <a:lstStyle/>
+          <a:p>
+            <a:pPr algn="ctr"/>
+            <a:endParaRPr lang="it-IT"/>
+          </a:p>
+        </p:txBody>
+      </p:sp>
+      <p:cxnSp>
+        <p:nvCxnSpPr>
+          <p:cNvPr id="12" name="Connettore a gomito 11">
+            <a:extLst>
+              <a:ext uri="{FF2B5EF4-FFF2-40B4-BE49-F238E27FC236}">
+                <a16:creationId xmlns:a16="http://schemas.microsoft.com/office/drawing/2014/main" id="{AF287D7E-502F-49E7-B824-60CB2C9D4D9D}"/>
+              </a:ext>
+            </a:extLst>
+          </p:cNvPr>
+          <p:cNvCxnSpPr>
+            <a:cxnSpLocks/>
+          </p:cNvCxnSpPr>
+          <p:nvPr/>
+        </p:nvCxnSpPr>
+        <p:spPr>
+          <a:xfrm flipV="1">
+            <a:off x="4564171" y="2842260"/>
+            <a:ext cx="4702662" cy="757252"/>
+          </a:xfrm>
+          <a:prstGeom prst="bentConnector3">
+            <a:avLst>
+              <a:gd name="adj1" fmla="val -393"/>
+            </a:avLst>
+          </a:prstGeom>
+        </p:spPr>
+        <p:style>
+          <a:lnRef idx="1">
+            <a:schemeClr val="accent1"/>
+          </a:lnRef>
+          <a:fillRef idx="0">
+            <a:schemeClr val="accent1"/>
+          </a:fillRef>
+          <a:effectRef idx="0">
+            <a:schemeClr val="accent1"/>
+          </a:effectRef>
+          <a:fontRef idx="minor">
+            <a:schemeClr val="tx1"/>
+          </a:fontRef>
+        </p:style>
+      </p:cxnSp>
+      <p:cxnSp>
+        <p:nvCxnSpPr>
+          <p:cNvPr id="15" name="Connettore a gomito 14">
+            <a:extLst>
+              <a:ext uri="{FF2B5EF4-FFF2-40B4-BE49-F238E27FC236}">
+                <a16:creationId xmlns:a16="http://schemas.microsoft.com/office/drawing/2014/main" id="{3A49B748-EA2B-40C8-9BE0-C89AF5B1E63E}"/>
+              </a:ext>
+            </a:extLst>
+          </p:cNvPr>
+          <p:cNvCxnSpPr>
+            <a:cxnSpLocks/>
+          </p:cNvCxnSpPr>
+          <p:nvPr/>
+        </p:nvCxnSpPr>
+        <p:spPr>
+          <a:xfrm rot="5400000">
+            <a:off x="8593756" y="3147779"/>
+            <a:ext cx="952116" cy="341082"/>
+          </a:xfrm>
+          <a:prstGeom prst="bentConnector3">
+            <a:avLst>
+              <a:gd name="adj1" fmla="val 118027"/>
+            </a:avLst>
+          </a:prstGeom>
+        </p:spPr>
+        <p:style>
+          <a:lnRef idx="1">
+            <a:schemeClr val="accent1"/>
+          </a:lnRef>
+          <a:fillRef idx="0">
+            <a:schemeClr val="accent1"/>
+          </a:fillRef>
+          <a:effectRef idx="0">
+            <a:schemeClr val="accent1"/>
+          </a:effectRef>
+          <a:fontRef idx="minor">
+            <a:schemeClr val="tx1"/>
+          </a:fontRef>
+        </p:style>
+      </p:cxnSp>
+      <p:cxnSp>
+        <p:nvCxnSpPr>
+          <p:cNvPr id="24" name="Connettore diritto 23">
+            <a:extLst>
+              <a:ext uri="{FF2B5EF4-FFF2-40B4-BE49-F238E27FC236}">
+                <a16:creationId xmlns:a16="http://schemas.microsoft.com/office/drawing/2014/main" id="{C59D2BFF-CC6F-4F45-B89A-8799178EAA90}"/>
+              </a:ext>
+            </a:extLst>
+          </p:cNvPr>
+          <p:cNvCxnSpPr/>
+          <p:nvPr/>
+        </p:nvCxnSpPr>
+        <p:spPr>
+          <a:xfrm>
+            <a:off x="6078786" y="3696195"/>
+            <a:ext cx="0" cy="157907"/>
+          </a:xfrm>
+          <a:prstGeom prst="line">
+            <a:avLst/>
+          </a:prstGeom>
+        </p:spPr>
+        <p:style>
+          <a:lnRef idx="1">
+            <a:schemeClr val="accent1"/>
+          </a:lnRef>
+          <a:fillRef idx="0">
+            <a:schemeClr val="accent1"/>
+          </a:fillRef>
+          <a:effectRef idx="0">
+            <a:schemeClr val="accent1"/>
+          </a:effectRef>
+          <a:fontRef idx="minor">
+            <a:schemeClr val="tx1"/>
+          </a:fontRef>
+        </p:style>
+      </p:cxnSp>
+      <p:sp>
+        <p:nvSpPr>
+          <p:cNvPr id="91" name="CasellaDiTesto 90">
+            <a:extLst>
+              <a:ext uri="{FF2B5EF4-FFF2-40B4-BE49-F238E27FC236}">
+                <a16:creationId xmlns:a16="http://schemas.microsoft.com/office/drawing/2014/main" id="{3FAD2535-AAAB-44A6-BD1B-E8EE6A09F310}"/>
+              </a:ext>
+            </a:extLst>
+          </p:cNvPr>
+          <p:cNvSpPr txBox="1"/>
+          <p:nvPr/>
+        </p:nvSpPr>
+        <p:spPr>
+          <a:xfrm>
+            <a:off x="5293522" y="3482519"/>
+            <a:ext cx="679509" cy="307777"/>
+          </a:xfrm>
+          <a:prstGeom prst="rect">
+            <a:avLst/>
+          </a:prstGeom>
+          <a:noFill/>
+        </p:spPr>
+        <p:txBody>
+          <a:bodyPr wrap="square" rtlCol="0">
+            <a:spAutoFit/>
+          </a:bodyPr>
+          <a:lstStyle/>
+          <a:p>
+            <a:r>
+              <a:rPr lang="it-IT" sz="1400" dirty="0"/>
+              <a:t>reset</a:t>
+            </a:r>
+          </a:p>
+        </p:txBody>
+      </p:sp>
+      <p:cxnSp>
+        <p:nvCxnSpPr>
+          <p:cNvPr id="28" name="Connettore diritto 27">
+            <a:extLst>
+              <a:ext uri="{FF2B5EF4-FFF2-40B4-BE49-F238E27FC236}">
+                <a16:creationId xmlns:a16="http://schemas.microsoft.com/office/drawing/2014/main" id="{F8BE72C6-F2F8-45CF-988F-0F8649228BD2}"/>
+              </a:ext>
+            </a:extLst>
+          </p:cNvPr>
+          <p:cNvCxnSpPr>
+            <a:cxnSpLocks/>
+          </p:cNvCxnSpPr>
+          <p:nvPr/>
+        </p:nvCxnSpPr>
+        <p:spPr>
+          <a:xfrm flipH="1">
+            <a:off x="4204696" y="969401"/>
+            <a:ext cx="5443989" cy="0"/>
+          </a:xfrm>
+          <a:prstGeom prst="line">
+            <a:avLst/>
+          </a:prstGeom>
+        </p:spPr>
+        <p:style>
+          <a:lnRef idx="1">
+            <a:schemeClr val="accent1"/>
+          </a:lnRef>
+          <a:fillRef idx="0">
+            <a:schemeClr val="accent1"/>
+          </a:fillRef>
+          <a:effectRef idx="0">
+            <a:schemeClr val="accent1"/>
+          </a:effectRef>
+          <a:fontRef idx="minor">
+            <a:schemeClr val="tx1"/>
+          </a:fontRef>
+        </p:style>
+      </p:cxnSp>
+      <p:cxnSp>
+        <p:nvCxnSpPr>
+          <p:cNvPr id="30" name="Connettore diritto 29">
+            <a:extLst>
+              <a:ext uri="{FF2B5EF4-FFF2-40B4-BE49-F238E27FC236}">
+                <a16:creationId xmlns:a16="http://schemas.microsoft.com/office/drawing/2014/main" id="{DBA2DB71-8466-45EE-A7CC-67960A0C0823}"/>
+              </a:ext>
+            </a:extLst>
+          </p:cNvPr>
+          <p:cNvCxnSpPr>
+            <a:cxnSpLocks/>
+          </p:cNvCxnSpPr>
+          <p:nvPr/>
+        </p:nvCxnSpPr>
+        <p:spPr>
+          <a:xfrm>
+            <a:off x="4206824" y="977465"/>
+            <a:ext cx="0" cy="461359"/>
+          </a:xfrm>
+          <a:prstGeom prst="line">
+            <a:avLst/>
+          </a:prstGeom>
+        </p:spPr>
+        <p:style>
+          <a:lnRef idx="1">
+            <a:schemeClr val="accent1"/>
+          </a:lnRef>
+          <a:fillRef idx="0">
+            <a:schemeClr val="accent1"/>
+          </a:fillRef>
+          <a:effectRef idx="0">
+            <a:schemeClr val="accent1"/>
+          </a:effectRef>
+          <a:fontRef idx="minor">
+            <a:schemeClr val="tx1"/>
+          </a:fontRef>
+        </p:style>
+      </p:cxnSp>
+      <p:sp>
+        <p:nvSpPr>
+          <p:cNvPr id="133" name="Triangolo isoscele 132">
+            <a:extLst>
+              <a:ext uri="{FF2B5EF4-FFF2-40B4-BE49-F238E27FC236}">
+                <a16:creationId xmlns:a16="http://schemas.microsoft.com/office/drawing/2014/main" id="{13D77D99-667C-4948-96D8-71878549E4D7}"/>
+              </a:ext>
+            </a:extLst>
+          </p:cNvPr>
+          <p:cNvSpPr/>
+          <p:nvPr/>
+        </p:nvSpPr>
+        <p:spPr>
+          <a:xfrm rot="5400000">
+            <a:off x="5706357" y="4531832"/>
+            <a:ext cx="153354" cy="119690"/>
+          </a:xfrm>
+          <a:prstGeom prst="triangle">
+            <a:avLst/>
+          </a:prstGeom>
+          <a:solidFill>
+            <a:schemeClr val="bg1"/>
+          </a:solidFill>
+          <a:ln>
+            <a:solidFill>
+              <a:schemeClr val="tx1"/>
+            </a:solidFill>
+          </a:ln>
+        </p:spPr>
+        <p:style>
+          <a:lnRef idx="2">
+            <a:schemeClr val="accent1">
+              <a:shade val="50000"/>
+            </a:schemeClr>
+          </a:lnRef>
+          <a:fillRef idx="1">
+            <a:schemeClr val="accent1"/>
+          </a:fillRef>
+          <a:effectRef idx="0">
+            <a:schemeClr val="accent1"/>
+          </a:effectRef>
+          <a:fontRef idx="minor">
+            <a:schemeClr val="lt1"/>
+          </a:fontRef>
+        </p:style>
+        <p:txBody>
+          <a:bodyPr rtlCol="0" anchor="ctr"/>
+          <a:lstStyle/>
+          <a:p>
+            <a:pPr algn="ctr"/>
+            <a:endParaRPr lang="it-IT" dirty="0"/>
+          </a:p>
+        </p:txBody>
+      </p:sp>
+      <p:sp>
+        <p:nvSpPr>
+          <p:cNvPr id="134" name="Triangolo isoscele 133">
+            <a:extLst>
+              <a:ext uri="{FF2B5EF4-FFF2-40B4-BE49-F238E27FC236}">
+                <a16:creationId xmlns:a16="http://schemas.microsoft.com/office/drawing/2014/main" id="{FEA603D7-1BDF-47C4-97F2-45835E35EAE2}"/>
+              </a:ext>
+            </a:extLst>
+          </p:cNvPr>
+          <p:cNvSpPr/>
+          <p:nvPr/>
+        </p:nvSpPr>
+        <p:spPr>
+          <a:xfrm rot="5400000">
+            <a:off x="7545419" y="4203130"/>
+            <a:ext cx="153354" cy="119690"/>
+          </a:xfrm>
+          <a:prstGeom prst="triangle">
+            <a:avLst/>
+          </a:prstGeom>
+          <a:solidFill>
+            <a:schemeClr val="bg1"/>
+          </a:solidFill>
+          <a:ln>
+            <a:solidFill>
+              <a:schemeClr val="tx1"/>
+            </a:solidFill>
+          </a:ln>
+        </p:spPr>
+        <p:style>
+          <a:lnRef idx="2">
+            <a:schemeClr val="accent1">
+              <a:shade val="50000"/>
+            </a:schemeClr>
+          </a:lnRef>
+          <a:fillRef idx="1">
+            <a:schemeClr val="accent1"/>
+          </a:fillRef>
+          <a:effectRef idx="0">
+            <a:schemeClr val="accent1"/>
+          </a:effectRef>
+          <a:fontRef idx="minor">
+            <a:schemeClr val="lt1"/>
+          </a:fontRef>
+        </p:style>
+        <p:txBody>
+          <a:bodyPr rtlCol="0" anchor="ctr"/>
+          <a:lstStyle/>
+          <a:p>
+            <a:pPr algn="ctr"/>
+            <a:endParaRPr lang="it-IT" dirty="0"/>
+          </a:p>
+        </p:txBody>
+      </p:sp>
+      <p:sp>
+        <p:nvSpPr>
+          <p:cNvPr id="135" name="Triangolo isoscele 134">
+            <a:extLst>
+              <a:ext uri="{FF2B5EF4-FFF2-40B4-BE49-F238E27FC236}">
+                <a16:creationId xmlns:a16="http://schemas.microsoft.com/office/drawing/2014/main" id="{F4C22DA2-C1C9-43B4-BEE5-63C54D40214A}"/>
+              </a:ext>
+            </a:extLst>
+          </p:cNvPr>
+          <p:cNvSpPr/>
+          <p:nvPr/>
+        </p:nvSpPr>
+        <p:spPr>
+          <a:xfrm>
+            <a:off x="3523119" y="4318469"/>
+            <a:ext cx="153354" cy="119690"/>
+          </a:xfrm>
+          <a:prstGeom prst="triangle">
+            <a:avLst/>
+          </a:prstGeom>
+          <a:solidFill>
+            <a:schemeClr val="bg1"/>
+          </a:solidFill>
+          <a:ln>
+            <a:solidFill>
+              <a:schemeClr val="tx1"/>
+            </a:solidFill>
+          </a:ln>
+        </p:spPr>
+        <p:style>
+          <a:lnRef idx="2">
+            <a:schemeClr val="accent1">
+              <a:shade val="50000"/>
+            </a:schemeClr>
+          </a:lnRef>
+          <a:fillRef idx="1">
+            <a:schemeClr val="accent1"/>
+          </a:fillRef>
+          <a:effectRef idx="0">
+            <a:schemeClr val="accent1"/>
+          </a:effectRef>
+          <a:fontRef idx="minor">
+            <a:schemeClr val="lt1"/>
+          </a:fontRef>
+        </p:style>
+        <p:txBody>
+          <a:bodyPr rtlCol="0" anchor="ctr"/>
+          <a:lstStyle/>
+          <a:p>
+            <a:pPr algn="ctr"/>
+            <a:endParaRPr lang="it-IT" dirty="0"/>
+          </a:p>
+        </p:txBody>
+      </p:sp>
+      <p:cxnSp>
+        <p:nvCxnSpPr>
+          <p:cNvPr id="32" name="Connettore diritto 31">
+            <a:extLst>
+              <a:ext uri="{FF2B5EF4-FFF2-40B4-BE49-F238E27FC236}">
+                <a16:creationId xmlns:a16="http://schemas.microsoft.com/office/drawing/2014/main" id="{4DBECE69-54E4-4F3F-B55F-BA2C8745B1DF}"/>
+              </a:ext>
+            </a:extLst>
+          </p:cNvPr>
+          <p:cNvCxnSpPr/>
+          <p:nvPr/>
+        </p:nvCxnSpPr>
+        <p:spPr>
+          <a:xfrm flipH="1">
+            <a:off x="1869695" y="1476303"/>
+            <a:ext cx="1763824" cy="0"/>
+          </a:xfrm>
+          <a:prstGeom prst="line">
+            <a:avLst/>
+          </a:prstGeom>
+        </p:spPr>
+        <p:style>
+          <a:lnRef idx="1">
+            <a:schemeClr val="accent1"/>
+          </a:lnRef>
+          <a:fillRef idx="0">
+            <a:schemeClr val="accent1"/>
+          </a:fillRef>
+          <a:effectRef idx="0">
+            <a:schemeClr val="accent1"/>
+          </a:effectRef>
+          <a:fontRef idx="minor">
+            <a:schemeClr val="tx1"/>
+          </a:fontRef>
+        </p:style>
+      </p:cxnSp>
+      <p:cxnSp>
+        <p:nvCxnSpPr>
+          <p:cNvPr id="137" name="Connettore diritto 136">
+            <a:extLst>
+              <a:ext uri="{FF2B5EF4-FFF2-40B4-BE49-F238E27FC236}">
+                <a16:creationId xmlns:a16="http://schemas.microsoft.com/office/drawing/2014/main" id="{98D3FA22-32AE-4776-95E2-58B5DFA1F94F}"/>
+              </a:ext>
+            </a:extLst>
+          </p:cNvPr>
+          <p:cNvCxnSpPr>
+            <a:cxnSpLocks/>
+          </p:cNvCxnSpPr>
+          <p:nvPr/>
+        </p:nvCxnSpPr>
+        <p:spPr>
+          <a:xfrm flipH="1">
+            <a:off x="4103577" y="1438347"/>
+            <a:ext cx="202239" cy="0"/>
+          </a:xfrm>
+          <a:prstGeom prst="line">
+            <a:avLst/>
+          </a:prstGeom>
+        </p:spPr>
+        <p:style>
+          <a:lnRef idx="1">
+            <a:schemeClr val="accent1"/>
+          </a:lnRef>
+          <a:fillRef idx="0">
+            <a:schemeClr val="accent1"/>
+          </a:fillRef>
+          <a:effectRef idx="0">
+            <a:schemeClr val="accent1"/>
+          </a:effectRef>
+          <a:fontRef idx="minor">
+            <a:schemeClr val="tx1"/>
+          </a:fontRef>
+        </p:style>
+      </p:cxnSp>
+      <p:cxnSp>
+        <p:nvCxnSpPr>
+          <p:cNvPr id="139" name="Connettore diritto 138">
+            <a:extLst>
+              <a:ext uri="{FF2B5EF4-FFF2-40B4-BE49-F238E27FC236}">
+                <a16:creationId xmlns:a16="http://schemas.microsoft.com/office/drawing/2014/main" id="{33EB0848-E060-4530-BE45-655665054B9B}"/>
+              </a:ext>
+            </a:extLst>
+          </p:cNvPr>
+          <p:cNvCxnSpPr>
+            <a:cxnSpLocks/>
+          </p:cNvCxnSpPr>
+          <p:nvPr/>
+        </p:nvCxnSpPr>
+        <p:spPr>
+          <a:xfrm flipH="1">
+            <a:off x="4767634" y="1451661"/>
+            <a:ext cx="202239" cy="0"/>
+          </a:xfrm>
+          <a:prstGeom prst="line">
+            <a:avLst/>
+          </a:prstGeom>
+        </p:spPr>
+        <p:style>
+          <a:lnRef idx="1">
+            <a:schemeClr val="accent1"/>
+          </a:lnRef>
+          <a:fillRef idx="0">
+            <a:schemeClr val="accent1"/>
+          </a:fillRef>
+          <a:effectRef idx="0">
+            <a:schemeClr val="accent1"/>
+          </a:effectRef>
+          <a:fontRef idx="minor">
+            <a:schemeClr val="tx1"/>
+          </a:fontRef>
+        </p:style>
+      </p:cxnSp>
+      <p:cxnSp>
+        <p:nvCxnSpPr>
+          <p:cNvPr id="140" name="Connettore diritto 139">
+            <a:extLst>
+              <a:ext uri="{FF2B5EF4-FFF2-40B4-BE49-F238E27FC236}">
+                <a16:creationId xmlns:a16="http://schemas.microsoft.com/office/drawing/2014/main" id="{42570F9F-AE2C-4158-AE0A-459A0D2C0A45}"/>
+              </a:ext>
+            </a:extLst>
+          </p:cNvPr>
+          <p:cNvCxnSpPr>
+            <a:cxnSpLocks/>
+          </p:cNvCxnSpPr>
+          <p:nvPr/>
+        </p:nvCxnSpPr>
+        <p:spPr>
+          <a:xfrm flipH="1">
+            <a:off x="5413057" y="1438347"/>
+            <a:ext cx="202239" cy="0"/>
+          </a:xfrm>
+          <a:prstGeom prst="line">
+            <a:avLst/>
+          </a:prstGeom>
+        </p:spPr>
+        <p:style>
+          <a:lnRef idx="1">
+            <a:schemeClr val="accent1"/>
+          </a:lnRef>
+          <a:fillRef idx="0">
+            <a:schemeClr val="accent1"/>
+          </a:fillRef>
+          <a:effectRef idx="0">
+            <a:schemeClr val="accent1"/>
+          </a:effectRef>
+          <a:fontRef idx="minor">
+            <a:schemeClr val="tx1"/>
+          </a:fontRef>
+        </p:style>
+      </p:cxnSp>
+      <p:cxnSp>
+        <p:nvCxnSpPr>
+          <p:cNvPr id="141" name="Connettore diritto 140">
+            <a:extLst>
+              <a:ext uri="{FF2B5EF4-FFF2-40B4-BE49-F238E27FC236}">
+                <a16:creationId xmlns:a16="http://schemas.microsoft.com/office/drawing/2014/main" id="{13E33861-2FF3-4A18-8CBF-2DDE9C04A35B}"/>
+              </a:ext>
+            </a:extLst>
+          </p:cNvPr>
+          <p:cNvCxnSpPr>
+            <a:cxnSpLocks/>
+          </p:cNvCxnSpPr>
+          <p:nvPr/>
+        </p:nvCxnSpPr>
+        <p:spPr>
+          <a:xfrm flipH="1">
+            <a:off x="6078786" y="1429866"/>
+            <a:ext cx="202239" cy="0"/>
+          </a:xfrm>
+          <a:prstGeom prst="line">
+            <a:avLst/>
+          </a:prstGeom>
+        </p:spPr>
+        <p:style>
+          <a:lnRef idx="1">
+            <a:schemeClr val="accent1"/>
+          </a:lnRef>
+          <a:fillRef idx="0">
+            <a:schemeClr val="accent1"/>
+          </a:fillRef>
+          <a:effectRef idx="0">
+            <a:schemeClr val="accent1"/>
+          </a:effectRef>
+          <a:fontRef idx="minor">
+            <a:schemeClr val="tx1"/>
+          </a:fontRef>
+        </p:style>
+      </p:cxnSp>
+      <p:cxnSp>
+        <p:nvCxnSpPr>
+          <p:cNvPr id="142" name="Connettore diritto 141">
+            <a:extLst>
+              <a:ext uri="{FF2B5EF4-FFF2-40B4-BE49-F238E27FC236}">
+                <a16:creationId xmlns:a16="http://schemas.microsoft.com/office/drawing/2014/main" id="{8162E8C2-AC50-4188-B5D4-527A065FD56B}"/>
+              </a:ext>
+            </a:extLst>
+          </p:cNvPr>
+          <p:cNvCxnSpPr>
+            <a:cxnSpLocks/>
+          </p:cNvCxnSpPr>
+          <p:nvPr/>
+        </p:nvCxnSpPr>
+        <p:spPr>
+          <a:xfrm flipH="1">
+            <a:off x="6734989" y="1430911"/>
+            <a:ext cx="202239" cy="0"/>
+          </a:xfrm>
+          <a:prstGeom prst="line">
+            <a:avLst/>
+          </a:prstGeom>
+        </p:spPr>
+        <p:style>
+          <a:lnRef idx="1">
+            <a:schemeClr val="accent1"/>
+          </a:lnRef>
+          <a:fillRef idx="0">
+            <a:schemeClr val="accent1"/>
+          </a:fillRef>
+          <a:effectRef idx="0">
+            <a:schemeClr val="accent1"/>
+          </a:effectRef>
+          <a:fontRef idx="minor">
+            <a:schemeClr val="tx1"/>
+          </a:fontRef>
+        </p:style>
+      </p:cxnSp>
+      <p:cxnSp>
+        <p:nvCxnSpPr>
+          <p:cNvPr id="143" name="Connettore diritto 142">
+            <a:extLst>
+              <a:ext uri="{FF2B5EF4-FFF2-40B4-BE49-F238E27FC236}">
+                <a16:creationId xmlns:a16="http://schemas.microsoft.com/office/drawing/2014/main" id="{D32F3C4A-1338-4887-8D6A-E9899F3ED9F2}"/>
+              </a:ext>
+            </a:extLst>
+          </p:cNvPr>
+          <p:cNvCxnSpPr>
+            <a:cxnSpLocks/>
+          </p:cNvCxnSpPr>
+          <p:nvPr/>
+        </p:nvCxnSpPr>
+        <p:spPr>
+          <a:xfrm flipH="1">
+            <a:off x="7386429" y="1436719"/>
+            <a:ext cx="202239" cy="0"/>
+          </a:xfrm>
+          <a:prstGeom prst="line">
+            <a:avLst/>
+          </a:prstGeom>
+        </p:spPr>
+        <p:style>
+          <a:lnRef idx="1">
+            <a:schemeClr val="accent1"/>
+          </a:lnRef>
+          <a:fillRef idx="0">
+            <a:schemeClr val="accent1"/>
+          </a:fillRef>
+          <a:effectRef idx="0">
+            <a:schemeClr val="accent1"/>
+          </a:effectRef>
+          <a:fontRef idx="minor">
+            <a:schemeClr val="tx1"/>
+          </a:fontRef>
+        </p:style>
+      </p:cxnSp>
+      <p:cxnSp>
+        <p:nvCxnSpPr>
+          <p:cNvPr id="144" name="Connettore diritto 143">
+            <a:extLst>
+              <a:ext uri="{FF2B5EF4-FFF2-40B4-BE49-F238E27FC236}">
+                <a16:creationId xmlns:a16="http://schemas.microsoft.com/office/drawing/2014/main" id="{31853E17-A6A3-4B96-9E76-9FE57D74F9D2}"/>
+              </a:ext>
+            </a:extLst>
+          </p:cNvPr>
+          <p:cNvCxnSpPr>
+            <a:cxnSpLocks/>
+          </p:cNvCxnSpPr>
+          <p:nvPr/>
+        </p:nvCxnSpPr>
+        <p:spPr>
+          <a:xfrm flipH="1">
+            <a:off x="8037869" y="1442527"/>
+            <a:ext cx="202239" cy="0"/>
+          </a:xfrm>
+          <a:prstGeom prst="line">
+            <a:avLst/>
+          </a:prstGeom>
+        </p:spPr>
+        <p:style>
+          <a:lnRef idx="1">
+            <a:schemeClr val="accent1"/>
+          </a:lnRef>
+          <a:fillRef idx="0">
+            <a:schemeClr val="accent1"/>
+          </a:fillRef>
+          <a:effectRef idx="0">
+            <a:schemeClr val="accent1"/>
+          </a:effectRef>
+          <a:fontRef idx="minor">
+            <a:schemeClr val="tx1"/>
+          </a:fontRef>
+        </p:style>
+      </p:cxnSp>
+      <p:cxnSp>
+        <p:nvCxnSpPr>
+          <p:cNvPr id="145" name="Connettore diritto 144">
+            <a:extLst>
+              <a:ext uri="{FF2B5EF4-FFF2-40B4-BE49-F238E27FC236}">
+                <a16:creationId xmlns:a16="http://schemas.microsoft.com/office/drawing/2014/main" id="{5A704E0C-4BC7-4251-B237-30E9DAC65280}"/>
+              </a:ext>
+            </a:extLst>
+          </p:cNvPr>
+          <p:cNvCxnSpPr>
+            <a:cxnSpLocks/>
+          </p:cNvCxnSpPr>
+          <p:nvPr/>
+        </p:nvCxnSpPr>
+        <p:spPr>
+          <a:xfrm flipH="1">
+            <a:off x="8689310" y="1448335"/>
+            <a:ext cx="137202" cy="0"/>
+          </a:xfrm>
+          <a:prstGeom prst="line">
+            <a:avLst/>
+          </a:prstGeom>
+        </p:spPr>
+        <p:style>
+          <a:lnRef idx="1">
+            <a:schemeClr val="accent1"/>
+          </a:lnRef>
+          <a:fillRef idx="0">
+            <a:schemeClr val="accent1"/>
+          </a:fillRef>
+          <a:effectRef idx="0">
+            <a:schemeClr val="accent1"/>
+          </a:effectRef>
+          <a:fontRef idx="minor">
+            <a:schemeClr val="tx1"/>
+          </a:fontRef>
+        </p:style>
+      </p:cxnSp>
+      <p:cxnSp>
+        <p:nvCxnSpPr>
+          <p:cNvPr id="146" name="Connettore diritto 145">
+            <a:extLst>
+              <a:ext uri="{FF2B5EF4-FFF2-40B4-BE49-F238E27FC236}">
+                <a16:creationId xmlns:a16="http://schemas.microsoft.com/office/drawing/2014/main" id="{462EE0D8-E93B-44B4-81FF-458974D1E987}"/>
+              </a:ext>
+            </a:extLst>
+          </p:cNvPr>
+          <p:cNvCxnSpPr>
+            <a:cxnSpLocks/>
+          </p:cNvCxnSpPr>
+          <p:nvPr/>
+        </p:nvCxnSpPr>
+        <p:spPr>
+          <a:xfrm>
+            <a:off x="4864058" y="982221"/>
+            <a:ext cx="0" cy="461359"/>
+          </a:xfrm>
+          <a:prstGeom prst="line">
+            <a:avLst/>
+          </a:prstGeom>
+        </p:spPr>
+        <p:style>
+          <a:lnRef idx="1">
+            <a:schemeClr val="accent1"/>
+          </a:lnRef>
+          <a:fillRef idx="0">
+            <a:schemeClr val="accent1"/>
+          </a:fillRef>
+          <a:effectRef idx="0">
+            <a:schemeClr val="accent1"/>
+          </a:effectRef>
+          <a:fontRef idx="minor">
+            <a:schemeClr val="tx1"/>
+          </a:fontRef>
+        </p:style>
+      </p:cxnSp>
+      <p:cxnSp>
+        <p:nvCxnSpPr>
+          <p:cNvPr id="147" name="Connettore diritto 146">
+            <a:extLst>
+              <a:ext uri="{FF2B5EF4-FFF2-40B4-BE49-F238E27FC236}">
+                <a16:creationId xmlns:a16="http://schemas.microsoft.com/office/drawing/2014/main" id="{F52EC89F-2FA7-49C5-8584-0DAA418AE0F2}"/>
+              </a:ext>
+            </a:extLst>
+          </p:cNvPr>
+          <p:cNvCxnSpPr>
+            <a:cxnSpLocks/>
+          </p:cNvCxnSpPr>
+          <p:nvPr/>
+        </p:nvCxnSpPr>
+        <p:spPr>
+          <a:xfrm>
+            <a:off x="5516529" y="977451"/>
+            <a:ext cx="0" cy="461359"/>
+          </a:xfrm>
+          <a:prstGeom prst="line">
+            <a:avLst/>
+          </a:prstGeom>
+        </p:spPr>
+        <p:style>
+          <a:lnRef idx="1">
+            <a:schemeClr val="accent1"/>
+          </a:lnRef>
+          <a:fillRef idx="0">
+            <a:schemeClr val="accent1"/>
+          </a:fillRef>
+          <a:effectRef idx="0">
+            <a:schemeClr val="accent1"/>
+          </a:effectRef>
+          <a:fontRef idx="minor">
+            <a:schemeClr val="tx1"/>
+          </a:fontRef>
+        </p:style>
+      </p:cxnSp>
+      <p:cxnSp>
+        <p:nvCxnSpPr>
+          <p:cNvPr id="148" name="Connettore diritto 147">
+            <a:extLst>
+              <a:ext uri="{FF2B5EF4-FFF2-40B4-BE49-F238E27FC236}">
+                <a16:creationId xmlns:a16="http://schemas.microsoft.com/office/drawing/2014/main" id="{E6117B38-0914-4862-B443-F59CDD4E0552}"/>
+              </a:ext>
+            </a:extLst>
+          </p:cNvPr>
+          <p:cNvCxnSpPr>
+            <a:cxnSpLocks/>
+          </p:cNvCxnSpPr>
+          <p:nvPr/>
+        </p:nvCxnSpPr>
+        <p:spPr>
+          <a:xfrm>
+            <a:off x="6164237" y="982207"/>
+            <a:ext cx="0" cy="461359"/>
+          </a:xfrm>
+          <a:prstGeom prst="line">
+            <a:avLst/>
+          </a:prstGeom>
+        </p:spPr>
+        <p:style>
+          <a:lnRef idx="1">
+            <a:schemeClr val="accent1"/>
+          </a:lnRef>
+          <a:fillRef idx="0">
+            <a:schemeClr val="accent1"/>
+          </a:fillRef>
+          <a:effectRef idx="0">
+            <a:schemeClr val="accent1"/>
+          </a:effectRef>
+          <a:fontRef idx="minor">
+            <a:schemeClr val="tx1"/>
+          </a:fontRef>
+        </p:style>
+      </p:cxnSp>
+      <p:cxnSp>
+        <p:nvCxnSpPr>
+          <p:cNvPr id="149" name="Connettore diritto 148">
+            <a:extLst>
+              <a:ext uri="{FF2B5EF4-FFF2-40B4-BE49-F238E27FC236}">
+                <a16:creationId xmlns:a16="http://schemas.microsoft.com/office/drawing/2014/main" id="{CC7DA57F-D0A1-4664-B755-F746979EC40B}"/>
+              </a:ext>
+            </a:extLst>
+          </p:cNvPr>
+          <p:cNvCxnSpPr>
+            <a:cxnSpLocks/>
+          </p:cNvCxnSpPr>
+          <p:nvPr/>
+        </p:nvCxnSpPr>
+        <p:spPr>
+          <a:xfrm>
+            <a:off x="6859571" y="977437"/>
+            <a:ext cx="0" cy="461359"/>
+          </a:xfrm>
+          <a:prstGeom prst="line">
+            <a:avLst/>
+          </a:prstGeom>
+        </p:spPr>
+        <p:style>
+          <a:lnRef idx="1">
+            <a:schemeClr val="accent1"/>
+          </a:lnRef>
+          <a:fillRef idx="0">
+            <a:schemeClr val="accent1"/>
+          </a:fillRef>
+          <a:effectRef idx="0">
+            <a:schemeClr val="accent1"/>
+          </a:effectRef>
+          <a:fontRef idx="minor">
+            <a:schemeClr val="tx1"/>
+          </a:fontRef>
+        </p:style>
+      </p:cxnSp>
+      <p:cxnSp>
+        <p:nvCxnSpPr>
+          <p:cNvPr id="150" name="Connettore diritto 149">
+            <a:extLst>
+              <a:ext uri="{FF2B5EF4-FFF2-40B4-BE49-F238E27FC236}">
+                <a16:creationId xmlns:a16="http://schemas.microsoft.com/office/drawing/2014/main" id="{58C50830-48F4-4FAC-A804-546B5895507F}"/>
+              </a:ext>
+            </a:extLst>
+          </p:cNvPr>
+          <p:cNvCxnSpPr>
+            <a:cxnSpLocks/>
+          </p:cNvCxnSpPr>
+          <p:nvPr/>
+        </p:nvCxnSpPr>
+        <p:spPr>
+          <a:xfrm>
+            <a:off x="7492991" y="977430"/>
+            <a:ext cx="0" cy="461359"/>
+          </a:xfrm>
+          <a:prstGeom prst="line">
+            <a:avLst/>
+          </a:prstGeom>
+        </p:spPr>
+        <p:style>
+          <a:lnRef idx="1">
+            <a:schemeClr val="accent1"/>
+          </a:lnRef>
+          <a:fillRef idx="0">
+            <a:schemeClr val="accent1"/>
+          </a:fillRef>
+          <a:effectRef idx="0">
+            <a:schemeClr val="accent1"/>
+          </a:effectRef>
+          <a:fontRef idx="minor">
+            <a:schemeClr val="tx1"/>
+          </a:fontRef>
+        </p:style>
+      </p:cxnSp>
+      <p:cxnSp>
+        <p:nvCxnSpPr>
+          <p:cNvPr id="151" name="Connettore diritto 150">
+            <a:extLst>
+              <a:ext uri="{FF2B5EF4-FFF2-40B4-BE49-F238E27FC236}">
+                <a16:creationId xmlns:a16="http://schemas.microsoft.com/office/drawing/2014/main" id="{A93379A0-FA07-4848-A7AD-EEEA8B62103F}"/>
+              </a:ext>
+            </a:extLst>
+          </p:cNvPr>
+          <p:cNvCxnSpPr>
+            <a:cxnSpLocks/>
+          </p:cNvCxnSpPr>
+          <p:nvPr/>
+        </p:nvCxnSpPr>
+        <p:spPr>
+          <a:xfrm>
+            <a:off x="8135938" y="977423"/>
+            <a:ext cx="0" cy="461359"/>
+          </a:xfrm>
+          <a:prstGeom prst="line">
+            <a:avLst/>
+          </a:prstGeom>
+        </p:spPr>
+        <p:style>
+          <a:lnRef idx="1">
+            <a:schemeClr val="accent1"/>
+          </a:lnRef>
+          <a:fillRef idx="0">
+            <a:schemeClr val="accent1"/>
+          </a:fillRef>
+          <a:effectRef idx="0">
+            <a:schemeClr val="accent1"/>
+          </a:effectRef>
+          <a:fontRef idx="minor">
+            <a:schemeClr val="tx1"/>
+          </a:fontRef>
+        </p:style>
+      </p:cxnSp>
+      <p:cxnSp>
+        <p:nvCxnSpPr>
+          <p:cNvPr id="152" name="Connettore diritto 151">
+            <a:extLst>
+              <a:ext uri="{FF2B5EF4-FFF2-40B4-BE49-F238E27FC236}">
+                <a16:creationId xmlns:a16="http://schemas.microsoft.com/office/drawing/2014/main" id="{C01805CD-4DEB-458D-8EE1-E96DDD2B41CA}"/>
+              </a:ext>
+            </a:extLst>
+          </p:cNvPr>
+          <p:cNvCxnSpPr>
+            <a:cxnSpLocks/>
+          </p:cNvCxnSpPr>
+          <p:nvPr/>
+        </p:nvCxnSpPr>
+        <p:spPr>
+          <a:xfrm>
+            <a:off x="8826512" y="977416"/>
+            <a:ext cx="0" cy="461359"/>
+          </a:xfrm>
+          <a:prstGeom prst="line">
+            <a:avLst/>
+          </a:prstGeom>
+        </p:spPr>
+        <p:style>
+          <a:lnRef idx="1">
+            <a:schemeClr val="accent1"/>
+          </a:lnRef>
+          <a:fillRef idx="0">
+            <a:schemeClr val="accent1"/>
+          </a:fillRef>
+          <a:effectRef idx="0">
+            <a:schemeClr val="accent1"/>
+          </a:effectRef>
+          <a:fontRef idx="minor">
+            <a:schemeClr val="tx1"/>
+          </a:fontRef>
+        </p:style>
+      </p:cxnSp>
+      <p:cxnSp>
+        <p:nvCxnSpPr>
+          <p:cNvPr id="51" name="Connettore diritto 50">
+            <a:extLst>
+              <a:ext uri="{FF2B5EF4-FFF2-40B4-BE49-F238E27FC236}">
+                <a16:creationId xmlns:a16="http://schemas.microsoft.com/office/drawing/2014/main" id="{B8892605-E5F6-4DAE-913A-562CE48C8E57}"/>
+              </a:ext>
+            </a:extLst>
+          </p:cNvPr>
+          <p:cNvCxnSpPr>
+            <a:cxnSpLocks/>
+          </p:cNvCxnSpPr>
+          <p:nvPr/>
+        </p:nvCxnSpPr>
+        <p:spPr>
+          <a:xfrm flipH="1">
+            <a:off x="9266833" y="3537321"/>
+            <a:ext cx="357441" cy="0"/>
+          </a:xfrm>
+          <a:prstGeom prst="line">
+            <a:avLst/>
+          </a:prstGeom>
+        </p:spPr>
+        <p:style>
+          <a:lnRef idx="1">
+            <a:schemeClr val="accent1"/>
+          </a:lnRef>
+          <a:fillRef idx="0">
+            <a:schemeClr val="accent1"/>
+          </a:fillRef>
+          <a:effectRef idx="0">
+            <a:schemeClr val="accent1"/>
+          </a:effectRef>
+          <a:fontRef idx="minor">
+            <a:schemeClr val="tx1"/>
+          </a:fontRef>
+        </p:style>
+      </p:cxnSp>
+      <p:cxnSp>
+        <p:nvCxnSpPr>
+          <p:cNvPr id="153" name="Connettore diritto 152">
+            <a:extLst>
+              <a:ext uri="{FF2B5EF4-FFF2-40B4-BE49-F238E27FC236}">
+                <a16:creationId xmlns:a16="http://schemas.microsoft.com/office/drawing/2014/main" id="{E35DF001-2774-4808-82C9-8813B6538E7B}"/>
+              </a:ext>
+            </a:extLst>
+          </p:cNvPr>
+          <p:cNvCxnSpPr>
+            <a:cxnSpLocks/>
+            <a:endCxn id="154" idx="3"/>
+          </p:cNvCxnSpPr>
+          <p:nvPr/>
+        </p:nvCxnSpPr>
+        <p:spPr>
+          <a:xfrm flipH="1">
+            <a:off x="8425179" y="2464548"/>
+            <a:ext cx="1152517" cy="9027"/>
+          </a:xfrm>
+          <a:prstGeom prst="line">
+            <a:avLst/>
+          </a:prstGeom>
+        </p:spPr>
+        <p:style>
+          <a:lnRef idx="1">
+            <a:schemeClr val="accent1"/>
+          </a:lnRef>
+          <a:fillRef idx="0">
+            <a:schemeClr val="accent1"/>
+          </a:fillRef>
+          <a:effectRef idx="0">
+            <a:schemeClr val="accent1"/>
+          </a:effectRef>
+          <a:fontRef idx="minor">
+            <a:schemeClr val="tx1"/>
+          </a:fontRef>
+        </p:style>
+      </p:cxnSp>
+      <p:sp>
+        <p:nvSpPr>
+          <p:cNvPr id="154" name="Ritardo 153">
+            <a:extLst>
+              <a:ext uri="{FF2B5EF4-FFF2-40B4-BE49-F238E27FC236}">
+                <a16:creationId xmlns:a16="http://schemas.microsoft.com/office/drawing/2014/main" id="{C5A1884F-2650-4BE9-B3DF-137C755966E6}"/>
+              </a:ext>
+            </a:extLst>
+          </p:cNvPr>
+          <p:cNvSpPr/>
+          <p:nvPr/>
+        </p:nvSpPr>
+        <p:spPr>
+          <a:xfrm>
+            <a:off x="8107452" y="2315668"/>
+            <a:ext cx="317727" cy="315813"/>
+          </a:xfrm>
+          <a:prstGeom prst="flowChartDelay">
+            <a:avLst/>
+          </a:prstGeom>
+        </p:spPr>
+        <p:style>
+          <a:lnRef idx="2">
+            <a:schemeClr val="accent1">
+              <a:shade val="50000"/>
+            </a:schemeClr>
+          </a:lnRef>
+          <a:fillRef idx="1">
+            <a:schemeClr val="accent1"/>
+          </a:fillRef>
+          <a:effectRef idx="0">
+            <a:schemeClr val="accent1"/>
+          </a:effectRef>
+          <a:fontRef idx="minor">
+            <a:schemeClr val="lt1"/>
+          </a:fontRef>
+        </p:style>
+        <p:txBody>
+          <a:bodyPr rtlCol="0" anchor="ctr"/>
+          <a:lstStyle/>
+          <a:p>
+            <a:pPr algn="ctr"/>
+            <a:endParaRPr lang="it-IT"/>
+          </a:p>
+        </p:txBody>
+      </p:sp>
+      <p:cxnSp>
+        <p:nvCxnSpPr>
+          <p:cNvPr id="155" name="Connettore diritto 154">
+            <a:extLst>
+              <a:ext uri="{FF2B5EF4-FFF2-40B4-BE49-F238E27FC236}">
+                <a16:creationId xmlns:a16="http://schemas.microsoft.com/office/drawing/2014/main" id="{A8A1E5D4-5E68-4E54-90F3-9F920EBAE448}"/>
+              </a:ext>
+            </a:extLst>
+          </p:cNvPr>
+          <p:cNvCxnSpPr>
+            <a:cxnSpLocks/>
+          </p:cNvCxnSpPr>
+          <p:nvPr/>
+        </p:nvCxnSpPr>
+        <p:spPr>
+          <a:xfrm flipH="1">
+            <a:off x="7811261" y="2536628"/>
+            <a:ext cx="357441" cy="0"/>
+          </a:xfrm>
+          <a:prstGeom prst="line">
+            <a:avLst/>
+          </a:prstGeom>
+        </p:spPr>
+        <p:style>
+          <a:lnRef idx="1">
+            <a:schemeClr val="accent1"/>
+          </a:lnRef>
+          <a:fillRef idx="0">
+            <a:schemeClr val="accent1"/>
+          </a:fillRef>
+          <a:effectRef idx="0">
+            <a:schemeClr val="accent1"/>
+          </a:effectRef>
+          <a:fontRef idx="minor">
+            <a:schemeClr val="tx1"/>
+          </a:fontRef>
+        </p:style>
+      </p:cxnSp>
+      <p:cxnSp>
+        <p:nvCxnSpPr>
+          <p:cNvPr id="156" name="Connettore diritto 155">
+            <a:extLst>
+              <a:ext uri="{FF2B5EF4-FFF2-40B4-BE49-F238E27FC236}">
+                <a16:creationId xmlns:a16="http://schemas.microsoft.com/office/drawing/2014/main" id="{C0642D4D-F46C-4D13-A04F-B826F9EE9467}"/>
+              </a:ext>
+            </a:extLst>
+          </p:cNvPr>
+          <p:cNvCxnSpPr>
+            <a:cxnSpLocks/>
+          </p:cNvCxnSpPr>
+          <p:nvPr/>
+        </p:nvCxnSpPr>
+        <p:spPr>
+          <a:xfrm flipH="1">
+            <a:off x="7799269" y="2536628"/>
+            <a:ext cx="1" cy="305632"/>
+          </a:xfrm>
+          <a:prstGeom prst="line">
+            <a:avLst/>
+          </a:prstGeom>
+        </p:spPr>
+        <p:style>
+          <a:lnRef idx="1">
+            <a:schemeClr val="accent1"/>
+          </a:lnRef>
+          <a:fillRef idx="0">
+            <a:schemeClr val="accent1"/>
+          </a:fillRef>
+          <a:effectRef idx="0">
+            <a:schemeClr val="accent1"/>
+          </a:effectRef>
+          <a:fontRef idx="minor">
+            <a:schemeClr val="tx1"/>
+          </a:fontRef>
+        </p:style>
+      </p:cxnSp>
+      <p:cxnSp>
+        <p:nvCxnSpPr>
+          <p:cNvPr id="69" name="Connettore a gomito 68">
+            <a:extLst>
+              <a:ext uri="{FF2B5EF4-FFF2-40B4-BE49-F238E27FC236}">
+                <a16:creationId xmlns:a16="http://schemas.microsoft.com/office/drawing/2014/main" id="{A874FAE0-CAD8-4A97-AF02-A4039A2F6E58}"/>
+              </a:ext>
+            </a:extLst>
+          </p:cNvPr>
+          <p:cNvCxnSpPr/>
+          <p:nvPr/>
+        </p:nvCxnSpPr>
+        <p:spPr>
+          <a:xfrm flipV="1">
+            <a:off x="1869695" y="2383274"/>
+            <a:ext cx="6181165" cy="870093"/>
+          </a:xfrm>
+          <a:prstGeom prst="bentConnector3">
+            <a:avLst>
+              <a:gd name="adj1" fmla="val 31262"/>
+            </a:avLst>
+          </a:prstGeom>
+        </p:spPr>
+        <p:style>
+          <a:lnRef idx="1">
+            <a:schemeClr val="accent2"/>
+          </a:lnRef>
+          <a:fillRef idx="0">
+            <a:schemeClr val="accent2"/>
+          </a:fillRef>
+          <a:effectRef idx="0">
+            <a:schemeClr val="accent2"/>
+          </a:effectRef>
+          <a:fontRef idx="minor">
+            <a:schemeClr val="tx1"/>
+          </a:fontRef>
+        </p:style>
+      </p:cxnSp>
+      <p:sp>
+        <p:nvSpPr>
+          <p:cNvPr id="157" name="Triangolo isoscele 156">
+            <a:extLst>
+              <a:ext uri="{FF2B5EF4-FFF2-40B4-BE49-F238E27FC236}">
+                <a16:creationId xmlns:a16="http://schemas.microsoft.com/office/drawing/2014/main" id="{F060B8C8-DBB4-49CE-B858-4668835ABEE1}"/>
+              </a:ext>
+            </a:extLst>
+          </p:cNvPr>
+          <p:cNvSpPr/>
+          <p:nvPr/>
+        </p:nvSpPr>
+        <p:spPr>
+          <a:xfrm rot="5400000">
+            <a:off x="2101455" y="3113358"/>
+            <a:ext cx="339383" cy="279825"/>
+          </a:xfrm>
+          <a:prstGeom prst="triangle">
+            <a:avLst/>
+          </a:prstGeom>
+          <a:solidFill>
+            <a:schemeClr val="bg1"/>
+          </a:solidFill>
+          <a:ln>
+            <a:solidFill>
+              <a:schemeClr val="tx1"/>
+            </a:solidFill>
+          </a:ln>
+        </p:spPr>
+        <p:style>
+          <a:lnRef idx="2">
+            <a:schemeClr val="accent1">
+              <a:shade val="50000"/>
+            </a:schemeClr>
+          </a:lnRef>
+          <a:fillRef idx="1">
+            <a:schemeClr val="accent1"/>
+          </a:fillRef>
+          <a:effectRef idx="0">
+            <a:schemeClr val="accent1"/>
+          </a:effectRef>
+          <a:fontRef idx="minor">
+            <a:schemeClr val="lt1"/>
+          </a:fontRef>
+        </p:style>
+        <p:txBody>
+          <a:bodyPr rtlCol="0" anchor="ctr"/>
+          <a:lstStyle/>
+          <a:p>
+            <a:pPr algn="ctr"/>
+            <a:endParaRPr lang="it-IT" dirty="0"/>
+          </a:p>
+        </p:txBody>
+      </p:sp>
+      <p:sp>
+        <p:nvSpPr>
+          <p:cNvPr id="158" name="Ovale 157">
+            <a:extLst>
+              <a:ext uri="{FF2B5EF4-FFF2-40B4-BE49-F238E27FC236}">
+                <a16:creationId xmlns:a16="http://schemas.microsoft.com/office/drawing/2014/main" id="{616B1C8C-64E9-4BA7-AC6F-20F185DE7DC8}"/>
+              </a:ext>
+            </a:extLst>
+          </p:cNvPr>
+          <p:cNvSpPr/>
+          <p:nvPr/>
+        </p:nvSpPr>
+        <p:spPr>
+          <a:xfrm>
+            <a:off x="2381666" y="3219389"/>
+            <a:ext cx="75457" cy="72132"/>
+          </a:xfrm>
+          <a:prstGeom prst="ellipse">
+            <a:avLst/>
+          </a:prstGeom>
+          <a:solidFill>
+            <a:schemeClr val="bg1"/>
+          </a:solidFill>
+          <a:ln>
+            <a:solidFill>
+              <a:schemeClr val="tx1"/>
+            </a:solidFill>
+          </a:ln>
+        </p:spPr>
+        <p:style>
+          <a:lnRef idx="2">
+            <a:schemeClr val="accent1">
+              <a:shade val="50000"/>
+            </a:schemeClr>
+          </a:lnRef>
+          <a:fillRef idx="1">
+            <a:schemeClr val="accent1"/>
+          </a:fillRef>
+          <a:effectRef idx="0">
+            <a:schemeClr val="accent1"/>
+          </a:effectRef>
+          <a:fontRef idx="minor">
+            <a:schemeClr val="lt1"/>
+          </a:fontRef>
+        </p:style>
+        <p:txBody>
+          <a:bodyPr rtlCol="0" anchor="ctr"/>
+          <a:lstStyle/>
+          <a:p>
+            <a:pPr algn="ctr"/>
+            <a:endParaRPr lang="it-IT"/>
+          </a:p>
+        </p:txBody>
+      </p:sp>
+      <p:grpSp>
+        <p:nvGrpSpPr>
+          <p:cNvPr id="159" name="Gruppo 158">
+            <a:extLst>
+              <a:ext uri="{FF2B5EF4-FFF2-40B4-BE49-F238E27FC236}">
+                <a16:creationId xmlns:a16="http://schemas.microsoft.com/office/drawing/2014/main" id="{351B2B0A-D163-4F2C-B559-815B694B374C}"/>
+              </a:ext>
+            </a:extLst>
+          </p:cNvPr>
+          <p:cNvGrpSpPr/>
+          <p:nvPr/>
+        </p:nvGrpSpPr>
+        <p:grpSpPr>
+          <a:xfrm rot="16200000">
+            <a:off x="8934138" y="2730947"/>
+            <a:ext cx="471343" cy="794444"/>
+            <a:chOff x="5457017" y="2405956"/>
+            <a:chExt cx="568743" cy="929075"/>
+          </a:xfrm>
+        </p:grpSpPr>
+        <p:sp>
+          <p:nvSpPr>
+            <p:cNvPr id="160" name="Rettangolo 159">
+              <a:extLst>
+                <a:ext uri="{FF2B5EF4-FFF2-40B4-BE49-F238E27FC236}">
+                  <a16:creationId xmlns:a16="http://schemas.microsoft.com/office/drawing/2014/main" id="{1A327648-4783-4EF4-AF81-8DF2477FE887}"/>
+                </a:ext>
+              </a:extLst>
+            </p:cNvPr>
+            <p:cNvSpPr/>
+            <p:nvPr/>
+          </p:nvSpPr>
+          <p:spPr>
+            <a:xfrm>
+              <a:off x="5457017" y="2405956"/>
+              <a:ext cx="559266" cy="929075"/>
+            </a:xfrm>
+            <a:prstGeom prst="rect">
+              <a:avLst/>
+            </a:prstGeom>
+            <a:solidFill>
+              <a:schemeClr val="bg1"/>
+            </a:solidFill>
+            <a:ln>
+              <a:solidFill>
+                <a:schemeClr val="tx1"/>
+              </a:solidFill>
+            </a:ln>
+          </p:spPr>
+          <p:style>
+            <a:lnRef idx="2">
+              <a:schemeClr val="accent1">
+                <a:shade val="50000"/>
+              </a:schemeClr>
+            </a:lnRef>
+            <a:fillRef idx="1">
+              <a:schemeClr val="accent1"/>
+            </a:fillRef>
+            <a:effectRef idx="0">
+              <a:schemeClr val="accent1"/>
+            </a:effectRef>
+            <a:fontRef idx="minor">
+              <a:schemeClr val="lt1"/>
+            </a:fontRef>
+          </p:style>
+          <p:txBody>
+            <a:bodyPr rtlCol="0" anchor="ctr"/>
+            <a:lstStyle/>
+            <a:p>
+              <a:pPr algn="ctr"/>
+              <a:endParaRPr lang="it-IT" dirty="0"/>
+            </a:p>
+          </p:txBody>
+        </p:sp>
+        <p:sp>
+          <p:nvSpPr>
+            <p:cNvPr id="161" name="Triangolo isoscele 160">
+              <a:extLst>
+                <a:ext uri="{FF2B5EF4-FFF2-40B4-BE49-F238E27FC236}">
+                  <a16:creationId xmlns:a16="http://schemas.microsoft.com/office/drawing/2014/main" id="{F35A0A55-3DA9-4E54-81CE-9F8D9378668E}"/>
+                </a:ext>
+              </a:extLst>
+            </p:cNvPr>
+            <p:cNvSpPr/>
+            <p:nvPr/>
+          </p:nvSpPr>
+          <p:spPr>
+            <a:xfrm rot="5400000">
+              <a:off x="5439042" y="3068282"/>
+              <a:ext cx="174369" cy="138419"/>
+            </a:xfrm>
+            <a:prstGeom prst="triangle">
+              <a:avLst/>
+            </a:prstGeom>
+            <a:solidFill>
+              <a:schemeClr val="bg1"/>
+            </a:solidFill>
+            <a:ln>
+              <a:solidFill>
+                <a:schemeClr val="tx1"/>
+              </a:solidFill>
+            </a:ln>
+          </p:spPr>
+          <p:style>
+            <a:lnRef idx="2">
+              <a:schemeClr val="accent1">
+                <a:shade val="50000"/>
+              </a:schemeClr>
+            </a:lnRef>
+            <a:fillRef idx="1">
+              <a:schemeClr val="accent1"/>
+            </a:fillRef>
+            <a:effectRef idx="0">
+              <a:schemeClr val="accent1"/>
+            </a:effectRef>
+            <a:fontRef idx="minor">
+              <a:schemeClr val="lt1"/>
+            </a:fontRef>
+          </p:style>
+          <p:txBody>
+            <a:bodyPr rtlCol="0" anchor="ctr"/>
+            <a:lstStyle/>
+            <a:p>
+              <a:pPr algn="ctr"/>
+              <a:endParaRPr lang="it-IT" dirty="0"/>
+            </a:p>
+          </p:txBody>
+        </p:sp>
+        <p:sp>
+          <p:nvSpPr>
+            <p:cNvPr id="162" name="CasellaDiTesto 161">
+              <a:extLst>
+                <a:ext uri="{FF2B5EF4-FFF2-40B4-BE49-F238E27FC236}">
+                  <a16:creationId xmlns:a16="http://schemas.microsoft.com/office/drawing/2014/main" id="{2BFCEB58-C436-4A3E-A3F6-0E05EAA47B71}"/>
+                </a:ext>
+              </a:extLst>
+            </p:cNvPr>
+            <p:cNvSpPr txBox="1"/>
+            <p:nvPr/>
+          </p:nvSpPr>
+          <p:spPr>
+            <a:xfrm>
+              <a:off x="5562210" y="2589036"/>
+              <a:ext cx="463550" cy="369332"/>
+            </a:xfrm>
+            <a:prstGeom prst="rect">
+              <a:avLst/>
+            </a:prstGeom>
+            <a:noFill/>
+          </p:spPr>
+          <p:txBody>
+            <a:bodyPr wrap="square" rtlCol="0">
+              <a:spAutoFit/>
+            </a:bodyPr>
+            <a:lstStyle/>
+            <a:p>
+              <a:r>
+                <a:rPr lang="it-IT" dirty="0"/>
+                <a:t>D</a:t>
+              </a:r>
+            </a:p>
+          </p:txBody>
+        </p:sp>
+      </p:grpSp>
+      <p:sp>
+        <p:nvSpPr>
+          <p:cNvPr id="163" name="Ritardo 162">
+            <a:extLst>
+              <a:ext uri="{FF2B5EF4-FFF2-40B4-BE49-F238E27FC236}">
+                <a16:creationId xmlns:a16="http://schemas.microsoft.com/office/drawing/2014/main" id="{E83F7904-E02E-47E6-863A-AEEFDD0D32EF}"/>
+              </a:ext>
+            </a:extLst>
+          </p:cNvPr>
+          <p:cNvSpPr/>
+          <p:nvPr/>
+        </p:nvSpPr>
+        <p:spPr>
+          <a:xfrm rot="10800000">
+            <a:off x="8214956" y="4907010"/>
+            <a:ext cx="317727" cy="315813"/>
+          </a:xfrm>
+          <a:prstGeom prst="flowChartDelay">
+            <a:avLst/>
+          </a:prstGeom>
+        </p:spPr>
+        <p:style>
+          <a:lnRef idx="2">
+            <a:schemeClr val="accent1">
+              <a:shade val="50000"/>
+            </a:schemeClr>
+          </a:lnRef>
+          <a:fillRef idx="1">
+            <a:schemeClr val="accent1"/>
+          </a:fillRef>
+          <a:effectRef idx="0">
+            <a:schemeClr val="accent1"/>
+          </a:effectRef>
+          <a:fontRef idx="minor">
+            <a:schemeClr val="lt1"/>
+          </a:fontRef>
+        </p:style>
+        <p:txBody>
+          <a:bodyPr rtlCol="0" anchor="ctr"/>
+          <a:lstStyle/>
+          <a:p>
+            <a:pPr algn="ctr"/>
+            <a:endParaRPr lang="it-IT"/>
+          </a:p>
+        </p:txBody>
+      </p:sp>
+      <p:cxnSp>
+        <p:nvCxnSpPr>
+          <p:cNvPr id="85" name="Connettore diritto 84">
+            <a:extLst>
+              <a:ext uri="{FF2B5EF4-FFF2-40B4-BE49-F238E27FC236}">
+                <a16:creationId xmlns:a16="http://schemas.microsoft.com/office/drawing/2014/main" id="{EDC54646-1B4C-4A31-BA99-3109A3E598F6}"/>
+              </a:ext>
+            </a:extLst>
+          </p:cNvPr>
+          <p:cNvCxnSpPr>
+            <a:stCxn id="163" idx="3"/>
+          </p:cNvCxnSpPr>
+          <p:nvPr/>
+        </p:nvCxnSpPr>
+        <p:spPr>
+          <a:xfrm flipH="1">
+            <a:off x="7636873" y="5064916"/>
+            <a:ext cx="578083" cy="1"/>
+          </a:xfrm>
+          <a:prstGeom prst="line">
+            <a:avLst/>
+          </a:prstGeom>
+        </p:spPr>
+        <p:style>
+          <a:lnRef idx="1">
+            <a:schemeClr val="accent6"/>
+          </a:lnRef>
+          <a:fillRef idx="0">
+            <a:schemeClr val="accent6"/>
+          </a:fillRef>
+          <a:effectRef idx="0">
+            <a:schemeClr val="accent6"/>
+          </a:effectRef>
+          <a:fontRef idx="minor">
+            <a:schemeClr val="tx1"/>
+          </a:fontRef>
+        </p:style>
+      </p:cxnSp>
+      <p:cxnSp>
+        <p:nvCxnSpPr>
+          <p:cNvPr id="87" name="Connettore a gomito 86">
+            <a:extLst>
+              <a:ext uri="{FF2B5EF4-FFF2-40B4-BE49-F238E27FC236}">
+                <a16:creationId xmlns:a16="http://schemas.microsoft.com/office/drawing/2014/main" id="{446F4D6F-B698-4B7F-BA28-EF7689282755}"/>
+              </a:ext>
+            </a:extLst>
+          </p:cNvPr>
+          <p:cNvCxnSpPr>
+            <a:cxnSpLocks/>
+          </p:cNvCxnSpPr>
+          <p:nvPr/>
+        </p:nvCxnSpPr>
+        <p:spPr>
+          <a:xfrm rot="5400000">
+            <a:off x="8294866" y="4197022"/>
+            <a:ext cx="1174313" cy="716666"/>
+          </a:xfrm>
+          <a:prstGeom prst="bentConnector3">
+            <a:avLst>
+              <a:gd name="adj1" fmla="val 99964"/>
+            </a:avLst>
+          </a:prstGeom>
+        </p:spPr>
+        <p:style>
+          <a:lnRef idx="1">
+            <a:schemeClr val="accent1"/>
+          </a:lnRef>
+          <a:fillRef idx="0">
+            <a:schemeClr val="accent1"/>
+          </a:fillRef>
+          <a:effectRef idx="0">
+            <a:schemeClr val="accent1"/>
+          </a:effectRef>
+          <a:fontRef idx="minor">
+            <a:schemeClr val="tx1"/>
+          </a:fontRef>
+        </p:style>
+      </p:cxnSp>
+      <p:cxnSp>
+        <p:nvCxnSpPr>
+          <p:cNvPr id="166" name="Connettore a gomito 165">
+            <a:extLst>
+              <a:ext uri="{FF2B5EF4-FFF2-40B4-BE49-F238E27FC236}">
+                <a16:creationId xmlns:a16="http://schemas.microsoft.com/office/drawing/2014/main" id="{85671881-EC9E-48B0-9EE2-B4D01DFFD4E6}"/>
+              </a:ext>
+            </a:extLst>
+          </p:cNvPr>
+          <p:cNvCxnSpPr>
+            <a:cxnSpLocks/>
+          </p:cNvCxnSpPr>
+          <p:nvPr/>
+        </p:nvCxnSpPr>
+        <p:spPr>
+          <a:xfrm>
+            <a:off x="7314107" y="4567971"/>
+            <a:ext cx="1218576" cy="427935"/>
+          </a:xfrm>
+          <a:prstGeom prst="bentConnector3">
+            <a:avLst>
+              <a:gd name="adj1" fmla="val 133168"/>
+            </a:avLst>
+          </a:prstGeom>
+        </p:spPr>
+        <p:style>
+          <a:lnRef idx="1">
+            <a:schemeClr val="accent1"/>
+          </a:lnRef>
+          <a:fillRef idx="0">
+            <a:schemeClr val="accent1"/>
+          </a:fillRef>
+          <a:effectRef idx="0">
+            <a:schemeClr val="accent1"/>
+          </a:effectRef>
+          <a:fontRef idx="minor">
+            <a:schemeClr val="tx1"/>
+          </a:fontRef>
+        </p:style>
+      </p:cxnSp>
+      <p:cxnSp>
+        <p:nvCxnSpPr>
+          <p:cNvPr id="171" name="Connettore diritto 170">
+            <a:extLst>
+              <a:ext uri="{FF2B5EF4-FFF2-40B4-BE49-F238E27FC236}">
+                <a16:creationId xmlns:a16="http://schemas.microsoft.com/office/drawing/2014/main" id="{9E5AF08D-CD7E-4768-8BB2-E5B71D2EAE32}"/>
+              </a:ext>
+            </a:extLst>
+          </p:cNvPr>
+          <p:cNvCxnSpPr/>
+          <p:nvPr/>
+        </p:nvCxnSpPr>
+        <p:spPr>
+          <a:xfrm flipV="1">
+            <a:off x="7302565" y="4261406"/>
+            <a:ext cx="0" cy="292456"/>
+          </a:xfrm>
+          <a:prstGeom prst="line">
+            <a:avLst/>
+          </a:prstGeom>
+        </p:spPr>
+        <p:style>
+          <a:lnRef idx="1">
+            <a:schemeClr val="accent1"/>
+          </a:lnRef>
+          <a:fillRef idx="0">
+            <a:schemeClr val="accent1"/>
+          </a:fillRef>
+          <a:effectRef idx="0">
+            <a:schemeClr val="accent1"/>
+          </a:effectRef>
+          <a:fontRef idx="minor">
+            <a:schemeClr val="tx1"/>
+          </a:fontRef>
+        </p:style>
+      </p:cxnSp>
+      <p:sp>
+        <p:nvSpPr>
+          <p:cNvPr id="174" name="Triangolo isoscele 173">
+            <a:extLst>
+              <a:ext uri="{FF2B5EF4-FFF2-40B4-BE49-F238E27FC236}">
+                <a16:creationId xmlns:a16="http://schemas.microsoft.com/office/drawing/2014/main" id="{B4D00A59-E51E-434F-A8FC-C9E34A87E8E3}"/>
+              </a:ext>
+            </a:extLst>
+          </p:cNvPr>
+          <p:cNvSpPr/>
+          <p:nvPr/>
+        </p:nvSpPr>
+        <p:spPr>
+          <a:xfrm rot="10800000">
+            <a:off x="9156460" y="4368377"/>
+            <a:ext cx="204568" cy="112730"/>
+          </a:xfrm>
+          <a:prstGeom prst="triangle">
+            <a:avLst/>
+          </a:prstGeom>
+          <a:solidFill>
+            <a:schemeClr val="bg1"/>
+          </a:solidFill>
+          <a:ln>
+            <a:solidFill>
+              <a:schemeClr val="tx1"/>
+            </a:solidFill>
+          </a:ln>
+        </p:spPr>
+        <p:style>
+          <a:lnRef idx="2">
+            <a:schemeClr val="accent1">
+              <a:shade val="50000"/>
+            </a:schemeClr>
+          </a:lnRef>
+          <a:fillRef idx="1">
+            <a:schemeClr val="accent1"/>
+          </a:fillRef>
+          <a:effectRef idx="0">
+            <a:schemeClr val="accent1"/>
+          </a:effectRef>
+          <a:fontRef idx="minor">
+            <a:schemeClr val="lt1"/>
+          </a:fontRef>
+        </p:style>
+        <p:txBody>
+          <a:bodyPr rtlCol="0" anchor="ctr"/>
+          <a:lstStyle/>
+          <a:p>
+            <a:pPr algn="ctr"/>
+            <a:endParaRPr lang="it-IT" dirty="0"/>
+          </a:p>
+        </p:txBody>
+      </p:sp>
+      <p:sp>
+        <p:nvSpPr>
+          <p:cNvPr id="175" name="Ovale 174">
+            <a:extLst>
+              <a:ext uri="{FF2B5EF4-FFF2-40B4-BE49-F238E27FC236}">
+                <a16:creationId xmlns:a16="http://schemas.microsoft.com/office/drawing/2014/main" id="{22C08A02-20CF-4FDD-BED3-21877EBF8660}"/>
+              </a:ext>
+            </a:extLst>
+          </p:cNvPr>
+          <p:cNvSpPr/>
+          <p:nvPr/>
+        </p:nvSpPr>
+        <p:spPr>
+          <a:xfrm>
+            <a:off x="9244165" y="4482893"/>
+            <a:ext cx="45719" cy="45719"/>
+          </a:xfrm>
+          <a:prstGeom prst="ellipse">
+            <a:avLst/>
+          </a:prstGeom>
+          <a:solidFill>
+            <a:schemeClr val="bg1"/>
+          </a:solidFill>
+          <a:ln>
+            <a:solidFill>
+              <a:schemeClr val="tx1"/>
+            </a:solidFill>
+          </a:ln>
+        </p:spPr>
+        <p:style>
+          <a:lnRef idx="2">
+            <a:schemeClr val="accent1">
+              <a:shade val="50000"/>
+            </a:schemeClr>
+          </a:lnRef>
+          <a:fillRef idx="1">
+            <a:schemeClr val="accent1"/>
+          </a:fillRef>
+          <a:effectRef idx="0">
+            <a:schemeClr val="accent1"/>
+          </a:effectRef>
+          <a:fontRef idx="minor">
+            <a:schemeClr val="lt1"/>
+          </a:fontRef>
+        </p:style>
+        <p:txBody>
+          <a:bodyPr rtlCol="0" anchor="ctr"/>
+          <a:lstStyle/>
+          <a:p>
+            <a:pPr algn="ctr"/>
+            <a:endParaRPr lang="it-IT"/>
           </a:p>
         </p:txBody>
       </p:sp>
@@ -21671,6 +25557,36 @@
 </file>
 
 <file path=ppt/slides/slide5.xml><?xml version="1.0" encoding="utf-8"?>
+<p:sld xmlns:a="http://schemas.openxmlformats.org/drawingml/2006/main" xmlns:r="http://schemas.openxmlformats.org/officeDocument/2006/relationships" xmlns:p="http://schemas.openxmlformats.org/presentationml/2006/main">
+  <p:cSld>
+    <p:spTree>
+      <p:nvGrpSpPr>
+        <p:cNvPr id="1" name=""/>
+        <p:cNvGrpSpPr/>
+        <p:nvPr/>
+      </p:nvGrpSpPr>
+      <p:grpSpPr>
+        <a:xfrm>
+          <a:off x="0" y="0"/>
+          <a:ext cx="0" cy="0"/>
+          <a:chOff x="0" y="0"/>
+          <a:chExt cx="0" cy="0"/>
+        </a:xfrm>
+      </p:grpSpPr>
+    </p:spTree>
+    <p:extLst>
+      <p:ext uri="{BB962C8B-B14F-4D97-AF65-F5344CB8AC3E}">
+        <p14:creationId xmlns:p14="http://schemas.microsoft.com/office/powerpoint/2010/main" val="2262351759"/>
+      </p:ext>
+    </p:extLst>
+  </p:cSld>
+  <p:clrMapOvr>
+    <a:masterClrMapping/>
+  </p:clrMapOvr>
+</p:sld>
+</file>
+
+<file path=ppt/slides/slide6.xml><?xml version="1.0" encoding="utf-8"?>
 <p:sld xmlns:a="http://schemas.openxmlformats.org/drawingml/2006/main" xmlns:r="http://schemas.openxmlformats.org/officeDocument/2006/relationships" xmlns:p="http://schemas.openxmlformats.org/presentationml/2006/main">
   <p:cSld>
     <p:spTree>
@@ -23734,7 +27650,7 @@
             </a:pPr>
             <a:r>
               <a:rPr lang="it-IT" dirty="0"/>
-              <a:t>Start 1Res 0 d----</a:t>
+              <a:t>Start 1 Res 0 d----</a:t>
             </a:r>
           </a:p>
           <a:p>
@@ -23809,8 +27725,8 @@
         </p:nvSpPr>
         <p:spPr>
           <a:xfrm>
-            <a:off x="2744179" y="181150"/>
-            <a:ext cx="1089660" cy="369332"/>
+            <a:off x="2744178" y="181150"/>
+            <a:ext cx="1576151" cy="369332"/>
           </a:xfrm>
           <a:prstGeom prst="rect">
             <a:avLst/>
@@ -23825,7 +27741,7 @@
           <a:p>
             <a:r>
               <a:rPr lang="it-IT" dirty="0"/>
-              <a:t>Conta 4</a:t>
+              <a:t>ClockDelay4</a:t>
             </a:r>
           </a:p>
         </p:txBody>
@@ -23843,7 +27759,7 @@
 </p:sld>
 </file>
 
-<file path=ppt/slides/slide6.xml><?xml version="1.0" encoding="utf-8"?>
+<file path=ppt/slides/slide7.xml><?xml version="1.0" encoding="utf-8"?>
 <p:sld xmlns:a="http://schemas.openxmlformats.org/drawingml/2006/main" xmlns:r="http://schemas.openxmlformats.org/officeDocument/2006/relationships" xmlns:p="http://schemas.openxmlformats.org/presentationml/2006/main">
   <p:cSld>
     <p:spTree>
@@ -25255,7 +29171,7 @@
           <a:p>
             <a:r>
               <a:rPr lang="it-IT" dirty="0"/>
-              <a:t>Conta 8</a:t>
+              <a:t>ClockDelay8</a:t>
             </a:r>
           </a:p>
         </p:txBody>
@@ -25898,7 +29814,7 @@
 </p:sld>
 </file>
 
-<file path=ppt/slides/slide7.xml><?xml version="1.0" encoding="utf-8"?>
+<file path=ppt/slides/slide8.xml><?xml version="1.0" encoding="utf-8"?>
 <p:sld xmlns:a="http://schemas.openxmlformats.org/drawingml/2006/main" xmlns:r="http://schemas.openxmlformats.org/officeDocument/2006/relationships" xmlns:p="http://schemas.openxmlformats.org/presentationml/2006/main">
   <p:cSld>
     <p:spTree>
@@ -26763,13 +30679,18 @@
           <a:p>
             <a:pPr algn="ctr"/>
             <a:r>
-              <a:rPr lang="it-IT" dirty="0">
+              <a:rPr lang="it-IT" dirty="0" err="1">
                 <a:solidFill>
                   <a:sysClr val="windowText" lastClr="000000"/>
                 </a:solidFill>
               </a:rPr>
-              <a:t>Contatore7bit</a:t>
+              <a:t>ClockDivider</a:t>
             </a:r>
+            <a:endParaRPr lang="it-IT" dirty="0">
+              <a:solidFill>
+                <a:sysClr val="windowText" lastClr="000000"/>
+              </a:solidFill>
+            </a:endParaRPr>
           </a:p>
         </p:txBody>
       </p:sp>
@@ -27051,6 +30972,12 @@
           <a:prstGeom prst="flowChartManualOperation">
             <a:avLst/>
           </a:prstGeom>
+          <a:noFill/>
+          <a:ln>
+            <a:solidFill>
+              <a:schemeClr val="tx1"/>
+            </a:solidFill>
+          </a:ln>
         </p:spPr>
         <p:style>
           <a:lnRef idx="2">
@@ -27929,6 +31856,12 @@
           <a:prstGeom prst="flowChartDelay">
             <a:avLst/>
           </a:prstGeom>
+          <a:noFill/>
+          <a:ln>
+            <a:solidFill>
+              <a:schemeClr val="tx1"/>
+            </a:solidFill>
+          </a:ln>
         </p:spPr>
         <p:style>
           <a:lnRef idx="2">
@@ -28091,6 +32024,12 @@
           <a:prstGeom prst="flowChartDelay">
             <a:avLst/>
           </a:prstGeom>
+          <a:noFill/>
+          <a:ln>
+            <a:solidFill>
+              <a:schemeClr val="tx1"/>
+            </a:solidFill>
+          </a:ln>
         </p:spPr>
         <p:style>
           <a:lnRef idx="2">
@@ -28254,6 +32193,12 @@
           <a:prstGeom prst="flowChartDelay">
             <a:avLst/>
           </a:prstGeom>
+          <a:noFill/>
+          <a:ln>
+            <a:solidFill>
+              <a:schemeClr val="tx1"/>
+            </a:solidFill>
+          </a:ln>
         </p:spPr>
         <p:style>
           <a:lnRef idx="2">
@@ -28416,11 +32361,17 @@
         <p:spPr>
           <a:xfrm>
             <a:off x="8341008" y="2276742"/>
-            <a:ext cx="978305" cy="569860"/>
+            <a:ext cx="1331498" cy="569860"/>
           </a:xfrm>
           <a:prstGeom prst="rect">
             <a:avLst/>
           </a:prstGeom>
+          <a:noFill/>
+          <a:ln>
+            <a:solidFill>
+              <a:schemeClr val="tx1"/>
+            </a:solidFill>
+          </a:ln>
         </p:spPr>
         <p:style>
           <a:lnRef idx="2">
@@ -28444,8 +32395,12 @@
           <a:p>
             <a:pPr algn="ctr"/>
             <a:r>
-              <a:rPr lang="it-IT" dirty="0"/>
-              <a:t>Aspetta 8</a:t>
+              <a:rPr lang="it-IT" dirty="0">
+                <a:solidFill>
+                  <a:schemeClr val="tx1"/>
+                </a:solidFill>
+              </a:rPr>
+              <a:t>ClockDelay8</a:t>
             </a:r>
           </a:p>
         </p:txBody>
@@ -28588,8 +32543,8 @@
         </p:nvCxnSpPr>
         <p:spPr>
           <a:xfrm flipV="1">
-            <a:off x="9276104" y="2191084"/>
-            <a:ext cx="1217464" cy="355643"/>
+            <a:off x="9686697" y="2191085"/>
+            <a:ext cx="806871" cy="370587"/>
           </a:xfrm>
           <a:prstGeom prst="bentConnector3">
             <a:avLst>
@@ -28652,10 +32607,10 @@
       </p:cxnSp>
       <p:cxnSp>
         <p:nvCxnSpPr>
-          <p:cNvPr id="175" name="Connettore diritto 174">
-            <a:extLst>
-              <a:ext uri="{FF2B5EF4-FFF2-40B4-BE49-F238E27FC236}">
-                <a16:creationId xmlns:a16="http://schemas.microsoft.com/office/drawing/2014/main" id="{715C0E83-5489-4EC0-A400-0AA0240C4384}"/>
+          <p:cNvPr id="78" name="Connettore a gomito 77">
+            <a:extLst>
+              <a:ext uri="{FF2B5EF4-FFF2-40B4-BE49-F238E27FC236}">
+                <a16:creationId xmlns:a16="http://schemas.microsoft.com/office/drawing/2014/main" id="{DD6938F3-8AC8-4211-9AD9-4E82B2CC45C6}"/>
               </a:ext>
             </a:extLst>
           </p:cNvPr>
@@ -28666,17 +32621,14 @@
         </p:nvCxnSpPr>
         <p:spPr>
           <a:xfrm flipV="1">
-            <a:off x="4872444" y="3958618"/>
-            <a:ext cx="0" cy="246236"/>
-          </a:xfrm>
-          <a:prstGeom prst="line">
-            <a:avLst/>
-          </a:prstGeom>
-          <a:ln w="28575">
-            <a:solidFill>
-              <a:schemeClr val="tx1"/>
-            </a:solidFill>
-          </a:ln>
+            <a:off x="4872444" y="2887912"/>
+            <a:ext cx="2049893" cy="1113083"/>
+          </a:xfrm>
+          <a:prstGeom prst="bentConnector3">
+            <a:avLst>
+              <a:gd name="adj1" fmla="val -337"/>
+            </a:avLst>
+          </a:prstGeom>
         </p:spPr>
         <p:style>
           <a:lnRef idx="1">
@@ -28695,10 +32647,10 @@
       </p:cxnSp>
       <p:cxnSp>
         <p:nvCxnSpPr>
-          <p:cNvPr id="176" name="Connettore a gomito 175">
-            <a:extLst>
-              <a:ext uri="{FF2B5EF4-FFF2-40B4-BE49-F238E27FC236}">
-                <a16:creationId xmlns:a16="http://schemas.microsoft.com/office/drawing/2014/main" id="{4B6B6B71-8381-44A1-9495-87C7CA102CC9}"/>
+          <p:cNvPr id="90" name="Connettore diritto 89">
+            <a:extLst>
+              <a:ext uri="{FF2B5EF4-FFF2-40B4-BE49-F238E27FC236}">
+                <a16:creationId xmlns:a16="http://schemas.microsoft.com/office/drawing/2014/main" id="{FD9965B0-7450-4271-AF6E-62143C29DC5D}"/>
               </a:ext>
             </a:extLst>
           </p:cNvPr>
@@ -28709,14 +32661,17 @@
         </p:nvCxnSpPr>
         <p:spPr>
           <a:xfrm flipV="1">
-            <a:off x="4877515" y="2895009"/>
-            <a:ext cx="2120105" cy="1348691"/>
-          </a:xfrm>
-          <a:prstGeom prst="bentConnector3">
-            <a:avLst>
-              <a:gd name="adj1" fmla="val -252"/>
-            </a:avLst>
-          </a:prstGeom>
+            <a:off x="4871950" y="3935575"/>
+            <a:ext cx="0" cy="246236"/>
+          </a:xfrm>
+          <a:prstGeom prst="line">
+            <a:avLst/>
+          </a:prstGeom>
+          <a:ln w="28575">
+            <a:solidFill>
+              <a:schemeClr val="tx1"/>
+            </a:solidFill>
+          </a:ln>
         </p:spPr>
         <p:style>
           <a:lnRef idx="1">

--- a/UART model.pptx
+++ b/UART model.pptx
@@ -134,7 +134,7 @@
 <file path=ppt/revisionInfo.xml><?xml version="1.0" encoding="utf-8"?>
 <p1510:revInfo xmlns:a="http://schemas.openxmlformats.org/drawingml/2006/main" xmlns:r="http://schemas.openxmlformats.org/officeDocument/2006/relationships" xmlns:p1510="http://schemas.microsoft.com/office/powerpoint/2015/10/main">
   <p1510:revLst>
-    <p1510:client id="{56CF898D-0475-4A64-89D7-9E562B826F4B}" v="288" dt="2021-05-05T15:34:24.391"/>
+    <p1510:client id="{56CF898D-0475-4A64-89D7-9E562B826F4B}" v="324" dt="2021-05-12T13:34:19.088"/>
   </p1510:revLst>
 </p1510:revInfo>
 </file>
@@ -144,7 +144,7 @@
   <pc:docChgLst>
     <pc:chgData name="Flavio" userId="acf32d90-2754-4ce4-92d1-4f5cef942a84" providerId="ADAL" clId="{56CF898D-0475-4A64-89D7-9E562B826F4B}"/>
     <pc:docChg chg="undo custSel addSld delSld modSld sldOrd">
-      <pc:chgData name="Flavio" userId="acf32d90-2754-4ce4-92d1-4f5cef942a84" providerId="ADAL" clId="{56CF898D-0475-4A64-89D7-9E562B826F4B}" dt="2021-05-05T15:37:25.513" v="4289" actId="20577"/>
+      <pc:chgData name="Flavio" userId="acf32d90-2754-4ce4-92d1-4f5cef942a84" providerId="ADAL" clId="{56CF898D-0475-4A64-89D7-9E562B826F4B}" dt="2021-05-12T13:42:57.002" v="4992" actId="1076"/>
       <pc:docMkLst>
         <pc:docMk/>
       </pc:docMkLst>
@@ -436,7 +436,7 @@
         </pc:cxnChg>
       </pc:sldChg>
       <pc:sldChg chg="addSp delSp modSp add mod">
-        <pc:chgData name="Flavio" userId="acf32d90-2754-4ce4-92d1-4f5cef942a84" providerId="ADAL" clId="{56CF898D-0475-4A64-89D7-9E562B826F4B}" dt="2021-05-05T15:17:38.195" v="3854" actId="20577"/>
+        <pc:chgData name="Flavio" userId="acf32d90-2754-4ce4-92d1-4f5cef942a84" providerId="ADAL" clId="{56CF898D-0475-4A64-89D7-9E562B826F4B}" dt="2021-05-12T10:30:08.700" v="4544" actId="478"/>
         <pc:sldMkLst>
           <pc:docMk/>
           <pc:sldMk cId="2821362574" sldId="257"/>
@@ -458,7 +458,7 @@
           </ac:spMkLst>
         </pc:spChg>
         <pc:spChg chg="mod ord">
-          <ac:chgData name="Flavio" userId="acf32d90-2754-4ce4-92d1-4f5cef942a84" providerId="ADAL" clId="{56CF898D-0475-4A64-89D7-9E562B826F4B}" dt="2021-04-14T14:16:51.615" v="1945" actId="1582"/>
+          <ac:chgData name="Flavio" userId="acf32d90-2754-4ce4-92d1-4f5cef942a84" providerId="ADAL" clId="{56CF898D-0475-4A64-89D7-9E562B826F4B}" dt="2021-05-12T10:19:54.590" v="4539" actId="1076"/>
           <ac:spMkLst>
             <pc:docMk/>
             <pc:sldMk cId="2821362574" sldId="257"/>
@@ -473,14 +473,22 @@
             <ac:spMk id="5" creationId="{BF169414-3984-41C7-822B-A212C8A35964}"/>
           </ac:spMkLst>
         </pc:spChg>
-        <pc:spChg chg="add mod">
-          <ac:chgData name="Flavio" userId="acf32d90-2754-4ce4-92d1-4f5cef942a84" providerId="ADAL" clId="{56CF898D-0475-4A64-89D7-9E562B826F4B}" dt="2021-04-14T13:10:50.276" v="464" actId="164"/>
+        <pc:spChg chg="add mod topLvl">
+          <ac:chgData name="Flavio" userId="acf32d90-2754-4ce4-92d1-4f5cef942a84" providerId="ADAL" clId="{56CF898D-0475-4A64-89D7-9E562B826F4B}" dt="2021-05-12T08:34:45.926" v="4449" actId="165"/>
           <ac:spMkLst>
             <pc:docMk/>
             <pc:sldMk cId="2821362574" sldId="257"/>
             <ac:spMk id="6" creationId="{03BF1403-DA23-47C5-B4D3-8AFFC30524EC}"/>
           </ac:spMkLst>
         </pc:spChg>
+        <pc:spChg chg="add del">
+          <ac:chgData name="Flavio" userId="acf32d90-2754-4ce4-92d1-4f5cef942a84" providerId="ADAL" clId="{56CF898D-0475-4A64-89D7-9E562B826F4B}" dt="2021-05-12T08:34:29.880" v="4446"/>
+          <ac:spMkLst>
+            <pc:docMk/>
+            <pc:sldMk cId="2821362574" sldId="257"/>
+            <ac:spMk id="7" creationId="{296CB92C-09D4-4D54-A64D-4F21752699B1}"/>
+          </ac:spMkLst>
+        </pc:spChg>
         <pc:spChg chg="del">
           <ac:chgData name="Flavio" userId="acf32d90-2754-4ce4-92d1-4f5cef942a84" providerId="ADAL" clId="{56CF898D-0475-4A64-89D7-9E562B826F4B}" dt="2021-04-14T12:32:49.046" v="157" actId="478"/>
           <ac:spMkLst>
@@ -601,24 +609,24 @@
             <ac:spMk id="50" creationId="{E68E2D64-B25E-4803-A6F5-2EED507A0171}"/>
           </ac:spMkLst>
         </pc:spChg>
-        <pc:spChg chg="add mod">
-          <ac:chgData name="Flavio" userId="acf32d90-2754-4ce4-92d1-4f5cef942a84" providerId="ADAL" clId="{56CF898D-0475-4A64-89D7-9E562B826F4B}" dt="2021-04-14T13:10:50.276" v="464" actId="164"/>
+        <pc:spChg chg="add mod topLvl">
+          <ac:chgData name="Flavio" userId="acf32d90-2754-4ce4-92d1-4f5cef942a84" providerId="ADAL" clId="{56CF898D-0475-4A64-89D7-9E562B826F4B}" dt="2021-05-12T08:34:45.926" v="4449" actId="165"/>
           <ac:spMkLst>
             <pc:docMk/>
             <pc:sldMk cId="2821362574" sldId="257"/>
             <ac:spMk id="51" creationId="{352997FA-51B4-424F-86D0-F205796F55AC}"/>
           </ac:spMkLst>
         </pc:spChg>
-        <pc:spChg chg="add mod ord">
-          <ac:chgData name="Flavio" userId="acf32d90-2754-4ce4-92d1-4f5cef942a84" providerId="ADAL" clId="{56CF898D-0475-4A64-89D7-9E562B826F4B}" dt="2021-04-14T13:10:50.276" v="464" actId="164"/>
+        <pc:spChg chg="add mod ord topLvl">
+          <ac:chgData name="Flavio" userId="acf32d90-2754-4ce4-92d1-4f5cef942a84" providerId="ADAL" clId="{56CF898D-0475-4A64-89D7-9E562B826F4B}" dt="2021-05-12T08:34:45.926" v="4449" actId="165"/>
           <ac:spMkLst>
             <pc:docMk/>
             <pc:sldMk cId="2821362574" sldId="257"/>
             <ac:spMk id="52" creationId="{E370D36B-540E-489A-9A8D-3E64AE5C806B}"/>
           </ac:spMkLst>
         </pc:spChg>
-        <pc:spChg chg="add mod">
-          <ac:chgData name="Flavio" userId="acf32d90-2754-4ce4-92d1-4f5cef942a84" providerId="ADAL" clId="{56CF898D-0475-4A64-89D7-9E562B826F4B}" dt="2021-04-14T13:10:50.276" v="464" actId="164"/>
+        <pc:spChg chg="add mod topLvl">
+          <ac:chgData name="Flavio" userId="acf32d90-2754-4ce4-92d1-4f5cef942a84" providerId="ADAL" clId="{56CF898D-0475-4A64-89D7-9E562B826F4B}" dt="2021-05-12T08:34:45.926" v="4449" actId="165"/>
           <ac:spMkLst>
             <pc:docMk/>
             <pc:sldMk cId="2821362574" sldId="257"/>
@@ -762,7 +770,7 @@
           </ac:spMkLst>
         </pc:spChg>
         <pc:spChg chg="add mod">
-          <ac:chgData name="Flavio" userId="acf32d90-2754-4ce4-92d1-4f5cef942a84" providerId="ADAL" clId="{56CF898D-0475-4A64-89D7-9E562B826F4B}" dt="2021-04-14T14:03:22.681" v="1514" actId="1035"/>
+          <ac:chgData name="Flavio" userId="acf32d90-2754-4ce4-92d1-4f5cef942a84" providerId="ADAL" clId="{56CF898D-0475-4A64-89D7-9E562B826F4B}" dt="2021-05-12T08:31:46.497" v="4415" actId="1038"/>
           <ac:spMkLst>
             <pc:docMk/>
             <pc:sldMk cId="2821362574" sldId="257"/>
@@ -770,7 +778,7 @@
           </ac:spMkLst>
         </pc:spChg>
         <pc:spChg chg="add mod">
-          <ac:chgData name="Flavio" userId="acf32d90-2754-4ce4-92d1-4f5cef942a84" providerId="ADAL" clId="{56CF898D-0475-4A64-89D7-9E562B826F4B}" dt="2021-04-14T14:14:47.794" v="1858" actId="1582"/>
+          <ac:chgData name="Flavio" userId="acf32d90-2754-4ce4-92d1-4f5cef942a84" providerId="ADAL" clId="{56CF898D-0475-4A64-89D7-9E562B826F4B}" dt="2021-05-12T08:31:46.497" v="4415" actId="1038"/>
           <ac:spMkLst>
             <pc:docMk/>
             <pc:sldMk cId="2821362574" sldId="257"/>
@@ -802,23 +810,23 @@
           </ac:spMkLst>
         </pc:spChg>
         <pc:spChg chg="add mod">
-          <ac:chgData name="Flavio" userId="acf32d90-2754-4ce4-92d1-4f5cef942a84" providerId="ADAL" clId="{56CF898D-0475-4A64-89D7-9E562B826F4B}" dt="2021-04-14T14:14:47.794" v="1858" actId="1582"/>
+          <ac:chgData name="Flavio" userId="acf32d90-2754-4ce4-92d1-4f5cef942a84" providerId="ADAL" clId="{56CF898D-0475-4A64-89D7-9E562B826F4B}" dt="2021-05-12T08:31:56.541" v="4442" actId="1038"/>
           <ac:spMkLst>
             <pc:docMk/>
             <pc:sldMk cId="2821362574" sldId="257"/>
             <ac:spMk id="99" creationId="{BA0ADE63-906C-4844-BD84-BB5558FB4B4F}"/>
           </ac:spMkLst>
         </pc:spChg>
-        <pc:spChg chg="add mod">
-          <ac:chgData name="Flavio" userId="acf32d90-2754-4ce4-92d1-4f5cef942a84" providerId="ADAL" clId="{56CF898D-0475-4A64-89D7-9E562B826F4B}" dt="2021-04-14T13:10:50.276" v="464" actId="164"/>
+        <pc:spChg chg="add mod topLvl">
+          <ac:chgData name="Flavio" userId="acf32d90-2754-4ce4-92d1-4f5cef942a84" providerId="ADAL" clId="{56CF898D-0475-4A64-89D7-9E562B826F4B}" dt="2021-05-12T08:34:45.926" v="4449" actId="165"/>
           <ac:spMkLst>
             <pc:docMk/>
             <pc:sldMk cId="2821362574" sldId="257"/>
             <ac:spMk id="101" creationId="{08369D79-470B-4FC1-8A7C-FA980CF1ABC5}"/>
           </ac:spMkLst>
         </pc:spChg>
-        <pc:spChg chg="add mod">
-          <ac:chgData name="Flavio" userId="acf32d90-2754-4ce4-92d1-4f5cef942a84" providerId="ADAL" clId="{56CF898D-0475-4A64-89D7-9E562B826F4B}" dt="2021-04-14T13:10:50.276" v="464" actId="164"/>
+        <pc:spChg chg="add mod topLvl">
+          <ac:chgData name="Flavio" userId="acf32d90-2754-4ce4-92d1-4f5cef942a84" providerId="ADAL" clId="{56CF898D-0475-4A64-89D7-9E562B826F4B}" dt="2021-05-12T08:34:45.926" v="4449" actId="165"/>
           <ac:spMkLst>
             <pc:docMk/>
             <pc:sldMk cId="2821362574" sldId="257"/>
@@ -841,16 +849,16 @@
             <ac:spMk id="105" creationId="{8484BE4B-E9CB-4EC4-BCB0-6441222906B2}"/>
           </ac:spMkLst>
         </pc:spChg>
-        <pc:spChg chg="add mod">
-          <ac:chgData name="Flavio" userId="acf32d90-2754-4ce4-92d1-4f5cef942a84" providerId="ADAL" clId="{56CF898D-0475-4A64-89D7-9E562B826F4B}" dt="2021-04-14T13:10:50.276" v="464" actId="164"/>
+        <pc:spChg chg="add mod topLvl">
+          <ac:chgData name="Flavio" userId="acf32d90-2754-4ce4-92d1-4f5cef942a84" providerId="ADAL" clId="{56CF898D-0475-4A64-89D7-9E562B826F4B}" dt="2021-05-12T08:34:45.926" v="4449" actId="165"/>
           <ac:spMkLst>
             <pc:docMk/>
             <pc:sldMk cId="2821362574" sldId="257"/>
             <ac:spMk id="113" creationId="{8074848D-FF6A-4897-9545-8AA0248D9457}"/>
           </ac:spMkLst>
         </pc:spChg>
-        <pc:spChg chg="add mod">
-          <ac:chgData name="Flavio" userId="acf32d90-2754-4ce4-92d1-4f5cef942a84" providerId="ADAL" clId="{56CF898D-0475-4A64-89D7-9E562B826F4B}" dt="2021-04-14T13:10:50.276" v="464" actId="164"/>
+        <pc:spChg chg="add mod topLvl">
+          <ac:chgData name="Flavio" userId="acf32d90-2754-4ce4-92d1-4f5cef942a84" providerId="ADAL" clId="{56CF898D-0475-4A64-89D7-9E562B826F4B}" dt="2021-05-12T08:34:45.926" v="4449" actId="165"/>
           <ac:spMkLst>
             <pc:docMk/>
             <pc:sldMk cId="2821362574" sldId="257"/>
@@ -865,24 +873,24 @@
             <ac:spMk id="115" creationId="{6A177018-BB77-4556-AEA1-B8432C9107C5}"/>
           </ac:spMkLst>
         </pc:spChg>
-        <pc:spChg chg="add mod">
-          <ac:chgData name="Flavio" userId="acf32d90-2754-4ce4-92d1-4f5cef942a84" providerId="ADAL" clId="{56CF898D-0475-4A64-89D7-9E562B826F4B}" dt="2021-04-14T13:10:50.276" v="464" actId="164"/>
+        <pc:spChg chg="add mod topLvl">
+          <ac:chgData name="Flavio" userId="acf32d90-2754-4ce4-92d1-4f5cef942a84" providerId="ADAL" clId="{56CF898D-0475-4A64-89D7-9E562B826F4B}" dt="2021-05-12T08:34:45.926" v="4449" actId="165"/>
           <ac:spMkLst>
             <pc:docMk/>
             <pc:sldMk cId="2821362574" sldId="257"/>
             <ac:spMk id="117" creationId="{724E0A68-7ED2-4349-AE91-1F210442E3BF}"/>
           </ac:spMkLst>
         </pc:spChg>
-        <pc:spChg chg="add mod">
-          <ac:chgData name="Flavio" userId="acf32d90-2754-4ce4-92d1-4f5cef942a84" providerId="ADAL" clId="{56CF898D-0475-4A64-89D7-9E562B826F4B}" dt="2021-04-14T13:10:50.276" v="464" actId="164"/>
+        <pc:spChg chg="add mod topLvl">
+          <ac:chgData name="Flavio" userId="acf32d90-2754-4ce4-92d1-4f5cef942a84" providerId="ADAL" clId="{56CF898D-0475-4A64-89D7-9E562B826F4B}" dt="2021-05-12T08:34:45.926" v="4449" actId="165"/>
           <ac:spMkLst>
             <pc:docMk/>
             <pc:sldMk cId="2821362574" sldId="257"/>
             <ac:spMk id="118" creationId="{7384363B-382A-4C2F-9CAF-F9D0EB020526}"/>
           </ac:spMkLst>
         </pc:spChg>
-        <pc:spChg chg="add mod">
-          <ac:chgData name="Flavio" userId="acf32d90-2754-4ce4-92d1-4f5cef942a84" providerId="ADAL" clId="{56CF898D-0475-4A64-89D7-9E562B826F4B}" dt="2021-04-14T15:09:53.600" v="2245" actId="1076"/>
+        <pc:spChg chg="add mod topLvl">
+          <ac:chgData name="Flavio" userId="acf32d90-2754-4ce4-92d1-4f5cef942a84" providerId="ADAL" clId="{56CF898D-0475-4A64-89D7-9E562B826F4B}" dt="2021-05-12T08:34:45.926" v="4449" actId="165"/>
           <ac:spMkLst>
             <pc:docMk/>
             <pc:sldMk cId="2821362574" sldId="257"/>
@@ -897,8 +905,8 @@
             <ac:spMk id="123" creationId="{2F2D93D6-87C6-498E-8449-46E83919D7AB}"/>
           </ac:spMkLst>
         </pc:spChg>
-        <pc:spChg chg="add mod">
-          <ac:chgData name="Flavio" userId="acf32d90-2754-4ce4-92d1-4f5cef942a84" providerId="ADAL" clId="{56CF898D-0475-4A64-89D7-9E562B826F4B}" dt="2021-04-14T13:10:50.276" v="464" actId="164"/>
+        <pc:spChg chg="add mod topLvl">
+          <ac:chgData name="Flavio" userId="acf32d90-2754-4ce4-92d1-4f5cef942a84" providerId="ADAL" clId="{56CF898D-0475-4A64-89D7-9E562B826F4B}" dt="2021-05-12T08:34:45.926" v="4449" actId="165"/>
           <ac:spMkLst>
             <pc:docMk/>
             <pc:sldMk cId="2821362574" sldId="257"/>
@@ -1058,7 +1066,7 @@
           </ac:spMkLst>
         </pc:spChg>
         <pc:spChg chg="add mod">
-          <ac:chgData name="Flavio" userId="acf32d90-2754-4ce4-92d1-4f5cef942a84" providerId="ADAL" clId="{56CF898D-0475-4A64-89D7-9E562B826F4B}" dt="2021-04-14T14:15:02.393" v="1859" actId="1582"/>
+          <ac:chgData name="Flavio" userId="acf32d90-2754-4ce4-92d1-4f5cef942a84" providerId="ADAL" clId="{56CF898D-0475-4A64-89D7-9E562B826F4B}" dt="2021-05-12T08:31:56.541" v="4442" actId="1038"/>
           <ac:spMkLst>
             <pc:docMk/>
             <pc:sldMk cId="2821362574" sldId="257"/>
@@ -1073,6 +1081,30 @@
             <ac:spMk id="177" creationId="{211E9009-625A-4BC5-9412-E191972C6558}"/>
           </ac:spMkLst>
         </pc:spChg>
+        <pc:spChg chg="add mod topLvl">
+          <ac:chgData name="Flavio" userId="acf32d90-2754-4ce4-92d1-4f5cef942a84" providerId="ADAL" clId="{56CF898D-0475-4A64-89D7-9E562B826F4B}" dt="2021-05-12T08:34:52.127" v="4450" actId="164"/>
+          <ac:spMkLst>
+            <pc:docMk/>
+            <pc:sldMk cId="2821362574" sldId="257"/>
+            <ac:spMk id="180" creationId="{699A0F87-41BE-4027-A818-41EB42C32EA6}"/>
+          </ac:spMkLst>
+        </pc:spChg>
+        <pc:spChg chg="add mod topLvl">
+          <ac:chgData name="Flavio" userId="acf32d90-2754-4ce4-92d1-4f5cef942a84" providerId="ADAL" clId="{56CF898D-0475-4A64-89D7-9E562B826F4B}" dt="2021-05-12T08:34:52.127" v="4450" actId="164"/>
+          <ac:spMkLst>
+            <pc:docMk/>
+            <pc:sldMk cId="2821362574" sldId="257"/>
+            <ac:spMk id="182" creationId="{D039CD66-8EDF-4D31-8FBA-4DE398EB038F}"/>
+          </ac:spMkLst>
+        </pc:spChg>
+        <pc:spChg chg="add mod topLvl">
+          <ac:chgData name="Flavio" userId="acf32d90-2754-4ce4-92d1-4f5cef942a84" providerId="ADAL" clId="{56CF898D-0475-4A64-89D7-9E562B826F4B}" dt="2021-05-12T08:35:10.490" v="4454" actId="404"/>
+          <ac:spMkLst>
+            <pc:docMk/>
+            <pc:sldMk cId="2821362574" sldId="257"/>
+            <ac:spMk id="183" creationId="{5E78144D-A229-40B6-AEDD-072F52022244}"/>
+          </ac:spMkLst>
+        </pc:spChg>
         <pc:spChg chg="add mod">
           <ac:chgData name="Flavio" userId="acf32d90-2754-4ce4-92d1-4f5cef942a84" providerId="ADAL" clId="{56CF898D-0475-4A64-89D7-9E562B826F4B}" dt="2021-04-14T14:15:02.393" v="1859" actId="1582"/>
           <ac:spMkLst>
@@ -1081,6 +1113,46 @@
             <ac:spMk id="194" creationId="{8E07F547-F2F9-4D73-A14F-7753187B4CD6}"/>
           </ac:spMkLst>
         </pc:spChg>
+        <pc:spChg chg="add mod">
+          <ac:chgData name="Flavio" userId="acf32d90-2754-4ce4-92d1-4f5cef942a84" providerId="ADAL" clId="{56CF898D-0475-4A64-89D7-9E562B826F4B}" dt="2021-05-12T08:36:51.581" v="4499" actId="1076"/>
+          <ac:spMkLst>
+            <pc:docMk/>
+            <pc:sldMk cId="2821362574" sldId="257"/>
+            <ac:spMk id="196" creationId="{3D8F9A0F-DA30-443C-B22F-5E7F4081A077}"/>
+          </ac:spMkLst>
+        </pc:spChg>
+        <pc:spChg chg="add mod">
+          <ac:chgData name="Flavio" userId="acf32d90-2754-4ce4-92d1-4f5cef942a84" providerId="ADAL" clId="{56CF898D-0475-4A64-89D7-9E562B826F4B}" dt="2021-05-12T08:36:51.581" v="4499" actId="1076"/>
+          <ac:spMkLst>
+            <pc:docMk/>
+            <pc:sldMk cId="2821362574" sldId="257"/>
+            <ac:spMk id="197" creationId="{0AA8256D-F7F4-4E84-9037-C400D43367D9}"/>
+          </ac:spMkLst>
+        </pc:spChg>
+        <pc:spChg chg="add mod">
+          <ac:chgData name="Flavio" userId="acf32d90-2754-4ce4-92d1-4f5cef942a84" providerId="ADAL" clId="{56CF898D-0475-4A64-89D7-9E562B826F4B}" dt="2021-05-12T08:37:07.696" v="4502" actId="1076"/>
+          <ac:spMkLst>
+            <pc:docMk/>
+            <pc:sldMk cId="2821362574" sldId="257"/>
+            <ac:spMk id="199" creationId="{25E63F4C-0D7A-460E-9E86-44CE7BCBD835}"/>
+          </ac:spMkLst>
+        </pc:spChg>
+        <pc:spChg chg="add mod">
+          <ac:chgData name="Flavio" userId="acf32d90-2754-4ce4-92d1-4f5cef942a84" providerId="ADAL" clId="{56CF898D-0475-4A64-89D7-9E562B826F4B}" dt="2021-05-12T10:19:51.488" v="4537" actId="164"/>
+          <ac:spMkLst>
+            <pc:docMk/>
+            <pc:sldMk cId="2821362574" sldId="257"/>
+            <ac:spMk id="216" creationId="{1EA60E6E-8F1D-4C42-BA16-1A817BA34684}"/>
+          </ac:spMkLst>
+        </pc:spChg>
+        <pc:spChg chg="add mod">
+          <ac:chgData name="Flavio" userId="acf32d90-2754-4ce4-92d1-4f5cef942a84" providerId="ADAL" clId="{56CF898D-0475-4A64-89D7-9E562B826F4B}" dt="2021-05-12T10:19:51.488" v="4537" actId="164"/>
+          <ac:spMkLst>
+            <pc:docMk/>
+            <pc:sldMk cId="2821362574" sldId="257"/>
+            <ac:spMk id="217" creationId="{09D8BEB1-1AD7-4E08-92ED-753F44072381}"/>
+          </ac:spMkLst>
+        </pc:spChg>
         <pc:spChg chg="add del mod">
           <ac:chgData name="Flavio" userId="acf32d90-2754-4ce4-92d1-4f5cef942a84" providerId="ADAL" clId="{56CF898D-0475-4A64-89D7-9E562B826F4B}" dt="2021-04-14T14:05:18.927" v="1531" actId="478"/>
           <ac:spMkLst>
@@ -1921,22 +1993,38 @@
             <ac:spMk id="373" creationId="{B0690466-6978-4EF0-9A8A-599D45856588}"/>
           </ac:spMkLst>
         </pc:spChg>
-        <pc:spChg chg="add mod">
-          <ac:chgData name="Flavio" userId="acf32d90-2754-4ce4-92d1-4f5cef942a84" providerId="ADAL" clId="{56CF898D-0475-4A64-89D7-9E562B826F4B}" dt="2021-04-14T15:09:16.416" v="2236" actId="207"/>
+        <pc:spChg chg="add del mod">
+          <ac:chgData name="Flavio" userId="acf32d90-2754-4ce4-92d1-4f5cef942a84" providerId="ADAL" clId="{56CF898D-0475-4A64-89D7-9E562B826F4B}" dt="2021-05-12T10:30:06.941" v="4543" actId="478"/>
           <ac:spMkLst>
             <pc:docMk/>
             <pc:sldMk cId="2821362574" sldId="257"/>
             <ac:spMk id="385" creationId="{1B22DCB4-FCCA-4C5C-B1C3-6C5C148F1E13}"/>
           </ac:spMkLst>
         </pc:spChg>
-        <pc:spChg chg="add mod">
-          <ac:chgData name="Flavio" userId="acf32d90-2754-4ce4-92d1-4f5cef942a84" providerId="ADAL" clId="{56CF898D-0475-4A64-89D7-9E562B826F4B}" dt="2021-05-05T14:09:58.714" v="3659" actId="1037"/>
+        <pc:spChg chg="add del mod">
+          <ac:chgData name="Flavio" userId="acf32d90-2754-4ce4-92d1-4f5cef942a84" providerId="ADAL" clId="{56CF898D-0475-4A64-89D7-9E562B826F4B}" dt="2021-05-12T10:30:08.700" v="4544" actId="478"/>
           <ac:spMkLst>
             <pc:docMk/>
             <pc:sldMk cId="2821362574" sldId="257"/>
             <ac:spMk id="386" creationId="{48B19128-67E6-4BB4-B788-E02202053647}"/>
           </ac:spMkLst>
         </pc:spChg>
+        <pc:grpChg chg="add mod">
+          <ac:chgData name="Flavio" userId="acf32d90-2754-4ce4-92d1-4f5cef942a84" providerId="ADAL" clId="{56CF898D-0475-4A64-89D7-9E562B826F4B}" dt="2021-05-12T08:35:59.141" v="4473" actId="1035"/>
+          <ac:grpSpMkLst>
+            <pc:docMk/>
+            <pc:sldMk cId="2821362574" sldId="257"/>
+            <ac:grpSpMk id="8" creationId="{E2E74D1D-D638-4A99-A800-A6B6B70CE9DD}"/>
+          </ac:grpSpMkLst>
+        </pc:grpChg>
+        <pc:grpChg chg="add mod">
+          <ac:chgData name="Flavio" userId="acf32d90-2754-4ce4-92d1-4f5cef942a84" providerId="ADAL" clId="{56CF898D-0475-4A64-89D7-9E562B826F4B}" dt="2021-05-12T10:20:01.036" v="4541" actId="1076"/>
+          <ac:grpSpMkLst>
+            <pc:docMk/>
+            <pc:sldMk cId="2821362574" sldId="257"/>
+            <ac:grpSpMk id="27" creationId="{9CC627EB-B6C4-4544-9F37-773C2B89B206}"/>
+          </ac:grpSpMkLst>
+        </pc:grpChg>
         <pc:grpChg chg="del">
           <ac:chgData name="Flavio" userId="acf32d90-2754-4ce4-92d1-4f5cef942a84" providerId="ADAL" clId="{56CF898D-0475-4A64-89D7-9E562B826F4B}" dt="2021-04-14T12:32:49.046" v="157" actId="478"/>
           <ac:grpSpMkLst>
@@ -1969,8 +2057,8 @@
             <ac:grpSpMk id="68" creationId="{EC0FCD47-B539-4FAF-BC01-B007D5543B31}"/>
           </ac:grpSpMkLst>
         </pc:grpChg>
-        <pc:grpChg chg="add mod">
-          <ac:chgData name="Flavio" userId="acf32d90-2754-4ce4-92d1-4f5cef942a84" providerId="ADAL" clId="{56CF898D-0475-4A64-89D7-9E562B826F4B}" dt="2021-04-14T13:10:51.897" v="465" actId="1076"/>
+        <pc:grpChg chg="add del mod">
+          <ac:chgData name="Flavio" userId="acf32d90-2754-4ce4-92d1-4f5cef942a84" providerId="ADAL" clId="{56CF898D-0475-4A64-89D7-9E562B826F4B}" dt="2021-05-12T08:34:45.926" v="4449" actId="165"/>
           <ac:grpSpMkLst>
             <pc:docMk/>
             <pc:sldMk cId="2821362574" sldId="257"/>
@@ -1986,7 +2074,7 @@
           </ac:grpSpMkLst>
         </pc:grpChg>
         <pc:grpChg chg="add mod">
-          <ac:chgData name="Flavio" userId="acf32d90-2754-4ce4-92d1-4f5cef942a84" providerId="ADAL" clId="{56CF898D-0475-4A64-89D7-9E562B826F4B}" dt="2021-04-14T14:10:56.958" v="1663"/>
+          <ac:chgData name="Flavio" userId="acf32d90-2754-4ce4-92d1-4f5cef942a84" providerId="ADAL" clId="{56CF898D-0475-4A64-89D7-9E562B826F4B}" dt="2021-05-12T08:31:56.541" v="4442" actId="1038"/>
           <ac:grpSpMkLst>
             <pc:docMk/>
             <pc:sldMk cId="2821362574" sldId="257"/>
@@ -2050,7 +2138,7 @@
           </ac:grpSpMkLst>
         </pc:grpChg>
         <pc:grpChg chg="add mod">
-          <ac:chgData name="Flavio" userId="acf32d90-2754-4ce4-92d1-4f5cef942a84" providerId="ADAL" clId="{56CF898D-0475-4A64-89D7-9E562B826F4B}" dt="2021-04-14T14:12:28.457" v="1672" actId="1076"/>
+          <ac:chgData name="Flavio" userId="acf32d90-2754-4ce4-92d1-4f5cef942a84" providerId="ADAL" clId="{56CF898D-0475-4A64-89D7-9E562B826F4B}" dt="2021-05-12T08:31:56.541" v="4442" actId="1038"/>
           <ac:grpSpMkLst>
             <pc:docMk/>
             <pc:sldMk cId="2821362574" sldId="257"/>
@@ -2058,7 +2146,7 @@
           </ac:grpSpMkLst>
         </pc:grpChg>
         <pc:grpChg chg="add mod">
-          <ac:chgData name="Flavio" userId="acf32d90-2754-4ce4-92d1-4f5cef942a84" providerId="ADAL" clId="{56CF898D-0475-4A64-89D7-9E562B826F4B}" dt="2021-04-14T14:12:36.304" v="1692" actId="1037"/>
+          <ac:chgData name="Flavio" userId="acf32d90-2754-4ce4-92d1-4f5cef942a84" providerId="ADAL" clId="{56CF898D-0475-4A64-89D7-9E562B826F4B}" dt="2021-05-12T08:31:56.541" v="4442" actId="1038"/>
           <ac:grpSpMkLst>
             <pc:docMk/>
             <pc:sldMk cId="2821362574" sldId="257"/>
@@ -2066,7 +2154,7 @@
           </ac:grpSpMkLst>
         </pc:grpChg>
         <pc:grpChg chg="add mod">
-          <ac:chgData name="Flavio" userId="acf32d90-2754-4ce4-92d1-4f5cef942a84" providerId="ADAL" clId="{56CF898D-0475-4A64-89D7-9E562B826F4B}" dt="2021-04-14T14:12:40.940" v="1715" actId="1037"/>
+          <ac:chgData name="Flavio" userId="acf32d90-2754-4ce4-92d1-4f5cef942a84" providerId="ADAL" clId="{56CF898D-0475-4A64-89D7-9E562B826F4B}" dt="2021-05-12T08:31:56.541" v="4442" actId="1038"/>
           <ac:grpSpMkLst>
             <pc:docMk/>
             <pc:sldMk cId="2821362574" sldId="257"/>
@@ -2074,7 +2162,7 @@
           </ac:grpSpMkLst>
         </pc:grpChg>
         <pc:grpChg chg="add mod">
-          <ac:chgData name="Flavio" userId="acf32d90-2754-4ce4-92d1-4f5cef942a84" providerId="ADAL" clId="{56CF898D-0475-4A64-89D7-9E562B826F4B}" dt="2021-04-14T14:12:43.529" v="1733" actId="1037"/>
+          <ac:chgData name="Flavio" userId="acf32d90-2754-4ce4-92d1-4f5cef942a84" providerId="ADAL" clId="{56CF898D-0475-4A64-89D7-9E562B826F4B}" dt="2021-05-12T08:31:56.541" v="4442" actId="1038"/>
           <ac:grpSpMkLst>
             <pc:docMk/>
             <pc:sldMk cId="2821362574" sldId="257"/>
@@ -2082,7 +2170,7 @@
           </ac:grpSpMkLst>
         </pc:grpChg>
         <pc:grpChg chg="add mod">
-          <ac:chgData name="Flavio" userId="acf32d90-2754-4ce4-92d1-4f5cef942a84" providerId="ADAL" clId="{56CF898D-0475-4A64-89D7-9E562B826F4B}" dt="2021-04-14T14:12:48.815" v="1774" actId="1038"/>
+          <ac:chgData name="Flavio" userId="acf32d90-2754-4ce4-92d1-4f5cef942a84" providerId="ADAL" clId="{56CF898D-0475-4A64-89D7-9E562B826F4B}" dt="2021-05-12T08:31:56.541" v="4442" actId="1038"/>
           <ac:grpSpMkLst>
             <pc:docMk/>
             <pc:sldMk cId="2821362574" sldId="257"/>
@@ -2090,7 +2178,7 @@
           </ac:grpSpMkLst>
         </pc:grpChg>
         <pc:grpChg chg="add mod">
-          <ac:chgData name="Flavio" userId="acf32d90-2754-4ce4-92d1-4f5cef942a84" providerId="ADAL" clId="{56CF898D-0475-4A64-89D7-9E562B826F4B}" dt="2021-04-14T14:12:52.611" v="1797" actId="1037"/>
+          <ac:chgData name="Flavio" userId="acf32d90-2754-4ce4-92d1-4f5cef942a84" providerId="ADAL" clId="{56CF898D-0475-4A64-89D7-9E562B826F4B}" dt="2021-05-12T08:31:56.541" v="4442" actId="1038"/>
           <ac:grpSpMkLst>
             <pc:docMk/>
             <pc:sldMk cId="2821362574" sldId="257"/>
@@ -2098,7 +2186,7 @@
           </ac:grpSpMkLst>
         </pc:grpChg>
         <pc:grpChg chg="add mod">
-          <ac:chgData name="Flavio" userId="acf32d90-2754-4ce4-92d1-4f5cef942a84" providerId="ADAL" clId="{56CF898D-0475-4A64-89D7-9E562B826F4B}" dt="2021-04-14T14:13:00.155" v="1845" actId="1037"/>
+          <ac:chgData name="Flavio" userId="acf32d90-2754-4ce4-92d1-4f5cef942a84" providerId="ADAL" clId="{56CF898D-0475-4A64-89D7-9E562B826F4B}" dt="2021-05-12T08:31:56.541" v="4442" actId="1038"/>
           <ac:grpSpMkLst>
             <pc:docMk/>
             <pc:sldMk cId="2821362574" sldId="257"/>
@@ -2106,7 +2194,7 @@
           </ac:grpSpMkLst>
         </pc:grpChg>
         <pc:grpChg chg="add mod">
-          <ac:chgData name="Flavio" userId="acf32d90-2754-4ce4-92d1-4f5cef942a84" providerId="ADAL" clId="{56CF898D-0475-4A64-89D7-9E562B826F4B}" dt="2021-04-14T14:13:08.905" v="1847" actId="1076"/>
+          <ac:chgData name="Flavio" userId="acf32d90-2754-4ce4-92d1-4f5cef942a84" providerId="ADAL" clId="{56CF898D-0475-4A64-89D7-9E562B826F4B}" dt="2021-05-12T08:31:56.541" v="4442" actId="1038"/>
           <ac:grpSpMkLst>
             <pc:docMk/>
             <pc:sldMk cId="2821362574" sldId="257"/>
@@ -2274,7 +2362,7 @@
           </ac:cxnSpMkLst>
         </pc:cxnChg>
         <pc:cxnChg chg="add mod">
-          <ac:chgData name="Flavio" userId="acf32d90-2754-4ce4-92d1-4f5cef942a84" providerId="ADAL" clId="{56CF898D-0475-4A64-89D7-9E562B826F4B}" dt="2021-04-14T14:14:47.794" v="1858" actId="1582"/>
+          <ac:chgData name="Flavio" userId="acf32d90-2754-4ce4-92d1-4f5cef942a84" providerId="ADAL" clId="{56CF898D-0475-4A64-89D7-9E562B826F4B}" dt="2021-05-12T08:31:46.497" v="4415" actId="1038"/>
           <ac:cxnSpMkLst>
             <pc:docMk/>
             <pc:sldMk cId="2821362574" sldId="257"/>
@@ -2313,8 +2401,8 @@
             <ac:cxnSpMk id="96" creationId="{EAFB413E-BEA4-4C92-8272-42C62F36A687}"/>
           </ac:cxnSpMkLst>
         </pc:cxnChg>
-        <pc:cxnChg chg="add mod">
-          <ac:chgData name="Flavio" userId="acf32d90-2754-4ce4-92d1-4f5cef942a84" providerId="ADAL" clId="{56CF898D-0475-4A64-89D7-9E562B826F4B}" dt="2021-04-14T13:10:50.276" v="464" actId="164"/>
+        <pc:cxnChg chg="add mod topLvl">
+          <ac:chgData name="Flavio" userId="acf32d90-2754-4ce4-92d1-4f5cef942a84" providerId="ADAL" clId="{56CF898D-0475-4A64-89D7-9E562B826F4B}" dt="2021-05-12T08:34:45.926" v="4449" actId="165"/>
           <ac:cxnSpMkLst>
             <pc:docMk/>
             <pc:sldMk cId="2821362574" sldId="257"/>
@@ -2337,16 +2425,16 @@
             <ac:cxnSpMk id="100" creationId="{9053B4F1-36B5-4541-8C1F-A4613FE44BCD}"/>
           </ac:cxnSpMkLst>
         </pc:cxnChg>
-        <pc:cxnChg chg="add mod">
-          <ac:chgData name="Flavio" userId="acf32d90-2754-4ce4-92d1-4f5cef942a84" providerId="ADAL" clId="{56CF898D-0475-4A64-89D7-9E562B826F4B}" dt="2021-04-14T13:10:50.276" v="464" actId="164"/>
+        <pc:cxnChg chg="add mod topLvl">
+          <ac:chgData name="Flavio" userId="acf32d90-2754-4ce4-92d1-4f5cef942a84" providerId="ADAL" clId="{56CF898D-0475-4A64-89D7-9E562B826F4B}" dt="2021-05-12T08:34:45.926" v="4449" actId="165"/>
           <ac:cxnSpMkLst>
             <pc:docMk/>
             <pc:sldMk cId="2821362574" sldId="257"/>
             <ac:cxnSpMk id="103" creationId="{D0BEBC21-68CD-4B39-B6F1-017984ED3637}"/>
           </ac:cxnSpMkLst>
         </pc:cxnChg>
-        <pc:cxnChg chg="add mod">
-          <ac:chgData name="Flavio" userId="acf32d90-2754-4ce4-92d1-4f5cef942a84" providerId="ADAL" clId="{56CF898D-0475-4A64-89D7-9E562B826F4B}" dt="2021-04-14T13:10:50.276" v="464" actId="164"/>
+        <pc:cxnChg chg="add mod topLvl">
+          <ac:chgData name="Flavio" userId="acf32d90-2754-4ce4-92d1-4f5cef942a84" providerId="ADAL" clId="{56CF898D-0475-4A64-89D7-9E562B826F4B}" dt="2021-05-12T08:34:45.926" v="4449" actId="165"/>
           <ac:cxnSpMkLst>
             <pc:docMk/>
             <pc:sldMk cId="2821362574" sldId="257"/>
@@ -2361,8 +2449,8 @@
             <ac:cxnSpMk id="107" creationId="{9034C283-63EA-44DC-A48A-3FAAE7E0DBFA}"/>
           </ac:cxnSpMkLst>
         </pc:cxnChg>
-        <pc:cxnChg chg="add mod">
-          <ac:chgData name="Flavio" userId="acf32d90-2754-4ce4-92d1-4f5cef942a84" providerId="ADAL" clId="{56CF898D-0475-4A64-89D7-9E562B826F4B}" dt="2021-04-14T13:10:50.276" v="464" actId="164"/>
+        <pc:cxnChg chg="add mod topLvl">
+          <ac:chgData name="Flavio" userId="acf32d90-2754-4ce4-92d1-4f5cef942a84" providerId="ADAL" clId="{56CF898D-0475-4A64-89D7-9E562B826F4B}" dt="2021-05-12T08:34:45.926" v="4449" actId="165"/>
           <ac:cxnSpMkLst>
             <pc:docMk/>
             <pc:sldMk cId="2821362574" sldId="257"/>
@@ -2377,40 +2465,40 @@
             <ac:cxnSpMk id="109" creationId="{FB62339B-2D13-4C68-9664-5F9B049FB833}"/>
           </ac:cxnSpMkLst>
         </pc:cxnChg>
-        <pc:cxnChg chg="add mod">
-          <ac:chgData name="Flavio" userId="acf32d90-2754-4ce4-92d1-4f5cef942a84" providerId="ADAL" clId="{56CF898D-0475-4A64-89D7-9E562B826F4B}" dt="2021-04-14T13:10:50.276" v="464" actId="164"/>
+        <pc:cxnChg chg="add mod topLvl">
+          <ac:chgData name="Flavio" userId="acf32d90-2754-4ce4-92d1-4f5cef942a84" providerId="ADAL" clId="{56CF898D-0475-4A64-89D7-9E562B826F4B}" dt="2021-05-12T08:34:45.926" v="4449" actId="165"/>
           <ac:cxnSpMkLst>
             <pc:docMk/>
             <pc:sldMk cId="2821362574" sldId="257"/>
             <ac:cxnSpMk id="110" creationId="{D6D6AC3B-B743-4ADD-969D-1DF7A09455E1}"/>
           </ac:cxnSpMkLst>
         </pc:cxnChg>
-        <pc:cxnChg chg="add mod">
-          <ac:chgData name="Flavio" userId="acf32d90-2754-4ce4-92d1-4f5cef942a84" providerId="ADAL" clId="{56CF898D-0475-4A64-89D7-9E562B826F4B}" dt="2021-04-14T13:10:50.276" v="464" actId="164"/>
+        <pc:cxnChg chg="add mod topLvl">
+          <ac:chgData name="Flavio" userId="acf32d90-2754-4ce4-92d1-4f5cef942a84" providerId="ADAL" clId="{56CF898D-0475-4A64-89D7-9E562B826F4B}" dt="2021-05-12T08:34:45.926" v="4449" actId="165"/>
           <ac:cxnSpMkLst>
             <pc:docMk/>
             <pc:sldMk cId="2821362574" sldId="257"/>
             <ac:cxnSpMk id="111" creationId="{135890E8-B7A1-46BA-B4C4-AE5B876B7C6B}"/>
           </ac:cxnSpMkLst>
         </pc:cxnChg>
-        <pc:cxnChg chg="add mod">
-          <ac:chgData name="Flavio" userId="acf32d90-2754-4ce4-92d1-4f5cef942a84" providerId="ADAL" clId="{56CF898D-0475-4A64-89D7-9E562B826F4B}" dt="2021-04-14T13:10:50.276" v="464" actId="164"/>
+        <pc:cxnChg chg="add mod topLvl">
+          <ac:chgData name="Flavio" userId="acf32d90-2754-4ce4-92d1-4f5cef942a84" providerId="ADAL" clId="{56CF898D-0475-4A64-89D7-9E562B826F4B}" dt="2021-05-12T08:34:45.926" v="4449" actId="165"/>
           <ac:cxnSpMkLst>
             <pc:docMk/>
             <pc:sldMk cId="2821362574" sldId="257"/>
             <ac:cxnSpMk id="112" creationId="{F99D1870-CADA-4EDA-85DC-8360BF198889}"/>
           </ac:cxnSpMkLst>
         </pc:cxnChg>
-        <pc:cxnChg chg="add mod">
-          <ac:chgData name="Flavio" userId="acf32d90-2754-4ce4-92d1-4f5cef942a84" providerId="ADAL" clId="{56CF898D-0475-4A64-89D7-9E562B826F4B}" dt="2021-04-14T13:10:50.276" v="464" actId="164"/>
+        <pc:cxnChg chg="add mod topLvl">
+          <ac:chgData name="Flavio" userId="acf32d90-2754-4ce4-92d1-4f5cef942a84" providerId="ADAL" clId="{56CF898D-0475-4A64-89D7-9E562B826F4B}" dt="2021-05-12T08:34:45.926" v="4449" actId="165"/>
           <ac:cxnSpMkLst>
             <pc:docMk/>
             <pc:sldMk cId="2821362574" sldId="257"/>
             <ac:cxnSpMk id="120" creationId="{6154437C-00E9-45BB-B62E-FB9EE524CC08}"/>
           </ac:cxnSpMkLst>
         </pc:cxnChg>
-        <pc:cxnChg chg="add mod">
-          <ac:chgData name="Flavio" userId="acf32d90-2754-4ce4-92d1-4f5cef942a84" providerId="ADAL" clId="{56CF898D-0475-4A64-89D7-9E562B826F4B}" dt="2021-04-14T13:10:50.276" v="464" actId="164"/>
+        <pc:cxnChg chg="add mod topLvl">
+          <ac:chgData name="Flavio" userId="acf32d90-2754-4ce4-92d1-4f5cef942a84" providerId="ADAL" clId="{56CF898D-0475-4A64-89D7-9E562B826F4B}" dt="2021-05-12T08:34:45.926" v="4449" actId="165"/>
           <ac:cxnSpMkLst>
             <pc:docMk/>
             <pc:sldMk cId="2821362574" sldId="257"/>
@@ -2418,7 +2506,7 @@
           </ac:cxnSpMkLst>
         </pc:cxnChg>
         <pc:cxnChg chg="add mod ord">
-          <ac:chgData name="Flavio" userId="acf32d90-2754-4ce4-92d1-4f5cef942a84" providerId="ADAL" clId="{56CF898D-0475-4A64-89D7-9E562B826F4B}" dt="2021-04-14T14:14:47.794" v="1858" actId="1582"/>
+          <ac:chgData name="Flavio" userId="acf32d90-2754-4ce4-92d1-4f5cef942a84" providerId="ADAL" clId="{56CF898D-0475-4A64-89D7-9E562B826F4B}" dt="2021-05-12T08:31:56.541" v="4442" actId="1038"/>
           <ac:cxnSpMkLst>
             <pc:docMk/>
             <pc:sldMk cId="2821362574" sldId="257"/>
@@ -2450,7 +2538,7 @@
           </ac:cxnSpMkLst>
         </pc:cxnChg>
         <pc:cxnChg chg="add mod">
-          <ac:chgData name="Flavio" userId="acf32d90-2754-4ce4-92d1-4f5cef942a84" providerId="ADAL" clId="{56CF898D-0475-4A64-89D7-9E562B826F4B}" dt="2021-04-14T14:14:47.794" v="1858" actId="1582"/>
+          <ac:chgData name="Flavio" userId="acf32d90-2754-4ce4-92d1-4f5cef942a84" providerId="ADAL" clId="{56CF898D-0475-4A64-89D7-9E562B826F4B}" dt="2021-05-12T08:31:56.541" v="4442" actId="1038"/>
           <ac:cxnSpMkLst>
             <pc:docMk/>
             <pc:sldMk cId="2821362574" sldId="257"/>
@@ -2458,7 +2546,7 @@
           </ac:cxnSpMkLst>
         </pc:cxnChg>
         <pc:cxnChg chg="add mod">
-          <ac:chgData name="Flavio" userId="acf32d90-2754-4ce4-92d1-4f5cef942a84" providerId="ADAL" clId="{56CF898D-0475-4A64-89D7-9E562B826F4B}" dt="2021-04-14T14:14:47.794" v="1858" actId="1582"/>
+          <ac:chgData name="Flavio" userId="acf32d90-2754-4ce4-92d1-4f5cef942a84" providerId="ADAL" clId="{56CF898D-0475-4A64-89D7-9E562B826F4B}" dt="2021-05-12T08:31:56.541" v="4442" actId="1038"/>
           <ac:cxnSpMkLst>
             <pc:docMk/>
             <pc:sldMk cId="2821362574" sldId="257"/>
@@ -2466,7 +2554,7 @@
           </ac:cxnSpMkLst>
         </pc:cxnChg>
         <pc:cxnChg chg="add mod">
-          <ac:chgData name="Flavio" userId="acf32d90-2754-4ce4-92d1-4f5cef942a84" providerId="ADAL" clId="{56CF898D-0475-4A64-89D7-9E562B826F4B}" dt="2021-04-14T14:14:47.794" v="1858" actId="1582"/>
+          <ac:chgData name="Flavio" userId="acf32d90-2754-4ce4-92d1-4f5cef942a84" providerId="ADAL" clId="{56CF898D-0475-4A64-89D7-9E562B826F4B}" dt="2021-05-12T08:31:56.541" v="4442" actId="1038"/>
           <ac:cxnSpMkLst>
             <pc:docMk/>
             <pc:sldMk cId="2821362574" sldId="257"/>
@@ -2474,7 +2562,7 @@
           </ac:cxnSpMkLst>
         </pc:cxnChg>
         <pc:cxnChg chg="add mod">
-          <ac:chgData name="Flavio" userId="acf32d90-2754-4ce4-92d1-4f5cef942a84" providerId="ADAL" clId="{56CF898D-0475-4A64-89D7-9E562B826F4B}" dt="2021-04-14T14:14:47.794" v="1858" actId="1582"/>
+          <ac:chgData name="Flavio" userId="acf32d90-2754-4ce4-92d1-4f5cef942a84" providerId="ADAL" clId="{56CF898D-0475-4A64-89D7-9E562B826F4B}" dt="2021-05-12T08:31:56.541" v="4442" actId="1038"/>
           <ac:cxnSpMkLst>
             <pc:docMk/>
             <pc:sldMk cId="2821362574" sldId="257"/>
@@ -2482,7 +2570,7 @@
           </ac:cxnSpMkLst>
         </pc:cxnChg>
         <pc:cxnChg chg="add mod">
-          <ac:chgData name="Flavio" userId="acf32d90-2754-4ce4-92d1-4f5cef942a84" providerId="ADAL" clId="{56CF898D-0475-4A64-89D7-9E562B826F4B}" dt="2021-04-14T14:14:47.794" v="1858" actId="1582"/>
+          <ac:chgData name="Flavio" userId="acf32d90-2754-4ce4-92d1-4f5cef942a84" providerId="ADAL" clId="{56CF898D-0475-4A64-89D7-9E562B826F4B}" dt="2021-05-12T08:31:56.541" v="4442" actId="1038"/>
           <ac:cxnSpMkLst>
             <pc:docMk/>
             <pc:sldMk cId="2821362574" sldId="257"/>
@@ -2490,7 +2578,7 @@
           </ac:cxnSpMkLst>
         </pc:cxnChg>
         <pc:cxnChg chg="add mod">
-          <ac:chgData name="Flavio" userId="acf32d90-2754-4ce4-92d1-4f5cef942a84" providerId="ADAL" clId="{56CF898D-0475-4A64-89D7-9E562B826F4B}" dt="2021-04-14T14:14:47.794" v="1858" actId="1582"/>
+          <ac:chgData name="Flavio" userId="acf32d90-2754-4ce4-92d1-4f5cef942a84" providerId="ADAL" clId="{56CF898D-0475-4A64-89D7-9E562B826F4B}" dt="2021-05-12T08:31:56.541" v="4442" actId="1038"/>
           <ac:cxnSpMkLst>
             <pc:docMk/>
             <pc:sldMk cId="2821362574" sldId="257"/>
@@ -2498,7 +2586,7 @@
           </ac:cxnSpMkLst>
         </pc:cxnChg>
         <pc:cxnChg chg="add mod">
-          <ac:chgData name="Flavio" userId="acf32d90-2754-4ce4-92d1-4f5cef942a84" providerId="ADAL" clId="{56CF898D-0475-4A64-89D7-9E562B826F4B}" dt="2021-04-14T14:14:47.794" v="1858" actId="1582"/>
+          <ac:chgData name="Flavio" userId="acf32d90-2754-4ce4-92d1-4f5cef942a84" providerId="ADAL" clId="{56CF898D-0475-4A64-89D7-9E562B826F4B}" dt="2021-05-12T08:31:56.541" v="4442" actId="1038"/>
           <ac:cxnSpMkLst>
             <pc:docMk/>
             <pc:sldMk cId="2821362574" sldId="257"/>
@@ -2506,7 +2594,7 @@
           </ac:cxnSpMkLst>
         </pc:cxnChg>
         <pc:cxnChg chg="add mod">
-          <ac:chgData name="Flavio" userId="acf32d90-2754-4ce4-92d1-4f5cef942a84" providerId="ADAL" clId="{56CF898D-0475-4A64-89D7-9E562B826F4B}" dt="2021-04-14T14:14:47.794" v="1858" actId="1582"/>
+          <ac:chgData name="Flavio" userId="acf32d90-2754-4ce4-92d1-4f5cef942a84" providerId="ADAL" clId="{56CF898D-0475-4A64-89D7-9E562B826F4B}" dt="2021-05-12T08:31:56.541" v="4442" actId="1038"/>
           <ac:cxnSpMkLst>
             <pc:docMk/>
             <pc:sldMk cId="2821362574" sldId="257"/>
@@ -2522,7 +2610,7 @@
           </ac:cxnSpMkLst>
         </pc:cxnChg>
         <pc:cxnChg chg="add mod">
-          <ac:chgData name="Flavio" userId="acf32d90-2754-4ce4-92d1-4f5cef942a84" providerId="ADAL" clId="{56CF898D-0475-4A64-89D7-9E562B826F4B}" dt="2021-04-14T14:15:02.393" v="1859" actId="1582"/>
+          <ac:chgData name="Flavio" userId="acf32d90-2754-4ce4-92d1-4f5cef942a84" providerId="ADAL" clId="{56CF898D-0475-4A64-89D7-9E562B826F4B}" dt="2021-05-12T08:42:00.256" v="4532" actId="14100"/>
           <ac:cxnSpMkLst>
             <pc:docMk/>
             <pc:sldMk cId="2821362574" sldId="257"/>
@@ -2530,7 +2618,7 @@
           </ac:cxnSpMkLst>
         </pc:cxnChg>
         <pc:cxnChg chg="add mod">
-          <ac:chgData name="Flavio" userId="acf32d90-2754-4ce4-92d1-4f5cef942a84" providerId="ADAL" clId="{56CF898D-0475-4A64-89D7-9E562B826F4B}" dt="2021-04-14T14:15:02.393" v="1859" actId="1582"/>
+          <ac:chgData name="Flavio" userId="acf32d90-2754-4ce4-92d1-4f5cef942a84" providerId="ADAL" clId="{56CF898D-0475-4A64-89D7-9E562B826F4B}" dt="2021-05-12T08:31:56.541" v="4442" actId="1038"/>
           <ac:cxnSpMkLst>
             <pc:docMk/>
             <pc:sldMk cId="2821362574" sldId="257"/>
@@ -2538,7 +2626,7 @@
           </ac:cxnSpMkLst>
         </pc:cxnChg>
         <pc:cxnChg chg="add mod">
-          <ac:chgData name="Flavio" userId="acf32d90-2754-4ce4-92d1-4f5cef942a84" providerId="ADAL" clId="{56CF898D-0475-4A64-89D7-9E562B826F4B}" dt="2021-04-14T14:15:02.393" v="1859" actId="1582"/>
+          <ac:chgData name="Flavio" userId="acf32d90-2754-4ce4-92d1-4f5cef942a84" providerId="ADAL" clId="{56CF898D-0475-4A64-89D7-9E562B826F4B}" dt="2021-05-12T08:31:56.541" v="4442" actId="1038"/>
           <ac:cxnSpMkLst>
             <pc:docMk/>
             <pc:sldMk cId="2821362574" sldId="257"/>
@@ -2546,7 +2634,7 @@
           </ac:cxnSpMkLst>
         </pc:cxnChg>
         <pc:cxnChg chg="add mod">
-          <ac:chgData name="Flavio" userId="acf32d90-2754-4ce4-92d1-4f5cef942a84" providerId="ADAL" clId="{56CF898D-0475-4A64-89D7-9E562B826F4B}" dt="2021-04-14T14:15:02.393" v="1859" actId="1582"/>
+          <ac:chgData name="Flavio" userId="acf32d90-2754-4ce4-92d1-4f5cef942a84" providerId="ADAL" clId="{56CF898D-0475-4A64-89D7-9E562B826F4B}" dt="2021-05-12T08:31:56.541" v="4442" actId="1038"/>
           <ac:cxnSpMkLst>
             <pc:docMk/>
             <pc:sldMk cId="2821362574" sldId="257"/>
@@ -2554,7 +2642,7 @@
           </ac:cxnSpMkLst>
         </pc:cxnChg>
         <pc:cxnChg chg="add mod">
-          <ac:chgData name="Flavio" userId="acf32d90-2754-4ce4-92d1-4f5cef942a84" providerId="ADAL" clId="{56CF898D-0475-4A64-89D7-9E562B826F4B}" dt="2021-04-14T14:15:02.393" v="1859" actId="1582"/>
+          <ac:chgData name="Flavio" userId="acf32d90-2754-4ce4-92d1-4f5cef942a84" providerId="ADAL" clId="{56CF898D-0475-4A64-89D7-9E562B826F4B}" dt="2021-05-12T08:31:56.541" v="4442" actId="1038"/>
           <ac:cxnSpMkLst>
             <pc:docMk/>
             <pc:sldMk cId="2821362574" sldId="257"/>
@@ -2562,7 +2650,7 @@
           </ac:cxnSpMkLst>
         </pc:cxnChg>
         <pc:cxnChg chg="add mod">
-          <ac:chgData name="Flavio" userId="acf32d90-2754-4ce4-92d1-4f5cef942a84" providerId="ADAL" clId="{56CF898D-0475-4A64-89D7-9E562B826F4B}" dt="2021-04-14T14:15:02.393" v="1859" actId="1582"/>
+          <ac:chgData name="Flavio" userId="acf32d90-2754-4ce4-92d1-4f5cef942a84" providerId="ADAL" clId="{56CF898D-0475-4A64-89D7-9E562B826F4B}" dt="2021-05-12T08:31:56.541" v="4442" actId="1038"/>
           <ac:cxnSpMkLst>
             <pc:docMk/>
             <pc:sldMk cId="2821362574" sldId="257"/>
@@ -2570,7 +2658,7 @@
           </ac:cxnSpMkLst>
         </pc:cxnChg>
         <pc:cxnChg chg="add mod">
-          <ac:chgData name="Flavio" userId="acf32d90-2754-4ce4-92d1-4f5cef942a84" providerId="ADAL" clId="{56CF898D-0475-4A64-89D7-9E562B826F4B}" dt="2021-04-14T14:15:02.393" v="1859" actId="1582"/>
+          <ac:chgData name="Flavio" userId="acf32d90-2754-4ce4-92d1-4f5cef942a84" providerId="ADAL" clId="{56CF898D-0475-4A64-89D7-9E562B826F4B}" dt="2021-05-12T08:31:56.541" v="4442" actId="1038"/>
           <ac:cxnSpMkLst>
             <pc:docMk/>
             <pc:sldMk cId="2821362574" sldId="257"/>
@@ -2578,7 +2666,7 @@
           </ac:cxnSpMkLst>
         </pc:cxnChg>
         <pc:cxnChg chg="add mod">
-          <ac:chgData name="Flavio" userId="acf32d90-2754-4ce4-92d1-4f5cef942a84" providerId="ADAL" clId="{56CF898D-0475-4A64-89D7-9E562B826F4B}" dt="2021-04-14T14:15:02.393" v="1859" actId="1582"/>
+          <ac:chgData name="Flavio" userId="acf32d90-2754-4ce4-92d1-4f5cef942a84" providerId="ADAL" clId="{56CF898D-0475-4A64-89D7-9E562B826F4B}" dt="2021-05-12T08:31:56.541" v="4442" actId="1038"/>
           <ac:cxnSpMkLst>
             <pc:docMk/>
             <pc:sldMk cId="2821362574" sldId="257"/>
@@ -2586,7 +2674,7 @@
           </ac:cxnSpMkLst>
         </pc:cxnChg>
         <pc:cxnChg chg="add mod">
-          <ac:chgData name="Flavio" userId="acf32d90-2754-4ce4-92d1-4f5cef942a84" providerId="ADAL" clId="{56CF898D-0475-4A64-89D7-9E562B826F4B}" dt="2021-04-14T14:15:02.393" v="1859" actId="1582"/>
+          <ac:chgData name="Flavio" userId="acf32d90-2754-4ce4-92d1-4f5cef942a84" providerId="ADAL" clId="{56CF898D-0475-4A64-89D7-9E562B826F4B}" dt="2021-05-12T08:31:56.541" v="4442" actId="1038"/>
           <ac:cxnSpMkLst>
             <pc:docMk/>
             <pc:sldMk cId="2821362574" sldId="257"/>
@@ -2594,7 +2682,7 @@
           </ac:cxnSpMkLst>
         </pc:cxnChg>
         <pc:cxnChg chg="add mod">
-          <ac:chgData name="Flavio" userId="acf32d90-2754-4ce4-92d1-4f5cef942a84" providerId="ADAL" clId="{56CF898D-0475-4A64-89D7-9E562B826F4B}" dt="2021-04-14T14:15:02.393" v="1859" actId="1582"/>
+          <ac:chgData name="Flavio" userId="acf32d90-2754-4ce4-92d1-4f5cef942a84" providerId="ADAL" clId="{56CF898D-0475-4A64-89D7-9E562B826F4B}" dt="2021-05-12T08:31:56.541" v="4442" actId="1038"/>
           <ac:cxnSpMkLst>
             <pc:docMk/>
             <pc:sldMk cId="2821362574" sldId="257"/>
@@ -2602,7 +2690,7 @@
           </ac:cxnSpMkLst>
         </pc:cxnChg>
         <pc:cxnChg chg="add mod">
-          <ac:chgData name="Flavio" userId="acf32d90-2754-4ce4-92d1-4f5cef942a84" providerId="ADAL" clId="{56CF898D-0475-4A64-89D7-9E562B826F4B}" dt="2021-04-14T14:15:02.393" v="1859" actId="1582"/>
+          <ac:chgData name="Flavio" userId="acf32d90-2754-4ce4-92d1-4f5cef942a84" providerId="ADAL" clId="{56CF898D-0475-4A64-89D7-9E562B826F4B}" dt="2021-05-12T08:37:14.194" v="4503" actId="14100"/>
           <ac:cxnSpMkLst>
             <pc:docMk/>
             <pc:sldMk cId="2821362574" sldId="257"/>
@@ -2610,7 +2698,7 @@
           </ac:cxnSpMkLst>
         </pc:cxnChg>
         <pc:cxnChg chg="add mod">
-          <ac:chgData name="Flavio" userId="acf32d90-2754-4ce4-92d1-4f5cef942a84" providerId="ADAL" clId="{56CF898D-0475-4A64-89D7-9E562B826F4B}" dt="2021-04-14T14:15:02.393" v="1859" actId="1582"/>
+          <ac:chgData name="Flavio" userId="acf32d90-2754-4ce4-92d1-4f5cef942a84" providerId="ADAL" clId="{56CF898D-0475-4A64-89D7-9E562B826F4B}" dt="2021-05-12T08:31:56.541" v="4442" actId="1038"/>
           <ac:cxnSpMkLst>
             <pc:docMk/>
             <pc:sldMk cId="2821362574" sldId="257"/>
@@ -2618,7 +2706,15 @@
           </ac:cxnSpMkLst>
         </pc:cxnChg>
         <pc:cxnChg chg="add mod">
-          <ac:chgData name="Flavio" userId="acf32d90-2754-4ce4-92d1-4f5cef942a84" providerId="ADAL" clId="{56CF898D-0475-4A64-89D7-9E562B826F4B}" dt="2021-04-14T14:15:02.393" v="1859" actId="1582"/>
+          <ac:chgData name="Flavio" userId="acf32d90-2754-4ce4-92d1-4f5cef942a84" providerId="ADAL" clId="{56CF898D-0475-4A64-89D7-9E562B826F4B}" dt="2021-05-12T10:21:59.614" v="4542" actId="14100"/>
+          <ac:cxnSpMkLst>
+            <pc:docMk/>
+            <pc:sldMk cId="2821362574" sldId="257"/>
+            <ac:cxnSpMk id="184" creationId="{188E7E85-D0BB-47B9-8A46-17AE30608699}"/>
+          </ac:cxnSpMkLst>
+        </pc:cxnChg>
+        <pc:cxnChg chg="add mod">
+          <ac:chgData name="Flavio" userId="acf32d90-2754-4ce4-92d1-4f5cef942a84" providerId="ADAL" clId="{56CF898D-0475-4A64-89D7-9E562B826F4B}" dt="2021-05-12T08:31:56.541" v="4442" actId="1038"/>
           <ac:cxnSpMkLst>
             <pc:docMk/>
             <pc:sldMk cId="2821362574" sldId="257"/>
@@ -2626,7 +2722,7 @@
           </ac:cxnSpMkLst>
         </pc:cxnChg>
         <pc:cxnChg chg="add mod">
-          <ac:chgData name="Flavio" userId="acf32d90-2754-4ce4-92d1-4f5cef942a84" providerId="ADAL" clId="{56CF898D-0475-4A64-89D7-9E562B826F4B}" dt="2021-04-14T14:15:02.393" v="1859" actId="1582"/>
+          <ac:chgData name="Flavio" userId="acf32d90-2754-4ce4-92d1-4f5cef942a84" providerId="ADAL" clId="{56CF898D-0475-4A64-89D7-9E562B826F4B}" dt="2021-05-12T08:31:56.541" v="4442" actId="1038"/>
           <ac:cxnSpMkLst>
             <pc:docMk/>
             <pc:sldMk cId="2821362574" sldId="257"/>
@@ -2634,7 +2730,7 @@
           </ac:cxnSpMkLst>
         </pc:cxnChg>
         <pc:cxnChg chg="add mod">
-          <ac:chgData name="Flavio" userId="acf32d90-2754-4ce4-92d1-4f5cef942a84" providerId="ADAL" clId="{56CF898D-0475-4A64-89D7-9E562B826F4B}" dt="2021-04-14T14:15:02.393" v="1859" actId="1582"/>
+          <ac:chgData name="Flavio" userId="acf32d90-2754-4ce4-92d1-4f5cef942a84" providerId="ADAL" clId="{56CF898D-0475-4A64-89D7-9E562B826F4B}" dt="2021-05-12T08:31:56.541" v="4442" actId="1038"/>
           <ac:cxnSpMkLst>
             <pc:docMk/>
             <pc:sldMk cId="2821362574" sldId="257"/>
@@ -2642,7 +2738,7 @@
           </ac:cxnSpMkLst>
         </pc:cxnChg>
         <pc:cxnChg chg="add mod">
-          <ac:chgData name="Flavio" userId="acf32d90-2754-4ce4-92d1-4f5cef942a84" providerId="ADAL" clId="{56CF898D-0475-4A64-89D7-9E562B826F4B}" dt="2021-04-14T14:15:02.393" v="1859" actId="1582"/>
+          <ac:chgData name="Flavio" userId="acf32d90-2754-4ce4-92d1-4f5cef942a84" providerId="ADAL" clId="{56CF898D-0475-4A64-89D7-9E562B826F4B}" dt="2021-05-12T08:31:56.541" v="4442" actId="1038"/>
           <ac:cxnSpMkLst>
             <pc:docMk/>
             <pc:sldMk cId="2821362574" sldId="257"/>
@@ -2650,7 +2746,7 @@
           </ac:cxnSpMkLst>
         </pc:cxnChg>
         <pc:cxnChg chg="add mod">
-          <ac:chgData name="Flavio" userId="acf32d90-2754-4ce4-92d1-4f5cef942a84" providerId="ADAL" clId="{56CF898D-0475-4A64-89D7-9E562B826F4B}" dt="2021-04-14T14:15:02.393" v="1859" actId="1582"/>
+          <ac:chgData name="Flavio" userId="acf32d90-2754-4ce4-92d1-4f5cef942a84" providerId="ADAL" clId="{56CF898D-0475-4A64-89D7-9E562B826F4B}" dt="2021-05-12T08:31:56.541" v="4442" actId="1038"/>
           <ac:cxnSpMkLst>
             <pc:docMk/>
             <pc:sldMk cId="2821362574" sldId="257"/>
@@ -2658,7 +2754,7 @@
           </ac:cxnSpMkLst>
         </pc:cxnChg>
         <pc:cxnChg chg="add mod">
-          <ac:chgData name="Flavio" userId="acf32d90-2754-4ce4-92d1-4f5cef942a84" providerId="ADAL" clId="{56CF898D-0475-4A64-89D7-9E562B826F4B}" dt="2021-04-14T14:15:02.393" v="1859" actId="1582"/>
+          <ac:chgData name="Flavio" userId="acf32d90-2754-4ce4-92d1-4f5cef942a84" providerId="ADAL" clId="{56CF898D-0475-4A64-89D7-9E562B826F4B}" dt="2021-05-12T08:31:56.541" v="4442" actId="1038"/>
           <ac:cxnSpMkLst>
             <pc:docMk/>
             <pc:sldMk cId="2821362574" sldId="257"/>
@@ -2666,7 +2762,7 @@
           </ac:cxnSpMkLst>
         </pc:cxnChg>
         <pc:cxnChg chg="add mod">
-          <ac:chgData name="Flavio" userId="acf32d90-2754-4ce4-92d1-4f5cef942a84" providerId="ADAL" clId="{56CF898D-0475-4A64-89D7-9E562B826F4B}" dt="2021-04-14T14:15:02.393" v="1859" actId="1582"/>
+          <ac:chgData name="Flavio" userId="acf32d90-2754-4ce4-92d1-4f5cef942a84" providerId="ADAL" clId="{56CF898D-0475-4A64-89D7-9E562B826F4B}" dt="2021-05-12T08:31:56.541" v="4442" actId="1038"/>
           <ac:cxnSpMkLst>
             <pc:docMk/>
             <pc:sldMk cId="2821362574" sldId="257"/>
@@ -2674,7 +2770,7 @@
           </ac:cxnSpMkLst>
         </pc:cxnChg>
         <pc:cxnChg chg="add mod">
-          <ac:chgData name="Flavio" userId="acf32d90-2754-4ce4-92d1-4f5cef942a84" providerId="ADAL" clId="{56CF898D-0475-4A64-89D7-9E562B826F4B}" dt="2021-04-14T14:15:02.393" v="1859" actId="1582"/>
+          <ac:chgData name="Flavio" userId="acf32d90-2754-4ce4-92d1-4f5cef942a84" providerId="ADAL" clId="{56CF898D-0475-4A64-89D7-9E562B826F4B}" dt="2021-05-12T08:31:56.541" v="4442" actId="1038"/>
           <ac:cxnSpMkLst>
             <pc:docMk/>
             <pc:sldMk cId="2821362574" sldId="257"/>
@@ -2682,6 +2778,22 @@
           </ac:cxnSpMkLst>
         </pc:cxnChg>
         <pc:cxnChg chg="add mod">
+          <ac:chgData name="Flavio" userId="acf32d90-2754-4ce4-92d1-4f5cef942a84" providerId="ADAL" clId="{56CF898D-0475-4A64-89D7-9E562B826F4B}" dt="2021-05-12T08:36:04.176" v="4489" actId="1035"/>
+          <ac:cxnSpMkLst>
+            <pc:docMk/>
+            <pc:sldMk cId="2821362574" sldId="257"/>
+            <ac:cxnSpMk id="193" creationId="{8BF9FC9E-30DA-4666-91EC-74853CD1F5A9}"/>
+          </ac:cxnSpMkLst>
+        </pc:cxnChg>
+        <pc:cxnChg chg="add mod">
+          <ac:chgData name="Flavio" userId="acf32d90-2754-4ce4-92d1-4f5cef942a84" providerId="ADAL" clId="{56CF898D-0475-4A64-89D7-9E562B826F4B}" dt="2021-05-12T08:35:53.542" v="4462" actId="1076"/>
+          <ac:cxnSpMkLst>
+            <pc:docMk/>
+            <pc:sldMk cId="2821362574" sldId="257"/>
+            <ac:cxnSpMk id="195" creationId="{6C57244C-EF64-43B9-A05A-BFF7AA5B7B99}"/>
+          </ac:cxnSpMkLst>
+        </pc:cxnChg>
+        <pc:cxnChg chg="add mod">
           <ac:chgData name="Flavio" userId="acf32d90-2754-4ce4-92d1-4f5cef942a84" providerId="ADAL" clId="{56CF898D-0475-4A64-89D7-9E562B826F4B}" dt="2021-04-14T14:15:25.047" v="1863" actId="1036"/>
           <ac:cxnSpMkLst>
             <pc:docMk/>
@@ -2689,6 +2801,62 @@
             <ac:cxnSpMk id="198" creationId="{0BFA3A67-89C7-48AB-B54B-64A7DED4EC39}"/>
           </ac:cxnSpMkLst>
         </pc:cxnChg>
+        <pc:cxnChg chg="add mod">
+          <ac:chgData name="Flavio" userId="acf32d90-2754-4ce4-92d1-4f5cef942a84" providerId="ADAL" clId="{56CF898D-0475-4A64-89D7-9E562B826F4B}" dt="2021-05-12T08:37:36.372" v="4513" actId="14100"/>
+          <ac:cxnSpMkLst>
+            <pc:docMk/>
+            <pc:sldMk cId="2821362574" sldId="257"/>
+            <ac:cxnSpMk id="200" creationId="{7935590B-C63A-4EF5-8656-FE39B5730A53}"/>
+          </ac:cxnSpMkLst>
+        </pc:cxnChg>
+        <pc:cxnChg chg="add mod">
+          <ac:chgData name="Flavio" userId="acf32d90-2754-4ce4-92d1-4f5cef942a84" providerId="ADAL" clId="{56CF898D-0475-4A64-89D7-9E562B826F4B}" dt="2021-05-12T08:37:39.583" v="4514" actId="14100"/>
+          <ac:cxnSpMkLst>
+            <pc:docMk/>
+            <pc:sldMk cId="2821362574" sldId="257"/>
+            <ac:cxnSpMk id="201" creationId="{A8A6BAE2-F339-4EBC-B47E-40836101A2DB}"/>
+          </ac:cxnSpMkLst>
+        </pc:cxnChg>
+        <pc:cxnChg chg="add mod">
+          <ac:chgData name="Flavio" userId="acf32d90-2754-4ce4-92d1-4f5cef942a84" providerId="ADAL" clId="{56CF898D-0475-4A64-89D7-9E562B826F4B}" dt="2021-05-12T08:37:46.865" v="4517" actId="14100"/>
+          <ac:cxnSpMkLst>
+            <pc:docMk/>
+            <pc:sldMk cId="2821362574" sldId="257"/>
+            <ac:cxnSpMk id="202" creationId="{CA5FCABD-8B7D-47C6-85BF-3E2ECD0ED68F}"/>
+          </ac:cxnSpMkLst>
+        </pc:cxnChg>
+        <pc:cxnChg chg="add mod">
+          <ac:chgData name="Flavio" userId="acf32d90-2754-4ce4-92d1-4f5cef942a84" providerId="ADAL" clId="{56CF898D-0475-4A64-89D7-9E562B826F4B}" dt="2021-05-12T08:37:53.794" v="4520" actId="14100"/>
+          <ac:cxnSpMkLst>
+            <pc:docMk/>
+            <pc:sldMk cId="2821362574" sldId="257"/>
+            <ac:cxnSpMk id="203" creationId="{95AEFB05-3EF9-4A6D-8FE7-E850E29633C3}"/>
+          </ac:cxnSpMkLst>
+        </pc:cxnChg>
+        <pc:cxnChg chg="add mod">
+          <ac:chgData name="Flavio" userId="acf32d90-2754-4ce4-92d1-4f5cef942a84" providerId="ADAL" clId="{56CF898D-0475-4A64-89D7-9E562B826F4B}" dt="2021-05-12T08:38:07.642" v="4524" actId="14100"/>
+          <ac:cxnSpMkLst>
+            <pc:docMk/>
+            <pc:sldMk cId="2821362574" sldId="257"/>
+            <ac:cxnSpMk id="206" creationId="{08F84182-CC92-417E-8E7A-B9F7781EAEA7}"/>
+          </ac:cxnSpMkLst>
+        </pc:cxnChg>
+        <pc:cxnChg chg="add mod">
+          <ac:chgData name="Flavio" userId="acf32d90-2754-4ce4-92d1-4f5cef942a84" providerId="ADAL" clId="{56CF898D-0475-4A64-89D7-9E562B826F4B}" dt="2021-05-12T08:39:31.371" v="4527" actId="14100"/>
+          <ac:cxnSpMkLst>
+            <pc:docMk/>
+            <pc:sldMk cId="2821362574" sldId="257"/>
+            <ac:cxnSpMk id="209" creationId="{FE635E54-1780-4413-B86B-0FCA7FAA00AE}"/>
+          </ac:cxnSpMkLst>
+        </pc:cxnChg>
+        <pc:cxnChg chg="add mod">
+          <ac:chgData name="Flavio" userId="acf32d90-2754-4ce4-92d1-4f5cef942a84" providerId="ADAL" clId="{56CF898D-0475-4A64-89D7-9E562B826F4B}" dt="2021-05-12T08:39:40.243" v="4531" actId="14100"/>
+          <ac:cxnSpMkLst>
+            <pc:docMk/>
+            <pc:sldMk cId="2821362574" sldId="257"/>
+            <ac:cxnSpMk id="211" creationId="{B3F797C7-62CB-4F5B-9F99-572629BE6992}"/>
+          </ac:cxnSpMkLst>
+        </pc:cxnChg>
         <pc:cxnChg chg="add del mod">
           <ac:chgData name="Flavio" userId="acf32d90-2754-4ce4-92d1-4f5cef942a84" providerId="ADAL" clId="{56CF898D-0475-4A64-89D7-9E562B826F4B}" dt="2021-04-14T14:03:18.513" v="1495" actId="478"/>
           <ac:cxnSpMkLst>
@@ -2706,7 +2874,7 @@
           </ac:cxnSpMkLst>
         </pc:cxnChg>
         <pc:cxnChg chg="add mod">
-          <ac:chgData name="Flavio" userId="acf32d90-2754-4ce4-92d1-4f5cef942a84" providerId="ADAL" clId="{56CF898D-0475-4A64-89D7-9E562B826F4B}" dt="2021-04-14T14:15:12.334" v="1860" actId="1582"/>
+          <ac:chgData name="Flavio" userId="acf32d90-2754-4ce4-92d1-4f5cef942a84" providerId="ADAL" clId="{56CF898D-0475-4A64-89D7-9E562B826F4B}" dt="2021-05-12T08:32:07.555" v="4444" actId="14100"/>
           <ac:cxnSpMkLst>
             <pc:docMk/>
             <pc:sldMk cId="2821362574" sldId="257"/>
@@ -2714,7 +2882,7 @@
           </ac:cxnSpMkLst>
         </pc:cxnChg>
         <pc:cxnChg chg="add mod">
-          <ac:chgData name="Flavio" userId="acf32d90-2754-4ce4-92d1-4f5cef942a84" providerId="ADAL" clId="{56CF898D-0475-4A64-89D7-9E562B826F4B}" dt="2021-04-14T14:15:12.334" v="1860" actId="1582"/>
+          <ac:chgData name="Flavio" userId="acf32d90-2754-4ce4-92d1-4f5cef942a84" providerId="ADAL" clId="{56CF898D-0475-4A64-89D7-9E562B826F4B}" dt="2021-05-12T08:31:56.541" v="4442" actId="1038"/>
           <ac:cxnSpMkLst>
             <pc:docMk/>
             <pc:sldMk cId="2821362574" sldId="257"/>
@@ -2722,7 +2890,7 @@
           </ac:cxnSpMkLst>
         </pc:cxnChg>
         <pc:cxnChg chg="add mod">
-          <ac:chgData name="Flavio" userId="acf32d90-2754-4ce4-92d1-4f5cef942a84" providerId="ADAL" clId="{56CF898D-0475-4A64-89D7-9E562B826F4B}" dt="2021-04-14T14:15:12.334" v="1860" actId="1582"/>
+          <ac:chgData name="Flavio" userId="acf32d90-2754-4ce4-92d1-4f5cef942a84" providerId="ADAL" clId="{56CF898D-0475-4A64-89D7-9E562B826F4B}" dt="2021-05-12T08:31:56.541" v="4442" actId="1038"/>
           <ac:cxnSpMkLst>
             <pc:docMk/>
             <pc:sldMk cId="2821362574" sldId="257"/>
@@ -2730,7 +2898,7 @@
           </ac:cxnSpMkLst>
         </pc:cxnChg>
         <pc:cxnChg chg="add mod">
-          <ac:chgData name="Flavio" userId="acf32d90-2754-4ce4-92d1-4f5cef942a84" providerId="ADAL" clId="{56CF898D-0475-4A64-89D7-9E562B826F4B}" dt="2021-04-14T14:15:12.334" v="1860" actId="1582"/>
+          <ac:chgData name="Flavio" userId="acf32d90-2754-4ce4-92d1-4f5cef942a84" providerId="ADAL" clId="{56CF898D-0475-4A64-89D7-9E562B826F4B}" dt="2021-05-12T08:31:56.541" v="4442" actId="1038"/>
           <ac:cxnSpMkLst>
             <pc:docMk/>
             <pc:sldMk cId="2821362574" sldId="257"/>
@@ -2738,7 +2906,7 @@
           </ac:cxnSpMkLst>
         </pc:cxnChg>
         <pc:cxnChg chg="add mod">
-          <ac:chgData name="Flavio" userId="acf32d90-2754-4ce4-92d1-4f5cef942a84" providerId="ADAL" clId="{56CF898D-0475-4A64-89D7-9E562B826F4B}" dt="2021-04-14T14:15:12.334" v="1860" actId="1582"/>
+          <ac:chgData name="Flavio" userId="acf32d90-2754-4ce4-92d1-4f5cef942a84" providerId="ADAL" clId="{56CF898D-0475-4A64-89D7-9E562B826F4B}" dt="2021-05-12T08:31:56.541" v="4442" actId="1038"/>
           <ac:cxnSpMkLst>
             <pc:docMk/>
             <pc:sldMk cId="2821362574" sldId="257"/>
@@ -2746,7 +2914,7 @@
           </ac:cxnSpMkLst>
         </pc:cxnChg>
         <pc:cxnChg chg="add mod">
-          <ac:chgData name="Flavio" userId="acf32d90-2754-4ce4-92d1-4f5cef942a84" providerId="ADAL" clId="{56CF898D-0475-4A64-89D7-9E562B826F4B}" dt="2021-04-14T14:15:12.334" v="1860" actId="1582"/>
+          <ac:chgData name="Flavio" userId="acf32d90-2754-4ce4-92d1-4f5cef942a84" providerId="ADAL" clId="{56CF898D-0475-4A64-89D7-9E562B826F4B}" dt="2021-05-12T08:31:56.541" v="4442" actId="1038"/>
           <ac:cxnSpMkLst>
             <pc:docMk/>
             <pc:sldMk cId="2821362574" sldId="257"/>
@@ -2754,7 +2922,7 @@
           </ac:cxnSpMkLst>
         </pc:cxnChg>
         <pc:cxnChg chg="add mod">
-          <ac:chgData name="Flavio" userId="acf32d90-2754-4ce4-92d1-4f5cef942a84" providerId="ADAL" clId="{56CF898D-0475-4A64-89D7-9E562B826F4B}" dt="2021-04-14T14:15:12.334" v="1860" actId="1582"/>
+          <ac:chgData name="Flavio" userId="acf32d90-2754-4ce4-92d1-4f5cef942a84" providerId="ADAL" clId="{56CF898D-0475-4A64-89D7-9E562B826F4B}" dt="2021-05-12T08:31:56.541" v="4442" actId="1038"/>
           <ac:cxnSpMkLst>
             <pc:docMk/>
             <pc:sldMk cId="2821362574" sldId="257"/>
@@ -2762,7 +2930,7 @@
           </ac:cxnSpMkLst>
         </pc:cxnChg>
         <pc:cxnChg chg="add mod">
-          <ac:chgData name="Flavio" userId="acf32d90-2754-4ce4-92d1-4f5cef942a84" providerId="ADAL" clId="{56CF898D-0475-4A64-89D7-9E562B826F4B}" dt="2021-04-14T14:15:12.334" v="1860" actId="1582"/>
+          <ac:chgData name="Flavio" userId="acf32d90-2754-4ce4-92d1-4f5cef942a84" providerId="ADAL" clId="{56CF898D-0475-4A64-89D7-9E562B826F4B}" dt="2021-05-12T08:31:56.541" v="4442" actId="1038"/>
           <ac:cxnSpMkLst>
             <pc:docMk/>
             <pc:sldMk cId="2821362574" sldId="257"/>
@@ -2770,7 +2938,7 @@
           </ac:cxnSpMkLst>
         </pc:cxnChg>
         <pc:cxnChg chg="add mod">
-          <ac:chgData name="Flavio" userId="acf32d90-2754-4ce4-92d1-4f5cef942a84" providerId="ADAL" clId="{56CF898D-0475-4A64-89D7-9E562B826F4B}" dt="2021-04-14T14:15:12.334" v="1860" actId="1582"/>
+          <ac:chgData name="Flavio" userId="acf32d90-2754-4ce4-92d1-4f5cef942a84" providerId="ADAL" clId="{56CF898D-0475-4A64-89D7-9E562B826F4B}" dt="2021-05-12T08:31:56.541" v="4442" actId="1038"/>
           <ac:cxnSpMkLst>
             <pc:docMk/>
             <pc:sldMk cId="2821362574" sldId="257"/>
@@ -2778,7 +2946,7 @@
           </ac:cxnSpMkLst>
         </pc:cxnChg>
         <pc:cxnChg chg="add mod">
-          <ac:chgData name="Flavio" userId="acf32d90-2754-4ce4-92d1-4f5cef942a84" providerId="ADAL" clId="{56CF898D-0475-4A64-89D7-9E562B826F4B}" dt="2021-04-14T14:15:12.334" v="1860" actId="1582"/>
+          <ac:chgData name="Flavio" userId="acf32d90-2754-4ce4-92d1-4f5cef942a84" providerId="ADAL" clId="{56CF898D-0475-4A64-89D7-9E562B826F4B}" dt="2021-05-12T08:31:56.541" v="4442" actId="1038"/>
           <ac:cxnSpMkLst>
             <pc:docMk/>
             <pc:sldMk cId="2821362574" sldId="257"/>
@@ -2794,7 +2962,7 @@
           </ac:cxnSpMkLst>
         </pc:cxnChg>
         <pc:cxnChg chg="add mod">
-          <ac:chgData name="Flavio" userId="acf32d90-2754-4ce4-92d1-4f5cef942a84" providerId="ADAL" clId="{56CF898D-0475-4A64-89D7-9E562B826F4B}" dt="2021-04-14T14:15:12.334" v="1860" actId="1582"/>
+          <ac:chgData name="Flavio" userId="acf32d90-2754-4ce4-92d1-4f5cef942a84" providerId="ADAL" clId="{56CF898D-0475-4A64-89D7-9E562B826F4B}" dt="2021-05-12T08:32:04.003" v="4443" actId="14100"/>
           <ac:cxnSpMkLst>
             <pc:docMk/>
             <pc:sldMk cId="2821362574" sldId="257"/>
@@ -2810,7 +2978,7 @@
           </ac:cxnSpMkLst>
         </pc:cxnChg>
         <pc:cxnChg chg="add mod">
-          <ac:chgData name="Flavio" userId="acf32d90-2754-4ce4-92d1-4f5cef942a84" providerId="ADAL" clId="{56CF898D-0475-4A64-89D7-9E562B826F4B}" dt="2021-04-14T14:15:56.460" v="1870" actId="14100"/>
+          <ac:chgData name="Flavio" userId="acf32d90-2754-4ce4-92d1-4f5cef942a84" providerId="ADAL" clId="{56CF898D-0475-4A64-89D7-9E562B826F4B}" dt="2021-05-12T08:31:56.541" v="4442" actId="1038"/>
           <ac:cxnSpMkLst>
             <pc:docMk/>
             <pc:sldMk cId="2821362574" sldId="257"/>
@@ -2818,7 +2986,7 @@
           </ac:cxnSpMkLst>
         </pc:cxnChg>
         <pc:cxnChg chg="add mod">
-          <ac:chgData name="Flavio" userId="acf32d90-2754-4ce4-92d1-4f5cef942a84" providerId="ADAL" clId="{56CF898D-0475-4A64-89D7-9E562B826F4B}" dt="2021-04-14T14:16:00.614" v="1872" actId="1076"/>
+          <ac:chgData name="Flavio" userId="acf32d90-2754-4ce4-92d1-4f5cef942a84" providerId="ADAL" clId="{56CF898D-0475-4A64-89D7-9E562B826F4B}" dt="2021-05-12T08:31:56.541" v="4442" actId="1038"/>
           <ac:cxnSpMkLst>
             <pc:docMk/>
             <pc:sldMk cId="2821362574" sldId="257"/>
@@ -2826,7 +2994,7 @@
           </ac:cxnSpMkLst>
         </pc:cxnChg>
         <pc:cxnChg chg="add mod">
-          <ac:chgData name="Flavio" userId="acf32d90-2754-4ce4-92d1-4f5cef942a84" providerId="ADAL" clId="{56CF898D-0475-4A64-89D7-9E562B826F4B}" dt="2021-04-14T14:16:05.959" v="1884" actId="1037"/>
+          <ac:chgData name="Flavio" userId="acf32d90-2754-4ce4-92d1-4f5cef942a84" providerId="ADAL" clId="{56CF898D-0475-4A64-89D7-9E562B826F4B}" dt="2021-05-12T08:31:56.541" v="4442" actId="1038"/>
           <ac:cxnSpMkLst>
             <pc:docMk/>
             <pc:sldMk cId="2821362574" sldId="257"/>
@@ -2834,7 +3002,7 @@
           </ac:cxnSpMkLst>
         </pc:cxnChg>
         <pc:cxnChg chg="add mod">
-          <ac:chgData name="Flavio" userId="acf32d90-2754-4ce4-92d1-4f5cef942a84" providerId="ADAL" clId="{56CF898D-0475-4A64-89D7-9E562B826F4B}" dt="2021-04-14T14:16:09.283" v="1902" actId="1038"/>
+          <ac:chgData name="Flavio" userId="acf32d90-2754-4ce4-92d1-4f5cef942a84" providerId="ADAL" clId="{56CF898D-0475-4A64-89D7-9E562B826F4B}" dt="2021-05-12T08:31:56.541" v="4442" actId="1038"/>
           <ac:cxnSpMkLst>
             <pc:docMk/>
             <pc:sldMk cId="2821362574" sldId="257"/>
@@ -2842,7 +3010,7 @@
           </ac:cxnSpMkLst>
         </pc:cxnChg>
         <pc:cxnChg chg="add mod">
-          <ac:chgData name="Flavio" userId="acf32d90-2754-4ce4-92d1-4f5cef942a84" providerId="ADAL" clId="{56CF898D-0475-4A64-89D7-9E562B826F4B}" dt="2021-04-14T14:16:12.579" v="1916" actId="1037"/>
+          <ac:chgData name="Flavio" userId="acf32d90-2754-4ce4-92d1-4f5cef942a84" providerId="ADAL" clId="{56CF898D-0475-4A64-89D7-9E562B826F4B}" dt="2021-05-12T08:31:56.541" v="4442" actId="1038"/>
           <ac:cxnSpMkLst>
             <pc:docMk/>
             <pc:sldMk cId="2821362574" sldId="257"/>
@@ -2850,7 +3018,7 @@
           </ac:cxnSpMkLst>
         </pc:cxnChg>
         <pc:cxnChg chg="add mod">
-          <ac:chgData name="Flavio" userId="acf32d90-2754-4ce4-92d1-4f5cef942a84" providerId="ADAL" clId="{56CF898D-0475-4A64-89D7-9E562B826F4B}" dt="2021-04-14T14:16:15.407" v="1932" actId="1038"/>
+          <ac:chgData name="Flavio" userId="acf32d90-2754-4ce4-92d1-4f5cef942a84" providerId="ADAL" clId="{56CF898D-0475-4A64-89D7-9E562B826F4B}" dt="2021-05-12T08:31:56.541" v="4442" actId="1038"/>
           <ac:cxnSpMkLst>
             <pc:docMk/>
             <pc:sldMk cId="2821362574" sldId="257"/>
@@ -2858,7 +3026,7 @@
           </ac:cxnSpMkLst>
         </pc:cxnChg>
         <pc:cxnChg chg="add mod">
-          <ac:chgData name="Flavio" userId="acf32d90-2754-4ce4-92d1-4f5cef942a84" providerId="ADAL" clId="{56CF898D-0475-4A64-89D7-9E562B826F4B}" dt="2021-04-14T14:16:23.869" v="1936" actId="1076"/>
+          <ac:chgData name="Flavio" userId="acf32d90-2754-4ce4-92d1-4f5cef942a84" providerId="ADAL" clId="{56CF898D-0475-4A64-89D7-9E562B826F4B}" dt="2021-05-12T08:31:56.541" v="4442" actId="1038"/>
           <ac:cxnSpMkLst>
             <pc:docMk/>
             <pc:sldMk cId="2821362574" sldId="257"/>
@@ -2866,7 +3034,7 @@
           </ac:cxnSpMkLst>
         </pc:cxnChg>
         <pc:cxnChg chg="add mod">
-          <ac:chgData name="Flavio" userId="acf32d90-2754-4ce4-92d1-4f5cef942a84" providerId="ADAL" clId="{56CF898D-0475-4A64-89D7-9E562B826F4B}" dt="2021-04-14T14:16:19.635" v="1935" actId="1076"/>
+          <ac:chgData name="Flavio" userId="acf32d90-2754-4ce4-92d1-4f5cef942a84" providerId="ADAL" clId="{56CF898D-0475-4A64-89D7-9E562B826F4B}" dt="2021-05-12T08:31:56.541" v="4442" actId="1038"/>
           <ac:cxnSpMkLst>
             <pc:docMk/>
             <pc:sldMk cId="2821362574" sldId="257"/>
@@ -2874,7 +3042,7 @@
           </ac:cxnSpMkLst>
         </pc:cxnChg>
         <pc:cxnChg chg="add mod">
-          <ac:chgData name="Flavio" userId="acf32d90-2754-4ce4-92d1-4f5cef942a84" providerId="ADAL" clId="{56CF898D-0475-4A64-89D7-9E562B826F4B}" dt="2021-04-14T14:16:29.950" v="1938" actId="1076"/>
+          <ac:chgData name="Flavio" userId="acf32d90-2754-4ce4-92d1-4f5cef942a84" providerId="ADAL" clId="{56CF898D-0475-4A64-89D7-9E562B826F4B}" dt="2021-05-12T08:31:56.541" v="4442" actId="1038"/>
           <ac:cxnSpMkLst>
             <pc:docMk/>
             <pc:sldMk cId="2821362574" sldId="257"/>
@@ -2891,7 +3059,7 @@
         </pc:cxnChg>
       </pc:sldChg>
       <pc:sldChg chg="addSp delSp modSp new mod">
-        <pc:chgData name="Flavio" userId="acf32d90-2754-4ce4-92d1-4f5cef942a84" providerId="ADAL" clId="{56CF898D-0475-4A64-89D7-9E562B826F4B}" dt="2021-04-14T13:55:29.209" v="1318" actId="207"/>
+        <pc:chgData name="Flavio" userId="acf32d90-2754-4ce4-92d1-4f5cef942a84" providerId="ADAL" clId="{56CF898D-0475-4A64-89D7-9E562B826F4B}" dt="2021-05-12T13:10:49.690" v="4654" actId="20577"/>
         <pc:sldMkLst>
           <pc:docMk/>
           <pc:sldMk cId="2241902895" sldId="258"/>
@@ -2913,6 +3081,14 @@
           </ac:spMkLst>
         </pc:spChg>
         <pc:spChg chg="add del mod">
+          <ac:chgData name="Flavio" userId="acf32d90-2754-4ce4-92d1-4f5cef942a84" providerId="ADAL" clId="{56CF898D-0475-4A64-89D7-9E562B826F4B}" dt="2021-05-12T08:42:36.767" v="4533" actId="478"/>
+          <ac:spMkLst>
+            <pc:docMk/>
+            <pc:sldMk cId="2241902895" sldId="258"/>
+            <ac:spMk id="3" creationId="{39880D67-41E8-4757-9ECA-FACEAA80197C}"/>
+          </ac:spMkLst>
+        </pc:spChg>
+        <pc:spChg chg="add del mod">
           <ac:chgData name="Flavio" userId="acf32d90-2754-4ce4-92d1-4f5cef942a84" providerId="ADAL" clId="{56CF898D-0475-4A64-89D7-9E562B826F4B}" dt="2021-04-14T13:48:24.317" v="1141" actId="478"/>
           <ac:spMkLst>
             <pc:docMk/>
@@ -2921,7 +3097,15 @@
           </ac:spMkLst>
         </pc:spChg>
         <pc:spChg chg="add mod">
-          <ac:chgData name="Flavio" userId="acf32d90-2754-4ce4-92d1-4f5cef942a84" providerId="ADAL" clId="{56CF898D-0475-4A64-89D7-9E562B826F4B}" dt="2021-04-14T13:55:29.209" v="1318" actId="207"/>
+          <ac:chgData name="Flavio" userId="acf32d90-2754-4ce4-92d1-4f5cef942a84" providerId="ADAL" clId="{56CF898D-0475-4A64-89D7-9E562B826F4B}" dt="2021-05-12T13:10:47.630" v="4652"/>
+          <ac:spMkLst>
+            <pc:docMk/>
+            <pc:sldMk cId="2241902895" sldId="258"/>
+            <ac:spMk id="4" creationId="{ED97719F-3280-4DED-AE61-9AC1C8438060}"/>
+          </ac:spMkLst>
+        </pc:spChg>
+        <pc:spChg chg="add mod">
+          <ac:chgData name="Flavio" userId="acf32d90-2754-4ce4-92d1-4f5cef942a84" providerId="ADAL" clId="{56CF898D-0475-4A64-89D7-9E562B826F4B}" dt="2021-05-12T13:10:49.690" v="4654" actId="20577"/>
           <ac:spMkLst>
             <pc:docMk/>
             <pc:sldMk cId="2241902895" sldId="258"/>
@@ -2930,7 +3114,7 @@
         </pc:spChg>
       </pc:sldChg>
       <pc:sldChg chg="addSp delSp modSp add mod ord">
-        <pc:chgData name="Flavio" userId="acf32d90-2754-4ce4-92d1-4f5cef942a84" providerId="ADAL" clId="{56CF898D-0475-4A64-89D7-9E562B826F4B}" dt="2021-05-05T15:37:25.513" v="4289" actId="20577"/>
+        <pc:chgData name="Flavio" userId="acf32d90-2754-4ce4-92d1-4f5cef942a84" providerId="ADAL" clId="{56CF898D-0475-4A64-89D7-9E562B826F4B}" dt="2021-05-12T13:33:29.708" v="4943" actId="20577"/>
         <pc:sldMkLst>
           <pc:docMk/>
           <pc:sldMk cId="1981810323" sldId="259"/>
@@ -3080,7 +3264,7 @@
           </ac:spMkLst>
         </pc:spChg>
         <pc:spChg chg="mod">
-          <ac:chgData name="Flavio" userId="acf32d90-2754-4ce4-92d1-4f5cef942a84" providerId="ADAL" clId="{56CF898D-0475-4A64-89D7-9E562B826F4B}" dt="2021-04-14T14:42:55.141" v="2108" actId="1076"/>
+          <ac:chgData name="Flavio" userId="acf32d90-2754-4ce4-92d1-4f5cef942a84" providerId="ADAL" clId="{56CF898D-0475-4A64-89D7-9E562B826F4B}" dt="2021-05-12T12:29:45.154" v="4572" actId="1076"/>
           <ac:spMkLst>
             <pc:docMk/>
             <pc:sldMk cId="1981810323" sldId="259"/>
@@ -3280,7 +3464,7 @@
           </ac:spMkLst>
         </pc:spChg>
         <pc:spChg chg="add mod">
-          <ac:chgData name="Flavio" userId="acf32d90-2754-4ce4-92d1-4f5cef942a84" providerId="ADAL" clId="{56CF898D-0475-4A64-89D7-9E562B826F4B}" dt="2021-05-05T15:13:27.834" v="3832" actId="1076"/>
+          <ac:chgData name="Flavio" userId="acf32d90-2754-4ce4-92d1-4f5cef942a84" providerId="ADAL" clId="{56CF898D-0475-4A64-89D7-9E562B826F4B}" dt="2021-05-12T12:27:45.371" v="4567" actId="1076"/>
           <ac:spMkLst>
             <pc:docMk/>
             <pc:sldMk cId="1981810323" sldId="259"/>
@@ -3479,6 +3663,22 @@
             <ac:spMk id="124" creationId="{CED74DE5-FE61-4E83-811C-51C7391A4093}"/>
           </ac:spMkLst>
         </pc:spChg>
+        <pc:spChg chg="add mod">
+          <ac:chgData name="Flavio" userId="acf32d90-2754-4ce4-92d1-4f5cef942a84" providerId="ADAL" clId="{56CF898D-0475-4A64-89D7-9E562B826F4B}" dt="2021-05-12T13:12:18.295" v="4680" actId="1076"/>
+          <ac:spMkLst>
+            <pc:docMk/>
+            <pc:sldMk cId="1981810323" sldId="259"/>
+            <ac:spMk id="125" creationId="{F13F1676-B841-425E-8653-15A0418CBE6D}"/>
+          </ac:spMkLst>
+        </pc:spChg>
+        <pc:spChg chg="add mod">
+          <ac:chgData name="Flavio" userId="acf32d90-2754-4ce4-92d1-4f5cef942a84" providerId="ADAL" clId="{56CF898D-0475-4A64-89D7-9E562B826F4B}" dt="2021-05-12T12:28:01.740" v="4570" actId="1076"/>
+          <ac:spMkLst>
+            <pc:docMk/>
+            <pc:sldMk cId="1981810323" sldId="259"/>
+            <ac:spMk id="126" creationId="{16D5DA8B-4062-4DA5-ABD7-FD11FB8964F1}"/>
+          </ac:spMkLst>
+        </pc:spChg>
         <pc:spChg chg="mod">
           <ac:chgData name="Flavio" userId="acf32d90-2754-4ce4-92d1-4f5cef942a84" providerId="ADAL" clId="{56CF898D-0475-4A64-89D7-9E562B826F4B}" dt="2021-04-14T15:12:39.681" v="2259"/>
           <ac:spMkLst>
@@ -3495,6 +3695,22 @@
             <ac:spMk id="127" creationId="{50D9A7B1-FA11-4FF9-9E72-DCEC139AA252}"/>
           </ac:spMkLst>
         </pc:spChg>
+        <pc:spChg chg="add mod">
+          <ac:chgData name="Flavio" userId="acf32d90-2754-4ce4-92d1-4f5cef942a84" providerId="ADAL" clId="{56CF898D-0475-4A64-89D7-9E562B826F4B}" dt="2021-05-12T13:11:49.794" v="4672" actId="1076"/>
+          <ac:spMkLst>
+            <pc:docMk/>
+            <pc:sldMk cId="1981810323" sldId="259"/>
+            <ac:spMk id="127" creationId="{E24942C6-4A53-4099-A2EF-FCA088210324}"/>
+          </ac:spMkLst>
+        </pc:spChg>
+        <pc:spChg chg="add mod">
+          <ac:chgData name="Flavio" userId="acf32d90-2754-4ce4-92d1-4f5cef942a84" providerId="ADAL" clId="{56CF898D-0475-4A64-89D7-9E562B826F4B}" dt="2021-05-12T13:11:57.258" v="4676" actId="20577"/>
+          <ac:spMkLst>
+            <pc:docMk/>
+            <pc:sldMk cId="1981810323" sldId="259"/>
+            <ac:spMk id="128" creationId="{3BEE2374-D1F1-4CAC-967E-E53B3A831B28}"/>
+          </ac:spMkLst>
+        </pc:spChg>
         <pc:spChg chg="add del mod">
           <ac:chgData name="Flavio" userId="acf32d90-2754-4ce4-92d1-4f5cef942a84" providerId="ADAL" clId="{56CF898D-0475-4A64-89D7-9E562B826F4B}" dt="2021-05-05T15:19:49.934" v="3931" actId="478"/>
           <ac:spMkLst>
@@ -3552,7 +3768,7 @@
           </ac:spMkLst>
         </pc:spChg>
         <pc:spChg chg="add mod">
-          <ac:chgData name="Flavio" userId="acf32d90-2754-4ce4-92d1-4f5cef942a84" providerId="ADAL" clId="{56CF898D-0475-4A64-89D7-9E562B826F4B}" dt="2021-05-05T15:37:25.513" v="4289" actId="20577"/>
+          <ac:chgData name="Flavio" userId="acf32d90-2754-4ce4-92d1-4f5cef942a84" providerId="ADAL" clId="{56CF898D-0475-4A64-89D7-9E562B826F4B}" dt="2021-05-12T13:33:29.708" v="4943" actId="20577"/>
           <ac:spMkLst>
             <pc:docMk/>
             <pc:sldMk cId="1981810323" sldId="259"/>
@@ -3616,7 +3832,31 @@
           </ac:spMkLst>
         </pc:spChg>
         <pc:spChg chg="add mod">
-          <ac:chgData name="Flavio" userId="acf32d90-2754-4ce4-92d1-4f5cef942a84" providerId="ADAL" clId="{56CF898D-0475-4A64-89D7-9E562B826F4B}" dt="2021-05-05T15:34:53.628" v="4234" actId="1076"/>
+          <ac:chgData name="Flavio" userId="acf32d90-2754-4ce4-92d1-4f5cef942a84" providerId="ADAL" clId="{56CF898D-0475-4A64-89D7-9E562B826F4B}" dt="2021-05-12T13:13:37.302" v="4685" actId="20577"/>
+          <ac:spMkLst>
+            <pc:docMk/>
+            <pc:sldMk cId="1981810323" sldId="259"/>
+            <ac:spMk id="164" creationId="{0B7E0EE0-87F5-47C3-967A-D31417EE7F8E}"/>
+          </ac:spMkLst>
+        </pc:spChg>
+        <pc:spChg chg="add mod">
+          <ac:chgData name="Flavio" userId="acf32d90-2754-4ce4-92d1-4f5cef942a84" providerId="ADAL" clId="{56CF898D-0475-4A64-89D7-9E562B826F4B}" dt="2021-05-12T13:13:47.497" v="4689" actId="20577"/>
+          <ac:spMkLst>
+            <pc:docMk/>
+            <pc:sldMk cId="1981810323" sldId="259"/>
+            <ac:spMk id="165" creationId="{6D1792E9-15CD-4A12-8F28-29BADE1ECAFC}"/>
+          </ac:spMkLst>
+        </pc:spChg>
+        <pc:spChg chg="add del mod">
+          <ac:chgData name="Flavio" userId="acf32d90-2754-4ce4-92d1-4f5cef942a84" providerId="ADAL" clId="{56CF898D-0475-4A64-89D7-9E562B826F4B}" dt="2021-05-12T13:14:05.220" v="4692" actId="478"/>
+          <ac:spMkLst>
+            <pc:docMk/>
+            <pc:sldMk cId="1981810323" sldId="259"/>
+            <ac:spMk id="167" creationId="{4BD1B138-930E-45C8-A447-2207DAF85C89}"/>
+          </ac:spMkLst>
+        </pc:spChg>
+        <pc:spChg chg="add mod">
+          <ac:chgData name="Flavio" userId="acf32d90-2754-4ce4-92d1-4f5cef942a84" providerId="ADAL" clId="{56CF898D-0475-4A64-89D7-9E562B826F4B}" dt="2021-05-12T12:56:11.128" v="4650" actId="1037"/>
           <ac:spMkLst>
             <pc:docMk/>
             <pc:sldMk cId="1981810323" sldId="259"/>
@@ -3624,7 +3864,7 @@
           </ac:spMkLst>
         </pc:spChg>
         <pc:spChg chg="add mod">
-          <ac:chgData name="Flavio" userId="acf32d90-2754-4ce4-92d1-4f5cef942a84" providerId="ADAL" clId="{56CF898D-0475-4A64-89D7-9E562B826F4B}" dt="2021-05-05T15:34:57.224" v="4235" actId="1076"/>
+          <ac:chgData name="Flavio" userId="acf32d90-2754-4ce4-92d1-4f5cef942a84" providerId="ADAL" clId="{56CF898D-0475-4A64-89D7-9E562B826F4B}" dt="2021-05-12T12:56:11.128" v="4650" actId="1037"/>
           <ac:spMkLst>
             <pc:docMk/>
             <pc:sldMk cId="1981810323" sldId="259"/>
@@ -3767,6 +4007,14 @@
             <ac:cxnSpMk id="12" creationId="{AF287D7E-502F-49E7-B824-60CB2C9D4D9D}"/>
           </ac:cxnSpMkLst>
         </pc:cxnChg>
+        <pc:cxnChg chg="add del mod">
+          <ac:chgData name="Flavio" userId="acf32d90-2754-4ce4-92d1-4f5cef942a84" providerId="ADAL" clId="{56CF898D-0475-4A64-89D7-9E562B826F4B}" dt="2021-05-12T12:35:38.831" v="4575" actId="478"/>
+          <ac:cxnSpMkLst>
+            <pc:docMk/>
+            <pc:sldMk cId="1981810323" sldId="259"/>
+            <ac:cxnSpMk id="14" creationId="{10AAF5C8-8167-4C12-A704-258AB30F44F6}"/>
+          </ac:cxnSpMkLst>
+        </pc:cxnChg>
         <pc:cxnChg chg="del">
           <ac:chgData name="Flavio" userId="acf32d90-2754-4ce4-92d1-4f5cef942a84" providerId="ADAL" clId="{56CF898D-0475-4A64-89D7-9E562B826F4B}" dt="2021-04-14T14:35:02.854" v="1968" actId="478"/>
           <ac:cxnSpMkLst>
@@ -3808,7 +4056,7 @@
           </ac:cxnSpMkLst>
         </pc:cxnChg>
         <pc:cxnChg chg="add mod">
-          <ac:chgData name="Flavio" userId="acf32d90-2754-4ce4-92d1-4f5cef942a84" providerId="ADAL" clId="{56CF898D-0475-4A64-89D7-9E562B826F4B}" dt="2021-05-05T15:20:20.364" v="3952" actId="14100"/>
+          <ac:chgData name="Flavio" userId="acf32d90-2754-4ce4-92d1-4f5cef942a84" providerId="ADAL" clId="{56CF898D-0475-4A64-89D7-9E562B826F4B}" dt="2021-05-12T13:13:15.144" v="4681" actId="14100"/>
           <ac:cxnSpMkLst>
             <pc:docMk/>
             <pc:sldMk cId="1981810323" sldId="259"/>
@@ -3960,7 +4208,7 @@
           </ac:cxnSpMkLst>
         </pc:cxnChg>
         <pc:cxnChg chg="add mod">
-          <ac:chgData name="Flavio" userId="acf32d90-2754-4ce4-92d1-4f5cef942a84" providerId="ADAL" clId="{56CF898D-0475-4A64-89D7-9E562B826F4B}" dt="2021-05-05T15:26:02.937" v="4192" actId="13822"/>
+          <ac:chgData name="Flavio" userId="acf32d90-2754-4ce4-92d1-4f5cef942a84" providerId="ADAL" clId="{56CF898D-0475-4A64-89D7-9E562B826F4B}" dt="2021-05-12T08:47:06.484" v="4535" actId="14100"/>
           <ac:cxnSpMkLst>
             <pc:docMk/>
             <pc:sldMk cId="1981810323" sldId="259"/>
@@ -4808,7 +5056,7 @@
         </pc:cxnChg>
       </pc:sldChg>
       <pc:sldChg chg="addSp delSp modSp add mod">
-        <pc:chgData name="Flavio" userId="acf32d90-2754-4ce4-92d1-4f5cef942a84" providerId="ADAL" clId="{56CF898D-0475-4A64-89D7-9E562B826F4B}" dt="2021-05-05T14:05:49.590" v="3572" actId="20577"/>
+        <pc:chgData name="Flavio" userId="acf32d90-2754-4ce4-92d1-4f5cef942a84" providerId="ADAL" clId="{56CF898D-0475-4A64-89D7-9E562B826F4B}" dt="2021-05-12T13:34:19.088" v="4957"/>
         <pc:sldMkLst>
           <pc:docMk/>
           <pc:sldMk cId="194733402" sldId="261"/>
@@ -4867,6 +5115,22 @@
             <pc:docMk/>
             <pc:sldMk cId="194733402" sldId="261"/>
             <ac:spMk id="19" creationId="{3285866C-CD58-48E8-BACF-E104C4EFA5CA}"/>
+          </ac:spMkLst>
+        </pc:spChg>
+        <pc:spChg chg="add del mod">
+          <ac:chgData name="Flavio" userId="acf32d90-2754-4ce4-92d1-4f5cef942a84" providerId="ADAL" clId="{56CF898D-0475-4A64-89D7-9E562B826F4B}" dt="2021-05-12T13:34:19.088" v="4957"/>
+          <ac:spMkLst>
+            <pc:docMk/>
+            <pc:sldMk cId="194733402" sldId="261"/>
+            <ac:spMk id="50" creationId="{3CA27FEA-03E6-45A8-AE24-9B6DE25AD408}"/>
+          </ac:spMkLst>
+        </pc:spChg>
+        <pc:spChg chg="add del mod">
+          <ac:chgData name="Flavio" userId="acf32d90-2754-4ce4-92d1-4f5cef942a84" providerId="ADAL" clId="{56CF898D-0475-4A64-89D7-9E562B826F4B}" dt="2021-05-12T13:34:18.653" v="4956"/>
+          <ac:spMkLst>
+            <pc:docMk/>
+            <pc:sldMk cId="194733402" sldId="261"/>
+            <ac:spMk id="51" creationId="{E984CD02-6F52-415C-8239-A552E9A0E9B6}"/>
           </ac:spMkLst>
         </pc:spChg>
         <pc:spChg chg="add mod">
@@ -5271,7 +5535,7 @@
         </pc:cxnChg>
       </pc:sldChg>
       <pc:sldChg chg="addSp delSp modSp add mod">
-        <pc:chgData name="Flavio" userId="acf32d90-2754-4ce4-92d1-4f5cef942a84" providerId="ADAL" clId="{56CF898D-0475-4A64-89D7-9E562B826F4B}" dt="2021-05-05T14:36:49.395" v="3752" actId="2085"/>
+        <pc:chgData name="Flavio" userId="acf32d90-2754-4ce4-92d1-4f5cef942a84" providerId="ADAL" clId="{56CF898D-0475-4A64-89D7-9E562B826F4B}" dt="2021-05-12T12:19:12.272" v="4551" actId="478"/>
         <pc:sldMkLst>
           <pc:docMk/>
           <pc:sldMk cId="1277511959" sldId="262"/>
@@ -5284,8 +5548,8 @@
             <ac:spMk id="3" creationId="{0BE4988F-0738-4EFF-B0CA-A248EDBF68E8}"/>
           </ac:spMkLst>
         </pc:spChg>
-        <pc:spChg chg="mod">
-          <ac:chgData name="Flavio" userId="acf32d90-2754-4ce4-92d1-4f5cef942a84" providerId="ADAL" clId="{56CF898D-0475-4A64-89D7-9E562B826F4B}" dt="2021-04-28T14:48:49.300" v="3292" actId="14100"/>
+        <pc:spChg chg="add del mod">
+          <ac:chgData name="Flavio" userId="acf32d90-2754-4ce4-92d1-4f5cef942a84" providerId="ADAL" clId="{56CF898D-0475-4A64-89D7-9E562B826F4B}" dt="2021-05-12T12:19:09.645" v="4550" actId="478"/>
           <ac:spMkLst>
             <pc:docMk/>
             <pc:sldMk cId="1277511959" sldId="262"/>
@@ -5484,24 +5748,24 @@
             <ac:spMk id="115" creationId="{9C81AB14-4144-45AC-A3AD-E16EC87EE092}"/>
           </ac:spMkLst>
         </pc:spChg>
-        <pc:spChg chg="add mod">
-          <ac:chgData name="Flavio" userId="acf32d90-2754-4ce4-92d1-4f5cef942a84" providerId="ADAL" clId="{56CF898D-0475-4A64-89D7-9E562B826F4B}" dt="2021-05-05T14:36:36.841" v="3745" actId="207"/>
+        <pc:spChg chg="add del mod">
+          <ac:chgData name="Flavio" userId="acf32d90-2754-4ce4-92d1-4f5cef942a84" providerId="ADAL" clId="{56CF898D-0475-4A64-89D7-9E562B826F4B}" dt="2021-05-12T12:19:12.272" v="4551" actId="478"/>
           <ac:spMkLst>
             <pc:docMk/>
             <pc:sldMk cId="1277511959" sldId="262"/>
             <ac:spMk id="119" creationId="{52B6320E-2914-417C-A6AB-FC09E2F77F94}"/>
           </ac:spMkLst>
         </pc:spChg>
-        <pc:spChg chg="add mod">
-          <ac:chgData name="Flavio" userId="acf32d90-2754-4ce4-92d1-4f5cef942a84" providerId="ADAL" clId="{56CF898D-0475-4A64-89D7-9E562B826F4B}" dt="2021-05-05T14:36:34.641" v="3743" actId="207"/>
+        <pc:spChg chg="add del mod">
+          <ac:chgData name="Flavio" userId="acf32d90-2754-4ce4-92d1-4f5cef942a84" providerId="ADAL" clId="{56CF898D-0475-4A64-89D7-9E562B826F4B}" dt="2021-05-12T12:19:03.528" v="4546" actId="478"/>
           <ac:spMkLst>
             <pc:docMk/>
             <pc:sldMk cId="1277511959" sldId="262"/>
             <ac:spMk id="123" creationId="{74D4B7F0-AA20-4085-8970-66BBD045874A}"/>
           </ac:spMkLst>
         </pc:spChg>
-        <pc:spChg chg="add mod">
-          <ac:chgData name="Flavio" userId="acf32d90-2754-4ce4-92d1-4f5cef942a84" providerId="ADAL" clId="{56CF898D-0475-4A64-89D7-9E562B826F4B}" dt="2021-05-05T14:36:32.088" v="3741" actId="207"/>
+        <pc:spChg chg="add del mod">
+          <ac:chgData name="Flavio" userId="acf32d90-2754-4ce4-92d1-4f5cef942a84" providerId="ADAL" clId="{56CF898D-0475-4A64-89D7-9E562B826F4B}" dt="2021-05-12T12:19:02.404" v="4545" actId="478"/>
           <ac:spMkLst>
             <pc:docMk/>
             <pc:sldMk cId="1277511959" sldId="262"/>
@@ -6036,8 +6300,8 @@
             <ac:cxnSpMk id="120" creationId="{E0F3E90A-8DC9-4D4A-AC61-865A21AD0A50}"/>
           </ac:cxnSpMkLst>
         </pc:cxnChg>
-        <pc:cxnChg chg="add mod">
-          <ac:chgData name="Flavio" userId="acf32d90-2754-4ce4-92d1-4f5cef942a84" providerId="ADAL" clId="{56CF898D-0475-4A64-89D7-9E562B826F4B}" dt="2021-04-28T15:24:39.926" v="3447" actId="14100"/>
+        <pc:cxnChg chg="add del mod">
+          <ac:chgData name="Flavio" userId="acf32d90-2754-4ce4-92d1-4f5cef942a84" providerId="ADAL" clId="{56CF898D-0475-4A64-89D7-9E562B826F4B}" dt="2021-05-12T12:19:06.455" v="4548" actId="478"/>
           <ac:cxnSpMkLst>
             <pc:docMk/>
             <pc:sldMk cId="1277511959" sldId="262"/>
@@ -6053,7 +6317,7 @@
           </ac:cxnSpMkLst>
         </pc:cxnChg>
         <pc:cxnChg chg="add mod">
-          <ac:chgData name="Flavio" userId="acf32d90-2754-4ce4-92d1-4f5cef942a84" providerId="ADAL" clId="{56CF898D-0475-4A64-89D7-9E562B826F4B}" dt="2021-04-28T14:59:36.610" v="3373" actId="14100"/>
+          <ac:chgData name="Flavio" userId="acf32d90-2754-4ce4-92d1-4f5cef942a84" providerId="ADAL" clId="{56CF898D-0475-4A64-89D7-9E562B826F4B}" dt="2021-05-12T12:19:03.528" v="4546" actId="478"/>
           <ac:cxnSpMkLst>
             <pc:docMk/>
             <pc:sldMk cId="1277511959" sldId="262"/>
@@ -6076,8 +6340,8 @@
             <ac:cxnSpMk id="129" creationId="{8B636F1F-A784-4D49-A722-50863268E77C}"/>
           </ac:cxnSpMkLst>
         </pc:cxnChg>
-        <pc:cxnChg chg="add mod">
-          <ac:chgData name="Flavio" userId="acf32d90-2754-4ce4-92d1-4f5cef942a84" providerId="ADAL" clId="{56CF898D-0475-4A64-89D7-9E562B826F4B}" dt="2021-04-28T15:01:05.662" v="3406" actId="14100"/>
+        <pc:cxnChg chg="add del mod">
+          <ac:chgData name="Flavio" userId="acf32d90-2754-4ce4-92d1-4f5cef942a84" providerId="ADAL" clId="{56CF898D-0475-4A64-89D7-9E562B826F4B}" dt="2021-05-12T12:19:04.715" v="4547" actId="478"/>
           <ac:cxnSpMkLst>
             <pc:docMk/>
             <pc:sldMk cId="1277511959" sldId="262"/>
@@ -6093,7 +6357,7 @@
           </ac:cxnSpMkLst>
         </pc:cxnChg>
         <pc:cxnChg chg="add mod">
-          <ac:chgData name="Flavio" userId="acf32d90-2754-4ce4-92d1-4f5cef942a84" providerId="ADAL" clId="{56CF898D-0475-4A64-89D7-9E562B826F4B}" dt="2021-04-28T15:01:25.353" v="3421" actId="14100"/>
+          <ac:chgData name="Flavio" userId="acf32d90-2754-4ce4-92d1-4f5cef942a84" providerId="ADAL" clId="{56CF898D-0475-4A64-89D7-9E562B826F4B}" dt="2021-05-12T12:19:02.404" v="4545" actId="478"/>
           <ac:cxnSpMkLst>
             <pc:docMk/>
             <pc:sldMk cId="1277511959" sldId="262"/>
@@ -6757,17 +7021,41 @@
         </pc:cxnChg>
       </pc:sldChg>
       <pc:sldChg chg="addSp delSp modSp add mod">
-        <pc:chgData name="Flavio" userId="acf32d90-2754-4ce4-92d1-4f5cef942a84" providerId="ADAL" clId="{56CF898D-0475-4A64-89D7-9E562B826F4B}" dt="2021-05-05T15:01:30.243" v="3798" actId="478"/>
+        <pc:chgData name="Flavio" userId="acf32d90-2754-4ce4-92d1-4f5cef942a84" providerId="ADAL" clId="{56CF898D-0475-4A64-89D7-9E562B826F4B}" dt="2021-05-12T13:42:57.002" v="4992" actId="1076"/>
         <pc:sldMkLst>
           <pc:docMk/>
           <pc:sldMk cId="2262351759" sldId="263"/>
         </pc:sldMkLst>
+        <pc:spChg chg="add mod">
+          <ac:chgData name="Flavio" userId="acf32d90-2754-4ce4-92d1-4f5cef942a84" providerId="ADAL" clId="{56CF898D-0475-4A64-89D7-9E562B826F4B}" dt="2021-05-12T13:11:07.635" v="4661" actId="1076"/>
+          <ac:spMkLst>
+            <pc:docMk/>
+            <pc:sldMk cId="2262351759" sldId="263"/>
+            <ac:spMk id="2" creationId="{6CABCCD4-815F-451C-8E54-E0609582E63D}"/>
+          </ac:spMkLst>
+        </pc:spChg>
+        <pc:spChg chg="add del mod">
+          <ac:chgData name="Flavio" userId="acf32d90-2754-4ce4-92d1-4f5cef942a84" providerId="ADAL" clId="{56CF898D-0475-4A64-89D7-9E562B826F4B}" dt="2021-05-12T13:14:34.438" v="4699"/>
+          <ac:spMkLst>
+            <pc:docMk/>
+            <pc:sldMk cId="2262351759" sldId="263"/>
+            <ac:spMk id="3" creationId="{CAF54851-FD4E-4F9D-800A-AC42FE3B67B7}"/>
+          </ac:spMkLst>
+        </pc:spChg>
         <pc:spChg chg="del">
           <ac:chgData name="Flavio" userId="acf32d90-2754-4ce4-92d1-4f5cef942a84" providerId="ADAL" clId="{56CF898D-0475-4A64-89D7-9E562B826F4B}" dt="2021-05-05T14:59:47.208" v="3795" actId="478"/>
           <ac:spMkLst>
             <pc:docMk/>
             <pc:sldMk cId="2262351759" sldId="263"/>
             <ac:spMk id="4" creationId="{D8135A24-C0D2-4E99-AFFF-BC880D6EAED3}"/>
+          </ac:spMkLst>
+        </pc:spChg>
+        <pc:spChg chg="add mod">
+          <ac:chgData name="Flavio" userId="acf32d90-2754-4ce4-92d1-4f5cef942a84" providerId="ADAL" clId="{56CF898D-0475-4A64-89D7-9E562B826F4B}" dt="2021-05-12T13:42:57.002" v="4992" actId="1076"/>
+          <ac:spMkLst>
+            <pc:docMk/>
+            <pc:sldMk cId="2262351759" sldId="263"/>
+            <ac:spMk id="4" creationId="{FCCF1BEB-6DF6-40AD-9CDB-EFA9E94979F2}"/>
           </ac:spMkLst>
         </pc:spChg>
         <pc:spChg chg="del">
@@ -7283,7 +7571,7 @@
           <a:p>
             <a:fld id="{078F766D-A9F8-44E5-A184-44CC0BAB2881}" type="datetimeFigureOut">
               <a:rPr lang="it-IT" smtClean="0"/>
-              <a:t>05/05/2021</a:t>
+              <a:t>12/05/2021</a:t>
             </a:fld>
             <a:endParaRPr lang="it-IT"/>
           </a:p>
@@ -7481,7 +7769,7 @@
           <a:p>
             <a:fld id="{078F766D-A9F8-44E5-A184-44CC0BAB2881}" type="datetimeFigureOut">
               <a:rPr lang="it-IT" smtClean="0"/>
-              <a:t>05/05/2021</a:t>
+              <a:t>12/05/2021</a:t>
             </a:fld>
             <a:endParaRPr lang="it-IT"/>
           </a:p>
@@ -7689,7 +7977,7 @@
           <a:p>
             <a:fld id="{078F766D-A9F8-44E5-A184-44CC0BAB2881}" type="datetimeFigureOut">
               <a:rPr lang="it-IT" smtClean="0"/>
-              <a:t>05/05/2021</a:t>
+              <a:t>12/05/2021</a:t>
             </a:fld>
             <a:endParaRPr lang="it-IT"/>
           </a:p>
@@ -7887,7 +8175,7 @@
           <a:p>
             <a:fld id="{078F766D-A9F8-44E5-A184-44CC0BAB2881}" type="datetimeFigureOut">
               <a:rPr lang="it-IT" smtClean="0"/>
-              <a:t>05/05/2021</a:t>
+              <a:t>12/05/2021</a:t>
             </a:fld>
             <a:endParaRPr lang="it-IT"/>
           </a:p>
@@ -8162,7 +8450,7 @@
           <a:p>
             <a:fld id="{078F766D-A9F8-44E5-A184-44CC0BAB2881}" type="datetimeFigureOut">
               <a:rPr lang="it-IT" smtClean="0"/>
-              <a:t>05/05/2021</a:t>
+              <a:t>12/05/2021</a:t>
             </a:fld>
             <a:endParaRPr lang="it-IT"/>
           </a:p>
@@ -8427,7 +8715,7 @@
           <a:p>
             <a:fld id="{078F766D-A9F8-44E5-A184-44CC0BAB2881}" type="datetimeFigureOut">
               <a:rPr lang="it-IT" smtClean="0"/>
-              <a:t>05/05/2021</a:t>
+              <a:t>12/05/2021</a:t>
             </a:fld>
             <a:endParaRPr lang="it-IT"/>
           </a:p>
@@ -8839,7 +9127,7 @@
           <a:p>
             <a:fld id="{078F766D-A9F8-44E5-A184-44CC0BAB2881}" type="datetimeFigureOut">
               <a:rPr lang="it-IT" smtClean="0"/>
-              <a:t>05/05/2021</a:t>
+              <a:t>12/05/2021</a:t>
             </a:fld>
             <a:endParaRPr lang="it-IT"/>
           </a:p>
@@ -8980,7 +9268,7 @@
           <a:p>
             <a:fld id="{078F766D-A9F8-44E5-A184-44CC0BAB2881}" type="datetimeFigureOut">
               <a:rPr lang="it-IT" smtClean="0"/>
-              <a:t>05/05/2021</a:t>
+              <a:t>12/05/2021</a:t>
             </a:fld>
             <a:endParaRPr lang="it-IT"/>
           </a:p>
@@ -9093,7 +9381,7 @@
           <a:p>
             <a:fld id="{078F766D-A9F8-44E5-A184-44CC0BAB2881}" type="datetimeFigureOut">
               <a:rPr lang="it-IT" smtClean="0"/>
-              <a:t>05/05/2021</a:t>
+              <a:t>12/05/2021</a:t>
             </a:fld>
             <a:endParaRPr lang="it-IT"/>
           </a:p>
@@ -9404,7 +9692,7 @@
           <a:p>
             <a:fld id="{078F766D-A9F8-44E5-A184-44CC0BAB2881}" type="datetimeFigureOut">
               <a:rPr lang="it-IT" smtClean="0"/>
-              <a:t>05/05/2021</a:t>
+              <a:t>12/05/2021</a:t>
             </a:fld>
             <a:endParaRPr lang="it-IT"/>
           </a:p>
@@ -9692,7 +9980,7 @@
           <a:p>
             <a:fld id="{078F766D-A9F8-44E5-A184-44CC0BAB2881}" type="datetimeFigureOut">
               <a:rPr lang="it-IT" smtClean="0"/>
-              <a:t>05/05/2021</a:t>
+              <a:t>12/05/2021</a:t>
             </a:fld>
             <a:endParaRPr lang="it-IT"/>
           </a:p>
@@ -9933,7 +10221,7 @@
           <a:p>
             <a:fld id="{078F766D-A9F8-44E5-A184-44CC0BAB2881}" type="datetimeFigureOut">
               <a:rPr lang="it-IT" smtClean="0"/>
-              <a:t>05/05/2021</a:t>
+              <a:t>12/05/2021</a:t>
             </a:fld>
             <a:endParaRPr lang="it-IT"/>
           </a:p>
@@ -13158,7 +13446,7 @@
         <p:spPr>
           <a:xfrm>
             <a:off x="1644243" y="687897"/>
-            <a:ext cx="8162488" cy="3070371"/>
+            <a:ext cx="9490740" cy="3070371"/>
           </a:xfrm>
           <a:prstGeom prst="rect">
             <a:avLst/>
@@ -13614,7 +13902,7 @@
         </p:nvSpPr>
         <p:spPr>
           <a:xfrm>
-            <a:off x="10348363" y="1622996"/>
+            <a:off x="11782882" y="1622996"/>
             <a:ext cx="461395" cy="369332"/>
           </a:xfrm>
           <a:prstGeom prst="rect">
@@ -13652,7 +13940,7 @@
         </p:nvCxnSpPr>
         <p:spPr>
           <a:xfrm>
-            <a:off x="8898593" y="1828538"/>
+            <a:off x="10333112" y="1828538"/>
             <a:ext cx="1302927" cy="0"/>
           </a:xfrm>
           <a:prstGeom prst="line">
@@ -13693,7 +13981,7 @@
         </p:nvSpPr>
         <p:spPr>
           <a:xfrm rot="5400000">
-            <a:off x="9852400" y="1768691"/>
+            <a:off x="11286919" y="1768691"/>
             <a:ext cx="153354" cy="119690"/>
           </a:xfrm>
           <a:prstGeom prst="triangle">
@@ -13970,7 +14258,7 @@
         </p:nvSpPr>
         <p:spPr>
           <a:xfrm>
-            <a:off x="2532504" y="1817699"/>
+            <a:off x="4277416" y="1817699"/>
             <a:ext cx="219877" cy="197186"/>
           </a:xfrm>
           <a:prstGeom prst="homePlate">
@@ -14034,7 +14322,7 @@
         <p:spPr>
           <a:xfrm>
             <a:off x="2544554" y="4790896"/>
-            <a:ext cx="2397253" cy="646331"/>
+            <a:ext cx="2397253" cy="369332"/>
           </a:xfrm>
           <a:prstGeom prst="rect">
             <a:avLst/>
@@ -14046,13 +14334,6 @@
             <a:spAutoFit/>
           </a:bodyPr>
           <a:lstStyle/>
-          <a:p>
-            <a:pPr algn="ctr"/>
-            <a:r>
-              <a:rPr lang="it-IT" dirty="0"/>
-              <a:t>Modulo A</a:t>
-            </a:r>
-          </a:p>
           <a:p>
             <a:pPr algn="ctr"/>
             <a:r>
@@ -14066,12 +14347,903 @@
           </a:p>
         </p:txBody>
       </p:sp>
+      <p:sp>
+        <p:nvSpPr>
+          <p:cNvPr id="52" name="Rettangolo 51">
+            <a:extLst>
+              <a:ext uri="{FF2B5EF4-FFF2-40B4-BE49-F238E27FC236}">
+                <a16:creationId xmlns:a16="http://schemas.microsoft.com/office/drawing/2014/main" id="{E370D36B-540E-489A-9A8D-3E64AE5C806B}"/>
+              </a:ext>
+            </a:extLst>
+          </p:cNvPr>
+          <p:cNvSpPr/>
+          <p:nvPr/>
+        </p:nvSpPr>
+        <p:spPr>
+          <a:xfrm>
+            <a:off x="5689018" y="4453958"/>
+            <a:ext cx="2083542" cy="1619073"/>
+          </a:xfrm>
+          <a:prstGeom prst="rect">
+            <a:avLst/>
+          </a:prstGeom>
+          <a:solidFill>
+            <a:schemeClr val="bg1"/>
+          </a:solidFill>
+        </p:spPr>
+        <p:style>
+          <a:lnRef idx="2">
+            <a:schemeClr val="accent1">
+              <a:shade val="50000"/>
+            </a:schemeClr>
+          </a:lnRef>
+          <a:fillRef idx="1">
+            <a:schemeClr val="accent1"/>
+          </a:fillRef>
+          <a:effectRef idx="0">
+            <a:schemeClr val="accent1"/>
+          </a:effectRef>
+          <a:fontRef idx="minor">
+            <a:schemeClr val="lt1"/>
+          </a:fontRef>
+        </p:style>
+        <p:txBody>
+          <a:bodyPr rtlCol="0" anchor="ctr"/>
+          <a:lstStyle/>
+          <a:p>
+            <a:pPr algn="ctr"/>
+            <a:endParaRPr lang="it-IT"/>
+          </a:p>
+        </p:txBody>
+      </p:sp>
+      <p:sp>
+        <p:nvSpPr>
+          <p:cNvPr id="6" name="Trapezio 5">
+            <a:extLst>
+              <a:ext uri="{FF2B5EF4-FFF2-40B4-BE49-F238E27FC236}">
+                <a16:creationId xmlns:a16="http://schemas.microsoft.com/office/drawing/2014/main" id="{03BF1403-DA23-47C5-B4D3-8AFFC30524EC}"/>
+              </a:ext>
+            </a:extLst>
+          </p:cNvPr>
+          <p:cNvSpPr/>
+          <p:nvPr/>
+        </p:nvSpPr>
+        <p:spPr>
+          <a:xfrm rot="5400000">
+            <a:off x="5795086" y="4941092"/>
+            <a:ext cx="770775" cy="279216"/>
+          </a:xfrm>
+          <a:prstGeom prst="trapezoid">
+            <a:avLst>
+              <a:gd name="adj" fmla="val 53379"/>
+            </a:avLst>
+          </a:prstGeom>
+          <a:solidFill>
+            <a:schemeClr val="bg1"/>
+          </a:solidFill>
+          <a:ln>
+            <a:solidFill>
+              <a:schemeClr val="tx1"/>
+            </a:solidFill>
+          </a:ln>
+        </p:spPr>
+        <p:style>
+          <a:lnRef idx="2">
+            <a:schemeClr val="accent1">
+              <a:shade val="50000"/>
+            </a:schemeClr>
+          </a:lnRef>
+          <a:fillRef idx="1">
+            <a:schemeClr val="accent1"/>
+          </a:fillRef>
+          <a:effectRef idx="0">
+            <a:schemeClr val="accent1"/>
+          </a:effectRef>
+          <a:fontRef idx="minor">
+            <a:schemeClr val="lt1"/>
+          </a:fontRef>
+        </p:style>
+        <p:txBody>
+          <a:bodyPr rtlCol="0" anchor="ctr"/>
+          <a:lstStyle/>
+          <a:p>
+            <a:pPr algn="ctr"/>
+            <a:endParaRPr lang="it-IT"/>
+          </a:p>
+        </p:txBody>
+      </p:sp>
+      <p:cxnSp>
+        <p:nvCxnSpPr>
+          <p:cNvPr id="97" name="Connettore diritto 96">
+            <a:extLst>
+              <a:ext uri="{FF2B5EF4-FFF2-40B4-BE49-F238E27FC236}">
+                <a16:creationId xmlns:a16="http://schemas.microsoft.com/office/drawing/2014/main" id="{B5DBFEDA-3DB8-4F6D-A4D4-173FBEB161BF}"/>
+              </a:ext>
+            </a:extLst>
+          </p:cNvPr>
+          <p:cNvCxnSpPr>
+            <a:cxnSpLocks/>
+          </p:cNvCxnSpPr>
+          <p:nvPr/>
+        </p:nvCxnSpPr>
+        <p:spPr>
+          <a:xfrm>
+            <a:off x="5538485" y="4857008"/>
+            <a:ext cx="500457" cy="0"/>
+          </a:xfrm>
+          <a:prstGeom prst="line">
+            <a:avLst/>
+          </a:prstGeom>
+          <a:ln w="28575">
+            <a:solidFill>
+              <a:schemeClr val="tx1"/>
+            </a:solidFill>
+          </a:ln>
+        </p:spPr>
+        <p:style>
+          <a:lnRef idx="1">
+            <a:schemeClr val="accent1"/>
+          </a:lnRef>
+          <a:fillRef idx="0">
+            <a:schemeClr val="accent1"/>
+          </a:fillRef>
+          <a:effectRef idx="0">
+            <a:schemeClr val="accent1"/>
+          </a:effectRef>
+          <a:fontRef idx="minor">
+            <a:schemeClr val="tx1"/>
+          </a:fontRef>
+        </p:style>
+      </p:cxnSp>
+      <p:sp>
+        <p:nvSpPr>
+          <p:cNvPr id="51" name="Rettangolo 50">
+            <a:extLst>
+              <a:ext uri="{FF2B5EF4-FFF2-40B4-BE49-F238E27FC236}">
+                <a16:creationId xmlns:a16="http://schemas.microsoft.com/office/drawing/2014/main" id="{352997FA-51B4-424F-86D0-F205796F55AC}"/>
+              </a:ext>
+            </a:extLst>
+          </p:cNvPr>
+          <p:cNvSpPr/>
+          <p:nvPr/>
+        </p:nvSpPr>
+        <p:spPr>
+          <a:xfrm>
+            <a:off x="6730789" y="4867351"/>
+            <a:ext cx="559266" cy="929075"/>
+          </a:xfrm>
+          <a:prstGeom prst="rect">
+            <a:avLst/>
+          </a:prstGeom>
+          <a:solidFill>
+            <a:schemeClr val="bg1"/>
+          </a:solidFill>
+          <a:ln>
+            <a:solidFill>
+              <a:schemeClr val="tx1"/>
+            </a:solidFill>
+          </a:ln>
+        </p:spPr>
+        <p:style>
+          <a:lnRef idx="2">
+            <a:schemeClr val="accent1">
+              <a:shade val="50000"/>
+            </a:schemeClr>
+          </a:lnRef>
+          <a:fillRef idx="1">
+            <a:schemeClr val="accent1"/>
+          </a:fillRef>
+          <a:effectRef idx="0">
+            <a:schemeClr val="accent1"/>
+          </a:effectRef>
+          <a:fontRef idx="minor">
+            <a:schemeClr val="lt1"/>
+          </a:fontRef>
+        </p:style>
+        <p:txBody>
+          <a:bodyPr rtlCol="0" anchor="ctr"/>
+          <a:lstStyle/>
+          <a:p>
+            <a:pPr algn="ctr"/>
+            <a:endParaRPr lang="it-IT" dirty="0"/>
+          </a:p>
+        </p:txBody>
+      </p:sp>
+      <p:sp>
+        <p:nvSpPr>
+          <p:cNvPr id="101" name="Triangolo isoscele 100">
+            <a:extLst>
+              <a:ext uri="{FF2B5EF4-FFF2-40B4-BE49-F238E27FC236}">
+                <a16:creationId xmlns:a16="http://schemas.microsoft.com/office/drawing/2014/main" id="{08369D79-470B-4FC1-8A7C-FA980CF1ABC5}"/>
+              </a:ext>
+            </a:extLst>
+          </p:cNvPr>
+          <p:cNvSpPr/>
+          <p:nvPr/>
+        </p:nvSpPr>
+        <p:spPr>
+          <a:xfrm rot="5400000">
+            <a:off x="6712814" y="5529677"/>
+            <a:ext cx="174369" cy="138419"/>
+          </a:xfrm>
+          <a:prstGeom prst="triangle">
+            <a:avLst/>
+          </a:prstGeom>
+          <a:solidFill>
+            <a:schemeClr val="bg1"/>
+          </a:solidFill>
+          <a:ln>
+            <a:solidFill>
+              <a:schemeClr val="tx1"/>
+            </a:solidFill>
+          </a:ln>
+        </p:spPr>
+        <p:style>
+          <a:lnRef idx="2">
+            <a:schemeClr val="accent1">
+              <a:shade val="50000"/>
+            </a:schemeClr>
+          </a:lnRef>
+          <a:fillRef idx="1">
+            <a:schemeClr val="accent1"/>
+          </a:fillRef>
+          <a:effectRef idx="0">
+            <a:schemeClr val="accent1"/>
+          </a:effectRef>
+          <a:fontRef idx="minor">
+            <a:schemeClr val="lt1"/>
+          </a:fontRef>
+        </p:style>
+        <p:txBody>
+          <a:bodyPr rtlCol="0" anchor="ctr"/>
+          <a:lstStyle/>
+          <a:p>
+            <a:pPr algn="ctr"/>
+            <a:endParaRPr lang="it-IT" dirty="0"/>
+          </a:p>
+        </p:txBody>
+      </p:sp>
+      <p:sp>
+        <p:nvSpPr>
+          <p:cNvPr id="54" name="CasellaDiTesto 53">
+            <a:extLst>
+              <a:ext uri="{FF2B5EF4-FFF2-40B4-BE49-F238E27FC236}">
+                <a16:creationId xmlns:a16="http://schemas.microsoft.com/office/drawing/2014/main" id="{C7C08143-3D2B-4872-BF83-CD4C1783A0CB}"/>
+              </a:ext>
+            </a:extLst>
+          </p:cNvPr>
+          <p:cNvSpPr txBox="1"/>
+          <p:nvPr/>
+        </p:nvSpPr>
+        <p:spPr>
+          <a:xfrm>
+            <a:off x="6026242" y="4757533"/>
+            <a:ext cx="279216" cy="646331"/>
+          </a:xfrm>
+          <a:prstGeom prst="rect">
+            <a:avLst/>
+          </a:prstGeom>
+          <a:noFill/>
+        </p:spPr>
+        <p:txBody>
+          <a:bodyPr wrap="square" rtlCol="0">
+            <a:spAutoFit/>
+          </a:bodyPr>
+          <a:lstStyle/>
+          <a:p>
+            <a:r>
+              <a:rPr lang="it-IT" sz="1200" dirty="0"/>
+              <a:t>0</a:t>
+            </a:r>
+          </a:p>
+          <a:p>
+            <a:endParaRPr lang="it-IT" sz="1200" dirty="0"/>
+          </a:p>
+          <a:p>
+            <a:r>
+              <a:rPr lang="it-IT" sz="1200" dirty="0"/>
+              <a:t>1</a:t>
+            </a:r>
+          </a:p>
+        </p:txBody>
+      </p:sp>
+      <p:cxnSp>
+        <p:nvCxnSpPr>
+          <p:cNvPr id="103" name="Connettore diritto 102">
+            <a:extLst>
+              <a:ext uri="{FF2B5EF4-FFF2-40B4-BE49-F238E27FC236}">
+                <a16:creationId xmlns:a16="http://schemas.microsoft.com/office/drawing/2014/main" id="{D0BEBC21-68CD-4B39-B6F1-017984ED3637}"/>
+              </a:ext>
+            </a:extLst>
+          </p:cNvPr>
+          <p:cNvCxnSpPr>
+            <a:cxnSpLocks/>
+          </p:cNvCxnSpPr>
+          <p:nvPr/>
+        </p:nvCxnSpPr>
+        <p:spPr>
+          <a:xfrm>
+            <a:off x="5540408" y="5257058"/>
+            <a:ext cx="500457" cy="0"/>
+          </a:xfrm>
+          <a:prstGeom prst="line">
+            <a:avLst/>
+          </a:prstGeom>
+          <a:ln w="28575">
+            <a:solidFill>
+              <a:schemeClr val="tx1"/>
+            </a:solidFill>
+          </a:ln>
+        </p:spPr>
+        <p:style>
+          <a:lnRef idx="1">
+            <a:schemeClr val="accent1"/>
+          </a:lnRef>
+          <a:fillRef idx="0">
+            <a:schemeClr val="accent1"/>
+          </a:fillRef>
+          <a:effectRef idx="0">
+            <a:schemeClr val="accent1"/>
+          </a:effectRef>
+          <a:fontRef idx="minor">
+            <a:schemeClr val="tx1"/>
+          </a:fontRef>
+        </p:style>
+      </p:cxnSp>
+      <p:cxnSp>
+        <p:nvCxnSpPr>
+          <p:cNvPr id="106" name="Connettore diritto 105">
+            <a:extLst>
+              <a:ext uri="{FF2B5EF4-FFF2-40B4-BE49-F238E27FC236}">
+                <a16:creationId xmlns:a16="http://schemas.microsoft.com/office/drawing/2014/main" id="{9E0B2FE4-367D-4CDD-A9C1-C290E49B12EC}"/>
+              </a:ext>
+            </a:extLst>
+          </p:cNvPr>
+          <p:cNvCxnSpPr>
+            <a:cxnSpLocks/>
+          </p:cNvCxnSpPr>
+          <p:nvPr/>
+        </p:nvCxnSpPr>
+        <p:spPr>
+          <a:xfrm>
+            <a:off x="6320082" y="5098308"/>
+            <a:ext cx="410707" cy="0"/>
+          </a:xfrm>
+          <a:prstGeom prst="line">
+            <a:avLst/>
+          </a:prstGeom>
+          <a:ln w="28575">
+            <a:solidFill>
+              <a:schemeClr val="tx1"/>
+            </a:solidFill>
+          </a:ln>
+        </p:spPr>
+        <p:style>
+          <a:lnRef idx="1">
+            <a:schemeClr val="accent1"/>
+          </a:lnRef>
+          <a:fillRef idx="0">
+            <a:schemeClr val="accent1"/>
+          </a:fillRef>
+          <a:effectRef idx="0">
+            <a:schemeClr val="accent1"/>
+          </a:effectRef>
+          <a:fontRef idx="minor">
+            <a:schemeClr val="tx1"/>
+          </a:fontRef>
+        </p:style>
+      </p:cxnSp>
+      <p:cxnSp>
+        <p:nvCxnSpPr>
+          <p:cNvPr id="108" name="Connettore diritto 107">
+            <a:extLst>
+              <a:ext uri="{FF2B5EF4-FFF2-40B4-BE49-F238E27FC236}">
+                <a16:creationId xmlns:a16="http://schemas.microsoft.com/office/drawing/2014/main" id="{ECCE40B2-AF9C-48C4-B80C-315DF3AED284}"/>
+              </a:ext>
+            </a:extLst>
+          </p:cNvPr>
+          <p:cNvCxnSpPr>
+            <a:cxnSpLocks/>
+          </p:cNvCxnSpPr>
+          <p:nvPr/>
+        </p:nvCxnSpPr>
+        <p:spPr>
+          <a:xfrm>
+            <a:off x="6230332" y="5598886"/>
+            <a:ext cx="500457" cy="0"/>
+          </a:xfrm>
+          <a:prstGeom prst="line">
+            <a:avLst/>
+          </a:prstGeom>
+          <a:ln w="28575">
+            <a:solidFill>
+              <a:schemeClr val="tx1"/>
+            </a:solidFill>
+          </a:ln>
+        </p:spPr>
+        <p:style>
+          <a:lnRef idx="1">
+            <a:schemeClr val="accent1"/>
+          </a:lnRef>
+          <a:fillRef idx="0">
+            <a:schemeClr val="accent1"/>
+          </a:fillRef>
+          <a:effectRef idx="0">
+            <a:schemeClr val="accent1"/>
+          </a:effectRef>
+          <a:fontRef idx="minor">
+            <a:schemeClr val="tx1"/>
+          </a:fontRef>
+        </p:style>
+      </p:cxnSp>
+      <p:cxnSp>
+        <p:nvCxnSpPr>
+          <p:cNvPr id="110" name="Connettore diritto 109">
+            <a:extLst>
+              <a:ext uri="{FF2B5EF4-FFF2-40B4-BE49-F238E27FC236}">
+                <a16:creationId xmlns:a16="http://schemas.microsoft.com/office/drawing/2014/main" id="{D6D6AC3B-B743-4ADD-969D-1DF7A09455E1}"/>
+              </a:ext>
+            </a:extLst>
+          </p:cNvPr>
+          <p:cNvCxnSpPr>
+            <a:cxnSpLocks/>
+          </p:cNvCxnSpPr>
+          <p:nvPr/>
+        </p:nvCxnSpPr>
+        <p:spPr>
+          <a:xfrm>
+            <a:off x="6230332" y="5583197"/>
+            <a:ext cx="0" cy="618875"/>
+          </a:xfrm>
+          <a:prstGeom prst="line">
+            <a:avLst/>
+          </a:prstGeom>
+          <a:ln w="28575">
+            <a:solidFill>
+              <a:schemeClr val="tx1"/>
+            </a:solidFill>
+          </a:ln>
+        </p:spPr>
+        <p:style>
+          <a:lnRef idx="1">
+            <a:schemeClr val="accent1"/>
+          </a:lnRef>
+          <a:fillRef idx="0">
+            <a:schemeClr val="accent1"/>
+          </a:fillRef>
+          <a:effectRef idx="0">
+            <a:schemeClr val="accent1"/>
+          </a:effectRef>
+          <a:fontRef idx="minor">
+            <a:schemeClr val="tx1"/>
+          </a:fontRef>
+        </p:style>
+      </p:cxnSp>
+      <p:cxnSp>
+        <p:nvCxnSpPr>
+          <p:cNvPr id="111" name="Connettore diritto 110">
+            <a:extLst>
+              <a:ext uri="{FF2B5EF4-FFF2-40B4-BE49-F238E27FC236}">
+                <a16:creationId xmlns:a16="http://schemas.microsoft.com/office/drawing/2014/main" id="{135890E8-B7A1-46BA-B4C4-AE5B876B7C6B}"/>
+              </a:ext>
+            </a:extLst>
+          </p:cNvPr>
+          <p:cNvCxnSpPr>
+            <a:cxnSpLocks/>
+          </p:cNvCxnSpPr>
+          <p:nvPr/>
+        </p:nvCxnSpPr>
+        <p:spPr>
+          <a:xfrm>
+            <a:off x="6230332" y="5586558"/>
+            <a:ext cx="0" cy="618875"/>
+          </a:xfrm>
+          <a:prstGeom prst="line">
+            <a:avLst/>
+          </a:prstGeom>
+          <a:ln w="28575">
+            <a:solidFill>
+              <a:schemeClr val="tx1"/>
+            </a:solidFill>
+          </a:ln>
+        </p:spPr>
+        <p:style>
+          <a:lnRef idx="1">
+            <a:schemeClr val="accent1"/>
+          </a:lnRef>
+          <a:fillRef idx="0">
+            <a:schemeClr val="accent1"/>
+          </a:fillRef>
+          <a:effectRef idx="0">
+            <a:schemeClr val="accent1"/>
+          </a:effectRef>
+          <a:fontRef idx="minor">
+            <a:schemeClr val="tx1"/>
+          </a:fontRef>
+        </p:style>
+      </p:cxnSp>
+      <p:cxnSp>
+        <p:nvCxnSpPr>
+          <p:cNvPr id="112" name="Connettore diritto 111">
+            <a:extLst>
+              <a:ext uri="{FF2B5EF4-FFF2-40B4-BE49-F238E27FC236}">
+                <a16:creationId xmlns:a16="http://schemas.microsoft.com/office/drawing/2014/main" id="{F99D1870-CADA-4EDA-85DC-8360BF198889}"/>
+              </a:ext>
+            </a:extLst>
+          </p:cNvPr>
+          <p:cNvCxnSpPr>
+            <a:cxnSpLocks/>
+          </p:cNvCxnSpPr>
+          <p:nvPr/>
+        </p:nvCxnSpPr>
+        <p:spPr>
+          <a:xfrm>
+            <a:off x="7291153" y="5104722"/>
+            <a:ext cx="684482" cy="0"/>
+          </a:xfrm>
+          <a:prstGeom prst="line">
+            <a:avLst/>
+          </a:prstGeom>
+          <a:ln w="28575">
+            <a:solidFill>
+              <a:schemeClr val="tx1"/>
+            </a:solidFill>
+          </a:ln>
+        </p:spPr>
+        <p:style>
+          <a:lnRef idx="1">
+            <a:schemeClr val="accent1"/>
+          </a:lnRef>
+          <a:fillRef idx="0">
+            <a:schemeClr val="accent1"/>
+          </a:fillRef>
+          <a:effectRef idx="0">
+            <a:schemeClr val="accent1"/>
+          </a:effectRef>
+          <a:fontRef idx="minor">
+            <a:schemeClr val="tx1"/>
+          </a:fontRef>
+        </p:style>
+      </p:cxnSp>
+      <p:sp>
+        <p:nvSpPr>
+          <p:cNvPr id="102" name="CasellaDiTesto 101">
+            <a:extLst>
+              <a:ext uri="{FF2B5EF4-FFF2-40B4-BE49-F238E27FC236}">
+                <a16:creationId xmlns:a16="http://schemas.microsoft.com/office/drawing/2014/main" id="{68AEFFDC-F02E-43A9-94ED-91ED3B9DB834}"/>
+              </a:ext>
+            </a:extLst>
+          </p:cNvPr>
+          <p:cNvSpPr txBox="1"/>
+          <p:nvPr/>
+        </p:nvSpPr>
+        <p:spPr>
+          <a:xfrm>
+            <a:off x="6835982" y="5050431"/>
+            <a:ext cx="463550" cy="369332"/>
+          </a:xfrm>
+          <a:prstGeom prst="rect">
+            <a:avLst/>
+          </a:prstGeom>
+          <a:noFill/>
+        </p:spPr>
+        <p:txBody>
+          <a:bodyPr wrap="square" rtlCol="0">
+            <a:spAutoFit/>
+          </a:bodyPr>
+          <a:lstStyle/>
+          <a:p>
+            <a:r>
+              <a:rPr lang="it-IT" dirty="0"/>
+              <a:t>D</a:t>
+            </a:r>
+          </a:p>
+        </p:txBody>
+      </p:sp>
+      <p:sp>
+        <p:nvSpPr>
+          <p:cNvPr id="113" name="CasellaDiTesto 112">
+            <a:extLst>
+              <a:ext uri="{FF2B5EF4-FFF2-40B4-BE49-F238E27FC236}">
+                <a16:creationId xmlns:a16="http://schemas.microsoft.com/office/drawing/2014/main" id="{8074848D-FF6A-4897-9545-8AA0248D9457}"/>
+              </a:ext>
+            </a:extLst>
+          </p:cNvPr>
+          <p:cNvSpPr txBox="1"/>
+          <p:nvPr/>
+        </p:nvSpPr>
+        <p:spPr>
+          <a:xfrm>
+            <a:off x="6021869" y="6153565"/>
+            <a:ext cx="1122149" cy="338554"/>
+          </a:xfrm>
+          <a:prstGeom prst="rect">
+            <a:avLst/>
+          </a:prstGeom>
+          <a:noFill/>
+        </p:spPr>
+        <p:txBody>
+          <a:bodyPr wrap="square" rtlCol="0">
+            <a:spAutoFit/>
+          </a:bodyPr>
+          <a:lstStyle/>
+          <a:p>
+            <a:r>
+              <a:rPr lang="it-IT" sz="1600" dirty="0" err="1"/>
+              <a:t>clk</a:t>
+            </a:r>
+            <a:endParaRPr lang="it-IT" sz="1600" dirty="0"/>
+          </a:p>
+        </p:txBody>
+      </p:sp>
+      <p:sp>
+        <p:nvSpPr>
+          <p:cNvPr id="114" name="CasellaDiTesto 113">
+            <a:extLst>
+              <a:ext uri="{FF2B5EF4-FFF2-40B4-BE49-F238E27FC236}">
+                <a16:creationId xmlns:a16="http://schemas.microsoft.com/office/drawing/2014/main" id="{521A71EA-F2E4-41DD-8AC5-54A7DF92420A}"/>
+              </a:ext>
+            </a:extLst>
+          </p:cNvPr>
+          <p:cNvSpPr txBox="1"/>
+          <p:nvPr/>
+        </p:nvSpPr>
+        <p:spPr>
+          <a:xfrm>
+            <a:off x="8017390" y="4896543"/>
+            <a:ext cx="412750" cy="338554"/>
+          </a:xfrm>
+          <a:prstGeom prst="rect">
+            <a:avLst/>
+          </a:prstGeom>
+          <a:noFill/>
+        </p:spPr>
+        <p:txBody>
+          <a:bodyPr wrap="square" rtlCol="0">
+            <a:spAutoFit/>
+          </a:bodyPr>
+          <a:lstStyle/>
+          <a:p>
+            <a:r>
+              <a:rPr lang="it-IT" sz="1600" dirty="0"/>
+              <a:t>z</a:t>
+            </a:r>
+          </a:p>
+        </p:txBody>
+      </p:sp>
+      <p:sp>
+        <p:nvSpPr>
+          <p:cNvPr id="117" name="CasellaDiTesto 116">
+            <a:extLst>
+              <a:ext uri="{FF2B5EF4-FFF2-40B4-BE49-F238E27FC236}">
+                <a16:creationId xmlns:a16="http://schemas.microsoft.com/office/drawing/2014/main" id="{724E0A68-7ED2-4349-AE91-1F210442E3BF}"/>
+              </a:ext>
+            </a:extLst>
+          </p:cNvPr>
+          <p:cNvSpPr txBox="1"/>
+          <p:nvPr/>
+        </p:nvSpPr>
+        <p:spPr>
+          <a:xfrm>
+            <a:off x="5298982" y="4658111"/>
+            <a:ext cx="412750" cy="338554"/>
+          </a:xfrm>
+          <a:prstGeom prst="rect">
+            <a:avLst/>
+          </a:prstGeom>
+          <a:noFill/>
+        </p:spPr>
+        <p:txBody>
+          <a:bodyPr wrap="square" rtlCol="0">
+            <a:spAutoFit/>
+          </a:bodyPr>
+          <a:lstStyle/>
+          <a:p>
+            <a:r>
+              <a:rPr lang="it-IT" sz="1600" dirty="0"/>
+              <a:t>x</a:t>
+            </a:r>
+          </a:p>
+        </p:txBody>
+      </p:sp>
+      <p:sp>
+        <p:nvSpPr>
+          <p:cNvPr id="118" name="CasellaDiTesto 117">
+            <a:extLst>
+              <a:ext uri="{FF2B5EF4-FFF2-40B4-BE49-F238E27FC236}">
+                <a16:creationId xmlns:a16="http://schemas.microsoft.com/office/drawing/2014/main" id="{7384363B-382A-4C2F-9CAF-F9D0EB020526}"/>
+              </a:ext>
+            </a:extLst>
+          </p:cNvPr>
+          <p:cNvSpPr txBox="1"/>
+          <p:nvPr/>
+        </p:nvSpPr>
+        <p:spPr>
+          <a:xfrm>
+            <a:off x="5279568" y="5074972"/>
+            <a:ext cx="412750" cy="338554"/>
+          </a:xfrm>
+          <a:prstGeom prst="rect">
+            <a:avLst/>
+          </a:prstGeom>
+          <a:noFill/>
+        </p:spPr>
+        <p:txBody>
+          <a:bodyPr wrap="square" rtlCol="0">
+            <a:spAutoFit/>
+          </a:bodyPr>
+          <a:lstStyle/>
+          <a:p>
+            <a:r>
+              <a:rPr lang="it-IT" sz="1600" dirty="0"/>
+              <a:t>y</a:t>
+            </a:r>
+          </a:p>
+        </p:txBody>
+      </p:sp>
+      <p:cxnSp>
+        <p:nvCxnSpPr>
+          <p:cNvPr id="120" name="Connettore diritto 119">
+            <a:extLst>
+              <a:ext uri="{FF2B5EF4-FFF2-40B4-BE49-F238E27FC236}">
+                <a16:creationId xmlns:a16="http://schemas.microsoft.com/office/drawing/2014/main" id="{6154437C-00E9-45BB-B62E-FB9EE524CC08}"/>
+              </a:ext>
+            </a:extLst>
+          </p:cNvPr>
+          <p:cNvCxnSpPr>
+            <a:cxnSpLocks/>
+          </p:cNvCxnSpPr>
+          <p:nvPr/>
+        </p:nvCxnSpPr>
+        <p:spPr>
+          <a:xfrm>
+            <a:off x="7010422" y="5796426"/>
+            <a:ext cx="0" cy="405646"/>
+          </a:xfrm>
+          <a:prstGeom prst="line">
+            <a:avLst/>
+          </a:prstGeom>
+          <a:ln w="28575">
+            <a:solidFill>
+              <a:schemeClr val="tx1"/>
+            </a:solidFill>
+          </a:ln>
+        </p:spPr>
+        <p:style>
+          <a:lnRef idx="1">
+            <a:schemeClr val="accent1"/>
+          </a:lnRef>
+          <a:fillRef idx="0">
+            <a:schemeClr val="accent1"/>
+          </a:fillRef>
+          <a:effectRef idx="0">
+            <a:schemeClr val="accent1"/>
+          </a:effectRef>
+          <a:fontRef idx="minor">
+            <a:schemeClr val="tx1"/>
+          </a:fontRef>
+        </p:style>
+      </p:cxnSp>
+      <p:sp>
+        <p:nvSpPr>
+          <p:cNvPr id="122" name="CasellaDiTesto 121">
+            <a:extLst>
+              <a:ext uri="{FF2B5EF4-FFF2-40B4-BE49-F238E27FC236}">
+                <a16:creationId xmlns:a16="http://schemas.microsoft.com/office/drawing/2014/main" id="{9B41BB0D-EDEE-480A-86F5-846E90C77EA3}"/>
+              </a:ext>
+            </a:extLst>
+          </p:cNvPr>
+          <p:cNvSpPr txBox="1"/>
+          <p:nvPr/>
+        </p:nvSpPr>
+        <p:spPr>
+          <a:xfrm>
+            <a:off x="6699411" y="6127322"/>
+            <a:ext cx="1122149" cy="338554"/>
+          </a:xfrm>
+          <a:prstGeom prst="rect">
+            <a:avLst/>
+          </a:prstGeom>
+          <a:noFill/>
+        </p:spPr>
+        <p:txBody>
+          <a:bodyPr wrap="square" rtlCol="0">
+            <a:spAutoFit/>
+          </a:bodyPr>
+          <a:lstStyle/>
+          <a:p>
+            <a:r>
+              <a:rPr lang="it-IT" sz="1600" dirty="0"/>
+              <a:t>preset</a:t>
+            </a:r>
+          </a:p>
+        </p:txBody>
+      </p:sp>
+      <p:cxnSp>
+        <p:nvCxnSpPr>
+          <p:cNvPr id="124" name="Connettore diritto 123">
+            <a:extLst>
+              <a:ext uri="{FF2B5EF4-FFF2-40B4-BE49-F238E27FC236}">
+                <a16:creationId xmlns:a16="http://schemas.microsoft.com/office/drawing/2014/main" id="{DFF862E1-F129-4288-975E-93144A6A0790}"/>
+              </a:ext>
+            </a:extLst>
+          </p:cNvPr>
+          <p:cNvCxnSpPr>
+            <a:cxnSpLocks/>
+          </p:cNvCxnSpPr>
+          <p:nvPr/>
+        </p:nvCxnSpPr>
+        <p:spPr>
+          <a:xfrm>
+            <a:off x="6180473" y="4337489"/>
+            <a:ext cx="0" cy="425906"/>
+          </a:xfrm>
+          <a:prstGeom prst="line">
+            <a:avLst/>
+          </a:prstGeom>
+          <a:ln w="28575">
+            <a:solidFill>
+              <a:schemeClr val="tx1"/>
+            </a:solidFill>
+          </a:ln>
+        </p:spPr>
+        <p:style>
+          <a:lnRef idx="1">
+            <a:schemeClr val="accent1"/>
+          </a:lnRef>
+          <a:fillRef idx="0">
+            <a:schemeClr val="accent1"/>
+          </a:fillRef>
+          <a:effectRef idx="0">
+            <a:schemeClr val="accent1"/>
+          </a:effectRef>
+          <a:fontRef idx="minor">
+            <a:schemeClr val="tx1"/>
+          </a:fontRef>
+        </p:style>
+      </p:cxnSp>
+      <p:sp>
+        <p:nvSpPr>
+          <p:cNvPr id="126" name="CasellaDiTesto 125">
+            <a:extLst>
+              <a:ext uri="{FF2B5EF4-FFF2-40B4-BE49-F238E27FC236}">
+                <a16:creationId xmlns:a16="http://schemas.microsoft.com/office/drawing/2014/main" id="{EC2D7A26-3582-4325-8960-B3F523E0BB2F}"/>
+              </a:ext>
+            </a:extLst>
+          </p:cNvPr>
+          <p:cNvSpPr txBox="1"/>
+          <p:nvPr/>
+        </p:nvSpPr>
+        <p:spPr>
+          <a:xfrm>
+            <a:off x="5959475" y="4011745"/>
+            <a:ext cx="412750" cy="338554"/>
+          </a:xfrm>
+          <a:prstGeom prst="rect">
+            <a:avLst/>
+          </a:prstGeom>
+          <a:noFill/>
+        </p:spPr>
+        <p:txBody>
+          <a:bodyPr wrap="square" rtlCol="0">
+            <a:spAutoFit/>
+          </a:bodyPr>
+          <a:lstStyle/>
+          <a:p>
+            <a:r>
+              <a:rPr lang="it-IT" sz="1600" dirty="0" err="1"/>
+              <a:t>sel</a:t>
+            </a:r>
+            <a:endParaRPr lang="it-IT" sz="1600" dirty="0"/>
+          </a:p>
+        </p:txBody>
+      </p:sp>
       <p:grpSp>
         <p:nvGrpSpPr>
-          <p:cNvPr id="121" name="Gruppo 120">
-            <a:extLst>
-              <a:ext uri="{FF2B5EF4-FFF2-40B4-BE49-F238E27FC236}">
-                <a16:creationId xmlns:a16="http://schemas.microsoft.com/office/drawing/2014/main" id="{E33E6062-9E88-4F0A-9AC9-1E079B52F03C}"/>
+          <p:cNvPr id="8" name="Gruppo 7">
+            <a:extLst>
+              <a:ext uri="{FF2B5EF4-FFF2-40B4-BE49-F238E27FC236}">
+                <a16:creationId xmlns:a16="http://schemas.microsoft.com/office/drawing/2014/main" id="{E2E74D1D-D638-4A99-A800-A6B6B70CE9DD}"/>
               </a:ext>
             </a:extLst>
           </p:cNvPr>
@@ -14080,18 +15252,18 @@
         </p:nvGrpSpPr>
         <p:grpSpPr>
           <a:xfrm>
-            <a:off x="5279568" y="4011745"/>
-            <a:ext cx="3150572" cy="2480374"/>
-            <a:chOff x="5003343" y="4226348"/>
-            <a:chExt cx="3150572" cy="2480374"/>
+            <a:off x="2814150" y="1315520"/>
+            <a:ext cx="358744" cy="580354"/>
+            <a:chOff x="1709531" y="4537013"/>
+            <a:chExt cx="559266" cy="929075"/>
           </a:xfrm>
         </p:grpSpPr>
         <p:sp>
           <p:nvSpPr>
-            <p:cNvPr id="52" name="Rettangolo 51">
+            <p:cNvPr id="180" name="Rettangolo 179">
               <a:extLst>
                 <a:ext uri="{FF2B5EF4-FFF2-40B4-BE49-F238E27FC236}">
-                  <a16:creationId xmlns:a16="http://schemas.microsoft.com/office/drawing/2014/main" id="{E370D36B-540E-489A-9A8D-3E64AE5C806B}"/>
+                  <a16:creationId xmlns:a16="http://schemas.microsoft.com/office/drawing/2014/main" id="{699A0F87-41BE-4027-A818-41EB42C32EA6}"/>
                 </a:ext>
               </a:extLst>
             </p:cNvPr>
@@ -14100,155 +15272,7 @@
           </p:nvSpPr>
           <p:spPr>
             <a:xfrm>
-              <a:off x="5412793" y="4668561"/>
-              <a:ext cx="2083542" cy="1619073"/>
-            </a:xfrm>
-            <a:prstGeom prst="rect">
-              <a:avLst/>
-            </a:prstGeom>
-            <a:solidFill>
-              <a:schemeClr val="bg1"/>
-            </a:solidFill>
-          </p:spPr>
-          <p:style>
-            <a:lnRef idx="2">
-              <a:schemeClr val="accent1">
-                <a:shade val="50000"/>
-              </a:schemeClr>
-            </a:lnRef>
-            <a:fillRef idx="1">
-              <a:schemeClr val="accent1"/>
-            </a:fillRef>
-            <a:effectRef idx="0">
-              <a:schemeClr val="accent1"/>
-            </a:effectRef>
-            <a:fontRef idx="minor">
-              <a:schemeClr val="lt1"/>
-            </a:fontRef>
-          </p:style>
-          <p:txBody>
-            <a:bodyPr rtlCol="0" anchor="ctr"/>
-            <a:lstStyle/>
-            <a:p>
-              <a:pPr algn="ctr"/>
-              <a:endParaRPr lang="it-IT"/>
-            </a:p>
-          </p:txBody>
-        </p:sp>
-        <p:sp>
-          <p:nvSpPr>
-            <p:cNvPr id="6" name="Trapezio 5">
-              <a:extLst>
-                <a:ext uri="{FF2B5EF4-FFF2-40B4-BE49-F238E27FC236}">
-                  <a16:creationId xmlns:a16="http://schemas.microsoft.com/office/drawing/2014/main" id="{03BF1403-DA23-47C5-B4D3-8AFFC30524EC}"/>
-                </a:ext>
-              </a:extLst>
-            </p:cNvPr>
-            <p:cNvSpPr/>
-            <p:nvPr/>
-          </p:nvSpPr>
-          <p:spPr>
-            <a:xfrm rot="5400000">
-              <a:off x="5518861" y="5155695"/>
-              <a:ext cx="770775" cy="279216"/>
-            </a:xfrm>
-            <a:prstGeom prst="trapezoid">
-              <a:avLst>
-                <a:gd name="adj" fmla="val 53379"/>
-              </a:avLst>
-            </a:prstGeom>
-            <a:solidFill>
-              <a:schemeClr val="bg1"/>
-            </a:solidFill>
-            <a:ln>
-              <a:solidFill>
-                <a:schemeClr val="tx1"/>
-              </a:solidFill>
-            </a:ln>
-          </p:spPr>
-          <p:style>
-            <a:lnRef idx="2">
-              <a:schemeClr val="accent1">
-                <a:shade val="50000"/>
-              </a:schemeClr>
-            </a:lnRef>
-            <a:fillRef idx="1">
-              <a:schemeClr val="accent1"/>
-            </a:fillRef>
-            <a:effectRef idx="0">
-              <a:schemeClr val="accent1"/>
-            </a:effectRef>
-            <a:fontRef idx="minor">
-              <a:schemeClr val="lt1"/>
-            </a:fontRef>
-          </p:style>
-          <p:txBody>
-            <a:bodyPr rtlCol="0" anchor="ctr"/>
-            <a:lstStyle/>
-            <a:p>
-              <a:pPr algn="ctr"/>
-              <a:endParaRPr lang="it-IT"/>
-            </a:p>
-          </p:txBody>
-        </p:sp>
-        <p:cxnSp>
-          <p:nvCxnSpPr>
-            <p:cNvPr id="97" name="Connettore diritto 96">
-              <a:extLst>
-                <a:ext uri="{FF2B5EF4-FFF2-40B4-BE49-F238E27FC236}">
-                  <a16:creationId xmlns:a16="http://schemas.microsoft.com/office/drawing/2014/main" id="{B5DBFEDA-3DB8-4F6D-A4D4-173FBEB161BF}"/>
-                </a:ext>
-              </a:extLst>
-            </p:cNvPr>
-            <p:cNvCxnSpPr>
-              <a:cxnSpLocks/>
-            </p:cNvCxnSpPr>
-            <p:nvPr/>
-          </p:nvCxnSpPr>
-          <p:spPr>
-            <a:xfrm>
-              <a:off x="5262260" y="5071611"/>
-              <a:ext cx="500457" cy="0"/>
-            </a:xfrm>
-            <a:prstGeom prst="line">
-              <a:avLst/>
-            </a:prstGeom>
-            <a:ln w="28575">
-              <a:solidFill>
-                <a:schemeClr val="tx1"/>
-              </a:solidFill>
-            </a:ln>
-          </p:spPr>
-          <p:style>
-            <a:lnRef idx="1">
-              <a:schemeClr val="accent1"/>
-            </a:lnRef>
-            <a:fillRef idx="0">
-              <a:schemeClr val="accent1"/>
-            </a:fillRef>
-            <a:effectRef idx="0">
-              <a:schemeClr val="accent1"/>
-            </a:effectRef>
-            <a:fontRef idx="minor">
-              <a:schemeClr val="tx1"/>
-            </a:fontRef>
-          </p:style>
-        </p:cxnSp>
-        <p:sp>
-          <p:nvSpPr>
-            <p:cNvPr id="51" name="Rettangolo 50">
-              <a:extLst>
-                <a:ext uri="{FF2B5EF4-FFF2-40B4-BE49-F238E27FC236}">
-                  <a16:creationId xmlns:a16="http://schemas.microsoft.com/office/drawing/2014/main" id="{352997FA-51B4-424F-86D0-F205796F55AC}"/>
-                </a:ext>
-              </a:extLst>
-            </p:cNvPr>
-            <p:cNvSpPr/>
-            <p:nvPr/>
-          </p:nvSpPr>
-          <p:spPr>
-            <a:xfrm>
-              <a:off x="6454564" y="5081954"/>
+              <a:off x="1709531" y="4537013"/>
               <a:ext cx="559266" cy="929075"/>
             </a:xfrm>
             <a:prstGeom prst="rect">
@@ -14290,10 +15314,10 @@
         </p:sp>
         <p:sp>
           <p:nvSpPr>
-            <p:cNvPr id="101" name="Triangolo isoscele 100">
+            <p:cNvPr id="182" name="Triangolo isoscele 181">
               <a:extLst>
                 <a:ext uri="{FF2B5EF4-FFF2-40B4-BE49-F238E27FC236}">
-                  <a16:creationId xmlns:a16="http://schemas.microsoft.com/office/drawing/2014/main" id="{08369D79-470B-4FC1-8A7C-FA980CF1ABC5}"/>
+                  <a16:creationId xmlns:a16="http://schemas.microsoft.com/office/drawing/2014/main" id="{D039CD66-8EDF-4D31-8FBA-4DE398EB038F}"/>
                 </a:ext>
               </a:extLst>
             </p:cNvPr>
@@ -14302,7 +15326,7 @@
           </p:nvSpPr>
           <p:spPr>
             <a:xfrm rot="5400000">
-              <a:off x="6436589" y="5744280"/>
+              <a:off x="1691556" y="5199339"/>
               <a:ext cx="174369" cy="138419"/>
             </a:xfrm>
             <a:prstGeom prst="triangle">
@@ -14344,10 +15368,10 @@
         </p:sp>
         <p:sp>
           <p:nvSpPr>
-            <p:cNvPr id="54" name="CasellaDiTesto 53">
+            <p:cNvPr id="183" name="CasellaDiTesto 182">
               <a:extLst>
                 <a:ext uri="{FF2B5EF4-FFF2-40B4-BE49-F238E27FC236}">
-                  <a16:creationId xmlns:a16="http://schemas.microsoft.com/office/drawing/2014/main" id="{C7C08143-3D2B-4872-BF83-CD4C1783A0CB}"/>
+                  <a16:creationId xmlns:a16="http://schemas.microsoft.com/office/drawing/2014/main" id="{5E78144D-A229-40B6-AEDD-072F52022244}"/>
                 </a:ext>
               </a:extLst>
             </p:cNvPr>
@@ -14356,381 +15380,8 @@
           </p:nvSpPr>
           <p:spPr>
             <a:xfrm>
-              <a:off x="5750017" y="4972136"/>
-              <a:ext cx="279216" cy="646331"/>
-            </a:xfrm>
-            <a:prstGeom prst="rect">
-              <a:avLst/>
-            </a:prstGeom>
-            <a:noFill/>
-          </p:spPr>
-          <p:txBody>
-            <a:bodyPr wrap="square" rtlCol="0">
-              <a:spAutoFit/>
-            </a:bodyPr>
-            <a:lstStyle/>
-            <a:p>
-              <a:r>
-                <a:rPr lang="it-IT" sz="1200" dirty="0"/>
-                <a:t>0</a:t>
-              </a:r>
-            </a:p>
-            <a:p>
-              <a:endParaRPr lang="it-IT" sz="1200" dirty="0"/>
-            </a:p>
-            <a:p>
-              <a:r>
-                <a:rPr lang="it-IT" sz="1200" dirty="0"/>
-                <a:t>1</a:t>
-              </a:r>
-            </a:p>
-          </p:txBody>
-        </p:sp>
-        <p:cxnSp>
-          <p:nvCxnSpPr>
-            <p:cNvPr id="103" name="Connettore diritto 102">
-              <a:extLst>
-                <a:ext uri="{FF2B5EF4-FFF2-40B4-BE49-F238E27FC236}">
-                  <a16:creationId xmlns:a16="http://schemas.microsoft.com/office/drawing/2014/main" id="{D0BEBC21-68CD-4B39-B6F1-017984ED3637}"/>
-                </a:ext>
-              </a:extLst>
-            </p:cNvPr>
-            <p:cNvCxnSpPr>
-              <a:cxnSpLocks/>
-            </p:cNvCxnSpPr>
-            <p:nvPr/>
-          </p:nvCxnSpPr>
-          <p:spPr>
-            <a:xfrm>
-              <a:off x="5264183" y="5471661"/>
-              <a:ext cx="500457" cy="0"/>
-            </a:xfrm>
-            <a:prstGeom prst="line">
-              <a:avLst/>
-            </a:prstGeom>
-            <a:ln w="28575">
-              <a:solidFill>
-                <a:schemeClr val="tx1"/>
-              </a:solidFill>
-            </a:ln>
-          </p:spPr>
-          <p:style>
-            <a:lnRef idx="1">
-              <a:schemeClr val="accent1"/>
-            </a:lnRef>
-            <a:fillRef idx="0">
-              <a:schemeClr val="accent1"/>
-            </a:fillRef>
-            <a:effectRef idx="0">
-              <a:schemeClr val="accent1"/>
-            </a:effectRef>
-            <a:fontRef idx="minor">
-              <a:schemeClr val="tx1"/>
-            </a:fontRef>
-          </p:style>
-        </p:cxnSp>
-        <p:cxnSp>
-          <p:nvCxnSpPr>
-            <p:cNvPr id="106" name="Connettore diritto 105">
-              <a:extLst>
-                <a:ext uri="{FF2B5EF4-FFF2-40B4-BE49-F238E27FC236}">
-                  <a16:creationId xmlns:a16="http://schemas.microsoft.com/office/drawing/2014/main" id="{9E0B2FE4-367D-4CDD-A9C1-C290E49B12EC}"/>
-                </a:ext>
-              </a:extLst>
-            </p:cNvPr>
-            <p:cNvCxnSpPr>
-              <a:cxnSpLocks/>
-            </p:cNvCxnSpPr>
-            <p:nvPr/>
-          </p:nvCxnSpPr>
-          <p:spPr>
-            <a:xfrm>
-              <a:off x="6043857" y="5312911"/>
-              <a:ext cx="410707" cy="0"/>
-            </a:xfrm>
-            <a:prstGeom prst="line">
-              <a:avLst/>
-            </a:prstGeom>
-            <a:ln w="28575">
-              <a:solidFill>
-                <a:schemeClr val="tx1"/>
-              </a:solidFill>
-            </a:ln>
-          </p:spPr>
-          <p:style>
-            <a:lnRef idx="1">
-              <a:schemeClr val="accent1"/>
-            </a:lnRef>
-            <a:fillRef idx="0">
-              <a:schemeClr val="accent1"/>
-            </a:fillRef>
-            <a:effectRef idx="0">
-              <a:schemeClr val="accent1"/>
-            </a:effectRef>
-            <a:fontRef idx="minor">
-              <a:schemeClr val="tx1"/>
-            </a:fontRef>
-          </p:style>
-        </p:cxnSp>
-        <p:cxnSp>
-          <p:nvCxnSpPr>
-            <p:cNvPr id="108" name="Connettore diritto 107">
-              <a:extLst>
-                <a:ext uri="{FF2B5EF4-FFF2-40B4-BE49-F238E27FC236}">
-                  <a16:creationId xmlns:a16="http://schemas.microsoft.com/office/drawing/2014/main" id="{ECCE40B2-AF9C-48C4-B80C-315DF3AED284}"/>
-                </a:ext>
-              </a:extLst>
-            </p:cNvPr>
-            <p:cNvCxnSpPr>
-              <a:cxnSpLocks/>
-            </p:cNvCxnSpPr>
-            <p:nvPr/>
-          </p:nvCxnSpPr>
-          <p:spPr>
-            <a:xfrm>
-              <a:off x="5954107" y="5813489"/>
-              <a:ext cx="500457" cy="0"/>
-            </a:xfrm>
-            <a:prstGeom prst="line">
-              <a:avLst/>
-            </a:prstGeom>
-            <a:ln w="28575">
-              <a:solidFill>
-                <a:schemeClr val="tx1"/>
-              </a:solidFill>
-            </a:ln>
-          </p:spPr>
-          <p:style>
-            <a:lnRef idx="1">
-              <a:schemeClr val="accent1"/>
-            </a:lnRef>
-            <a:fillRef idx="0">
-              <a:schemeClr val="accent1"/>
-            </a:fillRef>
-            <a:effectRef idx="0">
-              <a:schemeClr val="accent1"/>
-            </a:effectRef>
-            <a:fontRef idx="minor">
-              <a:schemeClr val="tx1"/>
-            </a:fontRef>
-          </p:style>
-        </p:cxnSp>
-        <p:cxnSp>
-          <p:nvCxnSpPr>
-            <p:cNvPr id="110" name="Connettore diritto 109">
-              <a:extLst>
-                <a:ext uri="{FF2B5EF4-FFF2-40B4-BE49-F238E27FC236}">
-                  <a16:creationId xmlns:a16="http://schemas.microsoft.com/office/drawing/2014/main" id="{D6D6AC3B-B743-4ADD-969D-1DF7A09455E1}"/>
-                </a:ext>
-              </a:extLst>
-            </p:cNvPr>
-            <p:cNvCxnSpPr>
-              <a:cxnSpLocks/>
-            </p:cNvCxnSpPr>
-            <p:nvPr/>
-          </p:nvCxnSpPr>
-          <p:spPr>
-            <a:xfrm>
-              <a:off x="5954107" y="5797800"/>
-              <a:ext cx="0" cy="618875"/>
-            </a:xfrm>
-            <a:prstGeom prst="line">
-              <a:avLst/>
-            </a:prstGeom>
-            <a:ln w="28575">
-              <a:solidFill>
-                <a:schemeClr val="tx1"/>
-              </a:solidFill>
-            </a:ln>
-          </p:spPr>
-          <p:style>
-            <a:lnRef idx="1">
-              <a:schemeClr val="accent1"/>
-            </a:lnRef>
-            <a:fillRef idx="0">
-              <a:schemeClr val="accent1"/>
-            </a:fillRef>
-            <a:effectRef idx="0">
-              <a:schemeClr val="accent1"/>
-            </a:effectRef>
-            <a:fontRef idx="minor">
-              <a:schemeClr val="tx1"/>
-            </a:fontRef>
-          </p:style>
-        </p:cxnSp>
-        <p:cxnSp>
-          <p:nvCxnSpPr>
-            <p:cNvPr id="111" name="Connettore diritto 110">
-              <a:extLst>
-                <a:ext uri="{FF2B5EF4-FFF2-40B4-BE49-F238E27FC236}">
-                  <a16:creationId xmlns:a16="http://schemas.microsoft.com/office/drawing/2014/main" id="{135890E8-B7A1-46BA-B4C4-AE5B876B7C6B}"/>
-                </a:ext>
-              </a:extLst>
-            </p:cNvPr>
-            <p:cNvCxnSpPr>
-              <a:cxnSpLocks/>
-            </p:cNvCxnSpPr>
-            <p:nvPr/>
-          </p:nvCxnSpPr>
-          <p:spPr>
-            <a:xfrm>
-              <a:off x="5954107" y="5801161"/>
-              <a:ext cx="0" cy="618875"/>
-            </a:xfrm>
-            <a:prstGeom prst="line">
-              <a:avLst/>
-            </a:prstGeom>
-            <a:ln w="28575">
-              <a:solidFill>
-                <a:schemeClr val="tx1"/>
-              </a:solidFill>
-            </a:ln>
-          </p:spPr>
-          <p:style>
-            <a:lnRef idx="1">
-              <a:schemeClr val="accent1"/>
-            </a:lnRef>
-            <a:fillRef idx="0">
-              <a:schemeClr val="accent1"/>
-            </a:fillRef>
-            <a:effectRef idx="0">
-              <a:schemeClr val="accent1"/>
-            </a:effectRef>
-            <a:fontRef idx="minor">
-              <a:schemeClr val="tx1"/>
-            </a:fontRef>
-          </p:style>
-        </p:cxnSp>
-        <p:cxnSp>
-          <p:nvCxnSpPr>
-            <p:cNvPr id="112" name="Connettore diritto 111">
-              <a:extLst>
-                <a:ext uri="{FF2B5EF4-FFF2-40B4-BE49-F238E27FC236}">
-                  <a16:creationId xmlns:a16="http://schemas.microsoft.com/office/drawing/2014/main" id="{F99D1870-CADA-4EDA-85DC-8360BF198889}"/>
-                </a:ext>
-              </a:extLst>
-            </p:cNvPr>
-            <p:cNvCxnSpPr>
-              <a:cxnSpLocks/>
-            </p:cNvCxnSpPr>
-            <p:nvPr/>
-          </p:nvCxnSpPr>
-          <p:spPr>
-            <a:xfrm>
-              <a:off x="7014928" y="5319325"/>
-              <a:ext cx="684482" cy="0"/>
-            </a:xfrm>
-            <a:prstGeom prst="line">
-              <a:avLst/>
-            </a:prstGeom>
-            <a:ln w="28575">
-              <a:solidFill>
-                <a:schemeClr val="tx1"/>
-              </a:solidFill>
-            </a:ln>
-          </p:spPr>
-          <p:style>
-            <a:lnRef idx="1">
-              <a:schemeClr val="accent1"/>
-            </a:lnRef>
-            <a:fillRef idx="0">
-              <a:schemeClr val="accent1"/>
-            </a:fillRef>
-            <a:effectRef idx="0">
-              <a:schemeClr val="accent1"/>
-            </a:effectRef>
-            <a:fontRef idx="minor">
-              <a:schemeClr val="tx1"/>
-            </a:fontRef>
-          </p:style>
-        </p:cxnSp>
-        <p:sp>
-          <p:nvSpPr>
-            <p:cNvPr id="102" name="CasellaDiTesto 101">
-              <a:extLst>
-                <a:ext uri="{FF2B5EF4-FFF2-40B4-BE49-F238E27FC236}">
-                  <a16:creationId xmlns:a16="http://schemas.microsoft.com/office/drawing/2014/main" id="{68AEFFDC-F02E-43A9-94ED-91ED3B9DB834}"/>
-                </a:ext>
-              </a:extLst>
-            </p:cNvPr>
-            <p:cNvSpPr txBox="1"/>
-            <p:nvPr/>
-          </p:nvSpPr>
-          <p:spPr>
-            <a:xfrm>
-              <a:off x="6559757" y="5265034"/>
-              <a:ext cx="463550" cy="369332"/>
-            </a:xfrm>
-            <a:prstGeom prst="rect">
-              <a:avLst/>
-            </a:prstGeom>
-            <a:noFill/>
-          </p:spPr>
-          <p:txBody>
-            <a:bodyPr wrap="square" rtlCol="0">
-              <a:spAutoFit/>
-            </a:bodyPr>
-            <a:lstStyle/>
-            <a:p>
-              <a:r>
-                <a:rPr lang="it-IT" dirty="0"/>
-                <a:t>D</a:t>
-              </a:r>
-            </a:p>
-          </p:txBody>
-        </p:sp>
-        <p:sp>
-          <p:nvSpPr>
-            <p:cNvPr id="113" name="CasellaDiTesto 112">
-              <a:extLst>
-                <a:ext uri="{FF2B5EF4-FFF2-40B4-BE49-F238E27FC236}">
-                  <a16:creationId xmlns:a16="http://schemas.microsoft.com/office/drawing/2014/main" id="{8074848D-FF6A-4897-9545-8AA0248D9457}"/>
-                </a:ext>
-              </a:extLst>
-            </p:cNvPr>
-            <p:cNvSpPr txBox="1"/>
-            <p:nvPr/>
-          </p:nvSpPr>
-          <p:spPr>
-            <a:xfrm>
-              <a:off x="5745644" y="6368168"/>
-              <a:ext cx="1122149" cy="338554"/>
-            </a:xfrm>
-            <a:prstGeom prst="rect">
-              <a:avLst/>
-            </a:prstGeom>
-            <a:noFill/>
-          </p:spPr>
-          <p:txBody>
-            <a:bodyPr wrap="square" rtlCol="0">
-              <a:spAutoFit/>
-            </a:bodyPr>
-            <a:lstStyle/>
-            <a:p>
-              <a:r>
-                <a:rPr lang="it-IT" sz="1600" dirty="0" err="1"/>
-                <a:t>clk</a:t>
-              </a:r>
-              <a:endParaRPr lang="it-IT" sz="1600" dirty="0"/>
-            </a:p>
-          </p:txBody>
-        </p:sp>
-        <p:sp>
-          <p:nvSpPr>
-            <p:cNvPr id="114" name="CasellaDiTesto 113">
-              <a:extLst>
-                <a:ext uri="{FF2B5EF4-FFF2-40B4-BE49-F238E27FC236}">
-                  <a16:creationId xmlns:a16="http://schemas.microsoft.com/office/drawing/2014/main" id="{521A71EA-F2E4-41DD-8AC5-54A7DF92420A}"/>
-                </a:ext>
-              </a:extLst>
-            </p:cNvPr>
-            <p:cNvSpPr txBox="1"/>
-            <p:nvPr/>
-          </p:nvSpPr>
-          <p:spPr>
-            <a:xfrm>
-              <a:off x="7741165" y="5111146"/>
-              <a:ext cx="412750" cy="338554"/>
+              <a:off x="1752610" y="4613519"/>
+              <a:ext cx="463549" cy="541983"/>
             </a:xfrm>
             <a:prstGeom prst="rect">
               <a:avLst/>
@@ -14745,235 +15396,8 @@
             <a:p>
               <a:r>
                 <a:rPr lang="it-IT" sz="1600" dirty="0"/>
-                <a:t>z</a:t>
+                <a:t>D</a:t>
               </a:r>
-            </a:p>
-          </p:txBody>
-        </p:sp>
-        <p:sp>
-          <p:nvSpPr>
-            <p:cNvPr id="117" name="CasellaDiTesto 116">
-              <a:extLst>
-                <a:ext uri="{FF2B5EF4-FFF2-40B4-BE49-F238E27FC236}">
-                  <a16:creationId xmlns:a16="http://schemas.microsoft.com/office/drawing/2014/main" id="{724E0A68-7ED2-4349-AE91-1F210442E3BF}"/>
-                </a:ext>
-              </a:extLst>
-            </p:cNvPr>
-            <p:cNvSpPr txBox="1"/>
-            <p:nvPr/>
-          </p:nvSpPr>
-          <p:spPr>
-            <a:xfrm>
-              <a:off x="5022757" y="4872714"/>
-              <a:ext cx="412750" cy="338554"/>
-            </a:xfrm>
-            <a:prstGeom prst="rect">
-              <a:avLst/>
-            </a:prstGeom>
-            <a:noFill/>
-          </p:spPr>
-          <p:txBody>
-            <a:bodyPr wrap="square" rtlCol="0">
-              <a:spAutoFit/>
-            </a:bodyPr>
-            <a:lstStyle/>
-            <a:p>
-              <a:r>
-                <a:rPr lang="it-IT" sz="1600" dirty="0"/>
-                <a:t>x</a:t>
-              </a:r>
-            </a:p>
-          </p:txBody>
-        </p:sp>
-        <p:sp>
-          <p:nvSpPr>
-            <p:cNvPr id="118" name="CasellaDiTesto 117">
-              <a:extLst>
-                <a:ext uri="{FF2B5EF4-FFF2-40B4-BE49-F238E27FC236}">
-                  <a16:creationId xmlns:a16="http://schemas.microsoft.com/office/drawing/2014/main" id="{7384363B-382A-4C2F-9CAF-F9D0EB020526}"/>
-                </a:ext>
-              </a:extLst>
-            </p:cNvPr>
-            <p:cNvSpPr txBox="1"/>
-            <p:nvPr/>
-          </p:nvSpPr>
-          <p:spPr>
-            <a:xfrm>
-              <a:off x="5003343" y="5289575"/>
-              <a:ext cx="412750" cy="338554"/>
-            </a:xfrm>
-            <a:prstGeom prst="rect">
-              <a:avLst/>
-            </a:prstGeom>
-            <a:noFill/>
-          </p:spPr>
-          <p:txBody>
-            <a:bodyPr wrap="square" rtlCol="0">
-              <a:spAutoFit/>
-            </a:bodyPr>
-            <a:lstStyle/>
-            <a:p>
-              <a:r>
-                <a:rPr lang="it-IT" sz="1600" dirty="0"/>
-                <a:t>y</a:t>
-              </a:r>
-            </a:p>
-          </p:txBody>
-        </p:sp>
-        <p:cxnSp>
-          <p:nvCxnSpPr>
-            <p:cNvPr id="120" name="Connettore diritto 119">
-              <a:extLst>
-                <a:ext uri="{FF2B5EF4-FFF2-40B4-BE49-F238E27FC236}">
-                  <a16:creationId xmlns:a16="http://schemas.microsoft.com/office/drawing/2014/main" id="{6154437C-00E9-45BB-B62E-FB9EE524CC08}"/>
-                </a:ext>
-              </a:extLst>
-            </p:cNvPr>
-            <p:cNvCxnSpPr>
-              <a:cxnSpLocks/>
-            </p:cNvCxnSpPr>
-            <p:nvPr/>
-          </p:nvCxnSpPr>
-          <p:spPr>
-            <a:xfrm>
-              <a:off x="6734197" y="6011029"/>
-              <a:ext cx="0" cy="405646"/>
-            </a:xfrm>
-            <a:prstGeom prst="line">
-              <a:avLst/>
-            </a:prstGeom>
-            <a:ln w="28575">
-              <a:solidFill>
-                <a:schemeClr val="tx1"/>
-              </a:solidFill>
-            </a:ln>
-          </p:spPr>
-          <p:style>
-            <a:lnRef idx="1">
-              <a:schemeClr val="accent1"/>
-            </a:lnRef>
-            <a:fillRef idx="0">
-              <a:schemeClr val="accent1"/>
-            </a:fillRef>
-            <a:effectRef idx="0">
-              <a:schemeClr val="accent1"/>
-            </a:effectRef>
-            <a:fontRef idx="minor">
-              <a:schemeClr val="tx1"/>
-            </a:fontRef>
-          </p:style>
-        </p:cxnSp>
-        <p:sp>
-          <p:nvSpPr>
-            <p:cNvPr id="122" name="CasellaDiTesto 121">
-              <a:extLst>
-                <a:ext uri="{FF2B5EF4-FFF2-40B4-BE49-F238E27FC236}">
-                  <a16:creationId xmlns:a16="http://schemas.microsoft.com/office/drawing/2014/main" id="{9B41BB0D-EDEE-480A-86F5-846E90C77EA3}"/>
-                </a:ext>
-              </a:extLst>
-            </p:cNvPr>
-            <p:cNvSpPr txBox="1"/>
-            <p:nvPr/>
-          </p:nvSpPr>
-          <p:spPr>
-            <a:xfrm>
-              <a:off x="6423186" y="6341925"/>
-              <a:ext cx="1122149" cy="338554"/>
-            </a:xfrm>
-            <a:prstGeom prst="rect">
-              <a:avLst/>
-            </a:prstGeom>
-            <a:noFill/>
-          </p:spPr>
-          <p:txBody>
-            <a:bodyPr wrap="square" rtlCol="0">
-              <a:spAutoFit/>
-            </a:bodyPr>
-            <a:lstStyle/>
-            <a:p>
-              <a:r>
-                <a:rPr lang="it-IT" sz="1600" dirty="0"/>
-                <a:t>preset</a:t>
-              </a:r>
-            </a:p>
-          </p:txBody>
-        </p:sp>
-        <p:cxnSp>
-          <p:nvCxnSpPr>
-            <p:cNvPr id="124" name="Connettore diritto 123">
-              <a:extLst>
-                <a:ext uri="{FF2B5EF4-FFF2-40B4-BE49-F238E27FC236}">
-                  <a16:creationId xmlns:a16="http://schemas.microsoft.com/office/drawing/2014/main" id="{DFF862E1-F129-4288-975E-93144A6A0790}"/>
-                </a:ext>
-              </a:extLst>
-            </p:cNvPr>
-            <p:cNvCxnSpPr>
-              <a:cxnSpLocks/>
-            </p:cNvCxnSpPr>
-            <p:nvPr/>
-          </p:nvCxnSpPr>
-          <p:spPr>
-            <a:xfrm>
-              <a:off x="5904248" y="4552092"/>
-              <a:ext cx="0" cy="425906"/>
-            </a:xfrm>
-            <a:prstGeom prst="line">
-              <a:avLst/>
-            </a:prstGeom>
-            <a:ln w="28575">
-              <a:solidFill>
-                <a:schemeClr val="tx1"/>
-              </a:solidFill>
-            </a:ln>
-          </p:spPr>
-          <p:style>
-            <a:lnRef idx="1">
-              <a:schemeClr val="accent1"/>
-            </a:lnRef>
-            <a:fillRef idx="0">
-              <a:schemeClr val="accent1"/>
-            </a:fillRef>
-            <a:effectRef idx="0">
-              <a:schemeClr val="accent1"/>
-            </a:effectRef>
-            <a:fontRef idx="minor">
-              <a:schemeClr val="tx1"/>
-            </a:fontRef>
-          </p:style>
-        </p:cxnSp>
-        <p:sp>
-          <p:nvSpPr>
-            <p:cNvPr id="126" name="CasellaDiTesto 125">
-              <a:extLst>
-                <a:ext uri="{FF2B5EF4-FFF2-40B4-BE49-F238E27FC236}">
-                  <a16:creationId xmlns:a16="http://schemas.microsoft.com/office/drawing/2014/main" id="{EC2D7A26-3582-4325-8960-B3F523E0BB2F}"/>
-                </a:ext>
-              </a:extLst>
-            </p:cNvPr>
-            <p:cNvSpPr txBox="1"/>
-            <p:nvPr/>
-          </p:nvSpPr>
-          <p:spPr>
-            <a:xfrm>
-              <a:off x="5683250" y="4226348"/>
-              <a:ext cx="412750" cy="338554"/>
-            </a:xfrm>
-            <a:prstGeom prst="rect">
-              <a:avLst/>
-            </a:prstGeom>
-            <a:noFill/>
-          </p:spPr>
-          <p:txBody>
-            <a:bodyPr wrap="square" rtlCol="0">
-              <a:spAutoFit/>
-            </a:bodyPr>
-            <a:lstStyle/>
-            <a:p>
-              <a:r>
-                <a:rPr lang="it-IT" sz="1600" dirty="0" err="1"/>
-                <a:t>sel</a:t>
-              </a:r>
-              <a:endParaRPr lang="it-IT" sz="1600" dirty="0"/>
             </a:p>
           </p:txBody>
         </p:sp>
@@ -14994,7 +15418,7 @@
         </p:nvCxnSpPr>
         <p:spPr>
           <a:xfrm>
-            <a:off x="3467218" y="1926099"/>
+            <a:off x="5212130" y="1926099"/>
             <a:ext cx="297361" cy="0"/>
           </a:xfrm>
           <a:prstGeom prst="line">
@@ -15037,7 +15461,7 @@
         </p:nvCxnSpPr>
         <p:spPr>
           <a:xfrm>
-            <a:off x="4126164" y="1926099"/>
+            <a:off x="5871076" y="1926099"/>
             <a:ext cx="297361" cy="0"/>
           </a:xfrm>
           <a:prstGeom prst="line">
@@ -15080,7 +15504,7 @@
         </p:nvCxnSpPr>
         <p:spPr>
           <a:xfrm>
-            <a:off x="4838818" y="1913399"/>
+            <a:off x="6583730" y="1913399"/>
             <a:ext cx="297361" cy="0"/>
           </a:xfrm>
           <a:prstGeom prst="line">
@@ -15123,7 +15547,7 @@
         </p:nvCxnSpPr>
         <p:spPr>
           <a:xfrm>
-            <a:off x="5486518" y="1907049"/>
+            <a:off x="7231430" y="1907049"/>
             <a:ext cx="297361" cy="0"/>
           </a:xfrm>
           <a:prstGeom prst="line">
@@ -15166,7 +15590,7 @@
         </p:nvCxnSpPr>
         <p:spPr>
           <a:xfrm>
-            <a:off x="6178668" y="1913399"/>
+            <a:off x="7923580" y="1913399"/>
             <a:ext cx="297361" cy="0"/>
           </a:xfrm>
           <a:prstGeom prst="line">
@@ -15209,7 +15633,7 @@
         </p:nvCxnSpPr>
         <p:spPr>
           <a:xfrm>
-            <a:off x="6832718" y="1926099"/>
+            <a:off x="8577630" y="1926099"/>
             <a:ext cx="297361" cy="0"/>
           </a:xfrm>
           <a:prstGeom prst="line">
@@ -15252,7 +15676,7 @@
         </p:nvCxnSpPr>
         <p:spPr>
           <a:xfrm>
-            <a:off x="7486768" y="1926099"/>
+            <a:off x="9231680" y="1926099"/>
             <a:ext cx="297361" cy="0"/>
           </a:xfrm>
           <a:prstGeom prst="line">
@@ -15295,7 +15719,7 @@
         </p:nvCxnSpPr>
         <p:spPr>
           <a:xfrm>
-            <a:off x="8166218" y="1926099"/>
+            <a:off x="9911130" y="1926099"/>
             <a:ext cx="297361" cy="0"/>
           </a:xfrm>
           <a:prstGeom prst="line">
@@ -15338,7 +15762,7 @@
         </p:nvCxnSpPr>
         <p:spPr>
           <a:xfrm>
-            <a:off x="2749668" y="1926099"/>
+            <a:off x="4494580" y="1926099"/>
             <a:ext cx="297361" cy="0"/>
           </a:xfrm>
           <a:prstGeom prst="line">
@@ -15424,8 +15848,8 @@
         </p:nvCxnSpPr>
         <p:spPr>
           <a:xfrm flipV="1">
-            <a:off x="1850399" y="1007965"/>
-            <a:ext cx="6285406" cy="7839"/>
+            <a:off x="1850399" y="1008307"/>
+            <a:ext cx="8025252" cy="7498"/>
           </a:xfrm>
           <a:prstGeom prst="line">
             <a:avLst/>
@@ -15463,7 +15887,7 @@
         </p:nvCxnSpPr>
         <p:spPr>
           <a:xfrm>
-            <a:off x="3412683" y="1013734"/>
+            <a:off x="5157595" y="1013734"/>
             <a:ext cx="0" cy="647499"/>
           </a:xfrm>
           <a:prstGeom prst="line">
@@ -15502,7 +15926,7 @@
         </p:nvCxnSpPr>
         <p:spPr>
           <a:xfrm>
-            <a:off x="4727133" y="1013734"/>
+            <a:off x="6472045" y="1013734"/>
             <a:ext cx="0" cy="654647"/>
           </a:xfrm>
           <a:prstGeom prst="line">
@@ -15541,7 +15965,7 @@
         </p:nvCxnSpPr>
         <p:spPr>
           <a:xfrm>
-            <a:off x="6047933" y="1013734"/>
+            <a:off x="7792845" y="1013734"/>
             <a:ext cx="0" cy="652270"/>
           </a:xfrm>
           <a:prstGeom prst="line">
@@ -15580,7 +16004,7 @@
         </p:nvCxnSpPr>
         <p:spPr>
           <a:xfrm>
-            <a:off x="7486768" y="1013734"/>
+            <a:off x="9231680" y="1013734"/>
             <a:ext cx="0" cy="654647"/>
           </a:xfrm>
           <a:prstGeom prst="line">
@@ -15619,7 +16043,7 @@
         </p:nvCxnSpPr>
         <p:spPr>
           <a:xfrm>
-            <a:off x="6769468" y="1013734"/>
+            <a:off x="8514380" y="1013734"/>
             <a:ext cx="0" cy="647498"/>
           </a:xfrm>
           <a:prstGeom prst="line">
@@ -15658,7 +16082,7 @@
         </p:nvCxnSpPr>
         <p:spPr>
           <a:xfrm>
-            <a:off x="4126164" y="1040083"/>
+            <a:off x="5871076" y="1040083"/>
             <a:ext cx="0" cy="614002"/>
           </a:xfrm>
           <a:prstGeom prst="line">
@@ -15697,7 +16121,7 @@
         </p:nvCxnSpPr>
         <p:spPr>
           <a:xfrm>
-            <a:off x="5420430" y="1013734"/>
+            <a:off x="7165342" y="1013734"/>
             <a:ext cx="0" cy="648297"/>
           </a:xfrm>
           <a:prstGeom prst="line">
@@ -15736,7 +16160,7 @@
         </p:nvCxnSpPr>
         <p:spPr>
           <a:xfrm>
-            <a:off x="8135805" y="1006850"/>
+            <a:off x="9880717" y="1006850"/>
             <a:ext cx="0" cy="647235"/>
           </a:xfrm>
           <a:prstGeom prst="line">
@@ -15773,7 +16197,7 @@
         </p:nvSpPr>
         <p:spPr>
           <a:xfrm>
-            <a:off x="8583423" y="1065456"/>
+            <a:off x="10328335" y="1065456"/>
             <a:ext cx="219877" cy="197186"/>
           </a:xfrm>
           <a:prstGeom prst="homePlate">
@@ -15836,7 +16260,7 @@
         </p:nvCxnSpPr>
         <p:spPr>
           <a:xfrm>
-            <a:off x="8808905" y="1166875"/>
+            <a:off x="10553817" y="1166875"/>
             <a:ext cx="0" cy="494034"/>
           </a:xfrm>
           <a:prstGeom prst="line">
@@ -15870,14 +16294,13 @@
           </p:cNvPr>
           <p:cNvCxnSpPr>
             <a:cxnSpLocks/>
-            <a:stCxn id="194" idx="3"/>
           </p:cNvCxnSpPr>
           <p:nvPr/>
         </p:nvCxnSpPr>
         <p:spPr>
           <a:xfrm flipV="1">
-            <a:off x="2485677" y="1432753"/>
-            <a:ext cx="6097746" cy="5290"/>
+            <a:off x="4318000" y="1432753"/>
+            <a:ext cx="6010335" cy="5770"/>
           </a:xfrm>
           <a:prstGeom prst="line">
             <a:avLst/>
@@ -15919,7 +16342,7 @@
         </p:nvCxnSpPr>
         <p:spPr>
           <a:xfrm>
-            <a:off x="3161674" y="1432752"/>
+            <a:off x="4906586" y="1432752"/>
             <a:ext cx="0" cy="221333"/>
           </a:xfrm>
           <a:prstGeom prst="line">
@@ -15962,7 +16385,7 @@
         </p:nvCxnSpPr>
         <p:spPr>
           <a:xfrm>
-            <a:off x="3815724" y="1432752"/>
+            <a:off x="5560636" y="1432752"/>
             <a:ext cx="0" cy="221333"/>
           </a:xfrm>
           <a:prstGeom prst="line">
@@ -16005,7 +16428,7 @@
         </p:nvCxnSpPr>
         <p:spPr>
           <a:xfrm>
-            <a:off x="4469774" y="1432752"/>
+            <a:off x="6214686" y="1432752"/>
             <a:ext cx="0" cy="221333"/>
           </a:xfrm>
           <a:prstGeom prst="line">
@@ -16048,7 +16471,7 @@
         </p:nvCxnSpPr>
         <p:spPr>
           <a:xfrm>
-            <a:off x="5136524" y="1432752"/>
+            <a:off x="6881436" y="1432752"/>
             <a:ext cx="0" cy="221333"/>
           </a:xfrm>
           <a:prstGeom prst="line">
@@ -16091,7 +16514,7 @@
         </p:nvCxnSpPr>
         <p:spPr>
           <a:xfrm>
-            <a:off x="5800099" y="1432752"/>
+            <a:off x="7545011" y="1432752"/>
             <a:ext cx="0" cy="221333"/>
           </a:xfrm>
           <a:prstGeom prst="line">
@@ -16134,7 +16557,7 @@
         </p:nvCxnSpPr>
         <p:spPr>
           <a:xfrm>
-            <a:off x="6473199" y="1432752"/>
+            <a:off x="8218111" y="1432752"/>
             <a:ext cx="0" cy="221333"/>
           </a:xfrm>
           <a:prstGeom prst="line">
@@ -16177,7 +16600,7 @@
         </p:nvCxnSpPr>
         <p:spPr>
           <a:xfrm>
-            <a:off x="7136774" y="1432752"/>
+            <a:off x="8881686" y="1432752"/>
             <a:ext cx="0" cy="221333"/>
           </a:xfrm>
           <a:prstGeom prst="line">
@@ -16220,7 +16643,7 @@
         </p:nvCxnSpPr>
         <p:spPr>
           <a:xfrm>
-            <a:off x="7835274" y="1432752"/>
+            <a:off x="9580186" y="1432752"/>
             <a:ext cx="0" cy="221333"/>
           </a:xfrm>
           <a:prstGeom prst="line">
@@ -16263,7 +16686,7 @@
         </p:nvCxnSpPr>
         <p:spPr>
           <a:xfrm>
-            <a:off x="8583423" y="1432752"/>
+            <a:off x="10328335" y="1432752"/>
             <a:ext cx="0" cy="221333"/>
           </a:xfrm>
           <a:prstGeom prst="line">
@@ -16448,7 +16871,7 @@
         <p:spPr>
           <a:xfrm flipV="1">
             <a:off x="1921080" y="3421184"/>
-            <a:ext cx="6892277" cy="7817"/>
+            <a:ext cx="8652291" cy="7817"/>
           </a:xfrm>
           <a:prstGeom prst="line">
             <a:avLst/>
@@ -16486,7 +16909,7 @@
         </p:nvCxnSpPr>
         <p:spPr>
           <a:xfrm>
-            <a:off x="3403157" y="2368722"/>
+            <a:off x="5148069" y="2368722"/>
             <a:ext cx="0" cy="1052462"/>
           </a:xfrm>
           <a:prstGeom prst="line">
@@ -16525,7 +16948,7 @@
         </p:nvCxnSpPr>
         <p:spPr>
           <a:xfrm>
-            <a:off x="4079432" y="2368722"/>
+            <a:off x="5824344" y="2368722"/>
             <a:ext cx="0" cy="1052462"/>
           </a:xfrm>
           <a:prstGeom prst="line">
@@ -16564,7 +16987,7 @@
         </p:nvCxnSpPr>
         <p:spPr>
           <a:xfrm>
-            <a:off x="4755707" y="2368722"/>
+            <a:off x="6500619" y="2368722"/>
             <a:ext cx="0" cy="1052462"/>
           </a:xfrm>
           <a:prstGeom prst="line">
@@ -16603,7 +17026,7 @@
         </p:nvCxnSpPr>
         <p:spPr>
           <a:xfrm>
-            <a:off x="5431982" y="2368722"/>
+            <a:off x="7176894" y="2368722"/>
             <a:ext cx="0" cy="1052462"/>
           </a:xfrm>
           <a:prstGeom prst="line">
@@ -16642,7 +17065,7 @@
         </p:nvCxnSpPr>
         <p:spPr>
           <a:xfrm>
-            <a:off x="6108257" y="2368722"/>
+            <a:off x="7853169" y="2368722"/>
             <a:ext cx="0" cy="1052462"/>
           </a:xfrm>
           <a:prstGeom prst="line">
@@ -16681,7 +17104,7 @@
         </p:nvCxnSpPr>
         <p:spPr>
           <a:xfrm>
-            <a:off x="6784532" y="2368722"/>
+            <a:off x="8529444" y="2368722"/>
             <a:ext cx="0" cy="1052462"/>
           </a:xfrm>
           <a:prstGeom prst="line">
@@ -16720,7 +17143,7 @@
         </p:nvCxnSpPr>
         <p:spPr>
           <a:xfrm>
-            <a:off x="7460807" y="2368722"/>
+            <a:off x="9205719" y="2368722"/>
             <a:ext cx="0" cy="1052462"/>
           </a:xfrm>
           <a:prstGeom prst="line">
@@ -16759,7 +17182,7 @@
         </p:nvCxnSpPr>
         <p:spPr>
           <a:xfrm>
-            <a:off x="8137082" y="2368722"/>
+            <a:off x="9881994" y="2368722"/>
             <a:ext cx="0" cy="1052462"/>
           </a:xfrm>
           <a:prstGeom prst="line">
@@ -16798,7 +17221,7 @@
         </p:nvCxnSpPr>
         <p:spPr>
           <a:xfrm>
-            <a:off x="8813357" y="2368722"/>
+            <a:off x="10558269" y="2368722"/>
             <a:ext cx="0" cy="1052462"/>
           </a:xfrm>
           <a:prstGeom prst="line">
@@ -16835,7 +17258,7 @@
         </p:nvGrpSpPr>
         <p:grpSpPr>
           <a:xfrm>
-            <a:off x="2955423" y="1598955"/>
+            <a:off x="4700335" y="1598955"/>
             <a:ext cx="771757" cy="797738"/>
             <a:chOff x="2955423" y="1598955"/>
             <a:chExt cx="771757" cy="797738"/>
@@ -17130,7 +17553,7 @@
         </p:nvGrpSpPr>
         <p:grpSpPr>
           <a:xfrm>
-            <a:off x="3698136" y="1598456"/>
+            <a:off x="5443048" y="1598456"/>
             <a:ext cx="771757" cy="797738"/>
             <a:chOff x="2955423" y="1598955"/>
             <a:chExt cx="771757" cy="797738"/>
@@ -17425,7 +17848,7 @@
         </p:nvGrpSpPr>
         <p:grpSpPr>
           <a:xfrm>
-            <a:off x="4331306" y="1597957"/>
+            <a:off x="6076218" y="1597957"/>
             <a:ext cx="771757" cy="797738"/>
             <a:chOff x="2955423" y="1598955"/>
             <a:chExt cx="771757" cy="797738"/>
@@ -17720,7 +18143,7 @@
         </p:nvGrpSpPr>
         <p:grpSpPr>
           <a:xfrm>
-            <a:off x="4988292" y="1597458"/>
+            <a:off x="6733204" y="1597458"/>
             <a:ext cx="771757" cy="797738"/>
             <a:chOff x="2955423" y="1598955"/>
             <a:chExt cx="771757" cy="797738"/>
@@ -18015,7 +18438,7 @@
         </p:nvGrpSpPr>
         <p:grpSpPr>
           <a:xfrm>
-            <a:off x="5650045" y="1596959"/>
+            <a:off x="7394957" y="1596959"/>
             <a:ext cx="771757" cy="797738"/>
             <a:chOff x="2955423" y="1598955"/>
             <a:chExt cx="771757" cy="797738"/>
@@ -18310,7 +18733,7 @@
         </p:nvGrpSpPr>
         <p:grpSpPr>
           <a:xfrm>
-            <a:off x="6340375" y="1596460"/>
+            <a:off x="8085287" y="1596460"/>
             <a:ext cx="771757" cy="797738"/>
             <a:chOff x="2955423" y="1598955"/>
             <a:chExt cx="771757" cy="797738"/>
@@ -18605,7 +19028,7 @@
         </p:nvGrpSpPr>
         <p:grpSpPr>
           <a:xfrm>
-            <a:off x="7030694" y="1595961"/>
+            <a:off x="8775606" y="1595961"/>
             <a:ext cx="771757" cy="797738"/>
             <a:chOff x="2955423" y="1598955"/>
             <a:chExt cx="771757" cy="797738"/>
@@ -18900,7 +19323,7 @@
         </p:nvGrpSpPr>
         <p:grpSpPr>
           <a:xfrm>
-            <a:off x="7687673" y="1595462"/>
+            <a:off x="9432585" y="1595462"/>
             <a:ext cx="771757" cy="797738"/>
             <a:chOff x="2955423" y="1598955"/>
             <a:chExt cx="771757" cy="797738"/>
@@ -19195,7 +19618,7 @@
         </p:nvGrpSpPr>
         <p:grpSpPr>
           <a:xfrm>
-            <a:off x="8392597" y="1590818"/>
+            <a:off x="10137509" y="1590818"/>
             <a:ext cx="771757" cy="797738"/>
             <a:chOff x="2955423" y="1598955"/>
             <a:chExt cx="771757" cy="797738"/>
@@ -19536,7 +19959,7 @@
         <p:spPr>
           <a:xfrm>
             <a:off x="1861438" y="2700338"/>
-            <a:ext cx="6730787" cy="0"/>
+            <a:ext cx="8466897" cy="0"/>
           </a:xfrm>
           <a:prstGeom prst="line">
             <a:avLst/>
@@ -19574,7 +19997,7 @@
         </p:nvCxnSpPr>
         <p:spPr>
           <a:xfrm flipV="1">
-            <a:off x="3156212" y="2383912"/>
+            <a:off x="4901124" y="2383912"/>
             <a:ext cx="0" cy="316426"/>
           </a:xfrm>
           <a:prstGeom prst="line">
@@ -19613,7 +20036,7 @@
         </p:nvCxnSpPr>
         <p:spPr>
           <a:xfrm flipV="1">
-            <a:off x="3884864" y="2383912"/>
+            <a:off x="5629776" y="2383912"/>
             <a:ext cx="0" cy="316426"/>
           </a:xfrm>
           <a:prstGeom prst="line">
@@ -19652,7 +20075,7 @@
         </p:nvCxnSpPr>
         <p:spPr>
           <a:xfrm flipV="1">
-            <a:off x="4537316" y="2383912"/>
+            <a:off x="6282228" y="2383912"/>
             <a:ext cx="0" cy="316426"/>
           </a:xfrm>
           <a:prstGeom prst="line">
@@ -19691,7 +20114,7 @@
         </p:nvCxnSpPr>
         <p:spPr>
           <a:xfrm flipV="1">
-            <a:off x="5189768" y="2383912"/>
+            <a:off x="6934680" y="2383912"/>
             <a:ext cx="0" cy="316426"/>
           </a:xfrm>
           <a:prstGeom prst="line">
@@ -19730,7 +20153,7 @@
         </p:nvCxnSpPr>
         <p:spPr>
           <a:xfrm flipV="1">
-            <a:off x="5849840" y="2383912"/>
+            <a:off x="7594752" y="2383912"/>
             <a:ext cx="0" cy="316426"/>
           </a:xfrm>
           <a:prstGeom prst="line">
@@ -19769,7 +20192,7 @@
         </p:nvCxnSpPr>
         <p:spPr>
           <a:xfrm flipV="1">
-            <a:off x="6540392" y="2383912"/>
+            <a:off x="8285304" y="2383912"/>
             <a:ext cx="0" cy="316426"/>
           </a:xfrm>
           <a:prstGeom prst="line">
@@ -19808,7 +20231,7 @@
         </p:nvCxnSpPr>
         <p:spPr>
           <a:xfrm flipV="1">
-            <a:off x="7226446" y="2367225"/>
+            <a:off x="8971358" y="2367225"/>
             <a:ext cx="0" cy="316426"/>
           </a:xfrm>
           <a:prstGeom prst="line">
@@ -19847,7 +20270,7 @@
         </p:nvCxnSpPr>
         <p:spPr>
           <a:xfrm flipV="1">
-            <a:off x="7896233" y="2378099"/>
+            <a:off x="9641145" y="2378099"/>
             <a:ext cx="0" cy="316426"/>
           </a:xfrm>
           <a:prstGeom prst="line">
@@ -19886,7 +20309,7 @@
         </p:nvCxnSpPr>
         <p:spPr>
           <a:xfrm flipV="1">
-            <a:off x="8583423" y="2367225"/>
+            <a:off x="10328335" y="2367225"/>
             <a:ext cx="0" cy="316426"/>
           </a:xfrm>
           <a:prstGeom prst="line">
@@ -19987,10 +20410,10 @@
       </p:sp>
       <p:sp>
         <p:nvSpPr>
-          <p:cNvPr id="385" name="Triangolo isoscele 384">
-            <a:extLst>
-              <a:ext uri="{FF2B5EF4-FFF2-40B4-BE49-F238E27FC236}">
-                <a16:creationId xmlns:a16="http://schemas.microsoft.com/office/drawing/2014/main" id="{1B22DCB4-FCCA-4C5C-B1C3-6C5C148F1E13}"/>
+          <p:cNvPr id="177" name="Triangolo isoscele 176">
+            <a:extLst>
+              <a:ext uri="{FF2B5EF4-FFF2-40B4-BE49-F238E27FC236}">
+                <a16:creationId xmlns:a16="http://schemas.microsoft.com/office/drawing/2014/main" id="{211E9009-625A-4BC5-9412-E191972C6558}"/>
               </a:ext>
             </a:extLst>
           </p:cNvPr>
@@ -19999,18 +20422,245 @@
         </p:nvSpPr>
         <p:spPr>
           <a:xfrm rot="5400000">
-            <a:off x="2107900" y="2606185"/>
-            <a:ext cx="228013" cy="176679"/>
+            <a:off x="1456252" y="1299192"/>
+            <a:ext cx="153354" cy="119690"/>
           </a:xfrm>
           <a:prstGeom prst="triangle">
-            <a:avLst>
-              <a:gd name="adj" fmla="val 50000"/>
-            </a:avLst>
+            <a:avLst/>
+          </a:prstGeom>
+          <a:solidFill>
+            <a:schemeClr val="tx1"/>
+          </a:solidFill>
+          <a:ln>
+            <a:solidFill>
+              <a:schemeClr val="tx1"/>
+            </a:solidFill>
+          </a:ln>
+        </p:spPr>
+        <p:style>
+          <a:lnRef idx="2">
+            <a:schemeClr val="accent1">
+              <a:shade val="50000"/>
+            </a:schemeClr>
+          </a:lnRef>
+          <a:fillRef idx="1">
+            <a:schemeClr val="accent1"/>
+          </a:fillRef>
+          <a:effectRef idx="0">
+            <a:schemeClr val="accent1"/>
+          </a:effectRef>
+          <a:fontRef idx="minor">
+            <a:schemeClr val="lt1"/>
+          </a:fontRef>
+        </p:style>
+        <p:txBody>
+          <a:bodyPr rtlCol="0" anchor="ctr"/>
+          <a:lstStyle/>
+          <a:p>
+            <a:pPr algn="ctr"/>
+            <a:endParaRPr lang="it-IT" dirty="0"/>
+          </a:p>
+        </p:txBody>
+      </p:sp>
+      <p:cxnSp>
+        <p:nvCxnSpPr>
+          <p:cNvPr id="184" name="Connettore diritto 183">
+            <a:extLst>
+              <a:ext uri="{FF2B5EF4-FFF2-40B4-BE49-F238E27FC236}">
+                <a16:creationId xmlns:a16="http://schemas.microsoft.com/office/drawing/2014/main" id="{188E7E85-D0BB-47B9-8A46-17AE30608699}"/>
+              </a:ext>
+            </a:extLst>
+          </p:cNvPr>
+          <p:cNvCxnSpPr>
+            <a:cxnSpLocks/>
+          </p:cNvCxnSpPr>
+          <p:nvPr/>
+        </p:nvCxnSpPr>
+        <p:spPr>
+          <a:xfrm>
+            <a:off x="2621227" y="1750046"/>
+            <a:ext cx="3154" cy="1663001"/>
+          </a:xfrm>
+          <a:prstGeom prst="line">
+            <a:avLst/>
+          </a:prstGeom>
+          <a:ln w="12700"/>
+        </p:spPr>
+        <p:style>
+          <a:lnRef idx="1">
+            <a:schemeClr val="accent6"/>
+          </a:lnRef>
+          <a:fillRef idx="0">
+            <a:schemeClr val="accent6"/>
+          </a:fillRef>
+          <a:effectRef idx="0">
+            <a:schemeClr val="accent6"/>
+          </a:effectRef>
+          <a:fontRef idx="minor">
+            <a:schemeClr val="tx1"/>
+          </a:fontRef>
+        </p:style>
+      </p:cxnSp>
+      <p:cxnSp>
+        <p:nvCxnSpPr>
+          <p:cNvPr id="193" name="Connettore diritto 192">
+            <a:extLst>
+              <a:ext uri="{FF2B5EF4-FFF2-40B4-BE49-F238E27FC236}">
+                <a16:creationId xmlns:a16="http://schemas.microsoft.com/office/drawing/2014/main" id="{8BF9FC9E-30DA-4666-91EC-74853CD1F5A9}"/>
+              </a:ext>
+            </a:extLst>
+          </p:cNvPr>
+          <p:cNvCxnSpPr>
+            <a:cxnSpLocks/>
+          </p:cNvCxnSpPr>
+          <p:nvPr/>
+        </p:nvCxnSpPr>
+        <p:spPr>
+          <a:xfrm flipH="1">
+            <a:off x="2621227" y="1755333"/>
+            <a:ext cx="192922" cy="0"/>
+          </a:xfrm>
+          <a:prstGeom prst="line">
+            <a:avLst/>
+          </a:prstGeom>
+          <a:ln w="12700"/>
+        </p:spPr>
+        <p:style>
+          <a:lnRef idx="1">
+            <a:schemeClr val="accent6"/>
+          </a:lnRef>
+          <a:fillRef idx="0">
+            <a:schemeClr val="accent6"/>
+          </a:fillRef>
+          <a:effectRef idx="0">
+            <a:schemeClr val="accent6"/>
+          </a:effectRef>
+          <a:fontRef idx="minor">
+            <a:schemeClr val="tx1"/>
+          </a:fontRef>
+        </p:style>
+      </p:cxnSp>
+      <p:cxnSp>
+        <p:nvCxnSpPr>
+          <p:cNvPr id="195" name="Connettore diritto 194">
+            <a:extLst>
+              <a:ext uri="{FF2B5EF4-FFF2-40B4-BE49-F238E27FC236}">
+                <a16:creationId xmlns:a16="http://schemas.microsoft.com/office/drawing/2014/main" id="{6C57244C-EF64-43B9-A05A-BFF7AA5B7B99}"/>
+              </a:ext>
+            </a:extLst>
+          </p:cNvPr>
+          <p:cNvCxnSpPr>
+            <a:cxnSpLocks/>
+          </p:cNvCxnSpPr>
+          <p:nvPr/>
+        </p:nvCxnSpPr>
+        <p:spPr>
+          <a:xfrm>
+            <a:off x="2500726" y="1433299"/>
+            <a:ext cx="316410" cy="1738"/>
+          </a:xfrm>
+          <a:prstGeom prst="line">
+            <a:avLst/>
+          </a:prstGeom>
+          <a:ln w="12700">
+            <a:solidFill>
+              <a:srgbClr val="FF0000"/>
+            </a:solidFill>
+          </a:ln>
+        </p:spPr>
+        <p:style>
+          <a:lnRef idx="1">
+            <a:schemeClr val="accent2"/>
+          </a:lnRef>
+          <a:fillRef idx="0">
+            <a:schemeClr val="accent2"/>
+          </a:fillRef>
+          <a:effectRef idx="0">
+            <a:schemeClr val="accent2"/>
+          </a:effectRef>
+          <a:fontRef idx="minor">
+            <a:schemeClr val="tx1"/>
+          </a:fontRef>
+        </p:style>
+      </p:cxnSp>
+      <p:sp>
+        <p:nvSpPr>
+          <p:cNvPr id="196" name="Triangolo isoscele 195">
+            <a:extLst>
+              <a:ext uri="{FF2B5EF4-FFF2-40B4-BE49-F238E27FC236}">
+                <a16:creationId xmlns:a16="http://schemas.microsoft.com/office/drawing/2014/main" id="{3D8F9A0F-DA30-443C-B22F-5E7F4081A077}"/>
+              </a:ext>
+            </a:extLst>
+          </p:cNvPr>
+          <p:cNvSpPr/>
+          <p:nvPr/>
+        </p:nvSpPr>
+        <p:spPr>
+          <a:xfrm rot="5400000">
+            <a:off x="3325728" y="1347480"/>
+            <a:ext cx="230224" cy="192905"/>
+          </a:xfrm>
+          <a:prstGeom prst="triangle">
+            <a:avLst/>
           </a:prstGeom>
           <a:solidFill>
             <a:schemeClr val="bg1"/>
           </a:solidFill>
-          <a:ln w="12700">
+          <a:ln>
+            <a:solidFill>
+              <a:schemeClr val="tx1"/>
+            </a:solidFill>
+          </a:ln>
+        </p:spPr>
+        <p:style>
+          <a:lnRef idx="2">
+            <a:schemeClr val="accent1">
+              <a:shade val="50000"/>
+            </a:schemeClr>
+          </a:lnRef>
+          <a:fillRef idx="1">
+            <a:schemeClr val="accent1"/>
+          </a:fillRef>
+          <a:effectRef idx="0">
+            <a:schemeClr val="accent1"/>
+          </a:effectRef>
+          <a:fontRef idx="minor">
+            <a:schemeClr val="lt1"/>
+          </a:fontRef>
+        </p:style>
+        <p:txBody>
+          <a:bodyPr rtlCol="0" anchor="ctr"/>
+          <a:lstStyle/>
+          <a:p>
+            <a:pPr algn="ctr"/>
+            <a:endParaRPr lang="it-IT" dirty="0"/>
+          </a:p>
+        </p:txBody>
+      </p:sp>
+      <p:sp>
+        <p:nvSpPr>
+          <p:cNvPr id="197" name="Ovale 196">
+            <a:extLst>
+              <a:ext uri="{FF2B5EF4-FFF2-40B4-BE49-F238E27FC236}">
+                <a16:creationId xmlns:a16="http://schemas.microsoft.com/office/drawing/2014/main" id="{0AA8256D-F7F4-4E84-9037-C400D43367D9}"/>
+              </a:ext>
+            </a:extLst>
+          </p:cNvPr>
+          <p:cNvSpPr/>
+          <p:nvPr/>
+        </p:nvSpPr>
+        <p:spPr>
+          <a:xfrm>
+            <a:off x="3517615" y="1414864"/>
+            <a:ext cx="54766" cy="52880"/>
+          </a:xfrm>
+          <a:prstGeom prst="ellipse">
+            <a:avLst/>
+          </a:prstGeom>
+          <a:solidFill>
+            <a:schemeClr val="bg1"/>
+          </a:solidFill>
+          <a:ln>
             <a:solidFill>
               <a:schemeClr val="tx1"/>
             </a:solidFill>
@@ -20043,10 +20693,10 @@
       </p:sp>
       <p:sp>
         <p:nvSpPr>
-          <p:cNvPr id="386" name="Ovale 385">
-            <a:extLst>
-              <a:ext uri="{FF2B5EF4-FFF2-40B4-BE49-F238E27FC236}">
-                <a16:creationId xmlns:a16="http://schemas.microsoft.com/office/drawing/2014/main" id="{48B19128-67E6-4BB4-B788-E02202053647}"/>
+          <p:cNvPr id="199" name="Ritardo 198">
+            <a:extLst>
+              <a:ext uri="{FF2B5EF4-FFF2-40B4-BE49-F238E27FC236}">
+                <a16:creationId xmlns:a16="http://schemas.microsoft.com/office/drawing/2014/main" id="{25E63F4C-0D7A-460E-9E86-44CE7BCBD835}"/>
               </a:ext>
             </a:extLst>
           </p:cNvPr>
@@ -20055,16 +20705,16 @@
         </p:nvSpPr>
         <p:spPr>
           <a:xfrm>
-            <a:off x="2273128" y="2666199"/>
-            <a:ext cx="75457" cy="72132"/>
-          </a:xfrm>
-          <a:prstGeom prst="ellipse">
+            <a:off x="3745359" y="1126785"/>
+            <a:ext cx="310962" cy="311150"/>
+          </a:xfrm>
+          <a:prstGeom prst="flowChartDelay">
             <a:avLst/>
           </a:prstGeom>
           <a:solidFill>
             <a:schemeClr val="bg1"/>
           </a:solidFill>
-          <a:ln>
+          <a:ln w="12700">
             <a:solidFill>
               <a:schemeClr val="tx1"/>
             </a:solidFill>
@@ -20095,60 +20745,440 @@
           </a:p>
         </p:txBody>
       </p:sp>
-      <p:sp>
-        <p:nvSpPr>
-          <p:cNvPr id="177" name="Triangolo isoscele 176">
-            <a:extLst>
-              <a:ext uri="{FF2B5EF4-FFF2-40B4-BE49-F238E27FC236}">
-                <a16:creationId xmlns:a16="http://schemas.microsoft.com/office/drawing/2014/main" id="{211E9009-625A-4BC5-9412-E191972C6558}"/>
-              </a:ext>
-            </a:extLst>
-          </p:cNvPr>
-          <p:cNvSpPr/>
-          <p:nvPr/>
-        </p:nvSpPr>
-        <p:spPr>
-          <a:xfrm rot="5400000">
-            <a:off x="1456252" y="1299192"/>
-            <a:ext cx="153354" cy="119690"/>
-          </a:xfrm>
-          <a:prstGeom prst="triangle">
+      <p:cxnSp>
+        <p:nvCxnSpPr>
+          <p:cNvPr id="200" name="Connettore diritto 199">
+            <a:extLst>
+              <a:ext uri="{FF2B5EF4-FFF2-40B4-BE49-F238E27FC236}">
+                <a16:creationId xmlns:a16="http://schemas.microsoft.com/office/drawing/2014/main" id="{7935590B-C63A-4EF5-8656-FE39B5730A53}"/>
+              </a:ext>
+            </a:extLst>
+          </p:cNvPr>
+          <p:cNvCxnSpPr>
+            <a:cxnSpLocks/>
+          </p:cNvCxnSpPr>
+          <p:nvPr/>
+        </p:nvCxnSpPr>
+        <p:spPr>
+          <a:xfrm>
+            <a:off x="4328736" y="1276781"/>
+            <a:ext cx="0" cy="164523"/>
+          </a:xfrm>
+          <a:prstGeom prst="line">
             <a:avLst/>
           </a:prstGeom>
-          <a:solidFill>
-            <a:schemeClr val="tx1"/>
-          </a:solidFill>
-          <a:ln>
+          <a:ln w="12700">
             <a:solidFill>
-              <a:schemeClr val="tx1"/>
+              <a:srgbClr val="FF0000"/>
             </a:solidFill>
           </a:ln>
         </p:spPr>
         <p:style>
-          <a:lnRef idx="2">
-            <a:schemeClr val="accent1">
-              <a:shade val="50000"/>
-            </a:schemeClr>
+          <a:lnRef idx="1">
+            <a:schemeClr val="accent2"/>
           </a:lnRef>
-          <a:fillRef idx="1">
-            <a:schemeClr val="accent1"/>
+          <a:fillRef idx="0">
+            <a:schemeClr val="accent2"/>
           </a:fillRef>
           <a:effectRef idx="0">
-            <a:schemeClr val="accent1"/>
+            <a:schemeClr val="accent2"/>
           </a:effectRef>
           <a:fontRef idx="minor">
-            <a:schemeClr val="lt1"/>
+            <a:schemeClr val="tx1"/>
           </a:fontRef>
         </p:style>
-        <p:txBody>
-          <a:bodyPr rtlCol="0" anchor="ctr"/>
-          <a:lstStyle/>
-          <a:p>
-            <a:pPr algn="ctr"/>
-            <a:endParaRPr lang="it-IT" dirty="0"/>
-          </a:p>
-        </p:txBody>
-      </p:sp>
+      </p:cxnSp>
+      <p:cxnSp>
+        <p:nvCxnSpPr>
+          <p:cNvPr id="201" name="Connettore diritto 200">
+            <a:extLst>
+              <a:ext uri="{FF2B5EF4-FFF2-40B4-BE49-F238E27FC236}">
+                <a16:creationId xmlns:a16="http://schemas.microsoft.com/office/drawing/2014/main" id="{A8A6BAE2-F339-4EBC-B47E-40836101A2DB}"/>
+              </a:ext>
+            </a:extLst>
+          </p:cNvPr>
+          <p:cNvCxnSpPr>
+            <a:cxnSpLocks/>
+          </p:cNvCxnSpPr>
+          <p:nvPr/>
+        </p:nvCxnSpPr>
+        <p:spPr>
+          <a:xfrm flipH="1">
+            <a:off x="4056321" y="1276781"/>
+            <a:ext cx="272416" cy="0"/>
+          </a:xfrm>
+          <a:prstGeom prst="line">
+            <a:avLst/>
+          </a:prstGeom>
+          <a:ln w="12700">
+            <a:solidFill>
+              <a:srgbClr val="FF0000"/>
+            </a:solidFill>
+          </a:ln>
+        </p:spPr>
+        <p:style>
+          <a:lnRef idx="1">
+            <a:schemeClr val="accent2"/>
+          </a:lnRef>
+          <a:fillRef idx="0">
+            <a:schemeClr val="accent2"/>
+          </a:fillRef>
+          <a:effectRef idx="0">
+            <a:schemeClr val="accent2"/>
+          </a:effectRef>
+          <a:fontRef idx="minor">
+            <a:schemeClr val="tx1"/>
+          </a:fontRef>
+        </p:style>
+      </p:cxnSp>
+      <p:cxnSp>
+        <p:nvCxnSpPr>
+          <p:cNvPr id="202" name="Connettore diritto 201">
+            <a:extLst>
+              <a:ext uri="{FF2B5EF4-FFF2-40B4-BE49-F238E27FC236}">
+                <a16:creationId xmlns:a16="http://schemas.microsoft.com/office/drawing/2014/main" id="{CA5FCABD-8B7D-47C6-85BF-3E2ECD0ED68F}"/>
+              </a:ext>
+            </a:extLst>
+          </p:cNvPr>
+          <p:cNvCxnSpPr>
+            <a:cxnSpLocks/>
+          </p:cNvCxnSpPr>
+          <p:nvPr/>
+        </p:nvCxnSpPr>
+        <p:spPr>
+          <a:xfrm flipH="1">
+            <a:off x="2689225" y="1167655"/>
+            <a:ext cx="1055027" cy="0"/>
+          </a:xfrm>
+          <a:prstGeom prst="line">
+            <a:avLst/>
+          </a:prstGeom>
+          <a:ln w="12700">
+            <a:solidFill>
+              <a:srgbClr val="FF0000"/>
+            </a:solidFill>
+          </a:ln>
+        </p:spPr>
+        <p:style>
+          <a:lnRef idx="1">
+            <a:schemeClr val="accent2"/>
+          </a:lnRef>
+          <a:fillRef idx="0">
+            <a:schemeClr val="accent2"/>
+          </a:fillRef>
+          <a:effectRef idx="0">
+            <a:schemeClr val="accent2"/>
+          </a:effectRef>
+          <a:fontRef idx="minor">
+            <a:schemeClr val="tx1"/>
+          </a:fontRef>
+        </p:style>
+      </p:cxnSp>
+      <p:cxnSp>
+        <p:nvCxnSpPr>
+          <p:cNvPr id="203" name="Connettore diritto 202">
+            <a:extLst>
+              <a:ext uri="{FF2B5EF4-FFF2-40B4-BE49-F238E27FC236}">
+                <a16:creationId xmlns:a16="http://schemas.microsoft.com/office/drawing/2014/main" id="{95AEFB05-3EF9-4A6D-8FE7-E850E29633C3}"/>
+              </a:ext>
+            </a:extLst>
+          </p:cNvPr>
+          <p:cNvCxnSpPr>
+            <a:cxnSpLocks/>
+          </p:cNvCxnSpPr>
+          <p:nvPr/>
+        </p:nvCxnSpPr>
+        <p:spPr>
+          <a:xfrm flipH="1">
+            <a:off x="2689225" y="1164049"/>
+            <a:ext cx="1" cy="270119"/>
+          </a:xfrm>
+          <a:prstGeom prst="line">
+            <a:avLst/>
+          </a:prstGeom>
+          <a:ln w="12700">
+            <a:solidFill>
+              <a:srgbClr val="FF0000"/>
+            </a:solidFill>
+          </a:ln>
+        </p:spPr>
+        <p:style>
+          <a:lnRef idx="1">
+            <a:schemeClr val="accent2"/>
+          </a:lnRef>
+          <a:fillRef idx="0">
+            <a:schemeClr val="accent2"/>
+          </a:fillRef>
+          <a:effectRef idx="0">
+            <a:schemeClr val="accent2"/>
+          </a:effectRef>
+          <a:fontRef idx="minor">
+            <a:schemeClr val="tx1"/>
+          </a:fontRef>
+        </p:style>
+      </p:cxnSp>
+      <p:cxnSp>
+        <p:nvCxnSpPr>
+          <p:cNvPr id="206" name="Connettore diritto 205">
+            <a:extLst>
+              <a:ext uri="{FF2B5EF4-FFF2-40B4-BE49-F238E27FC236}">
+                <a16:creationId xmlns:a16="http://schemas.microsoft.com/office/drawing/2014/main" id="{08F84182-CC92-417E-8E7A-B9F7781EAEA7}"/>
+              </a:ext>
+            </a:extLst>
+          </p:cNvPr>
+          <p:cNvCxnSpPr>
+            <a:cxnSpLocks/>
+            <a:endCxn id="196" idx="3"/>
+          </p:cNvCxnSpPr>
+          <p:nvPr/>
+        </p:nvCxnSpPr>
+        <p:spPr>
+          <a:xfrm>
+            <a:off x="3169110" y="1443933"/>
+            <a:ext cx="175278" cy="0"/>
+          </a:xfrm>
+          <a:prstGeom prst="line">
+            <a:avLst/>
+          </a:prstGeom>
+          <a:ln w="12700">
+            <a:solidFill>
+              <a:srgbClr val="FF0000"/>
+            </a:solidFill>
+          </a:ln>
+        </p:spPr>
+        <p:style>
+          <a:lnRef idx="1">
+            <a:schemeClr val="accent2"/>
+          </a:lnRef>
+          <a:fillRef idx="0">
+            <a:schemeClr val="accent2"/>
+          </a:fillRef>
+          <a:effectRef idx="0">
+            <a:schemeClr val="accent2"/>
+          </a:effectRef>
+          <a:fontRef idx="minor">
+            <a:schemeClr val="tx1"/>
+          </a:fontRef>
+        </p:style>
+      </p:cxnSp>
+      <p:cxnSp>
+        <p:nvCxnSpPr>
+          <p:cNvPr id="209" name="Connettore diritto 208">
+            <a:extLst>
+              <a:ext uri="{FF2B5EF4-FFF2-40B4-BE49-F238E27FC236}">
+                <a16:creationId xmlns:a16="http://schemas.microsoft.com/office/drawing/2014/main" id="{FE635E54-1780-4413-B86B-0FCA7FAA00AE}"/>
+              </a:ext>
+            </a:extLst>
+          </p:cNvPr>
+          <p:cNvCxnSpPr>
+            <a:cxnSpLocks/>
+          </p:cNvCxnSpPr>
+          <p:nvPr/>
+        </p:nvCxnSpPr>
+        <p:spPr>
+          <a:xfrm flipH="1">
+            <a:off x="3544998" y="1363310"/>
+            <a:ext cx="211954" cy="0"/>
+          </a:xfrm>
+          <a:prstGeom prst="line">
+            <a:avLst/>
+          </a:prstGeom>
+          <a:ln w="12700">
+            <a:solidFill>
+              <a:srgbClr val="FF0000"/>
+            </a:solidFill>
+          </a:ln>
+        </p:spPr>
+        <p:style>
+          <a:lnRef idx="1">
+            <a:schemeClr val="accent2"/>
+          </a:lnRef>
+          <a:fillRef idx="0">
+            <a:schemeClr val="accent2"/>
+          </a:fillRef>
+          <a:effectRef idx="0">
+            <a:schemeClr val="accent2"/>
+          </a:effectRef>
+          <a:fontRef idx="minor">
+            <a:schemeClr val="tx1"/>
+          </a:fontRef>
+        </p:style>
+      </p:cxnSp>
+      <p:cxnSp>
+        <p:nvCxnSpPr>
+          <p:cNvPr id="211" name="Connettore diritto 210">
+            <a:extLst>
+              <a:ext uri="{FF2B5EF4-FFF2-40B4-BE49-F238E27FC236}">
+                <a16:creationId xmlns:a16="http://schemas.microsoft.com/office/drawing/2014/main" id="{B3F797C7-62CB-4F5B-9F99-572629BE6992}"/>
+              </a:ext>
+            </a:extLst>
+          </p:cNvPr>
+          <p:cNvCxnSpPr>
+            <a:cxnSpLocks/>
+            <a:stCxn id="197" idx="0"/>
+          </p:cNvCxnSpPr>
+          <p:nvPr/>
+        </p:nvCxnSpPr>
+        <p:spPr>
+          <a:xfrm flipH="1" flipV="1">
+            <a:off x="3539800" y="1362132"/>
+            <a:ext cx="5198" cy="52732"/>
+          </a:xfrm>
+          <a:prstGeom prst="line">
+            <a:avLst/>
+          </a:prstGeom>
+          <a:ln w="12700">
+            <a:solidFill>
+              <a:srgbClr val="FF0000"/>
+            </a:solidFill>
+          </a:ln>
+        </p:spPr>
+        <p:style>
+          <a:lnRef idx="1">
+            <a:schemeClr val="accent2"/>
+          </a:lnRef>
+          <a:fillRef idx="0">
+            <a:schemeClr val="accent2"/>
+          </a:fillRef>
+          <a:effectRef idx="0">
+            <a:schemeClr val="accent2"/>
+          </a:effectRef>
+          <a:fontRef idx="minor">
+            <a:schemeClr val="tx1"/>
+          </a:fontRef>
+        </p:style>
+      </p:cxnSp>
+      <p:grpSp>
+        <p:nvGrpSpPr>
+          <p:cNvPr id="27" name="Gruppo 26">
+            <a:extLst>
+              <a:ext uri="{FF2B5EF4-FFF2-40B4-BE49-F238E27FC236}">
+                <a16:creationId xmlns:a16="http://schemas.microsoft.com/office/drawing/2014/main" id="{9CC627EB-B6C4-4544-9F37-773C2B89B206}"/>
+              </a:ext>
+            </a:extLst>
+          </p:cNvPr>
+          <p:cNvGrpSpPr/>
+          <p:nvPr/>
+        </p:nvGrpSpPr>
+        <p:grpSpPr>
+          <a:xfrm rot="16200000">
+            <a:off x="2513718" y="2306421"/>
+            <a:ext cx="215018" cy="228013"/>
+            <a:chOff x="2285967" y="2732918"/>
+            <a:chExt cx="215018" cy="228013"/>
+          </a:xfrm>
+        </p:grpSpPr>
+        <p:sp>
+          <p:nvSpPr>
+            <p:cNvPr id="216" name="Triangolo isoscele 215">
+              <a:extLst>
+                <a:ext uri="{FF2B5EF4-FFF2-40B4-BE49-F238E27FC236}">
+                  <a16:creationId xmlns:a16="http://schemas.microsoft.com/office/drawing/2014/main" id="{1EA60E6E-8F1D-4C42-BA16-1A817BA34684}"/>
+                </a:ext>
+              </a:extLst>
+            </p:cNvPr>
+            <p:cNvSpPr/>
+            <p:nvPr/>
+          </p:nvSpPr>
+          <p:spPr>
+            <a:xfrm rot="5400000">
+              <a:off x="2260300" y="2758585"/>
+              <a:ext cx="228013" cy="176679"/>
+            </a:xfrm>
+            <a:prstGeom prst="triangle">
+              <a:avLst>
+                <a:gd name="adj" fmla="val 50000"/>
+              </a:avLst>
+            </a:prstGeom>
+            <a:solidFill>
+              <a:schemeClr val="bg1"/>
+            </a:solidFill>
+            <a:ln w="12700">
+              <a:solidFill>
+                <a:schemeClr val="tx1"/>
+              </a:solidFill>
+            </a:ln>
+          </p:spPr>
+          <p:style>
+            <a:lnRef idx="2">
+              <a:schemeClr val="accent1">
+                <a:shade val="50000"/>
+              </a:schemeClr>
+            </a:lnRef>
+            <a:fillRef idx="1">
+              <a:schemeClr val="accent1"/>
+            </a:fillRef>
+            <a:effectRef idx="0">
+              <a:schemeClr val="accent1"/>
+            </a:effectRef>
+            <a:fontRef idx="minor">
+              <a:schemeClr val="lt1"/>
+            </a:fontRef>
+          </p:style>
+          <p:txBody>
+            <a:bodyPr rtlCol="0" anchor="ctr"/>
+            <a:lstStyle/>
+            <a:p>
+              <a:pPr algn="ctr"/>
+              <a:endParaRPr lang="it-IT"/>
+            </a:p>
+          </p:txBody>
+        </p:sp>
+        <p:sp>
+          <p:nvSpPr>
+            <p:cNvPr id="217" name="Ovale 216">
+              <a:extLst>
+                <a:ext uri="{FF2B5EF4-FFF2-40B4-BE49-F238E27FC236}">
+                  <a16:creationId xmlns:a16="http://schemas.microsoft.com/office/drawing/2014/main" id="{09D8BEB1-1AD7-4E08-92ED-753F44072381}"/>
+                </a:ext>
+              </a:extLst>
+            </p:cNvPr>
+            <p:cNvSpPr/>
+            <p:nvPr/>
+          </p:nvSpPr>
+          <p:spPr>
+            <a:xfrm>
+              <a:off x="2425528" y="2818599"/>
+              <a:ext cx="75457" cy="72132"/>
+            </a:xfrm>
+            <a:prstGeom prst="ellipse">
+              <a:avLst/>
+            </a:prstGeom>
+            <a:solidFill>
+              <a:schemeClr val="bg1"/>
+            </a:solidFill>
+            <a:ln>
+              <a:solidFill>
+                <a:schemeClr val="tx1"/>
+              </a:solidFill>
+            </a:ln>
+          </p:spPr>
+          <p:style>
+            <a:lnRef idx="2">
+              <a:schemeClr val="accent1">
+                <a:shade val="50000"/>
+              </a:schemeClr>
+            </a:lnRef>
+            <a:fillRef idx="1">
+              <a:schemeClr val="accent1"/>
+            </a:fillRef>
+            <a:effectRef idx="0">
+              <a:schemeClr val="accent1"/>
+            </a:effectRef>
+            <a:fontRef idx="minor">
+              <a:schemeClr val="lt1"/>
+            </a:fontRef>
+          </p:style>
+          <p:txBody>
+            <a:bodyPr rtlCol="0" anchor="ctr"/>
+            <a:lstStyle/>
+            <a:p>
+              <a:pPr algn="ctr"/>
+              <a:endParaRPr lang="it-IT"/>
+            </a:p>
+          </p:txBody>
+        </p:sp>
+      </p:grpSp>
     </p:spTree>
     <p:extLst>
       <p:ext uri="{BB962C8B-B14F-4D97-AF65-F5344CB8AC3E}">
@@ -20194,7 +21224,7 @@
         <p:spPr>
           <a:xfrm>
             <a:off x="510540" y="843677"/>
-            <a:ext cx="6385560" cy="5078313"/>
+            <a:ext cx="6385560" cy="5355312"/>
           </a:xfrm>
           <a:prstGeom prst="rect">
             <a:avLst/>
@@ -20285,7 +21315,25 @@
             </a:r>
             <a:r>
               <a:rPr lang="it-IT" dirty="0"/>
-              <a:t> 1 z111 111 111</a:t>
+              <a:t> 1 e 0 z111 111 111</a:t>
+            </a:r>
+          </a:p>
+          <a:p>
+            <a:pPr marL="342900" indent="-342900">
+              <a:buFont typeface="+mj-lt"/>
+              <a:buAutoNum type="arabicPeriod"/>
+            </a:pPr>
+            <a:r>
+              <a:rPr lang="it-IT" dirty="0"/>
+              <a:t>Start 1 </a:t>
+            </a:r>
+            <a:r>
+              <a:rPr lang="it-IT" dirty="0" err="1"/>
+              <a:t>cts</a:t>
+            </a:r>
+            <a:r>
+              <a:rPr lang="it-IT" dirty="0"/>
+              <a:t> 1 e 1 z111 111 111</a:t>
             </a:r>
           </a:p>
           <a:p>
@@ -20299,7 +21347,7 @@
                   <a:srgbClr val="00B050"/>
                 </a:solidFill>
               </a:rPr>
-              <a:t>Start 0 </a:t>
+              <a:t>Start - </a:t>
             </a:r>
             <a:r>
               <a:rPr lang="it-IT" dirty="0" err="1">
@@ -20315,7 +21363,7 @@
                   <a:srgbClr val="00B050"/>
                 </a:solidFill>
               </a:rPr>
-              <a:t> 1 z--- --- --0</a:t>
+              <a:t> -  e 0 z--- --- --0</a:t>
             </a:r>
           </a:p>
           <a:p>
@@ -20333,7 +21381,7 @@
             </a:r>
             <a:r>
               <a:rPr lang="it-IT" dirty="0"/>
-              <a:t> 0 z1-- --- ---</a:t>
+              <a:t> 0 e 0 z1-- --- ---</a:t>
             </a:r>
           </a:p>
           <a:p>
@@ -20351,7 +21399,7 @@
             </a:r>
             <a:r>
               <a:rPr lang="it-IT" dirty="0"/>
-              <a:t> 0 z11- --- ---</a:t>
+              <a:t> 0 e 0 z11- --- ---</a:t>
             </a:r>
           </a:p>
           <a:p>
@@ -20369,7 +21417,7 @@
             </a:r>
             <a:r>
               <a:rPr lang="it-IT" dirty="0"/>
-              <a:t> 0 z111 --- ---</a:t>
+              <a:t> 0 e 0 z111 --- ---</a:t>
             </a:r>
           </a:p>
           <a:p>
@@ -20387,7 +21435,7 @@
             </a:r>
             <a:r>
               <a:rPr lang="it-IT" dirty="0"/>
-              <a:t> 0 z111 1-- ---</a:t>
+              <a:t> 0 e 0 z111 1-- ---</a:t>
             </a:r>
           </a:p>
           <a:p>
@@ -20405,7 +21453,7 @@
             </a:r>
             <a:r>
               <a:rPr lang="it-IT" dirty="0"/>
-              <a:t> 0 z111 11- ---</a:t>
+              <a:t> 0 e 0 z111 11- ---</a:t>
             </a:r>
           </a:p>
           <a:p>
@@ -20423,7 +21471,7 @@
             </a:r>
             <a:r>
               <a:rPr lang="it-IT" dirty="0"/>
-              <a:t> 0 z111 111 ---</a:t>
+              <a:t> 0 e 0 z111 111 ---</a:t>
             </a:r>
           </a:p>
           <a:p>
@@ -20441,7 +21489,7 @@
             </a:r>
             <a:r>
               <a:rPr lang="it-IT" dirty="0"/>
-              <a:t> 0 z111 111 1—</a:t>
+              <a:t> 0 e 0 z111 111 1—</a:t>
             </a:r>
           </a:p>
           <a:p>
@@ -20459,7 +21507,7 @@
             </a:r>
             <a:r>
               <a:rPr lang="it-IT" dirty="0"/>
-              <a:t> 0 z111 111 11-</a:t>
+              <a:t> 0 e 0 z111 111 11-</a:t>
             </a:r>
           </a:p>
           <a:p>
@@ -20477,7 +21525,7 @@
             </a:r>
             <a:r>
               <a:rPr lang="it-IT" dirty="0"/>
-              <a:t> 0 z111 111 111</a:t>
+              <a:t> 0 e 0 z111 111 111</a:t>
             </a:r>
           </a:p>
           <a:p>
@@ -20507,7 +21555,7 @@
                   <a:srgbClr val="FF0000"/>
                 </a:solidFill>
               </a:rPr>
-              <a:t> 0 z111 111 111</a:t>
+              <a:t> 0 e 0 z111 111 111</a:t>
             </a:r>
           </a:p>
           <a:p>
@@ -23097,8 +24145,8 @@
         </p:nvCxnSpPr>
         <p:spPr>
           <a:xfrm rot="16200000" flipH="1">
-            <a:off x="1342100" y="1963535"/>
-            <a:ext cx="2185362" cy="1226438"/>
+            <a:off x="1457865" y="2079300"/>
+            <a:ext cx="2185362" cy="994908"/>
           </a:xfrm>
           <a:prstGeom prst="bentConnector3">
             <a:avLst/>
@@ -23465,7 +24513,7 @@
                   <a:schemeClr val="tx1"/>
                 </a:solidFill>
               </a:rPr>
-              <a:t>Reception Counter9</a:t>
+              <a:t>Reception Counter8</a:t>
             </a:r>
           </a:p>
         </p:txBody>
@@ -23861,7 +24909,7 @@
         </p:nvSpPr>
         <p:spPr>
           <a:xfrm>
-            <a:off x="5293522" y="3482519"/>
+            <a:off x="5804958" y="3805123"/>
             <a:ext cx="679509" cy="307777"/>
           </a:xfrm>
           <a:prstGeom prst="rect">
@@ -24934,13 +25982,15 @@
               </a:ext>
             </a:extLst>
           </p:cNvPr>
-          <p:cNvCxnSpPr/>
+          <p:cNvCxnSpPr>
+            <a:cxnSpLocks/>
+          </p:cNvCxnSpPr>
           <p:nvPr/>
         </p:nvCxnSpPr>
         <p:spPr>
           <a:xfrm flipV="1">
             <a:off x="1869695" y="2383274"/>
-            <a:ext cx="6181165" cy="870093"/>
+            <a:ext cx="6181165" cy="870094"/>
           </a:xfrm>
           <a:prstGeom prst="bentConnector3">
             <a:avLst>
@@ -25449,7 +26499,7 @@
         </p:nvSpPr>
         <p:spPr>
           <a:xfrm rot="10800000">
-            <a:off x="9156460" y="4368377"/>
+            <a:off x="9135030" y="4368377"/>
             <a:ext cx="204568" cy="112730"/>
           </a:xfrm>
           <a:prstGeom prst="triangle">
@@ -25503,7 +26553,7 @@
         </p:nvSpPr>
         <p:spPr>
           <a:xfrm>
-            <a:off x="9244165" y="4482893"/>
+            <a:off x="9222735" y="4482893"/>
             <a:ext cx="45719" cy="45719"/>
           </a:xfrm>
           <a:prstGeom prst="ellipse">
@@ -25540,6 +26590,262 @@
           <a:p>
             <a:pPr algn="ctr"/>
             <a:endParaRPr lang="it-IT"/>
+          </a:p>
+        </p:txBody>
+      </p:sp>
+      <p:sp>
+        <p:nvSpPr>
+          <p:cNvPr id="125" name="CasellaDiTesto 124">
+            <a:extLst>
+              <a:ext uri="{FF2B5EF4-FFF2-40B4-BE49-F238E27FC236}">
+                <a16:creationId xmlns:a16="http://schemas.microsoft.com/office/drawing/2014/main" id="{F13F1676-B841-425E-8653-15A0418CBE6D}"/>
+              </a:ext>
+            </a:extLst>
+          </p:cNvPr>
+          <p:cNvSpPr txBox="1"/>
+          <p:nvPr/>
+        </p:nvSpPr>
+        <p:spPr>
+          <a:xfrm>
+            <a:off x="8473631" y="5104698"/>
+            <a:ext cx="1380249" cy="276999"/>
+          </a:xfrm>
+          <a:prstGeom prst="rect">
+            <a:avLst/>
+          </a:prstGeom>
+          <a:noFill/>
+        </p:spPr>
+        <p:txBody>
+          <a:bodyPr wrap="square" rtlCol="0">
+            <a:spAutoFit/>
+          </a:bodyPr>
+          <a:lstStyle/>
+          <a:p>
+            <a:r>
+              <a:rPr lang="it-IT" sz="1200" dirty="0"/>
+              <a:t>Clock </a:t>
+            </a:r>
+            <a:r>
+              <a:rPr lang="it-IT" sz="1200" dirty="0" err="1"/>
+              <a:t>enable</a:t>
+            </a:r>
+            <a:endParaRPr lang="it-IT" sz="1200" dirty="0"/>
+          </a:p>
+        </p:txBody>
+      </p:sp>
+      <p:sp>
+        <p:nvSpPr>
+          <p:cNvPr id="126" name="CasellaDiTesto 125">
+            <a:extLst>
+              <a:ext uri="{FF2B5EF4-FFF2-40B4-BE49-F238E27FC236}">
+                <a16:creationId xmlns:a16="http://schemas.microsoft.com/office/drawing/2014/main" id="{16D5DA8B-4062-4DA5-ABD7-FD11FB8964F1}"/>
+              </a:ext>
+            </a:extLst>
+          </p:cNvPr>
+          <p:cNvSpPr txBox="1"/>
+          <p:nvPr/>
+        </p:nvSpPr>
+        <p:spPr>
+          <a:xfrm>
+            <a:off x="7487548" y="3522819"/>
+            <a:ext cx="679509" cy="307777"/>
+          </a:xfrm>
+          <a:prstGeom prst="rect">
+            <a:avLst/>
+          </a:prstGeom>
+          <a:noFill/>
+        </p:spPr>
+        <p:txBody>
+          <a:bodyPr wrap="square" rtlCol="0">
+            <a:spAutoFit/>
+          </a:bodyPr>
+          <a:lstStyle/>
+          <a:p>
+            <a:r>
+              <a:rPr lang="it-IT" sz="1400" dirty="0"/>
+              <a:t>reset</a:t>
+            </a:r>
+          </a:p>
+        </p:txBody>
+      </p:sp>
+      <p:cxnSp>
+        <p:nvCxnSpPr>
+          <p:cNvPr id="14" name="Connettore a gomito 13">
+            <a:extLst>
+              <a:ext uri="{FF2B5EF4-FFF2-40B4-BE49-F238E27FC236}">
+                <a16:creationId xmlns:a16="http://schemas.microsoft.com/office/drawing/2014/main" id="{10AAF5C8-8167-4C12-A704-258AB30F44F6}"/>
+              </a:ext>
+            </a:extLst>
+          </p:cNvPr>
+          <p:cNvCxnSpPr>
+            <a:cxnSpLocks/>
+            <a:stCxn id="160" idx="0"/>
+            <a:endCxn id="26" idx="3"/>
+          </p:cNvCxnSpPr>
+          <p:nvPr/>
+        </p:nvCxnSpPr>
+        <p:spPr>
+          <a:xfrm rot="10800000" flipV="1">
+            <a:off x="5215242" y="3132096"/>
+            <a:ext cx="3557347" cy="564100"/>
+          </a:xfrm>
+          <a:prstGeom prst="bentConnector3">
+            <a:avLst/>
+          </a:prstGeom>
+        </p:spPr>
+        <p:style>
+          <a:lnRef idx="1">
+            <a:schemeClr val="accent1"/>
+          </a:lnRef>
+          <a:fillRef idx="0">
+            <a:schemeClr val="accent1"/>
+          </a:fillRef>
+          <a:effectRef idx="0">
+            <a:schemeClr val="accent1"/>
+          </a:effectRef>
+          <a:fontRef idx="minor">
+            <a:schemeClr val="tx1"/>
+          </a:fontRef>
+        </p:style>
+      </p:cxnSp>
+      <p:sp>
+        <p:nvSpPr>
+          <p:cNvPr id="127" name="CasellaDiTesto 126">
+            <a:extLst>
+              <a:ext uri="{FF2B5EF4-FFF2-40B4-BE49-F238E27FC236}">
+                <a16:creationId xmlns:a16="http://schemas.microsoft.com/office/drawing/2014/main" id="{E24942C6-4A53-4099-A2EF-FCA088210324}"/>
+              </a:ext>
+            </a:extLst>
+          </p:cNvPr>
+          <p:cNvSpPr txBox="1"/>
+          <p:nvPr/>
+        </p:nvSpPr>
+        <p:spPr>
+          <a:xfrm>
+            <a:off x="7098642" y="4034488"/>
+            <a:ext cx="339755" cy="261610"/>
+          </a:xfrm>
+          <a:prstGeom prst="rect">
+            <a:avLst/>
+          </a:prstGeom>
+          <a:noFill/>
+        </p:spPr>
+        <p:txBody>
+          <a:bodyPr wrap="square" rtlCol="0">
+            <a:spAutoFit/>
+          </a:bodyPr>
+          <a:lstStyle/>
+          <a:p>
+            <a:r>
+              <a:rPr lang="it-IT" sz="1050" dirty="0"/>
+              <a:t>c8</a:t>
+            </a:r>
+          </a:p>
+        </p:txBody>
+      </p:sp>
+      <p:sp>
+        <p:nvSpPr>
+          <p:cNvPr id="128" name="CasellaDiTesto 127">
+            <a:extLst>
+              <a:ext uri="{FF2B5EF4-FFF2-40B4-BE49-F238E27FC236}">
+                <a16:creationId xmlns:a16="http://schemas.microsoft.com/office/drawing/2014/main" id="{3BEE2374-D1F1-4CAC-967E-E53B3A831B28}"/>
+              </a:ext>
+            </a:extLst>
+          </p:cNvPr>
+          <p:cNvSpPr txBox="1"/>
+          <p:nvPr/>
+        </p:nvSpPr>
+        <p:spPr>
+          <a:xfrm>
+            <a:off x="4274424" y="3717067"/>
+            <a:ext cx="339755" cy="261610"/>
+          </a:xfrm>
+          <a:prstGeom prst="rect">
+            <a:avLst/>
+          </a:prstGeom>
+          <a:noFill/>
+        </p:spPr>
+        <p:txBody>
+          <a:bodyPr wrap="square" rtlCol="0">
+            <a:spAutoFit/>
+          </a:bodyPr>
+          <a:lstStyle/>
+          <a:p>
+            <a:r>
+              <a:rPr lang="it-IT" sz="1050" dirty="0"/>
+              <a:t>c4</a:t>
+            </a:r>
+          </a:p>
+        </p:txBody>
+      </p:sp>
+      <p:sp>
+        <p:nvSpPr>
+          <p:cNvPr id="164" name="CasellaDiTesto 163">
+            <a:extLst>
+              <a:ext uri="{FF2B5EF4-FFF2-40B4-BE49-F238E27FC236}">
+                <a16:creationId xmlns:a16="http://schemas.microsoft.com/office/drawing/2014/main" id="{0B7E0EE0-87F5-47C3-967A-D31417EE7F8E}"/>
+              </a:ext>
+            </a:extLst>
+          </p:cNvPr>
+          <p:cNvSpPr txBox="1"/>
+          <p:nvPr/>
+        </p:nvSpPr>
+        <p:spPr>
+          <a:xfrm>
+            <a:off x="5445418" y="3501752"/>
+            <a:ext cx="339755" cy="261610"/>
+          </a:xfrm>
+          <a:prstGeom prst="rect">
+            <a:avLst/>
+          </a:prstGeom>
+          <a:noFill/>
+        </p:spPr>
+        <p:txBody>
+          <a:bodyPr wrap="square" rtlCol="0">
+            <a:spAutoFit/>
+          </a:bodyPr>
+          <a:lstStyle/>
+          <a:p>
+            <a:r>
+              <a:rPr lang="it-IT" sz="1050" dirty="0" err="1"/>
+              <a:t>ri</a:t>
+            </a:r>
+            <a:endParaRPr lang="it-IT" sz="1050" dirty="0"/>
+          </a:p>
+        </p:txBody>
+      </p:sp>
+      <p:sp>
+        <p:nvSpPr>
+          <p:cNvPr id="165" name="CasellaDiTesto 164">
+            <a:extLst>
+              <a:ext uri="{FF2B5EF4-FFF2-40B4-BE49-F238E27FC236}">
+                <a16:creationId xmlns:a16="http://schemas.microsoft.com/office/drawing/2014/main" id="{6D1792E9-15CD-4A12-8F28-29BADE1ECAFC}"/>
+              </a:ext>
+            </a:extLst>
+          </p:cNvPr>
+          <p:cNvSpPr txBox="1"/>
+          <p:nvPr/>
+        </p:nvSpPr>
+        <p:spPr>
+          <a:xfrm>
+            <a:off x="8903193" y="3706587"/>
+            <a:ext cx="339755" cy="261610"/>
+          </a:xfrm>
+          <a:prstGeom prst="rect">
+            <a:avLst/>
+          </a:prstGeom>
+          <a:noFill/>
+        </p:spPr>
+        <p:txBody>
+          <a:bodyPr wrap="square" rtlCol="0">
+            <a:spAutoFit/>
+          </a:bodyPr>
+          <a:lstStyle/>
+          <a:p>
+            <a:r>
+              <a:rPr lang="it-IT" sz="1050" dirty="0"/>
+              <a:t>c9</a:t>
+            </a:r>
           </a:p>
         </p:txBody>
       </p:sp>
@@ -25573,6 +26879,961 @@
           <a:chExt cx="0" cy="0"/>
         </a:xfrm>
       </p:grpSpPr>
+      <p:sp>
+        <p:nvSpPr>
+          <p:cNvPr id="2" name="CasellaDiTesto 1">
+            <a:extLst>
+              <a:ext uri="{FF2B5EF4-FFF2-40B4-BE49-F238E27FC236}">
+                <a16:creationId xmlns:a16="http://schemas.microsoft.com/office/drawing/2014/main" id="{6CABCCD4-815F-451C-8E54-E0609582E63D}"/>
+              </a:ext>
+            </a:extLst>
+          </p:cNvPr>
+          <p:cNvSpPr txBox="1"/>
+          <p:nvPr/>
+        </p:nvSpPr>
+        <p:spPr>
+          <a:xfrm>
+            <a:off x="8328660" y="386477"/>
+            <a:ext cx="4335780" cy="3308598"/>
+          </a:xfrm>
+          <a:prstGeom prst="rect">
+            <a:avLst/>
+          </a:prstGeom>
+          <a:noFill/>
+        </p:spPr>
+        <p:txBody>
+          <a:bodyPr wrap="square" rtlCol="0">
+            <a:spAutoFit/>
+          </a:bodyPr>
+          <a:lstStyle/>
+          <a:p>
+            <a:pPr marL="342900" indent="-342900">
+              <a:buFont typeface="+mj-lt"/>
+              <a:buAutoNum type="arabicPeriod"/>
+            </a:pPr>
+            <a:r>
+              <a:rPr lang="it-IT" sz="1100" dirty="0">
+                <a:solidFill>
+                  <a:srgbClr val="FF0000"/>
+                </a:solidFill>
+              </a:rPr>
+              <a:t>start 0 </a:t>
+            </a:r>
+            <a:r>
+              <a:rPr lang="it-IT" sz="1100" dirty="0" err="1">
+                <a:solidFill>
+                  <a:srgbClr val="FF0000"/>
+                </a:solidFill>
+              </a:rPr>
+              <a:t>cts</a:t>
+            </a:r>
+            <a:r>
+              <a:rPr lang="it-IT" sz="1100" dirty="0">
+                <a:solidFill>
+                  <a:srgbClr val="FF0000"/>
+                </a:solidFill>
+              </a:rPr>
+              <a:t> 0 </a:t>
+            </a:r>
+            <a:r>
+              <a:rPr lang="it-IT" sz="1100" dirty="0" err="1">
+                <a:solidFill>
+                  <a:srgbClr val="FF0000"/>
+                </a:solidFill>
+              </a:rPr>
+              <a:t>Xp</a:t>
+            </a:r>
+            <a:r>
+              <a:rPr lang="it-IT" sz="1100" dirty="0">
+                <a:solidFill>
+                  <a:srgbClr val="FF0000"/>
+                </a:solidFill>
+              </a:rPr>
+              <a:t> --- --- --0 z 111 111 111</a:t>
+            </a:r>
+          </a:p>
+          <a:p>
+            <a:pPr marL="342900" indent="-342900">
+              <a:buFont typeface="+mj-lt"/>
+              <a:buAutoNum type="arabicPeriod"/>
+            </a:pPr>
+            <a:r>
+              <a:rPr lang="it-IT" sz="1100" dirty="0"/>
+              <a:t>Start 1 </a:t>
+            </a:r>
+            <a:r>
+              <a:rPr lang="it-IT" sz="1100" dirty="0" err="1"/>
+              <a:t>cts</a:t>
+            </a:r>
+            <a:r>
+              <a:rPr lang="it-IT" sz="1100" dirty="0"/>
+              <a:t> 0 z 111 111 111</a:t>
+            </a:r>
+          </a:p>
+          <a:p>
+            <a:pPr marL="342900" indent="-342900">
+              <a:buFont typeface="+mj-lt"/>
+              <a:buAutoNum type="arabicPeriod"/>
+            </a:pPr>
+            <a:r>
+              <a:rPr lang="it-IT" sz="1100" dirty="0"/>
+              <a:t>Start 1 </a:t>
+            </a:r>
+            <a:r>
+              <a:rPr lang="it-IT" sz="1100" dirty="0" err="1"/>
+              <a:t>cts</a:t>
+            </a:r>
+            <a:r>
+              <a:rPr lang="it-IT" sz="1100" dirty="0"/>
+              <a:t> 1 e 0 z111 111 111</a:t>
+            </a:r>
+          </a:p>
+          <a:p>
+            <a:pPr marL="342900" indent="-342900">
+              <a:buFont typeface="+mj-lt"/>
+              <a:buAutoNum type="arabicPeriod"/>
+            </a:pPr>
+            <a:r>
+              <a:rPr lang="it-IT" sz="1100" dirty="0"/>
+              <a:t>Start 1 </a:t>
+            </a:r>
+            <a:r>
+              <a:rPr lang="it-IT" sz="1100" dirty="0" err="1"/>
+              <a:t>cts</a:t>
+            </a:r>
+            <a:r>
+              <a:rPr lang="it-IT" sz="1100" dirty="0"/>
+              <a:t> 1 e 1 z111 111 111</a:t>
+            </a:r>
+          </a:p>
+          <a:p>
+            <a:pPr marL="342900" indent="-342900">
+              <a:buFont typeface="+mj-lt"/>
+              <a:buAutoNum type="arabicPeriod"/>
+            </a:pPr>
+            <a:r>
+              <a:rPr lang="it-IT" sz="1100" dirty="0">
+                <a:solidFill>
+                  <a:srgbClr val="00B050"/>
+                </a:solidFill>
+              </a:rPr>
+              <a:t>Start - </a:t>
+            </a:r>
+            <a:r>
+              <a:rPr lang="it-IT" sz="1100" dirty="0" err="1">
+                <a:solidFill>
+                  <a:srgbClr val="00B050"/>
+                </a:solidFill>
+              </a:rPr>
+              <a:t>cts</a:t>
+            </a:r>
+            <a:r>
+              <a:rPr lang="it-IT" sz="1100" dirty="0">
+                <a:solidFill>
+                  <a:srgbClr val="00B050"/>
+                </a:solidFill>
+              </a:rPr>
+              <a:t> -  e 0 z--- --- --0</a:t>
+            </a:r>
+          </a:p>
+          <a:p>
+            <a:pPr marL="342900" indent="-342900">
+              <a:buFont typeface="+mj-lt"/>
+              <a:buAutoNum type="arabicPeriod"/>
+            </a:pPr>
+            <a:r>
+              <a:rPr lang="it-IT" sz="1100" dirty="0"/>
+              <a:t>Start 0 </a:t>
+            </a:r>
+            <a:r>
+              <a:rPr lang="it-IT" sz="1100" dirty="0" err="1"/>
+              <a:t>cts</a:t>
+            </a:r>
+            <a:r>
+              <a:rPr lang="it-IT" sz="1100" dirty="0"/>
+              <a:t> 0 e 0 z1-- --- ---</a:t>
+            </a:r>
+          </a:p>
+          <a:p>
+            <a:pPr marL="342900" indent="-342900">
+              <a:buFont typeface="+mj-lt"/>
+              <a:buAutoNum type="arabicPeriod"/>
+            </a:pPr>
+            <a:r>
+              <a:rPr lang="it-IT" sz="1100" dirty="0"/>
+              <a:t>Start 0 </a:t>
+            </a:r>
+            <a:r>
+              <a:rPr lang="it-IT" sz="1100" dirty="0" err="1"/>
+              <a:t>cts</a:t>
+            </a:r>
+            <a:r>
+              <a:rPr lang="it-IT" sz="1100" dirty="0"/>
+              <a:t> 0 e 0 z11- --- ---</a:t>
+            </a:r>
+          </a:p>
+          <a:p>
+            <a:pPr marL="342900" indent="-342900">
+              <a:buFont typeface="+mj-lt"/>
+              <a:buAutoNum type="arabicPeriod"/>
+            </a:pPr>
+            <a:r>
+              <a:rPr lang="it-IT" sz="1100" dirty="0"/>
+              <a:t>Start 0 </a:t>
+            </a:r>
+            <a:r>
+              <a:rPr lang="it-IT" sz="1100" dirty="0" err="1"/>
+              <a:t>cts</a:t>
+            </a:r>
+            <a:r>
+              <a:rPr lang="it-IT" sz="1100" dirty="0"/>
+              <a:t> 0 e 0 z111 --- ---</a:t>
+            </a:r>
+          </a:p>
+          <a:p>
+            <a:pPr marL="342900" indent="-342900">
+              <a:buFont typeface="+mj-lt"/>
+              <a:buAutoNum type="arabicPeriod"/>
+            </a:pPr>
+            <a:r>
+              <a:rPr lang="it-IT" sz="1100" dirty="0"/>
+              <a:t>Start 0 </a:t>
+            </a:r>
+            <a:r>
+              <a:rPr lang="it-IT" sz="1100" dirty="0" err="1"/>
+              <a:t>cts</a:t>
+            </a:r>
+            <a:r>
+              <a:rPr lang="it-IT" sz="1100" dirty="0"/>
+              <a:t> 0 e 0 z111 1-- ---</a:t>
+            </a:r>
+          </a:p>
+          <a:p>
+            <a:pPr marL="342900" indent="-342900">
+              <a:buFont typeface="+mj-lt"/>
+              <a:buAutoNum type="arabicPeriod"/>
+            </a:pPr>
+            <a:r>
+              <a:rPr lang="it-IT" sz="1100" dirty="0"/>
+              <a:t>Start 0 </a:t>
+            </a:r>
+            <a:r>
+              <a:rPr lang="it-IT" sz="1100" dirty="0" err="1"/>
+              <a:t>cts</a:t>
+            </a:r>
+            <a:r>
+              <a:rPr lang="it-IT" sz="1100" dirty="0"/>
+              <a:t> 0 e 0 z111 11- ---</a:t>
+            </a:r>
+          </a:p>
+          <a:p>
+            <a:pPr marL="342900" indent="-342900">
+              <a:buFont typeface="+mj-lt"/>
+              <a:buAutoNum type="arabicPeriod"/>
+            </a:pPr>
+            <a:r>
+              <a:rPr lang="it-IT" sz="1100" dirty="0"/>
+              <a:t>Start 0 </a:t>
+            </a:r>
+            <a:r>
+              <a:rPr lang="it-IT" sz="1100" dirty="0" err="1"/>
+              <a:t>cts</a:t>
+            </a:r>
+            <a:r>
+              <a:rPr lang="it-IT" sz="1100" dirty="0"/>
+              <a:t> 0 e 0 z111 111 ---</a:t>
+            </a:r>
+          </a:p>
+          <a:p>
+            <a:pPr marL="342900" indent="-342900">
+              <a:buFont typeface="+mj-lt"/>
+              <a:buAutoNum type="arabicPeriod"/>
+            </a:pPr>
+            <a:r>
+              <a:rPr lang="it-IT" sz="1100" dirty="0"/>
+              <a:t>Start 0 </a:t>
+            </a:r>
+            <a:r>
+              <a:rPr lang="it-IT" sz="1100" dirty="0" err="1"/>
+              <a:t>cts</a:t>
+            </a:r>
+            <a:r>
+              <a:rPr lang="it-IT" sz="1100" dirty="0"/>
+              <a:t> 0 e 0 z111 111 1—</a:t>
+            </a:r>
+          </a:p>
+          <a:p>
+            <a:pPr marL="342900" indent="-342900">
+              <a:buFont typeface="+mj-lt"/>
+              <a:buAutoNum type="arabicPeriod"/>
+            </a:pPr>
+            <a:r>
+              <a:rPr lang="it-IT" sz="1100" dirty="0"/>
+              <a:t>Start 0 </a:t>
+            </a:r>
+            <a:r>
+              <a:rPr lang="it-IT" sz="1100" dirty="0" err="1"/>
+              <a:t>cts</a:t>
+            </a:r>
+            <a:r>
+              <a:rPr lang="it-IT" sz="1100" dirty="0"/>
+              <a:t> 0 e 0 z111 111 11-</a:t>
+            </a:r>
+          </a:p>
+          <a:p>
+            <a:pPr marL="342900" indent="-342900">
+              <a:buFont typeface="+mj-lt"/>
+              <a:buAutoNum type="arabicPeriod"/>
+            </a:pPr>
+            <a:r>
+              <a:rPr lang="it-IT" sz="1100" dirty="0"/>
+              <a:t>Start 0 </a:t>
+            </a:r>
+            <a:r>
+              <a:rPr lang="it-IT" sz="1100" dirty="0" err="1"/>
+              <a:t>cts</a:t>
+            </a:r>
+            <a:r>
+              <a:rPr lang="it-IT" sz="1100" dirty="0"/>
+              <a:t> 0 e 0 z111 111 111</a:t>
+            </a:r>
+          </a:p>
+          <a:p>
+            <a:pPr marL="342900" indent="-342900">
+              <a:buFont typeface="+mj-lt"/>
+              <a:buAutoNum type="arabicPeriod"/>
+            </a:pPr>
+            <a:r>
+              <a:rPr lang="it-IT" sz="1100" dirty="0">
+                <a:solidFill>
+                  <a:srgbClr val="FF0000"/>
+                </a:solidFill>
+              </a:rPr>
+              <a:t>Start 0 </a:t>
+            </a:r>
+            <a:r>
+              <a:rPr lang="it-IT" sz="1100" dirty="0" err="1">
+                <a:solidFill>
+                  <a:srgbClr val="FF0000"/>
+                </a:solidFill>
+              </a:rPr>
+              <a:t>cts</a:t>
+            </a:r>
+            <a:r>
+              <a:rPr lang="it-IT" sz="1100" dirty="0">
+                <a:solidFill>
+                  <a:srgbClr val="FF0000"/>
+                </a:solidFill>
+              </a:rPr>
+              <a:t> 0 e 0 z111 111 111</a:t>
+            </a:r>
+          </a:p>
+          <a:p>
+            <a:pPr marL="342900" indent="-342900">
+              <a:buFont typeface="+mj-lt"/>
+              <a:buAutoNum type="arabicPeriod"/>
+            </a:pPr>
+            <a:endParaRPr lang="it-IT" sz="1100" dirty="0">
+              <a:solidFill>
+                <a:srgbClr val="FF0000"/>
+              </a:solidFill>
+            </a:endParaRPr>
+          </a:p>
+          <a:p>
+            <a:pPr marL="342900" indent="-342900">
+              <a:buFont typeface="+mj-lt"/>
+              <a:buAutoNum type="arabicPeriod"/>
+            </a:pPr>
+            <a:endParaRPr lang="it-IT" sz="1100" dirty="0">
+              <a:solidFill>
+                <a:srgbClr val="FF0000"/>
+              </a:solidFill>
+            </a:endParaRPr>
+          </a:p>
+          <a:p>
+            <a:pPr marL="342900" indent="-342900">
+              <a:buFont typeface="+mj-lt"/>
+              <a:buAutoNum type="arabicPeriod"/>
+            </a:pPr>
+            <a:endParaRPr lang="it-IT" sz="1100" dirty="0">
+              <a:solidFill>
+                <a:srgbClr val="FF0000"/>
+              </a:solidFill>
+            </a:endParaRPr>
+          </a:p>
+          <a:p>
+            <a:pPr marL="342900" indent="-342900">
+              <a:buFont typeface="+mj-lt"/>
+              <a:buAutoNum type="arabicPeriod"/>
+            </a:pPr>
+            <a:endParaRPr lang="it-IT" sz="1100" dirty="0"/>
+          </a:p>
+        </p:txBody>
+      </p:sp>
+      <p:sp>
+        <p:nvSpPr>
+          <p:cNvPr id="4" name="CasellaDiTesto 3">
+            <a:extLst>
+              <a:ext uri="{FF2B5EF4-FFF2-40B4-BE49-F238E27FC236}">
+                <a16:creationId xmlns:a16="http://schemas.microsoft.com/office/drawing/2014/main" id="{FCCF1BEB-6DF6-40AD-9CDB-EFA9E94979F2}"/>
+              </a:ext>
+            </a:extLst>
+          </p:cNvPr>
+          <p:cNvSpPr txBox="1"/>
+          <p:nvPr/>
+        </p:nvSpPr>
+        <p:spPr>
+          <a:xfrm>
+            <a:off x="838200" y="1305341"/>
+            <a:ext cx="5183022" cy="4247317"/>
+          </a:xfrm>
+          <a:prstGeom prst="rect">
+            <a:avLst/>
+          </a:prstGeom>
+          <a:noFill/>
+        </p:spPr>
+        <p:txBody>
+          <a:bodyPr wrap="none" rtlCol="0">
+            <a:spAutoFit/>
+          </a:bodyPr>
+          <a:lstStyle/>
+          <a:p>
+            <a:r>
+              <a:rPr lang="it-IT" dirty="0" err="1">
+                <a:solidFill>
+                  <a:srgbClr val="FF0000"/>
+                </a:solidFill>
+              </a:rPr>
+              <a:t>clk</a:t>
+            </a:r>
+            <a:r>
+              <a:rPr lang="it-IT" dirty="0">
+                <a:solidFill>
+                  <a:srgbClr val="FF0000"/>
+                </a:solidFill>
+              </a:rPr>
+              <a:t> - C8 - Rx 1 c4 0 c9 1 </a:t>
+            </a:r>
+            <a:r>
+              <a:rPr lang="it-IT" dirty="0" err="1">
+                <a:solidFill>
+                  <a:srgbClr val="FF0000"/>
+                </a:solidFill>
+              </a:rPr>
+              <a:t>rts</a:t>
+            </a:r>
+            <a:r>
+              <a:rPr lang="it-IT" dirty="0">
+                <a:solidFill>
+                  <a:srgbClr val="FF0000"/>
+                </a:solidFill>
+              </a:rPr>
+              <a:t> 1 </a:t>
+            </a:r>
+            <a:r>
+              <a:rPr lang="it-IT" dirty="0" err="1">
+                <a:solidFill>
+                  <a:srgbClr val="FF0000"/>
+                </a:solidFill>
+              </a:rPr>
+              <a:t>ri</a:t>
+            </a:r>
+            <a:r>
+              <a:rPr lang="it-IT" dirty="0">
+                <a:solidFill>
+                  <a:srgbClr val="FF0000"/>
+                </a:solidFill>
+              </a:rPr>
+              <a:t> 0 d---- ---- ready 1</a:t>
+            </a:r>
+          </a:p>
+          <a:p>
+            <a:r>
+              <a:rPr lang="it-IT" dirty="0" err="1"/>
+              <a:t>clk</a:t>
+            </a:r>
+            <a:r>
+              <a:rPr lang="it-IT" dirty="0"/>
+              <a:t> 0 C8 - Rx 0 c4 0 c9 1 </a:t>
+            </a:r>
+            <a:r>
+              <a:rPr lang="it-IT" dirty="0" err="1"/>
+              <a:t>rts</a:t>
+            </a:r>
+            <a:r>
+              <a:rPr lang="it-IT" dirty="0"/>
+              <a:t> 1 </a:t>
+            </a:r>
+            <a:r>
+              <a:rPr lang="it-IT" dirty="0" err="1"/>
+              <a:t>ri</a:t>
+            </a:r>
+            <a:r>
+              <a:rPr lang="it-IT" dirty="0"/>
+              <a:t> 0 d---- ---- ready 1</a:t>
+            </a:r>
+          </a:p>
+          <a:p>
+            <a:r>
+              <a:rPr lang="it-IT" dirty="0" err="1"/>
+              <a:t>clk</a:t>
+            </a:r>
+            <a:r>
+              <a:rPr lang="it-IT" dirty="0"/>
+              <a:t> 3 C8 - Rx 0 c4 1 c9 0 </a:t>
+            </a:r>
+            <a:r>
+              <a:rPr lang="it-IT" dirty="0" err="1"/>
+              <a:t>rts</a:t>
+            </a:r>
+            <a:r>
+              <a:rPr lang="it-IT" dirty="0"/>
+              <a:t> 1 </a:t>
+            </a:r>
+            <a:r>
+              <a:rPr lang="it-IT" dirty="0" err="1"/>
+              <a:t>ri</a:t>
+            </a:r>
+            <a:r>
+              <a:rPr lang="it-IT" dirty="0"/>
+              <a:t> 1 d---- ---- ready 1</a:t>
+            </a:r>
+          </a:p>
+          <a:p>
+            <a:r>
+              <a:rPr lang="it-IT" dirty="0" err="1">
+                <a:solidFill>
+                  <a:srgbClr val="92D050"/>
+                </a:solidFill>
+              </a:rPr>
+              <a:t>clk</a:t>
+            </a:r>
+            <a:r>
+              <a:rPr lang="it-IT" dirty="0">
+                <a:solidFill>
+                  <a:srgbClr val="92D050"/>
+                </a:solidFill>
+              </a:rPr>
+              <a:t> 4 C8 0 Rx 0 c4 - c9 0 </a:t>
+            </a:r>
+            <a:r>
+              <a:rPr lang="it-IT" dirty="0" err="1">
+                <a:solidFill>
+                  <a:srgbClr val="92D050"/>
+                </a:solidFill>
+              </a:rPr>
+              <a:t>rts</a:t>
+            </a:r>
+            <a:r>
+              <a:rPr lang="it-IT" dirty="0">
+                <a:solidFill>
+                  <a:srgbClr val="92D050"/>
+                </a:solidFill>
+              </a:rPr>
+              <a:t> 0 </a:t>
+            </a:r>
+            <a:r>
+              <a:rPr lang="it-IT" dirty="0" err="1">
+                <a:solidFill>
+                  <a:srgbClr val="92D050"/>
+                </a:solidFill>
+              </a:rPr>
+              <a:t>ri</a:t>
+            </a:r>
+            <a:r>
+              <a:rPr lang="it-IT" dirty="0">
+                <a:solidFill>
+                  <a:srgbClr val="92D050"/>
+                </a:solidFill>
+              </a:rPr>
+              <a:t> 0 d---- ---- ready 0</a:t>
+            </a:r>
+          </a:p>
+          <a:p>
+            <a:r>
+              <a:rPr lang="it-IT" dirty="0" err="1"/>
+              <a:t>clk</a:t>
+            </a:r>
+            <a:r>
+              <a:rPr lang="it-IT" dirty="0"/>
+              <a:t> 12 C8 1 Rx x c4 - c9 0 </a:t>
+            </a:r>
+            <a:r>
+              <a:rPr lang="it-IT" dirty="0" err="1"/>
+              <a:t>rts</a:t>
+            </a:r>
+            <a:r>
+              <a:rPr lang="it-IT" dirty="0"/>
+              <a:t> 0 </a:t>
+            </a:r>
+            <a:r>
+              <a:rPr lang="it-IT" dirty="0" err="1"/>
+              <a:t>ri</a:t>
+            </a:r>
+            <a:r>
+              <a:rPr lang="it-IT" dirty="0"/>
+              <a:t> 0 dx--- ---- ready 0</a:t>
+            </a:r>
+          </a:p>
+          <a:p>
+            <a:r>
+              <a:rPr lang="it-IT" dirty="0" err="1"/>
+              <a:t>clk</a:t>
+            </a:r>
+            <a:r>
+              <a:rPr lang="it-IT" dirty="0"/>
+              <a:t> 20 C8 2 Rx x c4 - c9 0 </a:t>
+            </a:r>
+            <a:r>
+              <a:rPr lang="it-IT" dirty="0" err="1"/>
+              <a:t>rts</a:t>
+            </a:r>
+            <a:r>
+              <a:rPr lang="it-IT" dirty="0"/>
+              <a:t> 0 </a:t>
+            </a:r>
+            <a:r>
+              <a:rPr lang="it-IT" dirty="0" err="1"/>
+              <a:t>ri</a:t>
+            </a:r>
+            <a:r>
+              <a:rPr lang="it-IT" dirty="0"/>
+              <a:t> 0 dxx-- ---- ready 0</a:t>
+            </a:r>
+          </a:p>
+          <a:p>
+            <a:r>
+              <a:rPr lang="it-IT" dirty="0" err="1"/>
+              <a:t>clk</a:t>
+            </a:r>
+            <a:r>
+              <a:rPr lang="it-IT" dirty="0"/>
+              <a:t> 28 C8 3 Rx x c4 - c9 0 </a:t>
+            </a:r>
+            <a:r>
+              <a:rPr lang="it-IT" dirty="0" err="1"/>
+              <a:t>rts</a:t>
+            </a:r>
+            <a:r>
+              <a:rPr lang="it-IT" dirty="0"/>
+              <a:t> 0 </a:t>
+            </a:r>
+            <a:r>
+              <a:rPr lang="it-IT" dirty="0" err="1"/>
+              <a:t>ri</a:t>
+            </a:r>
+            <a:r>
+              <a:rPr lang="it-IT" dirty="0"/>
+              <a:t> 0 dxxx- ---- ready 0</a:t>
+            </a:r>
+          </a:p>
+          <a:p>
+            <a:r>
+              <a:rPr lang="it-IT" dirty="0" err="1"/>
+              <a:t>clk</a:t>
+            </a:r>
+            <a:r>
+              <a:rPr lang="it-IT" dirty="0"/>
+              <a:t> 36 C8 4 Rx x c4 - c9 0 </a:t>
+            </a:r>
+            <a:r>
+              <a:rPr lang="it-IT" dirty="0" err="1"/>
+              <a:t>rts</a:t>
+            </a:r>
+            <a:r>
+              <a:rPr lang="it-IT" dirty="0"/>
+              <a:t> 0 </a:t>
+            </a:r>
+            <a:r>
+              <a:rPr lang="it-IT" dirty="0" err="1"/>
+              <a:t>ri</a:t>
+            </a:r>
+            <a:r>
+              <a:rPr lang="it-IT" dirty="0"/>
+              <a:t> 0 </a:t>
+            </a:r>
+            <a:r>
+              <a:rPr lang="it-IT" dirty="0" err="1"/>
+              <a:t>dxxxx</a:t>
+            </a:r>
+            <a:r>
+              <a:rPr lang="it-IT" dirty="0"/>
+              <a:t> ---- ready 0</a:t>
+            </a:r>
+          </a:p>
+          <a:p>
+            <a:r>
+              <a:rPr lang="it-IT" dirty="0" err="1"/>
+              <a:t>clk</a:t>
+            </a:r>
+            <a:r>
+              <a:rPr lang="it-IT" dirty="0"/>
+              <a:t> 44 C8 5 Rx x c4 - c9 0 </a:t>
+            </a:r>
+            <a:r>
+              <a:rPr lang="it-IT" dirty="0" err="1"/>
+              <a:t>rts</a:t>
+            </a:r>
+            <a:r>
+              <a:rPr lang="it-IT" dirty="0"/>
+              <a:t> 0 </a:t>
+            </a:r>
+            <a:r>
+              <a:rPr lang="it-IT" dirty="0" err="1"/>
+              <a:t>ri</a:t>
+            </a:r>
+            <a:r>
+              <a:rPr lang="it-IT" dirty="0"/>
+              <a:t> 0 </a:t>
+            </a:r>
+            <a:r>
+              <a:rPr lang="it-IT" dirty="0" err="1"/>
+              <a:t>dxxxx</a:t>
+            </a:r>
+            <a:r>
+              <a:rPr lang="it-IT" dirty="0"/>
+              <a:t> x--- ready 0</a:t>
+            </a:r>
+          </a:p>
+          <a:p>
+            <a:r>
+              <a:rPr lang="it-IT" dirty="0" err="1"/>
+              <a:t>clk</a:t>
+            </a:r>
+            <a:r>
+              <a:rPr lang="it-IT" dirty="0"/>
+              <a:t> 52 C8 6 Rx x c4 - c9 0 </a:t>
+            </a:r>
+            <a:r>
+              <a:rPr lang="it-IT" dirty="0" err="1"/>
+              <a:t>rts</a:t>
+            </a:r>
+            <a:r>
+              <a:rPr lang="it-IT" dirty="0"/>
+              <a:t> 0 </a:t>
+            </a:r>
+            <a:r>
+              <a:rPr lang="it-IT" dirty="0" err="1"/>
+              <a:t>ri</a:t>
+            </a:r>
+            <a:r>
+              <a:rPr lang="it-IT" dirty="0"/>
+              <a:t> 0 </a:t>
+            </a:r>
+            <a:r>
+              <a:rPr lang="it-IT" dirty="0" err="1"/>
+              <a:t>dxxxx</a:t>
+            </a:r>
+            <a:r>
+              <a:rPr lang="it-IT" dirty="0"/>
+              <a:t> xx-- ready 0</a:t>
+            </a:r>
+          </a:p>
+          <a:p>
+            <a:r>
+              <a:rPr lang="it-IT" dirty="0" err="1"/>
+              <a:t>clk</a:t>
+            </a:r>
+            <a:r>
+              <a:rPr lang="it-IT" dirty="0"/>
+              <a:t> 60 C8 7 Rx x c4 - c9 0 </a:t>
+            </a:r>
+            <a:r>
+              <a:rPr lang="it-IT" dirty="0" err="1"/>
+              <a:t>rts</a:t>
+            </a:r>
+            <a:r>
+              <a:rPr lang="it-IT" dirty="0"/>
+              <a:t> 0 </a:t>
+            </a:r>
+            <a:r>
+              <a:rPr lang="it-IT" dirty="0" err="1"/>
+              <a:t>ri</a:t>
+            </a:r>
+            <a:r>
+              <a:rPr lang="it-IT" dirty="0"/>
+              <a:t> 0 </a:t>
+            </a:r>
+            <a:r>
+              <a:rPr lang="it-IT" dirty="0" err="1"/>
+              <a:t>dxxxx</a:t>
+            </a:r>
+            <a:r>
+              <a:rPr lang="it-IT" dirty="0"/>
+              <a:t> xxx- ready 0</a:t>
+            </a:r>
+          </a:p>
+          <a:p>
+            <a:r>
+              <a:rPr lang="it-IT" dirty="0" err="1"/>
+              <a:t>clk</a:t>
+            </a:r>
+            <a:r>
+              <a:rPr lang="it-IT" dirty="0"/>
+              <a:t> 68 C8 8 Rx x c4 - c9 0 </a:t>
+            </a:r>
+            <a:r>
+              <a:rPr lang="it-IT" dirty="0" err="1"/>
+              <a:t>rts</a:t>
+            </a:r>
+            <a:r>
+              <a:rPr lang="it-IT" dirty="0"/>
+              <a:t> 0 </a:t>
+            </a:r>
+            <a:r>
+              <a:rPr lang="it-IT" dirty="0" err="1"/>
+              <a:t>ri</a:t>
+            </a:r>
+            <a:r>
+              <a:rPr lang="it-IT" dirty="0"/>
+              <a:t> 0 </a:t>
+            </a:r>
+            <a:r>
+              <a:rPr lang="it-IT" dirty="0" err="1"/>
+              <a:t>dxxxx</a:t>
+            </a:r>
+            <a:r>
+              <a:rPr lang="it-IT" dirty="0"/>
+              <a:t> </a:t>
+            </a:r>
+            <a:r>
+              <a:rPr lang="it-IT" dirty="0" err="1"/>
+              <a:t>xxxx</a:t>
+            </a:r>
+            <a:r>
+              <a:rPr lang="it-IT" dirty="0"/>
+              <a:t> ready 0</a:t>
+            </a:r>
+          </a:p>
+          <a:p>
+            <a:r>
+              <a:rPr lang="it-IT" dirty="0" err="1"/>
+              <a:t>clk</a:t>
+            </a:r>
+            <a:r>
+              <a:rPr lang="it-IT" dirty="0"/>
+              <a:t> 76 C8 9 Rx 1 c4 - c9 1 </a:t>
+            </a:r>
+            <a:r>
+              <a:rPr lang="it-IT" dirty="0" err="1"/>
+              <a:t>rts</a:t>
+            </a:r>
+            <a:r>
+              <a:rPr lang="it-IT" dirty="0"/>
+              <a:t> 0 </a:t>
+            </a:r>
+            <a:r>
+              <a:rPr lang="it-IT" dirty="0" err="1"/>
+              <a:t>ri</a:t>
+            </a:r>
+            <a:r>
+              <a:rPr lang="it-IT" dirty="0"/>
+              <a:t> 0 </a:t>
+            </a:r>
+            <a:r>
+              <a:rPr lang="it-IT" dirty="0" err="1"/>
+              <a:t>dxxxx</a:t>
+            </a:r>
+            <a:r>
+              <a:rPr lang="it-IT" dirty="0"/>
+              <a:t> </a:t>
+            </a:r>
+            <a:r>
+              <a:rPr lang="it-IT" dirty="0" err="1"/>
+              <a:t>xxxx</a:t>
+            </a:r>
+            <a:r>
+              <a:rPr lang="it-IT" dirty="0"/>
+              <a:t> ready 1</a:t>
+            </a:r>
+          </a:p>
+          <a:p>
+            <a:r>
+              <a:rPr lang="it-IT" dirty="0" err="1">
+                <a:solidFill>
+                  <a:srgbClr val="FF0000"/>
+                </a:solidFill>
+              </a:rPr>
+              <a:t>clk</a:t>
+            </a:r>
+            <a:r>
+              <a:rPr lang="it-IT" dirty="0">
+                <a:solidFill>
+                  <a:srgbClr val="FF0000"/>
+                </a:solidFill>
+              </a:rPr>
+              <a:t> 84 C8 10 Rx 1 c4 0 c9 1 </a:t>
+            </a:r>
+            <a:r>
+              <a:rPr lang="it-IT" dirty="0" err="1">
+                <a:solidFill>
+                  <a:srgbClr val="FF0000"/>
+                </a:solidFill>
+              </a:rPr>
+              <a:t>rts</a:t>
+            </a:r>
+            <a:r>
+              <a:rPr lang="it-IT" dirty="0">
+                <a:solidFill>
+                  <a:srgbClr val="FF0000"/>
+                </a:solidFill>
+              </a:rPr>
+              <a:t> 1 </a:t>
+            </a:r>
+            <a:r>
+              <a:rPr lang="it-IT" dirty="0" err="1">
+                <a:solidFill>
+                  <a:srgbClr val="FF0000"/>
+                </a:solidFill>
+              </a:rPr>
+              <a:t>ri</a:t>
+            </a:r>
+            <a:r>
+              <a:rPr lang="it-IT" dirty="0">
+                <a:solidFill>
+                  <a:srgbClr val="FF0000"/>
+                </a:solidFill>
+              </a:rPr>
+              <a:t> 0 </a:t>
+            </a:r>
+            <a:r>
+              <a:rPr lang="it-IT" dirty="0" err="1">
+                <a:solidFill>
+                  <a:srgbClr val="FF0000"/>
+                </a:solidFill>
+              </a:rPr>
+              <a:t>dxxxx</a:t>
+            </a:r>
+            <a:r>
+              <a:rPr lang="it-IT" dirty="0">
+                <a:solidFill>
+                  <a:srgbClr val="FF0000"/>
+                </a:solidFill>
+              </a:rPr>
+              <a:t> </a:t>
+            </a:r>
+            <a:r>
+              <a:rPr lang="it-IT" dirty="0" err="1">
+                <a:solidFill>
+                  <a:srgbClr val="FF0000"/>
+                </a:solidFill>
+              </a:rPr>
+              <a:t>xxxx</a:t>
+            </a:r>
+            <a:r>
+              <a:rPr lang="it-IT" dirty="0">
+                <a:solidFill>
+                  <a:srgbClr val="FF0000"/>
+                </a:solidFill>
+              </a:rPr>
+              <a:t> ready 1</a:t>
+            </a:r>
+          </a:p>
+          <a:p>
+            <a:endParaRPr lang="it-IT" dirty="0"/>
+          </a:p>
+        </p:txBody>
+      </p:sp>
     </p:spTree>
     <p:extLst>
       <p:ext uri="{BB962C8B-B14F-4D97-AF65-F5344CB8AC3E}">
@@ -31836,58 +34097,6 @@
           </a:fontRef>
         </p:style>
       </p:cxnSp>
-      <p:sp>
-        <p:nvSpPr>
-          <p:cNvPr id="119" name="Ritardo 118">
-            <a:extLst>
-              <a:ext uri="{FF2B5EF4-FFF2-40B4-BE49-F238E27FC236}">
-                <a16:creationId xmlns:a16="http://schemas.microsoft.com/office/drawing/2014/main" id="{52B6320E-2914-417C-A6AB-FC09E2F77F94}"/>
-              </a:ext>
-            </a:extLst>
-          </p:cNvPr>
-          <p:cNvSpPr/>
-          <p:nvPr/>
-        </p:nvSpPr>
-        <p:spPr>
-          <a:xfrm>
-            <a:off x="4199689" y="1151384"/>
-            <a:ext cx="317727" cy="315813"/>
-          </a:xfrm>
-          <a:prstGeom prst="flowChartDelay">
-            <a:avLst/>
-          </a:prstGeom>
-          <a:noFill/>
-          <a:ln>
-            <a:solidFill>
-              <a:schemeClr val="tx1"/>
-            </a:solidFill>
-          </a:ln>
-        </p:spPr>
-        <p:style>
-          <a:lnRef idx="2">
-            <a:schemeClr val="accent1">
-              <a:shade val="50000"/>
-            </a:schemeClr>
-          </a:lnRef>
-          <a:fillRef idx="1">
-            <a:schemeClr val="accent1"/>
-          </a:fillRef>
-          <a:effectRef idx="0">
-            <a:schemeClr val="accent1"/>
-          </a:effectRef>
-          <a:fontRef idx="minor">
-            <a:schemeClr val="lt1"/>
-          </a:fontRef>
-        </p:style>
-        <p:txBody>
-          <a:bodyPr rtlCol="0" anchor="ctr"/>
-          <a:lstStyle/>
-          <a:p>
-            <a:pPr algn="ctr"/>
-            <a:endParaRPr lang="it-IT"/>
-          </a:p>
-        </p:txBody>
-      </p:sp>
       <p:cxnSp>
         <p:nvCxnSpPr>
           <p:cNvPr id="120" name="Connettore a gomito 119">
@@ -31910,46 +34119,6 @@
           <a:prstGeom prst="bentConnector3">
             <a:avLst>
               <a:gd name="adj1" fmla="val 99848"/>
-            </a:avLst>
-          </a:prstGeom>
-        </p:spPr>
-        <p:style>
-          <a:lnRef idx="1">
-            <a:schemeClr val="accent1"/>
-          </a:lnRef>
-          <a:fillRef idx="0">
-            <a:schemeClr val="accent1"/>
-          </a:fillRef>
-          <a:effectRef idx="0">
-            <a:schemeClr val="accent1"/>
-          </a:effectRef>
-          <a:fontRef idx="minor">
-            <a:schemeClr val="tx1"/>
-          </a:fontRef>
-        </p:style>
-      </p:cxnSp>
-      <p:cxnSp>
-        <p:nvCxnSpPr>
-          <p:cNvPr id="121" name="Connettore a gomito 120">
-            <a:extLst>
-              <a:ext uri="{FF2B5EF4-FFF2-40B4-BE49-F238E27FC236}">
-                <a16:creationId xmlns:a16="http://schemas.microsoft.com/office/drawing/2014/main" id="{9DD12248-0953-40F6-928F-F3DB4771AF65}"/>
-              </a:ext>
-            </a:extLst>
-          </p:cNvPr>
-          <p:cNvCxnSpPr>
-            <a:cxnSpLocks/>
-          </p:cNvCxnSpPr>
-          <p:nvPr/>
-        </p:nvCxnSpPr>
-        <p:spPr>
-          <a:xfrm rot="5400000" flipH="1" flipV="1">
-            <a:off x="2730616" y="2378456"/>
-            <a:ext cx="2730235" cy="697029"/>
-          </a:xfrm>
-          <a:prstGeom prst="bentConnector3">
-            <a:avLst>
-              <a:gd name="adj1" fmla="val 99777"/>
             </a:avLst>
           </a:prstGeom>
         </p:spPr>
@@ -32004,58 +34173,6 @@
           </a:fontRef>
         </p:style>
       </p:cxnSp>
-      <p:sp>
-        <p:nvSpPr>
-          <p:cNvPr id="123" name="Ritardo 122">
-            <a:extLst>
-              <a:ext uri="{FF2B5EF4-FFF2-40B4-BE49-F238E27FC236}">
-                <a16:creationId xmlns:a16="http://schemas.microsoft.com/office/drawing/2014/main" id="{74D4B7F0-AA20-4085-8970-66BBD045874A}"/>
-              </a:ext>
-            </a:extLst>
-          </p:cNvPr>
-          <p:cNvSpPr/>
-          <p:nvPr/>
-        </p:nvSpPr>
-        <p:spPr>
-          <a:xfrm>
-            <a:off x="4571001" y="1757616"/>
-            <a:ext cx="317727" cy="315813"/>
-          </a:xfrm>
-          <a:prstGeom prst="flowChartDelay">
-            <a:avLst/>
-          </a:prstGeom>
-          <a:noFill/>
-          <a:ln>
-            <a:solidFill>
-              <a:schemeClr val="tx1"/>
-            </a:solidFill>
-          </a:ln>
-        </p:spPr>
-        <p:style>
-          <a:lnRef idx="2">
-            <a:schemeClr val="accent1">
-              <a:shade val="50000"/>
-            </a:schemeClr>
-          </a:lnRef>
-          <a:fillRef idx="1">
-            <a:schemeClr val="accent1"/>
-          </a:fillRef>
-          <a:effectRef idx="0">
-            <a:schemeClr val="accent1"/>
-          </a:effectRef>
-          <a:fontRef idx="minor">
-            <a:schemeClr val="lt1"/>
-          </a:fontRef>
-        </p:style>
-        <p:txBody>
-          <a:bodyPr rtlCol="0" anchor="ctr"/>
-          <a:lstStyle/>
-          <a:p>
-            <a:pPr algn="ctr"/>
-            <a:endParaRPr lang="it-IT"/>
-          </a:p>
-        </p:txBody>
-      </p:sp>
       <p:cxnSp>
         <p:nvCxnSpPr>
           <p:cNvPr id="124" name="Connettore a gomito 123">
@@ -32067,7 +34184,6 @@
           </p:cNvPr>
           <p:cNvCxnSpPr>
             <a:cxnSpLocks/>
-            <a:endCxn id="123" idx="3"/>
           </p:cNvCxnSpPr>
           <p:nvPr/>
         </p:nvCxnSpPr>
@@ -32173,98 +34289,6 @@
           </a:fontRef>
         </p:style>
       </p:cxnSp>
-      <p:sp>
-        <p:nvSpPr>
-          <p:cNvPr id="132" name="Ritardo 131">
-            <a:extLst>
-              <a:ext uri="{FF2B5EF4-FFF2-40B4-BE49-F238E27FC236}">
-                <a16:creationId xmlns:a16="http://schemas.microsoft.com/office/drawing/2014/main" id="{2184879A-6C30-40CE-B0B9-210E18DBF130}"/>
-              </a:ext>
-            </a:extLst>
-          </p:cNvPr>
-          <p:cNvSpPr/>
-          <p:nvPr/>
-        </p:nvSpPr>
-        <p:spPr>
-          <a:xfrm>
-            <a:off x="4928817" y="1417968"/>
-            <a:ext cx="317727" cy="315813"/>
-          </a:xfrm>
-          <a:prstGeom prst="flowChartDelay">
-            <a:avLst/>
-          </a:prstGeom>
-          <a:noFill/>
-          <a:ln>
-            <a:solidFill>
-              <a:schemeClr val="tx1"/>
-            </a:solidFill>
-          </a:ln>
-        </p:spPr>
-        <p:style>
-          <a:lnRef idx="2">
-            <a:schemeClr val="accent1">
-              <a:shade val="50000"/>
-            </a:schemeClr>
-          </a:lnRef>
-          <a:fillRef idx="1">
-            <a:schemeClr val="accent1"/>
-          </a:fillRef>
-          <a:effectRef idx="0">
-            <a:schemeClr val="accent1"/>
-          </a:effectRef>
-          <a:fontRef idx="minor">
-            <a:schemeClr val="lt1"/>
-          </a:fontRef>
-        </p:style>
-        <p:txBody>
-          <a:bodyPr rtlCol="0" anchor="ctr"/>
-          <a:lstStyle/>
-          <a:p>
-            <a:pPr algn="ctr"/>
-            <a:endParaRPr lang="it-IT"/>
-          </a:p>
-        </p:txBody>
-      </p:sp>
-      <p:cxnSp>
-        <p:nvCxnSpPr>
-          <p:cNvPr id="133" name="Connettore a gomito 132">
-            <a:extLst>
-              <a:ext uri="{FF2B5EF4-FFF2-40B4-BE49-F238E27FC236}">
-                <a16:creationId xmlns:a16="http://schemas.microsoft.com/office/drawing/2014/main" id="{718B7005-A7F6-4DE6-8D5B-5A2BD34211CF}"/>
-              </a:ext>
-            </a:extLst>
-          </p:cNvPr>
-          <p:cNvCxnSpPr>
-            <a:cxnSpLocks/>
-          </p:cNvCxnSpPr>
-          <p:nvPr/>
-        </p:nvCxnSpPr>
-        <p:spPr>
-          <a:xfrm>
-            <a:off x="3996099" y="1357225"/>
-            <a:ext cx="932718" cy="159927"/>
-          </a:xfrm>
-          <a:prstGeom prst="bentConnector3">
-            <a:avLst>
-              <a:gd name="adj1" fmla="val 3231"/>
-            </a:avLst>
-          </a:prstGeom>
-        </p:spPr>
-        <p:style>
-          <a:lnRef idx="1">
-            <a:schemeClr val="accent1"/>
-          </a:lnRef>
-          <a:fillRef idx="0">
-            <a:schemeClr val="accent1"/>
-          </a:fillRef>
-          <a:effectRef idx="0">
-            <a:schemeClr val="accent1"/>
-          </a:effectRef>
-          <a:fontRef idx="minor">
-            <a:schemeClr val="tx1"/>
-          </a:fontRef>
-        </p:style>
-      </p:cxnSp>
       <p:cxnSp>
         <p:nvCxnSpPr>
           <p:cNvPr id="139" name="Connettore a gomito 138">
@@ -32316,7 +34340,6 @@
           </p:cNvPr>
           <p:cNvCxnSpPr>
             <a:cxnSpLocks/>
-            <a:endCxn id="132" idx="3"/>
           </p:cNvCxnSpPr>
           <p:nvPr/>
         </p:nvCxnSpPr>
